--- a/HackerEarth_Idea_Submission_Template24414bb.pptx
+++ b/HackerEarth_Idea_Submission_Template24414bb.pptx
@@ -5,20 +5,21 @@
     <p:sldMasterId id="2147483666" r:id="rId12"/>
   </p:sldMasterIdLst>
   <p:notesMasterIdLst>
-    <p:notesMasterId r:id="rId21"/>
+    <p:notesMasterId r:id="rId22"/>
   </p:notesMasterIdLst>
   <p:handoutMasterIdLst>
-    <p:handoutMasterId r:id="rId22"/>
+    <p:handoutMasterId r:id="rId23"/>
   </p:handoutMasterIdLst>
   <p:sldIdLst>
     <p:sldId id="256" r:id="rId13"/>
     <p:sldId id="264" r:id="rId14"/>
     <p:sldId id="265" r:id="rId15"/>
     <p:sldId id="266" r:id="rId16"/>
-    <p:sldId id="267" r:id="rId17"/>
-    <p:sldId id="268" r:id="rId18"/>
-    <p:sldId id="258" r:id="rId19"/>
-    <p:sldId id="269" r:id="rId20"/>
+    <p:sldId id="270" r:id="rId17"/>
+    <p:sldId id="267" r:id="rId18"/>
+    <p:sldId id="268" r:id="rId19"/>
+    <p:sldId id="258" r:id="rId20"/>
+    <p:sldId id="269" r:id="rId21"/>
   </p:sldIdLst>
   <p:sldSz cx="13442950" cy="7561263"/>
   <p:notesSz cx="7099300" cy="10234613"/>
@@ -351,7 +352,7 @@
               <a:rPr lang="en-US">
                 <a:latin typeface="Source Sans Pro" panose="020B0503030403020204" pitchFamily="34" charset="0"/>
               </a:rPr>
-              <a:t>1/11/22</a:t>
+              <a:t>05-Feb-22</a:t>
             </a:fld>
             <a:endParaRPr lang="en-US" dirty="0">
               <a:latin typeface="Source Sans Pro" panose="020B0503030403020204" pitchFamily="34" charset="0"/>
@@ -529,7 +530,7 @@
             <a:fld id="{539D999F-F868-4432-A6C8-4E530226A2F6}" type="datetimeFigureOut">
               <a:rPr lang="en-US" smtClean="0"/>
               <a:pPr/>
-              <a:t>1/11/22</a:t>
+              <a:t>05-Feb-22</a:t>
             </a:fld>
             <a:endParaRPr lang="en-US" dirty="0"/>
           </a:p>
@@ -882,7 +883,7 @@
             <a:fld id="{60DB4552-3D69-4E2D-A256-245DD04F23B6}" type="slidenum">
               <a:rPr lang="en-US" smtClean="0"/>
               <a:pPr/>
-              <a:t>7</a:t>
+              <a:t>8</a:t>
             </a:fld>
             <a:endParaRPr lang="en-US" dirty="0"/>
           </a:p>
@@ -972,7 +973,7 @@
             <a:fld id="{60DB4552-3D69-4E2D-A256-245DD04F23B6}" type="slidenum">
               <a:rPr lang="en-US" smtClean="0"/>
               <a:pPr/>
-              <a:t>8</a:t>
+              <a:t>9</a:t>
             </a:fld>
             <a:endParaRPr lang="en-US" dirty="0"/>
           </a:p>
@@ -1013,7 +1014,7 @@
           <p:cNvPr id="3" name="Picture 2" descr="A picture containing text, clock&#10;&#10;Description automatically generated">
             <a:extLst>
               <a:ext uri="{FF2B5EF4-FFF2-40B4-BE49-F238E27FC236}">
-                <a16:creationId xmlns:a16="http://schemas.microsoft.com/office/drawing/2014/main" id="{7507DB0D-77E0-406F-9D7E-21DE6986571B}"/>
+                <a16:creationId xmlns:a16="http://schemas.microsoft.com/office/drawing/2014/main" xmlns="" id="{7507DB0D-77E0-406F-9D7E-21DE6986571B}"/>
               </a:ext>
             </a:extLst>
           </p:cNvPr>
@@ -1134,7 +1135,7 @@
           <p:cNvPr id="41" name="Watermark">
             <a:extLst>
               <a:ext uri="{FF2B5EF4-FFF2-40B4-BE49-F238E27FC236}">
-                <a16:creationId xmlns:a16="http://schemas.microsoft.com/office/drawing/2014/main" id="{F8E9B888-CB64-4292-BFE2-1134379589C2}"/>
+                <a16:creationId xmlns:a16="http://schemas.microsoft.com/office/drawing/2014/main" xmlns="" id="{F8E9B888-CB64-4292-BFE2-1134379589C2}"/>
               </a:ext>
             </a:extLst>
           </p:cNvPr>
@@ -1253,7 +1254,7 @@
           <p:cNvPr id="16" name="image" descr="{&quot;templafy&quot;:{&quot;id&quot;:&quot;0f4d98c9-ac35-4c7e-a25c-9297298baeef&quot;}}" title="Form.ChooseProduct_Tertiary.ProductLogo">
             <a:extLst>
               <a:ext uri="{FF2B5EF4-FFF2-40B4-BE49-F238E27FC236}">
-                <a16:creationId xmlns:a16="http://schemas.microsoft.com/office/drawing/2014/main" id="{12B1603D-9F98-471F-9439-F9DED843C28B}"/>
+                <a16:creationId xmlns:a16="http://schemas.microsoft.com/office/drawing/2014/main" xmlns="" id="{12B1603D-9F98-471F-9439-F9DED843C28B}"/>
               </a:ext>
             </a:extLst>
           </p:cNvPr>
@@ -1305,7 +1306,7 @@
           <p:cNvPr id="22" name="image" descr="{&quot;templafy&quot;:{&quot;id&quot;:&quot;5cc30238-6e06-447f-bcad-587afb6b23c7&quot;}}" title="Form.ChoosePoroduct_Secondary.ProductLogo">
             <a:extLst>
               <a:ext uri="{FF2B5EF4-FFF2-40B4-BE49-F238E27FC236}">
-                <a16:creationId xmlns:a16="http://schemas.microsoft.com/office/drawing/2014/main" id="{AE32609B-D20B-4181-AA7C-3BE2A6899EC3}"/>
+                <a16:creationId xmlns:a16="http://schemas.microsoft.com/office/drawing/2014/main" xmlns="" id="{AE32609B-D20B-4181-AA7C-3BE2A6899EC3}"/>
               </a:ext>
             </a:extLst>
           </p:cNvPr>
@@ -1357,7 +1358,7 @@
           <p:cNvPr id="23" name="image" descr="{&quot;templafy&quot;:{&quot;id&quot;:&quot;53c951d2-f0d5-4a01-bb44-0e64ea46cde6&quot;}}" title="Form.ChooseProduct_Primary.ProductLogo">
             <a:extLst>
               <a:ext uri="{FF2B5EF4-FFF2-40B4-BE49-F238E27FC236}">
-                <a16:creationId xmlns:a16="http://schemas.microsoft.com/office/drawing/2014/main" id="{DF2B5168-77CD-4CB4-B637-3C51D6C0379D}"/>
+                <a16:creationId xmlns:a16="http://schemas.microsoft.com/office/drawing/2014/main" xmlns="" id="{DF2B5168-77CD-4CB4-B637-3C51D6C0379D}"/>
               </a:ext>
             </a:extLst>
           </p:cNvPr>
@@ -1409,7 +1410,7 @@
           <p:cNvPr id="26" name="text" descr="{&quot;templafy&quot;:{&quot;id&quot;:&quot;94371643-c78b-41c8-8009-cd5c66447b62&quot;}}" title="Form.PowerPointClient">
             <a:extLst>
               <a:ext uri="{FF2B5EF4-FFF2-40B4-BE49-F238E27FC236}">
-                <a16:creationId xmlns:a16="http://schemas.microsoft.com/office/drawing/2014/main" id="{E82609A1-0FB6-403A-B4C7-8DA018653310}"/>
+                <a16:creationId xmlns:a16="http://schemas.microsoft.com/office/drawing/2014/main" xmlns="" id="{E82609A1-0FB6-403A-B4C7-8DA018653310}"/>
               </a:ext>
             </a:extLst>
           </p:cNvPr>
@@ -1519,7 +1520,7 @@
           <p:cNvPr id="30" name="Graphic 29">
             <a:extLst>
               <a:ext uri="{FF2B5EF4-FFF2-40B4-BE49-F238E27FC236}">
-                <a16:creationId xmlns:a16="http://schemas.microsoft.com/office/drawing/2014/main" id="{0892D56C-96CD-4165-AB95-2CADE13D46A3}"/>
+                <a16:creationId xmlns:a16="http://schemas.microsoft.com/office/drawing/2014/main" xmlns="" id="{0892D56C-96CD-4165-AB95-2CADE13D46A3}"/>
               </a:ext>
             </a:extLst>
           </p:cNvPr>
@@ -1532,7 +1533,7 @@
           <a:blip r:embed="rId3">
             <a:extLst>
               <a:ext uri="{96DAC541-7B7A-43D3-8B79-37D633B846F1}">
-                <asvg:svgBlip xmlns:asvg="http://schemas.microsoft.com/office/drawing/2016/SVG/main" r:embed="rId4"/>
+                <asvg:svgBlip xmlns:asvg="http://schemas.microsoft.com/office/drawing/2016/SVG/main" xmlns="" r:embed="rId4"/>
               </a:ext>
             </a:extLst>
           </a:blip>
@@ -1585,7 +1586,7 @@
           <p:cNvPr id="5" name="Picture 4" descr="Logo&#10;&#10;Description automatically generated">
             <a:extLst>
               <a:ext uri="{FF2B5EF4-FFF2-40B4-BE49-F238E27FC236}">
-                <a16:creationId xmlns:a16="http://schemas.microsoft.com/office/drawing/2014/main" id="{9A7EC422-57BB-41C7-93BA-F74794F20020}"/>
+                <a16:creationId xmlns:a16="http://schemas.microsoft.com/office/drawing/2014/main" xmlns="" id="{9A7EC422-57BB-41C7-93BA-F74794F20020}"/>
               </a:ext>
             </a:extLst>
           </p:cNvPr>
@@ -1785,7 +1786,7 @@
           <p:cNvPr id="11" name="Guidance">
             <a:extLst>
               <a:ext uri="{FF2B5EF4-FFF2-40B4-BE49-F238E27FC236}">
-                <a16:creationId xmlns:a16="http://schemas.microsoft.com/office/drawing/2014/main" id="{C0560B96-89DC-48EF-8186-C57132A06BB6}"/>
+                <a16:creationId xmlns:a16="http://schemas.microsoft.com/office/drawing/2014/main" xmlns="" id="{C0560B96-89DC-48EF-8186-C57132A06BB6}"/>
               </a:ext>
             </a:extLst>
           </p:cNvPr>
@@ -1805,7 +1806,7 @@
             <p:cNvPr id="12" name="Guidance Arrow 1">
               <a:extLst>
                 <a:ext uri="{FF2B5EF4-FFF2-40B4-BE49-F238E27FC236}">
-                  <a16:creationId xmlns:a16="http://schemas.microsoft.com/office/drawing/2014/main" id="{E900C0DC-D912-4F79-BAF6-9901FF11017C}"/>
+                  <a16:creationId xmlns:a16="http://schemas.microsoft.com/office/drawing/2014/main" xmlns="" id="{E900C0DC-D912-4F79-BAF6-9901FF11017C}"/>
                 </a:ext>
               </a:extLst>
             </p:cNvPr>
@@ -1847,7 +1848,7 @@
             <p:cNvPr id="13" name="Guidance Text 1">
               <a:extLst>
                 <a:ext uri="{FF2B5EF4-FFF2-40B4-BE49-F238E27FC236}">
-                  <a16:creationId xmlns:a16="http://schemas.microsoft.com/office/drawing/2014/main" id="{23CF8911-718C-4C58-913F-95035F69D7A5}"/>
+                  <a16:creationId xmlns:a16="http://schemas.microsoft.com/office/drawing/2014/main" xmlns="" id="{23CF8911-718C-4C58-913F-95035F69D7A5}"/>
                 </a:ext>
               </a:extLst>
             </p:cNvPr>
@@ -1913,7 +1914,7 @@
           <p:cNvPr id="15" name="Graphic 14">
             <a:extLst>
               <a:ext uri="{FF2B5EF4-FFF2-40B4-BE49-F238E27FC236}">
-                <a16:creationId xmlns:a16="http://schemas.microsoft.com/office/drawing/2014/main" id="{2895593F-750B-4731-88A6-52CB635F3674}"/>
+                <a16:creationId xmlns:a16="http://schemas.microsoft.com/office/drawing/2014/main" xmlns="" id="{2895593F-750B-4731-88A6-52CB635F3674}"/>
               </a:ext>
             </a:extLst>
           </p:cNvPr>
@@ -1926,7 +1927,7 @@
           <a:blip r:embed="rId3">
             <a:extLst>
               <a:ext uri="{96DAC541-7B7A-43D3-8B79-37D633B846F1}">
-                <asvg:svgBlip xmlns:asvg="http://schemas.microsoft.com/office/drawing/2016/SVG/main" r:embed="rId4"/>
+                <asvg:svgBlip xmlns:asvg="http://schemas.microsoft.com/office/drawing/2016/SVG/main" xmlns="" r:embed="rId4"/>
               </a:ext>
             </a:extLst>
           </a:blip>
@@ -2009,7 +2010,7 @@
           <p:cNvPr id="11" name="Picture 10" descr="A picture containing silhouette, night sky&#10;&#10;Description automatically generated">
             <a:extLst>
               <a:ext uri="{FF2B5EF4-FFF2-40B4-BE49-F238E27FC236}">
-                <a16:creationId xmlns:a16="http://schemas.microsoft.com/office/drawing/2014/main" id="{C283E3D3-3839-4131-88C1-A4C3E25BF1B8}"/>
+                <a16:creationId xmlns:a16="http://schemas.microsoft.com/office/drawing/2014/main" xmlns="" id="{C283E3D3-3839-4131-88C1-A4C3E25BF1B8}"/>
               </a:ext>
             </a:extLst>
           </p:cNvPr>
@@ -2136,7 +2137,7 @@
           <p:cNvPr id="4" name="Spacers">
             <a:extLst>
               <a:ext uri="{FF2B5EF4-FFF2-40B4-BE49-F238E27FC236}">
-                <a16:creationId xmlns:a16="http://schemas.microsoft.com/office/drawing/2014/main" id="{96BFEDA8-C529-4DC6-8C5D-C1D32F8D7174}"/>
+                <a16:creationId xmlns:a16="http://schemas.microsoft.com/office/drawing/2014/main" xmlns="" id="{96BFEDA8-C529-4DC6-8C5D-C1D32F8D7174}"/>
               </a:ext>
             </a:extLst>
           </p:cNvPr>
@@ -2156,7 +2157,7 @@
             <p:cNvPr id="5" name="Left">
               <a:extLst>
                 <a:ext uri="{FF2B5EF4-FFF2-40B4-BE49-F238E27FC236}">
-                  <a16:creationId xmlns:a16="http://schemas.microsoft.com/office/drawing/2014/main" id="{6473849B-1E97-46D4-8668-7175F2FE5CF0}"/>
+                  <a16:creationId xmlns:a16="http://schemas.microsoft.com/office/drawing/2014/main" xmlns="" id="{6473849B-1E97-46D4-8668-7175F2FE5CF0}"/>
                 </a:ext>
               </a:extLst>
             </p:cNvPr>
@@ -2197,7 +2198,7 @@
             <p:cNvPr id="6" name="Right">
               <a:extLst>
                 <a:ext uri="{FF2B5EF4-FFF2-40B4-BE49-F238E27FC236}">
-                  <a16:creationId xmlns:a16="http://schemas.microsoft.com/office/drawing/2014/main" id="{3BCB408C-D5DE-4646-88FF-F74183F140F3}"/>
+                  <a16:creationId xmlns:a16="http://schemas.microsoft.com/office/drawing/2014/main" xmlns="" id="{3BCB408C-D5DE-4646-88FF-F74183F140F3}"/>
                 </a:ext>
               </a:extLst>
             </p:cNvPr>
@@ -2239,7 +2240,7 @@
           <p:cNvPr id="13" name="Graphic 12">
             <a:extLst>
               <a:ext uri="{FF2B5EF4-FFF2-40B4-BE49-F238E27FC236}">
-                <a16:creationId xmlns:a16="http://schemas.microsoft.com/office/drawing/2014/main" id="{38C70AB9-AC3D-460C-8E6E-F9D342C003E9}"/>
+                <a16:creationId xmlns:a16="http://schemas.microsoft.com/office/drawing/2014/main" xmlns="" id="{38C70AB9-AC3D-460C-8E6E-F9D342C003E9}"/>
               </a:ext>
             </a:extLst>
           </p:cNvPr>
@@ -2252,7 +2253,7 @@
           <a:blip r:embed="rId3">
             <a:extLst>
               <a:ext uri="{96DAC541-7B7A-43D3-8B79-37D633B846F1}">
-                <asvg:svgBlip xmlns:asvg="http://schemas.microsoft.com/office/drawing/2016/SVG/main" r:embed="rId4"/>
+                <asvg:svgBlip xmlns:asvg="http://schemas.microsoft.com/office/drawing/2016/SVG/main" xmlns="" r:embed="rId4"/>
               </a:ext>
             </a:extLst>
           </a:blip>
@@ -2275,7 +2276,7 @@
           <p:cNvPr id="12" name="TextBox 11">
             <a:extLst>
               <a:ext uri="{FF2B5EF4-FFF2-40B4-BE49-F238E27FC236}">
-                <a16:creationId xmlns:a16="http://schemas.microsoft.com/office/drawing/2014/main" id="{88B07E22-3758-4238-9F64-474AA1AAE2DD}"/>
+                <a16:creationId xmlns:a16="http://schemas.microsoft.com/office/drawing/2014/main" xmlns="" id="{88B07E22-3758-4238-9F64-474AA1AAE2DD}"/>
               </a:ext>
             </a:extLst>
           </p:cNvPr>
@@ -2398,7 +2399,7 @@
           <p:cNvPr id="13" name="Picture 12" descr="A picture containing logo&#10;&#10;Description automatically generated">
             <a:extLst>
               <a:ext uri="{FF2B5EF4-FFF2-40B4-BE49-F238E27FC236}">
-                <a16:creationId xmlns:a16="http://schemas.microsoft.com/office/drawing/2014/main" id="{DDECDAF1-29AD-4827-9D7A-BC94158209A1}"/>
+                <a16:creationId xmlns:a16="http://schemas.microsoft.com/office/drawing/2014/main" xmlns="" id="{DDECDAF1-29AD-4827-9D7A-BC94158209A1}"/>
               </a:ext>
             </a:extLst>
           </p:cNvPr>
@@ -2525,7 +2526,7 @@
           <p:cNvPr id="4" name="Spacers">
             <a:extLst>
               <a:ext uri="{FF2B5EF4-FFF2-40B4-BE49-F238E27FC236}">
-                <a16:creationId xmlns:a16="http://schemas.microsoft.com/office/drawing/2014/main" id="{96BFEDA8-C529-4DC6-8C5D-C1D32F8D7174}"/>
+                <a16:creationId xmlns:a16="http://schemas.microsoft.com/office/drawing/2014/main" xmlns="" id="{96BFEDA8-C529-4DC6-8C5D-C1D32F8D7174}"/>
               </a:ext>
             </a:extLst>
           </p:cNvPr>
@@ -2545,7 +2546,7 @@
             <p:cNvPr id="5" name="Left">
               <a:extLst>
                 <a:ext uri="{FF2B5EF4-FFF2-40B4-BE49-F238E27FC236}">
-                  <a16:creationId xmlns:a16="http://schemas.microsoft.com/office/drawing/2014/main" id="{6473849B-1E97-46D4-8668-7175F2FE5CF0}"/>
+                  <a16:creationId xmlns:a16="http://schemas.microsoft.com/office/drawing/2014/main" xmlns="" id="{6473849B-1E97-46D4-8668-7175F2FE5CF0}"/>
                 </a:ext>
               </a:extLst>
             </p:cNvPr>
@@ -2586,7 +2587,7 @@
             <p:cNvPr id="6" name="Right">
               <a:extLst>
                 <a:ext uri="{FF2B5EF4-FFF2-40B4-BE49-F238E27FC236}">
-                  <a16:creationId xmlns:a16="http://schemas.microsoft.com/office/drawing/2014/main" id="{3BCB408C-D5DE-4646-88FF-F74183F140F3}"/>
+                  <a16:creationId xmlns:a16="http://schemas.microsoft.com/office/drawing/2014/main" xmlns="" id="{3BCB408C-D5DE-4646-88FF-F74183F140F3}"/>
                 </a:ext>
               </a:extLst>
             </p:cNvPr>
@@ -2628,7 +2629,7 @@
           <p:cNvPr id="15" name="Graphic 14">
             <a:extLst>
               <a:ext uri="{FF2B5EF4-FFF2-40B4-BE49-F238E27FC236}">
-                <a16:creationId xmlns:a16="http://schemas.microsoft.com/office/drawing/2014/main" id="{818F5097-2D84-4FA6-A064-0F1141B59D41}"/>
+                <a16:creationId xmlns:a16="http://schemas.microsoft.com/office/drawing/2014/main" xmlns="" id="{818F5097-2D84-4FA6-A064-0F1141B59D41}"/>
               </a:ext>
             </a:extLst>
           </p:cNvPr>
@@ -2641,7 +2642,7 @@
           <a:blip r:embed="rId3">
             <a:extLst>
               <a:ext uri="{96DAC541-7B7A-43D3-8B79-37D633B846F1}">
-                <asvg:svgBlip xmlns:asvg="http://schemas.microsoft.com/office/drawing/2016/SVG/main" r:embed="rId4"/>
+                <asvg:svgBlip xmlns:asvg="http://schemas.microsoft.com/office/drawing/2016/SVG/main" xmlns="" r:embed="rId4"/>
               </a:ext>
             </a:extLst>
           </a:blip>
@@ -2694,7 +2695,7 @@
           <p:cNvPr id="8" name="Title 2">
             <a:extLst>
               <a:ext uri="{FF2B5EF4-FFF2-40B4-BE49-F238E27FC236}">
-                <a16:creationId xmlns:a16="http://schemas.microsoft.com/office/drawing/2014/main" id="{DF0AA9B1-B4E0-428F-88EC-5EA31380067B}"/>
+                <a16:creationId xmlns:a16="http://schemas.microsoft.com/office/drawing/2014/main" xmlns="" id="{DF0AA9B1-B4E0-428F-88EC-5EA31380067B}"/>
               </a:ext>
             </a:extLst>
           </p:cNvPr>
@@ -2736,7 +2737,7 @@
           <p:cNvPr id="9" name="Guidance">
             <a:extLst>
               <a:ext uri="{FF2B5EF4-FFF2-40B4-BE49-F238E27FC236}">
-                <a16:creationId xmlns:a16="http://schemas.microsoft.com/office/drawing/2014/main" id="{A3E64B4F-41B5-4DBD-852D-3A5517B12B12}"/>
+                <a16:creationId xmlns:a16="http://schemas.microsoft.com/office/drawing/2014/main" xmlns="" id="{A3E64B4F-41B5-4DBD-852D-3A5517B12B12}"/>
               </a:ext>
             </a:extLst>
           </p:cNvPr>
@@ -2756,7 +2757,7 @@
             <p:cNvPr id="10" name="Guidance Arrow 1">
               <a:extLst>
                 <a:ext uri="{FF2B5EF4-FFF2-40B4-BE49-F238E27FC236}">
-                  <a16:creationId xmlns:a16="http://schemas.microsoft.com/office/drawing/2014/main" id="{AE753255-EA45-4734-AAB6-B86321799FA6}"/>
+                  <a16:creationId xmlns:a16="http://schemas.microsoft.com/office/drawing/2014/main" xmlns="" id="{AE753255-EA45-4734-AAB6-B86321799FA6}"/>
                 </a:ext>
               </a:extLst>
             </p:cNvPr>
@@ -2798,7 +2799,7 @@
             <p:cNvPr id="11" name="Guidance Text 1">
               <a:extLst>
                 <a:ext uri="{FF2B5EF4-FFF2-40B4-BE49-F238E27FC236}">
-                  <a16:creationId xmlns:a16="http://schemas.microsoft.com/office/drawing/2014/main" id="{B6E53A7B-BC5E-4920-814E-2A9382E1E887}"/>
+                  <a16:creationId xmlns:a16="http://schemas.microsoft.com/office/drawing/2014/main" xmlns="" id="{B6E53A7B-BC5E-4920-814E-2A9382E1E887}"/>
                 </a:ext>
               </a:extLst>
             </p:cNvPr>
@@ -2864,7 +2865,7 @@
           <p:cNvPr id="7" name="Section Placeholder">
             <a:extLst>
               <a:ext uri="{FF2B5EF4-FFF2-40B4-BE49-F238E27FC236}">
-                <a16:creationId xmlns:a16="http://schemas.microsoft.com/office/drawing/2014/main" id="{82526717-3310-43A8-B73F-A5628E6F5CE0}"/>
+                <a16:creationId xmlns:a16="http://schemas.microsoft.com/office/drawing/2014/main" xmlns="" id="{82526717-3310-43A8-B73F-A5628E6F5CE0}"/>
               </a:ext>
             </a:extLst>
           </p:cNvPr>
@@ -3183,7 +3184,7 @@
           <p:cNvPr id="3" name="Title 2">
             <a:extLst>
               <a:ext uri="{FF2B5EF4-FFF2-40B4-BE49-F238E27FC236}">
-                <a16:creationId xmlns:a16="http://schemas.microsoft.com/office/drawing/2014/main" id="{9D895CFA-7125-4DD6-94C8-25AF43CDBB7D}"/>
+                <a16:creationId xmlns:a16="http://schemas.microsoft.com/office/drawing/2014/main" xmlns="" id="{9D895CFA-7125-4DD6-94C8-25AF43CDBB7D}"/>
               </a:ext>
             </a:extLst>
           </p:cNvPr>
@@ -3243,7 +3244,7 @@
           <p:cNvPr id="10" name="Page number">
             <a:extLst>
               <a:ext uri="{FF2B5EF4-FFF2-40B4-BE49-F238E27FC236}">
-                <a16:creationId xmlns:a16="http://schemas.microsoft.com/office/drawing/2014/main" id="{D41ABB3A-85A1-4FC9-B7A4-00FEF73BB3DB}"/>
+                <a16:creationId xmlns:a16="http://schemas.microsoft.com/office/drawing/2014/main" xmlns="" id="{D41ABB3A-85A1-4FC9-B7A4-00FEF73BB3DB}"/>
               </a:ext>
             </a:extLst>
           </p:cNvPr>
@@ -3318,7 +3319,7 @@
           <p:cNvPr id="2" name="Rectangle 1">
             <a:extLst>
               <a:ext uri="{FF2B5EF4-FFF2-40B4-BE49-F238E27FC236}">
-                <a16:creationId xmlns:a16="http://schemas.microsoft.com/office/drawing/2014/main" id="{03A08C19-DE43-4D8D-B7F6-05135A7AD1EF}"/>
+                <a16:creationId xmlns:a16="http://schemas.microsoft.com/office/drawing/2014/main" xmlns="" id="{03A08C19-DE43-4D8D-B7F6-05135A7AD1EF}"/>
               </a:ext>
             </a:extLst>
           </p:cNvPr>
@@ -3619,7 +3620,7 @@
           <p:cNvPr id="3" name="Title 2">
             <a:extLst>
               <a:ext uri="{FF2B5EF4-FFF2-40B4-BE49-F238E27FC236}">
-                <a16:creationId xmlns:a16="http://schemas.microsoft.com/office/drawing/2014/main" id="{41B9D6C8-DF8A-4CAC-90FA-69A3E5DBC39A}"/>
+                <a16:creationId xmlns:a16="http://schemas.microsoft.com/office/drawing/2014/main" xmlns="" id="{41B9D6C8-DF8A-4CAC-90FA-69A3E5DBC39A}"/>
               </a:ext>
             </a:extLst>
           </p:cNvPr>
@@ -3676,7 +3677,7 @@
           <p:cNvPr id="16" name="Guidance">
             <a:extLst>
               <a:ext uri="{FF2B5EF4-FFF2-40B4-BE49-F238E27FC236}">
-                <a16:creationId xmlns:a16="http://schemas.microsoft.com/office/drawing/2014/main" id="{59BBDF4F-53E1-4CCF-B3CD-B5A65FD80CD0}"/>
+                <a16:creationId xmlns:a16="http://schemas.microsoft.com/office/drawing/2014/main" xmlns="" id="{59BBDF4F-53E1-4CCF-B3CD-B5A65FD80CD0}"/>
               </a:ext>
             </a:extLst>
           </p:cNvPr>
@@ -3696,7 +3697,7 @@
             <p:cNvPr id="17" name="Guidance Arrow 1">
               <a:extLst>
                 <a:ext uri="{FF2B5EF4-FFF2-40B4-BE49-F238E27FC236}">
-                  <a16:creationId xmlns:a16="http://schemas.microsoft.com/office/drawing/2014/main" id="{FFC4A399-6AE3-435D-8C9F-D5B4719C0AF4}"/>
+                  <a16:creationId xmlns:a16="http://schemas.microsoft.com/office/drawing/2014/main" xmlns="" id="{FFC4A399-6AE3-435D-8C9F-D5B4719C0AF4}"/>
                 </a:ext>
               </a:extLst>
             </p:cNvPr>
@@ -3738,7 +3739,7 @@
             <p:cNvPr id="18" name="Guidance Text 1">
               <a:extLst>
                 <a:ext uri="{FF2B5EF4-FFF2-40B4-BE49-F238E27FC236}">
-                  <a16:creationId xmlns:a16="http://schemas.microsoft.com/office/drawing/2014/main" id="{EC1E71E0-FD67-439C-9719-9382A1C025C0}"/>
+                  <a16:creationId xmlns:a16="http://schemas.microsoft.com/office/drawing/2014/main" xmlns="" id="{EC1E71E0-FD67-439C-9719-9382A1C025C0}"/>
                 </a:ext>
               </a:extLst>
             </p:cNvPr>
@@ -3961,7 +3962,7 @@
           <p:cNvPr id="9" name="Content Placeholder 2">
             <a:extLst>
               <a:ext uri="{FF2B5EF4-FFF2-40B4-BE49-F238E27FC236}">
-                <a16:creationId xmlns:a16="http://schemas.microsoft.com/office/drawing/2014/main" id="{A39F8322-E75D-4841-91BB-F03EBE9D32A1}"/>
+                <a16:creationId xmlns:a16="http://schemas.microsoft.com/office/drawing/2014/main" xmlns="" id="{A39F8322-E75D-4841-91BB-F03EBE9D32A1}"/>
               </a:ext>
             </a:extLst>
           </p:cNvPr>
@@ -4048,7 +4049,7 @@
           <p:cNvPr id="3" name="Title 2">
             <a:extLst>
               <a:ext uri="{FF2B5EF4-FFF2-40B4-BE49-F238E27FC236}">
-                <a16:creationId xmlns:a16="http://schemas.microsoft.com/office/drawing/2014/main" id="{504B8576-C97F-450B-AF7C-9C822B81252D}"/>
+                <a16:creationId xmlns:a16="http://schemas.microsoft.com/office/drawing/2014/main" xmlns="" id="{504B8576-C97F-450B-AF7C-9C822B81252D}"/>
               </a:ext>
             </a:extLst>
           </p:cNvPr>
@@ -4106,7 +4107,7 @@
           <p:cNvPr id="12" name="Guidance">
             <a:extLst>
               <a:ext uri="{FF2B5EF4-FFF2-40B4-BE49-F238E27FC236}">
-                <a16:creationId xmlns:a16="http://schemas.microsoft.com/office/drawing/2014/main" id="{8BBEF967-7A57-44E2-82CB-731E6A47DEED}"/>
+                <a16:creationId xmlns:a16="http://schemas.microsoft.com/office/drawing/2014/main" xmlns="" id="{8BBEF967-7A57-44E2-82CB-731E6A47DEED}"/>
               </a:ext>
             </a:extLst>
           </p:cNvPr>
@@ -4126,7 +4127,7 @@
             <p:cNvPr id="13" name="Guidance Arrow 1">
               <a:extLst>
                 <a:ext uri="{FF2B5EF4-FFF2-40B4-BE49-F238E27FC236}">
-                  <a16:creationId xmlns:a16="http://schemas.microsoft.com/office/drawing/2014/main" id="{E0BDBE6C-F311-4ED7-8111-E6085F05E467}"/>
+                  <a16:creationId xmlns:a16="http://schemas.microsoft.com/office/drawing/2014/main" xmlns="" id="{E0BDBE6C-F311-4ED7-8111-E6085F05E467}"/>
                 </a:ext>
               </a:extLst>
             </p:cNvPr>
@@ -4168,7 +4169,7 @@
             <p:cNvPr id="14" name="Guidance Text 1">
               <a:extLst>
                 <a:ext uri="{FF2B5EF4-FFF2-40B4-BE49-F238E27FC236}">
-                  <a16:creationId xmlns:a16="http://schemas.microsoft.com/office/drawing/2014/main" id="{601AE108-F079-49B9-932F-D8638E8A9B16}"/>
+                  <a16:creationId xmlns:a16="http://schemas.microsoft.com/office/drawing/2014/main" xmlns="" id="{601AE108-F079-49B9-932F-D8638E8A9B16}"/>
                 </a:ext>
               </a:extLst>
             </p:cNvPr>
@@ -4264,7 +4265,7 @@
           <p:cNvPr id="27" name="Content Placeholder 4">
             <a:extLst>
               <a:ext uri="{FF2B5EF4-FFF2-40B4-BE49-F238E27FC236}">
-                <a16:creationId xmlns:a16="http://schemas.microsoft.com/office/drawing/2014/main" id="{BF44F2C6-878C-49AD-86A3-E4F9C81B6A17}"/>
+                <a16:creationId xmlns:a16="http://schemas.microsoft.com/office/drawing/2014/main" xmlns="" id="{BF44F2C6-878C-49AD-86A3-E4F9C81B6A17}"/>
               </a:ext>
             </a:extLst>
           </p:cNvPr>
@@ -4351,7 +4352,7 @@
           <p:cNvPr id="28" name="Content Placeholder 3">
             <a:extLst>
               <a:ext uri="{FF2B5EF4-FFF2-40B4-BE49-F238E27FC236}">
-                <a16:creationId xmlns:a16="http://schemas.microsoft.com/office/drawing/2014/main" id="{A44EB6E1-603C-49EE-B1C0-8A0BB39A79DB}"/>
+                <a16:creationId xmlns:a16="http://schemas.microsoft.com/office/drawing/2014/main" xmlns="" id="{A44EB6E1-603C-49EE-B1C0-8A0BB39A79DB}"/>
               </a:ext>
             </a:extLst>
           </p:cNvPr>
@@ -4438,7 +4439,7 @@
           <p:cNvPr id="29" name="Content Placeholder 2">
             <a:extLst>
               <a:ext uri="{FF2B5EF4-FFF2-40B4-BE49-F238E27FC236}">
-                <a16:creationId xmlns:a16="http://schemas.microsoft.com/office/drawing/2014/main" id="{2457269A-0502-42B1-8EFE-2C220E0E957F}"/>
+                <a16:creationId xmlns:a16="http://schemas.microsoft.com/office/drawing/2014/main" xmlns="" id="{2457269A-0502-42B1-8EFE-2C220E0E957F}"/>
               </a:ext>
             </a:extLst>
           </p:cNvPr>
@@ -4525,7 +4526,7 @@
           <p:cNvPr id="30" name="Content Placeholder 1">
             <a:extLst>
               <a:ext uri="{FF2B5EF4-FFF2-40B4-BE49-F238E27FC236}">
-                <a16:creationId xmlns:a16="http://schemas.microsoft.com/office/drawing/2014/main" id="{6FEE4595-13BB-4EF8-8A7F-7F4BA9EE4DFD}"/>
+                <a16:creationId xmlns:a16="http://schemas.microsoft.com/office/drawing/2014/main" xmlns="" id="{6FEE4595-13BB-4EF8-8A7F-7F4BA9EE4DFD}"/>
               </a:ext>
             </a:extLst>
           </p:cNvPr>
@@ -4658,7 +4659,7 @@
           <p:cNvPr id="3" name="Title 2">
             <a:extLst>
               <a:ext uri="{FF2B5EF4-FFF2-40B4-BE49-F238E27FC236}">
-                <a16:creationId xmlns:a16="http://schemas.microsoft.com/office/drawing/2014/main" id="{FC5A05A5-E949-4255-8EA9-24090C2E7544}"/>
+                <a16:creationId xmlns:a16="http://schemas.microsoft.com/office/drawing/2014/main" xmlns="" id="{FC5A05A5-E949-4255-8EA9-24090C2E7544}"/>
               </a:ext>
             </a:extLst>
           </p:cNvPr>
@@ -4715,7 +4716,7 @@
           <p:cNvPr id="13" name="Guidance">
             <a:extLst>
               <a:ext uri="{FF2B5EF4-FFF2-40B4-BE49-F238E27FC236}">
-                <a16:creationId xmlns:a16="http://schemas.microsoft.com/office/drawing/2014/main" id="{D957027B-ECB0-453C-BFC6-A19B11EBCE38}"/>
+                <a16:creationId xmlns:a16="http://schemas.microsoft.com/office/drawing/2014/main" xmlns="" id="{D957027B-ECB0-453C-BFC6-A19B11EBCE38}"/>
               </a:ext>
             </a:extLst>
           </p:cNvPr>
@@ -4735,7 +4736,7 @@
             <p:cNvPr id="16" name="Guidance Arrow 1">
               <a:extLst>
                 <a:ext uri="{FF2B5EF4-FFF2-40B4-BE49-F238E27FC236}">
-                  <a16:creationId xmlns:a16="http://schemas.microsoft.com/office/drawing/2014/main" id="{AA5C761A-0D64-4D21-8B9E-6AC5F7C8B379}"/>
+                  <a16:creationId xmlns:a16="http://schemas.microsoft.com/office/drawing/2014/main" xmlns="" id="{AA5C761A-0D64-4D21-8B9E-6AC5F7C8B379}"/>
                 </a:ext>
               </a:extLst>
             </p:cNvPr>
@@ -4777,7 +4778,7 @@
             <p:cNvPr id="17" name="Guidance Text 1">
               <a:extLst>
                 <a:ext uri="{FF2B5EF4-FFF2-40B4-BE49-F238E27FC236}">
-                  <a16:creationId xmlns:a16="http://schemas.microsoft.com/office/drawing/2014/main" id="{7F835AD1-1221-48D2-8B7F-08295DDDA82C}"/>
+                  <a16:creationId xmlns:a16="http://schemas.microsoft.com/office/drawing/2014/main" xmlns="" id="{7F835AD1-1221-48D2-8B7F-08295DDDA82C}"/>
                 </a:ext>
               </a:extLst>
             </p:cNvPr>
@@ -5081,7 +5082,7 @@
           <p:cNvPr id="2" name="Title 1">
             <a:extLst>
               <a:ext uri="{FF2B5EF4-FFF2-40B4-BE49-F238E27FC236}">
-                <a16:creationId xmlns:a16="http://schemas.microsoft.com/office/drawing/2014/main" id="{6EACCE5A-C1DE-4A2A-8864-4E54FE2B74B8}"/>
+                <a16:creationId xmlns:a16="http://schemas.microsoft.com/office/drawing/2014/main" xmlns="" id="{6EACCE5A-C1DE-4A2A-8864-4E54FE2B74B8}"/>
               </a:ext>
             </a:extLst>
           </p:cNvPr>
@@ -5138,7 +5139,7 @@
           <p:cNvPr id="12" name="Guidance">
             <a:extLst>
               <a:ext uri="{FF2B5EF4-FFF2-40B4-BE49-F238E27FC236}">
-                <a16:creationId xmlns:a16="http://schemas.microsoft.com/office/drawing/2014/main" id="{55B24E05-AC6C-4B2D-A5F9-A0018C46254D}"/>
+                <a16:creationId xmlns:a16="http://schemas.microsoft.com/office/drawing/2014/main" xmlns="" id="{55B24E05-AC6C-4B2D-A5F9-A0018C46254D}"/>
               </a:ext>
             </a:extLst>
           </p:cNvPr>
@@ -5158,7 +5159,7 @@
             <p:cNvPr id="13" name="Guidance Arrow 1">
               <a:extLst>
                 <a:ext uri="{FF2B5EF4-FFF2-40B4-BE49-F238E27FC236}">
-                  <a16:creationId xmlns:a16="http://schemas.microsoft.com/office/drawing/2014/main" id="{D65313BF-6CCE-4CDF-A432-8AF6870F5ACB}"/>
+                  <a16:creationId xmlns:a16="http://schemas.microsoft.com/office/drawing/2014/main" xmlns="" id="{D65313BF-6CCE-4CDF-A432-8AF6870F5ACB}"/>
                 </a:ext>
               </a:extLst>
             </p:cNvPr>
@@ -5200,7 +5201,7 @@
             <p:cNvPr id="15" name="Guidance Text 1">
               <a:extLst>
                 <a:ext uri="{FF2B5EF4-FFF2-40B4-BE49-F238E27FC236}">
-                  <a16:creationId xmlns:a16="http://schemas.microsoft.com/office/drawing/2014/main" id="{536CE970-74C9-40C8-98BD-D84A2B3993D5}"/>
+                  <a16:creationId xmlns:a16="http://schemas.microsoft.com/office/drawing/2014/main" xmlns="" id="{536CE970-74C9-40C8-98BD-D84A2B3993D5}"/>
                 </a:ext>
               </a:extLst>
             </p:cNvPr>
@@ -5585,7 +5586,7 @@
           <p:cNvPr id="2" name="Title 1">
             <a:extLst>
               <a:ext uri="{FF2B5EF4-FFF2-40B4-BE49-F238E27FC236}">
-                <a16:creationId xmlns:a16="http://schemas.microsoft.com/office/drawing/2014/main" id="{B1C6A348-6205-498D-9CE0-D87F3AE9F722}"/>
+                <a16:creationId xmlns:a16="http://schemas.microsoft.com/office/drawing/2014/main" xmlns="" id="{B1C6A348-6205-498D-9CE0-D87F3AE9F722}"/>
               </a:ext>
             </a:extLst>
           </p:cNvPr>
@@ -5638,7 +5639,7 @@
           <p:cNvPr id="13" name="Guidance">
             <a:extLst>
               <a:ext uri="{FF2B5EF4-FFF2-40B4-BE49-F238E27FC236}">
-                <a16:creationId xmlns:a16="http://schemas.microsoft.com/office/drawing/2014/main" id="{ABCB4460-5216-41BB-971E-1D7EE2FF7E7C}"/>
+                <a16:creationId xmlns:a16="http://schemas.microsoft.com/office/drawing/2014/main" xmlns="" id="{ABCB4460-5216-41BB-971E-1D7EE2FF7E7C}"/>
               </a:ext>
             </a:extLst>
           </p:cNvPr>
@@ -5658,7 +5659,7 @@
             <p:cNvPr id="14" name="Guidance Arrow 1">
               <a:extLst>
                 <a:ext uri="{FF2B5EF4-FFF2-40B4-BE49-F238E27FC236}">
-                  <a16:creationId xmlns:a16="http://schemas.microsoft.com/office/drawing/2014/main" id="{11D8F244-B709-43AF-A43B-3E885A1A0184}"/>
+                  <a16:creationId xmlns:a16="http://schemas.microsoft.com/office/drawing/2014/main" xmlns="" id="{11D8F244-B709-43AF-A43B-3E885A1A0184}"/>
                 </a:ext>
               </a:extLst>
             </p:cNvPr>
@@ -5700,7 +5701,7 @@
             <p:cNvPr id="15" name="Guidance Text 1">
               <a:extLst>
                 <a:ext uri="{FF2B5EF4-FFF2-40B4-BE49-F238E27FC236}">
-                  <a16:creationId xmlns:a16="http://schemas.microsoft.com/office/drawing/2014/main" id="{28575260-B7E3-42F5-8388-B7E8F7E2BBAF}"/>
+                  <a16:creationId xmlns:a16="http://schemas.microsoft.com/office/drawing/2014/main" xmlns="" id="{28575260-B7E3-42F5-8388-B7E8F7E2BBAF}"/>
                 </a:ext>
               </a:extLst>
             </p:cNvPr>
@@ -5801,7 +5802,7 @@
           <p:cNvPr id="7" name="Picture 6" descr="Shape&#10;&#10;Description automatically generated with medium confidence">
             <a:extLst>
               <a:ext uri="{FF2B5EF4-FFF2-40B4-BE49-F238E27FC236}">
-                <a16:creationId xmlns:a16="http://schemas.microsoft.com/office/drawing/2014/main" id="{F4DEEAB6-329F-4CBA-A96D-9E4CA750191F}"/>
+                <a16:creationId xmlns:a16="http://schemas.microsoft.com/office/drawing/2014/main" xmlns="" id="{F4DEEAB6-329F-4CBA-A96D-9E4CA750191F}"/>
               </a:ext>
             </a:extLst>
           </p:cNvPr>
@@ -6080,7 +6081,7 @@
           <p:cNvPr id="31" name="text" descr="{&quot;templafy&quot;:{&quot;id&quot;:&quot;63955c8f-2a6b-41a2-be87-db55928a4bc7&quot;}}" title="Form.Watermark.Insert">
             <a:extLst>
               <a:ext uri="{FF2B5EF4-FFF2-40B4-BE49-F238E27FC236}">
-                <a16:creationId xmlns:a16="http://schemas.microsoft.com/office/drawing/2014/main" id="{AFA147AB-C0BC-4E0C-9510-CF4F3659FC9B}"/>
+                <a16:creationId xmlns:a16="http://schemas.microsoft.com/office/drawing/2014/main" xmlns="" id="{AFA147AB-C0BC-4E0C-9510-CF4F3659FC9B}"/>
               </a:ext>
             </a:extLst>
           </p:cNvPr>
@@ -6130,7 +6131,7 @@
           <p:cNvPr id="5" name="[WorkArea]" descr="&lt;?xml version=&quot;1.0&quot; encoding=&quot;utf-16&quot;?&gt;&#10;&lt;GridTheme xmlns:xsi=&quot;http://www.w3.org/2001/XMLSchema-instance&quot; xmlns:xsd=&quot;http://www.w3.org/2001/XMLSchema&quot;&gt;&#10;  &lt;GuideLines /&gt;&#10;  &lt;WorkArea&gt;&#10;    &lt;Top&gt;107.716537&lt;/Top&gt;&#10;    &lt;Left&gt;34.0157471&lt;/Left&gt;&#10;    &lt;Width&gt;773.8583&lt;/Width&gt;&#10;    &lt;Height&gt;453.5433&lt;/Height&gt;&#10;  &lt;/WorkArea&gt;&#10;  &lt;AspectW&gt;-1&lt;/AspectW&gt;&#10;  &lt;AspectH&gt;-1&lt;/AspectH&gt;&#10;  &lt;Width&gt;842&lt;/Width&gt;&#10;  &lt;Height&gt;595.375&lt;/Height&gt;&#10;  &lt;HGap&gt;5&lt;/HGap&gt;&#10;  &lt;VGap&gt;5&lt;/VGap&gt;&#10;  &lt;OfficeVersion&gt;-1&lt;/OfficeVersion&gt;&#10;&lt;/GridTheme&gt;" hidden="1">
             <a:extLst>
               <a:ext uri="{FF2B5EF4-FFF2-40B4-BE49-F238E27FC236}">
-                <a16:creationId xmlns:a16="http://schemas.microsoft.com/office/drawing/2014/main" id="{F2F87FDE-D3F2-4ED7-AA86-AC88F140331E}"/>
+                <a16:creationId xmlns:a16="http://schemas.microsoft.com/office/drawing/2014/main" xmlns="" id="{F2F87FDE-D3F2-4ED7-AA86-AC88F140331E}"/>
               </a:ext>
             </a:extLst>
           </p:cNvPr>
@@ -6193,7 +6194,7 @@
           <p:cNvPr id="12" name="Content [Comment]" hidden="1">
             <a:extLst>
               <a:ext uri="{FF2B5EF4-FFF2-40B4-BE49-F238E27FC236}">
-                <a16:creationId xmlns:a16="http://schemas.microsoft.com/office/drawing/2014/main" id="{0D084DA3-FD1E-4081-9795-7F138FAB2CBE}"/>
+                <a16:creationId xmlns:a16="http://schemas.microsoft.com/office/drawing/2014/main" xmlns="" id="{0D084DA3-FD1E-4081-9795-7F138FAB2CBE}"/>
               </a:ext>
             </a:extLst>
           </p:cNvPr>
@@ -6289,7 +6290,7 @@
           <p:cNvPr id="13" name="Formatting [Comment]" hidden="1">
             <a:extLst>
               <a:ext uri="{FF2B5EF4-FFF2-40B4-BE49-F238E27FC236}">
-                <a16:creationId xmlns:a16="http://schemas.microsoft.com/office/drawing/2014/main" id="{DF14772E-BE6F-4D13-89F5-8FAE6FAE3E90}"/>
+                <a16:creationId xmlns:a16="http://schemas.microsoft.com/office/drawing/2014/main" xmlns="" id="{DF14772E-BE6F-4D13-89F5-8FAE6FAE3E90}"/>
               </a:ext>
             </a:extLst>
           </p:cNvPr>
@@ -6385,7 +6386,7 @@
           <p:cNvPr id="14" name="Dummy [Sticker]" hidden="1">
             <a:extLst>
               <a:ext uri="{FF2B5EF4-FFF2-40B4-BE49-F238E27FC236}">
-                <a16:creationId xmlns:a16="http://schemas.microsoft.com/office/drawing/2014/main" id="{06F79DFD-217C-4CAF-A426-803F810C2D4B}"/>
+                <a16:creationId xmlns:a16="http://schemas.microsoft.com/office/drawing/2014/main" xmlns="" id="{06F79DFD-217C-4CAF-A426-803F810C2D4B}"/>
               </a:ext>
             </a:extLst>
           </p:cNvPr>
@@ -6457,7 +6458,7 @@
           <p:cNvPr id="15" name="Update [Sticker]" hidden="1">
             <a:extLst>
               <a:ext uri="{FF2B5EF4-FFF2-40B4-BE49-F238E27FC236}">
-                <a16:creationId xmlns:a16="http://schemas.microsoft.com/office/drawing/2014/main" id="{F98573FB-65AA-4D35-8227-C46EDCC78692}"/>
+                <a16:creationId xmlns:a16="http://schemas.microsoft.com/office/drawing/2014/main" xmlns="" id="{F98573FB-65AA-4D35-8227-C46EDCC78692}"/>
               </a:ext>
             </a:extLst>
           </p:cNvPr>
@@ -6529,7 +6530,7 @@
           <p:cNvPr id="16" name="Responsible [Sticker]" hidden="1">
             <a:extLst>
               <a:ext uri="{FF2B5EF4-FFF2-40B4-BE49-F238E27FC236}">
-                <a16:creationId xmlns:a16="http://schemas.microsoft.com/office/drawing/2014/main" id="{091E0E52-71ED-4093-B060-78DABB379E27}"/>
+                <a16:creationId xmlns:a16="http://schemas.microsoft.com/office/drawing/2014/main" xmlns="" id="{091E0E52-71ED-4093-B060-78DABB379E27}"/>
               </a:ext>
             </a:extLst>
           </p:cNvPr>
@@ -6618,7 +6619,7 @@
           <p:cNvPr id="17" name="Final [Sticker]" hidden="1">
             <a:extLst>
               <a:ext uri="{FF2B5EF4-FFF2-40B4-BE49-F238E27FC236}">
-                <a16:creationId xmlns:a16="http://schemas.microsoft.com/office/drawing/2014/main" id="{D60FDC6B-7BA4-4118-8174-A1111D1A86DF}"/>
+                <a16:creationId xmlns:a16="http://schemas.microsoft.com/office/drawing/2014/main" xmlns="" id="{D60FDC6B-7BA4-4118-8174-A1111D1A86DF}"/>
               </a:ext>
             </a:extLst>
           </p:cNvPr>
@@ -6690,7 +6691,7 @@
           <p:cNvPr id="18" name="Discussion [Sticker]" hidden="1">
             <a:extLst>
               <a:ext uri="{FF2B5EF4-FFF2-40B4-BE49-F238E27FC236}">
-                <a16:creationId xmlns:a16="http://schemas.microsoft.com/office/drawing/2014/main" id="{27B5DC3A-0C4D-48AC-A7C6-19C70347DA43}"/>
+                <a16:creationId xmlns:a16="http://schemas.microsoft.com/office/drawing/2014/main" xmlns="" id="{27B5DC3A-0C4D-48AC-A7C6-19C70347DA43}"/>
               </a:ext>
             </a:extLst>
           </p:cNvPr>
@@ -6762,7 +6763,7 @@
           <p:cNvPr id="20" name="Internal [Sticker]" hidden="1">
             <a:extLst>
               <a:ext uri="{FF2B5EF4-FFF2-40B4-BE49-F238E27FC236}">
-                <a16:creationId xmlns:a16="http://schemas.microsoft.com/office/drawing/2014/main" id="{C3F62AEF-6F0D-49CF-885E-572445241FC5}"/>
+                <a16:creationId xmlns:a16="http://schemas.microsoft.com/office/drawing/2014/main" xmlns="" id="{C3F62AEF-6F0D-49CF-885E-572445241FC5}"/>
               </a:ext>
             </a:extLst>
           </p:cNvPr>
@@ -6834,7 +6835,7 @@
           <p:cNvPr id="152" name="Draft [Sticker]" hidden="1">
             <a:extLst>
               <a:ext uri="{FF2B5EF4-FFF2-40B4-BE49-F238E27FC236}">
-                <a16:creationId xmlns:a16="http://schemas.microsoft.com/office/drawing/2014/main" id="{863F970D-334C-4BEF-BC19-2F8990952FEA}"/>
+                <a16:creationId xmlns:a16="http://schemas.microsoft.com/office/drawing/2014/main" xmlns="" id="{863F970D-334C-4BEF-BC19-2F8990952FEA}"/>
               </a:ext>
             </a:extLst>
           </p:cNvPr>
@@ -6906,7 +6907,7 @@
           <p:cNvPr id="21" name="Backup [Sticker]" hidden="1">
             <a:extLst>
               <a:ext uri="{FF2B5EF4-FFF2-40B4-BE49-F238E27FC236}">
-                <a16:creationId xmlns:a16="http://schemas.microsoft.com/office/drawing/2014/main" id="{6116239B-536D-4EF6-8148-96BA221809C4}"/>
+                <a16:creationId xmlns:a16="http://schemas.microsoft.com/office/drawing/2014/main" xmlns="" id="{6116239B-536D-4EF6-8148-96BA221809C4}"/>
               </a:ext>
             </a:extLst>
           </p:cNvPr>
@@ -6978,7 +6979,7 @@
           <p:cNvPr id="151" name="INSTRUCTIONS Customize ProductivityPlus objects" hidden="1">
             <a:extLst>
               <a:ext uri="{FF2B5EF4-FFF2-40B4-BE49-F238E27FC236}">
-                <a16:creationId xmlns:a16="http://schemas.microsoft.com/office/drawing/2014/main" id="{14D75303-5CB5-49A1-85EE-DB3BC2AA6D52}"/>
+                <a16:creationId xmlns:a16="http://schemas.microsoft.com/office/drawing/2014/main" xmlns="" id="{14D75303-5CB5-49A1-85EE-DB3BC2AA6D52}"/>
               </a:ext>
             </a:extLst>
           </p:cNvPr>
@@ -7013,7 +7014,7 @@
           <p:cNvPr id="23" name="Harvey 3" hidden="1">
             <a:extLst>
               <a:ext uri="{FF2B5EF4-FFF2-40B4-BE49-F238E27FC236}">
-                <a16:creationId xmlns:a16="http://schemas.microsoft.com/office/drawing/2014/main" id="{071D377C-83C8-49A0-894D-57E7D32AC506}"/>
+                <a16:creationId xmlns:a16="http://schemas.microsoft.com/office/drawing/2014/main" xmlns="" id="{071D377C-83C8-49A0-894D-57E7D32AC506}"/>
               </a:ext>
             </a:extLst>
           </p:cNvPr>
@@ -7042,7 +7043,7 @@
             <p:cNvPr id="24" name="Harvey 0/3 [0]" hidden="1">
               <a:extLst>
                 <a:ext uri="{FF2B5EF4-FFF2-40B4-BE49-F238E27FC236}">
-                  <a16:creationId xmlns:a16="http://schemas.microsoft.com/office/drawing/2014/main" id="{A1D7F45D-37C1-4251-8BD8-06981817CECC}"/>
+                  <a16:creationId xmlns:a16="http://schemas.microsoft.com/office/drawing/2014/main" xmlns="" id="{A1D7F45D-37C1-4251-8BD8-06981817CECC}"/>
                 </a:ext>
               </a:extLst>
             </p:cNvPr>
@@ -7116,7 +7117,7 @@
             <p:cNvPr id="25" name="Harvey 1/3 [1]">
               <a:extLst>
                 <a:ext uri="{FF2B5EF4-FFF2-40B4-BE49-F238E27FC236}">
-                  <a16:creationId xmlns:a16="http://schemas.microsoft.com/office/drawing/2014/main" id="{EF92E16D-608C-4CA9-943A-4A7B1085B6B5}"/>
+                  <a16:creationId xmlns:a16="http://schemas.microsoft.com/office/drawing/2014/main" xmlns="" id="{EF92E16D-608C-4CA9-943A-4A7B1085B6B5}"/>
                 </a:ext>
               </a:extLst>
             </p:cNvPr>
@@ -7200,7 +7201,7 @@
             <p:cNvPr id="26" name="Harvey 2/3 [2]" hidden="1">
               <a:extLst>
                 <a:ext uri="{FF2B5EF4-FFF2-40B4-BE49-F238E27FC236}">
-                  <a16:creationId xmlns:a16="http://schemas.microsoft.com/office/drawing/2014/main" id="{D87A715F-92F2-4DA2-9B5D-B8400676174C}"/>
+                  <a16:creationId xmlns:a16="http://schemas.microsoft.com/office/drawing/2014/main" xmlns="" id="{D87A715F-92F2-4DA2-9B5D-B8400676174C}"/>
                 </a:ext>
               </a:extLst>
             </p:cNvPr>
@@ -7284,7 +7285,7 @@
             <p:cNvPr id="27" name="Harvey 3/3 [3]" hidden="1">
               <a:extLst>
                 <a:ext uri="{FF2B5EF4-FFF2-40B4-BE49-F238E27FC236}">
-                  <a16:creationId xmlns:a16="http://schemas.microsoft.com/office/drawing/2014/main" id="{F4B16284-BB16-4832-827F-67A674CECE6A}"/>
+                  <a16:creationId xmlns:a16="http://schemas.microsoft.com/office/drawing/2014/main" xmlns="" id="{F4B16284-BB16-4832-827F-67A674CECE6A}"/>
                 </a:ext>
               </a:extLst>
             </p:cNvPr>
@@ -7360,7 +7361,7 @@
           <p:cNvPr id="28" name="Harvey 4" hidden="1">
             <a:extLst>
               <a:ext uri="{FF2B5EF4-FFF2-40B4-BE49-F238E27FC236}">
-                <a16:creationId xmlns:a16="http://schemas.microsoft.com/office/drawing/2014/main" id="{7E5E865F-9D2F-49A6-BF70-ED97919FB888}"/>
+                <a16:creationId xmlns:a16="http://schemas.microsoft.com/office/drawing/2014/main" xmlns="" id="{7E5E865F-9D2F-49A6-BF70-ED97919FB888}"/>
               </a:ext>
             </a:extLst>
           </p:cNvPr>
@@ -7389,7 +7390,7 @@
             <p:cNvPr id="29" name="Harvey 0/4 [0]" hidden="1">
               <a:extLst>
                 <a:ext uri="{FF2B5EF4-FFF2-40B4-BE49-F238E27FC236}">
-                  <a16:creationId xmlns:a16="http://schemas.microsoft.com/office/drawing/2014/main" id="{00C22439-064D-4106-94C4-5FF7292E4891}"/>
+                  <a16:creationId xmlns:a16="http://schemas.microsoft.com/office/drawing/2014/main" xmlns="" id="{00C22439-064D-4106-94C4-5FF7292E4891}"/>
                 </a:ext>
               </a:extLst>
             </p:cNvPr>
@@ -7463,7 +7464,7 @@
             <p:cNvPr id="30" name="Harvey 1/4 [1]">
               <a:extLst>
                 <a:ext uri="{FF2B5EF4-FFF2-40B4-BE49-F238E27FC236}">
-                  <a16:creationId xmlns:a16="http://schemas.microsoft.com/office/drawing/2014/main" id="{37D2BB80-E2BC-43E9-B328-0ED0F24152CF}"/>
+                  <a16:creationId xmlns:a16="http://schemas.microsoft.com/office/drawing/2014/main" xmlns="" id="{37D2BB80-E2BC-43E9-B328-0ED0F24152CF}"/>
                 </a:ext>
               </a:extLst>
             </p:cNvPr>
@@ -7547,7 +7548,7 @@
             <p:cNvPr id="32" name="Harvey 2/4 [2]" hidden="1">
               <a:extLst>
                 <a:ext uri="{FF2B5EF4-FFF2-40B4-BE49-F238E27FC236}">
-                  <a16:creationId xmlns:a16="http://schemas.microsoft.com/office/drawing/2014/main" id="{E6FE060D-0096-4997-9029-D5690E01997B}"/>
+                  <a16:creationId xmlns:a16="http://schemas.microsoft.com/office/drawing/2014/main" xmlns="" id="{E6FE060D-0096-4997-9029-D5690E01997B}"/>
                 </a:ext>
               </a:extLst>
             </p:cNvPr>
@@ -7631,7 +7632,7 @@
             <p:cNvPr id="33" name="Harvey 3/4 [3]" hidden="1">
               <a:extLst>
                 <a:ext uri="{FF2B5EF4-FFF2-40B4-BE49-F238E27FC236}">
-                  <a16:creationId xmlns:a16="http://schemas.microsoft.com/office/drawing/2014/main" id="{F805B285-20CD-4F80-A4E5-41F6380931C1}"/>
+                  <a16:creationId xmlns:a16="http://schemas.microsoft.com/office/drawing/2014/main" xmlns="" id="{F805B285-20CD-4F80-A4E5-41F6380931C1}"/>
                 </a:ext>
               </a:extLst>
             </p:cNvPr>
@@ -7715,7 +7716,7 @@
             <p:cNvPr id="34" name="Harvey 4/4 [4]" hidden="1">
               <a:extLst>
                 <a:ext uri="{FF2B5EF4-FFF2-40B4-BE49-F238E27FC236}">
-                  <a16:creationId xmlns:a16="http://schemas.microsoft.com/office/drawing/2014/main" id="{B8D94971-5F03-4F84-8257-DB02BF5AB535}"/>
+                  <a16:creationId xmlns:a16="http://schemas.microsoft.com/office/drawing/2014/main" xmlns="" id="{B8D94971-5F03-4F84-8257-DB02BF5AB535}"/>
                 </a:ext>
               </a:extLst>
             </p:cNvPr>
@@ -7791,7 +7792,7 @@
           <p:cNvPr id="35" name="Harvey 8" hidden="1">
             <a:extLst>
               <a:ext uri="{FF2B5EF4-FFF2-40B4-BE49-F238E27FC236}">
-                <a16:creationId xmlns:a16="http://schemas.microsoft.com/office/drawing/2014/main" id="{21CB7840-EEE9-4A57-8330-DC149C04F931}"/>
+                <a16:creationId xmlns:a16="http://schemas.microsoft.com/office/drawing/2014/main" xmlns="" id="{21CB7840-EEE9-4A57-8330-DC149C04F931}"/>
               </a:ext>
             </a:extLst>
           </p:cNvPr>
@@ -7820,7 +7821,7 @@
             <p:cNvPr id="36" name="Harvey 0/8 [0]" hidden="1">
               <a:extLst>
                 <a:ext uri="{FF2B5EF4-FFF2-40B4-BE49-F238E27FC236}">
-                  <a16:creationId xmlns:a16="http://schemas.microsoft.com/office/drawing/2014/main" id="{046080E4-7CB0-4409-96B9-D2740E06E93A}"/>
+                  <a16:creationId xmlns:a16="http://schemas.microsoft.com/office/drawing/2014/main" xmlns="" id="{046080E4-7CB0-4409-96B9-D2740E06E93A}"/>
                 </a:ext>
               </a:extLst>
             </p:cNvPr>
@@ -7894,7 +7895,7 @@
             <p:cNvPr id="37" name="Harvey 1/8 [1]">
               <a:extLst>
                 <a:ext uri="{FF2B5EF4-FFF2-40B4-BE49-F238E27FC236}">
-                  <a16:creationId xmlns:a16="http://schemas.microsoft.com/office/drawing/2014/main" id="{0E4F2552-3B84-4B1E-A3E9-BD49FA68C8A3}"/>
+                  <a16:creationId xmlns:a16="http://schemas.microsoft.com/office/drawing/2014/main" xmlns="" id="{0E4F2552-3B84-4B1E-A3E9-BD49FA68C8A3}"/>
                 </a:ext>
               </a:extLst>
             </p:cNvPr>
@@ -7978,7 +7979,7 @@
             <p:cNvPr id="38" name="Harvey 2/8 [2]" hidden="1">
               <a:extLst>
                 <a:ext uri="{FF2B5EF4-FFF2-40B4-BE49-F238E27FC236}">
-                  <a16:creationId xmlns:a16="http://schemas.microsoft.com/office/drawing/2014/main" id="{0137FAB4-C6FB-4122-9212-9F69A4F0104C}"/>
+                  <a16:creationId xmlns:a16="http://schemas.microsoft.com/office/drawing/2014/main" xmlns="" id="{0137FAB4-C6FB-4122-9212-9F69A4F0104C}"/>
                 </a:ext>
               </a:extLst>
             </p:cNvPr>
@@ -8062,7 +8063,7 @@
             <p:cNvPr id="39" name="Harvey 3/8 [3]" hidden="1">
               <a:extLst>
                 <a:ext uri="{FF2B5EF4-FFF2-40B4-BE49-F238E27FC236}">
-                  <a16:creationId xmlns:a16="http://schemas.microsoft.com/office/drawing/2014/main" id="{A49B98E4-CF05-4786-87D7-02B0A1ACDFBA}"/>
+                  <a16:creationId xmlns:a16="http://schemas.microsoft.com/office/drawing/2014/main" xmlns="" id="{A49B98E4-CF05-4786-87D7-02B0A1ACDFBA}"/>
                 </a:ext>
               </a:extLst>
             </p:cNvPr>
@@ -8146,7 +8147,7 @@
             <p:cNvPr id="40" name="Harvey 4/8 [4]" hidden="1">
               <a:extLst>
                 <a:ext uri="{FF2B5EF4-FFF2-40B4-BE49-F238E27FC236}">
-                  <a16:creationId xmlns:a16="http://schemas.microsoft.com/office/drawing/2014/main" id="{AD3E1235-4DF3-4373-8AC9-313DFF4391FE}"/>
+                  <a16:creationId xmlns:a16="http://schemas.microsoft.com/office/drawing/2014/main" xmlns="" id="{AD3E1235-4DF3-4373-8AC9-313DFF4391FE}"/>
                 </a:ext>
               </a:extLst>
             </p:cNvPr>
@@ -8230,7 +8231,7 @@
             <p:cNvPr id="41" name="Harvey 5/8 [5]" hidden="1">
               <a:extLst>
                 <a:ext uri="{FF2B5EF4-FFF2-40B4-BE49-F238E27FC236}">
-                  <a16:creationId xmlns:a16="http://schemas.microsoft.com/office/drawing/2014/main" id="{8BF8A6EA-3C0F-4BEC-9E2D-1F248EEEABD2}"/>
+                  <a16:creationId xmlns:a16="http://schemas.microsoft.com/office/drawing/2014/main" xmlns="" id="{8BF8A6EA-3C0F-4BEC-9E2D-1F248EEEABD2}"/>
                 </a:ext>
               </a:extLst>
             </p:cNvPr>
@@ -8314,7 +8315,7 @@
             <p:cNvPr id="42" name="Harvey 6/8 [6]" hidden="1">
               <a:extLst>
                 <a:ext uri="{FF2B5EF4-FFF2-40B4-BE49-F238E27FC236}">
-                  <a16:creationId xmlns:a16="http://schemas.microsoft.com/office/drawing/2014/main" id="{A7E1699D-C2C9-48F9-BEC0-3D8C5B055727}"/>
+                  <a16:creationId xmlns:a16="http://schemas.microsoft.com/office/drawing/2014/main" xmlns="" id="{A7E1699D-C2C9-48F9-BEC0-3D8C5B055727}"/>
                 </a:ext>
               </a:extLst>
             </p:cNvPr>
@@ -8398,7 +8399,7 @@
             <p:cNvPr id="43" name="Harvey 7/8 [7]" hidden="1">
               <a:extLst>
                 <a:ext uri="{FF2B5EF4-FFF2-40B4-BE49-F238E27FC236}">
-                  <a16:creationId xmlns:a16="http://schemas.microsoft.com/office/drawing/2014/main" id="{213D2D9C-F255-4E54-BD20-25BA6F87C00F}"/>
+                  <a16:creationId xmlns:a16="http://schemas.microsoft.com/office/drawing/2014/main" xmlns="" id="{213D2D9C-F255-4E54-BD20-25BA6F87C00F}"/>
                 </a:ext>
               </a:extLst>
             </p:cNvPr>
@@ -8482,7 +8483,7 @@
             <p:cNvPr id="44" name="Harvey 8/8 [8]" hidden="1">
               <a:extLst>
                 <a:ext uri="{FF2B5EF4-FFF2-40B4-BE49-F238E27FC236}">
-                  <a16:creationId xmlns:a16="http://schemas.microsoft.com/office/drawing/2014/main" id="{63FF89B9-501F-409A-AF89-BE3274947E6A}"/>
+                  <a16:creationId xmlns:a16="http://schemas.microsoft.com/office/drawing/2014/main" xmlns="" id="{63FF89B9-501F-409A-AF89-BE3274947E6A}"/>
                 </a:ext>
               </a:extLst>
             </p:cNvPr>
@@ -8558,7 +8559,7 @@
           <p:cNvPr id="45" name="Harvey 100" hidden="1">
             <a:extLst>
               <a:ext uri="{FF2B5EF4-FFF2-40B4-BE49-F238E27FC236}">
-                <a16:creationId xmlns:a16="http://schemas.microsoft.com/office/drawing/2014/main" id="{D94805F3-A7EE-4FFF-AAF2-C3DDAB5C2AD2}"/>
+                <a16:creationId xmlns:a16="http://schemas.microsoft.com/office/drawing/2014/main" xmlns="" id="{D94805F3-A7EE-4FFF-AAF2-C3DDAB5C2AD2}"/>
               </a:ext>
             </a:extLst>
           </p:cNvPr>
@@ -8585,7 +8586,7 @@
             <p:cNvPr id="46" name="Harvey 0/100 [0]" hidden="1">
               <a:extLst>
                 <a:ext uri="{FF2B5EF4-FFF2-40B4-BE49-F238E27FC236}">
-                  <a16:creationId xmlns:a16="http://schemas.microsoft.com/office/drawing/2014/main" id="{1D14D670-AEBA-4415-9D77-1EC6D7320163}"/>
+                  <a16:creationId xmlns:a16="http://schemas.microsoft.com/office/drawing/2014/main" xmlns="" id="{1D14D670-AEBA-4415-9D77-1EC6D7320163}"/>
                 </a:ext>
               </a:extLst>
             </p:cNvPr>
@@ -8638,7 +8639,7 @@
             <p:cNvPr id="47" name="Harvey 1/100 [1]">
               <a:extLst>
                 <a:ext uri="{FF2B5EF4-FFF2-40B4-BE49-F238E27FC236}">
-                  <a16:creationId xmlns:a16="http://schemas.microsoft.com/office/drawing/2014/main" id="{E764E7CD-9463-46C9-94A4-93F0B4CBE97E}"/>
+                  <a16:creationId xmlns:a16="http://schemas.microsoft.com/office/drawing/2014/main" xmlns="" id="{E764E7CD-9463-46C9-94A4-93F0B4CBE97E}"/>
                 </a:ext>
               </a:extLst>
             </p:cNvPr>
@@ -8701,7 +8702,7 @@
             <p:cNvPr id="48" name="Harvey 2/100 [2]" hidden="1">
               <a:extLst>
                 <a:ext uri="{FF2B5EF4-FFF2-40B4-BE49-F238E27FC236}">
-                  <a16:creationId xmlns:a16="http://schemas.microsoft.com/office/drawing/2014/main" id="{78BA7683-8535-47F1-A490-5FBF9132363B}"/>
+                  <a16:creationId xmlns:a16="http://schemas.microsoft.com/office/drawing/2014/main" xmlns="" id="{78BA7683-8535-47F1-A490-5FBF9132363B}"/>
                 </a:ext>
               </a:extLst>
             </p:cNvPr>
@@ -8764,7 +8765,7 @@
             <p:cNvPr id="49" name="Harvey 3/100 [3]" hidden="1">
               <a:extLst>
                 <a:ext uri="{FF2B5EF4-FFF2-40B4-BE49-F238E27FC236}">
-                  <a16:creationId xmlns:a16="http://schemas.microsoft.com/office/drawing/2014/main" id="{C8DD9F26-EE6C-4DC9-85E4-6B378D1F1325}"/>
+                  <a16:creationId xmlns:a16="http://schemas.microsoft.com/office/drawing/2014/main" xmlns="" id="{C8DD9F26-EE6C-4DC9-85E4-6B378D1F1325}"/>
                 </a:ext>
               </a:extLst>
             </p:cNvPr>
@@ -8827,7 +8828,7 @@
             <p:cNvPr id="50" name="Harvey 4/100 [4]" hidden="1">
               <a:extLst>
                 <a:ext uri="{FF2B5EF4-FFF2-40B4-BE49-F238E27FC236}">
-                  <a16:creationId xmlns:a16="http://schemas.microsoft.com/office/drawing/2014/main" id="{D26EDC53-45DE-47D6-A92E-68CE8427AB33}"/>
+                  <a16:creationId xmlns:a16="http://schemas.microsoft.com/office/drawing/2014/main" xmlns="" id="{D26EDC53-45DE-47D6-A92E-68CE8427AB33}"/>
                 </a:ext>
               </a:extLst>
             </p:cNvPr>
@@ -8890,7 +8891,7 @@
             <p:cNvPr id="51" name="Harvey 5/100 [5]" hidden="1">
               <a:extLst>
                 <a:ext uri="{FF2B5EF4-FFF2-40B4-BE49-F238E27FC236}">
-                  <a16:creationId xmlns:a16="http://schemas.microsoft.com/office/drawing/2014/main" id="{E6463E6D-F7BF-4903-97B8-BA091985DA0B}"/>
+                  <a16:creationId xmlns:a16="http://schemas.microsoft.com/office/drawing/2014/main" xmlns="" id="{E6463E6D-F7BF-4903-97B8-BA091985DA0B}"/>
                 </a:ext>
               </a:extLst>
             </p:cNvPr>
@@ -8953,7 +8954,7 @@
             <p:cNvPr id="52" name="Harvey 6/100 [6]" hidden="1">
               <a:extLst>
                 <a:ext uri="{FF2B5EF4-FFF2-40B4-BE49-F238E27FC236}">
-                  <a16:creationId xmlns:a16="http://schemas.microsoft.com/office/drawing/2014/main" id="{D5527B60-2B7B-4AE5-873C-CCDCECA52754}"/>
+                  <a16:creationId xmlns:a16="http://schemas.microsoft.com/office/drawing/2014/main" xmlns="" id="{D5527B60-2B7B-4AE5-873C-CCDCECA52754}"/>
                 </a:ext>
               </a:extLst>
             </p:cNvPr>
@@ -9016,7 +9017,7 @@
             <p:cNvPr id="53" name="Harvey 7/100 [7]" hidden="1">
               <a:extLst>
                 <a:ext uri="{FF2B5EF4-FFF2-40B4-BE49-F238E27FC236}">
-                  <a16:creationId xmlns:a16="http://schemas.microsoft.com/office/drawing/2014/main" id="{0D199EDA-3910-4EC5-B7C0-D338D3182922}"/>
+                  <a16:creationId xmlns:a16="http://schemas.microsoft.com/office/drawing/2014/main" xmlns="" id="{0D199EDA-3910-4EC5-B7C0-D338D3182922}"/>
                 </a:ext>
               </a:extLst>
             </p:cNvPr>
@@ -9079,7 +9080,7 @@
             <p:cNvPr id="54" name="Harvey 8/100 [8]" hidden="1">
               <a:extLst>
                 <a:ext uri="{FF2B5EF4-FFF2-40B4-BE49-F238E27FC236}">
-                  <a16:creationId xmlns:a16="http://schemas.microsoft.com/office/drawing/2014/main" id="{69279733-1DB5-41D6-908D-FE5D98D6FB14}"/>
+                  <a16:creationId xmlns:a16="http://schemas.microsoft.com/office/drawing/2014/main" xmlns="" id="{69279733-1DB5-41D6-908D-FE5D98D6FB14}"/>
                 </a:ext>
               </a:extLst>
             </p:cNvPr>
@@ -9142,7 +9143,7 @@
             <p:cNvPr id="55" name="Harvey 9/100 [9]" hidden="1">
               <a:extLst>
                 <a:ext uri="{FF2B5EF4-FFF2-40B4-BE49-F238E27FC236}">
-                  <a16:creationId xmlns:a16="http://schemas.microsoft.com/office/drawing/2014/main" id="{B3A912D3-5F7F-430D-9515-4D97AD1B5D37}"/>
+                  <a16:creationId xmlns:a16="http://schemas.microsoft.com/office/drawing/2014/main" xmlns="" id="{B3A912D3-5F7F-430D-9515-4D97AD1B5D37}"/>
                 </a:ext>
               </a:extLst>
             </p:cNvPr>
@@ -9205,7 +9206,7 @@
             <p:cNvPr id="56" name="Harvey 10/100 [10]" hidden="1">
               <a:extLst>
                 <a:ext uri="{FF2B5EF4-FFF2-40B4-BE49-F238E27FC236}">
-                  <a16:creationId xmlns:a16="http://schemas.microsoft.com/office/drawing/2014/main" id="{4FDA2658-A924-4232-9D3F-1C5F4579C135}"/>
+                  <a16:creationId xmlns:a16="http://schemas.microsoft.com/office/drawing/2014/main" xmlns="" id="{4FDA2658-A924-4232-9D3F-1C5F4579C135}"/>
                 </a:ext>
               </a:extLst>
             </p:cNvPr>
@@ -9268,7 +9269,7 @@
             <p:cNvPr id="57" name="Harvey 11/100 [11]" hidden="1">
               <a:extLst>
                 <a:ext uri="{FF2B5EF4-FFF2-40B4-BE49-F238E27FC236}">
-                  <a16:creationId xmlns:a16="http://schemas.microsoft.com/office/drawing/2014/main" id="{9B6E0B2C-D8F8-41F2-BF2C-2C69EC9B8970}"/>
+                  <a16:creationId xmlns:a16="http://schemas.microsoft.com/office/drawing/2014/main" xmlns="" id="{9B6E0B2C-D8F8-41F2-BF2C-2C69EC9B8970}"/>
                 </a:ext>
               </a:extLst>
             </p:cNvPr>
@@ -9331,7 +9332,7 @@
             <p:cNvPr id="58" name="Harvey 12/100 [12]" hidden="1">
               <a:extLst>
                 <a:ext uri="{FF2B5EF4-FFF2-40B4-BE49-F238E27FC236}">
-                  <a16:creationId xmlns:a16="http://schemas.microsoft.com/office/drawing/2014/main" id="{4CFB8744-0A9A-46BD-931F-A4B55DFBF3A9}"/>
+                  <a16:creationId xmlns:a16="http://schemas.microsoft.com/office/drawing/2014/main" xmlns="" id="{4CFB8744-0A9A-46BD-931F-A4B55DFBF3A9}"/>
                 </a:ext>
               </a:extLst>
             </p:cNvPr>
@@ -9394,7 +9395,7 @@
             <p:cNvPr id="59" name="Harvey 13/100 [13]" hidden="1">
               <a:extLst>
                 <a:ext uri="{FF2B5EF4-FFF2-40B4-BE49-F238E27FC236}">
-                  <a16:creationId xmlns:a16="http://schemas.microsoft.com/office/drawing/2014/main" id="{96963698-4830-42A5-AA50-FDF62F7E678B}"/>
+                  <a16:creationId xmlns:a16="http://schemas.microsoft.com/office/drawing/2014/main" xmlns="" id="{96963698-4830-42A5-AA50-FDF62F7E678B}"/>
                 </a:ext>
               </a:extLst>
             </p:cNvPr>
@@ -9457,7 +9458,7 @@
             <p:cNvPr id="60" name="Harvey 14/100 [14]" hidden="1">
               <a:extLst>
                 <a:ext uri="{FF2B5EF4-FFF2-40B4-BE49-F238E27FC236}">
-                  <a16:creationId xmlns:a16="http://schemas.microsoft.com/office/drawing/2014/main" id="{942412FE-943B-47EB-A373-EEF6E73FBF4C}"/>
+                  <a16:creationId xmlns:a16="http://schemas.microsoft.com/office/drawing/2014/main" xmlns="" id="{942412FE-943B-47EB-A373-EEF6E73FBF4C}"/>
                 </a:ext>
               </a:extLst>
             </p:cNvPr>
@@ -9520,7 +9521,7 @@
             <p:cNvPr id="61" name="Harvey 15/100 [15]" hidden="1">
               <a:extLst>
                 <a:ext uri="{FF2B5EF4-FFF2-40B4-BE49-F238E27FC236}">
-                  <a16:creationId xmlns:a16="http://schemas.microsoft.com/office/drawing/2014/main" id="{D7CC2F42-06DE-4D1A-BD19-2DCE2AB8552C}"/>
+                  <a16:creationId xmlns:a16="http://schemas.microsoft.com/office/drawing/2014/main" xmlns="" id="{D7CC2F42-06DE-4D1A-BD19-2DCE2AB8552C}"/>
                 </a:ext>
               </a:extLst>
             </p:cNvPr>
@@ -9583,7 +9584,7 @@
             <p:cNvPr id="62" name="Harvey 16/100 [16]" hidden="1">
               <a:extLst>
                 <a:ext uri="{FF2B5EF4-FFF2-40B4-BE49-F238E27FC236}">
-                  <a16:creationId xmlns:a16="http://schemas.microsoft.com/office/drawing/2014/main" id="{F098F622-B4C1-4DC7-98BD-E568AB4AA372}"/>
+                  <a16:creationId xmlns:a16="http://schemas.microsoft.com/office/drawing/2014/main" xmlns="" id="{F098F622-B4C1-4DC7-98BD-E568AB4AA372}"/>
                 </a:ext>
               </a:extLst>
             </p:cNvPr>
@@ -9646,7 +9647,7 @@
             <p:cNvPr id="63" name="Harvey 17/100 [17]" hidden="1">
               <a:extLst>
                 <a:ext uri="{FF2B5EF4-FFF2-40B4-BE49-F238E27FC236}">
-                  <a16:creationId xmlns:a16="http://schemas.microsoft.com/office/drawing/2014/main" id="{B5C35ACB-9CFD-416E-BA7D-E5D68A61CED5}"/>
+                  <a16:creationId xmlns:a16="http://schemas.microsoft.com/office/drawing/2014/main" xmlns="" id="{B5C35ACB-9CFD-416E-BA7D-E5D68A61CED5}"/>
                 </a:ext>
               </a:extLst>
             </p:cNvPr>
@@ -9709,7 +9710,7 @@
             <p:cNvPr id="64" name="Harvey 18/100 [18]" hidden="1">
               <a:extLst>
                 <a:ext uri="{FF2B5EF4-FFF2-40B4-BE49-F238E27FC236}">
-                  <a16:creationId xmlns:a16="http://schemas.microsoft.com/office/drawing/2014/main" id="{ED8DA3DA-24BC-4C1E-8A8F-239413B719CF}"/>
+                  <a16:creationId xmlns:a16="http://schemas.microsoft.com/office/drawing/2014/main" xmlns="" id="{ED8DA3DA-24BC-4C1E-8A8F-239413B719CF}"/>
                 </a:ext>
               </a:extLst>
             </p:cNvPr>
@@ -9772,7 +9773,7 @@
             <p:cNvPr id="65" name="Harvey 19/100 [19]" hidden="1">
               <a:extLst>
                 <a:ext uri="{FF2B5EF4-FFF2-40B4-BE49-F238E27FC236}">
-                  <a16:creationId xmlns:a16="http://schemas.microsoft.com/office/drawing/2014/main" id="{FBDAEB8B-C91E-4E8C-B7AE-CBE695B624B8}"/>
+                  <a16:creationId xmlns:a16="http://schemas.microsoft.com/office/drawing/2014/main" xmlns="" id="{FBDAEB8B-C91E-4E8C-B7AE-CBE695B624B8}"/>
                 </a:ext>
               </a:extLst>
             </p:cNvPr>
@@ -9835,7 +9836,7 @@
             <p:cNvPr id="66" name="Harvey 20/100 [20]" hidden="1">
               <a:extLst>
                 <a:ext uri="{FF2B5EF4-FFF2-40B4-BE49-F238E27FC236}">
-                  <a16:creationId xmlns:a16="http://schemas.microsoft.com/office/drawing/2014/main" id="{F4E8434F-7E6D-4C43-8BFE-BC8CD35C6F77}"/>
+                  <a16:creationId xmlns:a16="http://schemas.microsoft.com/office/drawing/2014/main" xmlns="" id="{F4E8434F-7E6D-4C43-8BFE-BC8CD35C6F77}"/>
                 </a:ext>
               </a:extLst>
             </p:cNvPr>
@@ -9898,7 +9899,7 @@
             <p:cNvPr id="67" name="Harvey 21/100 [21]" hidden="1">
               <a:extLst>
                 <a:ext uri="{FF2B5EF4-FFF2-40B4-BE49-F238E27FC236}">
-                  <a16:creationId xmlns:a16="http://schemas.microsoft.com/office/drawing/2014/main" id="{0525B74C-7F5E-41A5-8019-77E38C3EE53B}"/>
+                  <a16:creationId xmlns:a16="http://schemas.microsoft.com/office/drawing/2014/main" xmlns="" id="{0525B74C-7F5E-41A5-8019-77E38C3EE53B}"/>
                 </a:ext>
               </a:extLst>
             </p:cNvPr>
@@ -9961,7 +9962,7 @@
             <p:cNvPr id="68" name="Harvey 22/100 [22]" hidden="1">
               <a:extLst>
                 <a:ext uri="{FF2B5EF4-FFF2-40B4-BE49-F238E27FC236}">
-                  <a16:creationId xmlns:a16="http://schemas.microsoft.com/office/drawing/2014/main" id="{0E583063-EF39-485E-88E6-11BC079BDB62}"/>
+                  <a16:creationId xmlns:a16="http://schemas.microsoft.com/office/drawing/2014/main" xmlns="" id="{0E583063-EF39-485E-88E6-11BC079BDB62}"/>
                 </a:ext>
               </a:extLst>
             </p:cNvPr>
@@ -10024,7 +10025,7 @@
             <p:cNvPr id="69" name="Harvey 23/100 [23]" hidden="1">
               <a:extLst>
                 <a:ext uri="{FF2B5EF4-FFF2-40B4-BE49-F238E27FC236}">
-                  <a16:creationId xmlns:a16="http://schemas.microsoft.com/office/drawing/2014/main" id="{2A232550-D22F-47E1-8415-B5D4714799F6}"/>
+                  <a16:creationId xmlns:a16="http://schemas.microsoft.com/office/drawing/2014/main" xmlns="" id="{2A232550-D22F-47E1-8415-B5D4714799F6}"/>
                 </a:ext>
               </a:extLst>
             </p:cNvPr>
@@ -10087,7 +10088,7 @@
             <p:cNvPr id="70" name="Harvey 24/100 [24]" hidden="1">
               <a:extLst>
                 <a:ext uri="{FF2B5EF4-FFF2-40B4-BE49-F238E27FC236}">
-                  <a16:creationId xmlns:a16="http://schemas.microsoft.com/office/drawing/2014/main" id="{9FD9F56A-D0A2-41E4-94E8-6F7BCC8C8D13}"/>
+                  <a16:creationId xmlns:a16="http://schemas.microsoft.com/office/drawing/2014/main" xmlns="" id="{9FD9F56A-D0A2-41E4-94E8-6F7BCC8C8D13}"/>
                 </a:ext>
               </a:extLst>
             </p:cNvPr>
@@ -10150,7 +10151,7 @@
             <p:cNvPr id="71" name="Harvey 25/100 [25]" hidden="1">
               <a:extLst>
                 <a:ext uri="{FF2B5EF4-FFF2-40B4-BE49-F238E27FC236}">
-                  <a16:creationId xmlns:a16="http://schemas.microsoft.com/office/drawing/2014/main" id="{7B7318B9-A301-4483-8BF3-EFDFD8A5CCE4}"/>
+                  <a16:creationId xmlns:a16="http://schemas.microsoft.com/office/drawing/2014/main" xmlns="" id="{7B7318B9-A301-4483-8BF3-EFDFD8A5CCE4}"/>
                 </a:ext>
               </a:extLst>
             </p:cNvPr>
@@ -10213,7 +10214,7 @@
             <p:cNvPr id="72" name="Harvey 26/100 [26]" hidden="1">
               <a:extLst>
                 <a:ext uri="{FF2B5EF4-FFF2-40B4-BE49-F238E27FC236}">
-                  <a16:creationId xmlns:a16="http://schemas.microsoft.com/office/drawing/2014/main" id="{3014F56C-E7E8-453B-A98E-0D132466A013}"/>
+                  <a16:creationId xmlns:a16="http://schemas.microsoft.com/office/drawing/2014/main" xmlns="" id="{3014F56C-E7E8-453B-A98E-0D132466A013}"/>
                 </a:ext>
               </a:extLst>
             </p:cNvPr>
@@ -10276,7 +10277,7 @@
             <p:cNvPr id="73" name="Harvey 27/100 [27]" hidden="1">
               <a:extLst>
                 <a:ext uri="{FF2B5EF4-FFF2-40B4-BE49-F238E27FC236}">
-                  <a16:creationId xmlns:a16="http://schemas.microsoft.com/office/drawing/2014/main" id="{0BF5B0CB-4D79-4B4C-BAEC-6C62BBD7E856}"/>
+                  <a16:creationId xmlns:a16="http://schemas.microsoft.com/office/drawing/2014/main" xmlns="" id="{0BF5B0CB-4D79-4B4C-BAEC-6C62BBD7E856}"/>
                 </a:ext>
               </a:extLst>
             </p:cNvPr>
@@ -10339,7 +10340,7 @@
             <p:cNvPr id="74" name="Harvey 28/100 [28]" hidden="1">
               <a:extLst>
                 <a:ext uri="{FF2B5EF4-FFF2-40B4-BE49-F238E27FC236}">
-                  <a16:creationId xmlns:a16="http://schemas.microsoft.com/office/drawing/2014/main" id="{49ABB409-6ECE-45FE-AC6A-8FDEA5AAF72F}"/>
+                  <a16:creationId xmlns:a16="http://schemas.microsoft.com/office/drawing/2014/main" xmlns="" id="{49ABB409-6ECE-45FE-AC6A-8FDEA5AAF72F}"/>
                 </a:ext>
               </a:extLst>
             </p:cNvPr>
@@ -10402,7 +10403,7 @@
             <p:cNvPr id="75" name="Harvey 29/100 [29]" hidden="1">
               <a:extLst>
                 <a:ext uri="{FF2B5EF4-FFF2-40B4-BE49-F238E27FC236}">
-                  <a16:creationId xmlns:a16="http://schemas.microsoft.com/office/drawing/2014/main" id="{FBA17C7E-2A69-4346-BEF7-A34412349269}"/>
+                  <a16:creationId xmlns:a16="http://schemas.microsoft.com/office/drawing/2014/main" xmlns="" id="{FBA17C7E-2A69-4346-BEF7-A34412349269}"/>
                 </a:ext>
               </a:extLst>
             </p:cNvPr>
@@ -10465,7 +10466,7 @@
             <p:cNvPr id="76" name="Harvey 30/100 [30]" hidden="1">
               <a:extLst>
                 <a:ext uri="{FF2B5EF4-FFF2-40B4-BE49-F238E27FC236}">
-                  <a16:creationId xmlns:a16="http://schemas.microsoft.com/office/drawing/2014/main" id="{165D0565-6CAF-4627-87E7-C3BBEE4F526D}"/>
+                  <a16:creationId xmlns:a16="http://schemas.microsoft.com/office/drawing/2014/main" xmlns="" id="{165D0565-6CAF-4627-87E7-C3BBEE4F526D}"/>
                 </a:ext>
               </a:extLst>
             </p:cNvPr>
@@ -10528,7 +10529,7 @@
             <p:cNvPr id="77" name="Harvey 31/100 [31]" hidden="1">
               <a:extLst>
                 <a:ext uri="{FF2B5EF4-FFF2-40B4-BE49-F238E27FC236}">
-                  <a16:creationId xmlns:a16="http://schemas.microsoft.com/office/drawing/2014/main" id="{B42DA70A-55BE-4CFF-8736-D1EDF4BE453C}"/>
+                  <a16:creationId xmlns:a16="http://schemas.microsoft.com/office/drawing/2014/main" xmlns="" id="{B42DA70A-55BE-4CFF-8736-D1EDF4BE453C}"/>
                 </a:ext>
               </a:extLst>
             </p:cNvPr>
@@ -10591,7 +10592,7 @@
             <p:cNvPr id="78" name="Harvey 32/100 [32]" hidden="1">
               <a:extLst>
                 <a:ext uri="{FF2B5EF4-FFF2-40B4-BE49-F238E27FC236}">
-                  <a16:creationId xmlns:a16="http://schemas.microsoft.com/office/drawing/2014/main" id="{FF7F0838-EE49-4A35-9395-0D43E8AF809D}"/>
+                  <a16:creationId xmlns:a16="http://schemas.microsoft.com/office/drawing/2014/main" xmlns="" id="{FF7F0838-EE49-4A35-9395-0D43E8AF809D}"/>
                 </a:ext>
               </a:extLst>
             </p:cNvPr>
@@ -10654,7 +10655,7 @@
             <p:cNvPr id="79" name="Harvey 33/100 [33]" hidden="1">
               <a:extLst>
                 <a:ext uri="{FF2B5EF4-FFF2-40B4-BE49-F238E27FC236}">
-                  <a16:creationId xmlns:a16="http://schemas.microsoft.com/office/drawing/2014/main" id="{87702330-AC5C-4532-88AD-BB2189C48CA5}"/>
+                  <a16:creationId xmlns:a16="http://schemas.microsoft.com/office/drawing/2014/main" xmlns="" id="{87702330-AC5C-4532-88AD-BB2189C48CA5}"/>
                 </a:ext>
               </a:extLst>
             </p:cNvPr>
@@ -10717,7 +10718,7 @@
             <p:cNvPr id="80" name="Harvey 34/100 [34]" hidden="1">
               <a:extLst>
                 <a:ext uri="{FF2B5EF4-FFF2-40B4-BE49-F238E27FC236}">
-                  <a16:creationId xmlns:a16="http://schemas.microsoft.com/office/drawing/2014/main" id="{5FD38D65-251C-45B0-871E-287881F7EFAA}"/>
+                  <a16:creationId xmlns:a16="http://schemas.microsoft.com/office/drawing/2014/main" xmlns="" id="{5FD38D65-251C-45B0-871E-287881F7EFAA}"/>
                 </a:ext>
               </a:extLst>
             </p:cNvPr>
@@ -10780,7 +10781,7 @@
             <p:cNvPr id="81" name="Harvey 35/100 [35]" hidden="1">
               <a:extLst>
                 <a:ext uri="{FF2B5EF4-FFF2-40B4-BE49-F238E27FC236}">
-                  <a16:creationId xmlns:a16="http://schemas.microsoft.com/office/drawing/2014/main" id="{503C9B02-550C-456A-BB0B-314EF64C1DF9}"/>
+                  <a16:creationId xmlns:a16="http://schemas.microsoft.com/office/drawing/2014/main" xmlns="" id="{503C9B02-550C-456A-BB0B-314EF64C1DF9}"/>
                 </a:ext>
               </a:extLst>
             </p:cNvPr>
@@ -10843,7 +10844,7 @@
             <p:cNvPr id="82" name="Harvey 36/100 [36]" hidden="1">
               <a:extLst>
                 <a:ext uri="{FF2B5EF4-FFF2-40B4-BE49-F238E27FC236}">
-                  <a16:creationId xmlns:a16="http://schemas.microsoft.com/office/drawing/2014/main" id="{953ED935-1EB5-4E2C-A911-29713CD3B048}"/>
+                  <a16:creationId xmlns:a16="http://schemas.microsoft.com/office/drawing/2014/main" xmlns="" id="{953ED935-1EB5-4E2C-A911-29713CD3B048}"/>
                 </a:ext>
               </a:extLst>
             </p:cNvPr>
@@ -10906,7 +10907,7 @@
             <p:cNvPr id="83" name="Harvey 37/100 [37]" hidden="1">
               <a:extLst>
                 <a:ext uri="{FF2B5EF4-FFF2-40B4-BE49-F238E27FC236}">
-                  <a16:creationId xmlns:a16="http://schemas.microsoft.com/office/drawing/2014/main" id="{5918D091-D8DC-494C-B0EE-71FA13BD81BF}"/>
+                  <a16:creationId xmlns:a16="http://schemas.microsoft.com/office/drawing/2014/main" xmlns="" id="{5918D091-D8DC-494C-B0EE-71FA13BD81BF}"/>
                 </a:ext>
               </a:extLst>
             </p:cNvPr>
@@ -10969,7 +10970,7 @@
             <p:cNvPr id="84" name="Harvey 38/100 [38]" hidden="1">
               <a:extLst>
                 <a:ext uri="{FF2B5EF4-FFF2-40B4-BE49-F238E27FC236}">
-                  <a16:creationId xmlns:a16="http://schemas.microsoft.com/office/drawing/2014/main" id="{C5646576-1CCD-4DC0-BC6F-BAB950E5FBDC}"/>
+                  <a16:creationId xmlns:a16="http://schemas.microsoft.com/office/drawing/2014/main" xmlns="" id="{C5646576-1CCD-4DC0-BC6F-BAB950E5FBDC}"/>
                 </a:ext>
               </a:extLst>
             </p:cNvPr>
@@ -11032,7 +11033,7 @@
             <p:cNvPr id="85" name="Harvey 39/100 [39]" hidden="1">
               <a:extLst>
                 <a:ext uri="{FF2B5EF4-FFF2-40B4-BE49-F238E27FC236}">
-                  <a16:creationId xmlns:a16="http://schemas.microsoft.com/office/drawing/2014/main" id="{43BBCDD1-AD79-4B08-B783-BF1617A00B97}"/>
+                  <a16:creationId xmlns:a16="http://schemas.microsoft.com/office/drawing/2014/main" xmlns="" id="{43BBCDD1-AD79-4B08-B783-BF1617A00B97}"/>
                 </a:ext>
               </a:extLst>
             </p:cNvPr>
@@ -11095,7 +11096,7 @@
             <p:cNvPr id="86" name="Harvey 40/100 [40]" hidden="1">
               <a:extLst>
                 <a:ext uri="{FF2B5EF4-FFF2-40B4-BE49-F238E27FC236}">
-                  <a16:creationId xmlns:a16="http://schemas.microsoft.com/office/drawing/2014/main" id="{FBD69947-0130-431E-8709-ACDACE7C76A1}"/>
+                  <a16:creationId xmlns:a16="http://schemas.microsoft.com/office/drawing/2014/main" xmlns="" id="{FBD69947-0130-431E-8709-ACDACE7C76A1}"/>
                 </a:ext>
               </a:extLst>
             </p:cNvPr>
@@ -11158,7 +11159,7 @@
             <p:cNvPr id="87" name="Harvey 41/100 [41]" hidden="1">
               <a:extLst>
                 <a:ext uri="{FF2B5EF4-FFF2-40B4-BE49-F238E27FC236}">
-                  <a16:creationId xmlns:a16="http://schemas.microsoft.com/office/drawing/2014/main" id="{19F896B1-2EFB-4D7D-9C60-E0010E0CE120}"/>
+                  <a16:creationId xmlns:a16="http://schemas.microsoft.com/office/drawing/2014/main" xmlns="" id="{19F896B1-2EFB-4D7D-9C60-E0010E0CE120}"/>
                 </a:ext>
               </a:extLst>
             </p:cNvPr>
@@ -11221,7 +11222,7 @@
             <p:cNvPr id="88" name="Harvey 42/100 [42]" hidden="1">
               <a:extLst>
                 <a:ext uri="{FF2B5EF4-FFF2-40B4-BE49-F238E27FC236}">
-                  <a16:creationId xmlns:a16="http://schemas.microsoft.com/office/drawing/2014/main" id="{ECD99131-7A62-470B-B8BD-44C8B327F3C8}"/>
+                  <a16:creationId xmlns:a16="http://schemas.microsoft.com/office/drawing/2014/main" xmlns="" id="{ECD99131-7A62-470B-B8BD-44C8B327F3C8}"/>
                 </a:ext>
               </a:extLst>
             </p:cNvPr>
@@ -11284,7 +11285,7 @@
             <p:cNvPr id="89" name="Harvey 43/100 [43]" hidden="1">
               <a:extLst>
                 <a:ext uri="{FF2B5EF4-FFF2-40B4-BE49-F238E27FC236}">
-                  <a16:creationId xmlns:a16="http://schemas.microsoft.com/office/drawing/2014/main" id="{21AA2965-A9A1-44F6-A49E-79E9DB6218A3}"/>
+                  <a16:creationId xmlns:a16="http://schemas.microsoft.com/office/drawing/2014/main" xmlns="" id="{21AA2965-A9A1-44F6-A49E-79E9DB6218A3}"/>
                 </a:ext>
               </a:extLst>
             </p:cNvPr>
@@ -11347,7 +11348,7 @@
             <p:cNvPr id="90" name="Harvey 44/100 [44]" hidden="1">
               <a:extLst>
                 <a:ext uri="{FF2B5EF4-FFF2-40B4-BE49-F238E27FC236}">
-                  <a16:creationId xmlns:a16="http://schemas.microsoft.com/office/drawing/2014/main" id="{61364AF6-A2B9-4E7C-AE49-BED73EE8811E}"/>
+                  <a16:creationId xmlns:a16="http://schemas.microsoft.com/office/drawing/2014/main" xmlns="" id="{61364AF6-A2B9-4E7C-AE49-BED73EE8811E}"/>
                 </a:ext>
               </a:extLst>
             </p:cNvPr>
@@ -11410,7 +11411,7 @@
             <p:cNvPr id="91" name="Harvey 45/100 [45]" hidden="1">
               <a:extLst>
                 <a:ext uri="{FF2B5EF4-FFF2-40B4-BE49-F238E27FC236}">
-                  <a16:creationId xmlns:a16="http://schemas.microsoft.com/office/drawing/2014/main" id="{F4DA7081-2CE2-4F5D-8ED2-265245095769}"/>
+                  <a16:creationId xmlns:a16="http://schemas.microsoft.com/office/drawing/2014/main" xmlns="" id="{F4DA7081-2CE2-4F5D-8ED2-265245095769}"/>
                 </a:ext>
               </a:extLst>
             </p:cNvPr>
@@ -11473,7 +11474,7 @@
             <p:cNvPr id="92" name="Harvey 46/100 [46]" hidden="1">
               <a:extLst>
                 <a:ext uri="{FF2B5EF4-FFF2-40B4-BE49-F238E27FC236}">
-                  <a16:creationId xmlns:a16="http://schemas.microsoft.com/office/drawing/2014/main" id="{1E3430D9-0557-4389-ADFE-3944D4EC7876}"/>
+                  <a16:creationId xmlns:a16="http://schemas.microsoft.com/office/drawing/2014/main" xmlns="" id="{1E3430D9-0557-4389-ADFE-3944D4EC7876}"/>
                 </a:ext>
               </a:extLst>
             </p:cNvPr>
@@ -11536,7 +11537,7 @@
             <p:cNvPr id="93" name="Harvey 47/100 [47]" hidden="1">
               <a:extLst>
                 <a:ext uri="{FF2B5EF4-FFF2-40B4-BE49-F238E27FC236}">
-                  <a16:creationId xmlns:a16="http://schemas.microsoft.com/office/drawing/2014/main" id="{C2AB3DBC-D2BF-4843-9796-7D0E60902CF7}"/>
+                  <a16:creationId xmlns:a16="http://schemas.microsoft.com/office/drawing/2014/main" xmlns="" id="{C2AB3DBC-D2BF-4843-9796-7D0E60902CF7}"/>
                 </a:ext>
               </a:extLst>
             </p:cNvPr>
@@ -11599,7 +11600,7 @@
             <p:cNvPr id="94" name="Harvey 48/100 [48]" hidden="1">
               <a:extLst>
                 <a:ext uri="{FF2B5EF4-FFF2-40B4-BE49-F238E27FC236}">
-                  <a16:creationId xmlns:a16="http://schemas.microsoft.com/office/drawing/2014/main" id="{2AC7D3A9-B130-4B73-9F84-FF65EFA90A0D}"/>
+                  <a16:creationId xmlns:a16="http://schemas.microsoft.com/office/drawing/2014/main" xmlns="" id="{2AC7D3A9-B130-4B73-9F84-FF65EFA90A0D}"/>
                 </a:ext>
               </a:extLst>
             </p:cNvPr>
@@ -11662,7 +11663,7 @@
             <p:cNvPr id="95" name="Harvey 49/100 [49]" hidden="1">
               <a:extLst>
                 <a:ext uri="{FF2B5EF4-FFF2-40B4-BE49-F238E27FC236}">
-                  <a16:creationId xmlns:a16="http://schemas.microsoft.com/office/drawing/2014/main" id="{76F82ED8-AE15-4CE2-AE95-FB2705CFE145}"/>
+                  <a16:creationId xmlns:a16="http://schemas.microsoft.com/office/drawing/2014/main" xmlns="" id="{76F82ED8-AE15-4CE2-AE95-FB2705CFE145}"/>
                 </a:ext>
               </a:extLst>
             </p:cNvPr>
@@ -11725,7 +11726,7 @@
             <p:cNvPr id="96" name="Harvey 50/100 [50]" hidden="1">
               <a:extLst>
                 <a:ext uri="{FF2B5EF4-FFF2-40B4-BE49-F238E27FC236}">
-                  <a16:creationId xmlns:a16="http://schemas.microsoft.com/office/drawing/2014/main" id="{0F5708D1-8782-4940-9E21-BC00FDE19AFB}"/>
+                  <a16:creationId xmlns:a16="http://schemas.microsoft.com/office/drawing/2014/main" xmlns="" id="{0F5708D1-8782-4940-9E21-BC00FDE19AFB}"/>
                 </a:ext>
               </a:extLst>
             </p:cNvPr>
@@ -11788,7 +11789,7 @@
             <p:cNvPr id="97" name="Harvey 51/100 [51]" hidden="1">
               <a:extLst>
                 <a:ext uri="{FF2B5EF4-FFF2-40B4-BE49-F238E27FC236}">
-                  <a16:creationId xmlns:a16="http://schemas.microsoft.com/office/drawing/2014/main" id="{0B776587-2FA8-4FFE-A7AE-ADF1F94E851E}"/>
+                  <a16:creationId xmlns:a16="http://schemas.microsoft.com/office/drawing/2014/main" xmlns="" id="{0B776587-2FA8-4FFE-A7AE-ADF1F94E851E}"/>
                 </a:ext>
               </a:extLst>
             </p:cNvPr>
@@ -11851,7 +11852,7 @@
             <p:cNvPr id="98" name="Harvey 52/100 [52]" hidden="1">
               <a:extLst>
                 <a:ext uri="{FF2B5EF4-FFF2-40B4-BE49-F238E27FC236}">
-                  <a16:creationId xmlns:a16="http://schemas.microsoft.com/office/drawing/2014/main" id="{4CB93FD3-AC02-49BD-AA12-9527870B4947}"/>
+                  <a16:creationId xmlns:a16="http://schemas.microsoft.com/office/drawing/2014/main" xmlns="" id="{4CB93FD3-AC02-49BD-AA12-9527870B4947}"/>
                 </a:ext>
               </a:extLst>
             </p:cNvPr>
@@ -11914,7 +11915,7 @@
             <p:cNvPr id="99" name="Harvey 53/100 [53]" hidden="1">
               <a:extLst>
                 <a:ext uri="{FF2B5EF4-FFF2-40B4-BE49-F238E27FC236}">
-                  <a16:creationId xmlns:a16="http://schemas.microsoft.com/office/drawing/2014/main" id="{C9329281-7BF4-45CD-B669-19DF36280803}"/>
+                  <a16:creationId xmlns:a16="http://schemas.microsoft.com/office/drawing/2014/main" xmlns="" id="{C9329281-7BF4-45CD-B669-19DF36280803}"/>
                 </a:ext>
               </a:extLst>
             </p:cNvPr>
@@ -11977,7 +11978,7 @@
             <p:cNvPr id="103" name="Harvey 54/100 [54]" hidden="1">
               <a:extLst>
                 <a:ext uri="{FF2B5EF4-FFF2-40B4-BE49-F238E27FC236}">
-                  <a16:creationId xmlns:a16="http://schemas.microsoft.com/office/drawing/2014/main" id="{C596C32B-3CC3-400F-8135-D4641E94B8C1}"/>
+                  <a16:creationId xmlns:a16="http://schemas.microsoft.com/office/drawing/2014/main" xmlns="" id="{C596C32B-3CC3-400F-8135-D4641E94B8C1}"/>
                 </a:ext>
               </a:extLst>
             </p:cNvPr>
@@ -12040,7 +12041,7 @@
             <p:cNvPr id="104" name="Harvey 55/100 [55]" hidden="1">
               <a:extLst>
                 <a:ext uri="{FF2B5EF4-FFF2-40B4-BE49-F238E27FC236}">
-                  <a16:creationId xmlns:a16="http://schemas.microsoft.com/office/drawing/2014/main" id="{85868E47-BD77-4D70-B1CE-F24D05947DD0}"/>
+                  <a16:creationId xmlns:a16="http://schemas.microsoft.com/office/drawing/2014/main" xmlns="" id="{85868E47-BD77-4D70-B1CE-F24D05947DD0}"/>
                 </a:ext>
               </a:extLst>
             </p:cNvPr>
@@ -12103,7 +12104,7 @@
             <p:cNvPr id="105" name="Harvey 56/100 [56]" hidden="1">
               <a:extLst>
                 <a:ext uri="{FF2B5EF4-FFF2-40B4-BE49-F238E27FC236}">
-                  <a16:creationId xmlns:a16="http://schemas.microsoft.com/office/drawing/2014/main" id="{ECDD5E69-A62E-4FF5-8C41-B4EBA953E81F}"/>
+                  <a16:creationId xmlns:a16="http://schemas.microsoft.com/office/drawing/2014/main" xmlns="" id="{ECDD5E69-A62E-4FF5-8C41-B4EBA953E81F}"/>
                 </a:ext>
               </a:extLst>
             </p:cNvPr>
@@ -12166,7 +12167,7 @@
             <p:cNvPr id="106" name="Harvey 57/100 [57]" hidden="1">
               <a:extLst>
                 <a:ext uri="{FF2B5EF4-FFF2-40B4-BE49-F238E27FC236}">
-                  <a16:creationId xmlns:a16="http://schemas.microsoft.com/office/drawing/2014/main" id="{9C3E5B74-E098-40C0-A583-9B7A12E57448}"/>
+                  <a16:creationId xmlns:a16="http://schemas.microsoft.com/office/drawing/2014/main" xmlns="" id="{9C3E5B74-E098-40C0-A583-9B7A12E57448}"/>
                 </a:ext>
               </a:extLst>
             </p:cNvPr>
@@ -12229,7 +12230,7 @@
             <p:cNvPr id="107" name="Harvey 58/100 [58]" hidden="1">
               <a:extLst>
                 <a:ext uri="{FF2B5EF4-FFF2-40B4-BE49-F238E27FC236}">
-                  <a16:creationId xmlns:a16="http://schemas.microsoft.com/office/drawing/2014/main" id="{F574152B-993B-425C-8B43-74A42FFBA2C7}"/>
+                  <a16:creationId xmlns:a16="http://schemas.microsoft.com/office/drawing/2014/main" xmlns="" id="{F574152B-993B-425C-8B43-74A42FFBA2C7}"/>
                 </a:ext>
               </a:extLst>
             </p:cNvPr>
@@ -12292,7 +12293,7 @@
             <p:cNvPr id="108" name="Harvey 59/100 [59]" hidden="1">
               <a:extLst>
                 <a:ext uri="{FF2B5EF4-FFF2-40B4-BE49-F238E27FC236}">
-                  <a16:creationId xmlns:a16="http://schemas.microsoft.com/office/drawing/2014/main" id="{8A01AD4D-B6E2-4781-A14D-EF8BA08E0318}"/>
+                  <a16:creationId xmlns:a16="http://schemas.microsoft.com/office/drawing/2014/main" xmlns="" id="{8A01AD4D-B6E2-4781-A14D-EF8BA08E0318}"/>
                 </a:ext>
               </a:extLst>
             </p:cNvPr>
@@ -12355,7 +12356,7 @@
             <p:cNvPr id="109" name="Harvey 60/100 [60]" hidden="1">
               <a:extLst>
                 <a:ext uri="{FF2B5EF4-FFF2-40B4-BE49-F238E27FC236}">
-                  <a16:creationId xmlns:a16="http://schemas.microsoft.com/office/drawing/2014/main" id="{BA864186-64B8-414E-81B7-6FD9F84A6DA0}"/>
+                  <a16:creationId xmlns:a16="http://schemas.microsoft.com/office/drawing/2014/main" xmlns="" id="{BA864186-64B8-414E-81B7-6FD9F84A6DA0}"/>
                 </a:ext>
               </a:extLst>
             </p:cNvPr>
@@ -12418,7 +12419,7 @@
             <p:cNvPr id="110" name="Harvey 61/100 [61]" hidden="1">
               <a:extLst>
                 <a:ext uri="{FF2B5EF4-FFF2-40B4-BE49-F238E27FC236}">
-                  <a16:creationId xmlns:a16="http://schemas.microsoft.com/office/drawing/2014/main" id="{2448225B-0253-4E57-A74A-4593FBE05787}"/>
+                  <a16:creationId xmlns:a16="http://schemas.microsoft.com/office/drawing/2014/main" xmlns="" id="{2448225B-0253-4E57-A74A-4593FBE05787}"/>
                 </a:ext>
               </a:extLst>
             </p:cNvPr>
@@ -12481,7 +12482,7 @@
             <p:cNvPr id="111" name="Harvey 62/100 [62]" hidden="1">
               <a:extLst>
                 <a:ext uri="{FF2B5EF4-FFF2-40B4-BE49-F238E27FC236}">
-                  <a16:creationId xmlns:a16="http://schemas.microsoft.com/office/drawing/2014/main" id="{7DE8FA27-EEAA-4897-BD9B-A489DE50FC37}"/>
+                  <a16:creationId xmlns:a16="http://schemas.microsoft.com/office/drawing/2014/main" xmlns="" id="{7DE8FA27-EEAA-4897-BD9B-A489DE50FC37}"/>
                 </a:ext>
               </a:extLst>
             </p:cNvPr>
@@ -12544,7 +12545,7 @@
             <p:cNvPr id="112" name="Harvey 63/100 [63]" hidden="1">
               <a:extLst>
                 <a:ext uri="{FF2B5EF4-FFF2-40B4-BE49-F238E27FC236}">
-                  <a16:creationId xmlns:a16="http://schemas.microsoft.com/office/drawing/2014/main" id="{3A55B80D-FCED-4C8D-A574-580654EA0C63}"/>
+                  <a16:creationId xmlns:a16="http://schemas.microsoft.com/office/drawing/2014/main" xmlns="" id="{3A55B80D-FCED-4C8D-A574-580654EA0C63}"/>
                 </a:ext>
               </a:extLst>
             </p:cNvPr>
@@ -12607,7 +12608,7 @@
             <p:cNvPr id="113" name="Harvey 64/100 [64]" hidden="1">
               <a:extLst>
                 <a:ext uri="{FF2B5EF4-FFF2-40B4-BE49-F238E27FC236}">
-                  <a16:creationId xmlns:a16="http://schemas.microsoft.com/office/drawing/2014/main" id="{DE2BA7FC-5E67-4778-B3EA-E57E40F232F9}"/>
+                  <a16:creationId xmlns:a16="http://schemas.microsoft.com/office/drawing/2014/main" xmlns="" id="{DE2BA7FC-5E67-4778-B3EA-E57E40F232F9}"/>
                 </a:ext>
               </a:extLst>
             </p:cNvPr>
@@ -12670,7 +12671,7 @@
             <p:cNvPr id="114" name="Harvey 65/100 [65]" hidden="1">
               <a:extLst>
                 <a:ext uri="{FF2B5EF4-FFF2-40B4-BE49-F238E27FC236}">
-                  <a16:creationId xmlns:a16="http://schemas.microsoft.com/office/drawing/2014/main" id="{1BC4FEEA-A049-42BA-8A85-3FA527CE44F3}"/>
+                  <a16:creationId xmlns:a16="http://schemas.microsoft.com/office/drawing/2014/main" xmlns="" id="{1BC4FEEA-A049-42BA-8A85-3FA527CE44F3}"/>
                 </a:ext>
               </a:extLst>
             </p:cNvPr>
@@ -12733,7 +12734,7 @@
             <p:cNvPr id="115" name="Harvey 66/100 [66]" hidden="1">
               <a:extLst>
                 <a:ext uri="{FF2B5EF4-FFF2-40B4-BE49-F238E27FC236}">
-                  <a16:creationId xmlns:a16="http://schemas.microsoft.com/office/drawing/2014/main" id="{8EEC36E9-4BB7-4E3A-AB04-C9B999F245D4}"/>
+                  <a16:creationId xmlns:a16="http://schemas.microsoft.com/office/drawing/2014/main" xmlns="" id="{8EEC36E9-4BB7-4E3A-AB04-C9B999F245D4}"/>
                 </a:ext>
               </a:extLst>
             </p:cNvPr>
@@ -12796,7 +12797,7 @@
             <p:cNvPr id="116" name="Harvey 67/100 [67]" hidden="1">
               <a:extLst>
                 <a:ext uri="{FF2B5EF4-FFF2-40B4-BE49-F238E27FC236}">
-                  <a16:creationId xmlns:a16="http://schemas.microsoft.com/office/drawing/2014/main" id="{1918EC99-6D63-4DC5-9581-9847CE300E96}"/>
+                  <a16:creationId xmlns:a16="http://schemas.microsoft.com/office/drawing/2014/main" xmlns="" id="{1918EC99-6D63-4DC5-9581-9847CE300E96}"/>
                 </a:ext>
               </a:extLst>
             </p:cNvPr>
@@ -12859,7 +12860,7 @@
             <p:cNvPr id="117" name="Harvey 68/100 [68]" hidden="1">
               <a:extLst>
                 <a:ext uri="{FF2B5EF4-FFF2-40B4-BE49-F238E27FC236}">
-                  <a16:creationId xmlns:a16="http://schemas.microsoft.com/office/drawing/2014/main" id="{98FD403B-93AA-46DE-B8B3-99F8593103FE}"/>
+                  <a16:creationId xmlns:a16="http://schemas.microsoft.com/office/drawing/2014/main" xmlns="" id="{98FD403B-93AA-46DE-B8B3-99F8593103FE}"/>
                 </a:ext>
               </a:extLst>
             </p:cNvPr>
@@ -12922,7 +12923,7 @@
             <p:cNvPr id="118" name="Harvey 69/100 [69]" hidden="1">
               <a:extLst>
                 <a:ext uri="{FF2B5EF4-FFF2-40B4-BE49-F238E27FC236}">
-                  <a16:creationId xmlns:a16="http://schemas.microsoft.com/office/drawing/2014/main" id="{6C8DECE9-B870-4CD9-8D6A-D208A64E9DE1}"/>
+                  <a16:creationId xmlns:a16="http://schemas.microsoft.com/office/drawing/2014/main" xmlns="" id="{6C8DECE9-B870-4CD9-8D6A-D208A64E9DE1}"/>
                 </a:ext>
               </a:extLst>
             </p:cNvPr>
@@ -12985,7 +12986,7 @@
             <p:cNvPr id="119" name="Harvey 70/100 [70]" hidden="1">
               <a:extLst>
                 <a:ext uri="{FF2B5EF4-FFF2-40B4-BE49-F238E27FC236}">
-                  <a16:creationId xmlns:a16="http://schemas.microsoft.com/office/drawing/2014/main" id="{3A174A8A-46C9-4698-908B-F2EE9A649FF0}"/>
+                  <a16:creationId xmlns:a16="http://schemas.microsoft.com/office/drawing/2014/main" xmlns="" id="{3A174A8A-46C9-4698-908B-F2EE9A649FF0}"/>
                 </a:ext>
               </a:extLst>
             </p:cNvPr>
@@ -13048,7 +13049,7 @@
             <p:cNvPr id="120" name="Harvey 71/100 [71]" hidden="1">
               <a:extLst>
                 <a:ext uri="{FF2B5EF4-FFF2-40B4-BE49-F238E27FC236}">
-                  <a16:creationId xmlns:a16="http://schemas.microsoft.com/office/drawing/2014/main" id="{3742BAD9-0BA8-495E-A141-9D283423D14D}"/>
+                  <a16:creationId xmlns:a16="http://schemas.microsoft.com/office/drawing/2014/main" xmlns="" id="{3742BAD9-0BA8-495E-A141-9D283423D14D}"/>
                 </a:ext>
               </a:extLst>
             </p:cNvPr>
@@ -13111,7 +13112,7 @@
             <p:cNvPr id="121" name="Harvey 72/100 [72]" hidden="1">
               <a:extLst>
                 <a:ext uri="{FF2B5EF4-FFF2-40B4-BE49-F238E27FC236}">
-                  <a16:creationId xmlns:a16="http://schemas.microsoft.com/office/drawing/2014/main" id="{9FCA97B7-6D15-469C-BDA6-65EE36FC2421}"/>
+                  <a16:creationId xmlns:a16="http://schemas.microsoft.com/office/drawing/2014/main" xmlns="" id="{9FCA97B7-6D15-469C-BDA6-65EE36FC2421}"/>
                 </a:ext>
               </a:extLst>
             </p:cNvPr>
@@ -13174,7 +13175,7 @@
             <p:cNvPr id="122" name="Harvey 73/100 [73]" hidden="1">
               <a:extLst>
                 <a:ext uri="{FF2B5EF4-FFF2-40B4-BE49-F238E27FC236}">
-                  <a16:creationId xmlns:a16="http://schemas.microsoft.com/office/drawing/2014/main" id="{807CF8C3-D094-4440-B8A8-7C4086600556}"/>
+                  <a16:creationId xmlns:a16="http://schemas.microsoft.com/office/drawing/2014/main" xmlns="" id="{807CF8C3-D094-4440-B8A8-7C4086600556}"/>
                 </a:ext>
               </a:extLst>
             </p:cNvPr>
@@ -13237,7 +13238,7 @@
             <p:cNvPr id="123" name="Harvey 74/100 [74]" hidden="1">
               <a:extLst>
                 <a:ext uri="{FF2B5EF4-FFF2-40B4-BE49-F238E27FC236}">
-                  <a16:creationId xmlns:a16="http://schemas.microsoft.com/office/drawing/2014/main" id="{3D312ACD-3D30-40C5-920A-303F5BE73E29}"/>
+                  <a16:creationId xmlns:a16="http://schemas.microsoft.com/office/drawing/2014/main" xmlns="" id="{3D312ACD-3D30-40C5-920A-303F5BE73E29}"/>
                 </a:ext>
               </a:extLst>
             </p:cNvPr>
@@ -13300,7 +13301,7 @@
             <p:cNvPr id="124" name="Harvey 75/100 [75]" hidden="1">
               <a:extLst>
                 <a:ext uri="{FF2B5EF4-FFF2-40B4-BE49-F238E27FC236}">
-                  <a16:creationId xmlns:a16="http://schemas.microsoft.com/office/drawing/2014/main" id="{6E333635-85D3-477C-BE5D-9721A9C87442}"/>
+                  <a16:creationId xmlns:a16="http://schemas.microsoft.com/office/drawing/2014/main" xmlns="" id="{6E333635-85D3-477C-BE5D-9721A9C87442}"/>
                 </a:ext>
               </a:extLst>
             </p:cNvPr>
@@ -13363,7 +13364,7 @@
             <p:cNvPr id="125" name="Harvey 76/100 [76]" hidden="1">
               <a:extLst>
                 <a:ext uri="{FF2B5EF4-FFF2-40B4-BE49-F238E27FC236}">
-                  <a16:creationId xmlns:a16="http://schemas.microsoft.com/office/drawing/2014/main" id="{2B84CFE0-880B-4270-AC2A-378E374A6F85}"/>
+                  <a16:creationId xmlns:a16="http://schemas.microsoft.com/office/drawing/2014/main" xmlns="" id="{2B84CFE0-880B-4270-AC2A-378E374A6F85}"/>
                 </a:ext>
               </a:extLst>
             </p:cNvPr>
@@ -13426,7 +13427,7 @@
             <p:cNvPr id="126" name="Harvey 77/100 [77]" hidden="1">
               <a:extLst>
                 <a:ext uri="{FF2B5EF4-FFF2-40B4-BE49-F238E27FC236}">
-                  <a16:creationId xmlns:a16="http://schemas.microsoft.com/office/drawing/2014/main" id="{5EC252E3-E98D-4296-8DC7-7BBC79E67399}"/>
+                  <a16:creationId xmlns:a16="http://schemas.microsoft.com/office/drawing/2014/main" xmlns="" id="{5EC252E3-E98D-4296-8DC7-7BBC79E67399}"/>
                 </a:ext>
               </a:extLst>
             </p:cNvPr>
@@ -13489,7 +13490,7 @@
             <p:cNvPr id="128" name="Harvey 78/100 [78]" hidden="1">
               <a:extLst>
                 <a:ext uri="{FF2B5EF4-FFF2-40B4-BE49-F238E27FC236}">
-                  <a16:creationId xmlns:a16="http://schemas.microsoft.com/office/drawing/2014/main" id="{34597CD2-AE17-4AC4-BDDA-42E5F11EA4BD}"/>
+                  <a16:creationId xmlns:a16="http://schemas.microsoft.com/office/drawing/2014/main" xmlns="" id="{34597CD2-AE17-4AC4-BDDA-42E5F11EA4BD}"/>
                 </a:ext>
               </a:extLst>
             </p:cNvPr>
@@ -13552,7 +13553,7 @@
             <p:cNvPr id="129" name="Harvey 79/100 [79]" hidden="1">
               <a:extLst>
                 <a:ext uri="{FF2B5EF4-FFF2-40B4-BE49-F238E27FC236}">
-                  <a16:creationId xmlns:a16="http://schemas.microsoft.com/office/drawing/2014/main" id="{43513FFB-4D4F-4C2C-9058-B6ADA9B77223}"/>
+                  <a16:creationId xmlns:a16="http://schemas.microsoft.com/office/drawing/2014/main" xmlns="" id="{43513FFB-4D4F-4C2C-9058-B6ADA9B77223}"/>
                 </a:ext>
               </a:extLst>
             </p:cNvPr>
@@ -13615,7 +13616,7 @@
             <p:cNvPr id="130" name="Harvey 80/100 [80]" hidden="1">
               <a:extLst>
                 <a:ext uri="{FF2B5EF4-FFF2-40B4-BE49-F238E27FC236}">
-                  <a16:creationId xmlns:a16="http://schemas.microsoft.com/office/drawing/2014/main" id="{3E74A731-2B8E-4D2E-96CD-33C320AE9F02}"/>
+                  <a16:creationId xmlns:a16="http://schemas.microsoft.com/office/drawing/2014/main" xmlns="" id="{3E74A731-2B8E-4D2E-96CD-33C320AE9F02}"/>
                 </a:ext>
               </a:extLst>
             </p:cNvPr>
@@ -13678,7 +13679,7 @@
             <p:cNvPr id="131" name="Harvey 81/100 [81]" hidden="1">
               <a:extLst>
                 <a:ext uri="{FF2B5EF4-FFF2-40B4-BE49-F238E27FC236}">
-                  <a16:creationId xmlns:a16="http://schemas.microsoft.com/office/drawing/2014/main" id="{395EB164-04F7-4605-8A9B-F5E95495C740}"/>
+                  <a16:creationId xmlns:a16="http://schemas.microsoft.com/office/drawing/2014/main" xmlns="" id="{395EB164-04F7-4605-8A9B-F5E95495C740}"/>
                 </a:ext>
               </a:extLst>
             </p:cNvPr>
@@ -13741,7 +13742,7 @@
             <p:cNvPr id="132" name="Harvey 82/100 [82]" hidden="1">
               <a:extLst>
                 <a:ext uri="{FF2B5EF4-FFF2-40B4-BE49-F238E27FC236}">
-                  <a16:creationId xmlns:a16="http://schemas.microsoft.com/office/drawing/2014/main" id="{8C403123-B106-4593-A5DB-715C0F7A040C}"/>
+                  <a16:creationId xmlns:a16="http://schemas.microsoft.com/office/drawing/2014/main" xmlns="" id="{8C403123-B106-4593-A5DB-715C0F7A040C}"/>
                 </a:ext>
               </a:extLst>
             </p:cNvPr>
@@ -13804,7 +13805,7 @@
             <p:cNvPr id="133" name="Harvey 83/100 [83]" hidden="1">
               <a:extLst>
                 <a:ext uri="{FF2B5EF4-FFF2-40B4-BE49-F238E27FC236}">
-                  <a16:creationId xmlns:a16="http://schemas.microsoft.com/office/drawing/2014/main" id="{4224C58E-8FED-4FD0-A482-89B385D7E115}"/>
+                  <a16:creationId xmlns:a16="http://schemas.microsoft.com/office/drawing/2014/main" xmlns="" id="{4224C58E-8FED-4FD0-A482-89B385D7E115}"/>
                 </a:ext>
               </a:extLst>
             </p:cNvPr>
@@ -13867,7 +13868,7 @@
             <p:cNvPr id="134" name="Harvey 84/100 [84]" hidden="1">
               <a:extLst>
                 <a:ext uri="{FF2B5EF4-FFF2-40B4-BE49-F238E27FC236}">
-                  <a16:creationId xmlns:a16="http://schemas.microsoft.com/office/drawing/2014/main" id="{D23B6783-C615-4CE8-A797-BD40BBC9A7DB}"/>
+                  <a16:creationId xmlns:a16="http://schemas.microsoft.com/office/drawing/2014/main" xmlns="" id="{D23B6783-C615-4CE8-A797-BD40BBC9A7DB}"/>
                 </a:ext>
               </a:extLst>
             </p:cNvPr>
@@ -13930,7 +13931,7 @@
             <p:cNvPr id="135" name="Harvey 85/100 [85]" hidden="1">
               <a:extLst>
                 <a:ext uri="{FF2B5EF4-FFF2-40B4-BE49-F238E27FC236}">
-                  <a16:creationId xmlns:a16="http://schemas.microsoft.com/office/drawing/2014/main" id="{81CE860D-5A97-49C1-B57D-755C5D3831A3}"/>
+                  <a16:creationId xmlns:a16="http://schemas.microsoft.com/office/drawing/2014/main" xmlns="" id="{81CE860D-5A97-49C1-B57D-755C5D3831A3}"/>
                 </a:ext>
               </a:extLst>
             </p:cNvPr>
@@ -13993,7 +13994,7 @@
             <p:cNvPr id="136" name="Harvey 86/100 [86]" hidden="1">
               <a:extLst>
                 <a:ext uri="{FF2B5EF4-FFF2-40B4-BE49-F238E27FC236}">
-                  <a16:creationId xmlns:a16="http://schemas.microsoft.com/office/drawing/2014/main" id="{2479714A-163E-46E4-98A7-E027DBFE57FD}"/>
+                  <a16:creationId xmlns:a16="http://schemas.microsoft.com/office/drawing/2014/main" xmlns="" id="{2479714A-163E-46E4-98A7-E027DBFE57FD}"/>
                 </a:ext>
               </a:extLst>
             </p:cNvPr>
@@ -14056,7 +14057,7 @@
             <p:cNvPr id="137" name="Harvey 87/100 [87]" hidden="1">
               <a:extLst>
                 <a:ext uri="{FF2B5EF4-FFF2-40B4-BE49-F238E27FC236}">
-                  <a16:creationId xmlns:a16="http://schemas.microsoft.com/office/drawing/2014/main" id="{63FA2A77-8C97-455F-A3B2-B7E0EC337A8B}"/>
+                  <a16:creationId xmlns:a16="http://schemas.microsoft.com/office/drawing/2014/main" xmlns="" id="{63FA2A77-8C97-455F-A3B2-B7E0EC337A8B}"/>
                 </a:ext>
               </a:extLst>
             </p:cNvPr>
@@ -14119,7 +14120,7 @@
             <p:cNvPr id="138" name="Harvey 88/100 [88]" hidden="1">
               <a:extLst>
                 <a:ext uri="{FF2B5EF4-FFF2-40B4-BE49-F238E27FC236}">
-                  <a16:creationId xmlns:a16="http://schemas.microsoft.com/office/drawing/2014/main" id="{76A90925-6AF6-4906-A319-B31822004755}"/>
+                  <a16:creationId xmlns:a16="http://schemas.microsoft.com/office/drawing/2014/main" xmlns="" id="{76A90925-6AF6-4906-A319-B31822004755}"/>
                 </a:ext>
               </a:extLst>
             </p:cNvPr>
@@ -14182,7 +14183,7 @@
             <p:cNvPr id="139" name="Harvey 89/100 [89]" hidden="1">
               <a:extLst>
                 <a:ext uri="{FF2B5EF4-FFF2-40B4-BE49-F238E27FC236}">
-                  <a16:creationId xmlns:a16="http://schemas.microsoft.com/office/drawing/2014/main" id="{0850D05B-A5F1-4DF2-BE72-115B6768BE60}"/>
+                  <a16:creationId xmlns:a16="http://schemas.microsoft.com/office/drawing/2014/main" xmlns="" id="{0850D05B-A5F1-4DF2-BE72-115B6768BE60}"/>
                 </a:ext>
               </a:extLst>
             </p:cNvPr>
@@ -14245,7 +14246,7 @@
             <p:cNvPr id="140" name="Harvey 90/100 [90]" hidden="1">
               <a:extLst>
                 <a:ext uri="{FF2B5EF4-FFF2-40B4-BE49-F238E27FC236}">
-                  <a16:creationId xmlns:a16="http://schemas.microsoft.com/office/drawing/2014/main" id="{D37E5497-C2F8-493B-BE7A-6237593E394E}"/>
+                  <a16:creationId xmlns:a16="http://schemas.microsoft.com/office/drawing/2014/main" xmlns="" id="{D37E5497-C2F8-493B-BE7A-6237593E394E}"/>
                 </a:ext>
               </a:extLst>
             </p:cNvPr>
@@ -14308,7 +14309,7 @@
             <p:cNvPr id="141" name="Harvey 91/100 [91]" hidden="1">
               <a:extLst>
                 <a:ext uri="{FF2B5EF4-FFF2-40B4-BE49-F238E27FC236}">
-                  <a16:creationId xmlns:a16="http://schemas.microsoft.com/office/drawing/2014/main" id="{7C256B67-028D-417A-BF9E-950DCD694CF2}"/>
+                  <a16:creationId xmlns:a16="http://schemas.microsoft.com/office/drawing/2014/main" xmlns="" id="{7C256B67-028D-417A-BF9E-950DCD694CF2}"/>
                 </a:ext>
               </a:extLst>
             </p:cNvPr>
@@ -14371,7 +14372,7 @@
             <p:cNvPr id="142" name="Harvey 92/100 [92]" hidden="1">
               <a:extLst>
                 <a:ext uri="{FF2B5EF4-FFF2-40B4-BE49-F238E27FC236}">
-                  <a16:creationId xmlns:a16="http://schemas.microsoft.com/office/drawing/2014/main" id="{90115D0F-8E12-492E-9494-96B5D3C111AB}"/>
+                  <a16:creationId xmlns:a16="http://schemas.microsoft.com/office/drawing/2014/main" xmlns="" id="{90115D0F-8E12-492E-9494-96B5D3C111AB}"/>
                 </a:ext>
               </a:extLst>
             </p:cNvPr>
@@ -14434,7 +14435,7 @@
             <p:cNvPr id="143" name="Harvey 93/100 [93]" hidden="1">
               <a:extLst>
                 <a:ext uri="{FF2B5EF4-FFF2-40B4-BE49-F238E27FC236}">
-                  <a16:creationId xmlns:a16="http://schemas.microsoft.com/office/drawing/2014/main" id="{475AE4EB-8026-4D3E-AE9A-005A809A00C6}"/>
+                  <a16:creationId xmlns:a16="http://schemas.microsoft.com/office/drawing/2014/main" xmlns="" id="{475AE4EB-8026-4D3E-AE9A-005A809A00C6}"/>
                 </a:ext>
               </a:extLst>
             </p:cNvPr>
@@ -14497,7 +14498,7 @@
             <p:cNvPr id="144" name="Harvey 94/100 [94]" hidden="1">
               <a:extLst>
                 <a:ext uri="{FF2B5EF4-FFF2-40B4-BE49-F238E27FC236}">
-                  <a16:creationId xmlns:a16="http://schemas.microsoft.com/office/drawing/2014/main" id="{E1AEC727-5D60-487A-811D-3044852AFEE8}"/>
+                  <a16:creationId xmlns:a16="http://schemas.microsoft.com/office/drawing/2014/main" xmlns="" id="{E1AEC727-5D60-487A-811D-3044852AFEE8}"/>
                 </a:ext>
               </a:extLst>
             </p:cNvPr>
@@ -14560,7 +14561,7 @@
             <p:cNvPr id="145" name="Harvey 95/100 [95]" hidden="1">
               <a:extLst>
                 <a:ext uri="{FF2B5EF4-FFF2-40B4-BE49-F238E27FC236}">
-                  <a16:creationId xmlns:a16="http://schemas.microsoft.com/office/drawing/2014/main" id="{4DC5CA71-AC5E-4CE3-8599-9659DCA9B338}"/>
+                  <a16:creationId xmlns:a16="http://schemas.microsoft.com/office/drawing/2014/main" xmlns="" id="{4DC5CA71-AC5E-4CE3-8599-9659DCA9B338}"/>
                 </a:ext>
               </a:extLst>
             </p:cNvPr>
@@ -14623,7 +14624,7 @@
             <p:cNvPr id="147" name="Harvey 96/100 [96]" hidden="1">
               <a:extLst>
                 <a:ext uri="{FF2B5EF4-FFF2-40B4-BE49-F238E27FC236}">
-                  <a16:creationId xmlns:a16="http://schemas.microsoft.com/office/drawing/2014/main" id="{02B169BD-62A9-4406-90CD-2F27A408849F}"/>
+                  <a16:creationId xmlns:a16="http://schemas.microsoft.com/office/drawing/2014/main" xmlns="" id="{02B169BD-62A9-4406-90CD-2F27A408849F}"/>
                 </a:ext>
               </a:extLst>
             </p:cNvPr>
@@ -14686,7 +14687,7 @@
             <p:cNvPr id="148" name="Harvey 97/100 [97]" hidden="1">
               <a:extLst>
                 <a:ext uri="{FF2B5EF4-FFF2-40B4-BE49-F238E27FC236}">
-                  <a16:creationId xmlns:a16="http://schemas.microsoft.com/office/drawing/2014/main" id="{66EC144D-A72B-437C-AABF-6B3AE6258344}"/>
+                  <a16:creationId xmlns:a16="http://schemas.microsoft.com/office/drawing/2014/main" xmlns="" id="{66EC144D-A72B-437C-AABF-6B3AE6258344}"/>
                 </a:ext>
               </a:extLst>
             </p:cNvPr>
@@ -14749,7 +14750,7 @@
             <p:cNvPr id="149" name="Harvey 98/100 [98]" hidden="1">
               <a:extLst>
                 <a:ext uri="{FF2B5EF4-FFF2-40B4-BE49-F238E27FC236}">
-                  <a16:creationId xmlns:a16="http://schemas.microsoft.com/office/drawing/2014/main" id="{3FD9AB3C-C73B-4ADF-AAFC-CF4E1238F6E0}"/>
+                  <a16:creationId xmlns:a16="http://schemas.microsoft.com/office/drawing/2014/main" xmlns="" id="{3FD9AB3C-C73B-4ADF-AAFC-CF4E1238F6E0}"/>
                 </a:ext>
               </a:extLst>
             </p:cNvPr>
@@ -14812,7 +14813,7 @@
             <p:cNvPr id="150" name="Harvey 99/100 [99]" hidden="1">
               <a:extLst>
                 <a:ext uri="{FF2B5EF4-FFF2-40B4-BE49-F238E27FC236}">
-                  <a16:creationId xmlns:a16="http://schemas.microsoft.com/office/drawing/2014/main" id="{EDA506CF-2E87-41DD-B763-D8008A9A3614}"/>
+                  <a16:creationId xmlns:a16="http://schemas.microsoft.com/office/drawing/2014/main" xmlns="" id="{EDA506CF-2E87-41DD-B763-D8008A9A3614}"/>
                 </a:ext>
               </a:extLst>
             </p:cNvPr>
@@ -14875,7 +14876,7 @@
             <p:cNvPr id="153" name="Harvey 100/100 [100]" hidden="1">
               <a:extLst>
                 <a:ext uri="{FF2B5EF4-FFF2-40B4-BE49-F238E27FC236}">
-                  <a16:creationId xmlns:a16="http://schemas.microsoft.com/office/drawing/2014/main" id="{83B4E271-BC38-47D9-AC5F-679941407376}"/>
+                  <a16:creationId xmlns:a16="http://schemas.microsoft.com/office/drawing/2014/main" xmlns="" id="{83B4E271-BC38-47D9-AC5F-679941407376}"/>
                 </a:ext>
               </a:extLst>
             </p:cNvPr>
@@ -14930,7 +14931,7 @@
           <p:cNvPr id="156" name="text" descr="{&quot;templafy&quot;:{&quot;id&quot;:&quot;a6cebcce-9b2a-4fba-95b4-bdef9fe69a4b&quot;}}" hidden="1" title="text">
             <a:extLst>
               <a:ext uri="{FF2B5EF4-FFF2-40B4-BE49-F238E27FC236}">
-                <a16:creationId xmlns:a16="http://schemas.microsoft.com/office/drawing/2014/main" id="{4A0ECF2A-95D0-4F12-9494-539BD853C463}"/>
+                <a16:creationId xmlns:a16="http://schemas.microsoft.com/office/drawing/2014/main" xmlns="" id="{4A0ECF2A-95D0-4F12-9494-539BD853C463}"/>
               </a:ext>
             </a:extLst>
           </p:cNvPr>
@@ -14999,7 +15000,7 @@
           <p:cNvPr id="154" name="TextBox" hidden="1">
             <a:extLst>
               <a:ext uri="{FF2B5EF4-FFF2-40B4-BE49-F238E27FC236}">
-                <a16:creationId xmlns:a16="http://schemas.microsoft.com/office/drawing/2014/main" id="{F0D3DFB6-6F70-49D4-A467-486FFBCB10A8}"/>
+                <a16:creationId xmlns:a16="http://schemas.microsoft.com/office/drawing/2014/main" xmlns="" id="{F0D3DFB6-6F70-49D4-A467-486FFBCB10A8}"/>
               </a:ext>
             </a:extLst>
           </p:cNvPr>
@@ -15302,7 +15303,7 @@
           <p:cNvPr id="161" name="Title Placeholder 1">
             <a:extLst>
               <a:ext uri="{FF2B5EF4-FFF2-40B4-BE49-F238E27FC236}">
-                <a16:creationId xmlns:a16="http://schemas.microsoft.com/office/drawing/2014/main" id="{03A1E60C-ED04-4688-9190-A34B19D4D09A}"/>
+                <a16:creationId xmlns:a16="http://schemas.microsoft.com/office/drawing/2014/main" xmlns="" id="{03A1E60C-ED04-4688-9190-A34B19D4D09A}"/>
               </a:ext>
             </a:extLst>
           </p:cNvPr>
@@ -15341,7 +15342,7 @@
           <p:cNvPr id="164" name="Graphic 163">
             <a:extLst>
               <a:ext uri="{FF2B5EF4-FFF2-40B4-BE49-F238E27FC236}">
-                <a16:creationId xmlns:a16="http://schemas.microsoft.com/office/drawing/2014/main" id="{25DD594A-F878-4D26-9CF2-405279373BC3}"/>
+                <a16:creationId xmlns:a16="http://schemas.microsoft.com/office/drawing/2014/main" xmlns="" id="{25DD594A-F878-4D26-9CF2-405279373BC3}"/>
               </a:ext>
             </a:extLst>
           </p:cNvPr>
@@ -15354,7 +15355,7 @@
           <a:blip r:embed="rId138">
             <a:extLst>
               <a:ext uri="{96DAC541-7B7A-43D3-8B79-37D633B846F1}">
-                <asvg:svgBlip xmlns:asvg="http://schemas.microsoft.com/office/drawing/2016/SVG/main" r:embed="rId139"/>
+                <asvg:svgBlip xmlns:asvg="http://schemas.microsoft.com/office/drawing/2016/SVG/main" xmlns="" r:embed="rId139"/>
               </a:ext>
             </a:extLst>
           </a:blip>
@@ -16006,7 +16007,7 @@
           <p:cNvPr id="3" name="Text Placeholder 2">
             <a:extLst>
               <a:ext uri="{FF2B5EF4-FFF2-40B4-BE49-F238E27FC236}">
-                <a16:creationId xmlns:a16="http://schemas.microsoft.com/office/drawing/2014/main" id="{037096D2-BF8E-40F7-B829-95F00ADC975D}"/>
+                <a16:creationId xmlns:a16="http://schemas.microsoft.com/office/drawing/2014/main" xmlns="" id="{037096D2-BF8E-40F7-B829-95F00ADC975D}"/>
               </a:ext>
             </a:extLst>
           </p:cNvPr>
@@ -16022,7 +16023,7 @@
           <a:bodyPr/>
           <a:lstStyle/>
           <a:p>
-            <a:endParaRPr lang="en-IN"/>
+            <a:endParaRPr lang="en-IN" dirty="0"/>
           </a:p>
         </p:txBody>
       </p:sp>
@@ -16031,7 +16032,7 @@
           <p:cNvPr id="2" name="Text Placeholder 1">
             <a:extLst>
               <a:ext uri="{FF2B5EF4-FFF2-40B4-BE49-F238E27FC236}">
-                <a16:creationId xmlns:a16="http://schemas.microsoft.com/office/drawing/2014/main" id="{130C4348-70E7-4FD7-915E-738779A687DC}"/>
+                <a16:creationId xmlns:a16="http://schemas.microsoft.com/office/drawing/2014/main" xmlns="" id="{130C4348-70E7-4FD7-915E-738779A687DC}"/>
               </a:ext>
             </a:extLst>
           </p:cNvPr>
@@ -16094,7 +16095,7 @@
           <p:cNvPr id="5" name="Content Placeholder 4">
             <a:extLst>
               <a:ext uri="{FF2B5EF4-FFF2-40B4-BE49-F238E27FC236}">
-                <a16:creationId xmlns:a16="http://schemas.microsoft.com/office/drawing/2014/main" id="{4EC3F976-E1E7-4CF2-BD94-927D8E55F7BE}"/>
+                <a16:creationId xmlns:a16="http://schemas.microsoft.com/office/drawing/2014/main" xmlns="" id="{4EC3F976-E1E7-4CF2-BD94-927D8E55F7BE}"/>
               </a:ext>
             </a:extLst>
           </p:cNvPr>
@@ -16112,44 +16113,53 @@
           <a:p>
             <a:pPr lvl="2"/>
             <a:r>
-              <a:rPr lang="en-US" dirty="0"/>
-              <a:t>Member 1</a:t>
-            </a:r>
-          </a:p>
-          <a:p>
-            <a:pPr lvl="2"/>
-            <a:r>
-              <a:rPr lang="en-US" dirty="0"/>
-              <a:t>Member 2</a:t>
-            </a:r>
-          </a:p>
-          <a:p>
-            <a:pPr lvl="2"/>
-            <a:r>
-              <a:rPr lang="en-US" dirty="0"/>
-              <a:t>Member 3</a:t>
-            </a:r>
-          </a:p>
-          <a:p>
-            <a:pPr lvl="2"/>
-            <a:r>
-              <a:rPr lang="en-US" dirty="0"/>
-              <a:t>Member 4 </a:t>
-            </a:r>
-          </a:p>
-          <a:p>
-            <a:r>
-              <a:rPr lang="en-US" dirty="0"/>
+              <a:rPr lang="en-US" dirty="0" smtClean="0"/>
+              <a:t>Aditya Sharma (</a:t>
+            </a:r>
+            <a:r>
+              <a:rPr lang="en-US" dirty="0" err="1" smtClean="0"/>
+              <a:t>github</a:t>
+            </a:r>
+            <a:r>
+              <a:rPr lang="en-US" dirty="0" smtClean="0"/>
+              <a:t>:-Aditya-</a:t>
+            </a:r>
+            <a:r>
+              <a:rPr lang="en-US" dirty="0" err="1" smtClean="0"/>
+              <a:t>aot</a:t>
+            </a:r>
+            <a:r>
+              <a:rPr lang="en-US" dirty="0" smtClean="0"/>
+              <a:t>)</a:t>
+            </a:r>
+            <a:endParaRPr lang="en-US" dirty="0" smtClean="0"/>
+          </a:p>
+          <a:p>
+            <a:r>
+              <a:rPr lang="en-US" dirty="0" smtClean="0"/>
               <a:t>Theme Name: </a:t>
             </a:r>
             <a:r>
-              <a:rPr lang="en-US" b="0" dirty="0">
+              <a:rPr lang="en-US" b="0" dirty="0" smtClean="0">
                 <a:solidFill>
                   <a:schemeClr val="tx2"/>
                 </a:solidFill>
               </a:rPr>
-              <a:t>Theme1, Theme 2, Theme 3, Theme 4</a:t>
-            </a:r>
+              <a:t>Theme1, </a:t>
+            </a:r>
+            <a:r>
+              <a:rPr lang="en-US" b="0" dirty="0" err="1" smtClean="0">
+                <a:solidFill>
+                  <a:schemeClr val="tx2"/>
+                </a:solidFill>
+              </a:rPr>
+              <a:t>Fintech</a:t>
+            </a:r>
+            <a:endParaRPr lang="en-US" b="0" dirty="0" smtClean="0">
+              <a:solidFill>
+                <a:schemeClr val="tx2"/>
+              </a:solidFill>
+            </a:endParaRPr>
           </a:p>
           <a:p>
             <a:pPr marL="0" lvl="2" indent="0">
@@ -16168,7 +16178,7 @@
           <p:cNvPr id="6" name="Text Placeholder 5">
             <a:extLst>
               <a:ext uri="{FF2B5EF4-FFF2-40B4-BE49-F238E27FC236}">
-                <a16:creationId xmlns:a16="http://schemas.microsoft.com/office/drawing/2014/main" id="{EC92A883-2BB8-4C3C-869D-59AFEE855F42}"/>
+                <a16:creationId xmlns:a16="http://schemas.microsoft.com/office/drawing/2014/main" xmlns="" id="{EC92A883-2BB8-4C3C-869D-59AFEE855F42}"/>
               </a:ext>
             </a:extLst>
           </p:cNvPr>
@@ -16193,7 +16203,7 @@
           <p:cNvPr id="4" name="Title 3">
             <a:extLst>
               <a:ext uri="{FF2B5EF4-FFF2-40B4-BE49-F238E27FC236}">
-                <a16:creationId xmlns:a16="http://schemas.microsoft.com/office/drawing/2014/main" id="{83193F15-4DFB-4610-9AB4-8B3683393801}"/>
+                <a16:creationId xmlns:a16="http://schemas.microsoft.com/office/drawing/2014/main" xmlns="" id="{83193F15-4DFB-4610-9AB4-8B3683393801}"/>
               </a:ext>
             </a:extLst>
           </p:cNvPr>
@@ -16252,7 +16262,7 @@
           <p:cNvPr id="5" name="Content Placeholder 4">
             <a:extLst>
               <a:ext uri="{FF2B5EF4-FFF2-40B4-BE49-F238E27FC236}">
-                <a16:creationId xmlns:a16="http://schemas.microsoft.com/office/drawing/2014/main" id="{4EC3F976-E1E7-4CF2-BD94-927D8E55F7BE}"/>
+                <a16:creationId xmlns:a16="http://schemas.microsoft.com/office/drawing/2014/main" xmlns="" id="{4EC3F976-E1E7-4CF2-BD94-927D8E55F7BE}"/>
               </a:ext>
             </a:extLst>
           </p:cNvPr>
@@ -16290,8 +16300,39 @@
             <a:pPr lvl="2"/>
             <a:r>
               <a:rPr lang="en-US" dirty="0"/>
-              <a:t>[Not more than 250 words]</a:t>
-            </a:r>
+              <a:t>[Not more than 250 words</a:t>
+            </a:r>
+            <a:r>
+              <a:rPr lang="en-US" dirty="0" smtClean="0"/>
+              <a:t>]</a:t>
+            </a:r>
+          </a:p>
+          <a:p>
+            <a:pPr lvl="2"/>
+            <a:r>
+              <a:rPr lang="en-US" dirty="0"/>
+              <a:t>the Objective of this </a:t>
+            </a:r>
+            <a:r>
+              <a:rPr lang="en-US" dirty="0" err="1"/>
+              <a:t>webapp</a:t>
+            </a:r>
+            <a:r>
+              <a:rPr lang="en-US" dirty="0"/>
+              <a:t> is to guide new students into finance ,as finance are one of those topic which are not properly teach at school/collage and as we grow up a proper information about finance is very </a:t>
+            </a:r>
+            <a:r>
+              <a:rPr lang="en-US" dirty="0" err="1"/>
+              <a:t>imprtant</a:t>
+            </a:r>
+            <a:r>
+              <a:rPr lang="en-US" dirty="0"/>
+              <a:t> .</a:t>
+            </a:r>
+          </a:p>
+          <a:p>
+            <a:pPr lvl="2"/>
+            <a:endParaRPr lang="en-US" dirty="0"/>
           </a:p>
         </p:txBody>
       </p:sp>
@@ -16300,7 +16341,7 @@
           <p:cNvPr id="6" name="Text Placeholder 5">
             <a:extLst>
               <a:ext uri="{FF2B5EF4-FFF2-40B4-BE49-F238E27FC236}">
-                <a16:creationId xmlns:a16="http://schemas.microsoft.com/office/drawing/2014/main" id="{EC92A883-2BB8-4C3C-869D-59AFEE855F42}"/>
+                <a16:creationId xmlns:a16="http://schemas.microsoft.com/office/drawing/2014/main" xmlns="" id="{EC92A883-2BB8-4C3C-869D-59AFEE855F42}"/>
               </a:ext>
             </a:extLst>
           </p:cNvPr>
@@ -16325,7 +16366,7 @@
           <p:cNvPr id="4" name="Title 3">
             <a:extLst>
               <a:ext uri="{FF2B5EF4-FFF2-40B4-BE49-F238E27FC236}">
-                <a16:creationId xmlns:a16="http://schemas.microsoft.com/office/drawing/2014/main" id="{83193F15-4DFB-4610-9AB4-8B3683393801}"/>
+                <a16:creationId xmlns:a16="http://schemas.microsoft.com/office/drawing/2014/main" xmlns="" id="{83193F15-4DFB-4610-9AB4-8B3683393801}"/>
               </a:ext>
             </a:extLst>
           </p:cNvPr>
@@ -16384,7 +16425,7 @@
           <p:cNvPr id="6" name="Content Placeholder 5">
             <a:extLst>
               <a:ext uri="{FF2B5EF4-FFF2-40B4-BE49-F238E27FC236}">
-                <a16:creationId xmlns:a16="http://schemas.microsoft.com/office/drawing/2014/main" id="{FE55FF28-C028-47D8-9756-B328A54414D7}"/>
+                <a16:creationId xmlns:a16="http://schemas.microsoft.com/office/drawing/2014/main" xmlns="" id="{FE55FF28-C028-47D8-9756-B328A54414D7}"/>
               </a:ext>
             </a:extLst>
           </p:cNvPr>
@@ -16460,158 +16501,188 @@
             </a:r>
           </a:p>
           <a:p>
-            <a:pPr marL="457200" lvl="0" indent="-355600">
-              <a:lnSpc>
-                <a:spcPct val="115000"/>
-              </a:lnSpc>
-              <a:spcBef>
-                <a:spcPts val="0"/>
-              </a:spcBef>
-              <a:spcAft>
-                <a:spcPts val="0"/>
-              </a:spcAft>
-              <a:buClr>
-                <a:schemeClr val="lt1"/>
-              </a:buClr>
-              <a:buSzPts val="2000"/>
-              <a:buFont typeface="Source Sans Pro"/>
-              <a:buChar char="●"/>
-            </a:pPr>
-            <a:r>
-              <a:rPr lang="en-US" b="0" dirty="0">
+            <a:r>
+              <a:rPr lang="en-US" dirty="0">
                 <a:solidFill>
-                  <a:schemeClr val="lt1"/>
+                  <a:schemeClr val="tx2"/>
                 </a:solidFill>
-                <a:latin typeface="Source Sans Pro" panose="020B0503030403020204" pitchFamily="34" charset="0"/>
-                <a:ea typeface="Source Sans Pro" panose="020B0503030403020204" pitchFamily="34" charset="0"/>
               </a:rPr>
-              <a:t>What are the impact metrics that one can use to analyze the effect of the solution?</a:t>
-            </a:r>
-          </a:p>
-          <a:p>
-            <a:pPr marL="457200" lvl="0" indent="-355600">
-              <a:lnSpc>
-                <a:spcPct val="115000"/>
-              </a:lnSpc>
-              <a:spcBef>
-                <a:spcPts val="0"/>
-              </a:spcBef>
-              <a:spcAft>
-                <a:spcPts val="0"/>
-              </a:spcAft>
-              <a:buClr>
-                <a:schemeClr val="lt1"/>
-              </a:buClr>
-              <a:buSzPts val="2000"/>
-              <a:buFont typeface="Source Sans Pro"/>
-              <a:buChar char="●"/>
-            </a:pPr>
-            <a:r>
-              <a:rPr lang="en-US" b="0" dirty="0">
+              <a:t>&gt; in this </a:t>
+            </a:r>
+            <a:r>
+              <a:rPr lang="en-US" dirty="0" err="1">
                 <a:solidFill>
-                  <a:schemeClr val="lt1"/>
+                  <a:schemeClr val="tx2"/>
                 </a:solidFill>
-                <a:latin typeface="Source Sans Pro" panose="020B0503030403020204" pitchFamily="34" charset="0"/>
-                <a:ea typeface="Source Sans Pro" panose="020B0503030403020204" pitchFamily="34" charset="0"/>
               </a:rPr>
-              <a:t>Frameworks/Technologies stacks to be used</a:t>
-            </a:r>
-          </a:p>
-          <a:p>
-            <a:pPr marL="457200" lvl="0" indent="-355600">
-              <a:lnSpc>
-                <a:spcPct val="115000"/>
-              </a:lnSpc>
-              <a:spcBef>
-                <a:spcPts val="0"/>
-              </a:spcBef>
-              <a:spcAft>
-                <a:spcPts val="0"/>
-              </a:spcAft>
-              <a:buClr>
-                <a:schemeClr val="lt1"/>
-              </a:buClr>
-              <a:buSzPts val="2000"/>
-              <a:buFont typeface="Source Sans Pro"/>
-              <a:buChar char="●"/>
-            </a:pPr>
-            <a:r>
-              <a:rPr lang="en-US" b="0" dirty="0">
+              <a:t>webapp</a:t>
+            </a:r>
+            <a:r>
+              <a:rPr lang="en-US" dirty="0">
                 <a:solidFill>
-                  <a:schemeClr val="lt1"/>
+                  <a:schemeClr val="tx2"/>
                 </a:solidFill>
-                <a:latin typeface="Source Sans Pro" panose="020B0503030403020204" pitchFamily="34" charset="0"/>
-                <a:ea typeface="Source Sans Pro" panose="020B0503030403020204" pitchFamily="34" charset="0"/>
               </a:rPr>
-              <a:t>Assumptions, constraints, and solution decision points (Reason behind choosing a technology)</a:t>
-            </a:r>
-          </a:p>
-          <a:p>
-            <a:pPr marL="457200" lvl="0" indent="-355600">
-              <a:lnSpc>
-                <a:spcPct val="115000"/>
-              </a:lnSpc>
-              <a:spcBef>
-                <a:spcPts val="0"/>
-              </a:spcBef>
-              <a:spcAft>
-                <a:spcPts val="0"/>
-              </a:spcAft>
-              <a:buClr>
-                <a:schemeClr val="lt1"/>
-              </a:buClr>
-              <a:buSzPts val="2000"/>
-              <a:buFont typeface="Source Sans Pro"/>
-              <a:buChar char="●"/>
-            </a:pPr>
-            <a:r>
-              <a:rPr lang="en-US" b="0" dirty="0">
+              <a:t> there is a section call guide, in which you can information in detail about </a:t>
+            </a:r>
+            <a:r>
+              <a:rPr lang="en-US" dirty="0" err="1">
                 <a:solidFill>
-                  <a:schemeClr val="lt1"/>
+                  <a:schemeClr val="tx2"/>
                 </a:solidFill>
-                <a:latin typeface="Source Sans Pro" panose="020B0503030403020204" pitchFamily="34" charset="0"/>
-                <a:ea typeface="Source Sans Pro" panose="020B0503030403020204" pitchFamily="34" charset="0"/>
               </a:rPr>
-              <a:t>How easily can your solution be implemented and how effective will it be?</a:t>
-            </a:r>
-          </a:p>
-          <a:p>
-            <a:pPr marL="457200" lvl="0" indent="-355600">
-              <a:lnSpc>
-                <a:spcPct val="115000"/>
-              </a:lnSpc>
-              <a:spcBef>
-                <a:spcPts val="0"/>
-              </a:spcBef>
-              <a:spcAft>
-                <a:spcPts val="0"/>
-              </a:spcAft>
-              <a:buClr>
-                <a:schemeClr val="lt1"/>
-              </a:buClr>
-              <a:buSzPts val="2000"/>
-              <a:buFont typeface="Source Sans Pro"/>
-              <a:buChar char="●"/>
-            </a:pPr>
-            <a:r>
-              <a:rPr lang="en-US" b="0" dirty="0">
+              <a:t>finance,stock</a:t>
+            </a:r>
+            <a:r>
+              <a:rPr lang="en-US" dirty="0">
                 <a:solidFill>
-                  <a:schemeClr val="lt1"/>
+                  <a:schemeClr val="tx2"/>
                 </a:solidFill>
-                <a:latin typeface="Source Sans Pro" panose="020B0503030403020204" pitchFamily="34" charset="0"/>
-                <a:ea typeface="Source Sans Pro" panose="020B0503030403020204" pitchFamily="34" charset="0"/>
               </a:rPr>
-              <a:t>Extent of Scalability/Usability </a:t>
-            </a:r>
-            <a:endParaRPr lang="en-US" dirty="0">
-              <a:solidFill>
-                <a:schemeClr val="lt1"/>
-              </a:solidFill>
-              <a:latin typeface="Source Sans Pro" panose="020B0503030403020204" pitchFamily="34" charset="0"/>
-              <a:ea typeface="Source Sans Pro" panose="020B0503030403020204" pitchFamily="34" charset="0"/>
-            </a:endParaRPr>
-          </a:p>
-          <a:p>
+              <a:t> </a:t>
+            </a:r>
+            <a:r>
+              <a:rPr lang="en-US" dirty="0" err="1">
+                <a:solidFill>
+                  <a:schemeClr val="tx2"/>
+                </a:solidFill>
+              </a:rPr>
+              <a:t>market,crypto</a:t>
+            </a:r>
+            <a:r>
+              <a:rPr lang="en-US" dirty="0">
+                <a:solidFill>
+                  <a:schemeClr val="tx2"/>
+                </a:solidFill>
+              </a:rPr>
+              <a:t> market , real estate and more . and see videos on </a:t>
+            </a:r>
+            <a:r>
+              <a:rPr lang="en-US" dirty="0" err="1">
+                <a:solidFill>
+                  <a:schemeClr val="tx2"/>
+                </a:solidFill>
+              </a:rPr>
+              <a:t>diffrent</a:t>
+            </a:r>
+            <a:r>
+              <a:rPr lang="en-US" dirty="0">
+                <a:solidFill>
+                  <a:schemeClr val="tx2"/>
+                </a:solidFill>
+              </a:rPr>
+              <a:t> topic to your </a:t>
+            </a:r>
+            <a:r>
+              <a:rPr lang="en-US" dirty="0" err="1">
+                <a:solidFill>
+                  <a:schemeClr val="tx2"/>
+                </a:solidFill>
+              </a:rPr>
+              <a:t>likeing</a:t>
+            </a:r>
+            <a:r>
+              <a:rPr lang="en-US" dirty="0">
+                <a:solidFill>
+                  <a:schemeClr val="tx2"/>
+                </a:solidFill>
+              </a:rPr>
+              <a:t> .</a:t>
+            </a:r>
+          </a:p>
+          <a:p>
+            <a:r>
+              <a:rPr lang="en-US" dirty="0">
+                <a:solidFill>
+                  <a:schemeClr val="tx2"/>
+                </a:solidFill>
+              </a:rPr>
+              <a:t>&gt; and you can another section called </a:t>
+            </a:r>
+            <a:r>
+              <a:rPr lang="en-US" dirty="0" err="1">
+                <a:solidFill>
+                  <a:schemeClr val="tx2"/>
+                </a:solidFill>
+              </a:rPr>
+              <a:t>predic</a:t>
+            </a:r>
+            <a:r>
+              <a:rPr lang="en-US" dirty="0">
+                <a:solidFill>
+                  <a:schemeClr val="tx2"/>
+                </a:solidFill>
+              </a:rPr>
+              <a:t> , in which you can see the prediction for future stock market, for example :- you predict a </a:t>
+            </a:r>
+            <a:r>
+              <a:rPr lang="en-US" dirty="0" err="1">
+                <a:solidFill>
+                  <a:schemeClr val="tx2"/>
+                </a:solidFill>
+              </a:rPr>
+              <a:t>singel</a:t>
+            </a:r>
+            <a:r>
+              <a:rPr lang="en-US" dirty="0">
+                <a:solidFill>
+                  <a:schemeClr val="tx2"/>
+                </a:solidFill>
+              </a:rPr>
+              <a:t> day of any stock ,or can view a chart of any stock from 10 days to 500 days in future </a:t>
+            </a:r>
+          </a:p>
+          <a:p>
+            <a:r>
+              <a:rPr lang="en-US" dirty="0">
+                <a:solidFill>
+                  <a:schemeClr val="tx2"/>
+                </a:solidFill>
+              </a:rPr>
+              <a:t>&gt; there is also section called portfolio in which you can create your portfolio in stocks and in crypto market and keep  track of your profit and loss </a:t>
+            </a:r>
+          </a:p>
+          <a:p>
+            <a:r>
+              <a:rPr lang="en-US" dirty="0">
+                <a:solidFill>
+                  <a:schemeClr val="tx2"/>
+                </a:solidFill>
+              </a:rPr>
+              <a:t>&gt; and last but not lest the section called News , in which you can get the latest news about finance in a single tip and get </a:t>
+            </a:r>
+            <a:r>
+              <a:rPr lang="en-US" dirty="0" err="1">
+                <a:solidFill>
+                  <a:schemeClr val="tx2"/>
+                </a:solidFill>
+              </a:rPr>
+              <a:t>acces</a:t>
+            </a:r>
+            <a:r>
+              <a:rPr lang="en-US" dirty="0">
+                <a:solidFill>
+                  <a:schemeClr val="tx2"/>
+                </a:solidFill>
+              </a:rPr>
+              <a:t> to </a:t>
+            </a:r>
+            <a:r>
+              <a:rPr lang="en-US" dirty="0" err="1">
+                <a:solidFill>
+                  <a:schemeClr val="tx2"/>
+                </a:solidFill>
+              </a:rPr>
+              <a:t>manay</a:t>
+            </a:r>
+            <a:r>
+              <a:rPr lang="en-US">
+                <a:solidFill>
+                  <a:schemeClr val="tx2"/>
+                </a:solidFill>
+              </a:rPr>
+              <a:t> information about finance</a:t>
+            </a:r>
             <a:endParaRPr lang="en-US" dirty="0">
               <a:solidFill>
                 <a:schemeClr val="tx2"/>
@@ -16625,7 +16696,7 @@
           <p:cNvPr id="7" name="Text Placeholder 6">
             <a:extLst>
               <a:ext uri="{FF2B5EF4-FFF2-40B4-BE49-F238E27FC236}">
-                <a16:creationId xmlns:a16="http://schemas.microsoft.com/office/drawing/2014/main" id="{DF4F97D9-E7D7-4E85-BB50-C87C7BB6F961}"/>
+                <a16:creationId xmlns:a16="http://schemas.microsoft.com/office/drawing/2014/main" xmlns="" id="{DF4F97D9-E7D7-4E85-BB50-C87C7BB6F961}"/>
               </a:ext>
             </a:extLst>
           </p:cNvPr>
@@ -16650,7 +16721,7 @@
           <p:cNvPr id="4" name="Title 3">
             <a:extLst>
               <a:ext uri="{FF2B5EF4-FFF2-40B4-BE49-F238E27FC236}">
-                <a16:creationId xmlns:a16="http://schemas.microsoft.com/office/drawing/2014/main" id="{6B1011D3-A8C8-44CC-8836-11626D436C26}"/>
+                <a16:creationId xmlns:a16="http://schemas.microsoft.com/office/drawing/2014/main" xmlns="" id="{6B1011D3-A8C8-44CC-8836-11626D436C26}"/>
               </a:ext>
             </a:extLst>
           </p:cNvPr>
@@ -16710,13 +16781,7 @@
       </p:grpSpPr>
       <p:sp>
         <p:nvSpPr>
-          <p:cNvPr id="6" name="Content Placeholder 5">
-            <a:extLst>
-              <a:ext uri="{FF2B5EF4-FFF2-40B4-BE49-F238E27FC236}">
-                <a16:creationId xmlns:a16="http://schemas.microsoft.com/office/drawing/2014/main" id="{FE55FF28-C028-47D8-9756-B328A54414D7}"/>
-              </a:ext>
-            </a:extLst>
-          </p:cNvPr>
+          <p:cNvPr id="2" name="Content Placeholder 1"/>
           <p:cNvSpPr>
             <a:spLocks noGrp="1"/>
           </p:cNvSpPr>
@@ -16726,50 +16791,8 @@
         </p:nvSpPr>
         <p:spPr/>
         <p:txBody>
-          <a:bodyPr vert="horz" lIns="0" tIns="0" rIns="0" bIns="0" rtlCol="0" anchor="t">
-            <a:noAutofit/>
-          </a:bodyPr>
+          <a:bodyPr/>
           <a:lstStyle/>
-          <a:p>
-            <a:r>
-              <a:rPr lang="en-US" b="0" dirty="0"/>
-              <a:t>What is an architecture diagram?</a:t>
-            </a:r>
-          </a:p>
-          <a:p>
-            <a:pPr lvl="1"/>
-            <a:r>
-              <a:rPr lang="en-US" dirty="0"/>
-              <a:t>An architecture diagram is a graphical representation of a set of concepts, that are part of an architecture, including their principles, elements and components. It includes:</a:t>
-            </a:r>
-          </a:p>
-          <a:p>
-            <a:pPr marL="457200" lvl="0" indent="-355600">
-              <a:lnSpc>
-                <a:spcPct val="115000"/>
-              </a:lnSpc>
-              <a:spcBef>
-                <a:spcPts val="600"/>
-              </a:spcBef>
-              <a:spcAft>
-                <a:spcPts val="0"/>
-              </a:spcAft>
-              <a:buClr>
-                <a:schemeClr val="lt1"/>
-              </a:buClr>
-              <a:buSzPts val="2000"/>
-              <a:buFont typeface="Source Sans Pro"/>
-              <a:buChar char="●"/>
-            </a:pPr>
-            <a:r>
-              <a:rPr lang="en-US" b="0" dirty="0">
-                <a:solidFill>
-                  <a:schemeClr val="lt1"/>
-                </a:solidFill>
-              </a:rPr>
-              <a:t>Flow Chart</a:t>
-            </a:r>
-          </a:p>
           <a:p>
             <a:pPr marL="457200" lvl="0" indent="-355600">
               <a:lnSpc>
@@ -16793,8 +16816,10 @@
                 <a:solidFill>
                   <a:schemeClr val="lt1"/>
                 </a:solidFill>
+                <a:latin typeface="Source Sans Pro" panose="020B0503030403020204" pitchFamily="34" charset="0"/>
+                <a:ea typeface="Source Sans Pro" panose="020B0503030403020204" pitchFamily="34" charset="0"/>
               </a:rPr>
-              <a:t>Wireframes</a:t>
+              <a:t>What are the impact metrics that one can use to analyze the effect of the solution?</a:t>
             </a:r>
           </a:p>
           <a:p>
@@ -16820,24 +16845,10 @@
                 <a:solidFill>
                   <a:schemeClr val="lt1"/>
                 </a:solidFill>
+                <a:latin typeface="Source Sans Pro" panose="020B0503030403020204" pitchFamily="34" charset="0"/>
+                <a:ea typeface="Source Sans Pro" panose="020B0503030403020204" pitchFamily="34" charset="0"/>
               </a:rPr>
-              <a:t>Graphical representation</a:t>
-            </a:r>
-            <a:r>
-              <a:rPr lang="en-US" dirty="0">
-                <a:solidFill>
-                  <a:schemeClr val="lt1"/>
-                </a:solidFill>
-              </a:rPr>
-              <a:t> </a:t>
-            </a:r>
-            <a:r>
-              <a:rPr lang="en-US" b="0" dirty="0">
-                <a:solidFill>
-                  <a:schemeClr val="lt1"/>
-                </a:solidFill>
-              </a:rPr>
-              <a:t>(Bar graph, Histogram, Pie charts, Heat maps)</a:t>
+              <a:t>Frameworks/Technologies stacks to be used</a:t>
             </a:r>
           </a:p>
           <a:p>
@@ -16863,53 +16874,14 @@
                 <a:solidFill>
                   <a:schemeClr val="lt1"/>
                 </a:solidFill>
+                <a:latin typeface="Source Sans Pro" panose="020B0503030403020204" pitchFamily="34" charset="0"/>
+                <a:ea typeface="Source Sans Pro" panose="020B0503030403020204" pitchFamily="34" charset="0"/>
               </a:rPr>
-              <a:t>Prototype (Screenshot, Screencast, Image, Video, etc.) –</a:t>
-            </a:r>
-            <a:r>
-              <a:rPr lang="en-US" b="0" i="1" dirty="0">
-                <a:solidFill>
-                  <a:schemeClr val="lt1"/>
-                </a:solidFill>
-              </a:rPr>
-              <a:t>optional</a:t>
-            </a:r>
-            <a:br>
-              <a:rPr lang="en-US" i="1" dirty="0">
-                <a:solidFill>
-                  <a:schemeClr val="lt1"/>
-                </a:solidFill>
-              </a:rPr>
-            </a:br>
-            <a:r>
-              <a:rPr lang="en-US" b="0" i="1" dirty="0">
-                <a:solidFill>
-                  <a:schemeClr val="accent3"/>
-                </a:solidFill>
-              </a:rPr>
-              <a:t>[Include concept, principles, elements and components]</a:t>
-            </a:r>
-          </a:p>
-          <a:p>
-            <a:pPr lvl="0">
-              <a:lnSpc>
-                <a:spcPct val="115000"/>
-              </a:lnSpc>
-              <a:spcBef>
-                <a:spcPts val="0"/>
-              </a:spcBef>
-              <a:spcAft>
-                <a:spcPts val="0"/>
-              </a:spcAft>
-            </a:pPr>
-            <a:endParaRPr lang="en-US" b="0" i="1" dirty="0">
-              <a:solidFill>
-                <a:schemeClr val="lt1"/>
-              </a:solidFill>
-            </a:endParaRPr>
-          </a:p>
-          <a:p>
-            <a:pPr lvl="0">
+              <a:t>Assumptions, constraints, and solution decision points (Reason behind choosing a technology)</a:t>
+            </a:r>
+          </a:p>
+          <a:p>
+            <a:pPr marL="457200" lvl="0" indent="-355600">
               <a:lnSpc>
                 <a:spcPct val="115000"/>
               </a:lnSpc>
@@ -16920,71 +16892,67 @@
                 <a:spcPts val="0"/>
               </a:spcAft>
               <a:buClr>
-                <a:srgbClr val="000000"/>
+                <a:schemeClr val="lt1"/>
               </a:buClr>
-              <a:buSzPts val="1800"/>
+              <a:buSzPts val="2000"/>
+              <a:buFont typeface="Source Sans Pro"/>
+              <a:buChar char="●"/>
             </a:pPr>
             <a:r>
               <a:rPr lang="en-US" b="0" dirty="0">
                 <a:solidFill>
                   <a:schemeClr val="lt1"/>
                 </a:solidFill>
+                <a:latin typeface="Source Sans Pro" panose="020B0503030403020204" pitchFamily="34" charset="0"/>
+                <a:ea typeface="Source Sans Pro" panose="020B0503030403020204" pitchFamily="34" charset="0"/>
               </a:rPr>
-              <a:t>Please note: Upload the documents (</a:t>
-            </a:r>
-            <a:r>
-              <a:rPr lang="en-US" b="0" dirty="0" err="1">
-                <a:solidFill>
-                  <a:schemeClr val="lt1"/>
-                </a:solidFill>
-              </a:rPr>
-              <a:t>eg</a:t>
-            </a:r>
+              <a:t>How easily can your solution be implemented and how effective will it be?</a:t>
+            </a:r>
+          </a:p>
+          <a:p>
+            <a:pPr marL="457200" lvl="0" indent="-355600">
+              <a:lnSpc>
+                <a:spcPct val="115000"/>
+              </a:lnSpc>
+              <a:spcBef>
+                <a:spcPts val="0"/>
+              </a:spcBef>
+              <a:spcAft>
+                <a:spcPts val="0"/>
+              </a:spcAft>
+              <a:buClr>
+                <a:schemeClr val="lt1"/>
+              </a:buClr>
+              <a:buSzPts val="2000"/>
+              <a:buFont typeface="Source Sans Pro"/>
+              <a:buChar char="●"/>
+            </a:pPr>
             <a:r>
               <a:rPr lang="en-US" b="0" dirty="0">
                 <a:solidFill>
                   <a:schemeClr val="lt1"/>
                 </a:solidFill>
+                <a:latin typeface="Source Sans Pro" panose="020B0503030403020204" pitchFamily="34" charset="0"/>
+                <a:ea typeface="Source Sans Pro" panose="020B0503030403020204" pitchFamily="34" charset="0"/>
               </a:rPr>
-              <a:t>: .pdf, .docx, .</a:t>
-            </a:r>
-            <a:r>
-              <a:rPr lang="en-US" b="0" dirty="0" err="1">
-                <a:solidFill>
-                  <a:schemeClr val="lt1"/>
-                </a:solidFill>
-              </a:rPr>
-              <a:t>vsd</a:t>
-            </a:r>
-            <a:r>
-              <a:rPr lang="en-US" b="0" dirty="0">
-                <a:solidFill>
-                  <a:schemeClr val="lt1"/>
-                </a:solidFill>
-              </a:rPr>
-              <a:t>, etc.) directly on the platform. However, the links can be inserted/attached in this PowerPoint template. </a:t>
-            </a:r>
-            <a:endParaRPr lang="en-US" b="0" i="1" dirty="0">
+              <a:t>Extent of Scalability/Usability </a:t>
+            </a:r>
+            <a:endParaRPr lang="en-US" dirty="0">
               <a:solidFill>
                 <a:schemeClr val="lt1"/>
               </a:solidFill>
+              <a:latin typeface="Source Sans Pro" panose="020B0503030403020204" pitchFamily="34" charset="0"/>
+              <a:ea typeface="Source Sans Pro" panose="020B0503030403020204" pitchFamily="34" charset="0"/>
             </a:endParaRPr>
           </a:p>
           <a:p>
-            <a:pPr lvl="1"/>
             <a:endParaRPr lang="en-US" dirty="0"/>
           </a:p>
         </p:txBody>
       </p:sp>
       <p:sp>
         <p:nvSpPr>
-          <p:cNvPr id="7" name="Text Placeholder 6">
-            <a:extLst>
-              <a:ext uri="{FF2B5EF4-FFF2-40B4-BE49-F238E27FC236}">
-                <a16:creationId xmlns:a16="http://schemas.microsoft.com/office/drawing/2014/main" id="{DF4F97D9-E7D7-4E85-BB50-C87C7BB6F961}"/>
-              </a:ext>
-            </a:extLst>
-          </p:cNvPr>
+          <p:cNvPr id="3" name="Text Placeholder 2"/>
           <p:cNvSpPr>
             <a:spLocks noGrp="1"/>
           </p:cNvSpPr>
@@ -16997,19 +16965,13 @@
           <a:bodyPr/>
           <a:lstStyle/>
           <a:p>
-            <a:endParaRPr lang="en-IN"/>
+            <a:endParaRPr lang="en-US"/>
           </a:p>
         </p:txBody>
       </p:sp>
       <p:sp>
         <p:nvSpPr>
-          <p:cNvPr id="4" name="Title 3">
-            <a:extLst>
-              <a:ext uri="{FF2B5EF4-FFF2-40B4-BE49-F238E27FC236}">
-                <a16:creationId xmlns:a16="http://schemas.microsoft.com/office/drawing/2014/main" id="{6B1011D3-A8C8-44CC-8836-11626D436C26}"/>
-              </a:ext>
-            </a:extLst>
-          </p:cNvPr>
+          <p:cNvPr id="4" name="Title 3"/>
           <p:cNvSpPr>
             <a:spLocks noGrp="1"/>
           </p:cNvSpPr>
@@ -17017,31 +16979,19 @@
             <p:ph type="title"/>
           </p:nvPr>
         </p:nvSpPr>
-        <p:spPr>
-          <a:xfrm>
-            <a:off x="432000" y="759866"/>
-            <a:ext cx="12578399" cy="379263"/>
-          </a:xfrm>
-        </p:spPr>
+        <p:spPr/>
         <p:txBody>
           <a:bodyPr/>
           <a:lstStyle/>
           <a:p>
-            <a:r>
-              <a:rPr lang="en-US" dirty="0"/>
-              <a:t>Methodology / </a:t>
-            </a:r>
-            <a:r>
-              <a:rPr lang="en-IN" dirty="0"/>
-              <a:t>Architecture diagram </a:t>
-            </a:r>
+            <a:endParaRPr lang="en-US"/>
           </a:p>
         </p:txBody>
       </p:sp>
     </p:spTree>
     <p:extLst>
       <p:ext uri="{BB962C8B-B14F-4D97-AF65-F5344CB8AC3E}">
-        <p14:creationId xmlns:p14="http://schemas.microsoft.com/office/powerpoint/2010/main" val="2437973063"/>
+        <p14:creationId xmlns:p14="http://schemas.microsoft.com/office/powerpoint/2010/main" val="334772701"/>
       </p:ext>
     </p:extLst>
   </p:cSld>
@@ -17073,7 +17023,375 @@
           <p:cNvPr id="6" name="Content Placeholder 5">
             <a:extLst>
               <a:ext uri="{FF2B5EF4-FFF2-40B4-BE49-F238E27FC236}">
-                <a16:creationId xmlns:a16="http://schemas.microsoft.com/office/drawing/2014/main" id="{FE55FF28-C028-47D8-9756-B328A54414D7}"/>
+                <a16:creationId xmlns:a16="http://schemas.microsoft.com/office/drawing/2014/main" xmlns="" id="{FE55FF28-C028-47D8-9756-B328A54414D7}"/>
+              </a:ext>
+            </a:extLst>
+          </p:cNvPr>
+          <p:cNvSpPr>
+            <a:spLocks noGrp="1"/>
+          </p:cNvSpPr>
+          <p:nvPr>
+            <p:ph sz="quarter" idx="10"/>
+          </p:nvPr>
+        </p:nvSpPr>
+        <p:spPr/>
+        <p:txBody>
+          <a:bodyPr vert="horz" lIns="0" tIns="0" rIns="0" bIns="0" rtlCol="0" anchor="t">
+            <a:noAutofit/>
+          </a:bodyPr>
+          <a:lstStyle/>
+          <a:p>
+            <a:r>
+              <a:rPr lang="en-US" b="0" dirty="0"/>
+              <a:t>What is an architecture diagram?</a:t>
+            </a:r>
+          </a:p>
+          <a:p>
+            <a:pPr lvl="1"/>
+            <a:r>
+              <a:rPr lang="en-US" dirty="0"/>
+              <a:t>An architecture diagram is a graphical representation of a set of concepts, that are part of an architecture, including their principles, elements and components. It includes:</a:t>
+            </a:r>
+          </a:p>
+          <a:p>
+            <a:pPr marL="457200" lvl="0" indent="-355600">
+              <a:lnSpc>
+                <a:spcPct val="115000"/>
+              </a:lnSpc>
+              <a:spcBef>
+                <a:spcPts val="600"/>
+              </a:spcBef>
+              <a:spcAft>
+                <a:spcPts val="0"/>
+              </a:spcAft>
+              <a:buClr>
+                <a:schemeClr val="lt1"/>
+              </a:buClr>
+              <a:buSzPts val="2000"/>
+              <a:buFont typeface="Source Sans Pro"/>
+              <a:buChar char="●"/>
+            </a:pPr>
+            <a:r>
+              <a:rPr lang="en-US" b="0" dirty="0">
+                <a:solidFill>
+                  <a:schemeClr val="lt1"/>
+                </a:solidFill>
+              </a:rPr>
+              <a:t>Flow Chart</a:t>
+            </a:r>
+          </a:p>
+          <a:p>
+            <a:pPr marL="457200" lvl="0" indent="-355600">
+              <a:lnSpc>
+                <a:spcPct val="115000"/>
+              </a:lnSpc>
+              <a:spcBef>
+                <a:spcPts val="0"/>
+              </a:spcBef>
+              <a:spcAft>
+                <a:spcPts val="0"/>
+              </a:spcAft>
+              <a:buClr>
+                <a:schemeClr val="lt1"/>
+              </a:buClr>
+              <a:buSzPts val="2000"/>
+              <a:buFont typeface="Source Sans Pro"/>
+              <a:buChar char="●"/>
+            </a:pPr>
+            <a:r>
+              <a:rPr lang="en-US" b="0" dirty="0">
+                <a:solidFill>
+                  <a:schemeClr val="lt1"/>
+                </a:solidFill>
+              </a:rPr>
+              <a:t>Wireframes</a:t>
+            </a:r>
+          </a:p>
+          <a:p>
+            <a:pPr marL="457200" lvl="0" indent="-355600">
+              <a:lnSpc>
+                <a:spcPct val="115000"/>
+              </a:lnSpc>
+              <a:spcBef>
+                <a:spcPts val="0"/>
+              </a:spcBef>
+              <a:spcAft>
+                <a:spcPts val="0"/>
+              </a:spcAft>
+              <a:buClr>
+                <a:schemeClr val="lt1"/>
+              </a:buClr>
+              <a:buSzPts val="2000"/>
+              <a:buFont typeface="Source Sans Pro"/>
+              <a:buChar char="●"/>
+            </a:pPr>
+            <a:r>
+              <a:rPr lang="en-US" b="0" dirty="0">
+                <a:solidFill>
+                  <a:schemeClr val="lt1"/>
+                </a:solidFill>
+              </a:rPr>
+              <a:t>Graphical representation</a:t>
+            </a:r>
+            <a:r>
+              <a:rPr lang="en-US" dirty="0">
+                <a:solidFill>
+                  <a:schemeClr val="lt1"/>
+                </a:solidFill>
+              </a:rPr>
+              <a:t> </a:t>
+            </a:r>
+            <a:r>
+              <a:rPr lang="en-US" b="0" dirty="0">
+                <a:solidFill>
+                  <a:schemeClr val="lt1"/>
+                </a:solidFill>
+              </a:rPr>
+              <a:t>(Bar graph, Histogram, Pie charts, Heat maps)</a:t>
+            </a:r>
+          </a:p>
+          <a:p>
+            <a:pPr marL="457200" lvl="0" indent="-355600">
+              <a:lnSpc>
+                <a:spcPct val="115000"/>
+              </a:lnSpc>
+              <a:spcBef>
+                <a:spcPts val="0"/>
+              </a:spcBef>
+              <a:spcAft>
+                <a:spcPts val="0"/>
+              </a:spcAft>
+              <a:buClr>
+                <a:schemeClr val="lt1"/>
+              </a:buClr>
+              <a:buSzPts val="2000"/>
+              <a:buFont typeface="Source Sans Pro"/>
+              <a:buChar char="●"/>
+            </a:pPr>
+            <a:r>
+              <a:rPr lang="en-US" b="0" dirty="0">
+                <a:solidFill>
+                  <a:schemeClr val="lt1"/>
+                </a:solidFill>
+              </a:rPr>
+              <a:t>Prototype (Screenshot, Screencast, Image, Video, etc.) –</a:t>
+            </a:r>
+            <a:r>
+              <a:rPr lang="en-US" b="0" i="1" dirty="0">
+                <a:solidFill>
+                  <a:schemeClr val="lt1"/>
+                </a:solidFill>
+              </a:rPr>
+              <a:t>optional</a:t>
+            </a:r>
+            <a:r>
+              <a:rPr lang="en-US" i="1" dirty="0">
+                <a:solidFill>
+                  <a:schemeClr val="lt1"/>
+                </a:solidFill>
+              </a:rPr>
+              <a:t/>
+            </a:r>
+            <a:br>
+              <a:rPr lang="en-US" i="1" dirty="0">
+                <a:solidFill>
+                  <a:schemeClr val="lt1"/>
+                </a:solidFill>
+              </a:rPr>
+            </a:br>
+            <a:r>
+              <a:rPr lang="en-US" b="0" i="1" dirty="0">
+                <a:solidFill>
+                  <a:schemeClr val="accent3"/>
+                </a:solidFill>
+              </a:rPr>
+              <a:t>[Include concept, principles, elements and components]</a:t>
+            </a:r>
+          </a:p>
+          <a:p>
+            <a:pPr lvl="0">
+              <a:lnSpc>
+                <a:spcPct val="115000"/>
+              </a:lnSpc>
+              <a:spcBef>
+                <a:spcPts val="0"/>
+              </a:spcBef>
+              <a:spcAft>
+                <a:spcPts val="0"/>
+              </a:spcAft>
+            </a:pPr>
+            <a:endParaRPr lang="en-US" b="0" i="1" dirty="0">
+              <a:solidFill>
+                <a:schemeClr val="lt1"/>
+              </a:solidFill>
+            </a:endParaRPr>
+          </a:p>
+          <a:p>
+            <a:pPr lvl="0">
+              <a:lnSpc>
+                <a:spcPct val="115000"/>
+              </a:lnSpc>
+              <a:spcBef>
+                <a:spcPts val="0"/>
+              </a:spcBef>
+              <a:spcAft>
+                <a:spcPts val="0"/>
+              </a:spcAft>
+              <a:buClr>
+                <a:srgbClr val="000000"/>
+              </a:buClr>
+              <a:buSzPts val="1800"/>
+            </a:pPr>
+            <a:r>
+              <a:rPr lang="en-US" b="0" dirty="0">
+                <a:solidFill>
+                  <a:schemeClr val="lt1"/>
+                </a:solidFill>
+              </a:rPr>
+              <a:t>Please note: Upload the documents (</a:t>
+            </a:r>
+            <a:r>
+              <a:rPr lang="en-US" b="0" dirty="0" err="1">
+                <a:solidFill>
+                  <a:schemeClr val="lt1"/>
+                </a:solidFill>
+              </a:rPr>
+              <a:t>eg</a:t>
+            </a:r>
+            <a:r>
+              <a:rPr lang="en-US" b="0" dirty="0">
+                <a:solidFill>
+                  <a:schemeClr val="lt1"/>
+                </a:solidFill>
+              </a:rPr>
+              <a:t>: .pdf, .docx, .</a:t>
+            </a:r>
+            <a:r>
+              <a:rPr lang="en-US" b="0" dirty="0" err="1">
+                <a:solidFill>
+                  <a:schemeClr val="lt1"/>
+                </a:solidFill>
+              </a:rPr>
+              <a:t>vsd</a:t>
+            </a:r>
+            <a:r>
+              <a:rPr lang="en-US" b="0" dirty="0">
+                <a:solidFill>
+                  <a:schemeClr val="lt1"/>
+                </a:solidFill>
+              </a:rPr>
+              <a:t>, etc.) directly on the platform. However, the links can be inserted/attached in this PowerPoint template. </a:t>
+            </a:r>
+            <a:endParaRPr lang="en-US" b="0" i="1" dirty="0">
+              <a:solidFill>
+                <a:schemeClr val="lt1"/>
+              </a:solidFill>
+            </a:endParaRPr>
+          </a:p>
+          <a:p>
+            <a:pPr lvl="1"/>
+            <a:endParaRPr lang="en-US" dirty="0"/>
+          </a:p>
+        </p:txBody>
+      </p:sp>
+      <p:sp>
+        <p:nvSpPr>
+          <p:cNvPr id="7" name="Text Placeholder 6">
+            <a:extLst>
+              <a:ext uri="{FF2B5EF4-FFF2-40B4-BE49-F238E27FC236}">
+                <a16:creationId xmlns:a16="http://schemas.microsoft.com/office/drawing/2014/main" xmlns="" id="{DF4F97D9-E7D7-4E85-BB50-C87C7BB6F961}"/>
+              </a:ext>
+            </a:extLst>
+          </p:cNvPr>
+          <p:cNvSpPr>
+            <a:spLocks noGrp="1"/>
+          </p:cNvSpPr>
+          <p:nvPr>
+            <p:ph type="body" sz="quarter" idx="11"/>
+          </p:nvPr>
+        </p:nvSpPr>
+        <p:spPr/>
+        <p:txBody>
+          <a:bodyPr/>
+          <a:lstStyle/>
+          <a:p>
+            <a:endParaRPr lang="en-IN"/>
+          </a:p>
+        </p:txBody>
+      </p:sp>
+      <p:sp>
+        <p:nvSpPr>
+          <p:cNvPr id="4" name="Title 3">
+            <a:extLst>
+              <a:ext uri="{FF2B5EF4-FFF2-40B4-BE49-F238E27FC236}">
+                <a16:creationId xmlns:a16="http://schemas.microsoft.com/office/drawing/2014/main" xmlns="" id="{6B1011D3-A8C8-44CC-8836-11626D436C26}"/>
+              </a:ext>
+            </a:extLst>
+          </p:cNvPr>
+          <p:cNvSpPr>
+            <a:spLocks noGrp="1"/>
+          </p:cNvSpPr>
+          <p:nvPr>
+            <p:ph type="title"/>
+          </p:nvPr>
+        </p:nvSpPr>
+        <p:spPr>
+          <a:xfrm>
+            <a:off x="432000" y="759866"/>
+            <a:ext cx="12578399" cy="379263"/>
+          </a:xfrm>
+        </p:spPr>
+        <p:txBody>
+          <a:bodyPr/>
+          <a:lstStyle/>
+          <a:p>
+            <a:r>
+              <a:rPr lang="en-US" dirty="0"/>
+              <a:t>Methodology / </a:t>
+            </a:r>
+            <a:r>
+              <a:rPr lang="en-IN" dirty="0"/>
+              <a:t>Architecture diagram </a:t>
+            </a:r>
+          </a:p>
+        </p:txBody>
+      </p:sp>
+    </p:spTree>
+    <p:extLst>
+      <p:ext uri="{BB962C8B-B14F-4D97-AF65-F5344CB8AC3E}">
+        <p14:creationId xmlns:p14="http://schemas.microsoft.com/office/powerpoint/2010/main" val="2437973063"/>
+      </p:ext>
+    </p:extLst>
+  </p:cSld>
+  <p:clrMapOvr>
+    <a:masterClrMapping/>
+  </p:clrMapOvr>
+</p:sld>
+</file>
+
+<file path=ppt/slides/slide7.xml><?xml version="1.0" encoding="utf-8"?>
+<p:sld xmlns:a="http://schemas.openxmlformats.org/drawingml/2006/main" xmlns:r="http://schemas.openxmlformats.org/officeDocument/2006/relationships" xmlns:p="http://schemas.openxmlformats.org/presentationml/2006/main">
+  <p:cSld>
+    <p:spTree>
+      <p:nvGrpSpPr>
+        <p:cNvPr id="1" name=""/>
+        <p:cNvGrpSpPr/>
+        <p:nvPr/>
+      </p:nvGrpSpPr>
+      <p:grpSpPr>
+        <a:xfrm>
+          <a:off x="0" y="0"/>
+          <a:ext cx="0" cy="0"/>
+          <a:chOff x="0" y="0"/>
+          <a:chExt cx="0" cy="0"/>
+        </a:xfrm>
+      </p:grpSpPr>
+      <p:sp>
+        <p:nvSpPr>
+          <p:cNvPr id="6" name="Content Placeholder 5">
+            <a:extLst>
+              <a:ext uri="{FF2B5EF4-FFF2-40B4-BE49-F238E27FC236}">
+                <a16:creationId xmlns:a16="http://schemas.microsoft.com/office/drawing/2014/main" xmlns="" id="{FE55FF28-C028-47D8-9756-B328A54414D7}"/>
               </a:ext>
             </a:extLst>
           </p:cNvPr>
@@ -17178,7 +17496,7 @@
           <p:cNvPr id="7" name="Text Placeholder 6">
             <a:extLst>
               <a:ext uri="{FF2B5EF4-FFF2-40B4-BE49-F238E27FC236}">
-                <a16:creationId xmlns:a16="http://schemas.microsoft.com/office/drawing/2014/main" id="{DF4F97D9-E7D7-4E85-BB50-C87C7BB6F961}"/>
+                <a16:creationId xmlns:a16="http://schemas.microsoft.com/office/drawing/2014/main" xmlns="" id="{DF4F97D9-E7D7-4E85-BB50-C87C7BB6F961}"/>
               </a:ext>
             </a:extLst>
           </p:cNvPr>
@@ -17203,7 +17521,7 @@
           <p:cNvPr id="4" name="Title 3">
             <a:extLst>
               <a:ext uri="{FF2B5EF4-FFF2-40B4-BE49-F238E27FC236}">
-                <a16:creationId xmlns:a16="http://schemas.microsoft.com/office/drawing/2014/main" id="{6B1011D3-A8C8-44CC-8836-11626D436C26}"/>
+                <a16:creationId xmlns:a16="http://schemas.microsoft.com/office/drawing/2014/main" xmlns="" id="{6B1011D3-A8C8-44CC-8836-11626D436C26}"/>
               </a:ext>
             </a:extLst>
           </p:cNvPr>
@@ -17237,7 +17555,7 @@
           <p:cNvPr id="9" name="Title 3">
             <a:extLst>
               <a:ext uri="{FF2B5EF4-FFF2-40B4-BE49-F238E27FC236}">
-                <a16:creationId xmlns:a16="http://schemas.microsoft.com/office/drawing/2014/main" id="{343D100C-CBCF-4740-8808-AA3731B46C28}"/>
+                <a16:creationId xmlns:a16="http://schemas.microsoft.com/office/drawing/2014/main" xmlns="" id="{343D100C-CBCF-4740-8808-AA3731B46C28}"/>
               </a:ext>
             </a:extLst>
           </p:cNvPr>
@@ -17312,7 +17630,7 @@
           <p:cNvPr id="10" name="Content Placeholder 5">
             <a:extLst>
               <a:ext uri="{FF2B5EF4-FFF2-40B4-BE49-F238E27FC236}">
-                <a16:creationId xmlns:a16="http://schemas.microsoft.com/office/drawing/2014/main" id="{E97A4741-1A72-C64F-ADE5-3CC93618A7AF}"/>
+                <a16:creationId xmlns:a16="http://schemas.microsoft.com/office/drawing/2014/main" xmlns="" id="{E97A4741-1A72-C64F-ADE5-3CC93618A7AF}"/>
               </a:ext>
             </a:extLst>
           </p:cNvPr>
@@ -17588,7 +17906,7 @@
 </p:sld>
 </file>
 
-<file path=ppt/slides/slide7.xml><?xml version="1.0" encoding="utf-8"?>
+<file path=ppt/slides/slide8.xml><?xml version="1.0" encoding="utf-8"?>
 <p:sld xmlns:a="http://schemas.openxmlformats.org/drawingml/2006/main" xmlns:r="http://schemas.openxmlformats.org/officeDocument/2006/relationships" xmlns:p="http://schemas.openxmlformats.org/presentationml/2006/main">
   <p:cSld>
     <p:spTree>
@@ -17610,7 +17928,7 @@
           <p:cNvPr id="3" name="TextBox 2">
             <a:extLst>
               <a:ext uri="{FF2B5EF4-FFF2-40B4-BE49-F238E27FC236}">
-                <a16:creationId xmlns:a16="http://schemas.microsoft.com/office/drawing/2014/main" id="{9FF0EB6C-85EC-40B2-BF07-371E7E2D5C81}"/>
+                <a16:creationId xmlns:a16="http://schemas.microsoft.com/office/drawing/2014/main" xmlns="" id="{9FF0EB6C-85EC-40B2-BF07-371E7E2D5C81}"/>
               </a:ext>
             </a:extLst>
           </p:cNvPr>
@@ -17673,7 +17991,7 @@
 </p:sld>
 </file>
 
-<file path=ppt/slides/slide8.xml><?xml version="1.0" encoding="utf-8"?>
+<file path=ppt/slides/slide9.xml><?xml version="1.0" encoding="utf-8"?>
 <p:sld xmlns:a="http://schemas.openxmlformats.org/drawingml/2006/main" xmlns:r="http://schemas.openxmlformats.org/officeDocument/2006/relationships" xmlns:p="http://schemas.openxmlformats.org/presentationml/2006/main">
   <p:cSld>
     <p:spTree>
@@ -19469,10 +19787,47 @@
 </file>
 
 <file path=customXml/item1.xml><?xml version="1.0" encoding="utf-8"?>
+<TemplafySlideTemplateConfiguration><![CDATA[{"slideVersion":0,"isValidatorEnabled":false,"isLocked":false,"elementsMetadata":[],"slideId":"637619437708884421","enableDocumentContentUpdater":true,"version":"1.11"}]]></TemplafySlideTemplateConfiguration>
+</file>
+
+<file path=customXml/item10.xml><?xml version="1.0" encoding="utf-8"?>
+<TemplafySlideFormConfiguration><![CDATA[{"formFields":[],"formDataEntries":[]}]]></TemplafySlideFormConfiguration>
+</file>
+
+<file path=customXml/item11.xml><?xml version="1.0" encoding="utf-8"?>
+<TemplafyFormConfiguration><![CDATA[{"formFields":[{"dataSource":"ION PowerPoint Branding","displayColumn":"powerPointBrand","hideIfNoUserInteractionRequired":false,"distinct":true,"required":true,"autoSelectFirstOption":false,"helpTexts":{"prefix":"","postfix":""},"spacing":{},"type":"dropDown","name":"BrandPowerPoint_Oct_vA","label":"Branding","fullyQualifiedName":"BrandPowerPoint_Oct_vA"},{"dataSource":"ION PowerPoint Branding","displayColumn":"powerPointBackgroundChoice","filter":{"column":"powerPointBrand","otherFieldName":"BrandPowerPoint_Oct_vA","fullyQualifiedOtherFieldName":"BrandPowerPoint_Oct_vA","otherFieldColumn":"powerPointBrand","formReference":"none","operator":"equals"},"hideIfNoUserInteractionRequired":false,"distinct":true,"required":true,"autoSelectFirstOption":false,"helpTexts":{"prefix":"","postfix":""},"spacing":{},"type":"dropDown","name":"BackgroundColorPowerPoint_Oct_vA","label":"Light or Dark Background","fullyQualifiedName":"BackgroundColorPowerPoint_Oct_vA"},{"required":false,"placeholder":"","lines":0,"helpTexts":{"prefix":"","postfix":""},"spacing":{},"type":"textBox","name":"PowerPointClient","label":"Client Name","fullyQualifiedName":"PowerPointClient"},{"dataSource":"IONConfidentiality","displayColumn":"confidentiality","hideIfNoUserInteractionRequired":false,"distinct":true,"required":true,"autoSelectFirstOption":false,"helpTexts":{"prefix":"","postfix":"For guidance on which notice to use, see http://ionlink.net/ic-pdf"},"spacing":{},"type":"dropDown","name":"Confidentiality","label":"Confidentiality Notice","fullyQualifiedName":"Confidentiality"},{"required":true,"helpTexts":{"prefix":"","postfix":""},"spacing":{},"type":"datePicker","name":"PowerPointDate","label":"Date","fullyQualifiedName":"PowerPointDate"},{"dataSource":"IONWatermarks","displayColumn":"showName","hideIfNoUserInteractionRequired":false,"distinct":true,"required":true,"autoSelectFirstOption":false,"helpTexts":{"prefix":"","postfix":""},"spacing":{},"type":"dropDown","name":"Watermark","label":"Watermark","fullyQualifiedName":"Watermark"},{"dataSource":"P-Product-Brand","displayColumn":"productName","filter":{"column":"powerPointBackgroundColor","otherFieldName":"BackgroundColorPowerPoint_Oct_vA","fullyQualifiedOtherFieldName":"BackgroundColorPowerPoint_Oct_vA","otherFieldColumn":"PowerPointBackgroundChoice","formReference":"none","operator":"equals"},"hideIfNoUserInteractionRequired":false,"distinct":true,"required":false,"autoSelectFirstOption":false,"helpTexts":{"prefix":"","postfix":""},"spacing":{},"type":"dropDown","name":"ChooseProduct_Primary","label":"Primary Product Brand","fullyQualifiedName":"ChooseProduct_Primary"},{"dataSource":"P-Product-Brand","displayColumn":"productName","filter":{"column":"powerPointBackgroundColor","otherFieldName":"BackgroundColorPowerPoint_Oct_vA","fullyQualifiedOtherFieldName":"BackgroundColorPowerPoint_Oct_vA","otherFieldColumn":"PowerPointBackgroundChoice","formReference":"none","operator":"equals"},"hideIfNoUserInteractionRequired":false,"distinct":true,"required":false,"autoSelectFirstOption":false,"helpTexts":{"prefix":"","postfix":""},"spacing":{},"type":"dropDown","name":"ChoosePoroduct_Secondary","label":"Secondary Product Brand","fullyQualifiedName":"ChoosePoroduct_Secondary"},{"dataSource":"P-Product-Brand","displayColumn":"productName","filter":{"column":"powerPointBackgroundColor","otherFieldName":"BackgroundColorPowerPoint_Oct_vA","fullyQualifiedOtherFieldName":"BackgroundColorPowerPoint_Oct_vA","otherFieldColumn":"PowerPointBackgroundChoice","formReference":"none","operator":"equals"},"hideIfNoUserInteractionRequired":false,"distinct":true,"required":false,"autoSelectFirstOption":false,"helpTexts":{"prefix":"","postfix":""},"spacing":{},"type":"dropDown","name":"ChooseProduct_Tertiary","label":"Tertiary Product Brand","fullyQualifiedName":"ChooseProduct_Tertiary"}],"formDataEntries":[{"name":"BrandPowerPoint_Oct_vA","value":"lkQvIQtZKCPbTDiBBU6g/Q=="},{"name":"BackgroundColorPowerPoint_Oct_vA","value":"VRq9ak7uZCA8XSw0jkTEeA=="},{"name":"Confidentiality","value":"E7VifGvQztrMpUuv3Bbm1A=="},{"name":"PowerPointDate","value":"Zxz52PF8H9HrSBl7MJUy/A=="},{"name":"Watermark","value":"WdEUi1zMcVM7Stn6Woarwg=="}]}]]></TemplafyFormConfiguration>
+</file>
+
+<file path=customXml/item2.xml><?xml version="1.0" encoding="utf-8"?>
 <TemplafySlideTemplateConfiguration><![CDATA[{"slideVersion":0,"isValidatorEnabled":false,"isLocked":false,"elementsMetadata":[],"slideId":"637619437709978173","enableDocumentContentUpdater":true,"version":"1.11"}]]></TemplafySlideTemplateConfiguration>
 </file>
 
-<file path=customXml/item10.xml><?xml version="1.0" encoding="utf-8"?>
+<file path=customXml/item3.xml><?xml version="1.0" encoding="utf-8"?>
+<TemplafyTemplateConfiguration><![CDATA[{"elementsMetadata":[{"type":"shape","id":"d2174425-5607-4d6b-aa7e-b7431b9e1863","elementConfiguration":{"inheritDimensions":"inheritWidth","binding":"Form.BackgroundColorPowerPoint_Oct_vA.PowerPointInternal","disableUpdates":false,"type":"image"}},{"type":"shape","id":"ec1b0999-315e-408b-8fc7-4a17f5c3e338","elementConfiguration":{"binding":"Form.Confidentiality.Insert","visibility":{"action":"hide","binding":"Form.Confidentiality.Confidentiality","operator":"equals","compareValue":"Client Confidential","compareValues":[]},"disableUpdates":false,"type":"text"}},{"type":"shape","id":"63955c8f-2a6b-41a2-be87-db55928a4bc7","elementConfiguration":{"binding":"Form.Watermark.Insert","disableUpdates":false,"type":"text"}},{"type":"shape","id":"a6cebcce-9b2a-4fba-95b4-bdef9fe69a4b","elementConfiguration":{"templateBinding":"{{Form.Confidentiality.Insert}} {{Form.PowerPointClient}} {{Form.Confidentiality.InsertSuffix}}","visibility":{"action":"hide","binding":"Form.Confidentiality.Confidentiality","operator":"notEquals","compareValue":"Client Confidential","compareValues":[]},"disableUpdates":false,"type":"text"}},{"type":"shape","id":"947808c8-c2c6-4acb-975f-406c6eee4db0","elementConfiguration":{"inheritDimensions":"inheritWidth","binding":"Form.BackgroundColorPowerPoint_Oct_vA.PowerPointBackPage","disableUpdates":false,"type":"image"}},{"type":"shape","id":"27d45392-8484-4163-bb73-bc31367a1302","elementConfiguration":{"inheritDimensions":"inheritWidth","binding":"Form.BackgroundColorPowerPoint_Oct_vA.PowerPointDivider","disableUpdates":false,"type":"image"}},{"type":"shape","id":"448c6408-9dda-4eaa-9885-ac0ef1bb9b05","elementConfiguration":{"inheritDimensions":"inheritNone","width":"37.35 cm","height":"21.05 cm","binding":"Form.BackgroundColorPowerPoint_Oct_vA.PowerPointCover","disableUpdates":false,"type":"image"}},{"type":"shape","id":"cefa8c17-d990-4d73-9dd6-37d0bc623655","elementConfiguration":{"disableUpdates":false,"type":"text"}},{"type":"shape","id":"3fdb5e0c-4070-434d-99e6-bb344f155e44","elementConfiguration":{"disableUpdates":false,"type":"text"}},{"type":"shape","id":"0f4d98c9-ac35-4c7e-a25c-9297298baeef","elementConfiguration":{"inheritDimensions":"inheritNone","width":"2.5 cm","height":"2.5 cm","binding":"Form.ChooseProduct_Tertiary.ProductLogo","disableUpdates":false,"type":"image"}},{"type":"shape","id":"5cc30238-6e06-447f-bcad-587afb6b23c7","elementConfiguration":{"inheritDimensions":"inheritNone","width":"2.5 cm","height":"2.5 cm","binding":"Form.ChoosePoroduct_Secondary.ProductLogo","disableUpdates":false,"type":"image"}},{"type":"shape","id":"53c951d2-f0d5-4a01-bb44-0e64ea46cde6","elementConfiguration":{"inheritDimensions":"inheritNone","width":"2.5 cm","height":"2.5 cm","binding":"Form.ChooseProduct_Primary.ProductLogo","disableUpdates":false,"type":"image"}},{"type":"shape","id":"94371643-c78b-41c8-8009-cd5c66447b62","elementConfiguration":{"binding":"Form.PowerPointClient","disableUpdates":false,"type":"text"}},{"type":"shape","id":"b6d71ff5-73fe-4ec2-8e97-92f87f9ac0d0","elementConfiguration":{"format":"dd MMMM yyyy","binding":"Form.PowerPointDate","disableUpdates":false,"type":"date"}}],"transformationConfigurations":[{"colorTheme":"{{Form.BackgroundColorPowerPoint_Oct_vA.PowerPointColorTheme}}","originalColorThemeXml":"<a:clrScheme name=\"ION-Group-DarkBG\" xmlns:a=\"http://schemas.openxmlformats.org/drawingml/2006/main\"><a:dk1><a:srgbClr val=\"001437\" /></a:dk1><a:lt1><a:srgbClr val=\"FFFFFF\" /></a:lt1><a:dk2><a:srgbClr val=\"FFFFFF\" /></a:dk2><a:lt2><a:srgbClr val=\"001437\" /></a:lt2><a:accent1><a:srgbClr val=\"007AC5\" /></a:accent1><a:accent2><a:srgbClr val=\"00A5E6\" /></a:accent2><a:accent3><a:srgbClr val=\"D75641\" /></a:accent3><a:accent4><a:srgbClr val=\"AFAFB4\" /></a:accent4><a:accent5><a:srgbClr val=\"4D5B73\" /></a:accent5><a:accent6><a:srgbClr val=\"B2B8C3\" /></a:accent6><a:hlink><a:srgbClr val=\"00A5E6\" /></a:hlink><a:folHlink><a:srgbClr val=\"00A5E6\" /></a:folHlink></a:clrScheme>","disableUpdates":false,"type":"colorTheme"}],"templateName":"","templateDescription":"","enableDocumentContentUpdater":true,"version":"1.11"}]]></TemplafyTemplateConfiguration>
+</file>
+
+<file path=customXml/item4.xml><?xml version="1.0" encoding="utf-8"?>
+<TemplafySlideTemplateConfiguration><![CDATA[{"slideVersion":0,"isValidatorEnabled":false,"isLocked":false,"elementsMetadata":[],"slideId":"637619437709978173","enableDocumentContentUpdater":true,"version":"1.11"}]]></TemplafySlideTemplateConfiguration>
+</file>
+
+<file path=customXml/item5.xml><?xml version="1.0" encoding="utf-8"?>
+<TemplafySlideFormConfiguration><![CDATA[{"formFields":[],"formDataEntries":[]}]]></TemplafySlideFormConfiguration>
+</file>
+
+<file path=customXml/item6.xml><?xml version="1.0" encoding="utf-8"?>
+<TemplafySlideFormConfiguration><![CDATA[{"formFields":[],"formDataEntries":[]}]]></TemplafySlideFormConfiguration>
+</file>
+
+<file path=customXml/item7.xml><?xml version="1.0" encoding="utf-8"?>
+<?mso-contentType ?>
+<FormTemplates xmlns="http://schemas.microsoft.com/sharepoint/v3/contenttype/forms">
+  <Display>DocumentLibraryForm</Display>
+  <Edit>DocumentLibraryForm</Edit>
+  <New>DocumentLibraryForm</New>
+</FormTemplates>
+</file>
+
+<file path=customXml/item8.xml><?xml version="1.0" encoding="utf-8"?>
 <p:properties xmlns:p="http://schemas.microsoft.com/office/2006/metadata/properties" xmlns:xsi="http://www.w3.org/2001/XMLSchema-instance" xmlns:pc="http://schemas.microsoft.com/office/infopath/2007/PartnerControls">
   <documentManagement>
     <SharedWithUsers xmlns="a5c6db09-7ebe-4e6b-a76e-5dc93d18b60b">
@@ -19487,19 +19842,7 @@
 </p:properties>
 </file>
 
-<file path=customXml/item11.xml><?xml version="1.0" encoding="utf-8"?>
-<TemplafySlideFormConfiguration><![CDATA[{"formFields":[],"formDataEntries":[]}]]></TemplafySlideFormConfiguration>
-</file>
-
-<file path=customXml/item2.xml><?xml version="1.0" encoding="utf-8"?>
-<TemplafyTemplateConfiguration><![CDATA[{"elementsMetadata":[{"type":"shape","id":"d2174425-5607-4d6b-aa7e-b7431b9e1863","elementConfiguration":{"inheritDimensions":"inheritWidth","binding":"Form.BackgroundColorPowerPoint_Oct_vA.PowerPointInternal","disableUpdates":false,"type":"image"}},{"type":"shape","id":"ec1b0999-315e-408b-8fc7-4a17f5c3e338","elementConfiguration":{"binding":"Form.Confidentiality.Insert","visibility":{"action":"hide","binding":"Form.Confidentiality.Confidentiality","operator":"equals","compareValue":"Client Confidential","compareValues":[]},"disableUpdates":false,"type":"text"}},{"type":"shape","id":"63955c8f-2a6b-41a2-be87-db55928a4bc7","elementConfiguration":{"binding":"Form.Watermark.Insert","disableUpdates":false,"type":"text"}},{"type":"shape","id":"a6cebcce-9b2a-4fba-95b4-bdef9fe69a4b","elementConfiguration":{"templateBinding":"{{Form.Confidentiality.Insert}} {{Form.PowerPointClient}} {{Form.Confidentiality.InsertSuffix}}","visibility":{"action":"hide","binding":"Form.Confidentiality.Confidentiality","operator":"notEquals","compareValue":"Client Confidential","compareValues":[]},"disableUpdates":false,"type":"text"}},{"type":"shape","id":"947808c8-c2c6-4acb-975f-406c6eee4db0","elementConfiguration":{"inheritDimensions":"inheritWidth","binding":"Form.BackgroundColorPowerPoint_Oct_vA.PowerPointBackPage","disableUpdates":false,"type":"image"}},{"type":"shape","id":"27d45392-8484-4163-bb73-bc31367a1302","elementConfiguration":{"inheritDimensions":"inheritWidth","binding":"Form.BackgroundColorPowerPoint_Oct_vA.PowerPointDivider","disableUpdates":false,"type":"image"}},{"type":"shape","id":"448c6408-9dda-4eaa-9885-ac0ef1bb9b05","elementConfiguration":{"inheritDimensions":"inheritNone","width":"37.35 cm","height":"21.05 cm","binding":"Form.BackgroundColorPowerPoint_Oct_vA.PowerPointCover","disableUpdates":false,"type":"image"}},{"type":"shape","id":"cefa8c17-d990-4d73-9dd6-37d0bc623655","elementConfiguration":{"disableUpdates":false,"type":"text"}},{"type":"shape","id":"3fdb5e0c-4070-434d-99e6-bb344f155e44","elementConfiguration":{"disableUpdates":false,"type":"text"}},{"type":"shape","id":"0f4d98c9-ac35-4c7e-a25c-9297298baeef","elementConfiguration":{"inheritDimensions":"inheritNone","width":"2.5 cm","height":"2.5 cm","binding":"Form.ChooseProduct_Tertiary.ProductLogo","disableUpdates":false,"type":"image"}},{"type":"shape","id":"5cc30238-6e06-447f-bcad-587afb6b23c7","elementConfiguration":{"inheritDimensions":"inheritNone","width":"2.5 cm","height":"2.5 cm","binding":"Form.ChoosePoroduct_Secondary.ProductLogo","disableUpdates":false,"type":"image"}},{"type":"shape","id":"53c951d2-f0d5-4a01-bb44-0e64ea46cde6","elementConfiguration":{"inheritDimensions":"inheritNone","width":"2.5 cm","height":"2.5 cm","binding":"Form.ChooseProduct_Primary.ProductLogo","disableUpdates":false,"type":"image"}},{"type":"shape","id":"94371643-c78b-41c8-8009-cd5c66447b62","elementConfiguration":{"binding":"Form.PowerPointClient","disableUpdates":false,"type":"text"}},{"type":"shape","id":"b6d71ff5-73fe-4ec2-8e97-92f87f9ac0d0","elementConfiguration":{"format":"dd MMMM yyyy","binding":"Form.PowerPointDate","disableUpdates":false,"type":"date"}}],"transformationConfigurations":[{"colorTheme":"{{Form.BackgroundColorPowerPoint_Oct_vA.PowerPointColorTheme}}","originalColorThemeXml":"<a:clrScheme name=\"ION-Group-DarkBG\" xmlns:a=\"http://schemas.openxmlformats.org/drawingml/2006/main\"><a:dk1><a:srgbClr val=\"001437\" /></a:dk1><a:lt1><a:srgbClr val=\"FFFFFF\" /></a:lt1><a:dk2><a:srgbClr val=\"FFFFFF\" /></a:dk2><a:lt2><a:srgbClr val=\"001437\" /></a:lt2><a:accent1><a:srgbClr val=\"007AC5\" /></a:accent1><a:accent2><a:srgbClr val=\"00A5E6\" /></a:accent2><a:accent3><a:srgbClr val=\"D75641\" /></a:accent3><a:accent4><a:srgbClr val=\"AFAFB4\" /></a:accent4><a:accent5><a:srgbClr val=\"4D5B73\" /></a:accent5><a:accent6><a:srgbClr val=\"B2B8C3\" /></a:accent6><a:hlink><a:srgbClr val=\"00A5E6\" /></a:hlink><a:folHlink><a:srgbClr val=\"00A5E6\" /></a:folHlink></a:clrScheme>","disableUpdates":false,"type":"colorTheme"}],"templateName":"","templateDescription":"","enableDocumentContentUpdater":true,"version":"1.11"}]]></TemplafyTemplateConfiguration>
-</file>
-
-<file path=customXml/item3.xml><?xml version="1.0" encoding="utf-8"?>
-<TemplafySlideTemplateConfiguration><![CDATA[{"slideVersion":0,"isValidatorEnabled":false,"isLocked":false,"elementsMetadata":[],"slideId":"637619437708884421","enableDocumentContentUpdater":true,"version":"1.11"}]]></TemplafySlideTemplateConfiguration>
-</file>
-
-<file path=customXml/item4.xml><?xml version="1.0" encoding="utf-8"?>
+<file path=customXml/item9.xml><?xml version="1.0" encoding="utf-8"?>
 <ct:contentTypeSchema xmlns:ct="http://schemas.microsoft.com/office/2006/metadata/contentType" xmlns:ma="http://schemas.microsoft.com/office/2006/metadata/properties/metaAttributes" ct:_="" ma:_="" ma:contentTypeName="Document" ma:contentTypeID="0x010100EF1F359E485E9A458F49A31A345DFFCA" ma:contentTypeVersion="12" ma:contentTypeDescription="Create a new document." ma:contentTypeScope="" ma:versionID="2cf3ef3ece5c2d82934cced60a749874">
   <xsd:schema xmlns:xsd="http://www.w3.org/2001/XMLSchema" xmlns:xs="http://www.w3.org/2001/XMLSchema" xmlns:p="http://schemas.microsoft.com/office/2006/metadata/properties" xmlns:ns2="18812a47-41c3-4ae4-a99b-bb81eab4150b" xmlns:ns3="a5c6db09-7ebe-4e6b-a76e-5dc93d18b60b" targetNamespace="http://schemas.microsoft.com/office/2006/metadata/properties" ma:root="true" ma:fieldsID="2207b59573b3d93e6cbc9310d0ef04d3" ns2:_="" ns3:_="">
     <xsd:import namespace="18812a47-41c3-4ae4-a99b-bb81eab4150b"/>
@@ -19716,38 +20059,63 @@
 </ct:contentTypeSchema>
 </file>
 
-<file path=customXml/item5.xml><?xml version="1.0" encoding="utf-8"?>
-<?mso-contentType ?>
-<FormTemplates xmlns="http://schemas.microsoft.com/sharepoint/v3/contenttype/forms">
-  <Display>DocumentLibraryForm</Display>
-  <Edit>DocumentLibraryForm</Edit>
-  <New>DocumentLibraryForm</New>
-</FormTemplates>
+<file path=customXml/itemProps1.xml><?xml version="1.0" encoding="utf-8"?>
+<ds:datastoreItem xmlns:ds="http://schemas.openxmlformats.org/officeDocument/2006/customXml" ds:itemID="{E4BEACE3-5A64-4321-8881-298631914CE7}">
+  <ds:schemaRefs/>
+</ds:datastoreItem>
 </file>
 
-<file path=customXml/item6.xml><?xml version="1.0" encoding="utf-8"?>
-<TemplafySlideFormConfiguration><![CDATA[{"formFields":[],"formDataEntries":[]}]]></TemplafySlideFormConfiguration>
+<file path=customXml/itemProps10.xml><?xml version="1.0" encoding="utf-8"?>
+<ds:datastoreItem xmlns:ds="http://schemas.openxmlformats.org/officeDocument/2006/customXml" ds:itemID="{60D3FCEE-FBB6-44C9-808D-BEF4541DFDE0}">
+  <ds:schemaRefs/>
+</ds:datastoreItem>
 </file>
 
-<file path=customXml/item7.xml><?xml version="1.0" encoding="utf-8"?>
-<TemplafySlideTemplateConfiguration><![CDATA[{"slideVersion":0,"isValidatorEnabled":false,"isLocked":false,"elementsMetadata":[],"slideId":"637619437709978173","enableDocumentContentUpdater":true,"version":"1.11"}]]></TemplafySlideTemplateConfiguration>
+<file path=customXml/itemProps11.xml><?xml version="1.0" encoding="utf-8"?>
+<ds:datastoreItem xmlns:ds="http://schemas.openxmlformats.org/officeDocument/2006/customXml" ds:itemID="{2D1D177E-5746-42E6-9607-46532FE7A753}">
+  <ds:schemaRefs/>
+</ds:datastoreItem>
 </file>
 
-<file path=customXml/item8.xml><?xml version="1.0" encoding="utf-8"?>
-<TemplafyFormConfiguration><![CDATA[{"formFields":[{"dataSource":"ION PowerPoint Branding","displayColumn":"powerPointBrand","hideIfNoUserInteractionRequired":false,"distinct":true,"required":true,"autoSelectFirstOption":false,"helpTexts":{"prefix":"","postfix":""},"spacing":{},"type":"dropDown","name":"BrandPowerPoint_Oct_vA","label":"Branding","fullyQualifiedName":"BrandPowerPoint_Oct_vA"},{"dataSource":"ION PowerPoint Branding","displayColumn":"powerPointBackgroundChoice","filter":{"column":"powerPointBrand","otherFieldName":"BrandPowerPoint_Oct_vA","fullyQualifiedOtherFieldName":"BrandPowerPoint_Oct_vA","otherFieldColumn":"powerPointBrand","formReference":"none","operator":"equals"},"hideIfNoUserInteractionRequired":false,"distinct":true,"required":true,"autoSelectFirstOption":false,"helpTexts":{"prefix":"","postfix":""},"spacing":{},"type":"dropDown","name":"BackgroundColorPowerPoint_Oct_vA","label":"Light or Dark Background","fullyQualifiedName":"BackgroundColorPowerPoint_Oct_vA"},{"required":false,"placeholder":"","lines":0,"helpTexts":{"prefix":"","postfix":""},"spacing":{},"type":"textBox","name":"PowerPointClient","label":"Client Name","fullyQualifiedName":"PowerPointClient"},{"dataSource":"IONConfidentiality","displayColumn":"confidentiality","hideIfNoUserInteractionRequired":false,"distinct":true,"required":true,"autoSelectFirstOption":false,"helpTexts":{"prefix":"","postfix":"For guidance on which notice to use, see http://ionlink.net/ic-pdf"},"spacing":{},"type":"dropDown","name":"Confidentiality","label":"Confidentiality Notice","fullyQualifiedName":"Confidentiality"},{"required":true,"helpTexts":{"prefix":"","postfix":""},"spacing":{},"type":"datePicker","name":"PowerPointDate","label":"Date","fullyQualifiedName":"PowerPointDate"},{"dataSource":"IONWatermarks","displayColumn":"showName","hideIfNoUserInteractionRequired":false,"distinct":true,"required":true,"autoSelectFirstOption":false,"helpTexts":{"prefix":"","postfix":""},"spacing":{},"type":"dropDown","name":"Watermark","label":"Watermark","fullyQualifiedName":"Watermark"},{"dataSource":"P-Product-Brand","displayColumn":"productName","filter":{"column":"powerPointBackgroundColor","otherFieldName":"BackgroundColorPowerPoint_Oct_vA","fullyQualifiedOtherFieldName":"BackgroundColorPowerPoint_Oct_vA","otherFieldColumn":"PowerPointBackgroundChoice","formReference":"none","operator":"equals"},"hideIfNoUserInteractionRequired":false,"distinct":true,"required":false,"autoSelectFirstOption":false,"helpTexts":{"prefix":"","postfix":""},"spacing":{},"type":"dropDown","name":"ChooseProduct_Primary","label":"Primary Product Brand","fullyQualifiedName":"ChooseProduct_Primary"},{"dataSource":"P-Product-Brand","displayColumn":"productName","filter":{"column":"powerPointBackgroundColor","otherFieldName":"BackgroundColorPowerPoint_Oct_vA","fullyQualifiedOtherFieldName":"BackgroundColorPowerPoint_Oct_vA","otherFieldColumn":"PowerPointBackgroundChoice","formReference":"none","operator":"equals"},"hideIfNoUserInteractionRequired":false,"distinct":true,"required":false,"autoSelectFirstOption":false,"helpTexts":{"prefix":"","postfix":""},"spacing":{},"type":"dropDown","name":"ChoosePoroduct_Secondary","label":"Secondary Product Brand","fullyQualifiedName":"ChoosePoroduct_Secondary"},{"dataSource":"P-Product-Brand","displayColumn":"productName","filter":{"column":"powerPointBackgroundColor","otherFieldName":"BackgroundColorPowerPoint_Oct_vA","fullyQualifiedOtherFieldName":"BackgroundColorPowerPoint_Oct_vA","otherFieldColumn":"PowerPointBackgroundChoice","formReference":"none","operator":"equals"},"hideIfNoUserInteractionRequired":false,"distinct":true,"required":false,"autoSelectFirstOption":false,"helpTexts":{"prefix":"","postfix":""},"spacing":{},"type":"dropDown","name":"ChooseProduct_Tertiary","label":"Tertiary Product Brand","fullyQualifiedName":"ChooseProduct_Tertiary"}],"formDataEntries":[{"name":"BrandPowerPoint_Oct_vA","value":"lkQvIQtZKCPbTDiBBU6g/Q=="},{"name":"BackgroundColorPowerPoint_Oct_vA","value":"VRq9ak7uZCA8XSw0jkTEeA=="},{"name":"Confidentiality","value":"E7VifGvQztrMpUuv3Bbm1A=="},{"name":"PowerPointDate","value":"Zxz52PF8H9HrSBl7MJUy/A=="},{"name":"Watermark","value":"WdEUi1zMcVM7Stn6Woarwg=="}]}]]></TemplafyFormConfiguration>
+<file path=customXml/itemProps2.xml><?xml version="1.0" encoding="utf-8"?>
+<ds:datastoreItem xmlns:ds="http://schemas.openxmlformats.org/officeDocument/2006/customXml" ds:itemID="{BB70BA6C-4950-48C3-9E77-1559DFE0E9C1}">
+  <ds:schemaRefs/>
+</ds:datastoreItem>
 </file>
 
-<file path=customXml/item9.xml><?xml version="1.0" encoding="utf-8"?>
-<TemplafySlideFormConfiguration><![CDATA[{"formFields":[],"formDataEntries":[]}]]></TemplafySlideFormConfiguration>
+<file path=customXml/itemProps3.xml><?xml version="1.0" encoding="utf-8"?>
+<ds:datastoreItem xmlns:ds="http://schemas.openxmlformats.org/officeDocument/2006/customXml" ds:itemID="{12EEFC2F-DADF-4A55-981A-784BF5BE9558}">
+  <ds:schemaRefs/>
+</ds:datastoreItem>
 </file>
 
-<file path=customXml/itemProps1.xml><?xml version="1.0" encoding="utf-8"?>
+<file path=customXml/itemProps4.xml><?xml version="1.0" encoding="utf-8"?>
 <ds:datastoreItem xmlns:ds="http://schemas.openxmlformats.org/officeDocument/2006/customXml" ds:itemID="{AC52CB3E-BF9F-46DB-9057-868751284721}">
   <ds:schemaRefs/>
 </ds:datastoreItem>
 </file>
 
-<file path=customXml/itemProps10.xml><?xml version="1.0" encoding="utf-8"?>
+<file path=customXml/itemProps5.xml><?xml version="1.0" encoding="utf-8"?>
+<ds:datastoreItem xmlns:ds="http://schemas.openxmlformats.org/officeDocument/2006/customXml" ds:itemID="{7431E575-127C-4C75-91E1-B15F33F6A67D}">
+  <ds:schemaRefs/>
+</ds:datastoreItem>
+</file>
+
+<file path=customXml/itemProps6.xml><?xml version="1.0" encoding="utf-8"?>
+<ds:datastoreItem xmlns:ds="http://schemas.openxmlformats.org/officeDocument/2006/customXml" ds:itemID="{5CE68F08-F703-449B-BC5D-8A952A0A881D}">
+  <ds:schemaRefs/>
+</ds:datastoreItem>
+</file>
+
+<file path=customXml/itemProps7.xml><?xml version="1.0" encoding="utf-8"?>
+<ds:datastoreItem xmlns:ds="http://schemas.openxmlformats.org/officeDocument/2006/customXml" ds:itemID="{9B05D3BF-F23D-4CF0-A547-A6A31A36D96D}">
+  <ds:schemaRefs>
+    <ds:schemaRef ds:uri="http://schemas.microsoft.com/sharepoint/v3/contenttype/forms"/>
+  </ds:schemaRefs>
+</ds:datastoreItem>
+</file>
+
+<file path=customXml/itemProps8.xml><?xml version="1.0" encoding="utf-8"?>
 <ds:datastoreItem xmlns:ds="http://schemas.openxmlformats.org/officeDocument/2006/customXml" ds:itemID="{BE1EF330-E3AF-495D-830D-05885DBF6EBC}">
   <ds:schemaRefs>
     <ds:schemaRef ds:uri="http://purl.org/dc/elements/1.1/"/>
@@ -19764,25 +20132,7 @@
 </ds:datastoreItem>
 </file>
 
-<file path=customXml/itemProps11.xml><?xml version="1.0" encoding="utf-8"?>
-<ds:datastoreItem xmlns:ds="http://schemas.openxmlformats.org/officeDocument/2006/customXml" ds:itemID="{5CE68F08-F703-449B-BC5D-8A952A0A881D}">
-  <ds:schemaRefs/>
-</ds:datastoreItem>
-</file>
-
-<file path=customXml/itemProps2.xml><?xml version="1.0" encoding="utf-8"?>
-<ds:datastoreItem xmlns:ds="http://schemas.openxmlformats.org/officeDocument/2006/customXml" ds:itemID="{12EEFC2F-DADF-4A55-981A-784BF5BE9558}">
-  <ds:schemaRefs/>
-</ds:datastoreItem>
-</file>
-
-<file path=customXml/itemProps3.xml><?xml version="1.0" encoding="utf-8"?>
-<ds:datastoreItem xmlns:ds="http://schemas.openxmlformats.org/officeDocument/2006/customXml" ds:itemID="{E4BEACE3-5A64-4321-8881-298631914CE7}">
-  <ds:schemaRefs/>
-</ds:datastoreItem>
-</file>
-
-<file path=customXml/itemProps4.xml><?xml version="1.0" encoding="utf-8"?>
+<file path=customXml/itemProps9.xml><?xml version="1.0" encoding="utf-8"?>
 <ds:datastoreItem xmlns:ds="http://schemas.openxmlformats.org/officeDocument/2006/customXml" ds:itemID="{760B3F06-D1EA-4871-BBB6-F3C2D11D5F48}">
   <ds:schemaRefs>
     <ds:schemaRef ds:uri="http://schemas.microsoft.com/office/2006/metadata/contentType"/>
@@ -19799,36 +20149,4 @@
     <ds:schemaRef ds:uri="http://schemas.microsoft.com/internal/obd"/>
   </ds:schemaRefs>
 </ds:datastoreItem>
-</file>
-
-<file path=customXml/itemProps5.xml><?xml version="1.0" encoding="utf-8"?>
-<ds:datastoreItem xmlns:ds="http://schemas.openxmlformats.org/officeDocument/2006/customXml" ds:itemID="{9B05D3BF-F23D-4CF0-A547-A6A31A36D96D}">
-  <ds:schemaRefs>
-    <ds:schemaRef ds:uri="http://schemas.microsoft.com/sharepoint/v3/contenttype/forms"/>
-  </ds:schemaRefs>
-</ds:datastoreItem>
-</file>
-
-<file path=customXml/itemProps6.xml><?xml version="1.0" encoding="utf-8"?>
-<ds:datastoreItem xmlns:ds="http://schemas.openxmlformats.org/officeDocument/2006/customXml" ds:itemID="{7431E575-127C-4C75-91E1-B15F33F6A67D}">
-  <ds:schemaRefs/>
-</ds:datastoreItem>
-</file>
-
-<file path=customXml/itemProps7.xml><?xml version="1.0" encoding="utf-8"?>
-<ds:datastoreItem xmlns:ds="http://schemas.openxmlformats.org/officeDocument/2006/customXml" ds:itemID="{BB70BA6C-4950-48C3-9E77-1559DFE0E9C1}">
-  <ds:schemaRefs/>
-</ds:datastoreItem>
-</file>
-
-<file path=customXml/itemProps8.xml><?xml version="1.0" encoding="utf-8"?>
-<ds:datastoreItem xmlns:ds="http://schemas.openxmlformats.org/officeDocument/2006/customXml" ds:itemID="{2D1D177E-5746-42E6-9607-46532FE7A753}">
-  <ds:schemaRefs/>
-</ds:datastoreItem>
-</file>
-
-<file path=customXml/itemProps9.xml><?xml version="1.0" encoding="utf-8"?>
-<ds:datastoreItem xmlns:ds="http://schemas.openxmlformats.org/officeDocument/2006/customXml" ds:itemID="{60D3FCEE-FBB6-44C9-808D-BEF4541DFDE0}">
-  <ds:schemaRefs/>
-</ds:datastoreItem>
 </file>
--- a/HackerEarth_Idea_Submission_Template24414bb.pptx
+++ b/HackerEarth_Idea_Submission_Template24414bb.pptx
@@ -5,10 +5,10 @@
     <p:sldMasterId id="2147483666" r:id="rId12"/>
   </p:sldMasterIdLst>
   <p:notesMasterIdLst>
-    <p:notesMasterId r:id="rId22"/>
+    <p:notesMasterId r:id="rId24"/>
   </p:notesMasterIdLst>
   <p:handoutMasterIdLst>
-    <p:handoutMasterId r:id="rId23"/>
+    <p:handoutMasterId r:id="rId25"/>
   </p:handoutMasterIdLst>
   <p:sldIdLst>
     <p:sldId id="256" r:id="rId13"/>
@@ -16,10 +16,12 @@
     <p:sldId id="265" r:id="rId15"/>
     <p:sldId id="266" r:id="rId16"/>
     <p:sldId id="270" r:id="rId17"/>
-    <p:sldId id="267" r:id="rId18"/>
-    <p:sldId id="268" r:id="rId19"/>
-    <p:sldId id="258" r:id="rId20"/>
-    <p:sldId id="269" r:id="rId21"/>
+    <p:sldId id="271" r:id="rId18"/>
+    <p:sldId id="272" r:id="rId19"/>
+    <p:sldId id="267" r:id="rId20"/>
+    <p:sldId id="268" r:id="rId21"/>
+    <p:sldId id="258" r:id="rId22"/>
+    <p:sldId id="269" r:id="rId23"/>
   </p:sldIdLst>
   <p:sldSz cx="13442950" cy="7561263"/>
   <p:notesSz cx="7099300" cy="10234613"/>
@@ -883,7 +885,7 @@
             <a:fld id="{60DB4552-3D69-4E2D-A256-245DD04F23B6}" type="slidenum">
               <a:rPr lang="en-US" smtClean="0"/>
               <a:pPr/>
-              <a:t>8</a:t>
+              <a:t>10</a:t>
             </a:fld>
             <a:endParaRPr lang="en-US" dirty="0"/>
           </a:p>
@@ -973,7 +975,7 @@
             <a:fld id="{60DB4552-3D69-4E2D-A256-245DD04F23B6}" type="slidenum">
               <a:rPr lang="en-US" smtClean="0"/>
               <a:pPr/>
-              <a:t>9</a:t>
+              <a:t>11</a:t>
             </a:fld>
             <a:endParaRPr lang="en-US" dirty="0"/>
           </a:p>
@@ -16073,6 +16075,126 @@
 </p:sld>
 </file>
 
+<file path=ppt/slides/slide10.xml><?xml version="1.0" encoding="utf-8"?>
+<p:sld xmlns:a="http://schemas.openxmlformats.org/drawingml/2006/main" xmlns:r="http://schemas.openxmlformats.org/officeDocument/2006/relationships" xmlns:p="http://schemas.openxmlformats.org/presentationml/2006/main">
+  <p:cSld>
+    <p:spTree>
+      <p:nvGrpSpPr>
+        <p:cNvPr id="1" name=""/>
+        <p:cNvGrpSpPr/>
+        <p:nvPr/>
+      </p:nvGrpSpPr>
+      <p:grpSpPr>
+        <a:xfrm>
+          <a:off x="0" y="0"/>
+          <a:ext cx="0" cy="0"/>
+          <a:chOff x="0" y="0"/>
+          <a:chExt cx="0" cy="0"/>
+        </a:xfrm>
+      </p:grpSpPr>
+      <p:sp>
+        <p:nvSpPr>
+          <p:cNvPr id="3" name="TextBox 2">
+            <a:extLst>
+              <a:ext uri="{FF2B5EF4-FFF2-40B4-BE49-F238E27FC236}">
+                <a16:creationId xmlns:a16="http://schemas.microsoft.com/office/drawing/2014/main" xmlns="" id="{9FF0EB6C-85EC-40B2-BF07-371E7E2D5C81}"/>
+              </a:ext>
+            </a:extLst>
+          </p:cNvPr>
+          <p:cNvSpPr txBox="1"/>
+          <p:nvPr/>
+        </p:nvSpPr>
+        <p:spPr>
+          <a:xfrm>
+            <a:off x="5846075" y="3531272"/>
+            <a:ext cx="1750800" cy="498719"/>
+          </a:xfrm>
+          <a:prstGeom prst="rect">
+            <a:avLst/>
+          </a:prstGeom>
+          <a:noFill/>
+        </p:spPr>
+        <p:txBody>
+          <a:bodyPr wrap="square" anchor="ctr">
+            <a:spAutoFit/>
+          </a:bodyPr>
+          <a:lstStyle/>
+          <a:p>
+            <a:pPr algn="ctr"/>
+            <a:r>
+              <a:rPr lang="en-US" sz="2400" b="1" i="0" u="none" strike="noStrike" cap="none" dirty="0">
+                <a:solidFill>
+                  <a:schemeClr val="tx2"/>
+                </a:solidFill>
+                <a:latin typeface="+mj-lt"/>
+                <a:ea typeface="Calibri"/>
+                <a:cs typeface="Calibri"/>
+                <a:sym typeface="Calibri"/>
+              </a:rPr>
+              <a:t>Thank You</a:t>
+            </a:r>
+            <a:endParaRPr lang="en-IN" sz="2400" b="1" dirty="0">
+              <a:solidFill>
+                <a:schemeClr val="tx2"/>
+              </a:solidFill>
+              <a:latin typeface="+mj-lt"/>
+            </a:endParaRPr>
+          </a:p>
+        </p:txBody>
+      </p:sp>
+    </p:spTree>
+    <p:custDataLst>
+      <p:custData r:id="rId1"/>
+      <p:custData r:id="rId2"/>
+      <p:tags r:id="rId3"/>
+    </p:custDataLst>
+    <p:extLst>
+      <p:ext uri="{BB962C8B-B14F-4D97-AF65-F5344CB8AC3E}">
+        <p14:creationId xmlns:p14="http://schemas.microsoft.com/office/powerpoint/2010/main" val="498473324"/>
+      </p:ext>
+    </p:extLst>
+  </p:cSld>
+  <p:clrMapOvr>
+    <a:masterClrMapping/>
+  </p:clrMapOvr>
+</p:sld>
+</file>
+
+<file path=ppt/slides/slide11.xml><?xml version="1.0" encoding="utf-8"?>
+<p:sld xmlns:a="http://schemas.openxmlformats.org/drawingml/2006/main" xmlns:r="http://schemas.openxmlformats.org/officeDocument/2006/relationships" xmlns:p="http://schemas.openxmlformats.org/presentationml/2006/main">
+  <p:cSld>
+    <p:spTree>
+      <p:nvGrpSpPr>
+        <p:cNvPr id="1" name=""/>
+        <p:cNvGrpSpPr/>
+        <p:nvPr/>
+      </p:nvGrpSpPr>
+      <p:grpSpPr>
+        <a:xfrm>
+          <a:off x="0" y="0"/>
+          <a:ext cx="0" cy="0"/>
+          <a:chOff x="0" y="0"/>
+          <a:chExt cx="0" cy="0"/>
+        </a:xfrm>
+      </p:grpSpPr>
+    </p:spTree>
+    <p:custDataLst>
+      <p:custData r:id="rId1"/>
+      <p:custData r:id="rId2"/>
+      <p:tags r:id="rId3"/>
+    </p:custDataLst>
+    <p:extLst>
+      <p:ext uri="{BB962C8B-B14F-4D97-AF65-F5344CB8AC3E}">
+        <p14:creationId xmlns:p14="http://schemas.microsoft.com/office/powerpoint/2010/main" val="1772017836"/>
+      </p:ext>
+    </p:extLst>
+  </p:cSld>
+  <p:clrMapOvr>
+    <a:masterClrMapping/>
+  </p:clrMapOvr>
+</p:sld>
+</file>
+
 <file path=ppt/slides/slide2.xml><?xml version="1.0" encoding="utf-8"?>
 <p:sld xmlns:a="http://schemas.openxmlformats.org/drawingml/2006/main" xmlns:r="http://schemas.openxmlformats.org/officeDocument/2006/relationships" xmlns:p="http://schemas.openxmlformats.org/presentationml/2006/main">
   <p:cSld>
@@ -16676,7 +16798,7 @@
               <a:t>manay</a:t>
             </a:r>
             <a:r>
-              <a:rPr lang="en-US">
+              <a:rPr lang="en-US" dirty="0">
                 <a:solidFill>
                   <a:schemeClr val="tx2"/>
                 </a:solidFill>
@@ -17020,6 +17142,529 @@
       </p:grpSpPr>
       <p:sp>
         <p:nvSpPr>
+          <p:cNvPr id="2" name="Content Placeholder 1"/>
+          <p:cNvSpPr>
+            <a:spLocks noGrp="1"/>
+          </p:cNvSpPr>
+          <p:nvPr>
+            <p:ph sz="quarter" idx="10"/>
+          </p:nvPr>
+        </p:nvSpPr>
+        <p:spPr/>
+        <p:txBody>
+          <a:bodyPr/>
+          <a:lstStyle/>
+          <a:p>
+            <a:pPr marL="457200" lvl="0" indent="-355600">
+              <a:lnSpc>
+                <a:spcPct val="115000"/>
+              </a:lnSpc>
+              <a:spcBef>
+                <a:spcPts val="0"/>
+              </a:spcBef>
+              <a:spcAft>
+                <a:spcPts val="0"/>
+              </a:spcAft>
+              <a:buClr>
+                <a:schemeClr val="lt1"/>
+              </a:buClr>
+              <a:buSzPts val="2000"/>
+              <a:buFont typeface="Source Sans Pro"/>
+              <a:buChar char="●"/>
+            </a:pPr>
+            <a:r>
+              <a:rPr lang="en-US" b="0" dirty="0">
+                <a:solidFill>
+                  <a:schemeClr val="lt1"/>
+                </a:solidFill>
+                <a:latin typeface="Source Sans Pro" panose="020B0503030403020204" pitchFamily="34" charset="0"/>
+                <a:ea typeface="Source Sans Pro" panose="020B0503030403020204" pitchFamily="34" charset="0"/>
+              </a:rPr>
+              <a:t>Frameworks/Technologies stacks to be </a:t>
+            </a:r>
+            <a:r>
+              <a:rPr lang="en-US" b="0" dirty="0" smtClean="0">
+                <a:solidFill>
+                  <a:schemeClr val="lt1"/>
+                </a:solidFill>
+                <a:latin typeface="Source Sans Pro" panose="020B0503030403020204" pitchFamily="34" charset="0"/>
+                <a:ea typeface="Source Sans Pro" panose="020B0503030403020204" pitchFamily="34" charset="0"/>
+              </a:rPr>
+              <a:t>used</a:t>
+            </a:r>
+            <a:endParaRPr lang="en-US" dirty="0" smtClean="0"/>
+          </a:p>
+          <a:p>
+            <a:pPr marL="457200" lvl="0" indent="-355600">
+              <a:lnSpc>
+                <a:spcPct val="115000"/>
+              </a:lnSpc>
+              <a:spcBef>
+                <a:spcPts val="0"/>
+              </a:spcBef>
+              <a:spcAft>
+                <a:spcPts val="0"/>
+              </a:spcAft>
+              <a:buClr>
+                <a:schemeClr val="lt1"/>
+              </a:buClr>
+              <a:buSzPts val="2000"/>
+              <a:buFont typeface="Source Sans Pro"/>
+              <a:buChar char="●"/>
+            </a:pPr>
+            <a:r>
+              <a:rPr lang="en-US" b="0" dirty="0" smtClean="0">
+                <a:solidFill>
+                  <a:schemeClr val="lt1"/>
+                </a:solidFill>
+                <a:latin typeface="Source Sans Pro" panose="020B0503030403020204" pitchFamily="34" charset="0"/>
+                <a:ea typeface="Source Sans Pro" panose="020B0503030403020204" pitchFamily="34" charset="0"/>
+              </a:rPr>
+              <a:t>There is use of Python </a:t>
+            </a:r>
+          </a:p>
+          <a:p>
+            <a:pPr marL="457200" lvl="0" indent="-355600">
+              <a:lnSpc>
+                <a:spcPct val="115000"/>
+              </a:lnSpc>
+              <a:spcBef>
+                <a:spcPts val="0"/>
+              </a:spcBef>
+              <a:spcAft>
+                <a:spcPts val="0"/>
+              </a:spcAft>
+              <a:buClr>
+                <a:schemeClr val="lt1"/>
+              </a:buClr>
+              <a:buSzPts val="2000"/>
+              <a:buFont typeface="Source Sans Pro"/>
+              <a:buChar char="●"/>
+            </a:pPr>
+            <a:r>
+              <a:rPr lang="en-US" b="0" dirty="0" smtClean="0">
+                <a:solidFill>
+                  <a:schemeClr val="lt1"/>
+                </a:solidFill>
+                <a:latin typeface="Source Sans Pro" panose="020B0503030403020204" pitchFamily="34" charset="0"/>
+                <a:ea typeface="Source Sans Pro" panose="020B0503030403020204" pitchFamily="34" charset="0"/>
+              </a:rPr>
+              <a:t> </a:t>
+            </a:r>
+            <a:r>
+              <a:rPr lang="en-US" b="0" dirty="0" err="1" smtClean="0">
+                <a:solidFill>
+                  <a:schemeClr val="lt1"/>
+                </a:solidFill>
+                <a:latin typeface="Source Sans Pro" panose="020B0503030403020204" pitchFamily="34" charset="0"/>
+                <a:ea typeface="Source Sans Pro" panose="020B0503030403020204" pitchFamily="34" charset="0"/>
+              </a:rPr>
+              <a:t>Django</a:t>
+            </a:r>
+            <a:r>
+              <a:rPr lang="en-US" b="0" dirty="0" smtClean="0">
+                <a:solidFill>
+                  <a:schemeClr val="lt1"/>
+                </a:solidFill>
+                <a:latin typeface="Source Sans Pro" panose="020B0503030403020204" pitchFamily="34" charset="0"/>
+                <a:ea typeface="Source Sans Pro" panose="020B0503030403020204" pitchFamily="34" charset="0"/>
+              </a:rPr>
+              <a:t>(framework) </a:t>
+            </a:r>
+          </a:p>
+          <a:p>
+            <a:pPr marL="457200" lvl="0" indent="-355600">
+              <a:lnSpc>
+                <a:spcPct val="115000"/>
+              </a:lnSpc>
+              <a:spcBef>
+                <a:spcPts val="0"/>
+              </a:spcBef>
+              <a:spcAft>
+                <a:spcPts val="0"/>
+              </a:spcAft>
+              <a:buClr>
+                <a:schemeClr val="lt1"/>
+              </a:buClr>
+              <a:buSzPts val="2000"/>
+              <a:buFont typeface="Source Sans Pro"/>
+              <a:buChar char="●"/>
+            </a:pPr>
+            <a:r>
+              <a:rPr lang="en-US" b="0" dirty="0" smtClean="0">
+                <a:solidFill>
+                  <a:schemeClr val="lt1"/>
+                </a:solidFill>
+                <a:latin typeface="Source Sans Pro" panose="020B0503030403020204" pitchFamily="34" charset="0"/>
+                <a:ea typeface="Source Sans Pro" panose="020B0503030403020204" pitchFamily="34" charset="0"/>
+              </a:rPr>
+              <a:t>Random Forest Model(Machine Learning)</a:t>
+            </a:r>
+          </a:p>
+          <a:p>
+            <a:pPr marL="457200" lvl="0" indent="-355600">
+              <a:lnSpc>
+                <a:spcPct val="115000"/>
+              </a:lnSpc>
+              <a:spcBef>
+                <a:spcPts val="0"/>
+              </a:spcBef>
+              <a:spcAft>
+                <a:spcPts val="0"/>
+              </a:spcAft>
+              <a:buClr>
+                <a:schemeClr val="lt1"/>
+              </a:buClr>
+              <a:buSzPts val="2000"/>
+              <a:buFont typeface="Source Sans Pro"/>
+              <a:buChar char="●"/>
+            </a:pPr>
+            <a:r>
+              <a:rPr lang="en-US" b="0" dirty="0" err="1" smtClean="0">
+                <a:solidFill>
+                  <a:schemeClr val="lt1"/>
+                </a:solidFill>
+                <a:latin typeface="Source Sans Pro" panose="020B0503030403020204" pitchFamily="34" charset="0"/>
+                <a:ea typeface="Source Sans Pro" panose="020B0503030403020204" pitchFamily="34" charset="0"/>
+              </a:rPr>
+              <a:t>Yfinance</a:t>
+            </a:r>
+            <a:endParaRPr lang="en-US" b="0" dirty="0" smtClean="0">
+              <a:solidFill>
+                <a:schemeClr val="lt1"/>
+              </a:solidFill>
+              <a:latin typeface="Source Sans Pro" panose="020B0503030403020204" pitchFamily="34" charset="0"/>
+              <a:ea typeface="Source Sans Pro" panose="020B0503030403020204" pitchFamily="34" charset="0"/>
+            </a:endParaRPr>
+          </a:p>
+          <a:p>
+            <a:pPr marL="457200" lvl="0" indent="-355600">
+              <a:lnSpc>
+                <a:spcPct val="115000"/>
+              </a:lnSpc>
+              <a:spcBef>
+                <a:spcPts val="0"/>
+              </a:spcBef>
+              <a:spcAft>
+                <a:spcPts val="0"/>
+              </a:spcAft>
+              <a:buClr>
+                <a:schemeClr val="lt1"/>
+              </a:buClr>
+              <a:buSzPts val="2000"/>
+              <a:buFont typeface="Source Sans Pro"/>
+              <a:buChar char="●"/>
+            </a:pPr>
+            <a:r>
+              <a:rPr lang="en-US" b="0" dirty="0" err="1" smtClean="0">
+                <a:solidFill>
+                  <a:schemeClr val="lt1"/>
+                </a:solidFill>
+                <a:latin typeface="Source Sans Pro" panose="020B0503030403020204" pitchFamily="34" charset="0"/>
+                <a:ea typeface="Source Sans Pro" panose="020B0503030403020204" pitchFamily="34" charset="0"/>
+              </a:rPr>
+              <a:t>Jupyter</a:t>
+            </a:r>
+            <a:r>
+              <a:rPr lang="en-US" b="0" smtClean="0">
+                <a:solidFill>
+                  <a:schemeClr val="lt1"/>
+                </a:solidFill>
+                <a:latin typeface="Source Sans Pro" panose="020B0503030403020204" pitchFamily="34" charset="0"/>
+                <a:ea typeface="Source Sans Pro" panose="020B0503030403020204" pitchFamily="34" charset="0"/>
+              </a:rPr>
+              <a:t> Notebook</a:t>
+            </a:r>
+            <a:endParaRPr lang="en-US" b="0" dirty="0">
+              <a:solidFill>
+                <a:schemeClr val="lt1"/>
+              </a:solidFill>
+              <a:latin typeface="Source Sans Pro" panose="020B0503030403020204" pitchFamily="34" charset="0"/>
+              <a:ea typeface="Source Sans Pro" panose="020B0503030403020204" pitchFamily="34" charset="0"/>
+            </a:endParaRPr>
+          </a:p>
+        </p:txBody>
+      </p:sp>
+      <p:sp>
+        <p:nvSpPr>
+          <p:cNvPr id="3" name="Text Placeholder 2"/>
+          <p:cNvSpPr>
+            <a:spLocks noGrp="1"/>
+          </p:cNvSpPr>
+          <p:nvPr>
+            <p:ph type="body" sz="quarter" idx="11"/>
+          </p:nvPr>
+        </p:nvSpPr>
+        <p:spPr/>
+        <p:txBody>
+          <a:bodyPr/>
+          <a:lstStyle/>
+          <a:p>
+            <a:endParaRPr lang="en-US"/>
+          </a:p>
+        </p:txBody>
+      </p:sp>
+      <p:sp>
+        <p:nvSpPr>
+          <p:cNvPr id="4" name="Title 3"/>
+          <p:cNvSpPr>
+            <a:spLocks noGrp="1"/>
+          </p:cNvSpPr>
+          <p:nvPr>
+            <p:ph type="title"/>
+          </p:nvPr>
+        </p:nvSpPr>
+        <p:spPr/>
+        <p:txBody>
+          <a:bodyPr/>
+          <a:lstStyle/>
+          <a:p>
+            <a:endParaRPr lang="en-US"/>
+          </a:p>
+        </p:txBody>
+      </p:sp>
+    </p:spTree>
+    <p:extLst>
+      <p:ext uri="{BB962C8B-B14F-4D97-AF65-F5344CB8AC3E}">
+        <p14:creationId xmlns:p14="http://schemas.microsoft.com/office/powerpoint/2010/main" val="1266028320"/>
+      </p:ext>
+    </p:extLst>
+  </p:cSld>
+  <p:clrMapOvr>
+    <a:masterClrMapping/>
+  </p:clrMapOvr>
+</p:sld>
+</file>
+
+<file path=ppt/slides/slide7.xml><?xml version="1.0" encoding="utf-8"?>
+<p:sld xmlns:a="http://schemas.openxmlformats.org/drawingml/2006/main" xmlns:r="http://schemas.openxmlformats.org/officeDocument/2006/relationships" xmlns:p="http://schemas.openxmlformats.org/presentationml/2006/main">
+  <p:cSld>
+    <p:spTree>
+      <p:nvGrpSpPr>
+        <p:cNvPr id="1" name=""/>
+        <p:cNvGrpSpPr/>
+        <p:nvPr/>
+      </p:nvGrpSpPr>
+      <p:grpSpPr>
+        <a:xfrm>
+          <a:off x="0" y="0"/>
+          <a:ext cx="0" cy="0"/>
+          <a:chOff x="0" y="0"/>
+          <a:chExt cx="0" cy="0"/>
+        </a:xfrm>
+      </p:grpSpPr>
+      <p:sp>
+        <p:nvSpPr>
+          <p:cNvPr id="2" name="Content Placeholder 1"/>
+          <p:cNvSpPr>
+            <a:spLocks noGrp="1"/>
+          </p:cNvSpPr>
+          <p:nvPr>
+            <p:ph sz="quarter" idx="10"/>
+          </p:nvPr>
+        </p:nvSpPr>
+        <p:spPr/>
+        <p:txBody>
+          <a:bodyPr/>
+          <a:lstStyle/>
+          <a:p>
+            <a:pPr marL="457200" lvl="0" indent="-355600">
+              <a:lnSpc>
+                <a:spcPct val="115000"/>
+              </a:lnSpc>
+              <a:spcBef>
+                <a:spcPts val="0"/>
+              </a:spcBef>
+              <a:spcAft>
+                <a:spcPts val="0"/>
+              </a:spcAft>
+              <a:buClr>
+                <a:schemeClr val="lt1"/>
+              </a:buClr>
+              <a:buSzPts val="2000"/>
+              <a:buFont typeface="Source Sans Pro"/>
+              <a:buChar char="●"/>
+            </a:pPr>
+            <a:r>
+              <a:rPr lang="en-US" b="0" dirty="0">
+                <a:solidFill>
+                  <a:schemeClr val="lt1"/>
+                </a:solidFill>
+                <a:latin typeface="Source Sans Pro" panose="020B0503030403020204" pitchFamily="34" charset="0"/>
+                <a:ea typeface="Source Sans Pro" panose="020B0503030403020204" pitchFamily="34" charset="0"/>
+              </a:rPr>
+              <a:t>Frameworks/Technologies stacks to be used</a:t>
+            </a:r>
+          </a:p>
+          <a:p>
+            <a:pPr marL="457200" lvl="0" indent="-355600">
+              <a:lnSpc>
+                <a:spcPct val="115000"/>
+              </a:lnSpc>
+              <a:spcBef>
+                <a:spcPts val="0"/>
+              </a:spcBef>
+              <a:spcAft>
+                <a:spcPts val="0"/>
+              </a:spcAft>
+              <a:buClr>
+                <a:schemeClr val="lt1"/>
+              </a:buClr>
+              <a:buSzPts val="2000"/>
+              <a:buFont typeface="Source Sans Pro"/>
+              <a:buChar char="●"/>
+            </a:pPr>
+            <a:r>
+              <a:rPr lang="en-US" b="0" dirty="0">
+                <a:solidFill>
+                  <a:schemeClr val="lt1"/>
+                </a:solidFill>
+                <a:latin typeface="Source Sans Pro" panose="020B0503030403020204" pitchFamily="34" charset="0"/>
+                <a:ea typeface="Source Sans Pro" panose="020B0503030403020204" pitchFamily="34" charset="0"/>
+              </a:rPr>
+              <a:t>Assumptions, constraints, and solution decision points (Reason behind choosing a technology)</a:t>
+            </a:r>
+          </a:p>
+          <a:p>
+            <a:pPr marL="457200" lvl="0" indent="-355600">
+              <a:lnSpc>
+                <a:spcPct val="115000"/>
+              </a:lnSpc>
+              <a:spcBef>
+                <a:spcPts val="0"/>
+              </a:spcBef>
+              <a:spcAft>
+                <a:spcPts val="0"/>
+              </a:spcAft>
+              <a:buClr>
+                <a:schemeClr val="lt1"/>
+              </a:buClr>
+              <a:buSzPts val="2000"/>
+              <a:buFont typeface="Source Sans Pro"/>
+              <a:buChar char="●"/>
+            </a:pPr>
+            <a:r>
+              <a:rPr lang="en-US" b="0" dirty="0">
+                <a:solidFill>
+                  <a:schemeClr val="lt1"/>
+                </a:solidFill>
+                <a:latin typeface="Source Sans Pro" panose="020B0503030403020204" pitchFamily="34" charset="0"/>
+                <a:ea typeface="Source Sans Pro" panose="020B0503030403020204" pitchFamily="34" charset="0"/>
+              </a:rPr>
+              <a:t>How easily can your solution be implemented and how effective will it be?</a:t>
+            </a:r>
+          </a:p>
+          <a:p>
+            <a:pPr marL="457200" lvl="0" indent="-355600">
+              <a:lnSpc>
+                <a:spcPct val="115000"/>
+              </a:lnSpc>
+              <a:spcBef>
+                <a:spcPts val="0"/>
+              </a:spcBef>
+              <a:spcAft>
+                <a:spcPts val="0"/>
+              </a:spcAft>
+              <a:buClr>
+                <a:schemeClr val="lt1"/>
+              </a:buClr>
+              <a:buSzPts val="2000"/>
+              <a:buFont typeface="Source Sans Pro"/>
+              <a:buChar char="●"/>
+            </a:pPr>
+            <a:r>
+              <a:rPr lang="en-US" b="0" dirty="0">
+                <a:solidFill>
+                  <a:schemeClr val="lt1"/>
+                </a:solidFill>
+                <a:latin typeface="Source Sans Pro" panose="020B0503030403020204" pitchFamily="34" charset="0"/>
+                <a:ea typeface="Source Sans Pro" panose="020B0503030403020204" pitchFamily="34" charset="0"/>
+              </a:rPr>
+              <a:t>Extent of Scalability/Usability </a:t>
+            </a:r>
+            <a:endParaRPr lang="en-US" dirty="0">
+              <a:solidFill>
+                <a:schemeClr val="lt1"/>
+              </a:solidFill>
+              <a:latin typeface="Source Sans Pro" panose="020B0503030403020204" pitchFamily="34" charset="0"/>
+              <a:ea typeface="Source Sans Pro" panose="020B0503030403020204" pitchFamily="34" charset="0"/>
+            </a:endParaRPr>
+          </a:p>
+          <a:p>
+            <a:endParaRPr lang="en-US" dirty="0"/>
+          </a:p>
+        </p:txBody>
+      </p:sp>
+      <p:sp>
+        <p:nvSpPr>
+          <p:cNvPr id="3" name="Text Placeholder 2"/>
+          <p:cNvSpPr>
+            <a:spLocks noGrp="1"/>
+          </p:cNvSpPr>
+          <p:nvPr>
+            <p:ph type="body" sz="quarter" idx="11"/>
+          </p:nvPr>
+        </p:nvSpPr>
+        <p:spPr/>
+        <p:txBody>
+          <a:bodyPr/>
+          <a:lstStyle/>
+          <a:p>
+            <a:endParaRPr lang="en-US"/>
+          </a:p>
+        </p:txBody>
+      </p:sp>
+      <p:sp>
+        <p:nvSpPr>
+          <p:cNvPr id="4" name="Title 3"/>
+          <p:cNvSpPr>
+            <a:spLocks noGrp="1"/>
+          </p:cNvSpPr>
+          <p:nvPr>
+            <p:ph type="title"/>
+          </p:nvPr>
+        </p:nvSpPr>
+        <p:spPr/>
+        <p:txBody>
+          <a:bodyPr/>
+          <a:lstStyle/>
+          <a:p>
+            <a:endParaRPr lang="en-US"/>
+          </a:p>
+        </p:txBody>
+      </p:sp>
+    </p:spTree>
+    <p:extLst>
+      <p:ext uri="{BB962C8B-B14F-4D97-AF65-F5344CB8AC3E}">
+        <p14:creationId xmlns:p14="http://schemas.microsoft.com/office/powerpoint/2010/main" val="635351388"/>
+      </p:ext>
+    </p:extLst>
+  </p:cSld>
+  <p:clrMapOvr>
+    <a:masterClrMapping/>
+  </p:clrMapOvr>
+</p:sld>
+</file>
+
+<file path=ppt/slides/slide8.xml><?xml version="1.0" encoding="utf-8"?>
+<p:sld xmlns:a="http://schemas.openxmlformats.org/drawingml/2006/main" xmlns:r="http://schemas.openxmlformats.org/officeDocument/2006/relationships" xmlns:p="http://schemas.openxmlformats.org/presentationml/2006/main">
+  <p:cSld>
+    <p:spTree>
+      <p:nvGrpSpPr>
+        <p:cNvPr id="1" name=""/>
+        <p:cNvGrpSpPr/>
+        <p:nvPr/>
+      </p:nvGrpSpPr>
+      <p:grpSpPr>
+        <a:xfrm>
+          <a:off x="0" y="0"/>
+          <a:ext cx="0" cy="0"/>
+          <a:chOff x="0" y="0"/>
+          <a:chExt cx="0" cy="0"/>
+        </a:xfrm>
+      </p:grpSpPr>
+      <p:sp>
+        <p:nvSpPr>
           <p:cNvPr id="6" name="Content Placeholder 5">
             <a:extLst>
               <a:ext uri="{FF2B5EF4-FFF2-40B4-BE49-F238E27FC236}">
@@ -17369,7 +18014,7 @@
 </p:sld>
 </file>
 
-<file path=ppt/slides/slide7.xml><?xml version="1.0" encoding="utf-8"?>
+<file path=ppt/slides/slide9.xml><?xml version="1.0" encoding="utf-8"?>
 <p:sld xmlns:a="http://schemas.openxmlformats.org/drawingml/2006/main" xmlns:r="http://schemas.openxmlformats.org/officeDocument/2006/relationships" xmlns:p="http://schemas.openxmlformats.org/presentationml/2006/main">
   <p:cSld>
     <p:spTree>
@@ -17897,126 +18542,6 @@
     <p:extLst>
       <p:ext uri="{BB962C8B-B14F-4D97-AF65-F5344CB8AC3E}">
         <p14:creationId xmlns:p14="http://schemas.microsoft.com/office/powerpoint/2010/main" val="902599807"/>
-      </p:ext>
-    </p:extLst>
-  </p:cSld>
-  <p:clrMapOvr>
-    <a:masterClrMapping/>
-  </p:clrMapOvr>
-</p:sld>
-</file>
-
-<file path=ppt/slides/slide8.xml><?xml version="1.0" encoding="utf-8"?>
-<p:sld xmlns:a="http://schemas.openxmlformats.org/drawingml/2006/main" xmlns:r="http://schemas.openxmlformats.org/officeDocument/2006/relationships" xmlns:p="http://schemas.openxmlformats.org/presentationml/2006/main">
-  <p:cSld>
-    <p:spTree>
-      <p:nvGrpSpPr>
-        <p:cNvPr id="1" name=""/>
-        <p:cNvGrpSpPr/>
-        <p:nvPr/>
-      </p:nvGrpSpPr>
-      <p:grpSpPr>
-        <a:xfrm>
-          <a:off x="0" y="0"/>
-          <a:ext cx="0" cy="0"/>
-          <a:chOff x="0" y="0"/>
-          <a:chExt cx="0" cy="0"/>
-        </a:xfrm>
-      </p:grpSpPr>
-      <p:sp>
-        <p:nvSpPr>
-          <p:cNvPr id="3" name="TextBox 2">
-            <a:extLst>
-              <a:ext uri="{FF2B5EF4-FFF2-40B4-BE49-F238E27FC236}">
-                <a16:creationId xmlns:a16="http://schemas.microsoft.com/office/drawing/2014/main" xmlns="" id="{9FF0EB6C-85EC-40B2-BF07-371E7E2D5C81}"/>
-              </a:ext>
-            </a:extLst>
-          </p:cNvPr>
-          <p:cNvSpPr txBox="1"/>
-          <p:nvPr/>
-        </p:nvSpPr>
-        <p:spPr>
-          <a:xfrm>
-            <a:off x="5846075" y="3531272"/>
-            <a:ext cx="1750800" cy="498719"/>
-          </a:xfrm>
-          <a:prstGeom prst="rect">
-            <a:avLst/>
-          </a:prstGeom>
-          <a:noFill/>
-        </p:spPr>
-        <p:txBody>
-          <a:bodyPr wrap="square" anchor="ctr">
-            <a:spAutoFit/>
-          </a:bodyPr>
-          <a:lstStyle/>
-          <a:p>
-            <a:pPr algn="ctr"/>
-            <a:r>
-              <a:rPr lang="en-US" sz="2400" b="1" i="0" u="none" strike="noStrike" cap="none" dirty="0">
-                <a:solidFill>
-                  <a:schemeClr val="tx2"/>
-                </a:solidFill>
-                <a:latin typeface="+mj-lt"/>
-                <a:ea typeface="Calibri"/>
-                <a:cs typeface="Calibri"/>
-                <a:sym typeface="Calibri"/>
-              </a:rPr>
-              <a:t>Thank You</a:t>
-            </a:r>
-            <a:endParaRPr lang="en-IN" sz="2400" b="1" dirty="0">
-              <a:solidFill>
-                <a:schemeClr val="tx2"/>
-              </a:solidFill>
-              <a:latin typeface="+mj-lt"/>
-            </a:endParaRPr>
-          </a:p>
-        </p:txBody>
-      </p:sp>
-    </p:spTree>
-    <p:custDataLst>
-      <p:custData r:id="rId1"/>
-      <p:custData r:id="rId2"/>
-      <p:tags r:id="rId3"/>
-    </p:custDataLst>
-    <p:extLst>
-      <p:ext uri="{BB962C8B-B14F-4D97-AF65-F5344CB8AC3E}">
-        <p14:creationId xmlns:p14="http://schemas.microsoft.com/office/powerpoint/2010/main" val="498473324"/>
-      </p:ext>
-    </p:extLst>
-  </p:cSld>
-  <p:clrMapOvr>
-    <a:masterClrMapping/>
-  </p:clrMapOvr>
-</p:sld>
-</file>
-
-<file path=ppt/slides/slide9.xml><?xml version="1.0" encoding="utf-8"?>
-<p:sld xmlns:a="http://schemas.openxmlformats.org/drawingml/2006/main" xmlns:r="http://schemas.openxmlformats.org/officeDocument/2006/relationships" xmlns:p="http://schemas.openxmlformats.org/presentationml/2006/main">
-  <p:cSld>
-    <p:spTree>
-      <p:nvGrpSpPr>
-        <p:cNvPr id="1" name=""/>
-        <p:cNvGrpSpPr/>
-        <p:nvPr/>
-      </p:nvGrpSpPr>
-      <p:grpSpPr>
-        <a:xfrm>
-          <a:off x="0" y="0"/>
-          <a:ext cx="0" cy="0"/>
-          <a:chOff x="0" y="0"/>
-          <a:chExt cx="0" cy="0"/>
-        </a:xfrm>
-      </p:grpSpPr>
-    </p:spTree>
-    <p:custDataLst>
-      <p:custData r:id="rId1"/>
-      <p:custData r:id="rId2"/>
-      <p:tags r:id="rId3"/>
-    </p:custDataLst>
-    <p:extLst>
-      <p:ext uri="{BB962C8B-B14F-4D97-AF65-F5344CB8AC3E}">
-        <p14:creationId xmlns:p14="http://schemas.microsoft.com/office/powerpoint/2010/main" val="1772017836"/>
       </p:ext>
     </p:extLst>
   </p:cSld>

--- a/HackerEarth_Idea_Submission_Template24414bb.pptx
+++ b/HackerEarth_Idea_Submission_Template24414bb.pptx
@@ -5,10 +5,10 @@
     <p:sldMasterId id="2147483666" r:id="rId12"/>
   </p:sldMasterIdLst>
   <p:notesMasterIdLst>
-    <p:notesMasterId r:id="rId24"/>
+    <p:notesMasterId r:id="rId25"/>
   </p:notesMasterIdLst>
   <p:handoutMasterIdLst>
-    <p:handoutMasterId r:id="rId25"/>
+    <p:handoutMasterId r:id="rId26"/>
   </p:handoutMasterIdLst>
   <p:sldIdLst>
     <p:sldId id="256" r:id="rId13"/>
@@ -18,10 +18,11 @@
     <p:sldId id="270" r:id="rId17"/>
     <p:sldId id="271" r:id="rId18"/>
     <p:sldId id="272" r:id="rId19"/>
-    <p:sldId id="267" r:id="rId20"/>
-    <p:sldId id="268" r:id="rId21"/>
-    <p:sldId id="258" r:id="rId22"/>
-    <p:sldId id="269" r:id="rId23"/>
+    <p:sldId id="273" r:id="rId20"/>
+    <p:sldId id="267" r:id="rId21"/>
+    <p:sldId id="268" r:id="rId22"/>
+    <p:sldId id="258" r:id="rId23"/>
+    <p:sldId id="269" r:id="rId24"/>
   </p:sldIdLst>
   <p:sldSz cx="13442950" cy="7561263"/>
   <p:notesSz cx="7099300" cy="10234613"/>
@@ -885,7 +886,7 @@
             <a:fld id="{60DB4552-3D69-4E2D-A256-245DD04F23B6}" type="slidenum">
               <a:rPr lang="en-US" smtClean="0"/>
               <a:pPr/>
-              <a:t>10</a:t>
+              <a:t>11</a:t>
             </a:fld>
             <a:endParaRPr lang="en-US" dirty="0"/>
           </a:p>
@@ -975,7 +976,7 @@
             <a:fld id="{60DB4552-3D69-4E2D-A256-245DD04F23B6}" type="slidenum">
               <a:rPr lang="en-US" smtClean="0"/>
               <a:pPr/>
-              <a:t>11</a:t>
+              <a:t>12</a:t>
             </a:fld>
             <a:endParaRPr lang="en-US" dirty="0"/>
           </a:p>
@@ -16094,1945 +16095,6 @@
       </p:grpSpPr>
       <p:sp>
         <p:nvSpPr>
-          <p:cNvPr id="3" name="TextBox 2">
-            <a:extLst>
-              <a:ext uri="{FF2B5EF4-FFF2-40B4-BE49-F238E27FC236}">
-                <a16:creationId xmlns:a16="http://schemas.microsoft.com/office/drawing/2014/main" xmlns="" id="{9FF0EB6C-85EC-40B2-BF07-371E7E2D5C81}"/>
-              </a:ext>
-            </a:extLst>
-          </p:cNvPr>
-          <p:cNvSpPr txBox="1"/>
-          <p:nvPr/>
-        </p:nvSpPr>
-        <p:spPr>
-          <a:xfrm>
-            <a:off x="5846075" y="3531272"/>
-            <a:ext cx="1750800" cy="498719"/>
-          </a:xfrm>
-          <a:prstGeom prst="rect">
-            <a:avLst/>
-          </a:prstGeom>
-          <a:noFill/>
-        </p:spPr>
-        <p:txBody>
-          <a:bodyPr wrap="square" anchor="ctr">
-            <a:spAutoFit/>
-          </a:bodyPr>
-          <a:lstStyle/>
-          <a:p>
-            <a:pPr algn="ctr"/>
-            <a:r>
-              <a:rPr lang="en-US" sz="2400" b="1" i="0" u="none" strike="noStrike" cap="none" dirty="0">
-                <a:solidFill>
-                  <a:schemeClr val="tx2"/>
-                </a:solidFill>
-                <a:latin typeface="+mj-lt"/>
-                <a:ea typeface="Calibri"/>
-                <a:cs typeface="Calibri"/>
-                <a:sym typeface="Calibri"/>
-              </a:rPr>
-              <a:t>Thank You</a:t>
-            </a:r>
-            <a:endParaRPr lang="en-IN" sz="2400" b="1" dirty="0">
-              <a:solidFill>
-                <a:schemeClr val="tx2"/>
-              </a:solidFill>
-              <a:latin typeface="+mj-lt"/>
-            </a:endParaRPr>
-          </a:p>
-        </p:txBody>
-      </p:sp>
-    </p:spTree>
-    <p:custDataLst>
-      <p:custData r:id="rId1"/>
-      <p:custData r:id="rId2"/>
-      <p:tags r:id="rId3"/>
-    </p:custDataLst>
-    <p:extLst>
-      <p:ext uri="{BB962C8B-B14F-4D97-AF65-F5344CB8AC3E}">
-        <p14:creationId xmlns:p14="http://schemas.microsoft.com/office/powerpoint/2010/main" val="498473324"/>
-      </p:ext>
-    </p:extLst>
-  </p:cSld>
-  <p:clrMapOvr>
-    <a:masterClrMapping/>
-  </p:clrMapOvr>
-</p:sld>
-</file>
-
-<file path=ppt/slides/slide11.xml><?xml version="1.0" encoding="utf-8"?>
-<p:sld xmlns:a="http://schemas.openxmlformats.org/drawingml/2006/main" xmlns:r="http://schemas.openxmlformats.org/officeDocument/2006/relationships" xmlns:p="http://schemas.openxmlformats.org/presentationml/2006/main">
-  <p:cSld>
-    <p:spTree>
-      <p:nvGrpSpPr>
-        <p:cNvPr id="1" name=""/>
-        <p:cNvGrpSpPr/>
-        <p:nvPr/>
-      </p:nvGrpSpPr>
-      <p:grpSpPr>
-        <a:xfrm>
-          <a:off x="0" y="0"/>
-          <a:ext cx="0" cy="0"/>
-          <a:chOff x="0" y="0"/>
-          <a:chExt cx="0" cy="0"/>
-        </a:xfrm>
-      </p:grpSpPr>
-    </p:spTree>
-    <p:custDataLst>
-      <p:custData r:id="rId1"/>
-      <p:custData r:id="rId2"/>
-      <p:tags r:id="rId3"/>
-    </p:custDataLst>
-    <p:extLst>
-      <p:ext uri="{BB962C8B-B14F-4D97-AF65-F5344CB8AC3E}">
-        <p14:creationId xmlns:p14="http://schemas.microsoft.com/office/powerpoint/2010/main" val="1772017836"/>
-      </p:ext>
-    </p:extLst>
-  </p:cSld>
-  <p:clrMapOvr>
-    <a:masterClrMapping/>
-  </p:clrMapOvr>
-</p:sld>
-</file>
-
-<file path=ppt/slides/slide2.xml><?xml version="1.0" encoding="utf-8"?>
-<p:sld xmlns:a="http://schemas.openxmlformats.org/drawingml/2006/main" xmlns:r="http://schemas.openxmlformats.org/officeDocument/2006/relationships" xmlns:p="http://schemas.openxmlformats.org/presentationml/2006/main">
-  <p:cSld>
-    <p:spTree>
-      <p:nvGrpSpPr>
-        <p:cNvPr id="1" name=""/>
-        <p:cNvGrpSpPr/>
-        <p:nvPr/>
-      </p:nvGrpSpPr>
-      <p:grpSpPr>
-        <a:xfrm>
-          <a:off x="0" y="0"/>
-          <a:ext cx="0" cy="0"/>
-          <a:chOff x="0" y="0"/>
-          <a:chExt cx="0" cy="0"/>
-        </a:xfrm>
-      </p:grpSpPr>
-      <p:sp>
-        <p:nvSpPr>
-          <p:cNvPr id="5" name="Content Placeholder 4">
-            <a:extLst>
-              <a:ext uri="{FF2B5EF4-FFF2-40B4-BE49-F238E27FC236}">
-                <a16:creationId xmlns:a16="http://schemas.microsoft.com/office/drawing/2014/main" xmlns="" id="{4EC3F976-E1E7-4CF2-BD94-927D8E55F7BE}"/>
-              </a:ext>
-            </a:extLst>
-          </p:cNvPr>
-          <p:cNvSpPr>
-            <a:spLocks noGrp="1"/>
-          </p:cNvSpPr>
-          <p:nvPr>
-            <p:ph sz="quarter" idx="10"/>
-          </p:nvPr>
-        </p:nvSpPr>
-        <p:spPr/>
-        <p:txBody>
-          <a:bodyPr/>
-          <a:lstStyle/>
-          <a:p>
-            <a:pPr lvl="2"/>
-            <a:r>
-              <a:rPr lang="en-US" dirty="0" smtClean="0"/>
-              <a:t>Aditya Sharma (</a:t>
-            </a:r>
-            <a:r>
-              <a:rPr lang="en-US" dirty="0" err="1" smtClean="0"/>
-              <a:t>github</a:t>
-            </a:r>
-            <a:r>
-              <a:rPr lang="en-US" dirty="0" smtClean="0"/>
-              <a:t>:-Aditya-</a:t>
-            </a:r>
-            <a:r>
-              <a:rPr lang="en-US" dirty="0" err="1" smtClean="0"/>
-              <a:t>aot</a:t>
-            </a:r>
-            <a:r>
-              <a:rPr lang="en-US" dirty="0" smtClean="0"/>
-              <a:t>)</a:t>
-            </a:r>
-            <a:endParaRPr lang="en-US" dirty="0" smtClean="0"/>
-          </a:p>
-          <a:p>
-            <a:r>
-              <a:rPr lang="en-US" dirty="0" smtClean="0"/>
-              <a:t>Theme Name: </a:t>
-            </a:r>
-            <a:r>
-              <a:rPr lang="en-US" b="0" dirty="0" smtClean="0">
-                <a:solidFill>
-                  <a:schemeClr val="tx2"/>
-                </a:solidFill>
-              </a:rPr>
-              <a:t>Theme1, </a:t>
-            </a:r>
-            <a:r>
-              <a:rPr lang="en-US" b="0" dirty="0" err="1" smtClean="0">
-                <a:solidFill>
-                  <a:schemeClr val="tx2"/>
-                </a:solidFill>
-              </a:rPr>
-              <a:t>Fintech</a:t>
-            </a:r>
-            <a:endParaRPr lang="en-US" b="0" dirty="0" smtClean="0">
-              <a:solidFill>
-                <a:schemeClr val="tx2"/>
-              </a:solidFill>
-            </a:endParaRPr>
-          </a:p>
-          <a:p>
-            <a:pPr marL="0" lvl="2" indent="0">
-              <a:buNone/>
-            </a:pPr>
-            <a:endParaRPr lang="en-US" dirty="0"/>
-          </a:p>
-          <a:p>
-            <a:pPr lvl="2"/>
-            <a:endParaRPr lang="en-IN" dirty="0"/>
-          </a:p>
-        </p:txBody>
-      </p:sp>
-      <p:sp>
-        <p:nvSpPr>
-          <p:cNvPr id="6" name="Text Placeholder 5">
-            <a:extLst>
-              <a:ext uri="{FF2B5EF4-FFF2-40B4-BE49-F238E27FC236}">
-                <a16:creationId xmlns:a16="http://schemas.microsoft.com/office/drawing/2014/main" xmlns="" id="{EC92A883-2BB8-4C3C-869D-59AFEE855F42}"/>
-              </a:ext>
-            </a:extLst>
-          </p:cNvPr>
-          <p:cNvSpPr>
-            <a:spLocks noGrp="1"/>
-          </p:cNvSpPr>
-          <p:nvPr>
-            <p:ph type="body" sz="quarter" idx="11"/>
-          </p:nvPr>
-        </p:nvSpPr>
-        <p:spPr/>
-        <p:txBody>
-          <a:bodyPr/>
-          <a:lstStyle/>
-          <a:p>
-            <a:endParaRPr lang="en-IN"/>
-          </a:p>
-        </p:txBody>
-      </p:sp>
-      <p:sp>
-        <p:nvSpPr>
-          <p:cNvPr id="4" name="Title 3">
-            <a:extLst>
-              <a:ext uri="{FF2B5EF4-FFF2-40B4-BE49-F238E27FC236}">
-                <a16:creationId xmlns:a16="http://schemas.microsoft.com/office/drawing/2014/main" xmlns="" id="{83193F15-4DFB-4610-9AB4-8B3683393801}"/>
-              </a:ext>
-            </a:extLst>
-          </p:cNvPr>
-          <p:cNvSpPr>
-            <a:spLocks noGrp="1"/>
-          </p:cNvSpPr>
-          <p:nvPr>
-            <p:ph type="title"/>
-          </p:nvPr>
-        </p:nvSpPr>
-        <p:spPr/>
-        <p:txBody>
-          <a:bodyPr/>
-          <a:lstStyle/>
-          <a:p>
-            <a:r>
-              <a:rPr lang="en-US" dirty="0"/>
-              <a:t>Team name and member details</a:t>
-            </a:r>
-            <a:endParaRPr lang="en-IN" dirty="0"/>
-          </a:p>
-        </p:txBody>
-      </p:sp>
-    </p:spTree>
-    <p:extLst>
-      <p:ext uri="{BB962C8B-B14F-4D97-AF65-F5344CB8AC3E}">
-        <p14:creationId xmlns:p14="http://schemas.microsoft.com/office/powerpoint/2010/main" val="195361357"/>
-      </p:ext>
-    </p:extLst>
-  </p:cSld>
-  <p:clrMapOvr>
-    <a:masterClrMapping/>
-  </p:clrMapOvr>
-</p:sld>
-</file>
-
-<file path=ppt/slides/slide3.xml><?xml version="1.0" encoding="utf-8"?>
-<p:sld xmlns:a="http://schemas.openxmlformats.org/drawingml/2006/main" xmlns:r="http://schemas.openxmlformats.org/officeDocument/2006/relationships" xmlns:p="http://schemas.openxmlformats.org/presentationml/2006/main">
-  <p:cSld>
-    <p:spTree>
-      <p:nvGrpSpPr>
-        <p:cNvPr id="1" name=""/>
-        <p:cNvGrpSpPr/>
-        <p:nvPr/>
-      </p:nvGrpSpPr>
-      <p:grpSpPr>
-        <a:xfrm>
-          <a:off x="0" y="0"/>
-          <a:ext cx="0" cy="0"/>
-          <a:chOff x="0" y="0"/>
-          <a:chExt cx="0" cy="0"/>
-        </a:xfrm>
-      </p:grpSpPr>
-      <p:sp>
-        <p:nvSpPr>
-          <p:cNvPr id="5" name="Content Placeholder 4">
-            <a:extLst>
-              <a:ext uri="{FF2B5EF4-FFF2-40B4-BE49-F238E27FC236}">
-                <a16:creationId xmlns:a16="http://schemas.microsoft.com/office/drawing/2014/main" xmlns="" id="{4EC3F976-E1E7-4CF2-BD94-927D8E55F7BE}"/>
-              </a:ext>
-            </a:extLst>
-          </p:cNvPr>
-          <p:cNvSpPr>
-            <a:spLocks noGrp="1"/>
-          </p:cNvSpPr>
-          <p:nvPr>
-            <p:ph sz="quarter" idx="10"/>
-          </p:nvPr>
-        </p:nvSpPr>
-        <p:spPr/>
-        <p:txBody>
-          <a:bodyPr/>
-          <a:lstStyle/>
-          <a:p>
-            <a:pPr lvl="2"/>
-            <a:r>
-              <a:rPr lang="en-US" dirty="0"/>
-              <a:t>Define the exact </a:t>
-            </a:r>
-            <a:r>
-              <a:rPr lang="en-US" b="1" dirty="0">
-                <a:solidFill>
-                  <a:srgbClr val="F9AE91"/>
-                </a:solidFill>
-              </a:rPr>
-              <a:t>PROBLEM</a:t>
-            </a:r>
-            <a:r>
-              <a:rPr lang="en-US" dirty="0"/>
-              <a:t> that you intend to solve. </a:t>
-            </a:r>
-          </a:p>
-          <a:p>
-            <a:pPr lvl="2"/>
-            <a:r>
-              <a:rPr lang="en-US" dirty="0"/>
-              <a:t>[Not more than 250 words</a:t>
-            </a:r>
-            <a:r>
-              <a:rPr lang="en-US" dirty="0" smtClean="0"/>
-              <a:t>]</a:t>
-            </a:r>
-          </a:p>
-          <a:p>
-            <a:pPr lvl="2"/>
-            <a:r>
-              <a:rPr lang="en-US" dirty="0"/>
-              <a:t>the Objective of this </a:t>
-            </a:r>
-            <a:r>
-              <a:rPr lang="en-US" dirty="0" err="1"/>
-              <a:t>webapp</a:t>
-            </a:r>
-            <a:r>
-              <a:rPr lang="en-US" dirty="0"/>
-              <a:t> is to guide new students into finance ,as finance are one of those topic which are not properly teach at school/collage and as we grow up a proper information about finance is very </a:t>
-            </a:r>
-            <a:r>
-              <a:rPr lang="en-US" dirty="0" err="1"/>
-              <a:t>imprtant</a:t>
-            </a:r>
-            <a:r>
-              <a:rPr lang="en-US" dirty="0"/>
-              <a:t> .</a:t>
-            </a:r>
-          </a:p>
-          <a:p>
-            <a:pPr lvl="2"/>
-            <a:endParaRPr lang="en-US" dirty="0"/>
-          </a:p>
-        </p:txBody>
-      </p:sp>
-      <p:sp>
-        <p:nvSpPr>
-          <p:cNvPr id="6" name="Text Placeholder 5">
-            <a:extLst>
-              <a:ext uri="{FF2B5EF4-FFF2-40B4-BE49-F238E27FC236}">
-                <a16:creationId xmlns:a16="http://schemas.microsoft.com/office/drawing/2014/main" xmlns="" id="{EC92A883-2BB8-4C3C-869D-59AFEE855F42}"/>
-              </a:ext>
-            </a:extLst>
-          </p:cNvPr>
-          <p:cNvSpPr>
-            <a:spLocks noGrp="1"/>
-          </p:cNvSpPr>
-          <p:nvPr>
-            <p:ph type="body" sz="quarter" idx="11"/>
-          </p:nvPr>
-        </p:nvSpPr>
-        <p:spPr/>
-        <p:txBody>
-          <a:bodyPr/>
-          <a:lstStyle/>
-          <a:p>
-            <a:endParaRPr lang="en-IN"/>
-          </a:p>
-        </p:txBody>
-      </p:sp>
-      <p:sp>
-        <p:nvSpPr>
-          <p:cNvPr id="4" name="Title 3">
-            <a:extLst>
-              <a:ext uri="{FF2B5EF4-FFF2-40B4-BE49-F238E27FC236}">
-                <a16:creationId xmlns:a16="http://schemas.microsoft.com/office/drawing/2014/main" xmlns="" id="{83193F15-4DFB-4610-9AB4-8B3683393801}"/>
-              </a:ext>
-            </a:extLst>
-          </p:cNvPr>
-          <p:cNvSpPr>
-            <a:spLocks noGrp="1"/>
-          </p:cNvSpPr>
-          <p:nvPr>
-            <p:ph type="title"/>
-          </p:nvPr>
-        </p:nvSpPr>
-        <p:spPr/>
-        <p:txBody>
-          <a:bodyPr/>
-          <a:lstStyle/>
-          <a:p>
-            <a:r>
-              <a:rPr lang="en-US" dirty="0"/>
-              <a:t>Problem statement</a:t>
-            </a:r>
-            <a:endParaRPr lang="en-IN" dirty="0"/>
-          </a:p>
-        </p:txBody>
-      </p:sp>
-    </p:spTree>
-    <p:extLst>
-      <p:ext uri="{BB962C8B-B14F-4D97-AF65-F5344CB8AC3E}">
-        <p14:creationId xmlns:p14="http://schemas.microsoft.com/office/powerpoint/2010/main" val="3376612821"/>
-      </p:ext>
-    </p:extLst>
-  </p:cSld>
-  <p:clrMapOvr>
-    <a:masterClrMapping/>
-  </p:clrMapOvr>
-</p:sld>
-</file>
-
-<file path=ppt/slides/slide4.xml><?xml version="1.0" encoding="utf-8"?>
-<p:sld xmlns:a="http://schemas.openxmlformats.org/drawingml/2006/main" xmlns:r="http://schemas.openxmlformats.org/officeDocument/2006/relationships" xmlns:p="http://schemas.openxmlformats.org/presentationml/2006/main">
-  <p:cSld>
-    <p:spTree>
-      <p:nvGrpSpPr>
-        <p:cNvPr id="1" name=""/>
-        <p:cNvGrpSpPr/>
-        <p:nvPr/>
-      </p:nvGrpSpPr>
-      <p:grpSpPr>
-        <a:xfrm>
-          <a:off x="0" y="0"/>
-          <a:ext cx="0" cy="0"/>
-          <a:chOff x="0" y="0"/>
-          <a:chExt cx="0" cy="0"/>
-        </a:xfrm>
-      </p:grpSpPr>
-      <p:sp>
-        <p:nvSpPr>
-          <p:cNvPr id="6" name="Content Placeholder 5">
-            <a:extLst>
-              <a:ext uri="{FF2B5EF4-FFF2-40B4-BE49-F238E27FC236}">
-                <a16:creationId xmlns:a16="http://schemas.microsoft.com/office/drawing/2014/main" xmlns="" id="{FE55FF28-C028-47D8-9756-B328A54414D7}"/>
-              </a:ext>
-            </a:extLst>
-          </p:cNvPr>
-          <p:cNvSpPr>
-            <a:spLocks noGrp="1"/>
-          </p:cNvSpPr>
-          <p:nvPr>
-            <p:ph sz="quarter" idx="10"/>
-          </p:nvPr>
-        </p:nvSpPr>
-        <p:spPr/>
-        <p:txBody>
-          <a:bodyPr vert="horz" lIns="0" tIns="0" rIns="0" bIns="0" rtlCol="0" anchor="t">
-            <a:noAutofit/>
-          </a:bodyPr>
-          <a:lstStyle/>
-          <a:p>
-            <a:r>
-              <a:rPr lang="en-US" b="0" dirty="0">
-                <a:solidFill>
-                  <a:schemeClr val="tx2"/>
-                </a:solidFill>
-              </a:rPr>
-              <a:t>Explain, in brief, how you intend to </a:t>
-            </a:r>
-            <a:r>
-              <a:rPr lang="en-US" b="0" dirty="0"/>
-              <a:t>SOLVE</a:t>
-            </a:r>
-            <a:r>
-              <a:rPr lang="en-US" b="0" dirty="0">
-                <a:solidFill>
-                  <a:schemeClr val="tx2"/>
-                </a:solidFill>
-              </a:rPr>
-              <a:t> the problem at hand. </a:t>
-            </a:r>
-          </a:p>
-          <a:p>
-            <a:r>
-              <a:rPr lang="en-US" b="0" dirty="0">
-                <a:solidFill>
-                  <a:schemeClr val="tx2"/>
-                </a:solidFill>
-              </a:rPr>
-              <a:t>Please include the following:</a:t>
-            </a:r>
-          </a:p>
-          <a:p>
-            <a:pPr marL="457200" lvl="0" indent="-355600">
-              <a:spcBef>
-                <a:spcPts val="2400"/>
-              </a:spcBef>
-              <a:spcAft>
-                <a:spcPts val="0"/>
-              </a:spcAft>
-              <a:buClr>
-                <a:schemeClr val="lt1"/>
-              </a:buClr>
-              <a:buSzPts val="2000"/>
-              <a:buFont typeface="Source Sans Pro"/>
-              <a:buChar char="●"/>
-            </a:pPr>
-            <a:r>
-              <a:rPr lang="en-US" b="0" dirty="0">
-                <a:solidFill>
-                  <a:schemeClr val="lt1"/>
-                </a:solidFill>
-                <a:latin typeface="Source Sans Pro" panose="020B0503030403020204" pitchFamily="34" charset="0"/>
-                <a:ea typeface="Source Sans Pro" panose="020B0503030403020204" pitchFamily="34" charset="0"/>
-              </a:rPr>
-              <a:t>How it helps to solve the problem?</a:t>
-            </a:r>
-          </a:p>
-          <a:p>
-            <a:r>
-              <a:rPr lang="en-US" dirty="0">
-                <a:solidFill>
-                  <a:schemeClr val="tx2"/>
-                </a:solidFill>
-              </a:rPr>
-              <a:t>&gt; in this </a:t>
-            </a:r>
-            <a:r>
-              <a:rPr lang="en-US" dirty="0" err="1">
-                <a:solidFill>
-                  <a:schemeClr val="tx2"/>
-                </a:solidFill>
-              </a:rPr>
-              <a:t>webapp</a:t>
-            </a:r>
-            <a:r>
-              <a:rPr lang="en-US" dirty="0">
-                <a:solidFill>
-                  <a:schemeClr val="tx2"/>
-                </a:solidFill>
-              </a:rPr>
-              <a:t> there is a section call guide, in which you can information in detail about </a:t>
-            </a:r>
-            <a:r>
-              <a:rPr lang="en-US" dirty="0" err="1">
-                <a:solidFill>
-                  <a:schemeClr val="tx2"/>
-                </a:solidFill>
-              </a:rPr>
-              <a:t>finance,stock</a:t>
-            </a:r>
-            <a:r>
-              <a:rPr lang="en-US" dirty="0">
-                <a:solidFill>
-                  <a:schemeClr val="tx2"/>
-                </a:solidFill>
-              </a:rPr>
-              <a:t> </a:t>
-            </a:r>
-            <a:r>
-              <a:rPr lang="en-US" dirty="0" err="1">
-                <a:solidFill>
-                  <a:schemeClr val="tx2"/>
-                </a:solidFill>
-              </a:rPr>
-              <a:t>market,crypto</a:t>
-            </a:r>
-            <a:r>
-              <a:rPr lang="en-US" dirty="0">
-                <a:solidFill>
-                  <a:schemeClr val="tx2"/>
-                </a:solidFill>
-              </a:rPr>
-              <a:t> market , real estate and more . and see videos on </a:t>
-            </a:r>
-            <a:r>
-              <a:rPr lang="en-US" dirty="0" err="1">
-                <a:solidFill>
-                  <a:schemeClr val="tx2"/>
-                </a:solidFill>
-              </a:rPr>
-              <a:t>diffrent</a:t>
-            </a:r>
-            <a:r>
-              <a:rPr lang="en-US" dirty="0">
-                <a:solidFill>
-                  <a:schemeClr val="tx2"/>
-                </a:solidFill>
-              </a:rPr>
-              <a:t> topic to your </a:t>
-            </a:r>
-            <a:r>
-              <a:rPr lang="en-US" dirty="0" err="1">
-                <a:solidFill>
-                  <a:schemeClr val="tx2"/>
-                </a:solidFill>
-              </a:rPr>
-              <a:t>likeing</a:t>
-            </a:r>
-            <a:r>
-              <a:rPr lang="en-US" dirty="0">
-                <a:solidFill>
-                  <a:schemeClr val="tx2"/>
-                </a:solidFill>
-              </a:rPr>
-              <a:t> .</a:t>
-            </a:r>
-          </a:p>
-          <a:p>
-            <a:r>
-              <a:rPr lang="en-US" dirty="0">
-                <a:solidFill>
-                  <a:schemeClr val="tx2"/>
-                </a:solidFill>
-              </a:rPr>
-              <a:t>&gt; and you can another section called </a:t>
-            </a:r>
-            <a:r>
-              <a:rPr lang="en-US" dirty="0" err="1">
-                <a:solidFill>
-                  <a:schemeClr val="tx2"/>
-                </a:solidFill>
-              </a:rPr>
-              <a:t>predic</a:t>
-            </a:r>
-            <a:r>
-              <a:rPr lang="en-US" dirty="0">
-                <a:solidFill>
-                  <a:schemeClr val="tx2"/>
-                </a:solidFill>
-              </a:rPr>
-              <a:t> , in which you can see the prediction for future stock market, for example :- you predict a </a:t>
-            </a:r>
-            <a:r>
-              <a:rPr lang="en-US" dirty="0" err="1">
-                <a:solidFill>
-                  <a:schemeClr val="tx2"/>
-                </a:solidFill>
-              </a:rPr>
-              <a:t>singel</a:t>
-            </a:r>
-            <a:r>
-              <a:rPr lang="en-US" dirty="0">
-                <a:solidFill>
-                  <a:schemeClr val="tx2"/>
-                </a:solidFill>
-              </a:rPr>
-              <a:t> day of any stock ,or can view a chart of any stock from 10 days to 500 days in future </a:t>
-            </a:r>
-          </a:p>
-          <a:p>
-            <a:r>
-              <a:rPr lang="en-US" dirty="0">
-                <a:solidFill>
-                  <a:schemeClr val="tx2"/>
-                </a:solidFill>
-              </a:rPr>
-              <a:t>&gt; there is also section called portfolio in which you can create your portfolio in stocks and in crypto market and keep  track of your profit and loss </a:t>
-            </a:r>
-          </a:p>
-          <a:p>
-            <a:r>
-              <a:rPr lang="en-US" dirty="0">
-                <a:solidFill>
-                  <a:schemeClr val="tx2"/>
-                </a:solidFill>
-              </a:rPr>
-              <a:t>&gt; and last but not lest the section called News , in which you can get the latest news about finance in a single tip and get </a:t>
-            </a:r>
-            <a:r>
-              <a:rPr lang="en-US" dirty="0" err="1">
-                <a:solidFill>
-                  <a:schemeClr val="tx2"/>
-                </a:solidFill>
-              </a:rPr>
-              <a:t>acces</a:t>
-            </a:r>
-            <a:r>
-              <a:rPr lang="en-US" dirty="0">
-                <a:solidFill>
-                  <a:schemeClr val="tx2"/>
-                </a:solidFill>
-              </a:rPr>
-              <a:t> to </a:t>
-            </a:r>
-            <a:r>
-              <a:rPr lang="en-US" dirty="0" err="1">
-                <a:solidFill>
-                  <a:schemeClr val="tx2"/>
-                </a:solidFill>
-              </a:rPr>
-              <a:t>manay</a:t>
-            </a:r>
-            <a:r>
-              <a:rPr lang="en-US" dirty="0">
-                <a:solidFill>
-                  <a:schemeClr val="tx2"/>
-                </a:solidFill>
-              </a:rPr>
-              <a:t> information about finance</a:t>
-            </a:r>
-            <a:endParaRPr lang="en-US" dirty="0">
-              <a:solidFill>
-                <a:schemeClr val="tx2"/>
-              </a:solidFill>
-            </a:endParaRPr>
-          </a:p>
-        </p:txBody>
-      </p:sp>
-      <p:sp>
-        <p:nvSpPr>
-          <p:cNvPr id="7" name="Text Placeholder 6">
-            <a:extLst>
-              <a:ext uri="{FF2B5EF4-FFF2-40B4-BE49-F238E27FC236}">
-                <a16:creationId xmlns:a16="http://schemas.microsoft.com/office/drawing/2014/main" xmlns="" id="{DF4F97D9-E7D7-4E85-BB50-C87C7BB6F961}"/>
-              </a:ext>
-            </a:extLst>
-          </p:cNvPr>
-          <p:cNvSpPr>
-            <a:spLocks noGrp="1"/>
-          </p:cNvSpPr>
-          <p:nvPr>
-            <p:ph type="body" sz="quarter" idx="11"/>
-          </p:nvPr>
-        </p:nvSpPr>
-        <p:spPr/>
-        <p:txBody>
-          <a:bodyPr/>
-          <a:lstStyle/>
-          <a:p>
-            <a:endParaRPr lang="en-IN"/>
-          </a:p>
-        </p:txBody>
-      </p:sp>
-      <p:sp>
-        <p:nvSpPr>
-          <p:cNvPr id="4" name="Title 3">
-            <a:extLst>
-              <a:ext uri="{FF2B5EF4-FFF2-40B4-BE49-F238E27FC236}">
-                <a16:creationId xmlns:a16="http://schemas.microsoft.com/office/drawing/2014/main" xmlns="" id="{6B1011D3-A8C8-44CC-8836-11626D436C26}"/>
-              </a:ext>
-            </a:extLst>
-          </p:cNvPr>
-          <p:cNvSpPr>
-            <a:spLocks noGrp="1"/>
-          </p:cNvSpPr>
-          <p:nvPr>
-            <p:ph type="title"/>
-          </p:nvPr>
-        </p:nvSpPr>
-        <p:spPr>
-          <a:xfrm>
-            <a:off x="432000" y="759866"/>
-            <a:ext cx="12578399" cy="379263"/>
-          </a:xfrm>
-        </p:spPr>
-        <p:txBody>
-          <a:bodyPr/>
-          <a:lstStyle/>
-          <a:p>
-            <a:r>
-              <a:rPr lang="en-IN" dirty="0"/>
-              <a:t>Solution</a:t>
-            </a:r>
-          </a:p>
-        </p:txBody>
-      </p:sp>
-    </p:spTree>
-    <p:extLst>
-      <p:ext uri="{BB962C8B-B14F-4D97-AF65-F5344CB8AC3E}">
-        <p14:creationId xmlns:p14="http://schemas.microsoft.com/office/powerpoint/2010/main" val="1514115969"/>
-      </p:ext>
-    </p:extLst>
-  </p:cSld>
-  <p:clrMapOvr>
-    <a:masterClrMapping/>
-  </p:clrMapOvr>
-</p:sld>
-</file>
-
-<file path=ppt/slides/slide5.xml><?xml version="1.0" encoding="utf-8"?>
-<p:sld xmlns:a="http://schemas.openxmlformats.org/drawingml/2006/main" xmlns:r="http://schemas.openxmlformats.org/officeDocument/2006/relationships" xmlns:p="http://schemas.openxmlformats.org/presentationml/2006/main">
-  <p:cSld>
-    <p:spTree>
-      <p:nvGrpSpPr>
-        <p:cNvPr id="1" name=""/>
-        <p:cNvGrpSpPr/>
-        <p:nvPr/>
-      </p:nvGrpSpPr>
-      <p:grpSpPr>
-        <a:xfrm>
-          <a:off x="0" y="0"/>
-          <a:ext cx="0" cy="0"/>
-          <a:chOff x="0" y="0"/>
-          <a:chExt cx="0" cy="0"/>
-        </a:xfrm>
-      </p:grpSpPr>
-      <p:sp>
-        <p:nvSpPr>
-          <p:cNvPr id="2" name="Content Placeholder 1"/>
-          <p:cNvSpPr>
-            <a:spLocks noGrp="1"/>
-          </p:cNvSpPr>
-          <p:nvPr>
-            <p:ph sz="quarter" idx="10"/>
-          </p:nvPr>
-        </p:nvSpPr>
-        <p:spPr/>
-        <p:txBody>
-          <a:bodyPr/>
-          <a:lstStyle/>
-          <a:p>
-            <a:pPr marL="457200" lvl="0" indent="-355600">
-              <a:lnSpc>
-                <a:spcPct val="115000"/>
-              </a:lnSpc>
-              <a:spcBef>
-                <a:spcPts val="0"/>
-              </a:spcBef>
-              <a:spcAft>
-                <a:spcPts val="0"/>
-              </a:spcAft>
-              <a:buClr>
-                <a:schemeClr val="lt1"/>
-              </a:buClr>
-              <a:buSzPts val="2000"/>
-              <a:buFont typeface="Source Sans Pro"/>
-              <a:buChar char="●"/>
-            </a:pPr>
-            <a:r>
-              <a:rPr lang="en-US" b="0" dirty="0">
-                <a:solidFill>
-                  <a:schemeClr val="lt1"/>
-                </a:solidFill>
-                <a:latin typeface="Source Sans Pro" panose="020B0503030403020204" pitchFamily="34" charset="0"/>
-                <a:ea typeface="Source Sans Pro" panose="020B0503030403020204" pitchFamily="34" charset="0"/>
-              </a:rPr>
-              <a:t>What are the impact metrics that one can use to analyze the effect of the solution?</a:t>
-            </a:r>
-          </a:p>
-          <a:p>
-            <a:pPr marL="457200" lvl="0" indent="-355600">
-              <a:lnSpc>
-                <a:spcPct val="115000"/>
-              </a:lnSpc>
-              <a:spcBef>
-                <a:spcPts val="0"/>
-              </a:spcBef>
-              <a:spcAft>
-                <a:spcPts val="0"/>
-              </a:spcAft>
-              <a:buClr>
-                <a:schemeClr val="lt1"/>
-              </a:buClr>
-              <a:buSzPts val="2000"/>
-              <a:buFont typeface="Source Sans Pro"/>
-              <a:buChar char="●"/>
-            </a:pPr>
-            <a:r>
-              <a:rPr lang="en-US" b="0" dirty="0">
-                <a:solidFill>
-                  <a:schemeClr val="lt1"/>
-                </a:solidFill>
-                <a:latin typeface="Source Sans Pro" panose="020B0503030403020204" pitchFamily="34" charset="0"/>
-                <a:ea typeface="Source Sans Pro" panose="020B0503030403020204" pitchFamily="34" charset="0"/>
-              </a:rPr>
-              <a:t>Frameworks/Technologies stacks to be used</a:t>
-            </a:r>
-          </a:p>
-          <a:p>
-            <a:pPr marL="457200" lvl="0" indent="-355600">
-              <a:lnSpc>
-                <a:spcPct val="115000"/>
-              </a:lnSpc>
-              <a:spcBef>
-                <a:spcPts val="0"/>
-              </a:spcBef>
-              <a:spcAft>
-                <a:spcPts val="0"/>
-              </a:spcAft>
-              <a:buClr>
-                <a:schemeClr val="lt1"/>
-              </a:buClr>
-              <a:buSzPts val="2000"/>
-              <a:buFont typeface="Source Sans Pro"/>
-              <a:buChar char="●"/>
-            </a:pPr>
-            <a:r>
-              <a:rPr lang="en-US" b="0" dirty="0">
-                <a:solidFill>
-                  <a:schemeClr val="lt1"/>
-                </a:solidFill>
-                <a:latin typeface="Source Sans Pro" panose="020B0503030403020204" pitchFamily="34" charset="0"/>
-                <a:ea typeface="Source Sans Pro" panose="020B0503030403020204" pitchFamily="34" charset="0"/>
-              </a:rPr>
-              <a:t>Assumptions, constraints, and solution decision points (Reason behind choosing a technology)</a:t>
-            </a:r>
-          </a:p>
-          <a:p>
-            <a:pPr marL="457200" lvl="0" indent="-355600">
-              <a:lnSpc>
-                <a:spcPct val="115000"/>
-              </a:lnSpc>
-              <a:spcBef>
-                <a:spcPts val="0"/>
-              </a:spcBef>
-              <a:spcAft>
-                <a:spcPts val="0"/>
-              </a:spcAft>
-              <a:buClr>
-                <a:schemeClr val="lt1"/>
-              </a:buClr>
-              <a:buSzPts val="2000"/>
-              <a:buFont typeface="Source Sans Pro"/>
-              <a:buChar char="●"/>
-            </a:pPr>
-            <a:r>
-              <a:rPr lang="en-US" b="0" dirty="0">
-                <a:solidFill>
-                  <a:schemeClr val="lt1"/>
-                </a:solidFill>
-                <a:latin typeface="Source Sans Pro" panose="020B0503030403020204" pitchFamily="34" charset="0"/>
-                <a:ea typeface="Source Sans Pro" panose="020B0503030403020204" pitchFamily="34" charset="0"/>
-              </a:rPr>
-              <a:t>How easily can your solution be implemented and how effective will it be?</a:t>
-            </a:r>
-          </a:p>
-          <a:p>
-            <a:pPr marL="457200" lvl="0" indent="-355600">
-              <a:lnSpc>
-                <a:spcPct val="115000"/>
-              </a:lnSpc>
-              <a:spcBef>
-                <a:spcPts val="0"/>
-              </a:spcBef>
-              <a:spcAft>
-                <a:spcPts val="0"/>
-              </a:spcAft>
-              <a:buClr>
-                <a:schemeClr val="lt1"/>
-              </a:buClr>
-              <a:buSzPts val="2000"/>
-              <a:buFont typeface="Source Sans Pro"/>
-              <a:buChar char="●"/>
-            </a:pPr>
-            <a:r>
-              <a:rPr lang="en-US" b="0" dirty="0">
-                <a:solidFill>
-                  <a:schemeClr val="lt1"/>
-                </a:solidFill>
-                <a:latin typeface="Source Sans Pro" panose="020B0503030403020204" pitchFamily="34" charset="0"/>
-                <a:ea typeface="Source Sans Pro" panose="020B0503030403020204" pitchFamily="34" charset="0"/>
-              </a:rPr>
-              <a:t>Extent of Scalability/Usability </a:t>
-            </a:r>
-            <a:endParaRPr lang="en-US" dirty="0">
-              <a:solidFill>
-                <a:schemeClr val="lt1"/>
-              </a:solidFill>
-              <a:latin typeface="Source Sans Pro" panose="020B0503030403020204" pitchFamily="34" charset="0"/>
-              <a:ea typeface="Source Sans Pro" panose="020B0503030403020204" pitchFamily="34" charset="0"/>
-            </a:endParaRPr>
-          </a:p>
-          <a:p>
-            <a:endParaRPr lang="en-US" dirty="0"/>
-          </a:p>
-        </p:txBody>
-      </p:sp>
-      <p:sp>
-        <p:nvSpPr>
-          <p:cNvPr id="3" name="Text Placeholder 2"/>
-          <p:cNvSpPr>
-            <a:spLocks noGrp="1"/>
-          </p:cNvSpPr>
-          <p:nvPr>
-            <p:ph type="body" sz="quarter" idx="11"/>
-          </p:nvPr>
-        </p:nvSpPr>
-        <p:spPr/>
-        <p:txBody>
-          <a:bodyPr/>
-          <a:lstStyle/>
-          <a:p>
-            <a:endParaRPr lang="en-US"/>
-          </a:p>
-        </p:txBody>
-      </p:sp>
-      <p:sp>
-        <p:nvSpPr>
-          <p:cNvPr id="4" name="Title 3"/>
-          <p:cNvSpPr>
-            <a:spLocks noGrp="1"/>
-          </p:cNvSpPr>
-          <p:nvPr>
-            <p:ph type="title"/>
-          </p:nvPr>
-        </p:nvSpPr>
-        <p:spPr/>
-        <p:txBody>
-          <a:bodyPr/>
-          <a:lstStyle/>
-          <a:p>
-            <a:endParaRPr lang="en-US"/>
-          </a:p>
-        </p:txBody>
-      </p:sp>
-    </p:spTree>
-    <p:extLst>
-      <p:ext uri="{BB962C8B-B14F-4D97-AF65-F5344CB8AC3E}">
-        <p14:creationId xmlns:p14="http://schemas.microsoft.com/office/powerpoint/2010/main" val="334772701"/>
-      </p:ext>
-    </p:extLst>
-  </p:cSld>
-  <p:clrMapOvr>
-    <a:masterClrMapping/>
-  </p:clrMapOvr>
-</p:sld>
-</file>
-
-<file path=ppt/slides/slide6.xml><?xml version="1.0" encoding="utf-8"?>
-<p:sld xmlns:a="http://schemas.openxmlformats.org/drawingml/2006/main" xmlns:r="http://schemas.openxmlformats.org/officeDocument/2006/relationships" xmlns:p="http://schemas.openxmlformats.org/presentationml/2006/main">
-  <p:cSld>
-    <p:spTree>
-      <p:nvGrpSpPr>
-        <p:cNvPr id="1" name=""/>
-        <p:cNvGrpSpPr/>
-        <p:nvPr/>
-      </p:nvGrpSpPr>
-      <p:grpSpPr>
-        <a:xfrm>
-          <a:off x="0" y="0"/>
-          <a:ext cx="0" cy="0"/>
-          <a:chOff x="0" y="0"/>
-          <a:chExt cx="0" cy="0"/>
-        </a:xfrm>
-      </p:grpSpPr>
-      <p:sp>
-        <p:nvSpPr>
-          <p:cNvPr id="2" name="Content Placeholder 1"/>
-          <p:cNvSpPr>
-            <a:spLocks noGrp="1"/>
-          </p:cNvSpPr>
-          <p:nvPr>
-            <p:ph sz="quarter" idx="10"/>
-          </p:nvPr>
-        </p:nvSpPr>
-        <p:spPr/>
-        <p:txBody>
-          <a:bodyPr/>
-          <a:lstStyle/>
-          <a:p>
-            <a:pPr marL="457200" lvl="0" indent="-355600">
-              <a:lnSpc>
-                <a:spcPct val="115000"/>
-              </a:lnSpc>
-              <a:spcBef>
-                <a:spcPts val="0"/>
-              </a:spcBef>
-              <a:spcAft>
-                <a:spcPts val="0"/>
-              </a:spcAft>
-              <a:buClr>
-                <a:schemeClr val="lt1"/>
-              </a:buClr>
-              <a:buSzPts val="2000"/>
-              <a:buFont typeface="Source Sans Pro"/>
-              <a:buChar char="●"/>
-            </a:pPr>
-            <a:r>
-              <a:rPr lang="en-US" b="0" dirty="0">
-                <a:solidFill>
-                  <a:schemeClr val="lt1"/>
-                </a:solidFill>
-                <a:latin typeface="Source Sans Pro" panose="020B0503030403020204" pitchFamily="34" charset="0"/>
-                <a:ea typeface="Source Sans Pro" panose="020B0503030403020204" pitchFamily="34" charset="0"/>
-              </a:rPr>
-              <a:t>Frameworks/Technologies stacks to be </a:t>
-            </a:r>
-            <a:r>
-              <a:rPr lang="en-US" b="0" dirty="0" smtClean="0">
-                <a:solidFill>
-                  <a:schemeClr val="lt1"/>
-                </a:solidFill>
-                <a:latin typeface="Source Sans Pro" panose="020B0503030403020204" pitchFamily="34" charset="0"/>
-                <a:ea typeface="Source Sans Pro" panose="020B0503030403020204" pitchFamily="34" charset="0"/>
-              </a:rPr>
-              <a:t>used</a:t>
-            </a:r>
-            <a:endParaRPr lang="en-US" dirty="0" smtClean="0"/>
-          </a:p>
-          <a:p>
-            <a:pPr marL="457200" lvl="0" indent="-355600">
-              <a:lnSpc>
-                <a:spcPct val="115000"/>
-              </a:lnSpc>
-              <a:spcBef>
-                <a:spcPts val="0"/>
-              </a:spcBef>
-              <a:spcAft>
-                <a:spcPts val="0"/>
-              </a:spcAft>
-              <a:buClr>
-                <a:schemeClr val="lt1"/>
-              </a:buClr>
-              <a:buSzPts val="2000"/>
-              <a:buFont typeface="Source Sans Pro"/>
-              <a:buChar char="●"/>
-            </a:pPr>
-            <a:r>
-              <a:rPr lang="en-US" b="0" dirty="0" smtClean="0">
-                <a:solidFill>
-                  <a:schemeClr val="lt1"/>
-                </a:solidFill>
-                <a:latin typeface="Source Sans Pro" panose="020B0503030403020204" pitchFamily="34" charset="0"/>
-                <a:ea typeface="Source Sans Pro" panose="020B0503030403020204" pitchFamily="34" charset="0"/>
-              </a:rPr>
-              <a:t>There is use of Python </a:t>
-            </a:r>
-          </a:p>
-          <a:p>
-            <a:pPr marL="457200" lvl="0" indent="-355600">
-              <a:lnSpc>
-                <a:spcPct val="115000"/>
-              </a:lnSpc>
-              <a:spcBef>
-                <a:spcPts val="0"/>
-              </a:spcBef>
-              <a:spcAft>
-                <a:spcPts val="0"/>
-              </a:spcAft>
-              <a:buClr>
-                <a:schemeClr val="lt1"/>
-              </a:buClr>
-              <a:buSzPts val="2000"/>
-              <a:buFont typeface="Source Sans Pro"/>
-              <a:buChar char="●"/>
-            </a:pPr>
-            <a:r>
-              <a:rPr lang="en-US" b="0" dirty="0" smtClean="0">
-                <a:solidFill>
-                  <a:schemeClr val="lt1"/>
-                </a:solidFill>
-                <a:latin typeface="Source Sans Pro" panose="020B0503030403020204" pitchFamily="34" charset="0"/>
-                <a:ea typeface="Source Sans Pro" panose="020B0503030403020204" pitchFamily="34" charset="0"/>
-              </a:rPr>
-              <a:t> </a:t>
-            </a:r>
-            <a:r>
-              <a:rPr lang="en-US" b="0" dirty="0" err="1" smtClean="0">
-                <a:solidFill>
-                  <a:schemeClr val="lt1"/>
-                </a:solidFill>
-                <a:latin typeface="Source Sans Pro" panose="020B0503030403020204" pitchFamily="34" charset="0"/>
-                <a:ea typeface="Source Sans Pro" panose="020B0503030403020204" pitchFamily="34" charset="0"/>
-              </a:rPr>
-              <a:t>Django</a:t>
-            </a:r>
-            <a:r>
-              <a:rPr lang="en-US" b="0" dirty="0" smtClean="0">
-                <a:solidFill>
-                  <a:schemeClr val="lt1"/>
-                </a:solidFill>
-                <a:latin typeface="Source Sans Pro" panose="020B0503030403020204" pitchFamily="34" charset="0"/>
-                <a:ea typeface="Source Sans Pro" panose="020B0503030403020204" pitchFamily="34" charset="0"/>
-              </a:rPr>
-              <a:t>(framework) </a:t>
-            </a:r>
-          </a:p>
-          <a:p>
-            <a:pPr marL="457200" lvl="0" indent="-355600">
-              <a:lnSpc>
-                <a:spcPct val="115000"/>
-              </a:lnSpc>
-              <a:spcBef>
-                <a:spcPts val="0"/>
-              </a:spcBef>
-              <a:spcAft>
-                <a:spcPts val="0"/>
-              </a:spcAft>
-              <a:buClr>
-                <a:schemeClr val="lt1"/>
-              </a:buClr>
-              <a:buSzPts val="2000"/>
-              <a:buFont typeface="Source Sans Pro"/>
-              <a:buChar char="●"/>
-            </a:pPr>
-            <a:r>
-              <a:rPr lang="en-US" b="0" dirty="0" smtClean="0">
-                <a:solidFill>
-                  <a:schemeClr val="lt1"/>
-                </a:solidFill>
-                <a:latin typeface="Source Sans Pro" panose="020B0503030403020204" pitchFamily="34" charset="0"/>
-                <a:ea typeface="Source Sans Pro" panose="020B0503030403020204" pitchFamily="34" charset="0"/>
-              </a:rPr>
-              <a:t>Random Forest Model(Machine Learning)</a:t>
-            </a:r>
-          </a:p>
-          <a:p>
-            <a:pPr marL="457200" lvl="0" indent="-355600">
-              <a:lnSpc>
-                <a:spcPct val="115000"/>
-              </a:lnSpc>
-              <a:spcBef>
-                <a:spcPts val="0"/>
-              </a:spcBef>
-              <a:spcAft>
-                <a:spcPts val="0"/>
-              </a:spcAft>
-              <a:buClr>
-                <a:schemeClr val="lt1"/>
-              </a:buClr>
-              <a:buSzPts val="2000"/>
-              <a:buFont typeface="Source Sans Pro"/>
-              <a:buChar char="●"/>
-            </a:pPr>
-            <a:r>
-              <a:rPr lang="en-US" b="0" dirty="0" err="1" smtClean="0">
-                <a:solidFill>
-                  <a:schemeClr val="lt1"/>
-                </a:solidFill>
-                <a:latin typeface="Source Sans Pro" panose="020B0503030403020204" pitchFamily="34" charset="0"/>
-                <a:ea typeface="Source Sans Pro" panose="020B0503030403020204" pitchFamily="34" charset="0"/>
-              </a:rPr>
-              <a:t>Yfinance</a:t>
-            </a:r>
-            <a:endParaRPr lang="en-US" b="0" dirty="0" smtClean="0">
-              <a:solidFill>
-                <a:schemeClr val="lt1"/>
-              </a:solidFill>
-              <a:latin typeface="Source Sans Pro" panose="020B0503030403020204" pitchFamily="34" charset="0"/>
-              <a:ea typeface="Source Sans Pro" panose="020B0503030403020204" pitchFamily="34" charset="0"/>
-            </a:endParaRPr>
-          </a:p>
-          <a:p>
-            <a:pPr marL="457200" lvl="0" indent="-355600">
-              <a:lnSpc>
-                <a:spcPct val="115000"/>
-              </a:lnSpc>
-              <a:spcBef>
-                <a:spcPts val="0"/>
-              </a:spcBef>
-              <a:spcAft>
-                <a:spcPts val="0"/>
-              </a:spcAft>
-              <a:buClr>
-                <a:schemeClr val="lt1"/>
-              </a:buClr>
-              <a:buSzPts val="2000"/>
-              <a:buFont typeface="Source Sans Pro"/>
-              <a:buChar char="●"/>
-            </a:pPr>
-            <a:r>
-              <a:rPr lang="en-US" b="0" dirty="0" err="1" smtClean="0">
-                <a:solidFill>
-                  <a:schemeClr val="lt1"/>
-                </a:solidFill>
-                <a:latin typeface="Source Sans Pro" panose="020B0503030403020204" pitchFamily="34" charset="0"/>
-                <a:ea typeface="Source Sans Pro" panose="020B0503030403020204" pitchFamily="34" charset="0"/>
-              </a:rPr>
-              <a:t>Jupyter</a:t>
-            </a:r>
-            <a:r>
-              <a:rPr lang="en-US" b="0" smtClean="0">
-                <a:solidFill>
-                  <a:schemeClr val="lt1"/>
-                </a:solidFill>
-                <a:latin typeface="Source Sans Pro" panose="020B0503030403020204" pitchFamily="34" charset="0"/>
-                <a:ea typeface="Source Sans Pro" panose="020B0503030403020204" pitchFamily="34" charset="0"/>
-              </a:rPr>
-              <a:t> Notebook</a:t>
-            </a:r>
-            <a:endParaRPr lang="en-US" b="0" dirty="0">
-              <a:solidFill>
-                <a:schemeClr val="lt1"/>
-              </a:solidFill>
-              <a:latin typeface="Source Sans Pro" panose="020B0503030403020204" pitchFamily="34" charset="0"/>
-              <a:ea typeface="Source Sans Pro" panose="020B0503030403020204" pitchFamily="34" charset="0"/>
-            </a:endParaRPr>
-          </a:p>
-        </p:txBody>
-      </p:sp>
-      <p:sp>
-        <p:nvSpPr>
-          <p:cNvPr id="3" name="Text Placeholder 2"/>
-          <p:cNvSpPr>
-            <a:spLocks noGrp="1"/>
-          </p:cNvSpPr>
-          <p:nvPr>
-            <p:ph type="body" sz="quarter" idx="11"/>
-          </p:nvPr>
-        </p:nvSpPr>
-        <p:spPr/>
-        <p:txBody>
-          <a:bodyPr/>
-          <a:lstStyle/>
-          <a:p>
-            <a:endParaRPr lang="en-US"/>
-          </a:p>
-        </p:txBody>
-      </p:sp>
-      <p:sp>
-        <p:nvSpPr>
-          <p:cNvPr id="4" name="Title 3"/>
-          <p:cNvSpPr>
-            <a:spLocks noGrp="1"/>
-          </p:cNvSpPr>
-          <p:nvPr>
-            <p:ph type="title"/>
-          </p:nvPr>
-        </p:nvSpPr>
-        <p:spPr/>
-        <p:txBody>
-          <a:bodyPr/>
-          <a:lstStyle/>
-          <a:p>
-            <a:endParaRPr lang="en-US"/>
-          </a:p>
-        </p:txBody>
-      </p:sp>
-    </p:spTree>
-    <p:extLst>
-      <p:ext uri="{BB962C8B-B14F-4D97-AF65-F5344CB8AC3E}">
-        <p14:creationId xmlns:p14="http://schemas.microsoft.com/office/powerpoint/2010/main" val="1266028320"/>
-      </p:ext>
-    </p:extLst>
-  </p:cSld>
-  <p:clrMapOvr>
-    <a:masterClrMapping/>
-  </p:clrMapOvr>
-</p:sld>
-</file>
-
-<file path=ppt/slides/slide7.xml><?xml version="1.0" encoding="utf-8"?>
-<p:sld xmlns:a="http://schemas.openxmlformats.org/drawingml/2006/main" xmlns:r="http://schemas.openxmlformats.org/officeDocument/2006/relationships" xmlns:p="http://schemas.openxmlformats.org/presentationml/2006/main">
-  <p:cSld>
-    <p:spTree>
-      <p:nvGrpSpPr>
-        <p:cNvPr id="1" name=""/>
-        <p:cNvGrpSpPr/>
-        <p:nvPr/>
-      </p:nvGrpSpPr>
-      <p:grpSpPr>
-        <a:xfrm>
-          <a:off x="0" y="0"/>
-          <a:ext cx="0" cy="0"/>
-          <a:chOff x="0" y="0"/>
-          <a:chExt cx="0" cy="0"/>
-        </a:xfrm>
-      </p:grpSpPr>
-      <p:sp>
-        <p:nvSpPr>
-          <p:cNvPr id="2" name="Content Placeholder 1"/>
-          <p:cNvSpPr>
-            <a:spLocks noGrp="1"/>
-          </p:cNvSpPr>
-          <p:nvPr>
-            <p:ph sz="quarter" idx="10"/>
-          </p:nvPr>
-        </p:nvSpPr>
-        <p:spPr/>
-        <p:txBody>
-          <a:bodyPr/>
-          <a:lstStyle/>
-          <a:p>
-            <a:pPr marL="457200" lvl="0" indent="-355600">
-              <a:lnSpc>
-                <a:spcPct val="115000"/>
-              </a:lnSpc>
-              <a:spcBef>
-                <a:spcPts val="0"/>
-              </a:spcBef>
-              <a:spcAft>
-                <a:spcPts val="0"/>
-              </a:spcAft>
-              <a:buClr>
-                <a:schemeClr val="lt1"/>
-              </a:buClr>
-              <a:buSzPts val="2000"/>
-              <a:buFont typeface="Source Sans Pro"/>
-              <a:buChar char="●"/>
-            </a:pPr>
-            <a:r>
-              <a:rPr lang="en-US" b="0" dirty="0">
-                <a:solidFill>
-                  <a:schemeClr val="lt1"/>
-                </a:solidFill>
-                <a:latin typeface="Source Sans Pro" panose="020B0503030403020204" pitchFamily="34" charset="0"/>
-                <a:ea typeface="Source Sans Pro" panose="020B0503030403020204" pitchFamily="34" charset="0"/>
-              </a:rPr>
-              <a:t>Frameworks/Technologies stacks to be used</a:t>
-            </a:r>
-          </a:p>
-          <a:p>
-            <a:pPr marL="457200" lvl="0" indent="-355600">
-              <a:lnSpc>
-                <a:spcPct val="115000"/>
-              </a:lnSpc>
-              <a:spcBef>
-                <a:spcPts val="0"/>
-              </a:spcBef>
-              <a:spcAft>
-                <a:spcPts val="0"/>
-              </a:spcAft>
-              <a:buClr>
-                <a:schemeClr val="lt1"/>
-              </a:buClr>
-              <a:buSzPts val="2000"/>
-              <a:buFont typeface="Source Sans Pro"/>
-              <a:buChar char="●"/>
-            </a:pPr>
-            <a:r>
-              <a:rPr lang="en-US" b="0" dirty="0">
-                <a:solidFill>
-                  <a:schemeClr val="lt1"/>
-                </a:solidFill>
-                <a:latin typeface="Source Sans Pro" panose="020B0503030403020204" pitchFamily="34" charset="0"/>
-                <a:ea typeface="Source Sans Pro" panose="020B0503030403020204" pitchFamily="34" charset="0"/>
-              </a:rPr>
-              <a:t>Assumptions, constraints, and solution decision points (Reason behind choosing a technology)</a:t>
-            </a:r>
-          </a:p>
-          <a:p>
-            <a:pPr marL="457200" lvl="0" indent="-355600">
-              <a:lnSpc>
-                <a:spcPct val="115000"/>
-              </a:lnSpc>
-              <a:spcBef>
-                <a:spcPts val="0"/>
-              </a:spcBef>
-              <a:spcAft>
-                <a:spcPts val="0"/>
-              </a:spcAft>
-              <a:buClr>
-                <a:schemeClr val="lt1"/>
-              </a:buClr>
-              <a:buSzPts val="2000"/>
-              <a:buFont typeface="Source Sans Pro"/>
-              <a:buChar char="●"/>
-            </a:pPr>
-            <a:r>
-              <a:rPr lang="en-US" b="0" dirty="0">
-                <a:solidFill>
-                  <a:schemeClr val="lt1"/>
-                </a:solidFill>
-                <a:latin typeface="Source Sans Pro" panose="020B0503030403020204" pitchFamily="34" charset="0"/>
-                <a:ea typeface="Source Sans Pro" panose="020B0503030403020204" pitchFamily="34" charset="0"/>
-              </a:rPr>
-              <a:t>How easily can your solution be implemented and how effective will it be?</a:t>
-            </a:r>
-          </a:p>
-          <a:p>
-            <a:pPr marL="457200" lvl="0" indent="-355600">
-              <a:lnSpc>
-                <a:spcPct val="115000"/>
-              </a:lnSpc>
-              <a:spcBef>
-                <a:spcPts val="0"/>
-              </a:spcBef>
-              <a:spcAft>
-                <a:spcPts val="0"/>
-              </a:spcAft>
-              <a:buClr>
-                <a:schemeClr val="lt1"/>
-              </a:buClr>
-              <a:buSzPts val="2000"/>
-              <a:buFont typeface="Source Sans Pro"/>
-              <a:buChar char="●"/>
-            </a:pPr>
-            <a:r>
-              <a:rPr lang="en-US" b="0" dirty="0">
-                <a:solidFill>
-                  <a:schemeClr val="lt1"/>
-                </a:solidFill>
-                <a:latin typeface="Source Sans Pro" panose="020B0503030403020204" pitchFamily="34" charset="0"/>
-                <a:ea typeface="Source Sans Pro" panose="020B0503030403020204" pitchFamily="34" charset="0"/>
-              </a:rPr>
-              <a:t>Extent of Scalability/Usability </a:t>
-            </a:r>
-            <a:endParaRPr lang="en-US" dirty="0">
-              <a:solidFill>
-                <a:schemeClr val="lt1"/>
-              </a:solidFill>
-              <a:latin typeface="Source Sans Pro" panose="020B0503030403020204" pitchFamily="34" charset="0"/>
-              <a:ea typeface="Source Sans Pro" panose="020B0503030403020204" pitchFamily="34" charset="0"/>
-            </a:endParaRPr>
-          </a:p>
-          <a:p>
-            <a:endParaRPr lang="en-US" dirty="0"/>
-          </a:p>
-        </p:txBody>
-      </p:sp>
-      <p:sp>
-        <p:nvSpPr>
-          <p:cNvPr id="3" name="Text Placeholder 2"/>
-          <p:cNvSpPr>
-            <a:spLocks noGrp="1"/>
-          </p:cNvSpPr>
-          <p:nvPr>
-            <p:ph type="body" sz="quarter" idx="11"/>
-          </p:nvPr>
-        </p:nvSpPr>
-        <p:spPr/>
-        <p:txBody>
-          <a:bodyPr/>
-          <a:lstStyle/>
-          <a:p>
-            <a:endParaRPr lang="en-US"/>
-          </a:p>
-        </p:txBody>
-      </p:sp>
-      <p:sp>
-        <p:nvSpPr>
-          <p:cNvPr id="4" name="Title 3"/>
-          <p:cNvSpPr>
-            <a:spLocks noGrp="1"/>
-          </p:cNvSpPr>
-          <p:nvPr>
-            <p:ph type="title"/>
-          </p:nvPr>
-        </p:nvSpPr>
-        <p:spPr/>
-        <p:txBody>
-          <a:bodyPr/>
-          <a:lstStyle/>
-          <a:p>
-            <a:endParaRPr lang="en-US"/>
-          </a:p>
-        </p:txBody>
-      </p:sp>
-    </p:spTree>
-    <p:extLst>
-      <p:ext uri="{BB962C8B-B14F-4D97-AF65-F5344CB8AC3E}">
-        <p14:creationId xmlns:p14="http://schemas.microsoft.com/office/powerpoint/2010/main" val="635351388"/>
-      </p:ext>
-    </p:extLst>
-  </p:cSld>
-  <p:clrMapOvr>
-    <a:masterClrMapping/>
-  </p:clrMapOvr>
-</p:sld>
-</file>
-
-<file path=ppt/slides/slide8.xml><?xml version="1.0" encoding="utf-8"?>
-<p:sld xmlns:a="http://schemas.openxmlformats.org/drawingml/2006/main" xmlns:r="http://schemas.openxmlformats.org/officeDocument/2006/relationships" xmlns:p="http://schemas.openxmlformats.org/presentationml/2006/main">
-  <p:cSld>
-    <p:spTree>
-      <p:nvGrpSpPr>
-        <p:cNvPr id="1" name=""/>
-        <p:cNvGrpSpPr/>
-        <p:nvPr/>
-      </p:nvGrpSpPr>
-      <p:grpSpPr>
-        <a:xfrm>
-          <a:off x="0" y="0"/>
-          <a:ext cx="0" cy="0"/>
-          <a:chOff x="0" y="0"/>
-          <a:chExt cx="0" cy="0"/>
-        </a:xfrm>
-      </p:grpSpPr>
-      <p:sp>
-        <p:nvSpPr>
-          <p:cNvPr id="6" name="Content Placeholder 5">
-            <a:extLst>
-              <a:ext uri="{FF2B5EF4-FFF2-40B4-BE49-F238E27FC236}">
-                <a16:creationId xmlns:a16="http://schemas.microsoft.com/office/drawing/2014/main" xmlns="" id="{FE55FF28-C028-47D8-9756-B328A54414D7}"/>
-              </a:ext>
-            </a:extLst>
-          </p:cNvPr>
-          <p:cNvSpPr>
-            <a:spLocks noGrp="1"/>
-          </p:cNvSpPr>
-          <p:nvPr>
-            <p:ph sz="quarter" idx="10"/>
-          </p:nvPr>
-        </p:nvSpPr>
-        <p:spPr/>
-        <p:txBody>
-          <a:bodyPr vert="horz" lIns="0" tIns="0" rIns="0" bIns="0" rtlCol="0" anchor="t">
-            <a:noAutofit/>
-          </a:bodyPr>
-          <a:lstStyle/>
-          <a:p>
-            <a:r>
-              <a:rPr lang="en-US" b="0" dirty="0"/>
-              <a:t>What is an architecture diagram?</a:t>
-            </a:r>
-          </a:p>
-          <a:p>
-            <a:pPr lvl="1"/>
-            <a:r>
-              <a:rPr lang="en-US" dirty="0"/>
-              <a:t>An architecture diagram is a graphical representation of a set of concepts, that are part of an architecture, including their principles, elements and components. It includes:</a:t>
-            </a:r>
-          </a:p>
-          <a:p>
-            <a:pPr marL="457200" lvl="0" indent="-355600">
-              <a:lnSpc>
-                <a:spcPct val="115000"/>
-              </a:lnSpc>
-              <a:spcBef>
-                <a:spcPts val="600"/>
-              </a:spcBef>
-              <a:spcAft>
-                <a:spcPts val="0"/>
-              </a:spcAft>
-              <a:buClr>
-                <a:schemeClr val="lt1"/>
-              </a:buClr>
-              <a:buSzPts val="2000"/>
-              <a:buFont typeface="Source Sans Pro"/>
-              <a:buChar char="●"/>
-            </a:pPr>
-            <a:r>
-              <a:rPr lang="en-US" b="0" dirty="0">
-                <a:solidFill>
-                  <a:schemeClr val="lt1"/>
-                </a:solidFill>
-              </a:rPr>
-              <a:t>Flow Chart</a:t>
-            </a:r>
-          </a:p>
-          <a:p>
-            <a:pPr marL="457200" lvl="0" indent="-355600">
-              <a:lnSpc>
-                <a:spcPct val="115000"/>
-              </a:lnSpc>
-              <a:spcBef>
-                <a:spcPts val="0"/>
-              </a:spcBef>
-              <a:spcAft>
-                <a:spcPts val="0"/>
-              </a:spcAft>
-              <a:buClr>
-                <a:schemeClr val="lt1"/>
-              </a:buClr>
-              <a:buSzPts val="2000"/>
-              <a:buFont typeface="Source Sans Pro"/>
-              <a:buChar char="●"/>
-            </a:pPr>
-            <a:r>
-              <a:rPr lang="en-US" b="0" dirty="0">
-                <a:solidFill>
-                  <a:schemeClr val="lt1"/>
-                </a:solidFill>
-              </a:rPr>
-              <a:t>Wireframes</a:t>
-            </a:r>
-          </a:p>
-          <a:p>
-            <a:pPr marL="457200" lvl="0" indent="-355600">
-              <a:lnSpc>
-                <a:spcPct val="115000"/>
-              </a:lnSpc>
-              <a:spcBef>
-                <a:spcPts val="0"/>
-              </a:spcBef>
-              <a:spcAft>
-                <a:spcPts val="0"/>
-              </a:spcAft>
-              <a:buClr>
-                <a:schemeClr val="lt1"/>
-              </a:buClr>
-              <a:buSzPts val="2000"/>
-              <a:buFont typeface="Source Sans Pro"/>
-              <a:buChar char="●"/>
-            </a:pPr>
-            <a:r>
-              <a:rPr lang="en-US" b="0" dirty="0">
-                <a:solidFill>
-                  <a:schemeClr val="lt1"/>
-                </a:solidFill>
-              </a:rPr>
-              <a:t>Graphical representation</a:t>
-            </a:r>
-            <a:r>
-              <a:rPr lang="en-US" dirty="0">
-                <a:solidFill>
-                  <a:schemeClr val="lt1"/>
-                </a:solidFill>
-              </a:rPr>
-              <a:t> </a:t>
-            </a:r>
-            <a:r>
-              <a:rPr lang="en-US" b="0" dirty="0">
-                <a:solidFill>
-                  <a:schemeClr val="lt1"/>
-                </a:solidFill>
-              </a:rPr>
-              <a:t>(Bar graph, Histogram, Pie charts, Heat maps)</a:t>
-            </a:r>
-          </a:p>
-          <a:p>
-            <a:pPr marL="457200" lvl="0" indent="-355600">
-              <a:lnSpc>
-                <a:spcPct val="115000"/>
-              </a:lnSpc>
-              <a:spcBef>
-                <a:spcPts val="0"/>
-              </a:spcBef>
-              <a:spcAft>
-                <a:spcPts val="0"/>
-              </a:spcAft>
-              <a:buClr>
-                <a:schemeClr val="lt1"/>
-              </a:buClr>
-              <a:buSzPts val="2000"/>
-              <a:buFont typeface="Source Sans Pro"/>
-              <a:buChar char="●"/>
-            </a:pPr>
-            <a:r>
-              <a:rPr lang="en-US" b="0" dirty="0">
-                <a:solidFill>
-                  <a:schemeClr val="lt1"/>
-                </a:solidFill>
-              </a:rPr>
-              <a:t>Prototype (Screenshot, Screencast, Image, Video, etc.) –</a:t>
-            </a:r>
-            <a:r>
-              <a:rPr lang="en-US" b="0" i="1" dirty="0">
-                <a:solidFill>
-                  <a:schemeClr val="lt1"/>
-                </a:solidFill>
-              </a:rPr>
-              <a:t>optional</a:t>
-            </a:r>
-            <a:r>
-              <a:rPr lang="en-US" i="1" dirty="0">
-                <a:solidFill>
-                  <a:schemeClr val="lt1"/>
-                </a:solidFill>
-              </a:rPr>
-              <a:t/>
-            </a:r>
-            <a:br>
-              <a:rPr lang="en-US" i="1" dirty="0">
-                <a:solidFill>
-                  <a:schemeClr val="lt1"/>
-                </a:solidFill>
-              </a:rPr>
-            </a:br>
-            <a:r>
-              <a:rPr lang="en-US" b="0" i="1" dirty="0">
-                <a:solidFill>
-                  <a:schemeClr val="accent3"/>
-                </a:solidFill>
-              </a:rPr>
-              <a:t>[Include concept, principles, elements and components]</a:t>
-            </a:r>
-          </a:p>
-          <a:p>
-            <a:pPr lvl="0">
-              <a:lnSpc>
-                <a:spcPct val="115000"/>
-              </a:lnSpc>
-              <a:spcBef>
-                <a:spcPts val="0"/>
-              </a:spcBef>
-              <a:spcAft>
-                <a:spcPts val="0"/>
-              </a:spcAft>
-            </a:pPr>
-            <a:endParaRPr lang="en-US" b="0" i="1" dirty="0">
-              <a:solidFill>
-                <a:schemeClr val="lt1"/>
-              </a:solidFill>
-            </a:endParaRPr>
-          </a:p>
-          <a:p>
-            <a:pPr lvl="0">
-              <a:lnSpc>
-                <a:spcPct val="115000"/>
-              </a:lnSpc>
-              <a:spcBef>
-                <a:spcPts val="0"/>
-              </a:spcBef>
-              <a:spcAft>
-                <a:spcPts val="0"/>
-              </a:spcAft>
-              <a:buClr>
-                <a:srgbClr val="000000"/>
-              </a:buClr>
-              <a:buSzPts val="1800"/>
-            </a:pPr>
-            <a:r>
-              <a:rPr lang="en-US" b="0" dirty="0">
-                <a:solidFill>
-                  <a:schemeClr val="lt1"/>
-                </a:solidFill>
-              </a:rPr>
-              <a:t>Please note: Upload the documents (</a:t>
-            </a:r>
-            <a:r>
-              <a:rPr lang="en-US" b="0" dirty="0" err="1">
-                <a:solidFill>
-                  <a:schemeClr val="lt1"/>
-                </a:solidFill>
-              </a:rPr>
-              <a:t>eg</a:t>
-            </a:r>
-            <a:r>
-              <a:rPr lang="en-US" b="0" dirty="0">
-                <a:solidFill>
-                  <a:schemeClr val="lt1"/>
-                </a:solidFill>
-              </a:rPr>
-              <a:t>: .pdf, .docx, .</a:t>
-            </a:r>
-            <a:r>
-              <a:rPr lang="en-US" b="0" dirty="0" err="1">
-                <a:solidFill>
-                  <a:schemeClr val="lt1"/>
-                </a:solidFill>
-              </a:rPr>
-              <a:t>vsd</a:t>
-            </a:r>
-            <a:r>
-              <a:rPr lang="en-US" b="0" dirty="0">
-                <a:solidFill>
-                  <a:schemeClr val="lt1"/>
-                </a:solidFill>
-              </a:rPr>
-              <a:t>, etc.) directly on the platform. However, the links can be inserted/attached in this PowerPoint template. </a:t>
-            </a:r>
-            <a:endParaRPr lang="en-US" b="0" i="1" dirty="0">
-              <a:solidFill>
-                <a:schemeClr val="lt1"/>
-              </a:solidFill>
-            </a:endParaRPr>
-          </a:p>
-          <a:p>
-            <a:pPr lvl="1"/>
-            <a:endParaRPr lang="en-US" dirty="0"/>
-          </a:p>
-        </p:txBody>
-      </p:sp>
-      <p:sp>
-        <p:nvSpPr>
-          <p:cNvPr id="7" name="Text Placeholder 6">
-            <a:extLst>
-              <a:ext uri="{FF2B5EF4-FFF2-40B4-BE49-F238E27FC236}">
-                <a16:creationId xmlns:a16="http://schemas.microsoft.com/office/drawing/2014/main" xmlns="" id="{DF4F97D9-E7D7-4E85-BB50-C87C7BB6F961}"/>
-              </a:ext>
-            </a:extLst>
-          </p:cNvPr>
-          <p:cNvSpPr>
-            <a:spLocks noGrp="1"/>
-          </p:cNvSpPr>
-          <p:nvPr>
-            <p:ph type="body" sz="quarter" idx="11"/>
-          </p:nvPr>
-        </p:nvSpPr>
-        <p:spPr/>
-        <p:txBody>
-          <a:bodyPr/>
-          <a:lstStyle/>
-          <a:p>
-            <a:endParaRPr lang="en-IN"/>
-          </a:p>
-        </p:txBody>
-      </p:sp>
-      <p:sp>
-        <p:nvSpPr>
-          <p:cNvPr id="4" name="Title 3">
-            <a:extLst>
-              <a:ext uri="{FF2B5EF4-FFF2-40B4-BE49-F238E27FC236}">
-                <a16:creationId xmlns:a16="http://schemas.microsoft.com/office/drawing/2014/main" xmlns="" id="{6B1011D3-A8C8-44CC-8836-11626D436C26}"/>
-              </a:ext>
-            </a:extLst>
-          </p:cNvPr>
-          <p:cNvSpPr>
-            <a:spLocks noGrp="1"/>
-          </p:cNvSpPr>
-          <p:nvPr>
-            <p:ph type="title"/>
-          </p:nvPr>
-        </p:nvSpPr>
-        <p:spPr>
-          <a:xfrm>
-            <a:off x="432000" y="759866"/>
-            <a:ext cx="12578399" cy="379263"/>
-          </a:xfrm>
-        </p:spPr>
-        <p:txBody>
-          <a:bodyPr/>
-          <a:lstStyle/>
-          <a:p>
-            <a:r>
-              <a:rPr lang="en-US" dirty="0"/>
-              <a:t>Methodology / </a:t>
-            </a:r>
-            <a:r>
-              <a:rPr lang="en-IN" dirty="0"/>
-              <a:t>Architecture diagram </a:t>
-            </a:r>
-          </a:p>
-        </p:txBody>
-      </p:sp>
-    </p:spTree>
-    <p:extLst>
-      <p:ext uri="{BB962C8B-B14F-4D97-AF65-F5344CB8AC3E}">
-        <p14:creationId xmlns:p14="http://schemas.microsoft.com/office/powerpoint/2010/main" val="2437973063"/>
-      </p:ext>
-    </p:extLst>
-  </p:cSld>
-  <p:clrMapOvr>
-    <a:masterClrMapping/>
-  </p:clrMapOvr>
-</p:sld>
-</file>
-
-<file path=ppt/slides/slide9.xml><?xml version="1.0" encoding="utf-8"?>
-<p:sld xmlns:a="http://schemas.openxmlformats.org/drawingml/2006/main" xmlns:r="http://schemas.openxmlformats.org/officeDocument/2006/relationships" xmlns:p="http://schemas.openxmlformats.org/presentationml/2006/main">
-  <p:cSld>
-    <p:spTree>
-      <p:nvGrpSpPr>
-        <p:cNvPr id="1" name=""/>
-        <p:cNvGrpSpPr/>
-        <p:nvPr/>
-      </p:nvGrpSpPr>
-      <p:grpSpPr>
-        <a:xfrm>
-          <a:off x="0" y="0"/>
-          <a:ext cx="0" cy="0"/>
-          <a:chOff x="0" y="0"/>
-          <a:chExt cx="0" cy="0"/>
-        </a:xfrm>
-      </p:grpSpPr>
-      <p:sp>
-        <p:nvSpPr>
           <p:cNvPr id="6" name="Content Placeholder 5">
             <a:extLst>
               <a:ext uri="{FF2B5EF4-FFF2-40B4-BE49-F238E27FC236}">
@@ -18542,6 +16604,2116 @@
     <p:extLst>
       <p:ext uri="{BB962C8B-B14F-4D97-AF65-F5344CB8AC3E}">
         <p14:creationId xmlns:p14="http://schemas.microsoft.com/office/powerpoint/2010/main" val="902599807"/>
+      </p:ext>
+    </p:extLst>
+  </p:cSld>
+  <p:clrMapOvr>
+    <a:masterClrMapping/>
+  </p:clrMapOvr>
+</p:sld>
+</file>
+
+<file path=ppt/slides/slide11.xml><?xml version="1.0" encoding="utf-8"?>
+<p:sld xmlns:a="http://schemas.openxmlformats.org/drawingml/2006/main" xmlns:r="http://schemas.openxmlformats.org/officeDocument/2006/relationships" xmlns:p="http://schemas.openxmlformats.org/presentationml/2006/main">
+  <p:cSld>
+    <p:spTree>
+      <p:nvGrpSpPr>
+        <p:cNvPr id="1" name=""/>
+        <p:cNvGrpSpPr/>
+        <p:nvPr/>
+      </p:nvGrpSpPr>
+      <p:grpSpPr>
+        <a:xfrm>
+          <a:off x="0" y="0"/>
+          <a:ext cx="0" cy="0"/>
+          <a:chOff x="0" y="0"/>
+          <a:chExt cx="0" cy="0"/>
+        </a:xfrm>
+      </p:grpSpPr>
+      <p:sp>
+        <p:nvSpPr>
+          <p:cNvPr id="3" name="TextBox 2">
+            <a:extLst>
+              <a:ext uri="{FF2B5EF4-FFF2-40B4-BE49-F238E27FC236}">
+                <a16:creationId xmlns:a16="http://schemas.microsoft.com/office/drawing/2014/main" xmlns="" id="{9FF0EB6C-85EC-40B2-BF07-371E7E2D5C81}"/>
+              </a:ext>
+            </a:extLst>
+          </p:cNvPr>
+          <p:cNvSpPr txBox="1"/>
+          <p:nvPr/>
+        </p:nvSpPr>
+        <p:spPr>
+          <a:xfrm>
+            <a:off x="5846075" y="3531272"/>
+            <a:ext cx="1750800" cy="498719"/>
+          </a:xfrm>
+          <a:prstGeom prst="rect">
+            <a:avLst/>
+          </a:prstGeom>
+          <a:noFill/>
+        </p:spPr>
+        <p:txBody>
+          <a:bodyPr wrap="square" anchor="ctr">
+            <a:spAutoFit/>
+          </a:bodyPr>
+          <a:lstStyle/>
+          <a:p>
+            <a:pPr algn="ctr"/>
+            <a:r>
+              <a:rPr lang="en-US" sz="2400" b="1" i="0" u="none" strike="noStrike" cap="none" dirty="0">
+                <a:solidFill>
+                  <a:schemeClr val="tx2"/>
+                </a:solidFill>
+                <a:latin typeface="+mj-lt"/>
+                <a:ea typeface="Calibri"/>
+                <a:cs typeface="Calibri"/>
+                <a:sym typeface="Calibri"/>
+              </a:rPr>
+              <a:t>Thank You</a:t>
+            </a:r>
+            <a:endParaRPr lang="en-IN" sz="2400" b="1" dirty="0">
+              <a:solidFill>
+                <a:schemeClr val="tx2"/>
+              </a:solidFill>
+              <a:latin typeface="+mj-lt"/>
+            </a:endParaRPr>
+          </a:p>
+        </p:txBody>
+      </p:sp>
+    </p:spTree>
+    <p:custDataLst>
+      <p:custData r:id="rId1"/>
+      <p:custData r:id="rId2"/>
+      <p:tags r:id="rId3"/>
+    </p:custDataLst>
+    <p:extLst>
+      <p:ext uri="{BB962C8B-B14F-4D97-AF65-F5344CB8AC3E}">
+        <p14:creationId xmlns:p14="http://schemas.microsoft.com/office/powerpoint/2010/main" val="498473324"/>
+      </p:ext>
+    </p:extLst>
+  </p:cSld>
+  <p:clrMapOvr>
+    <a:masterClrMapping/>
+  </p:clrMapOvr>
+</p:sld>
+</file>
+
+<file path=ppt/slides/slide12.xml><?xml version="1.0" encoding="utf-8"?>
+<p:sld xmlns:a="http://schemas.openxmlformats.org/drawingml/2006/main" xmlns:r="http://schemas.openxmlformats.org/officeDocument/2006/relationships" xmlns:p="http://schemas.openxmlformats.org/presentationml/2006/main">
+  <p:cSld>
+    <p:spTree>
+      <p:nvGrpSpPr>
+        <p:cNvPr id="1" name=""/>
+        <p:cNvGrpSpPr/>
+        <p:nvPr/>
+      </p:nvGrpSpPr>
+      <p:grpSpPr>
+        <a:xfrm>
+          <a:off x="0" y="0"/>
+          <a:ext cx="0" cy="0"/>
+          <a:chOff x="0" y="0"/>
+          <a:chExt cx="0" cy="0"/>
+        </a:xfrm>
+      </p:grpSpPr>
+    </p:spTree>
+    <p:custDataLst>
+      <p:custData r:id="rId1"/>
+      <p:custData r:id="rId2"/>
+      <p:tags r:id="rId3"/>
+    </p:custDataLst>
+    <p:extLst>
+      <p:ext uri="{BB962C8B-B14F-4D97-AF65-F5344CB8AC3E}">
+        <p14:creationId xmlns:p14="http://schemas.microsoft.com/office/powerpoint/2010/main" val="1772017836"/>
+      </p:ext>
+    </p:extLst>
+  </p:cSld>
+  <p:clrMapOvr>
+    <a:masterClrMapping/>
+  </p:clrMapOvr>
+</p:sld>
+</file>
+
+<file path=ppt/slides/slide2.xml><?xml version="1.0" encoding="utf-8"?>
+<p:sld xmlns:a="http://schemas.openxmlformats.org/drawingml/2006/main" xmlns:r="http://schemas.openxmlformats.org/officeDocument/2006/relationships" xmlns:p="http://schemas.openxmlformats.org/presentationml/2006/main">
+  <p:cSld>
+    <p:spTree>
+      <p:nvGrpSpPr>
+        <p:cNvPr id="1" name=""/>
+        <p:cNvGrpSpPr/>
+        <p:nvPr/>
+      </p:nvGrpSpPr>
+      <p:grpSpPr>
+        <a:xfrm>
+          <a:off x="0" y="0"/>
+          <a:ext cx="0" cy="0"/>
+          <a:chOff x="0" y="0"/>
+          <a:chExt cx="0" cy="0"/>
+        </a:xfrm>
+      </p:grpSpPr>
+      <p:sp>
+        <p:nvSpPr>
+          <p:cNvPr id="5" name="Content Placeholder 4">
+            <a:extLst>
+              <a:ext uri="{FF2B5EF4-FFF2-40B4-BE49-F238E27FC236}">
+                <a16:creationId xmlns:a16="http://schemas.microsoft.com/office/drawing/2014/main" xmlns="" id="{4EC3F976-E1E7-4CF2-BD94-927D8E55F7BE}"/>
+              </a:ext>
+            </a:extLst>
+          </p:cNvPr>
+          <p:cNvSpPr>
+            <a:spLocks noGrp="1"/>
+          </p:cNvSpPr>
+          <p:nvPr>
+            <p:ph sz="quarter" idx="10"/>
+          </p:nvPr>
+        </p:nvSpPr>
+        <p:spPr/>
+        <p:txBody>
+          <a:bodyPr/>
+          <a:lstStyle/>
+          <a:p>
+            <a:pPr lvl="2"/>
+            <a:r>
+              <a:rPr lang="en-US" dirty="0" smtClean="0"/>
+              <a:t>Aditya Sharma (</a:t>
+            </a:r>
+            <a:r>
+              <a:rPr lang="en-US" dirty="0" err="1" smtClean="0"/>
+              <a:t>github</a:t>
+            </a:r>
+            <a:r>
+              <a:rPr lang="en-US" dirty="0" smtClean="0"/>
+              <a:t>:-Aditya-</a:t>
+            </a:r>
+            <a:r>
+              <a:rPr lang="en-US" dirty="0" err="1" smtClean="0"/>
+              <a:t>aot</a:t>
+            </a:r>
+            <a:r>
+              <a:rPr lang="en-US" dirty="0" smtClean="0"/>
+              <a:t>)</a:t>
+            </a:r>
+            <a:endParaRPr lang="en-US" dirty="0" smtClean="0"/>
+          </a:p>
+          <a:p>
+            <a:r>
+              <a:rPr lang="en-US" dirty="0" smtClean="0"/>
+              <a:t>Theme Name: </a:t>
+            </a:r>
+            <a:r>
+              <a:rPr lang="en-US" b="0" dirty="0" smtClean="0">
+                <a:solidFill>
+                  <a:schemeClr val="tx2"/>
+                </a:solidFill>
+              </a:rPr>
+              <a:t>Theme1, </a:t>
+            </a:r>
+            <a:r>
+              <a:rPr lang="en-US" b="0" dirty="0" err="1" smtClean="0">
+                <a:solidFill>
+                  <a:schemeClr val="tx2"/>
+                </a:solidFill>
+              </a:rPr>
+              <a:t>Fintech</a:t>
+            </a:r>
+            <a:endParaRPr lang="en-US" b="0" dirty="0" smtClean="0">
+              <a:solidFill>
+                <a:schemeClr val="tx2"/>
+              </a:solidFill>
+            </a:endParaRPr>
+          </a:p>
+          <a:p>
+            <a:pPr marL="0" lvl="2" indent="0">
+              <a:buNone/>
+            </a:pPr>
+            <a:endParaRPr lang="en-US" dirty="0"/>
+          </a:p>
+          <a:p>
+            <a:pPr lvl="2"/>
+            <a:endParaRPr lang="en-IN" dirty="0"/>
+          </a:p>
+        </p:txBody>
+      </p:sp>
+      <p:sp>
+        <p:nvSpPr>
+          <p:cNvPr id="6" name="Text Placeholder 5">
+            <a:extLst>
+              <a:ext uri="{FF2B5EF4-FFF2-40B4-BE49-F238E27FC236}">
+                <a16:creationId xmlns:a16="http://schemas.microsoft.com/office/drawing/2014/main" xmlns="" id="{EC92A883-2BB8-4C3C-869D-59AFEE855F42}"/>
+              </a:ext>
+            </a:extLst>
+          </p:cNvPr>
+          <p:cNvSpPr>
+            <a:spLocks noGrp="1"/>
+          </p:cNvSpPr>
+          <p:nvPr>
+            <p:ph type="body" sz="quarter" idx="11"/>
+          </p:nvPr>
+        </p:nvSpPr>
+        <p:spPr/>
+        <p:txBody>
+          <a:bodyPr/>
+          <a:lstStyle/>
+          <a:p>
+            <a:endParaRPr lang="en-IN"/>
+          </a:p>
+        </p:txBody>
+      </p:sp>
+      <p:sp>
+        <p:nvSpPr>
+          <p:cNvPr id="4" name="Title 3">
+            <a:extLst>
+              <a:ext uri="{FF2B5EF4-FFF2-40B4-BE49-F238E27FC236}">
+                <a16:creationId xmlns:a16="http://schemas.microsoft.com/office/drawing/2014/main" xmlns="" id="{83193F15-4DFB-4610-9AB4-8B3683393801}"/>
+              </a:ext>
+            </a:extLst>
+          </p:cNvPr>
+          <p:cNvSpPr>
+            <a:spLocks noGrp="1"/>
+          </p:cNvSpPr>
+          <p:nvPr>
+            <p:ph type="title"/>
+          </p:nvPr>
+        </p:nvSpPr>
+        <p:spPr/>
+        <p:txBody>
+          <a:bodyPr/>
+          <a:lstStyle/>
+          <a:p>
+            <a:r>
+              <a:rPr lang="en-US" dirty="0"/>
+              <a:t>Team name and member details</a:t>
+            </a:r>
+            <a:endParaRPr lang="en-IN" dirty="0"/>
+          </a:p>
+        </p:txBody>
+      </p:sp>
+    </p:spTree>
+    <p:extLst>
+      <p:ext uri="{BB962C8B-B14F-4D97-AF65-F5344CB8AC3E}">
+        <p14:creationId xmlns:p14="http://schemas.microsoft.com/office/powerpoint/2010/main" val="195361357"/>
+      </p:ext>
+    </p:extLst>
+  </p:cSld>
+  <p:clrMapOvr>
+    <a:masterClrMapping/>
+  </p:clrMapOvr>
+</p:sld>
+</file>
+
+<file path=ppt/slides/slide3.xml><?xml version="1.0" encoding="utf-8"?>
+<p:sld xmlns:a="http://schemas.openxmlformats.org/drawingml/2006/main" xmlns:r="http://schemas.openxmlformats.org/officeDocument/2006/relationships" xmlns:p="http://schemas.openxmlformats.org/presentationml/2006/main">
+  <p:cSld>
+    <p:spTree>
+      <p:nvGrpSpPr>
+        <p:cNvPr id="1" name=""/>
+        <p:cNvGrpSpPr/>
+        <p:nvPr/>
+      </p:nvGrpSpPr>
+      <p:grpSpPr>
+        <a:xfrm>
+          <a:off x="0" y="0"/>
+          <a:ext cx="0" cy="0"/>
+          <a:chOff x="0" y="0"/>
+          <a:chExt cx="0" cy="0"/>
+        </a:xfrm>
+      </p:grpSpPr>
+      <p:sp>
+        <p:nvSpPr>
+          <p:cNvPr id="5" name="Content Placeholder 4">
+            <a:extLst>
+              <a:ext uri="{FF2B5EF4-FFF2-40B4-BE49-F238E27FC236}">
+                <a16:creationId xmlns:a16="http://schemas.microsoft.com/office/drawing/2014/main" xmlns="" id="{4EC3F976-E1E7-4CF2-BD94-927D8E55F7BE}"/>
+              </a:ext>
+            </a:extLst>
+          </p:cNvPr>
+          <p:cNvSpPr>
+            <a:spLocks noGrp="1"/>
+          </p:cNvSpPr>
+          <p:nvPr>
+            <p:ph sz="quarter" idx="10"/>
+          </p:nvPr>
+        </p:nvSpPr>
+        <p:spPr/>
+        <p:txBody>
+          <a:bodyPr/>
+          <a:lstStyle/>
+          <a:p>
+            <a:pPr lvl="2"/>
+            <a:r>
+              <a:rPr lang="en-US" dirty="0"/>
+              <a:t>Define the exact </a:t>
+            </a:r>
+            <a:r>
+              <a:rPr lang="en-US" b="1" dirty="0">
+                <a:solidFill>
+                  <a:srgbClr val="F9AE91"/>
+                </a:solidFill>
+              </a:rPr>
+              <a:t>PROBLEM</a:t>
+            </a:r>
+            <a:r>
+              <a:rPr lang="en-US" dirty="0"/>
+              <a:t> that you intend to solve. </a:t>
+            </a:r>
+          </a:p>
+          <a:p>
+            <a:pPr lvl="2"/>
+            <a:r>
+              <a:rPr lang="en-US" dirty="0"/>
+              <a:t>[Not more than 250 words</a:t>
+            </a:r>
+            <a:r>
+              <a:rPr lang="en-US" dirty="0" smtClean="0"/>
+              <a:t>]</a:t>
+            </a:r>
+          </a:p>
+          <a:p>
+            <a:pPr lvl="2"/>
+            <a:r>
+              <a:rPr lang="en-US" dirty="0"/>
+              <a:t>the Objective of this </a:t>
+            </a:r>
+            <a:r>
+              <a:rPr lang="en-US" dirty="0" err="1"/>
+              <a:t>webapp</a:t>
+            </a:r>
+            <a:r>
+              <a:rPr lang="en-US" dirty="0"/>
+              <a:t> is to guide new students into finance ,as finance are one of those topic which are not properly teach at school/collage and as we grow up a proper information about finance is very </a:t>
+            </a:r>
+            <a:r>
+              <a:rPr lang="en-US" dirty="0" err="1"/>
+              <a:t>imprtant</a:t>
+            </a:r>
+            <a:r>
+              <a:rPr lang="en-US" dirty="0"/>
+              <a:t> .</a:t>
+            </a:r>
+          </a:p>
+          <a:p>
+            <a:pPr lvl="2"/>
+            <a:endParaRPr lang="en-US" dirty="0"/>
+          </a:p>
+        </p:txBody>
+      </p:sp>
+      <p:sp>
+        <p:nvSpPr>
+          <p:cNvPr id="6" name="Text Placeholder 5">
+            <a:extLst>
+              <a:ext uri="{FF2B5EF4-FFF2-40B4-BE49-F238E27FC236}">
+                <a16:creationId xmlns:a16="http://schemas.microsoft.com/office/drawing/2014/main" xmlns="" id="{EC92A883-2BB8-4C3C-869D-59AFEE855F42}"/>
+              </a:ext>
+            </a:extLst>
+          </p:cNvPr>
+          <p:cNvSpPr>
+            <a:spLocks noGrp="1"/>
+          </p:cNvSpPr>
+          <p:nvPr>
+            <p:ph type="body" sz="quarter" idx="11"/>
+          </p:nvPr>
+        </p:nvSpPr>
+        <p:spPr/>
+        <p:txBody>
+          <a:bodyPr/>
+          <a:lstStyle/>
+          <a:p>
+            <a:endParaRPr lang="en-IN"/>
+          </a:p>
+        </p:txBody>
+      </p:sp>
+      <p:sp>
+        <p:nvSpPr>
+          <p:cNvPr id="4" name="Title 3">
+            <a:extLst>
+              <a:ext uri="{FF2B5EF4-FFF2-40B4-BE49-F238E27FC236}">
+                <a16:creationId xmlns:a16="http://schemas.microsoft.com/office/drawing/2014/main" xmlns="" id="{83193F15-4DFB-4610-9AB4-8B3683393801}"/>
+              </a:ext>
+            </a:extLst>
+          </p:cNvPr>
+          <p:cNvSpPr>
+            <a:spLocks noGrp="1"/>
+          </p:cNvSpPr>
+          <p:nvPr>
+            <p:ph type="title"/>
+          </p:nvPr>
+        </p:nvSpPr>
+        <p:spPr/>
+        <p:txBody>
+          <a:bodyPr/>
+          <a:lstStyle/>
+          <a:p>
+            <a:r>
+              <a:rPr lang="en-US" dirty="0"/>
+              <a:t>Problem statement</a:t>
+            </a:r>
+            <a:endParaRPr lang="en-IN" dirty="0"/>
+          </a:p>
+        </p:txBody>
+      </p:sp>
+    </p:spTree>
+    <p:extLst>
+      <p:ext uri="{BB962C8B-B14F-4D97-AF65-F5344CB8AC3E}">
+        <p14:creationId xmlns:p14="http://schemas.microsoft.com/office/powerpoint/2010/main" val="3376612821"/>
+      </p:ext>
+    </p:extLst>
+  </p:cSld>
+  <p:clrMapOvr>
+    <a:masterClrMapping/>
+  </p:clrMapOvr>
+</p:sld>
+</file>
+
+<file path=ppt/slides/slide4.xml><?xml version="1.0" encoding="utf-8"?>
+<p:sld xmlns:a="http://schemas.openxmlformats.org/drawingml/2006/main" xmlns:r="http://schemas.openxmlformats.org/officeDocument/2006/relationships" xmlns:p="http://schemas.openxmlformats.org/presentationml/2006/main">
+  <p:cSld>
+    <p:spTree>
+      <p:nvGrpSpPr>
+        <p:cNvPr id="1" name=""/>
+        <p:cNvGrpSpPr/>
+        <p:nvPr/>
+      </p:nvGrpSpPr>
+      <p:grpSpPr>
+        <a:xfrm>
+          <a:off x="0" y="0"/>
+          <a:ext cx="0" cy="0"/>
+          <a:chOff x="0" y="0"/>
+          <a:chExt cx="0" cy="0"/>
+        </a:xfrm>
+      </p:grpSpPr>
+      <p:sp>
+        <p:nvSpPr>
+          <p:cNvPr id="6" name="Content Placeholder 5">
+            <a:extLst>
+              <a:ext uri="{FF2B5EF4-FFF2-40B4-BE49-F238E27FC236}">
+                <a16:creationId xmlns:a16="http://schemas.microsoft.com/office/drawing/2014/main" xmlns="" id="{FE55FF28-C028-47D8-9756-B328A54414D7}"/>
+              </a:ext>
+            </a:extLst>
+          </p:cNvPr>
+          <p:cNvSpPr>
+            <a:spLocks noGrp="1"/>
+          </p:cNvSpPr>
+          <p:nvPr>
+            <p:ph sz="quarter" idx="10"/>
+          </p:nvPr>
+        </p:nvSpPr>
+        <p:spPr/>
+        <p:txBody>
+          <a:bodyPr vert="horz" lIns="0" tIns="0" rIns="0" bIns="0" rtlCol="0" anchor="t">
+            <a:noAutofit/>
+          </a:bodyPr>
+          <a:lstStyle/>
+          <a:p>
+            <a:r>
+              <a:rPr lang="en-US" b="0" dirty="0">
+                <a:solidFill>
+                  <a:schemeClr val="tx2"/>
+                </a:solidFill>
+              </a:rPr>
+              <a:t>Explain, in brief, how you intend to </a:t>
+            </a:r>
+            <a:r>
+              <a:rPr lang="en-US" b="0" dirty="0"/>
+              <a:t>SOLVE</a:t>
+            </a:r>
+            <a:r>
+              <a:rPr lang="en-US" b="0" dirty="0">
+                <a:solidFill>
+                  <a:schemeClr val="tx2"/>
+                </a:solidFill>
+              </a:rPr>
+              <a:t> the problem at hand. </a:t>
+            </a:r>
+          </a:p>
+          <a:p>
+            <a:r>
+              <a:rPr lang="en-US" b="0" dirty="0">
+                <a:solidFill>
+                  <a:schemeClr val="tx2"/>
+                </a:solidFill>
+              </a:rPr>
+              <a:t>Please include the following:</a:t>
+            </a:r>
+          </a:p>
+          <a:p>
+            <a:pPr marL="457200" lvl="0" indent="-355600">
+              <a:spcBef>
+                <a:spcPts val="2400"/>
+              </a:spcBef>
+              <a:spcAft>
+                <a:spcPts val="0"/>
+              </a:spcAft>
+              <a:buClr>
+                <a:schemeClr val="lt1"/>
+              </a:buClr>
+              <a:buSzPts val="2000"/>
+              <a:buFont typeface="Source Sans Pro"/>
+              <a:buChar char="●"/>
+            </a:pPr>
+            <a:r>
+              <a:rPr lang="en-US" b="0" dirty="0">
+                <a:solidFill>
+                  <a:schemeClr val="lt1"/>
+                </a:solidFill>
+                <a:latin typeface="Source Sans Pro" panose="020B0503030403020204" pitchFamily="34" charset="0"/>
+                <a:ea typeface="Source Sans Pro" panose="020B0503030403020204" pitchFamily="34" charset="0"/>
+              </a:rPr>
+              <a:t>How it helps to solve the problem?</a:t>
+            </a:r>
+          </a:p>
+          <a:p>
+            <a:r>
+              <a:rPr lang="en-US" dirty="0">
+                <a:solidFill>
+                  <a:schemeClr val="tx2"/>
+                </a:solidFill>
+              </a:rPr>
+              <a:t>&gt; in this </a:t>
+            </a:r>
+            <a:r>
+              <a:rPr lang="en-US" dirty="0" err="1">
+                <a:solidFill>
+                  <a:schemeClr val="tx2"/>
+                </a:solidFill>
+              </a:rPr>
+              <a:t>webapp</a:t>
+            </a:r>
+            <a:r>
+              <a:rPr lang="en-US" dirty="0">
+                <a:solidFill>
+                  <a:schemeClr val="tx2"/>
+                </a:solidFill>
+              </a:rPr>
+              <a:t> there is a section call guide, in which you can information in detail about </a:t>
+            </a:r>
+            <a:r>
+              <a:rPr lang="en-US" dirty="0" err="1">
+                <a:solidFill>
+                  <a:schemeClr val="tx2"/>
+                </a:solidFill>
+              </a:rPr>
+              <a:t>finance,stock</a:t>
+            </a:r>
+            <a:r>
+              <a:rPr lang="en-US" dirty="0">
+                <a:solidFill>
+                  <a:schemeClr val="tx2"/>
+                </a:solidFill>
+              </a:rPr>
+              <a:t> </a:t>
+            </a:r>
+            <a:r>
+              <a:rPr lang="en-US" dirty="0" err="1">
+                <a:solidFill>
+                  <a:schemeClr val="tx2"/>
+                </a:solidFill>
+              </a:rPr>
+              <a:t>market,crypto</a:t>
+            </a:r>
+            <a:r>
+              <a:rPr lang="en-US" dirty="0">
+                <a:solidFill>
+                  <a:schemeClr val="tx2"/>
+                </a:solidFill>
+              </a:rPr>
+              <a:t> market , real estate and more . and see videos on </a:t>
+            </a:r>
+            <a:r>
+              <a:rPr lang="en-US" dirty="0" err="1">
+                <a:solidFill>
+                  <a:schemeClr val="tx2"/>
+                </a:solidFill>
+              </a:rPr>
+              <a:t>diffrent</a:t>
+            </a:r>
+            <a:r>
+              <a:rPr lang="en-US" dirty="0">
+                <a:solidFill>
+                  <a:schemeClr val="tx2"/>
+                </a:solidFill>
+              </a:rPr>
+              <a:t> topic to your </a:t>
+            </a:r>
+            <a:r>
+              <a:rPr lang="en-US" dirty="0" err="1">
+                <a:solidFill>
+                  <a:schemeClr val="tx2"/>
+                </a:solidFill>
+              </a:rPr>
+              <a:t>likeing</a:t>
+            </a:r>
+            <a:r>
+              <a:rPr lang="en-US" dirty="0">
+                <a:solidFill>
+                  <a:schemeClr val="tx2"/>
+                </a:solidFill>
+              </a:rPr>
+              <a:t> .</a:t>
+            </a:r>
+          </a:p>
+          <a:p>
+            <a:r>
+              <a:rPr lang="en-US" dirty="0">
+                <a:solidFill>
+                  <a:schemeClr val="tx2"/>
+                </a:solidFill>
+              </a:rPr>
+              <a:t>&gt; and you can another section called </a:t>
+            </a:r>
+            <a:r>
+              <a:rPr lang="en-US" dirty="0" err="1">
+                <a:solidFill>
+                  <a:schemeClr val="tx2"/>
+                </a:solidFill>
+              </a:rPr>
+              <a:t>predic</a:t>
+            </a:r>
+            <a:r>
+              <a:rPr lang="en-US" dirty="0">
+                <a:solidFill>
+                  <a:schemeClr val="tx2"/>
+                </a:solidFill>
+              </a:rPr>
+              <a:t> , in which you can see the prediction for future stock market, for example :- you predict a </a:t>
+            </a:r>
+            <a:r>
+              <a:rPr lang="en-US" dirty="0" err="1">
+                <a:solidFill>
+                  <a:schemeClr val="tx2"/>
+                </a:solidFill>
+              </a:rPr>
+              <a:t>singel</a:t>
+            </a:r>
+            <a:r>
+              <a:rPr lang="en-US" dirty="0">
+                <a:solidFill>
+                  <a:schemeClr val="tx2"/>
+                </a:solidFill>
+              </a:rPr>
+              <a:t> day of any stock ,or can view a chart of any stock from 10 days to 500 days in future </a:t>
+            </a:r>
+          </a:p>
+          <a:p>
+            <a:r>
+              <a:rPr lang="en-US" dirty="0">
+                <a:solidFill>
+                  <a:schemeClr val="tx2"/>
+                </a:solidFill>
+              </a:rPr>
+              <a:t>&gt; there is also section called portfolio in which you can create your portfolio in stocks and in crypto market and keep  track of your profit and loss </a:t>
+            </a:r>
+          </a:p>
+          <a:p>
+            <a:r>
+              <a:rPr lang="en-US" dirty="0">
+                <a:solidFill>
+                  <a:schemeClr val="tx2"/>
+                </a:solidFill>
+              </a:rPr>
+              <a:t>&gt; and last but not lest the section called News , in which you can get the latest news about finance in a single tip and get </a:t>
+            </a:r>
+            <a:r>
+              <a:rPr lang="en-US" dirty="0" err="1">
+                <a:solidFill>
+                  <a:schemeClr val="tx2"/>
+                </a:solidFill>
+              </a:rPr>
+              <a:t>acces</a:t>
+            </a:r>
+            <a:r>
+              <a:rPr lang="en-US" dirty="0">
+                <a:solidFill>
+                  <a:schemeClr val="tx2"/>
+                </a:solidFill>
+              </a:rPr>
+              <a:t> to </a:t>
+            </a:r>
+            <a:r>
+              <a:rPr lang="en-US" dirty="0" err="1">
+                <a:solidFill>
+                  <a:schemeClr val="tx2"/>
+                </a:solidFill>
+              </a:rPr>
+              <a:t>manay</a:t>
+            </a:r>
+            <a:r>
+              <a:rPr lang="en-US" dirty="0">
+                <a:solidFill>
+                  <a:schemeClr val="tx2"/>
+                </a:solidFill>
+              </a:rPr>
+              <a:t> information about finance</a:t>
+            </a:r>
+            <a:endParaRPr lang="en-US" dirty="0">
+              <a:solidFill>
+                <a:schemeClr val="tx2"/>
+              </a:solidFill>
+            </a:endParaRPr>
+          </a:p>
+        </p:txBody>
+      </p:sp>
+      <p:sp>
+        <p:nvSpPr>
+          <p:cNvPr id="7" name="Text Placeholder 6">
+            <a:extLst>
+              <a:ext uri="{FF2B5EF4-FFF2-40B4-BE49-F238E27FC236}">
+                <a16:creationId xmlns:a16="http://schemas.microsoft.com/office/drawing/2014/main" xmlns="" id="{DF4F97D9-E7D7-4E85-BB50-C87C7BB6F961}"/>
+              </a:ext>
+            </a:extLst>
+          </p:cNvPr>
+          <p:cNvSpPr>
+            <a:spLocks noGrp="1"/>
+          </p:cNvSpPr>
+          <p:nvPr>
+            <p:ph type="body" sz="quarter" idx="11"/>
+          </p:nvPr>
+        </p:nvSpPr>
+        <p:spPr/>
+        <p:txBody>
+          <a:bodyPr/>
+          <a:lstStyle/>
+          <a:p>
+            <a:endParaRPr lang="en-IN"/>
+          </a:p>
+        </p:txBody>
+      </p:sp>
+      <p:sp>
+        <p:nvSpPr>
+          <p:cNvPr id="4" name="Title 3">
+            <a:extLst>
+              <a:ext uri="{FF2B5EF4-FFF2-40B4-BE49-F238E27FC236}">
+                <a16:creationId xmlns:a16="http://schemas.microsoft.com/office/drawing/2014/main" xmlns="" id="{6B1011D3-A8C8-44CC-8836-11626D436C26}"/>
+              </a:ext>
+            </a:extLst>
+          </p:cNvPr>
+          <p:cNvSpPr>
+            <a:spLocks noGrp="1"/>
+          </p:cNvSpPr>
+          <p:nvPr>
+            <p:ph type="title"/>
+          </p:nvPr>
+        </p:nvSpPr>
+        <p:spPr>
+          <a:xfrm>
+            <a:off x="432000" y="759866"/>
+            <a:ext cx="12578399" cy="379263"/>
+          </a:xfrm>
+        </p:spPr>
+        <p:txBody>
+          <a:bodyPr/>
+          <a:lstStyle/>
+          <a:p>
+            <a:r>
+              <a:rPr lang="en-IN" dirty="0"/>
+              <a:t>Solution</a:t>
+            </a:r>
+          </a:p>
+        </p:txBody>
+      </p:sp>
+    </p:spTree>
+    <p:extLst>
+      <p:ext uri="{BB962C8B-B14F-4D97-AF65-F5344CB8AC3E}">
+        <p14:creationId xmlns:p14="http://schemas.microsoft.com/office/powerpoint/2010/main" val="1514115969"/>
+      </p:ext>
+    </p:extLst>
+  </p:cSld>
+  <p:clrMapOvr>
+    <a:masterClrMapping/>
+  </p:clrMapOvr>
+</p:sld>
+</file>
+
+<file path=ppt/slides/slide5.xml><?xml version="1.0" encoding="utf-8"?>
+<p:sld xmlns:a="http://schemas.openxmlformats.org/drawingml/2006/main" xmlns:r="http://schemas.openxmlformats.org/officeDocument/2006/relationships" xmlns:p="http://schemas.openxmlformats.org/presentationml/2006/main">
+  <p:cSld>
+    <p:spTree>
+      <p:nvGrpSpPr>
+        <p:cNvPr id="1" name=""/>
+        <p:cNvGrpSpPr/>
+        <p:nvPr/>
+      </p:nvGrpSpPr>
+      <p:grpSpPr>
+        <a:xfrm>
+          <a:off x="0" y="0"/>
+          <a:ext cx="0" cy="0"/>
+          <a:chOff x="0" y="0"/>
+          <a:chExt cx="0" cy="0"/>
+        </a:xfrm>
+      </p:grpSpPr>
+      <p:sp>
+        <p:nvSpPr>
+          <p:cNvPr id="2" name="Content Placeholder 1"/>
+          <p:cNvSpPr>
+            <a:spLocks noGrp="1"/>
+          </p:cNvSpPr>
+          <p:nvPr>
+            <p:ph sz="quarter" idx="10"/>
+          </p:nvPr>
+        </p:nvSpPr>
+        <p:spPr/>
+        <p:txBody>
+          <a:bodyPr/>
+          <a:lstStyle/>
+          <a:p>
+            <a:pPr marL="457200" lvl="0" indent="-355600">
+              <a:lnSpc>
+                <a:spcPct val="115000"/>
+              </a:lnSpc>
+              <a:spcBef>
+                <a:spcPts val="0"/>
+              </a:spcBef>
+              <a:spcAft>
+                <a:spcPts val="0"/>
+              </a:spcAft>
+              <a:buClr>
+                <a:schemeClr val="lt1"/>
+              </a:buClr>
+              <a:buSzPts val="2000"/>
+              <a:buFont typeface="Source Sans Pro"/>
+              <a:buChar char="●"/>
+            </a:pPr>
+            <a:r>
+              <a:rPr lang="en-US" b="0" dirty="0">
+                <a:solidFill>
+                  <a:schemeClr val="lt1"/>
+                </a:solidFill>
+                <a:latin typeface="Source Sans Pro" panose="020B0503030403020204" pitchFamily="34" charset="0"/>
+                <a:ea typeface="Source Sans Pro" panose="020B0503030403020204" pitchFamily="34" charset="0"/>
+              </a:rPr>
+              <a:t>What are the impact metrics that one can use to analyze the effect of the solution?</a:t>
+            </a:r>
+          </a:p>
+          <a:p>
+            <a:pPr marL="457200" lvl="0" indent="-355600">
+              <a:lnSpc>
+                <a:spcPct val="115000"/>
+              </a:lnSpc>
+              <a:spcBef>
+                <a:spcPts val="0"/>
+              </a:spcBef>
+              <a:spcAft>
+                <a:spcPts val="0"/>
+              </a:spcAft>
+              <a:buClr>
+                <a:schemeClr val="lt1"/>
+              </a:buClr>
+              <a:buSzPts val="2000"/>
+              <a:buFont typeface="Source Sans Pro"/>
+              <a:buChar char="●"/>
+            </a:pPr>
+            <a:r>
+              <a:rPr lang="en-US" b="0" dirty="0">
+                <a:solidFill>
+                  <a:schemeClr val="lt1"/>
+                </a:solidFill>
+                <a:latin typeface="Source Sans Pro" panose="020B0503030403020204" pitchFamily="34" charset="0"/>
+                <a:ea typeface="Source Sans Pro" panose="020B0503030403020204" pitchFamily="34" charset="0"/>
+              </a:rPr>
+              <a:t>Frameworks/Technologies stacks to be used</a:t>
+            </a:r>
+          </a:p>
+          <a:p>
+            <a:pPr marL="457200" lvl="0" indent="-355600">
+              <a:lnSpc>
+                <a:spcPct val="115000"/>
+              </a:lnSpc>
+              <a:spcBef>
+                <a:spcPts val="0"/>
+              </a:spcBef>
+              <a:spcAft>
+                <a:spcPts val="0"/>
+              </a:spcAft>
+              <a:buClr>
+                <a:schemeClr val="lt1"/>
+              </a:buClr>
+              <a:buSzPts val="2000"/>
+              <a:buFont typeface="Source Sans Pro"/>
+              <a:buChar char="●"/>
+            </a:pPr>
+            <a:r>
+              <a:rPr lang="en-US" b="0" dirty="0">
+                <a:solidFill>
+                  <a:schemeClr val="lt1"/>
+                </a:solidFill>
+                <a:latin typeface="Source Sans Pro" panose="020B0503030403020204" pitchFamily="34" charset="0"/>
+                <a:ea typeface="Source Sans Pro" panose="020B0503030403020204" pitchFamily="34" charset="0"/>
+              </a:rPr>
+              <a:t>Assumptions, constraints, and solution decision points (Reason behind choosing a technology)</a:t>
+            </a:r>
+          </a:p>
+          <a:p>
+            <a:pPr marL="457200" lvl="0" indent="-355600">
+              <a:lnSpc>
+                <a:spcPct val="115000"/>
+              </a:lnSpc>
+              <a:spcBef>
+                <a:spcPts val="0"/>
+              </a:spcBef>
+              <a:spcAft>
+                <a:spcPts val="0"/>
+              </a:spcAft>
+              <a:buClr>
+                <a:schemeClr val="lt1"/>
+              </a:buClr>
+              <a:buSzPts val="2000"/>
+              <a:buFont typeface="Source Sans Pro"/>
+              <a:buChar char="●"/>
+            </a:pPr>
+            <a:r>
+              <a:rPr lang="en-US" b="0" dirty="0">
+                <a:solidFill>
+                  <a:schemeClr val="lt1"/>
+                </a:solidFill>
+                <a:latin typeface="Source Sans Pro" panose="020B0503030403020204" pitchFamily="34" charset="0"/>
+                <a:ea typeface="Source Sans Pro" panose="020B0503030403020204" pitchFamily="34" charset="0"/>
+              </a:rPr>
+              <a:t>How easily can your solution be implemented and how effective will it be?</a:t>
+            </a:r>
+          </a:p>
+          <a:p>
+            <a:pPr marL="457200" lvl="0" indent="-355600">
+              <a:lnSpc>
+                <a:spcPct val="115000"/>
+              </a:lnSpc>
+              <a:spcBef>
+                <a:spcPts val="0"/>
+              </a:spcBef>
+              <a:spcAft>
+                <a:spcPts val="0"/>
+              </a:spcAft>
+              <a:buClr>
+                <a:schemeClr val="lt1"/>
+              </a:buClr>
+              <a:buSzPts val="2000"/>
+              <a:buFont typeface="Source Sans Pro"/>
+              <a:buChar char="●"/>
+            </a:pPr>
+            <a:r>
+              <a:rPr lang="en-US" b="0" dirty="0">
+                <a:solidFill>
+                  <a:schemeClr val="lt1"/>
+                </a:solidFill>
+                <a:latin typeface="Source Sans Pro" panose="020B0503030403020204" pitchFamily="34" charset="0"/>
+                <a:ea typeface="Source Sans Pro" panose="020B0503030403020204" pitchFamily="34" charset="0"/>
+              </a:rPr>
+              <a:t>Extent of Scalability/Usability </a:t>
+            </a:r>
+            <a:endParaRPr lang="en-US" dirty="0">
+              <a:solidFill>
+                <a:schemeClr val="lt1"/>
+              </a:solidFill>
+              <a:latin typeface="Source Sans Pro" panose="020B0503030403020204" pitchFamily="34" charset="0"/>
+              <a:ea typeface="Source Sans Pro" panose="020B0503030403020204" pitchFamily="34" charset="0"/>
+            </a:endParaRPr>
+          </a:p>
+          <a:p>
+            <a:endParaRPr lang="en-US" dirty="0"/>
+          </a:p>
+        </p:txBody>
+      </p:sp>
+      <p:sp>
+        <p:nvSpPr>
+          <p:cNvPr id="3" name="Text Placeholder 2"/>
+          <p:cNvSpPr>
+            <a:spLocks noGrp="1"/>
+          </p:cNvSpPr>
+          <p:nvPr>
+            <p:ph type="body" sz="quarter" idx="11"/>
+          </p:nvPr>
+        </p:nvSpPr>
+        <p:spPr/>
+        <p:txBody>
+          <a:bodyPr/>
+          <a:lstStyle/>
+          <a:p>
+            <a:endParaRPr lang="en-US"/>
+          </a:p>
+        </p:txBody>
+      </p:sp>
+      <p:sp>
+        <p:nvSpPr>
+          <p:cNvPr id="4" name="Title 3"/>
+          <p:cNvSpPr>
+            <a:spLocks noGrp="1"/>
+          </p:cNvSpPr>
+          <p:nvPr>
+            <p:ph type="title"/>
+          </p:nvPr>
+        </p:nvSpPr>
+        <p:spPr/>
+        <p:txBody>
+          <a:bodyPr/>
+          <a:lstStyle/>
+          <a:p>
+            <a:endParaRPr lang="en-US"/>
+          </a:p>
+        </p:txBody>
+      </p:sp>
+    </p:spTree>
+    <p:extLst>
+      <p:ext uri="{BB962C8B-B14F-4D97-AF65-F5344CB8AC3E}">
+        <p14:creationId xmlns:p14="http://schemas.microsoft.com/office/powerpoint/2010/main" val="334772701"/>
+      </p:ext>
+    </p:extLst>
+  </p:cSld>
+  <p:clrMapOvr>
+    <a:masterClrMapping/>
+  </p:clrMapOvr>
+</p:sld>
+</file>
+
+<file path=ppt/slides/slide6.xml><?xml version="1.0" encoding="utf-8"?>
+<p:sld xmlns:a="http://schemas.openxmlformats.org/drawingml/2006/main" xmlns:r="http://schemas.openxmlformats.org/officeDocument/2006/relationships" xmlns:p="http://schemas.openxmlformats.org/presentationml/2006/main">
+  <p:cSld>
+    <p:spTree>
+      <p:nvGrpSpPr>
+        <p:cNvPr id="1" name=""/>
+        <p:cNvGrpSpPr/>
+        <p:nvPr/>
+      </p:nvGrpSpPr>
+      <p:grpSpPr>
+        <a:xfrm>
+          <a:off x="0" y="0"/>
+          <a:ext cx="0" cy="0"/>
+          <a:chOff x="0" y="0"/>
+          <a:chExt cx="0" cy="0"/>
+        </a:xfrm>
+      </p:grpSpPr>
+      <p:sp>
+        <p:nvSpPr>
+          <p:cNvPr id="2" name="Content Placeholder 1"/>
+          <p:cNvSpPr>
+            <a:spLocks noGrp="1"/>
+          </p:cNvSpPr>
+          <p:nvPr>
+            <p:ph sz="quarter" idx="10"/>
+          </p:nvPr>
+        </p:nvSpPr>
+        <p:spPr/>
+        <p:txBody>
+          <a:bodyPr/>
+          <a:lstStyle/>
+          <a:p>
+            <a:pPr marL="457200" lvl="0" indent="-355600">
+              <a:lnSpc>
+                <a:spcPct val="115000"/>
+              </a:lnSpc>
+              <a:spcBef>
+                <a:spcPts val="0"/>
+              </a:spcBef>
+              <a:spcAft>
+                <a:spcPts val="0"/>
+              </a:spcAft>
+              <a:buClr>
+                <a:schemeClr val="lt1"/>
+              </a:buClr>
+              <a:buSzPts val="2000"/>
+              <a:buFont typeface="Source Sans Pro"/>
+              <a:buChar char="●"/>
+            </a:pPr>
+            <a:r>
+              <a:rPr lang="en-US" b="0" dirty="0">
+                <a:solidFill>
+                  <a:schemeClr val="lt1"/>
+                </a:solidFill>
+                <a:latin typeface="Source Sans Pro" panose="020B0503030403020204" pitchFamily="34" charset="0"/>
+                <a:ea typeface="Source Sans Pro" panose="020B0503030403020204" pitchFamily="34" charset="0"/>
+              </a:rPr>
+              <a:t>Frameworks/Technologies stacks to be </a:t>
+            </a:r>
+            <a:r>
+              <a:rPr lang="en-US" b="0" dirty="0" smtClean="0">
+                <a:solidFill>
+                  <a:schemeClr val="lt1"/>
+                </a:solidFill>
+                <a:latin typeface="Source Sans Pro" panose="020B0503030403020204" pitchFamily="34" charset="0"/>
+                <a:ea typeface="Source Sans Pro" panose="020B0503030403020204" pitchFamily="34" charset="0"/>
+              </a:rPr>
+              <a:t>used</a:t>
+            </a:r>
+            <a:endParaRPr lang="en-US" dirty="0" smtClean="0"/>
+          </a:p>
+          <a:p>
+            <a:pPr marL="457200" lvl="0" indent="-355600">
+              <a:lnSpc>
+                <a:spcPct val="115000"/>
+              </a:lnSpc>
+              <a:spcBef>
+                <a:spcPts val="0"/>
+              </a:spcBef>
+              <a:spcAft>
+                <a:spcPts val="0"/>
+              </a:spcAft>
+              <a:buClr>
+                <a:schemeClr val="lt1"/>
+              </a:buClr>
+              <a:buSzPts val="2000"/>
+              <a:buFont typeface="Source Sans Pro"/>
+              <a:buChar char="●"/>
+            </a:pPr>
+            <a:r>
+              <a:rPr lang="en-US" b="0" dirty="0" smtClean="0">
+                <a:solidFill>
+                  <a:schemeClr val="lt1"/>
+                </a:solidFill>
+                <a:latin typeface="Source Sans Pro" panose="020B0503030403020204" pitchFamily="34" charset="0"/>
+                <a:ea typeface="Source Sans Pro" panose="020B0503030403020204" pitchFamily="34" charset="0"/>
+              </a:rPr>
+              <a:t>There is use of Python </a:t>
+            </a:r>
+          </a:p>
+          <a:p>
+            <a:pPr marL="457200" lvl="0" indent="-355600">
+              <a:lnSpc>
+                <a:spcPct val="115000"/>
+              </a:lnSpc>
+              <a:spcBef>
+                <a:spcPts val="0"/>
+              </a:spcBef>
+              <a:spcAft>
+                <a:spcPts val="0"/>
+              </a:spcAft>
+              <a:buClr>
+                <a:schemeClr val="lt1"/>
+              </a:buClr>
+              <a:buSzPts val="2000"/>
+              <a:buFont typeface="Source Sans Pro"/>
+              <a:buChar char="●"/>
+            </a:pPr>
+            <a:r>
+              <a:rPr lang="en-US" b="0" dirty="0" smtClean="0">
+                <a:solidFill>
+                  <a:schemeClr val="lt1"/>
+                </a:solidFill>
+                <a:latin typeface="Source Sans Pro" panose="020B0503030403020204" pitchFamily="34" charset="0"/>
+                <a:ea typeface="Source Sans Pro" panose="020B0503030403020204" pitchFamily="34" charset="0"/>
+              </a:rPr>
+              <a:t> </a:t>
+            </a:r>
+            <a:r>
+              <a:rPr lang="en-US" b="0" dirty="0" err="1" smtClean="0">
+                <a:solidFill>
+                  <a:schemeClr val="lt1"/>
+                </a:solidFill>
+                <a:latin typeface="Source Sans Pro" panose="020B0503030403020204" pitchFamily="34" charset="0"/>
+                <a:ea typeface="Source Sans Pro" panose="020B0503030403020204" pitchFamily="34" charset="0"/>
+              </a:rPr>
+              <a:t>Django</a:t>
+            </a:r>
+            <a:r>
+              <a:rPr lang="en-US" b="0" dirty="0" smtClean="0">
+                <a:solidFill>
+                  <a:schemeClr val="lt1"/>
+                </a:solidFill>
+                <a:latin typeface="Source Sans Pro" panose="020B0503030403020204" pitchFamily="34" charset="0"/>
+                <a:ea typeface="Source Sans Pro" panose="020B0503030403020204" pitchFamily="34" charset="0"/>
+              </a:rPr>
+              <a:t>(framework) </a:t>
+            </a:r>
+          </a:p>
+          <a:p>
+            <a:pPr marL="457200" lvl="0" indent="-355600">
+              <a:lnSpc>
+                <a:spcPct val="115000"/>
+              </a:lnSpc>
+              <a:spcBef>
+                <a:spcPts val="0"/>
+              </a:spcBef>
+              <a:spcAft>
+                <a:spcPts val="0"/>
+              </a:spcAft>
+              <a:buClr>
+                <a:schemeClr val="lt1"/>
+              </a:buClr>
+              <a:buSzPts val="2000"/>
+              <a:buFont typeface="Source Sans Pro"/>
+              <a:buChar char="●"/>
+            </a:pPr>
+            <a:r>
+              <a:rPr lang="en-US" b="0" dirty="0" smtClean="0">
+                <a:solidFill>
+                  <a:schemeClr val="lt1"/>
+                </a:solidFill>
+                <a:latin typeface="Source Sans Pro" panose="020B0503030403020204" pitchFamily="34" charset="0"/>
+                <a:ea typeface="Source Sans Pro" panose="020B0503030403020204" pitchFamily="34" charset="0"/>
+              </a:rPr>
+              <a:t>Random Forest Model(Machine Learning)</a:t>
+            </a:r>
+          </a:p>
+          <a:p>
+            <a:pPr marL="457200" lvl="0" indent="-355600">
+              <a:lnSpc>
+                <a:spcPct val="115000"/>
+              </a:lnSpc>
+              <a:spcBef>
+                <a:spcPts val="0"/>
+              </a:spcBef>
+              <a:spcAft>
+                <a:spcPts val="0"/>
+              </a:spcAft>
+              <a:buClr>
+                <a:schemeClr val="lt1"/>
+              </a:buClr>
+              <a:buSzPts val="2000"/>
+              <a:buFont typeface="Source Sans Pro"/>
+              <a:buChar char="●"/>
+            </a:pPr>
+            <a:r>
+              <a:rPr lang="en-US" b="0" dirty="0" err="1" smtClean="0">
+                <a:solidFill>
+                  <a:schemeClr val="lt1"/>
+                </a:solidFill>
+                <a:latin typeface="Source Sans Pro" panose="020B0503030403020204" pitchFamily="34" charset="0"/>
+                <a:ea typeface="Source Sans Pro" panose="020B0503030403020204" pitchFamily="34" charset="0"/>
+              </a:rPr>
+              <a:t>Yfinance</a:t>
+            </a:r>
+            <a:endParaRPr lang="en-US" b="0" dirty="0" smtClean="0">
+              <a:solidFill>
+                <a:schemeClr val="lt1"/>
+              </a:solidFill>
+              <a:latin typeface="Source Sans Pro" panose="020B0503030403020204" pitchFamily="34" charset="0"/>
+              <a:ea typeface="Source Sans Pro" panose="020B0503030403020204" pitchFamily="34" charset="0"/>
+            </a:endParaRPr>
+          </a:p>
+          <a:p>
+            <a:pPr marL="457200" lvl="0" indent="-355600">
+              <a:lnSpc>
+                <a:spcPct val="115000"/>
+              </a:lnSpc>
+              <a:spcBef>
+                <a:spcPts val="0"/>
+              </a:spcBef>
+              <a:spcAft>
+                <a:spcPts val="0"/>
+              </a:spcAft>
+              <a:buClr>
+                <a:schemeClr val="lt1"/>
+              </a:buClr>
+              <a:buSzPts val="2000"/>
+              <a:buFont typeface="Source Sans Pro"/>
+              <a:buChar char="●"/>
+            </a:pPr>
+            <a:r>
+              <a:rPr lang="en-US" b="0" dirty="0" err="1" smtClean="0">
+                <a:solidFill>
+                  <a:schemeClr val="lt1"/>
+                </a:solidFill>
+                <a:latin typeface="Source Sans Pro" panose="020B0503030403020204" pitchFamily="34" charset="0"/>
+                <a:ea typeface="Source Sans Pro" panose="020B0503030403020204" pitchFamily="34" charset="0"/>
+              </a:rPr>
+              <a:t>Jupyter</a:t>
+            </a:r>
+            <a:r>
+              <a:rPr lang="en-US" b="0" dirty="0" smtClean="0">
+                <a:solidFill>
+                  <a:schemeClr val="lt1"/>
+                </a:solidFill>
+                <a:latin typeface="Source Sans Pro" panose="020B0503030403020204" pitchFamily="34" charset="0"/>
+                <a:ea typeface="Source Sans Pro" panose="020B0503030403020204" pitchFamily="34" charset="0"/>
+              </a:rPr>
+              <a:t> Notebook</a:t>
+            </a:r>
+            <a:endParaRPr lang="en-US" b="0" dirty="0">
+              <a:solidFill>
+                <a:schemeClr val="lt1"/>
+              </a:solidFill>
+              <a:latin typeface="Source Sans Pro" panose="020B0503030403020204" pitchFamily="34" charset="0"/>
+              <a:ea typeface="Source Sans Pro" panose="020B0503030403020204" pitchFamily="34" charset="0"/>
+            </a:endParaRPr>
+          </a:p>
+        </p:txBody>
+      </p:sp>
+      <p:sp>
+        <p:nvSpPr>
+          <p:cNvPr id="3" name="Text Placeholder 2"/>
+          <p:cNvSpPr>
+            <a:spLocks noGrp="1"/>
+          </p:cNvSpPr>
+          <p:nvPr>
+            <p:ph type="body" sz="quarter" idx="11"/>
+          </p:nvPr>
+        </p:nvSpPr>
+        <p:spPr/>
+        <p:txBody>
+          <a:bodyPr/>
+          <a:lstStyle/>
+          <a:p>
+            <a:endParaRPr lang="en-US"/>
+          </a:p>
+        </p:txBody>
+      </p:sp>
+      <p:sp>
+        <p:nvSpPr>
+          <p:cNvPr id="4" name="Title 3"/>
+          <p:cNvSpPr>
+            <a:spLocks noGrp="1"/>
+          </p:cNvSpPr>
+          <p:nvPr>
+            <p:ph type="title"/>
+          </p:nvPr>
+        </p:nvSpPr>
+        <p:spPr/>
+        <p:txBody>
+          <a:bodyPr/>
+          <a:lstStyle/>
+          <a:p>
+            <a:endParaRPr lang="en-US"/>
+          </a:p>
+        </p:txBody>
+      </p:sp>
+    </p:spTree>
+    <p:extLst>
+      <p:ext uri="{BB962C8B-B14F-4D97-AF65-F5344CB8AC3E}">
+        <p14:creationId xmlns:p14="http://schemas.microsoft.com/office/powerpoint/2010/main" val="1266028320"/>
+      </p:ext>
+    </p:extLst>
+  </p:cSld>
+  <p:clrMapOvr>
+    <a:masterClrMapping/>
+  </p:clrMapOvr>
+</p:sld>
+</file>
+
+<file path=ppt/slides/slide7.xml><?xml version="1.0" encoding="utf-8"?>
+<p:sld xmlns:a="http://schemas.openxmlformats.org/drawingml/2006/main" xmlns:r="http://schemas.openxmlformats.org/officeDocument/2006/relationships" xmlns:p="http://schemas.openxmlformats.org/presentationml/2006/main">
+  <p:cSld>
+    <p:spTree>
+      <p:nvGrpSpPr>
+        <p:cNvPr id="1" name=""/>
+        <p:cNvGrpSpPr/>
+        <p:nvPr/>
+      </p:nvGrpSpPr>
+      <p:grpSpPr>
+        <a:xfrm>
+          <a:off x="0" y="0"/>
+          <a:ext cx="0" cy="0"/>
+          <a:chOff x="0" y="0"/>
+          <a:chExt cx="0" cy="0"/>
+        </a:xfrm>
+      </p:grpSpPr>
+      <p:sp>
+        <p:nvSpPr>
+          <p:cNvPr id="2" name="Content Placeholder 1"/>
+          <p:cNvSpPr>
+            <a:spLocks noGrp="1"/>
+          </p:cNvSpPr>
+          <p:nvPr>
+            <p:ph sz="quarter" idx="10"/>
+          </p:nvPr>
+        </p:nvSpPr>
+        <p:spPr/>
+        <p:txBody>
+          <a:bodyPr/>
+          <a:lstStyle/>
+          <a:p>
+            <a:pPr marL="457200" lvl="0" indent="-355600">
+              <a:lnSpc>
+                <a:spcPct val="115000"/>
+              </a:lnSpc>
+              <a:spcBef>
+                <a:spcPts val="0"/>
+              </a:spcBef>
+              <a:spcAft>
+                <a:spcPts val="0"/>
+              </a:spcAft>
+              <a:buClr>
+                <a:schemeClr val="lt1"/>
+              </a:buClr>
+              <a:buSzPts val="2000"/>
+              <a:buFont typeface="Source Sans Pro"/>
+              <a:buChar char="●"/>
+            </a:pPr>
+            <a:r>
+              <a:rPr lang="en-US" b="0" dirty="0" smtClean="0">
+                <a:solidFill>
+                  <a:schemeClr val="lt1"/>
+                </a:solidFill>
+                <a:latin typeface="Source Sans Pro" panose="020B0503030403020204" pitchFamily="34" charset="0"/>
+                <a:ea typeface="Source Sans Pro" panose="020B0503030403020204" pitchFamily="34" charset="0"/>
+              </a:rPr>
+              <a:t>Assumptions</a:t>
+            </a:r>
+            <a:r>
+              <a:rPr lang="en-US" b="0" dirty="0">
+                <a:solidFill>
+                  <a:schemeClr val="lt1"/>
+                </a:solidFill>
+                <a:latin typeface="Source Sans Pro" panose="020B0503030403020204" pitchFamily="34" charset="0"/>
+                <a:ea typeface="Source Sans Pro" panose="020B0503030403020204" pitchFamily="34" charset="0"/>
+              </a:rPr>
+              <a:t>, constraints, and solution decision points (Reason behind choosing a technology</a:t>
+            </a:r>
+            <a:r>
+              <a:rPr lang="en-US" b="0" dirty="0" smtClean="0">
+                <a:solidFill>
+                  <a:schemeClr val="lt1"/>
+                </a:solidFill>
+                <a:latin typeface="Source Sans Pro" panose="020B0503030403020204" pitchFamily="34" charset="0"/>
+                <a:ea typeface="Source Sans Pro" panose="020B0503030403020204" pitchFamily="34" charset="0"/>
+              </a:rPr>
+              <a:t>)</a:t>
+            </a:r>
+            <a:endParaRPr lang="en-US" dirty="0" smtClean="0"/>
+          </a:p>
+          <a:p>
+            <a:pPr marL="457200" lvl="0" indent="-355600">
+              <a:lnSpc>
+                <a:spcPct val="115000"/>
+              </a:lnSpc>
+              <a:spcBef>
+                <a:spcPts val="0"/>
+              </a:spcBef>
+              <a:spcAft>
+                <a:spcPts val="0"/>
+              </a:spcAft>
+              <a:buClr>
+                <a:schemeClr val="lt1"/>
+              </a:buClr>
+              <a:buSzPts val="2000"/>
+              <a:buFont typeface="Source Sans Pro"/>
+              <a:buChar char="●"/>
+            </a:pPr>
+            <a:r>
+              <a:rPr lang="en-US" b="0" dirty="0" smtClean="0">
+                <a:solidFill>
+                  <a:schemeClr val="lt1"/>
+                </a:solidFill>
+                <a:latin typeface="Source Sans Pro" panose="020B0503030403020204" pitchFamily="34" charset="0"/>
+                <a:ea typeface="Source Sans Pro" panose="020B0503030403020204" pitchFamily="34" charset="0"/>
+              </a:rPr>
+              <a:t>Python is one of the flexibility </a:t>
+            </a:r>
+            <a:endParaRPr lang="en-US" b="0" dirty="0">
+              <a:solidFill>
+                <a:schemeClr val="lt1"/>
+              </a:solidFill>
+              <a:latin typeface="Source Sans Pro" panose="020B0503030403020204" pitchFamily="34" charset="0"/>
+              <a:ea typeface="Source Sans Pro" panose="020B0503030403020204" pitchFamily="34" charset="0"/>
+            </a:endParaRPr>
+          </a:p>
+        </p:txBody>
+      </p:sp>
+      <p:sp>
+        <p:nvSpPr>
+          <p:cNvPr id="3" name="Text Placeholder 2"/>
+          <p:cNvSpPr>
+            <a:spLocks noGrp="1"/>
+          </p:cNvSpPr>
+          <p:nvPr>
+            <p:ph type="body" sz="quarter" idx="11"/>
+          </p:nvPr>
+        </p:nvSpPr>
+        <p:spPr/>
+        <p:txBody>
+          <a:bodyPr/>
+          <a:lstStyle/>
+          <a:p>
+            <a:endParaRPr lang="en-US"/>
+          </a:p>
+        </p:txBody>
+      </p:sp>
+      <p:sp>
+        <p:nvSpPr>
+          <p:cNvPr id="4" name="Title 3"/>
+          <p:cNvSpPr>
+            <a:spLocks noGrp="1"/>
+          </p:cNvSpPr>
+          <p:nvPr>
+            <p:ph type="title"/>
+          </p:nvPr>
+        </p:nvSpPr>
+        <p:spPr/>
+        <p:txBody>
+          <a:bodyPr/>
+          <a:lstStyle/>
+          <a:p>
+            <a:endParaRPr lang="en-US"/>
+          </a:p>
+        </p:txBody>
+      </p:sp>
+    </p:spTree>
+    <p:extLst>
+      <p:ext uri="{BB962C8B-B14F-4D97-AF65-F5344CB8AC3E}">
+        <p14:creationId xmlns:p14="http://schemas.microsoft.com/office/powerpoint/2010/main" val="635351388"/>
+      </p:ext>
+    </p:extLst>
+  </p:cSld>
+  <p:clrMapOvr>
+    <a:masterClrMapping/>
+  </p:clrMapOvr>
+</p:sld>
+</file>
+
+<file path=ppt/slides/slide8.xml><?xml version="1.0" encoding="utf-8"?>
+<p:sld xmlns:a="http://schemas.openxmlformats.org/drawingml/2006/main" xmlns:r="http://schemas.openxmlformats.org/officeDocument/2006/relationships" xmlns:p="http://schemas.openxmlformats.org/presentationml/2006/main">
+  <p:cSld>
+    <p:spTree>
+      <p:nvGrpSpPr>
+        <p:cNvPr id="1" name=""/>
+        <p:cNvGrpSpPr/>
+        <p:nvPr/>
+      </p:nvGrpSpPr>
+      <p:grpSpPr>
+        <a:xfrm>
+          <a:off x="0" y="0"/>
+          <a:ext cx="0" cy="0"/>
+          <a:chOff x="0" y="0"/>
+          <a:chExt cx="0" cy="0"/>
+        </a:xfrm>
+      </p:grpSpPr>
+      <p:sp>
+        <p:nvSpPr>
+          <p:cNvPr id="2" name="Content Placeholder 1"/>
+          <p:cNvSpPr>
+            <a:spLocks noGrp="1"/>
+          </p:cNvSpPr>
+          <p:nvPr>
+            <p:ph sz="quarter" idx="10"/>
+          </p:nvPr>
+        </p:nvSpPr>
+        <p:spPr/>
+        <p:txBody>
+          <a:bodyPr/>
+          <a:lstStyle/>
+          <a:p>
+            <a:pPr marL="457200" lvl="0" indent="-355600">
+              <a:lnSpc>
+                <a:spcPct val="115000"/>
+              </a:lnSpc>
+              <a:spcBef>
+                <a:spcPts val="0"/>
+              </a:spcBef>
+              <a:spcAft>
+                <a:spcPts val="0"/>
+              </a:spcAft>
+              <a:buClr>
+                <a:schemeClr val="lt1"/>
+              </a:buClr>
+              <a:buSzPts val="2000"/>
+              <a:buFont typeface="Source Sans Pro"/>
+              <a:buChar char="●"/>
+            </a:pPr>
+            <a:r>
+              <a:rPr lang="en-US" b="0" dirty="0">
+                <a:solidFill>
+                  <a:schemeClr val="lt1"/>
+                </a:solidFill>
+                <a:latin typeface="Source Sans Pro" panose="020B0503030403020204" pitchFamily="34" charset="0"/>
+                <a:ea typeface="Source Sans Pro" panose="020B0503030403020204" pitchFamily="34" charset="0"/>
+              </a:rPr>
+              <a:t>h</a:t>
+            </a:r>
+            <a:r>
+              <a:rPr lang="en-US" b="0" dirty="0" smtClean="0">
+                <a:solidFill>
+                  <a:schemeClr val="lt1"/>
+                </a:solidFill>
+                <a:latin typeface="Source Sans Pro" panose="020B0503030403020204" pitchFamily="34" charset="0"/>
+                <a:ea typeface="Source Sans Pro" panose="020B0503030403020204" pitchFamily="34" charset="0"/>
+              </a:rPr>
+              <a:t>ow </a:t>
+            </a:r>
+            <a:r>
+              <a:rPr lang="en-US" b="0" dirty="0">
+                <a:solidFill>
+                  <a:schemeClr val="lt1"/>
+                </a:solidFill>
+                <a:latin typeface="Source Sans Pro" panose="020B0503030403020204" pitchFamily="34" charset="0"/>
+                <a:ea typeface="Source Sans Pro" panose="020B0503030403020204" pitchFamily="34" charset="0"/>
+              </a:rPr>
+              <a:t>easily can your solution be implemented and how effective will it be?</a:t>
+            </a:r>
+          </a:p>
+          <a:p>
+            <a:pPr marL="457200" lvl="0" indent="-355600">
+              <a:lnSpc>
+                <a:spcPct val="115000"/>
+              </a:lnSpc>
+              <a:spcBef>
+                <a:spcPts val="0"/>
+              </a:spcBef>
+              <a:spcAft>
+                <a:spcPts val="0"/>
+              </a:spcAft>
+              <a:buClr>
+                <a:schemeClr val="lt1"/>
+              </a:buClr>
+              <a:buSzPts val="2000"/>
+              <a:buFont typeface="Source Sans Pro"/>
+              <a:buChar char="●"/>
+            </a:pPr>
+            <a:r>
+              <a:rPr lang="en-US" b="0" dirty="0">
+                <a:solidFill>
+                  <a:schemeClr val="lt1"/>
+                </a:solidFill>
+                <a:latin typeface="Source Sans Pro" panose="020B0503030403020204" pitchFamily="34" charset="0"/>
+                <a:ea typeface="Source Sans Pro" panose="020B0503030403020204" pitchFamily="34" charset="0"/>
+              </a:rPr>
+              <a:t>Extent of </a:t>
+            </a:r>
+            <a:r>
+              <a:rPr lang="en-US" b="0" dirty="0" smtClean="0">
+                <a:solidFill>
+                  <a:schemeClr val="lt1"/>
+                </a:solidFill>
+                <a:latin typeface="Source Sans Pro" panose="020B0503030403020204" pitchFamily="34" charset="0"/>
+                <a:ea typeface="Source Sans Pro" panose="020B0503030403020204" pitchFamily="34" charset="0"/>
+              </a:rPr>
+              <a:t>Scalability/Usability</a:t>
+            </a:r>
+          </a:p>
+          <a:p>
+            <a:pPr marL="457200" lvl="0" indent="-355600">
+              <a:lnSpc>
+                <a:spcPct val="115000"/>
+              </a:lnSpc>
+              <a:spcBef>
+                <a:spcPts val="0"/>
+              </a:spcBef>
+              <a:spcAft>
+                <a:spcPts val="0"/>
+              </a:spcAft>
+              <a:buClr>
+                <a:schemeClr val="lt1"/>
+              </a:buClr>
+              <a:buSzPts val="2000"/>
+              <a:buFont typeface="Source Sans Pro"/>
+              <a:buChar char="●"/>
+            </a:pPr>
+            <a:r>
+              <a:rPr lang="en-US" b="0" dirty="0" smtClean="0">
+                <a:solidFill>
+                  <a:schemeClr val="lt1"/>
+                </a:solidFill>
+                <a:latin typeface="Source Sans Pro" panose="020B0503030403020204" pitchFamily="34" charset="0"/>
+                <a:ea typeface="Source Sans Pro" panose="020B0503030403020204" pitchFamily="34" charset="0"/>
+              </a:rPr>
+              <a:t> </a:t>
+            </a:r>
+            <a:endParaRPr lang="en-US" dirty="0">
+              <a:solidFill>
+                <a:schemeClr val="lt1"/>
+              </a:solidFill>
+              <a:latin typeface="Source Sans Pro" panose="020B0503030403020204" pitchFamily="34" charset="0"/>
+              <a:ea typeface="Source Sans Pro" panose="020B0503030403020204" pitchFamily="34" charset="0"/>
+            </a:endParaRPr>
+          </a:p>
+          <a:p>
+            <a:endParaRPr lang="en-US" dirty="0"/>
+          </a:p>
+        </p:txBody>
+      </p:sp>
+      <p:sp>
+        <p:nvSpPr>
+          <p:cNvPr id="3" name="Text Placeholder 2"/>
+          <p:cNvSpPr>
+            <a:spLocks noGrp="1"/>
+          </p:cNvSpPr>
+          <p:nvPr>
+            <p:ph type="body" sz="quarter" idx="11"/>
+          </p:nvPr>
+        </p:nvSpPr>
+        <p:spPr/>
+        <p:txBody>
+          <a:bodyPr/>
+          <a:lstStyle/>
+          <a:p>
+            <a:endParaRPr lang="en-US"/>
+          </a:p>
+        </p:txBody>
+      </p:sp>
+      <p:sp>
+        <p:nvSpPr>
+          <p:cNvPr id="4" name="Title 3"/>
+          <p:cNvSpPr>
+            <a:spLocks noGrp="1"/>
+          </p:cNvSpPr>
+          <p:nvPr>
+            <p:ph type="title"/>
+          </p:nvPr>
+        </p:nvSpPr>
+        <p:spPr/>
+        <p:txBody>
+          <a:bodyPr/>
+          <a:lstStyle/>
+          <a:p>
+            <a:endParaRPr lang="en-US"/>
+          </a:p>
+        </p:txBody>
+      </p:sp>
+    </p:spTree>
+    <p:extLst>
+      <p:ext uri="{BB962C8B-B14F-4D97-AF65-F5344CB8AC3E}">
+        <p14:creationId xmlns:p14="http://schemas.microsoft.com/office/powerpoint/2010/main" val="3546824000"/>
+      </p:ext>
+    </p:extLst>
+  </p:cSld>
+  <p:clrMapOvr>
+    <a:masterClrMapping/>
+  </p:clrMapOvr>
+</p:sld>
+</file>
+
+<file path=ppt/slides/slide9.xml><?xml version="1.0" encoding="utf-8"?>
+<p:sld xmlns:a="http://schemas.openxmlformats.org/drawingml/2006/main" xmlns:r="http://schemas.openxmlformats.org/officeDocument/2006/relationships" xmlns:p="http://schemas.openxmlformats.org/presentationml/2006/main">
+  <p:cSld>
+    <p:spTree>
+      <p:nvGrpSpPr>
+        <p:cNvPr id="1" name=""/>
+        <p:cNvGrpSpPr/>
+        <p:nvPr/>
+      </p:nvGrpSpPr>
+      <p:grpSpPr>
+        <a:xfrm>
+          <a:off x="0" y="0"/>
+          <a:ext cx="0" cy="0"/>
+          <a:chOff x="0" y="0"/>
+          <a:chExt cx="0" cy="0"/>
+        </a:xfrm>
+      </p:grpSpPr>
+      <p:sp>
+        <p:nvSpPr>
+          <p:cNvPr id="6" name="Content Placeholder 5">
+            <a:extLst>
+              <a:ext uri="{FF2B5EF4-FFF2-40B4-BE49-F238E27FC236}">
+                <a16:creationId xmlns:a16="http://schemas.microsoft.com/office/drawing/2014/main" xmlns="" id="{FE55FF28-C028-47D8-9756-B328A54414D7}"/>
+              </a:ext>
+            </a:extLst>
+          </p:cNvPr>
+          <p:cNvSpPr>
+            <a:spLocks noGrp="1"/>
+          </p:cNvSpPr>
+          <p:nvPr>
+            <p:ph sz="quarter" idx="10"/>
+          </p:nvPr>
+        </p:nvSpPr>
+        <p:spPr/>
+        <p:txBody>
+          <a:bodyPr vert="horz" lIns="0" tIns="0" rIns="0" bIns="0" rtlCol="0" anchor="t">
+            <a:noAutofit/>
+          </a:bodyPr>
+          <a:lstStyle/>
+          <a:p>
+            <a:r>
+              <a:rPr lang="en-US" b="0" dirty="0"/>
+              <a:t>What is an architecture diagram?</a:t>
+            </a:r>
+          </a:p>
+          <a:p>
+            <a:pPr lvl="1"/>
+            <a:r>
+              <a:rPr lang="en-US" dirty="0"/>
+              <a:t>An architecture diagram is a graphical representation of a set of concepts, that are part of an architecture, including their principles, elements and components. It includes:</a:t>
+            </a:r>
+          </a:p>
+          <a:p>
+            <a:pPr marL="457200" lvl="0" indent="-355600">
+              <a:lnSpc>
+                <a:spcPct val="115000"/>
+              </a:lnSpc>
+              <a:spcBef>
+                <a:spcPts val="600"/>
+              </a:spcBef>
+              <a:spcAft>
+                <a:spcPts val="0"/>
+              </a:spcAft>
+              <a:buClr>
+                <a:schemeClr val="lt1"/>
+              </a:buClr>
+              <a:buSzPts val="2000"/>
+              <a:buFont typeface="Source Sans Pro"/>
+              <a:buChar char="●"/>
+            </a:pPr>
+            <a:r>
+              <a:rPr lang="en-US" b="0" dirty="0">
+                <a:solidFill>
+                  <a:schemeClr val="lt1"/>
+                </a:solidFill>
+              </a:rPr>
+              <a:t>Flow Chart</a:t>
+            </a:r>
+          </a:p>
+          <a:p>
+            <a:pPr marL="457200" lvl="0" indent="-355600">
+              <a:lnSpc>
+                <a:spcPct val="115000"/>
+              </a:lnSpc>
+              <a:spcBef>
+                <a:spcPts val="0"/>
+              </a:spcBef>
+              <a:spcAft>
+                <a:spcPts val="0"/>
+              </a:spcAft>
+              <a:buClr>
+                <a:schemeClr val="lt1"/>
+              </a:buClr>
+              <a:buSzPts val="2000"/>
+              <a:buFont typeface="Source Sans Pro"/>
+              <a:buChar char="●"/>
+            </a:pPr>
+            <a:r>
+              <a:rPr lang="en-US" b="0" dirty="0">
+                <a:solidFill>
+                  <a:schemeClr val="lt1"/>
+                </a:solidFill>
+              </a:rPr>
+              <a:t>Wireframes</a:t>
+            </a:r>
+          </a:p>
+          <a:p>
+            <a:pPr marL="457200" lvl="0" indent="-355600">
+              <a:lnSpc>
+                <a:spcPct val="115000"/>
+              </a:lnSpc>
+              <a:spcBef>
+                <a:spcPts val="0"/>
+              </a:spcBef>
+              <a:spcAft>
+                <a:spcPts val="0"/>
+              </a:spcAft>
+              <a:buClr>
+                <a:schemeClr val="lt1"/>
+              </a:buClr>
+              <a:buSzPts val="2000"/>
+              <a:buFont typeface="Source Sans Pro"/>
+              <a:buChar char="●"/>
+            </a:pPr>
+            <a:r>
+              <a:rPr lang="en-US" b="0" dirty="0">
+                <a:solidFill>
+                  <a:schemeClr val="lt1"/>
+                </a:solidFill>
+              </a:rPr>
+              <a:t>Graphical representation</a:t>
+            </a:r>
+            <a:r>
+              <a:rPr lang="en-US" dirty="0">
+                <a:solidFill>
+                  <a:schemeClr val="lt1"/>
+                </a:solidFill>
+              </a:rPr>
+              <a:t> </a:t>
+            </a:r>
+            <a:r>
+              <a:rPr lang="en-US" b="0" dirty="0">
+                <a:solidFill>
+                  <a:schemeClr val="lt1"/>
+                </a:solidFill>
+              </a:rPr>
+              <a:t>(Bar graph, Histogram, Pie charts, Heat maps)</a:t>
+            </a:r>
+          </a:p>
+          <a:p>
+            <a:pPr marL="457200" lvl="0" indent="-355600">
+              <a:lnSpc>
+                <a:spcPct val="115000"/>
+              </a:lnSpc>
+              <a:spcBef>
+                <a:spcPts val="0"/>
+              </a:spcBef>
+              <a:spcAft>
+                <a:spcPts val="0"/>
+              </a:spcAft>
+              <a:buClr>
+                <a:schemeClr val="lt1"/>
+              </a:buClr>
+              <a:buSzPts val="2000"/>
+              <a:buFont typeface="Source Sans Pro"/>
+              <a:buChar char="●"/>
+            </a:pPr>
+            <a:r>
+              <a:rPr lang="en-US" b="0" dirty="0">
+                <a:solidFill>
+                  <a:schemeClr val="lt1"/>
+                </a:solidFill>
+              </a:rPr>
+              <a:t>Prototype (Screenshot, Screencast, Image, Video, etc.) –</a:t>
+            </a:r>
+            <a:r>
+              <a:rPr lang="en-US" b="0" i="1" dirty="0">
+                <a:solidFill>
+                  <a:schemeClr val="lt1"/>
+                </a:solidFill>
+              </a:rPr>
+              <a:t>optional</a:t>
+            </a:r>
+            <a:r>
+              <a:rPr lang="en-US" i="1" dirty="0">
+                <a:solidFill>
+                  <a:schemeClr val="lt1"/>
+                </a:solidFill>
+              </a:rPr>
+              <a:t/>
+            </a:r>
+            <a:br>
+              <a:rPr lang="en-US" i="1" dirty="0">
+                <a:solidFill>
+                  <a:schemeClr val="lt1"/>
+                </a:solidFill>
+              </a:rPr>
+            </a:br>
+            <a:r>
+              <a:rPr lang="en-US" b="0" i="1" dirty="0">
+                <a:solidFill>
+                  <a:schemeClr val="accent3"/>
+                </a:solidFill>
+              </a:rPr>
+              <a:t>[Include concept, principles, elements and components]</a:t>
+            </a:r>
+          </a:p>
+          <a:p>
+            <a:pPr lvl="0">
+              <a:lnSpc>
+                <a:spcPct val="115000"/>
+              </a:lnSpc>
+              <a:spcBef>
+                <a:spcPts val="0"/>
+              </a:spcBef>
+              <a:spcAft>
+                <a:spcPts val="0"/>
+              </a:spcAft>
+            </a:pPr>
+            <a:endParaRPr lang="en-US" b="0" i="1" dirty="0">
+              <a:solidFill>
+                <a:schemeClr val="lt1"/>
+              </a:solidFill>
+            </a:endParaRPr>
+          </a:p>
+          <a:p>
+            <a:pPr lvl="0">
+              <a:lnSpc>
+                <a:spcPct val="115000"/>
+              </a:lnSpc>
+              <a:spcBef>
+                <a:spcPts val="0"/>
+              </a:spcBef>
+              <a:spcAft>
+                <a:spcPts val="0"/>
+              </a:spcAft>
+              <a:buClr>
+                <a:srgbClr val="000000"/>
+              </a:buClr>
+              <a:buSzPts val="1800"/>
+            </a:pPr>
+            <a:r>
+              <a:rPr lang="en-US" b="0" dirty="0">
+                <a:solidFill>
+                  <a:schemeClr val="lt1"/>
+                </a:solidFill>
+              </a:rPr>
+              <a:t>Please note: Upload the documents (</a:t>
+            </a:r>
+            <a:r>
+              <a:rPr lang="en-US" b="0" dirty="0" err="1">
+                <a:solidFill>
+                  <a:schemeClr val="lt1"/>
+                </a:solidFill>
+              </a:rPr>
+              <a:t>eg</a:t>
+            </a:r>
+            <a:r>
+              <a:rPr lang="en-US" b="0" dirty="0">
+                <a:solidFill>
+                  <a:schemeClr val="lt1"/>
+                </a:solidFill>
+              </a:rPr>
+              <a:t>: .pdf, .docx, .</a:t>
+            </a:r>
+            <a:r>
+              <a:rPr lang="en-US" b="0" dirty="0" err="1">
+                <a:solidFill>
+                  <a:schemeClr val="lt1"/>
+                </a:solidFill>
+              </a:rPr>
+              <a:t>vsd</a:t>
+            </a:r>
+            <a:r>
+              <a:rPr lang="en-US" b="0" dirty="0">
+                <a:solidFill>
+                  <a:schemeClr val="lt1"/>
+                </a:solidFill>
+              </a:rPr>
+              <a:t>, etc.) directly on the platform. However, the links can be inserted/attached in this PowerPoint template. </a:t>
+            </a:r>
+            <a:endParaRPr lang="en-US" b="0" i="1" dirty="0">
+              <a:solidFill>
+                <a:schemeClr val="lt1"/>
+              </a:solidFill>
+            </a:endParaRPr>
+          </a:p>
+          <a:p>
+            <a:pPr lvl="1"/>
+            <a:endParaRPr lang="en-US" dirty="0"/>
+          </a:p>
+        </p:txBody>
+      </p:sp>
+      <p:sp>
+        <p:nvSpPr>
+          <p:cNvPr id="7" name="Text Placeholder 6">
+            <a:extLst>
+              <a:ext uri="{FF2B5EF4-FFF2-40B4-BE49-F238E27FC236}">
+                <a16:creationId xmlns:a16="http://schemas.microsoft.com/office/drawing/2014/main" xmlns="" id="{DF4F97D9-E7D7-4E85-BB50-C87C7BB6F961}"/>
+              </a:ext>
+            </a:extLst>
+          </p:cNvPr>
+          <p:cNvSpPr>
+            <a:spLocks noGrp="1"/>
+          </p:cNvSpPr>
+          <p:nvPr>
+            <p:ph type="body" sz="quarter" idx="11"/>
+          </p:nvPr>
+        </p:nvSpPr>
+        <p:spPr/>
+        <p:txBody>
+          <a:bodyPr/>
+          <a:lstStyle/>
+          <a:p>
+            <a:endParaRPr lang="en-IN"/>
+          </a:p>
+        </p:txBody>
+      </p:sp>
+      <p:sp>
+        <p:nvSpPr>
+          <p:cNvPr id="4" name="Title 3">
+            <a:extLst>
+              <a:ext uri="{FF2B5EF4-FFF2-40B4-BE49-F238E27FC236}">
+                <a16:creationId xmlns:a16="http://schemas.microsoft.com/office/drawing/2014/main" xmlns="" id="{6B1011D3-A8C8-44CC-8836-11626D436C26}"/>
+              </a:ext>
+            </a:extLst>
+          </p:cNvPr>
+          <p:cNvSpPr>
+            <a:spLocks noGrp="1"/>
+          </p:cNvSpPr>
+          <p:nvPr>
+            <p:ph type="title"/>
+          </p:nvPr>
+        </p:nvSpPr>
+        <p:spPr>
+          <a:xfrm>
+            <a:off x="432000" y="759866"/>
+            <a:ext cx="12578399" cy="379263"/>
+          </a:xfrm>
+        </p:spPr>
+        <p:txBody>
+          <a:bodyPr/>
+          <a:lstStyle/>
+          <a:p>
+            <a:r>
+              <a:rPr lang="en-US" dirty="0"/>
+              <a:t>Methodology / </a:t>
+            </a:r>
+            <a:r>
+              <a:rPr lang="en-IN" dirty="0"/>
+              <a:t>Architecture diagram </a:t>
+            </a:r>
+          </a:p>
+        </p:txBody>
+      </p:sp>
+    </p:spTree>
+    <p:extLst>
+      <p:ext uri="{BB962C8B-B14F-4D97-AF65-F5344CB8AC3E}">
+        <p14:creationId xmlns:p14="http://schemas.microsoft.com/office/powerpoint/2010/main" val="2437973063"/>
       </p:ext>
     </p:extLst>
   </p:cSld>

--- a/HackerEarth_Idea_Submission_Template24414bb.pptx
+++ b/HackerEarth_Idea_Submission_Template24414bb.pptx
@@ -355,7 +355,7 @@
               <a:rPr lang="en-US">
                 <a:latin typeface="Source Sans Pro" panose="020B0503030403020204" pitchFamily="34" charset="0"/>
               </a:rPr>
-              <a:t>05-Feb-22</a:t>
+              <a:t>06-Feb-22</a:t>
             </a:fld>
             <a:endParaRPr lang="en-US" dirty="0">
               <a:latin typeface="Source Sans Pro" panose="020B0503030403020204" pitchFamily="34" charset="0"/>
@@ -533,7 +533,7 @@
             <a:fld id="{539D999F-F868-4432-A6C8-4E530226A2F6}" type="datetimeFigureOut">
               <a:rPr lang="en-US" smtClean="0"/>
               <a:pPr/>
-              <a:t>05-Feb-22</a:t>
+              <a:t>06-Feb-22</a:t>
             </a:fld>
             <a:endParaRPr lang="en-US" dirty="0"/>
           </a:p>
@@ -842,12 +842,7 @@
             <p:ph type="sldImg"/>
           </p:nvPr>
         </p:nvSpPr>
-        <p:spPr>
-          <a:xfrm>
-            <a:off x="139700" y="768350"/>
-            <a:ext cx="6819900" cy="3836988"/>
-          </a:xfrm>
-        </p:spPr>
+        <p:spPr/>
       </p:sp>
       <p:sp>
         <p:nvSpPr>
@@ -886,7 +881,7 @@
             <a:fld id="{60DB4552-3D69-4E2D-A256-245DD04F23B6}" type="slidenum">
               <a:rPr lang="en-US" smtClean="0"/>
               <a:pPr/>
-              <a:t>11</a:t>
+              <a:t>3</a:t>
             </a:fld>
             <a:endParaRPr lang="en-US" dirty="0"/>
           </a:p>
@@ -895,7 +890,7 @@
     </p:spTree>
     <p:extLst>
       <p:ext uri="{BB962C8B-B14F-4D97-AF65-F5344CB8AC3E}">
-        <p14:creationId xmlns:p14="http://schemas.microsoft.com/office/powerpoint/2010/main" val="1971716009"/>
+        <p14:creationId xmlns:p14="http://schemas.microsoft.com/office/powerpoint/2010/main" val="2048875700"/>
       </p:ext>
     </p:extLst>
   </p:cSld>
@@ -976,6 +971,96 @@
             <a:fld id="{60DB4552-3D69-4E2D-A256-245DD04F23B6}" type="slidenum">
               <a:rPr lang="en-US" smtClean="0"/>
               <a:pPr/>
+              <a:t>11</a:t>
+            </a:fld>
+            <a:endParaRPr lang="en-US" dirty="0"/>
+          </a:p>
+        </p:txBody>
+      </p:sp>
+    </p:spTree>
+    <p:extLst>
+      <p:ext uri="{BB962C8B-B14F-4D97-AF65-F5344CB8AC3E}">
+        <p14:creationId xmlns:p14="http://schemas.microsoft.com/office/powerpoint/2010/main" val="1971716009"/>
+      </p:ext>
+    </p:extLst>
+  </p:cSld>
+  <p:clrMapOvr>
+    <a:masterClrMapping/>
+  </p:clrMapOvr>
+</p:notes>
+</file>
+
+<file path=ppt/notesSlides/notesSlide4.xml><?xml version="1.0" encoding="utf-8"?>
+<p:notes xmlns:a="http://schemas.openxmlformats.org/drawingml/2006/main" xmlns:r="http://schemas.openxmlformats.org/officeDocument/2006/relationships" xmlns:p="http://schemas.openxmlformats.org/presentationml/2006/main">
+  <p:cSld>
+    <p:spTree>
+      <p:nvGrpSpPr>
+        <p:cNvPr id="1" name=""/>
+        <p:cNvGrpSpPr/>
+        <p:nvPr/>
+      </p:nvGrpSpPr>
+      <p:grpSpPr>
+        <a:xfrm>
+          <a:off x="0" y="0"/>
+          <a:ext cx="0" cy="0"/>
+          <a:chOff x="0" y="0"/>
+          <a:chExt cx="0" cy="0"/>
+        </a:xfrm>
+      </p:grpSpPr>
+      <p:sp>
+        <p:nvSpPr>
+          <p:cNvPr id="2" name="Slide Image Placeholder 1"/>
+          <p:cNvSpPr>
+            <a:spLocks noGrp="1" noRot="1" noChangeAspect="1"/>
+          </p:cNvSpPr>
+          <p:nvPr>
+            <p:ph type="sldImg"/>
+          </p:nvPr>
+        </p:nvSpPr>
+        <p:spPr>
+          <a:xfrm>
+            <a:off x="139700" y="768350"/>
+            <a:ext cx="6819900" cy="3836988"/>
+          </a:xfrm>
+        </p:spPr>
+      </p:sp>
+      <p:sp>
+        <p:nvSpPr>
+          <p:cNvPr id="3" name="Notes Placeholder 2"/>
+          <p:cNvSpPr>
+            <a:spLocks noGrp="1"/>
+          </p:cNvSpPr>
+          <p:nvPr>
+            <p:ph type="body" idx="1"/>
+          </p:nvPr>
+        </p:nvSpPr>
+        <p:spPr/>
+        <p:txBody>
+          <a:bodyPr/>
+          <a:lstStyle/>
+          <a:p>
+            <a:endParaRPr lang="en-US" dirty="0"/>
+          </a:p>
+        </p:txBody>
+      </p:sp>
+      <p:sp>
+        <p:nvSpPr>
+          <p:cNvPr id="4" name="Slide Number Placeholder 3"/>
+          <p:cNvSpPr>
+            <a:spLocks noGrp="1"/>
+          </p:cNvSpPr>
+          <p:nvPr>
+            <p:ph type="sldNum" sz="quarter" idx="10"/>
+          </p:nvPr>
+        </p:nvSpPr>
+        <p:spPr/>
+        <p:txBody>
+          <a:bodyPr/>
+          <a:lstStyle/>
+          <a:p>
+            <a:fld id="{60DB4552-3D69-4E2D-A256-245DD04F23B6}" type="slidenum">
+              <a:rPr lang="en-US" smtClean="0"/>
+              <a:pPr/>
               <a:t>12</a:t>
             </a:fld>
             <a:endParaRPr lang="en-US" dirty="0"/>
@@ -1017,7 +1102,7 @@
           <p:cNvPr id="3" name="Picture 2" descr="A picture containing text, clock&#10;&#10;Description automatically generated">
             <a:extLst>
               <a:ext uri="{FF2B5EF4-FFF2-40B4-BE49-F238E27FC236}">
-                <a16:creationId xmlns:a16="http://schemas.microsoft.com/office/drawing/2014/main" xmlns="" id="{7507DB0D-77E0-406F-9D7E-21DE6986571B}"/>
+                <a16:creationId xmlns="" xmlns:a16="http://schemas.microsoft.com/office/drawing/2014/main" id="{7507DB0D-77E0-406F-9D7E-21DE6986571B}"/>
               </a:ext>
             </a:extLst>
           </p:cNvPr>
@@ -1138,7 +1223,7 @@
           <p:cNvPr id="41" name="Watermark">
             <a:extLst>
               <a:ext uri="{FF2B5EF4-FFF2-40B4-BE49-F238E27FC236}">
-                <a16:creationId xmlns:a16="http://schemas.microsoft.com/office/drawing/2014/main" xmlns="" id="{F8E9B888-CB64-4292-BFE2-1134379589C2}"/>
+                <a16:creationId xmlns="" xmlns:a16="http://schemas.microsoft.com/office/drawing/2014/main" id="{F8E9B888-CB64-4292-BFE2-1134379589C2}"/>
               </a:ext>
             </a:extLst>
           </p:cNvPr>
@@ -1257,7 +1342,7 @@
           <p:cNvPr id="16" name="image" descr="{&quot;templafy&quot;:{&quot;id&quot;:&quot;0f4d98c9-ac35-4c7e-a25c-9297298baeef&quot;}}" title="Form.ChooseProduct_Tertiary.ProductLogo">
             <a:extLst>
               <a:ext uri="{FF2B5EF4-FFF2-40B4-BE49-F238E27FC236}">
-                <a16:creationId xmlns:a16="http://schemas.microsoft.com/office/drawing/2014/main" xmlns="" id="{12B1603D-9F98-471F-9439-F9DED843C28B}"/>
+                <a16:creationId xmlns="" xmlns:a16="http://schemas.microsoft.com/office/drawing/2014/main" id="{12B1603D-9F98-471F-9439-F9DED843C28B}"/>
               </a:ext>
             </a:extLst>
           </p:cNvPr>
@@ -1309,7 +1394,7 @@
           <p:cNvPr id="22" name="image" descr="{&quot;templafy&quot;:{&quot;id&quot;:&quot;5cc30238-6e06-447f-bcad-587afb6b23c7&quot;}}" title="Form.ChoosePoroduct_Secondary.ProductLogo">
             <a:extLst>
               <a:ext uri="{FF2B5EF4-FFF2-40B4-BE49-F238E27FC236}">
-                <a16:creationId xmlns:a16="http://schemas.microsoft.com/office/drawing/2014/main" xmlns="" id="{AE32609B-D20B-4181-AA7C-3BE2A6899EC3}"/>
+                <a16:creationId xmlns="" xmlns:a16="http://schemas.microsoft.com/office/drawing/2014/main" id="{AE32609B-D20B-4181-AA7C-3BE2A6899EC3}"/>
               </a:ext>
             </a:extLst>
           </p:cNvPr>
@@ -1361,7 +1446,7 @@
           <p:cNvPr id="23" name="image" descr="{&quot;templafy&quot;:{&quot;id&quot;:&quot;53c951d2-f0d5-4a01-bb44-0e64ea46cde6&quot;}}" title="Form.ChooseProduct_Primary.ProductLogo">
             <a:extLst>
               <a:ext uri="{FF2B5EF4-FFF2-40B4-BE49-F238E27FC236}">
-                <a16:creationId xmlns:a16="http://schemas.microsoft.com/office/drawing/2014/main" xmlns="" id="{DF2B5168-77CD-4CB4-B637-3C51D6C0379D}"/>
+                <a16:creationId xmlns="" xmlns:a16="http://schemas.microsoft.com/office/drawing/2014/main" id="{DF2B5168-77CD-4CB4-B637-3C51D6C0379D}"/>
               </a:ext>
             </a:extLst>
           </p:cNvPr>
@@ -1413,7 +1498,7 @@
           <p:cNvPr id="26" name="text" descr="{&quot;templafy&quot;:{&quot;id&quot;:&quot;94371643-c78b-41c8-8009-cd5c66447b62&quot;}}" title="Form.PowerPointClient">
             <a:extLst>
               <a:ext uri="{FF2B5EF4-FFF2-40B4-BE49-F238E27FC236}">
-                <a16:creationId xmlns:a16="http://schemas.microsoft.com/office/drawing/2014/main" xmlns="" id="{E82609A1-0FB6-403A-B4C7-8DA018653310}"/>
+                <a16:creationId xmlns="" xmlns:a16="http://schemas.microsoft.com/office/drawing/2014/main" id="{E82609A1-0FB6-403A-B4C7-8DA018653310}"/>
               </a:ext>
             </a:extLst>
           </p:cNvPr>
@@ -1523,7 +1608,7 @@
           <p:cNvPr id="30" name="Graphic 29">
             <a:extLst>
               <a:ext uri="{FF2B5EF4-FFF2-40B4-BE49-F238E27FC236}">
-                <a16:creationId xmlns:a16="http://schemas.microsoft.com/office/drawing/2014/main" xmlns="" id="{0892D56C-96CD-4165-AB95-2CADE13D46A3}"/>
+                <a16:creationId xmlns="" xmlns:a16="http://schemas.microsoft.com/office/drawing/2014/main" id="{0892D56C-96CD-4165-AB95-2CADE13D46A3}"/>
               </a:ext>
             </a:extLst>
           </p:cNvPr>
@@ -1536,7 +1621,7 @@
           <a:blip r:embed="rId3">
             <a:extLst>
               <a:ext uri="{96DAC541-7B7A-43D3-8B79-37D633B846F1}">
-                <asvg:svgBlip xmlns:asvg="http://schemas.microsoft.com/office/drawing/2016/SVG/main" xmlns="" r:embed="rId4"/>
+                <asvg:svgBlip xmlns="" xmlns:asvg="http://schemas.microsoft.com/office/drawing/2016/SVG/main" r:embed="rId4"/>
               </a:ext>
             </a:extLst>
           </a:blip>
@@ -1589,7 +1674,7 @@
           <p:cNvPr id="5" name="Picture 4" descr="Logo&#10;&#10;Description automatically generated">
             <a:extLst>
               <a:ext uri="{FF2B5EF4-FFF2-40B4-BE49-F238E27FC236}">
-                <a16:creationId xmlns:a16="http://schemas.microsoft.com/office/drawing/2014/main" xmlns="" id="{9A7EC422-57BB-41C7-93BA-F74794F20020}"/>
+                <a16:creationId xmlns="" xmlns:a16="http://schemas.microsoft.com/office/drawing/2014/main" id="{9A7EC422-57BB-41C7-93BA-F74794F20020}"/>
               </a:ext>
             </a:extLst>
           </p:cNvPr>
@@ -1789,7 +1874,7 @@
           <p:cNvPr id="11" name="Guidance">
             <a:extLst>
               <a:ext uri="{FF2B5EF4-FFF2-40B4-BE49-F238E27FC236}">
-                <a16:creationId xmlns:a16="http://schemas.microsoft.com/office/drawing/2014/main" xmlns="" id="{C0560B96-89DC-48EF-8186-C57132A06BB6}"/>
+                <a16:creationId xmlns="" xmlns:a16="http://schemas.microsoft.com/office/drawing/2014/main" id="{C0560B96-89DC-48EF-8186-C57132A06BB6}"/>
               </a:ext>
             </a:extLst>
           </p:cNvPr>
@@ -1809,7 +1894,7 @@
             <p:cNvPr id="12" name="Guidance Arrow 1">
               <a:extLst>
                 <a:ext uri="{FF2B5EF4-FFF2-40B4-BE49-F238E27FC236}">
-                  <a16:creationId xmlns:a16="http://schemas.microsoft.com/office/drawing/2014/main" xmlns="" id="{E900C0DC-D912-4F79-BAF6-9901FF11017C}"/>
+                  <a16:creationId xmlns="" xmlns:a16="http://schemas.microsoft.com/office/drawing/2014/main" id="{E900C0DC-D912-4F79-BAF6-9901FF11017C}"/>
                 </a:ext>
               </a:extLst>
             </p:cNvPr>
@@ -1851,7 +1936,7 @@
             <p:cNvPr id="13" name="Guidance Text 1">
               <a:extLst>
                 <a:ext uri="{FF2B5EF4-FFF2-40B4-BE49-F238E27FC236}">
-                  <a16:creationId xmlns:a16="http://schemas.microsoft.com/office/drawing/2014/main" xmlns="" id="{23CF8911-718C-4C58-913F-95035F69D7A5}"/>
+                  <a16:creationId xmlns="" xmlns:a16="http://schemas.microsoft.com/office/drawing/2014/main" id="{23CF8911-718C-4C58-913F-95035F69D7A5}"/>
                 </a:ext>
               </a:extLst>
             </p:cNvPr>
@@ -1917,7 +2002,7 @@
           <p:cNvPr id="15" name="Graphic 14">
             <a:extLst>
               <a:ext uri="{FF2B5EF4-FFF2-40B4-BE49-F238E27FC236}">
-                <a16:creationId xmlns:a16="http://schemas.microsoft.com/office/drawing/2014/main" xmlns="" id="{2895593F-750B-4731-88A6-52CB635F3674}"/>
+                <a16:creationId xmlns="" xmlns:a16="http://schemas.microsoft.com/office/drawing/2014/main" id="{2895593F-750B-4731-88A6-52CB635F3674}"/>
               </a:ext>
             </a:extLst>
           </p:cNvPr>
@@ -1930,7 +2015,7 @@
           <a:blip r:embed="rId3">
             <a:extLst>
               <a:ext uri="{96DAC541-7B7A-43D3-8B79-37D633B846F1}">
-                <asvg:svgBlip xmlns:asvg="http://schemas.microsoft.com/office/drawing/2016/SVG/main" xmlns="" r:embed="rId4"/>
+                <asvg:svgBlip xmlns="" xmlns:asvg="http://schemas.microsoft.com/office/drawing/2016/SVG/main" r:embed="rId4"/>
               </a:ext>
             </a:extLst>
           </a:blip>
@@ -2013,7 +2098,7 @@
           <p:cNvPr id="11" name="Picture 10" descr="A picture containing silhouette, night sky&#10;&#10;Description automatically generated">
             <a:extLst>
               <a:ext uri="{FF2B5EF4-FFF2-40B4-BE49-F238E27FC236}">
-                <a16:creationId xmlns:a16="http://schemas.microsoft.com/office/drawing/2014/main" xmlns="" id="{C283E3D3-3839-4131-88C1-A4C3E25BF1B8}"/>
+                <a16:creationId xmlns="" xmlns:a16="http://schemas.microsoft.com/office/drawing/2014/main" id="{C283E3D3-3839-4131-88C1-A4C3E25BF1B8}"/>
               </a:ext>
             </a:extLst>
           </p:cNvPr>
@@ -2140,7 +2225,7 @@
           <p:cNvPr id="4" name="Spacers">
             <a:extLst>
               <a:ext uri="{FF2B5EF4-FFF2-40B4-BE49-F238E27FC236}">
-                <a16:creationId xmlns:a16="http://schemas.microsoft.com/office/drawing/2014/main" xmlns="" id="{96BFEDA8-C529-4DC6-8C5D-C1D32F8D7174}"/>
+                <a16:creationId xmlns="" xmlns:a16="http://schemas.microsoft.com/office/drawing/2014/main" id="{96BFEDA8-C529-4DC6-8C5D-C1D32F8D7174}"/>
               </a:ext>
             </a:extLst>
           </p:cNvPr>
@@ -2160,7 +2245,7 @@
             <p:cNvPr id="5" name="Left">
               <a:extLst>
                 <a:ext uri="{FF2B5EF4-FFF2-40B4-BE49-F238E27FC236}">
-                  <a16:creationId xmlns:a16="http://schemas.microsoft.com/office/drawing/2014/main" xmlns="" id="{6473849B-1E97-46D4-8668-7175F2FE5CF0}"/>
+                  <a16:creationId xmlns="" xmlns:a16="http://schemas.microsoft.com/office/drawing/2014/main" id="{6473849B-1E97-46D4-8668-7175F2FE5CF0}"/>
                 </a:ext>
               </a:extLst>
             </p:cNvPr>
@@ -2201,7 +2286,7 @@
             <p:cNvPr id="6" name="Right">
               <a:extLst>
                 <a:ext uri="{FF2B5EF4-FFF2-40B4-BE49-F238E27FC236}">
-                  <a16:creationId xmlns:a16="http://schemas.microsoft.com/office/drawing/2014/main" xmlns="" id="{3BCB408C-D5DE-4646-88FF-F74183F140F3}"/>
+                  <a16:creationId xmlns="" xmlns:a16="http://schemas.microsoft.com/office/drawing/2014/main" id="{3BCB408C-D5DE-4646-88FF-F74183F140F3}"/>
                 </a:ext>
               </a:extLst>
             </p:cNvPr>
@@ -2243,7 +2328,7 @@
           <p:cNvPr id="13" name="Graphic 12">
             <a:extLst>
               <a:ext uri="{FF2B5EF4-FFF2-40B4-BE49-F238E27FC236}">
-                <a16:creationId xmlns:a16="http://schemas.microsoft.com/office/drawing/2014/main" xmlns="" id="{38C70AB9-AC3D-460C-8E6E-F9D342C003E9}"/>
+                <a16:creationId xmlns="" xmlns:a16="http://schemas.microsoft.com/office/drawing/2014/main" id="{38C70AB9-AC3D-460C-8E6E-F9D342C003E9}"/>
               </a:ext>
             </a:extLst>
           </p:cNvPr>
@@ -2256,7 +2341,7 @@
           <a:blip r:embed="rId3">
             <a:extLst>
               <a:ext uri="{96DAC541-7B7A-43D3-8B79-37D633B846F1}">
-                <asvg:svgBlip xmlns:asvg="http://schemas.microsoft.com/office/drawing/2016/SVG/main" xmlns="" r:embed="rId4"/>
+                <asvg:svgBlip xmlns="" xmlns:asvg="http://schemas.microsoft.com/office/drawing/2016/SVG/main" r:embed="rId4"/>
               </a:ext>
             </a:extLst>
           </a:blip>
@@ -2279,7 +2364,7 @@
           <p:cNvPr id="12" name="TextBox 11">
             <a:extLst>
               <a:ext uri="{FF2B5EF4-FFF2-40B4-BE49-F238E27FC236}">
-                <a16:creationId xmlns:a16="http://schemas.microsoft.com/office/drawing/2014/main" xmlns="" id="{88B07E22-3758-4238-9F64-474AA1AAE2DD}"/>
+                <a16:creationId xmlns="" xmlns:a16="http://schemas.microsoft.com/office/drawing/2014/main" id="{88B07E22-3758-4238-9F64-474AA1AAE2DD}"/>
               </a:ext>
             </a:extLst>
           </p:cNvPr>
@@ -2402,7 +2487,7 @@
           <p:cNvPr id="13" name="Picture 12" descr="A picture containing logo&#10;&#10;Description automatically generated">
             <a:extLst>
               <a:ext uri="{FF2B5EF4-FFF2-40B4-BE49-F238E27FC236}">
-                <a16:creationId xmlns:a16="http://schemas.microsoft.com/office/drawing/2014/main" xmlns="" id="{DDECDAF1-29AD-4827-9D7A-BC94158209A1}"/>
+                <a16:creationId xmlns="" xmlns:a16="http://schemas.microsoft.com/office/drawing/2014/main" id="{DDECDAF1-29AD-4827-9D7A-BC94158209A1}"/>
               </a:ext>
             </a:extLst>
           </p:cNvPr>
@@ -2529,7 +2614,7 @@
           <p:cNvPr id="4" name="Spacers">
             <a:extLst>
               <a:ext uri="{FF2B5EF4-FFF2-40B4-BE49-F238E27FC236}">
-                <a16:creationId xmlns:a16="http://schemas.microsoft.com/office/drawing/2014/main" xmlns="" id="{96BFEDA8-C529-4DC6-8C5D-C1D32F8D7174}"/>
+                <a16:creationId xmlns="" xmlns:a16="http://schemas.microsoft.com/office/drawing/2014/main" id="{96BFEDA8-C529-4DC6-8C5D-C1D32F8D7174}"/>
               </a:ext>
             </a:extLst>
           </p:cNvPr>
@@ -2549,7 +2634,7 @@
             <p:cNvPr id="5" name="Left">
               <a:extLst>
                 <a:ext uri="{FF2B5EF4-FFF2-40B4-BE49-F238E27FC236}">
-                  <a16:creationId xmlns:a16="http://schemas.microsoft.com/office/drawing/2014/main" xmlns="" id="{6473849B-1E97-46D4-8668-7175F2FE5CF0}"/>
+                  <a16:creationId xmlns="" xmlns:a16="http://schemas.microsoft.com/office/drawing/2014/main" id="{6473849B-1E97-46D4-8668-7175F2FE5CF0}"/>
                 </a:ext>
               </a:extLst>
             </p:cNvPr>
@@ -2590,7 +2675,7 @@
             <p:cNvPr id="6" name="Right">
               <a:extLst>
                 <a:ext uri="{FF2B5EF4-FFF2-40B4-BE49-F238E27FC236}">
-                  <a16:creationId xmlns:a16="http://schemas.microsoft.com/office/drawing/2014/main" xmlns="" id="{3BCB408C-D5DE-4646-88FF-F74183F140F3}"/>
+                  <a16:creationId xmlns="" xmlns:a16="http://schemas.microsoft.com/office/drawing/2014/main" id="{3BCB408C-D5DE-4646-88FF-F74183F140F3}"/>
                 </a:ext>
               </a:extLst>
             </p:cNvPr>
@@ -2632,7 +2717,7 @@
           <p:cNvPr id="15" name="Graphic 14">
             <a:extLst>
               <a:ext uri="{FF2B5EF4-FFF2-40B4-BE49-F238E27FC236}">
-                <a16:creationId xmlns:a16="http://schemas.microsoft.com/office/drawing/2014/main" xmlns="" id="{818F5097-2D84-4FA6-A064-0F1141B59D41}"/>
+                <a16:creationId xmlns="" xmlns:a16="http://schemas.microsoft.com/office/drawing/2014/main" id="{818F5097-2D84-4FA6-A064-0F1141B59D41}"/>
               </a:ext>
             </a:extLst>
           </p:cNvPr>
@@ -2645,7 +2730,7 @@
           <a:blip r:embed="rId3">
             <a:extLst>
               <a:ext uri="{96DAC541-7B7A-43D3-8B79-37D633B846F1}">
-                <asvg:svgBlip xmlns:asvg="http://schemas.microsoft.com/office/drawing/2016/SVG/main" xmlns="" r:embed="rId4"/>
+                <asvg:svgBlip xmlns="" xmlns:asvg="http://schemas.microsoft.com/office/drawing/2016/SVG/main" r:embed="rId4"/>
               </a:ext>
             </a:extLst>
           </a:blip>
@@ -2698,7 +2783,7 @@
           <p:cNvPr id="8" name="Title 2">
             <a:extLst>
               <a:ext uri="{FF2B5EF4-FFF2-40B4-BE49-F238E27FC236}">
-                <a16:creationId xmlns:a16="http://schemas.microsoft.com/office/drawing/2014/main" xmlns="" id="{DF0AA9B1-B4E0-428F-88EC-5EA31380067B}"/>
+                <a16:creationId xmlns="" xmlns:a16="http://schemas.microsoft.com/office/drawing/2014/main" id="{DF0AA9B1-B4E0-428F-88EC-5EA31380067B}"/>
               </a:ext>
             </a:extLst>
           </p:cNvPr>
@@ -2740,7 +2825,7 @@
           <p:cNvPr id="9" name="Guidance">
             <a:extLst>
               <a:ext uri="{FF2B5EF4-FFF2-40B4-BE49-F238E27FC236}">
-                <a16:creationId xmlns:a16="http://schemas.microsoft.com/office/drawing/2014/main" xmlns="" id="{A3E64B4F-41B5-4DBD-852D-3A5517B12B12}"/>
+                <a16:creationId xmlns="" xmlns:a16="http://schemas.microsoft.com/office/drawing/2014/main" id="{A3E64B4F-41B5-4DBD-852D-3A5517B12B12}"/>
               </a:ext>
             </a:extLst>
           </p:cNvPr>
@@ -2760,7 +2845,7 @@
             <p:cNvPr id="10" name="Guidance Arrow 1">
               <a:extLst>
                 <a:ext uri="{FF2B5EF4-FFF2-40B4-BE49-F238E27FC236}">
-                  <a16:creationId xmlns:a16="http://schemas.microsoft.com/office/drawing/2014/main" xmlns="" id="{AE753255-EA45-4734-AAB6-B86321799FA6}"/>
+                  <a16:creationId xmlns="" xmlns:a16="http://schemas.microsoft.com/office/drawing/2014/main" id="{AE753255-EA45-4734-AAB6-B86321799FA6}"/>
                 </a:ext>
               </a:extLst>
             </p:cNvPr>
@@ -2802,7 +2887,7 @@
             <p:cNvPr id="11" name="Guidance Text 1">
               <a:extLst>
                 <a:ext uri="{FF2B5EF4-FFF2-40B4-BE49-F238E27FC236}">
-                  <a16:creationId xmlns:a16="http://schemas.microsoft.com/office/drawing/2014/main" xmlns="" id="{B6E53A7B-BC5E-4920-814E-2A9382E1E887}"/>
+                  <a16:creationId xmlns="" xmlns:a16="http://schemas.microsoft.com/office/drawing/2014/main" id="{B6E53A7B-BC5E-4920-814E-2A9382E1E887}"/>
                 </a:ext>
               </a:extLst>
             </p:cNvPr>
@@ -2868,7 +2953,7 @@
           <p:cNvPr id="7" name="Section Placeholder">
             <a:extLst>
               <a:ext uri="{FF2B5EF4-FFF2-40B4-BE49-F238E27FC236}">
-                <a16:creationId xmlns:a16="http://schemas.microsoft.com/office/drawing/2014/main" xmlns="" id="{82526717-3310-43A8-B73F-A5628E6F5CE0}"/>
+                <a16:creationId xmlns="" xmlns:a16="http://schemas.microsoft.com/office/drawing/2014/main" id="{82526717-3310-43A8-B73F-A5628E6F5CE0}"/>
               </a:ext>
             </a:extLst>
           </p:cNvPr>
@@ -3187,7 +3272,7 @@
           <p:cNvPr id="3" name="Title 2">
             <a:extLst>
               <a:ext uri="{FF2B5EF4-FFF2-40B4-BE49-F238E27FC236}">
-                <a16:creationId xmlns:a16="http://schemas.microsoft.com/office/drawing/2014/main" xmlns="" id="{9D895CFA-7125-4DD6-94C8-25AF43CDBB7D}"/>
+                <a16:creationId xmlns="" xmlns:a16="http://schemas.microsoft.com/office/drawing/2014/main" id="{9D895CFA-7125-4DD6-94C8-25AF43CDBB7D}"/>
               </a:ext>
             </a:extLst>
           </p:cNvPr>
@@ -3247,7 +3332,7 @@
           <p:cNvPr id="10" name="Page number">
             <a:extLst>
               <a:ext uri="{FF2B5EF4-FFF2-40B4-BE49-F238E27FC236}">
-                <a16:creationId xmlns:a16="http://schemas.microsoft.com/office/drawing/2014/main" xmlns="" id="{D41ABB3A-85A1-4FC9-B7A4-00FEF73BB3DB}"/>
+                <a16:creationId xmlns="" xmlns:a16="http://schemas.microsoft.com/office/drawing/2014/main" id="{D41ABB3A-85A1-4FC9-B7A4-00FEF73BB3DB}"/>
               </a:ext>
             </a:extLst>
           </p:cNvPr>
@@ -3322,7 +3407,7 @@
           <p:cNvPr id="2" name="Rectangle 1">
             <a:extLst>
               <a:ext uri="{FF2B5EF4-FFF2-40B4-BE49-F238E27FC236}">
-                <a16:creationId xmlns:a16="http://schemas.microsoft.com/office/drawing/2014/main" xmlns="" id="{03A08C19-DE43-4D8D-B7F6-05135A7AD1EF}"/>
+                <a16:creationId xmlns="" xmlns:a16="http://schemas.microsoft.com/office/drawing/2014/main" id="{03A08C19-DE43-4D8D-B7F6-05135A7AD1EF}"/>
               </a:ext>
             </a:extLst>
           </p:cNvPr>
@@ -3623,7 +3708,7 @@
           <p:cNvPr id="3" name="Title 2">
             <a:extLst>
               <a:ext uri="{FF2B5EF4-FFF2-40B4-BE49-F238E27FC236}">
-                <a16:creationId xmlns:a16="http://schemas.microsoft.com/office/drawing/2014/main" xmlns="" id="{41B9D6C8-DF8A-4CAC-90FA-69A3E5DBC39A}"/>
+                <a16:creationId xmlns="" xmlns:a16="http://schemas.microsoft.com/office/drawing/2014/main" id="{41B9D6C8-DF8A-4CAC-90FA-69A3E5DBC39A}"/>
               </a:ext>
             </a:extLst>
           </p:cNvPr>
@@ -3680,7 +3765,7 @@
           <p:cNvPr id="16" name="Guidance">
             <a:extLst>
               <a:ext uri="{FF2B5EF4-FFF2-40B4-BE49-F238E27FC236}">
-                <a16:creationId xmlns:a16="http://schemas.microsoft.com/office/drawing/2014/main" xmlns="" id="{59BBDF4F-53E1-4CCF-B3CD-B5A65FD80CD0}"/>
+                <a16:creationId xmlns="" xmlns:a16="http://schemas.microsoft.com/office/drawing/2014/main" id="{59BBDF4F-53E1-4CCF-B3CD-B5A65FD80CD0}"/>
               </a:ext>
             </a:extLst>
           </p:cNvPr>
@@ -3700,7 +3785,7 @@
             <p:cNvPr id="17" name="Guidance Arrow 1">
               <a:extLst>
                 <a:ext uri="{FF2B5EF4-FFF2-40B4-BE49-F238E27FC236}">
-                  <a16:creationId xmlns:a16="http://schemas.microsoft.com/office/drawing/2014/main" xmlns="" id="{FFC4A399-6AE3-435D-8C9F-D5B4719C0AF4}"/>
+                  <a16:creationId xmlns="" xmlns:a16="http://schemas.microsoft.com/office/drawing/2014/main" id="{FFC4A399-6AE3-435D-8C9F-D5B4719C0AF4}"/>
                 </a:ext>
               </a:extLst>
             </p:cNvPr>
@@ -3742,7 +3827,7 @@
             <p:cNvPr id="18" name="Guidance Text 1">
               <a:extLst>
                 <a:ext uri="{FF2B5EF4-FFF2-40B4-BE49-F238E27FC236}">
-                  <a16:creationId xmlns:a16="http://schemas.microsoft.com/office/drawing/2014/main" xmlns="" id="{EC1E71E0-FD67-439C-9719-9382A1C025C0}"/>
+                  <a16:creationId xmlns="" xmlns:a16="http://schemas.microsoft.com/office/drawing/2014/main" id="{EC1E71E0-FD67-439C-9719-9382A1C025C0}"/>
                 </a:ext>
               </a:extLst>
             </p:cNvPr>
@@ -3965,7 +4050,7 @@
           <p:cNvPr id="9" name="Content Placeholder 2">
             <a:extLst>
               <a:ext uri="{FF2B5EF4-FFF2-40B4-BE49-F238E27FC236}">
-                <a16:creationId xmlns:a16="http://schemas.microsoft.com/office/drawing/2014/main" xmlns="" id="{A39F8322-E75D-4841-91BB-F03EBE9D32A1}"/>
+                <a16:creationId xmlns="" xmlns:a16="http://schemas.microsoft.com/office/drawing/2014/main" id="{A39F8322-E75D-4841-91BB-F03EBE9D32A1}"/>
               </a:ext>
             </a:extLst>
           </p:cNvPr>
@@ -4052,7 +4137,7 @@
           <p:cNvPr id="3" name="Title 2">
             <a:extLst>
               <a:ext uri="{FF2B5EF4-FFF2-40B4-BE49-F238E27FC236}">
-                <a16:creationId xmlns:a16="http://schemas.microsoft.com/office/drawing/2014/main" xmlns="" id="{504B8576-C97F-450B-AF7C-9C822B81252D}"/>
+                <a16:creationId xmlns="" xmlns:a16="http://schemas.microsoft.com/office/drawing/2014/main" id="{504B8576-C97F-450B-AF7C-9C822B81252D}"/>
               </a:ext>
             </a:extLst>
           </p:cNvPr>
@@ -4110,7 +4195,7 @@
           <p:cNvPr id="12" name="Guidance">
             <a:extLst>
               <a:ext uri="{FF2B5EF4-FFF2-40B4-BE49-F238E27FC236}">
-                <a16:creationId xmlns:a16="http://schemas.microsoft.com/office/drawing/2014/main" xmlns="" id="{8BBEF967-7A57-44E2-82CB-731E6A47DEED}"/>
+                <a16:creationId xmlns="" xmlns:a16="http://schemas.microsoft.com/office/drawing/2014/main" id="{8BBEF967-7A57-44E2-82CB-731E6A47DEED}"/>
               </a:ext>
             </a:extLst>
           </p:cNvPr>
@@ -4130,7 +4215,7 @@
             <p:cNvPr id="13" name="Guidance Arrow 1">
               <a:extLst>
                 <a:ext uri="{FF2B5EF4-FFF2-40B4-BE49-F238E27FC236}">
-                  <a16:creationId xmlns:a16="http://schemas.microsoft.com/office/drawing/2014/main" xmlns="" id="{E0BDBE6C-F311-4ED7-8111-E6085F05E467}"/>
+                  <a16:creationId xmlns="" xmlns:a16="http://schemas.microsoft.com/office/drawing/2014/main" id="{E0BDBE6C-F311-4ED7-8111-E6085F05E467}"/>
                 </a:ext>
               </a:extLst>
             </p:cNvPr>
@@ -4172,7 +4257,7 @@
             <p:cNvPr id="14" name="Guidance Text 1">
               <a:extLst>
                 <a:ext uri="{FF2B5EF4-FFF2-40B4-BE49-F238E27FC236}">
-                  <a16:creationId xmlns:a16="http://schemas.microsoft.com/office/drawing/2014/main" xmlns="" id="{601AE108-F079-49B9-932F-D8638E8A9B16}"/>
+                  <a16:creationId xmlns="" xmlns:a16="http://schemas.microsoft.com/office/drawing/2014/main" id="{601AE108-F079-49B9-932F-D8638E8A9B16}"/>
                 </a:ext>
               </a:extLst>
             </p:cNvPr>
@@ -4268,7 +4353,7 @@
           <p:cNvPr id="27" name="Content Placeholder 4">
             <a:extLst>
               <a:ext uri="{FF2B5EF4-FFF2-40B4-BE49-F238E27FC236}">
-                <a16:creationId xmlns:a16="http://schemas.microsoft.com/office/drawing/2014/main" xmlns="" id="{BF44F2C6-878C-49AD-86A3-E4F9C81B6A17}"/>
+                <a16:creationId xmlns="" xmlns:a16="http://schemas.microsoft.com/office/drawing/2014/main" id="{BF44F2C6-878C-49AD-86A3-E4F9C81B6A17}"/>
               </a:ext>
             </a:extLst>
           </p:cNvPr>
@@ -4355,7 +4440,7 @@
           <p:cNvPr id="28" name="Content Placeholder 3">
             <a:extLst>
               <a:ext uri="{FF2B5EF4-FFF2-40B4-BE49-F238E27FC236}">
-                <a16:creationId xmlns:a16="http://schemas.microsoft.com/office/drawing/2014/main" xmlns="" id="{A44EB6E1-603C-49EE-B1C0-8A0BB39A79DB}"/>
+                <a16:creationId xmlns="" xmlns:a16="http://schemas.microsoft.com/office/drawing/2014/main" id="{A44EB6E1-603C-49EE-B1C0-8A0BB39A79DB}"/>
               </a:ext>
             </a:extLst>
           </p:cNvPr>
@@ -4442,7 +4527,7 @@
           <p:cNvPr id="29" name="Content Placeholder 2">
             <a:extLst>
               <a:ext uri="{FF2B5EF4-FFF2-40B4-BE49-F238E27FC236}">
-                <a16:creationId xmlns:a16="http://schemas.microsoft.com/office/drawing/2014/main" xmlns="" id="{2457269A-0502-42B1-8EFE-2C220E0E957F}"/>
+                <a16:creationId xmlns="" xmlns:a16="http://schemas.microsoft.com/office/drawing/2014/main" id="{2457269A-0502-42B1-8EFE-2C220E0E957F}"/>
               </a:ext>
             </a:extLst>
           </p:cNvPr>
@@ -4529,7 +4614,7 @@
           <p:cNvPr id="30" name="Content Placeholder 1">
             <a:extLst>
               <a:ext uri="{FF2B5EF4-FFF2-40B4-BE49-F238E27FC236}">
-                <a16:creationId xmlns:a16="http://schemas.microsoft.com/office/drawing/2014/main" xmlns="" id="{6FEE4595-13BB-4EF8-8A7F-7F4BA9EE4DFD}"/>
+                <a16:creationId xmlns="" xmlns:a16="http://schemas.microsoft.com/office/drawing/2014/main" id="{6FEE4595-13BB-4EF8-8A7F-7F4BA9EE4DFD}"/>
               </a:ext>
             </a:extLst>
           </p:cNvPr>
@@ -4662,7 +4747,7 @@
           <p:cNvPr id="3" name="Title 2">
             <a:extLst>
               <a:ext uri="{FF2B5EF4-FFF2-40B4-BE49-F238E27FC236}">
-                <a16:creationId xmlns:a16="http://schemas.microsoft.com/office/drawing/2014/main" xmlns="" id="{FC5A05A5-E949-4255-8EA9-24090C2E7544}"/>
+                <a16:creationId xmlns="" xmlns:a16="http://schemas.microsoft.com/office/drawing/2014/main" id="{FC5A05A5-E949-4255-8EA9-24090C2E7544}"/>
               </a:ext>
             </a:extLst>
           </p:cNvPr>
@@ -4719,7 +4804,7 @@
           <p:cNvPr id="13" name="Guidance">
             <a:extLst>
               <a:ext uri="{FF2B5EF4-FFF2-40B4-BE49-F238E27FC236}">
-                <a16:creationId xmlns:a16="http://schemas.microsoft.com/office/drawing/2014/main" xmlns="" id="{D957027B-ECB0-453C-BFC6-A19B11EBCE38}"/>
+                <a16:creationId xmlns="" xmlns:a16="http://schemas.microsoft.com/office/drawing/2014/main" id="{D957027B-ECB0-453C-BFC6-A19B11EBCE38}"/>
               </a:ext>
             </a:extLst>
           </p:cNvPr>
@@ -4739,7 +4824,7 @@
             <p:cNvPr id="16" name="Guidance Arrow 1">
               <a:extLst>
                 <a:ext uri="{FF2B5EF4-FFF2-40B4-BE49-F238E27FC236}">
-                  <a16:creationId xmlns:a16="http://schemas.microsoft.com/office/drawing/2014/main" xmlns="" id="{AA5C761A-0D64-4D21-8B9E-6AC5F7C8B379}"/>
+                  <a16:creationId xmlns="" xmlns:a16="http://schemas.microsoft.com/office/drawing/2014/main" id="{AA5C761A-0D64-4D21-8B9E-6AC5F7C8B379}"/>
                 </a:ext>
               </a:extLst>
             </p:cNvPr>
@@ -4781,7 +4866,7 @@
             <p:cNvPr id="17" name="Guidance Text 1">
               <a:extLst>
                 <a:ext uri="{FF2B5EF4-FFF2-40B4-BE49-F238E27FC236}">
-                  <a16:creationId xmlns:a16="http://schemas.microsoft.com/office/drawing/2014/main" xmlns="" id="{7F835AD1-1221-48D2-8B7F-08295DDDA82C}"/>
+                  <a16:creationId xmlns="" xmlns:a16="http://schemas.microsoft.com/office/drawing/2014/main" id="{7F835AD1-1221-48D2-8B7F-08295DDDA82C}"/>
                 </a:ext>
               </a:extLst>
             </p:cNvPr>
@@ -5085,7 +5170,7 @@
           <p:cNvPr id="2" name="Title 1">
             <a:extLst>
               <a:ext uri="{FF2B5EF4-FFF2-40B4-BE49-F238E27FC236}">
-                <a16:creationId xmlns:a16="http://schemas.microsoft.com/office/drawing/2014/main" xmlns="" id="{6EACCE5A-C1DE-4A2A-8864-4E54FE2B74B8}"/>
+                <a16:creationId xmlns="" xmlns:a16="http://schemas.microsoft.com/office/drawing/2014/main" id="{6EACCE5A-C1DE-4A2A-8864-4E54FE2B74B8}"/>
               </a:ext>
             </a:extLst>
           </p:cNvPr>
@@ -5142,7 +5227,7 @@
           <p:cNvPr id="12" name="Guidance">
             <a:extLst>
               <a:ext uri="{FF2B5EF4-FFF2-40B4-BE49-F238E27FC236}">
-                <a16:creationId xmlns:a16="http://schemas.microsoft.com/office/drawing/2014/main" xmlns="" id="{55B24E05-AC6C-4B2D-A5F9-A0018C46254D}"/>
+                <a16:creationId xmlns="" xmlns:a16="http://schemas.microsoft.com/office/drawing/2014/main" id="{55B24E05-AC6C-4B2D-A5F9-A0018C46254D}"/>
               </a:ext>
             </a:extLst>
           </p:cNvPr>
@@ -5162,7 +5247,7 @@
             <p:cNvPr id="13" name="Guidance Arrow 1">
               <a:extLst>
                 <a:ext uri="{FF2B5EF4-FFF2-40B4-BE49-F238E27FC236}">
-                  <a16:creationId xmlns:a16="http://schemas.microsoft.com/office/drawing/2014/main" xmlns="" id="{D65313BF-6CCE-4CDF-A432-8AF6870F5ACB}"/>
+                  <a16:creationId xmlns="" xmlns:a16="http://schemas.microsoft.com/office/drawing/2014/main" id="{D65313BF-6CCE-4CDF-A432-8AF6870F5ACB}"/>
                 </a:ext>
               </a:extLst>
             </p:cNvPr>
@@ -5204,7 +5289,7 @@
             <p:cNvPr id="15" name="Guidance Text 1">
               <a:extLst>
                 <a:ext uri="{FF2B5EF4-FFF2-40B4-BE49-F238E27FC236}">
-                  <a16:creationId xmlns:a16="http://schemas.microsoft.com/office/drawing/2014/main" xmlns="" id="{536CE970-74C9-40C8-98BD-D84A2B3993D5}"/>
+                  <a16:creationId xmlns="" xmlns:a16="http://schemas.microsoft.com/office/drawing/2014/main" id="{536CE970-74C9-40C8-98BD-D84A2B3993D5}"/>
                 </a:ext>
               </a:extLst>
             </p:cNvPr>
@@ -5589,7 +5674,7 @@
           <p:cNvPr id="2" name="Title 1">
             <a:extLst>
               <a:ext uri="{FF2B5EF4-FFF2-40B4-BE49-F238E27FC236}">
-                <a16:creationId xmlns:a16="http://schemas.microsoft.com/office/drawing/2014/main" xmlns="" id="{B1C6A348-6205-498D-9CE0-D87F3AE9F722}"/>
+                <a16:creationId xmlns="" xmlns:a16="http://schemas.microsoft.com/office/drawing/2014/main" id="{B1C6A348-6205-498D-9CE0-D87F3AE9F722}"/>
               </a:ext>
             </a:extLst>
           </p:cNvPr>
@@ -5642,7 +5727,7 @@
           <p:cNvPr id="13" name="Guidance">
             <a:extLst>
               <a:ext uri="{FF2B5EF4-FFF2-40B4-BE49-F238E27FC236}">
-                <a16:creationId xmlns:a16="http://schemas.microsoft.com/office/drawing/2014/main" xmlns="" id="{ABCB4460-5216-41BB-971E-1D7EE2FF7E7C}"/>
+                <a16:creationId xmlns="" xmlns:a16="http://schemas.microsoft.com/office/drawing/2014/main" id="{ABCB4460-5216-41BB-971E-1D7EE2FF7E7C}"/>
               </a:ext>
             </a:extLst>
           </p:cNvPr>
@@ -5662,7 +5747,7 @@
             <p:cNvPr id="14" name="Guidance Arrow 1">
               <a:extLst>
                 <a:ext uri="{FF2B5EF4-FFF2-40B4-BE49-F238E27FC236}">
-                  <a16:creationId xmlns:a16="http://schemas.microsoft.com/office/drawing/2014/main" xmlns="" id="{11D8F244-B709-43AF-A43B-3E885A1A0184}"/>
+                  <a16:creationId xmlns="" xmlns:a16="http://schemas.microsoft.com/office/drawing/2014/main" id="{11D8F244-B709-43AF-A43B-3E885A1A0184}"/>
                 </a:ext>
               </a:extLst>
             </p:cNvPr>
@@ -5704,7 +5789,7 @@
             <p:cNvPr id="15" name="Guidance Text 1">
               <a:extLst>
                 <a:ext uri="{FF2B5EF4-FFF2-40B4-BE49-F238E27FC236}">
-                  <a16:creationId xmlns:a16="http://schemas.microsoft.com/office/drawing/2014/main" xmlns="" id="{28575260-B7E3-42F5-8388-B7E8F7E2BBAF}"/>
+                  <a16:creationId xmlns="" xmlns:a16="http://schemas.microsoft.com/office/drawing/2014/main" id="{28575260-B7E3-42F5-8388-B7E8F7E2BBAF}"/>
                 </a:ext>
               </a:extLst>
             </p:cNvPr>
@@ -5805,7 +5890,7 @@
           <p:cNvPr id="7" name="Picture 6" descr="Shape&#10;&#10;Description automatically generated with medium confidence">
             <a:extLst>
               <a:ext uri="{FF2B5EF4-FFF2-40B4-BE49-F238E27FC236}">
-                <a16:creationId xmlns:a16="http://schemas.microsoft.com/office/drawing/2014/main" xmlns="" id="{F4DEEAB6-329F-4CBA-A96D-9E4CA750191F}"/>
+                <a16:creationId xmlns="" xmlns:a16="http://schemas.microsoft.com/office/drawing/2014/main" id="{F4DEEAB6-329F-4CBA-A96D-9E4CA750191F}"/>
               </a:ext>
             </a:extLst>
           </p:cNvPr>
@@ -6084,7 +6169,7 @@
           <p:cNvPr id="31" name="text" descr="{&quot;templafy&quot;:{&quot;id&quot;:&quot;63955c8f-2a6b-41a2-be87-db55928a4bc7&quot;}}" title="Form.Watermark.Insert">
             <a:extLst>
               <a:ext uri="{FF2B5EF4-FFF2-40B4-BE49-F238E27FC236}">
-                <a16:creationId xmlns:a16="http://schemas.microsoft.com/office/drawing/2014/main" xmlns="" id="{AFA147AB-C0BC-4E0C-9510-CF4F3659FC9B}"/>
+                <a16:creationId xmlns="" xmlns:a16="http://schemas.microsoft.com/office/drawing/2014/main" id="{AFA147AB-C0BC-4E0C-9510-CF4F3659FC9B}"/>
               </a:ext>
             </a:extLst>
           </p:cNvPr>
@@ -6134,7 +6219,7 @@
           <p:cNvPr id="5" name="[WorkArea]" descr="&lt;?xml version=&quot;1.0&quot; encoding=&quot;utf-16&quot;?&gt;&#10;&lt;GridTheme xmlns:xsi=&quot;http://www.w3.org/2001/XMLSchema-instance&quot; xmlns:xsd=&quot;http://www.w3.org/2001/XMLSchema&quot;&gt;&#10;  &lt;GuideLines /&gt;&#10;  &lt;WorkArea&gt;&#10;    &lt;Top&gt;107.716537&lt;/Top&gt;&#10;    &lt;Left&gt;34.0157471&lt;/Left&gt;&#10;    &lt;Width&gt;773.8583&lt;/Width&gt;&#10;    &lt;Height&gt;453.5433&lt;/Height&gt;&#10;  &lt;/WorkArea&gt;&#10;  &lt;AspectW&gt;-1&lt;/AspectW&gt;&#10;  &lt;AspectH&gt;-1&lt;/AspectH&gt;&#10;  &lt;Width&gt;842&lt;/Width&gt;&#10;  &lt;Height&gt;595.375&lt;/Height&gt;&#10;  &lt;HGap&gt;5&lt;/HGap&gt;&#10;  &lt;VGap&gt;5&lt;/VGap&gt;&#10;  &lt;OfficeVersion&gt;-1&lt;/OfficeVersion&gt;&#10;&lt;/GridTheme&gt;" hidden="1">
             <a:extLst>
               <a:ext uri="{FF2B5EF4-FFF2-40B4-BE49-F238E27FC236}">
-                <a16:creationId xmlns:a16="http://schemas.microsoft.com/office/drawing/2014/main" xmlns="" id="{F2F87FDE-D3F2-4ED7-AA86-AC88F140331E}"/>
+                <a16:creationId xmlns="" xmlns:a16="http://schemas.microsoft.com/office/drawing/2014/main" id="{F2F87FDE-D3F2-4ED7-AA86-AC88F140331E}"/>
               </a:ext>
             </a:extLst>
           </p:cNvPr>
@@ -6197,7 +6282,7 @@
           <p:cNvPr id="12" name="Content [Comment]" hidden="1">
             <a:extLst>
               <a:ext uri="{FF2B5EF4-FFF2-40B4-BE49-F238E27FC236}">
-                <a16:creationId xmlns:a16="http://schemas.microsoft.com/office/drawing/2014/main" xmlns="" id="{0D084DA3-FD1E-4081-9795-7F138FAB2CBE}"/>
+                <a16:creationId xmlns="" xmlns:a16="http://schemas.microsoft.com/office/drawing/2014/main" id="{0D084DA3-FD1E-4081-9795-7F138FAB2CBE}"/>
               </a:ext>
             </a:extLst>
           </p:cNvPr>
@@ -6293,7 +6378,7 @@
           <p:cNvPr id="13" name="Formatting [Comment]" hidden="1">
             <a:extLst>
               <a:ext uri="{FF2B5EF4-FFF2-40B4-BE49-F238E27FC236}">
-                <a16:creationId xmlns:a16="http://schemas.microsoft.com/office/drawing/2014/main" xmlns="" id="{DF14772E-BE6F-4D13-89F5-8FAE6FAE3E90}"/>
+                <a16:creationId xmlns="" xmlns:a16="http://schemas.microsoft.com/office/drawing/2014/main" id="{DF14772E-BE6F-4D13-89F5-8FAE6FAE3E90}"/>
               </a:ext>
             </a:extLst>
           </p:cNvPr>
@@ -6389,7 +6474,7 @@
           <p:cNvPr id="14" name="Dummy [Sticker]" hidden="1">
             <a:extLst>
               <a:ext uri="{FF2B5EF4-FFF2-40B4-BE49-F238E27FC236}">
-                <a16:creationId xmlns:a16="http://schemas.microsoft.com/office/drawing/2014/main" xmlns="" id="{06F79DFD-217C-4CAF-A426-803F810C2D4B}"/>
+                <a16:creationId xmlns="" xmlns:a16="http://schemas.microsoft.com/office/drawing/2014/main" id="{06F79DFD-217C-4CAF-A426-803F810C2D4B}"/>
               </a:ext>
             </a:extLst>
           </p:cNvPr>
@@ -6461,7 +6546,7 @@
           <p:cNvPr id="15" name="Update [Sticker]" hidden="1">
             <a:extLst>
               <a:ext uri="{FF2B5EF4-FFF2-40B4-BE49-F238E27FC236}">
-                <a16:creationId xmlns:a16="http://schemas.microsoft.com/office/drawing/2014/main" xmlns="" id="{F98573FB-65AA-4D35-8227-C46EDCC78692}"/>
+                <a16:creationId xmlns="" xmlns:a16="http://schemas.microsoft.com/office/drawing/2014/main" id="{F98573FB-65AA-4D35-8227-C46EDCC78692}"/>
               </a:ext>
             </a:extLst>
           </p:cNvPr>
@@ -6533,7 +6618,7 @@
           <p:cNvPr id="16" name="Responsible [Sticker]" hidden="1">
             <a:extLst>
               <a:ext uri="{FF2B5EF4-FFF2-40B4-BE49-F238E27FC236}">
-                <a16:creationId xmlns:a16="http://schemas.microsoft.com/office/drawing/2014/main" xmlns="" id="{091E0E52-71ED-4093-B060-78DABB379E27}"/>
+                <a16:creationId xmlns="" xmlns:a16="http://schemas.microsoft.com/office/drawing/2014/main" id="{091E0E52-71ED-4093-B060-78DABB379E27}"/>
               </a:ext>
             </a:extLst>
           </p:cNvPr>
@@ -6622,7 +6707,7 @@
           <p:cNvPr id="17" name="Final [Sticker]" hidden="1">
             <a:extLst>
               <a:ext uri="{FF2B5EF4-FFF2-40B4-BE49-F238E27FC236}">
-                <a16:creationId xmlns:a16="http://schemas.microsoft.com/office/drawing/2014/main" xmlns="" id="{D60FDC6B-7BA4-4118-8174-A1111D1A86DF}"/>
+                <a16:creationId xmlns="" xmlns:a16="http://schemas.microsoft.com/office/drawing/2014/main" id="{D60FDC6B-7BA4-4118-8174-A1111D1A86DF}"/>
               </a:ext>
             </a:extLst>
           </p:cNvPr>
@@ -6694,7 +6779,7 @@
           <p:cNvPr id="18" name="Discussion [Sticker]" hidden="1">
             <a:extLst>
               <a:ext uri="{FF2B5EF4-FFF2-40B4-BE49-F238E27FC236}">
-                <a16:creationId xmlns:a16="http://schemas.microsoft.com/office/drawing/2014/main" xmlns="" id="{27B5DC3A-0C4D-48AC-A7C6-19C70347DA43}"/>
+                <a16:creationId xmlns="" xmlns:a16="http://schemas.microsoft.com/office/drawing/2014/main" id="{27B5DC3A-0C4D-48AC-A7C6-19C70347DA43}"/>
               </a:ext>
             </a:extLst>
           </p:cNvPr>
@@ -6766,7 +6851,7 @@
           <p:cNvPr id="20" name="Internal [Sticker]" hidden="1">
             <a:extLst>
               <a:ext uri="{FF2B5EF4-FFF2-40B4-BE49-F238E27FC236}">
-                <a16:creationId xmlns:a16="http://schemas.microsoft.com/office/drawing/2014/main" xmlns="" id="{C3F62AEF-6F0D-49CF-885E-572445241FC5}"/>
+                <a16:creationId xmlns="" xmlns:a16="http://schemas.microsoft.com/office/drawing/2014/main" id="{C3F62AEF-6F0D-49CF-885E-572445241FC5}"/>
               </a:ext>
             </a:extLst>
           </p:cNvPr>
@@ -6838,7 +6923,7 @@
           <p:cNvPr id="152" name="Draft [Sticker]" hidden="1">
             <a:extLst>
               <a:ext uri="{FF2B5EF4-FFF2-40B4-BE49-F238E27FC236}">
-                <a16:creationId xmlns:a16="http://schemas.microsoft.com/office/drawing/2014/main" xmlns="" id="{863F970D-334C-4BEF-BC19-2F8990952FEA}"/>
+                <a16:creationId xmlns="" xmlns:a16="http://schemas.microsoft.com/office/drawing/2014/main" id="{863F970D-334C-4BEF-BC19-2F8990952FEA}"/>
               </a:ext>
             </a:extLst>
           </p:cNvPr>
@@ -6910,7 +6995,7 @@
           <p:cNvPr id="21" name="Backup [Sticker]" hidden="1">
             <a:extLst>
               <a:ext uri="{FF2B5EF4-FFF2-40B4-BE49-F238E27FC236}">
-                <a16:creationId xmlns:a16="http://schemas.microsoft.com/office/drawing/2014/main" xmlns="" id="{6116239B-536D-4EF6-8148-96BA221809C4}"/>
+                <a16:creationId xmlns="" xmlns:a16="http://schemas.microsoft.com/office/drawing/2014/main" id="{6116239B-536D-4EF6-8148-96BA221809C4}"/>
               </a:ext>
             </a:extLst>
           </p:cNvPr>
@@ -6982,7 +7067,7 @@
           <p:cNvPr id="151" name="INSTRUCTIONS Customize ProductivityPlus objects" hidden="1">
             <a:extLst>
               <a:ext uri="{FF2B5EF4-FFF2-40B4-BE49-F238E27FC236}">
-                <a16:creationId xmlns:a16="http://schemas.microsoft.com/office/drawing/2014/main" xmlns="" id="{14D75303-5CB5-49A1-85EE-DB3BC2AA6D52}"/>
+                <a16:creationId xmlns="" xmlns:a16="http://schemas.microsoft.com/office/drawing/2014/main" id="{14D75303-5CB5-49A1-85EE-DB3BC2AA6D52}"/>
               </a:ext>
             </a:extLst>
           </p:cNvPr>
@@ -7017,7 +7102,7 @@
           <p:cNvPr id="23" name="Harvey 3" hidden="1">
             <a:extLst>
               <a:ext uri="{FF2B5EF4-FFF2-40B4-BE49-F238E27FC236}">
-                <a16:creationId xmlns:a16="http://schemas.microsoft.com/office/drawing/2014/main" xmlns="" id="{071D377C-83C8-49A0-894D-57E7D32AC506}"/>
+                <a16:creationId xmlns="" xmlns:a16="http://schemas.microsoft.com/office/drawing/2014/main" id="{071D377C-83C8-49A0-894D-57E7D32AC506}"/>
               </a:ext>
             </a:extLst>
           </p:cNvPr>
@@ -7046,7 +7131,7 @@
             <p:cNvPr id="24" name="Harvey 0/3 [0]" hidden="1">
               <a:extLst>
                 <a:ext uri="{FF2B5EF4-FFF2-40B4-BE49-F238E27FC236}">
-                  <a16:creationId xmlns:a16="http://schemas.microsoft.com/office/drawing/2014/main" xmlns="" id="{A1D7F45D-37C1-4251-8BD8-06981817CECC}"/>
+                  <a16:creationId xmlns="" xmlns:a16="http://schemas.microsoft.com/office/drawing/2014/main" id="{A1D7F45D-37C1-4251-8BD8-06981817CECC}"/>
                 </a:ext>
               </a:extLst>
             </p:cNvPr>
@@ -7120,7 +7205,7 @@
             <p:cNvPr id="25" name="Harvey 1/3 [1]">
               <a:extLst>
                 <a:ext uri="{FF2B5EF4-FFF2-40B4-BE49-F238E27FC236}">
-                  <a16:creationId xmlns:a16="http://schemas.microsoft.com/office/drawing/2014/main" xmlns="" id="{EF92E16D-608C-4CA9-943A-4A7B1085B6B5}"/>
+                  <a16:creationId xmlns="" xmlns:a16="http://schemas.microsoft.com/office/drawing/2014/main" id="{EF92E16D-608C-4CA9-943A-4A7B1085B6B5}"/>
                 </a:ext>
               </a:extLst>
             </p:cNvPr>
@@ -7204,7 +7289,7 @@
             <p:cNvPr id="26" name="Harvey 2/3 [2]" hidden="1">
               <a:extLst>
                 <a:ext uri="{FF2B5EF4-FFF2-40B4-BE49-F238E27FC236}">
-                  <a16:creationId xmlns:a16="http://schemas.microsoft.com/office/drawing/2014/main" xmlns="" id="{D87A715F-92F2-4DA2-9B5D-B8400676174C}"/>
+                  <a16:creationId xmlns="" xmlns:a16="http://schemas.microsoft.com/office/drawing/2014/main" id="{D87A715F-92F2-4DA2-9B5D-B8400676174C}"/>
                 </a:ext>
               </a:extLst>
             </p:cNvPr>
@@ -7288,7 +7373,7 @@
             <p:cNvPr id="27" name="Harvey 3/3 [3]" hidden="1">
               <a:extLst>
                 <a:ext uri="{FF2B5EF4-FFF2-40B4-BE49-F238E27FC236}">
-                  <a16:creationId xmlns:a16="http://schemas.microsoft.com/office/drawing/2014/main" xmlns="" id="{F4B16284-BB16-4832-827F-67A674CECE6A}"/>
+                  <a16:creationId xmlns="" xmlns:a16="http://schemas.microsoft.com/office/drawing/2014/main" id="{F4B16284-BB16-4832-827F-67A674CECE6A}"/>
                 </a:ext>
               </a:extLst>
             </p:cNvPr>
@@ -7364,7 +7449,7 @@
           <p:cNvPr id="28" name="Harvey 4" hidden="1">
             <a:extLst>
               <a:ext uri="{FF2B5EF4-FFF2-40B4-BE49-F238E27FC236}">
-                <a16:creationId xmlns:a16="http://schemas.microsoft.com/office/drawing/2014/main" xmlns="" id="{7E5E865F-9D2F-49A6-BF70-ED97919FB888}"/>
+                <a16:creationId xmlns="" xmlns:a16="http://schemas.microsoft.com/office/drawing/2014/main" id="{7E5E865F-9D2F-49A6-BF70-ED97919FB888}"/>
               </a:ext>
             </a:extLst>
           </p:cNvPr>
@@ -7393,7 +7478,7 @@
             <p:cNvPr id="29" name="Harvey 0/4 [0]" hidden="1">
               <a:extLst>
                 <a:ext uri="{FF2B5EF4-FFF2-40B4-BE49-F238E27FC236}">
-                  <a16:creationId xmlns:a16="http://schemas.microsoft.com/office/drawing/2014/main" xmlns="" id="{00C22439-064D-4106-94C4-5FF7292E4891}"/>
+                  <a16:creationId xmlns="" xmlns:a16="http://schemas.microsoft.com/office/drawing/2014/main" id="{00C22439-064D-4106-94C4-5FF7292E4891}"/>
                 </a:ext>
               </a:extLst>
             </p:cNvPr>
@@ -7467,7 +7552,7 @@
             <p:cNvPr id="30" name="Harvey 1/4 [1]">
               <a:extLst>
                 <a:ext uri="{FF2B5EF4-FFF2-40B4-BE49-F238E27FC236}">
-                  <a16:creationId xmlns:a16="http://schemas.microsoft.com/office/drawing/2014/main" xmlns="" id="{37D2BB80-E2BC-43E9-B328-0ED0F24152CF}"/>
+                  <a16:creationId xmlns="" xmlns:a16="http://schemas.microsoft.com/office/drawing/2014/main" id="{37D2BB80-E2BC-43E9-B328-0ED0F24152CF}"/>
                 </a:ext>
               </a:extLst>
             </p:cNvPr>
@@ -7551,7 +7636,7 @@
             <p:cNvPr id="32" name="Harvey 2/4 [2]" hidden="1">
               <a:extLst>
                 <a:ext uri="{FF2B5EF4-FFF2-40B4-BE49-F238E27FC236}">
-                  <a16:creationId xmlns:a16="http://schemas.microsoft.com/office/drawing/2014/main" xmlns="" id="{E6FE060D-0096-4997-9029-D5690E01997B}"/>
+                  <a16:creationId xmlns="" xmlns:a16="http://schemas.microsoft.com/office/drawing/2014/main" id="{E6FE060D-0096-4997-9029-D5690E01997B}"/>
                 </a:ext>
               </a:extLst>
             </p:cNvPr>
@@ -7635,7 +7720,7 @@
             <p:cNvPr id="33" name="Harvey 3/4 [3]" hidden="1">
               <a:extLst>
                 <a:ext uri="{FF2B5EF4-FFF2-40B4-BE49-F238E27FC236}">
-                  <a16:creationId xmlns:a16="http://schemas.microsoft.com/office/drawing/2014/main" xmlns="" id="{F805B285-20CD-4F80-A4E5-41F6380931C1}"/>
+                  <a16:creationId xmlns="" xmlns:a16="http://schemas.microsoft.com/office/drawing/2014/main" id="{F805B285-20CD-4F80-A4E5-41F6380931C1}"/>
                 </a:ext>
               </a:extLst>
             </p:cNvPr>
@@ -7719,7 +7804,7 @@
             <p:cNvPr id="34" name="Harvey 4/4 [4]" hidden="1">
               <a:extLst>
                 <a:ext uri="{FF2B5EF4-FFF2-40B4-BE49-F238E27FC236}">
-                  <a16:creationId xmlns:a16="http://schemas.microsoft.com/office/drawing/2014/main" xmlns="" id="{B8D94971-5F03-4F84-8257-DB02BF5AB535}"/>
+                  <a16:creationId xmlns="" xmlns:a16="http://schemas.microsoft.com/office/drawing/2014/main" id="{B8D94971-5F03-4F84-8257-DB02BF5AB535}"/>
                 </a:ext>
               </a:extLst>
             </p:cNvPr>
@@ -7795,7 +7880,7 @@
           <p:cNvPr id="35" name="Harvey 8" hidden="1">
             <a:extLst>
               <a:ext uri="{FF2B5EF4-FFF2-40B4-BE49-F238E27FC236}">
-                <a16:creationId xmlns:a16="http://schemas.microsoft.com/office/drawing/2014/main" xmlns="" id="{21CB7840-EEE9-4A57-8330-DC149C04F931}"/>
+                <a16:creationId xmlns="" xmlns:a16="http://schemas.microsoft.com/office/drawing/2014/main" id="{21CB7840-EEE9-4A57-8330-DC149C04F931}"/>
               </a:ext>
             </a:extLst>
           </p:cNvPr>
@@ -7824,7 +7909,7 @@
             <p:cNvPr id="36" name="Harvey 0/8 [0]" hidden="1">
               <a:extLst>
                 <a:ext uri="{FF2B5EF4-FFF2-40B4-BE49-F238E27FC236}">
-                  <a16:creationId xmlns:a16="http://schemas.microsoft.com/office/drawing/2014/main" xmlns="" id="{046080E4-7CB0-4409-96B9-D2740E06E93A}"/>
+                  <a16:creationId xmlns="" xmlns:a16="http://schemas.microsoft.com/office/drawing/2014/main" id="{046080E4-7CB0-4409-96B9-D2740E06E93A}"/>
                 </a:ext>
               </a:extLst>
             </p:cNvPr>
@@ -7898,7 +7983,7 @@
             <p:cNvPr id="37" name="Harvey 1/8 [1]">
               <a:extLst>
                 <a:ext uri="{FF2B5EF4-FFF2-40B4-BE49-F238E27FC236}">
-                  <a16:creationId xmlns:a16="http://schemas.microsoft.com/office/drawing/2014/main" xmlns="" id="{0E4F2552-3B84-4B1E-A3E9-BD49FA68C8A3}"/>
+                  <a16:creationId xmlns="" xmlns:a16="http://schemas.microsoft.com/office/drawing/2014/main" id="{0E4F2552-3B84-4B1E-A3E9-BD49FA68C8A3}"/>
                 </a:ext>
               </a:extLst>
             </p:cNvPr>
@@ -7982,7 +8067,7 @@
             <p:cNvPr id="38" name="Harvey 2/8 [2]" hidden="1">
               <a:extLst>
                 <a:ext uri="{FF2B5EF4-FFF2-40B4-BE49-F238E27FC236}">
-                  <a16:creationId xmlns:a16="http://schemas.microsoft.com/office/drawing/2014/main" xmlns="" id="{0137FAB4-C6FB-4122-9212-9F69A4F0104C}"/>
+                  <a16:creationId xmlns="" xmlns:a16="http://schemas.microsoft.com/office/drawing/2014/main" id="{0137FAB4-C6FB-4122-9212-9F69A4F0104C}"/>
                 </a:ext>
               </a:extLst>
             </p:cNvPr>
@@ -8066,7 +8151,7 @@
             <p:cNvPr id="39" name="Harvey 3/8 [3]" hidden="1">
               <a:extLst>
                 <a:ext uri="{FF2B5EF4-FFF2-40B4-BE49-F238E27FC236}">
-                  <a16:creationId xmlns:a16="http://schemas.microsoft.com/office/drawing/2014/main" xmlns="" id="{A49B98E4-CF05-4786-87D7-02B0A1ACDFBA}"/>
+                  <a16:creationId xmlns="" xmlns:a16="http://schemas.microsoft.com/office/drawing/2014/main" id="{A49B98E4-CF05-4786-87D7-02B0A1ACDFBA}"/>
                 </a:ext>
               </a:extLst>
             </p:cNvPr>
@@ -8150,7 +8235,7 @@
             <p:cNvPr id="40" name="Harvey 4/8 [4]" hidden="1">
               <a:extLst>
                 <a:ext uri="{FF2B5EF4-FFF2-40B4-BE49-F238E27FC236}">
-                  <a16:creationId xmlns:a16="http://schemas.microsoft.com/office/drawing/2014/main" xmlns="" id="{AD3E1235-4DF3-4373-8AC9-313DFF4391FE}"/>
+                  <a16:creationId xmlns="" xmlns:a16="http://schemas.microsoft.com/office/drawing/2014/main" id="{AD3E1235-4DF3-4373-8AC9-313DFF4391FE}"/>
                 </a:ext>
               </a:extLst>
             </p:cNvPr>
@@ -8234,7 +8319,7 @@
             <p:cNvPr id="41" name="Harvey 5/8 [5]" hidden="1">
               <a:extLst>
                 <a:ext uri="{FF2B5EF4-FFF2-40B4-BE49-F238E27FC236}">
-                  <a16:creationId xmlns:a16="http://schemas.microsoft.com/office/drawing/2014/main" xmlns="" id="{8BF8A6EA-3C0F-4BEC-9E2D-1F248EEEABD2}"/>
+                  <a16:creationId xmlns="" xmlns:a16="http://schemas.microsoft.com/office/drawing/2014/main" id="{8BF8A6EA-3C0F-4BEC-9E2D-1F248EEEABD2}"/>
                 </a:ext>
               </a:extLst>
             </p:cNvPr>
@@ -8318,7 +8403,7 @@
             <p:cNvPr id="42" name="Harvey 6/8 [6]" hidden="1">
               <a:extLst>
                 <a:ext uri="{FF2B5EF4-FFF2-40B4-BE49-F238E27FC236}">
-                  <a16:creationId xmlns:a16="http://schemas.microsoft.com/office/drawing/2014/main" xmlns="" id="{A7E1699D-C2C9-48F9-BEC0-3D8C5B055727}"/>
+                  <a16:creationId xmlns="" xmlns:a16="http://schemas.microsoft.com/office/drawing/2014/main" id="{A7E1699D-C2C9-48F9-BEC0-3D8C5B055727}"/>
                 </a:ext>
               </a:extLst>
             </p:cNvPr>
@@ -8402,7 +8487,7 @@
             <p:cNvPr id="43" name="Harvey 7/8 [7]" hidden="1">
               <a:extLst>
                 <a:ext uri="{FF2B5EF4-FFF2-40B4-BE49-F238E27FC236}">
-                  <a16:creationId xmlns:a16="http://schemas.microsoft.com/office/drawing/2014/main" xmlns="" id="{213D2D9C-F255-4E54-BD20-25BA6F87C00F}"/>
+                  <a16:creationId xmlns="" xmlns:a16="http://schemas.microsoft.com/office/drawing/2014/main" id="{213D2D9C-F255-4E54-BD20-25BA6F87C00F}"/>
                 </a:ext>
               </a:extLst>
             </p:cNvPr>
@@ -8486,7 +8571,7 @@
             <p:cNvPr id="44" name="Harvey 8/8 [8]" hidden="1">
               <a:extLst>
                 <a:ext uri="{FF2B5EF4-FFF2-40B4-BE49-F238E27FC236}">
-                  <a16:creationId xmlns:a16="http://schemas.microsoft.com/office/drawing/2014/main" xmlns="" id="{63FF89B9-501F-409A-AF89-BE3274947E6A}"/>
+                  <a16:creationId xmlns="" xmlns:a16="http://schemas.microsoft.com/office/drawing/2014/main" id="{63FF89B9-501F-409A-AF89-BE3274947E6A}"/>
                 </a:ext>
               </a:extLst>
             </p:cNvPr>
@@ -8562,7 +8647,7 @@
           <p:cNvPr id="45" name="Harvey 100" hidden="1">
             <a:extLst>
               <a:ext uri="{FF2B5EF4-FFF2-40B4-BE49-F238E27FC236}">
-                <a16:creationId xmlns:a16="http://schemas.microsoft.com/office/drawing/2014/main" xmlns="" id="{D94805F3-A7EE-4FFF-AAF2-C3DDAB5C2AD2}"/>
+                <a16:creationId xmlns="" xmlns:a16="http://schemas.microsoft.com/office/drawing/2014/main" id="{D94805F3-A7EE-4FFF-AAF2-C3DDAB5C2AD2}"/>
               </a:ext>
             </a:extLst>
           </p:cNvPr>
@@ -8589,7 +8674,7 @@
             <p:cNvPr id="46" name="Harvey 0/100 [0]" hidden="1">
               <a:extLst>
                 <a:ext uri="{FF2B5EF4-FFF2-40B4-BE49-F238E27FC236}">
-                  <a16:creationId xmlns:a16="http://schemas.microsoft.com/office/drawing/2014/main" xmlns="" id="{1D14D670-AEBA-4415-9D77-1EC6D7320163}"/>
+                  <a16:creationId xmlns="" xmlns:a16="http://schemas.microsoft.com/office/drawing/2014/main" id="{1D14D670-AEBA-4415-9D77-1EC6D7320163}"/>
                 </a:ext>
               </a:extLst>
             </p:cNvPr>
@@ -8642,7 +8727,7 @@
             <p:cNvPr id="47" name="Harvey 1/100 [1]">
               <a:extLst>
                 <a:ext uri="{FF2B5EF4-FFF2-40B4-BE49-F238E27FC236}">
-                  <a16:creationId xmlns:a16="http://schemas.microsoft.com/office/drawing/2014/main" xmlns="" id="{E764E7CD-9463-46C9-94A4-93F0B4CBE97E}"/>
+                  <a16:creationId xmlns="" xmlns:a16="http://schemas.microsoft.com/office/drawing/2014/main" id="{E764E7CD-9463-46C9-94A4-93F0B4CBE97E}"/>
                 </a:ext>
               </a:extLst>
             </p:cNvPr>
@@ -8705,7 +8790,7 @@
             <p:cNvPr id="48" name="Harvey 2/100 [2]" hidden="1">
               <a:extLst>
                 <a:ext uri="{FF2B5EF4-FFF2-40B4-BE49-F238E27FC236}">
-                  <a16:creationId xmlns:a16="http://schemas.microsoft.com/office/drawing/2014/main" xmlns="" id="{78BA7683-8535-47F1-A490-5FBF9132363B}"/>
+                  <a16:creationId xmlns="" xmlns:a16="http://schemas.microsoft.com/office/drawing/2014/main" id="{78BA7683-8535-47F1-A490-5FBF9132363B}"/>
                 </a:ext>
               </a:extLst>
             </p:cNvPr>
@@ -8768,7 +8853,7 @@
             <p:cNvPr id="49" name="Harvey 3/100 [3]" hidden="1">
               <a:extLst>
                 <a:ext uri="{FF2B5EF4-FFF2-40B4-BE49-F238E27FC236}">
-                  <a16:creationId xmlns:a16="http://schemas.microsoft.com/office/drawing/2014/main" xmlns="" id="{C8DD9F26-EE6C-4DC9-85E4-6B378D1F1325}"/>
+                  <a16:creationId xmlns="" xmlns:a16="http://schemas.microsoft.com/office/drawing/2014/main" id="{C8DD9F26-EE6C-4DC9-85E4-6B378D1F1325}"/>
                 </a:ext>
               </a:extLst>
             </p:cNvPr>
@@ -8831,7 +8916,7 @@
             <p:cNvPr id="50" name="Harvey 4/100 [4]" hidden="1">
               <a:extLst>
                 <a:ext uri="{FF2B5EF4-FFF2-40B4-BE49-F238E27FC236}">
-                  <a16:creationId xmlns:a16="http://schemas.microsoft.com/office/drawing/2014/main" xmlns="" id="{D26EDC53-45DE-47D6-A92E-68CE8427AB33}"/>
+                  <a16:creationId xmlns="" xmlns:a16="http://schemas.microsoft.com/office/drawing/2014/main" id="{D26EDC53-45DE-47D6-A92E-68CE8427AB33}"/>
                 </a:ext>
               </a:extLst>
             </p:cNvPr>
@@ -8894,7 +8979,7 @@
             <p:cNvPr id="51" name="Harvey 5/100 [5]" hidden="1">
               <a:extLst>
                 <a:ext uri="{FF2B5EF4-FFF2-40B4-BE49-F238E27FC236}">
-                  <a16:creationId xmlns:a16="http://schemas.microsoft.com/office/drawing/2014/main" xmlns="" id="{E6463E6D-F7BF-4903-97B8-BA091985DA0B}"/>
+                  <a16:creationId xmlns="" xmlns:a16="http://schemas.microsoft.com/office/drawing/2014/main" id="{E6463E6D-F7BF-4903-97B8-BA091985DA0B}"/>
                 </a:ext>
               </a:extLst>
             </p:cNvPr>
@@ -8957,7 +9042,7 @@
             <p:cNvPr id="52" name="Harvey 6/100 [6]" hidden="1">
               <a:extLst>
                 <a:ext uri="{FF2B5EF4-FFF2-40B4-BE49-F238E27FC236}">
-                  <a16:creationId xmlns:a16="http://schemas.microsoft.com/office/drawing/2014/main" xmlns="" id="{D5527B60-2B7B-4AE5-873C-CCDCECA52754}"/>
+                  <a16:creationId xmlns="" xmlns:a16="http://schemas.microsoft.com/office/drawing/2014/main" id="{D5527B60-2B7B-4AE5-873C-CCDCECA52754}"/>
                 </a:ext>
               </a:extLst>
             </p:cNvPr>
@@ -9020,7 +9105,7 @@
             <p:cNvPr id="53" name="Harvey 7/100 [7]" hidden="1">
               <a:extLst>
                 <a:ext uri="{FF2B5EF4-FFF2-40B4-BE49-F238E27FC236}">
-                  <a16:creationId xmlns:a16="http://schemas.microsoft.com/office/drawing/2014/main" xmlns="" id="{0D199EDA-3910-4EC5-B7C0-D338D3182922}"/>
+                  <a16:creationId xmlns="" xmlns:a16="http://schemas.microsoft.com/office/drawing/2014/main" id="{0D199EDA-3910-4EC5-B7C0-D338D3182922}"/>
                 </a:ext>
               </a:extLst>
             </p:cNvPr>
@@ -9083,7 +9168,7 @@
             <p:cNvPr id="54" name="Harvey 8/100 [8]" hidden="1">
               <a:extLst>
                 <a:ext uri="{FF2B5EF4-FFF2-40B4-BE49-F238E27FC236}">
-                  <a16:creationId xmlns:a16="http://schemas.microsoft.com/office/drawing/2014/main" xmlns="" id="{69279733-1DB5-41D6-908D-FE5D98D6FB14}"/>
+                  <a16:creationId xmlns="" xmlns:a16="http://schemas.microsoft.com/office/drawing/2014/main" id="{69279733-1DB5-41D6-908D-FE5D98D6FB14}"/>
                 </a:ext>
               </a:extLst>
             </p:cNvPr>
@@ -9146,7 +9231,7 @@
             <p:cNvPr id="55" name="Harvey 9/100 [9]" hidden="1">
               <a:extLst>
                 <a:ext uri="{FF2B5EF4-FFF2-40B4-BE49-F238E27FC236}">
-                  <a16:creationId xmlns:a16="http://schemas.microsoft.com/office/drawing/2014/main" xmlns="" id="{B3A912D3-5F7F-430D-9515-4D97AD1B5D37}"/>
+                  <a16:creationId xmlns="" xmlns:a16="http://schemas.microsoft.com/office/drawing/2014/main" id="{B3A912D3-5F7F-430D-9515-4D97AD1B5D37}"/>
                 </a:ext>
               </a:extLst>
             </p:cNvPr>
@@ -9209,7 +9294,7 @@
             <p:cNvPr id="56" name="Harvey 10/100 [10]" hidden="1">
               <a:extLst>
                 <a:ext uri="{FF2B5EF4-FFF2-40B4-BE49-F238E27FC236}">
-                  <a16:creationId xmlns:a16="http://schemas.microsoft.com/office/drawing/2014/main" xmlns="" id="{4FDA2658-A924-4232-9D3F-1C5F4579C135}"/>
+                  <a16:creationId xmlns="" xmlns:a16="http://schemas.microsoft.com/office/drawing/2014/main" id="{4FDA2658-A924-4232-9D3F-1C5F4579C135}"/>
                 </a:ext>
               </a:extLst>
             </p:cNvPr>
@@ -9272,7 +9357,7 @@
             <p:cNvPr id="57" name="Harvey 11/100 [11]" hidden="1">
               <a:extLst>
                 <a:ext uri="{FF2B5EF4-FFF2-40B4-BE49-F238E27FC236}">
-                  <a16:creationId xmlns:a16="http://schemas.microsoft.com/office/drawing/2014/main" xmlns="" id="{9B6E0B2C-D8F8-41F2-BF2C-2C69EC9B8970}"/>
+                  <a16:creationId xmlns="" xmlns:a16="http://schemas.microsoft.com/office/drawing/2014/main" id="{9B6E0B2C-D8F8-41F2-BF2C-2C69EC9B8970}"/>
                 </a:ext>
               </a:extLst>
             </p:cNvPr>
@@ -9335,7 +9420,7 @@
             <p:cNvPr id="58" name="Harvey 12/100 [12]" hidden="1">
               <a:extLst>
                 <a:ext uri="{FF2B5EF4-FFF2-40B4-BE49-F238E27FC236}">
-                  <a16:creationId xmlns:a16="http://schemas.microsoft.com/office/drawing/2014/main" xmlns="" id="{4CFB8744-0A9A-46BD-931F-A4B55DFBF3A9}"/>
+                  <a16:creationId xmlns="" xmlns:a16="http://schemas.microsoft.com/office/drawing/2014/main" id="{4CFB8744-0A9A-46BD-931F-A4B55DFBF3A9}"/>
                 </a:ext>
               </a:extLst>
             </p:cNvPr>
@@ -9398,7 +9483,7 @@
             <p:cNvPr id="59" name="Harvey 13/100 [13]" hidden="1">
               <a:extLst>
                 <a:ext uri="{FF2B5EF4-FFF2-40B4-BE49-F238E27FC236}">
-                  <a16:creationId xmlns:a16="http://schemas.microsoft.com/office/drawing/2014/main" xmlns="" id="{96963698-4830-42A5-AA50-FDF62F7E678B}"/>
+                  <a16:creationId xmlns="" xmlns:a16="http://schemas.microsoft.com/office/drawing/2014/main" id="{96963698-4830-42A5-AA50-FDF62F7E678B}"/>
                 </a:ext>
               </a:extLst>
             </p:cNvPr>
@@ -9461,7 +9546,7 @@
             <p:cNvPr id="60" name="Harvey 14/100 [14]" hidden="1">
               <a:extLst>
                 <a:ext uri="{FF2B5EF4-FFF2-40B4-BE49-F238E27FC236}">
-                  <a16:creationId xmlns:a16="http://schemas.microsoft.com/office/drawing/2014/main" xmlns="" id="{942412FE-943B-47EB-A373-EEF6E73FBF4C}"/>
+                  <a16:creationId xmlns="" xmlns:a16="http://schemas.microsoft.com/office/drawing/2014/main" id="{942412FE-943B-47EB-A373-EEF6E73FBF4C}"/>
                 </a:ext>
               </a:extLst>
             </p:cNvPr>
@@ -9524,7 +9609,7 @@
             <p:cNvPr id="61" name="Harvey 15/100 [15]" hidden="1">
               <a:extLst>
                 <a:ext uri="{FF2B5EF4-FFF2-40B4-BE49-F238E27FC236}">
-                  <a16:creationId xmlns:a16="http://schemas.microsoft.com/office/drawing/2014/main" xmlns="" id="{D7CC2F42-06DE-4D1A-BD19-2DCE2AB8552C}"/>
+                  <a16:creationId xmlns="" xmlns:a16="http://schemas.microsoft.com/office/drawing/2014/main" id="{D7CC2F42-06DE-4D1A-BD19-2DCE2AB8552C}"/>
                 </a:ext>
               </a:extLst>
             </p:cNvPr>
@@ -9587,7 +9672,7 @@
             <p:cNvPr id="62" name="Harvey 16/100 [16]" hidden="1">
               <a:extLst>
                 <a:ext uri="{FF2B5EF4-FFF2-40B4-BE49-F238E27FC236}">
-                  <a16:creationId xmlns:a16="http://schemas.microsoft.com/office/drawing/2014/main" xmlns="" id="{F098F622-B4C1-4DC7-98BD-E568AB4AA372}"/>
+                  <a16:creationId xmlns="" xmlns:a16="http://schemas.microsoft.com/office/drawing/2014/main" id="{F098F622-B4C1-4DC7-98BD-E568AB4AA372}"/>
                 </a:ext>
               </a:extLst>
             </p:cNvPr>
@@ -9650,7 +9735,7 @@
             <p:cNvPr id="63" name="Harvey 17/100 [17]" hidden="1">
               <a:extLst>
                 <a:ext uri="{FF2B5EF4-FFF2-40B4-BE49-F238E27FC236}">
-                  <a16:creationId xmlns:a16="http://schemas.microsoft.com/office/drawing/2014/main" xmlns="" id="{B5C35ACB-9CFD-416E-BA7D-E5D68A61CED5}"/>
+                  <a16:creationId xmlns="" xmlns:a16="http://schemas.microsoft.com/office/drawing/2014/main" id="{B5C35ACB-9CFD-416E-BA7D-E5D68A61CED5}"/>
                 </a:ext>
               </a:extLst>
             </p:cNvPr>
@@ -9713,7 +9798,7 @@
             <p:cNvPr id="64" name="Harvey 18/100 [18]" hidden="1">
               <a:extLst>
                 <a:ext uri="{FF2B5EF4-FFF2-40B4-BE49-F238E27FC236}">
-                  <a16:creationId xmlns:a16="http://schemas.microsoft.com/office/drawing/2014/main" xmlns="" id="{ED8DA3DA-24BC-4C1E-8A8F-239413B719CF}"/>
+                  <a16:creationId xmlns="" xmlns:a16="http://schemas.microsoft.com/office/drawing/2014/main" id="{ED8DA3DA-24BC-4C1E-8A8F-239413B719CF}"/>
                 </a:ext>
               </a:extLst>
             </p:cNvPr>
@@ -9776,7 +9861,7 @@
             <p:cNvPr id="65" name="Harvey 19/100 [19]" hidden="1">
               <a:extLst>
                 <a:ext uri="{FF2B5EF4-FFF2-40B4-BE49-F238E27FC236}">
-                  <a16:creationId xmlns:a16="http://schemas.microsoft.com/office/drawing/2014/main" xmlns="" id="{FBDAEB8B-C91E-4E8C-B7AE-CBE695B624B8}"/>
+                  <a16:creationId xmlns="" xmlns:a16="http://schemas.microsoft.com/office/drawing/2014/main" id="{FBDAEB8B-C91E-4E8C-B7AE-CBE695B624B8}"/>
                 </a:ext>
               </a:extLst>
             </p:cNvPr>
@@ -9839,7 +9924,7 @@
             <p:cNvPr id="66" name="Harvey 20/100 [20]" hidden="1">
               <a:extLst>
                 <a:ext uri="{FF2B5EF4-FFF2-40B4-BE49-F238E27FC236}">
-                  <a16:creationId xmlns:a16="http://schemas.microsoft.com/office/drawing/2014/main" xmlns="" id="{F4E8434F-7E6D-4C43-8BFE-BC8CD35C6F77}"/>
+                  <a16:creationId xmlns="" xmlns:a16="http://schemas.microsoft.com/office/drawing/2014/main" id="{F4E8434F-7E6D-4C43-8BFE-BC8CD35C6F77}"/>
                 </a:ext>
               </a:extLst>
             </p:cNvPr>
@@ -9902,7 +9987,7 @@
             <p:cNvPr id="67" name="Harvey 21/100 [21]" hidden="1">
               <a:extLst>
                 <a:ext uri="{FF2B5EF4-FFF2-40B4-BE49-F238E27FC236}">
-                  <a16:creationId xmlns:a16="http://schemas.microsoft.com/office/drawing/2014/main" xmlns="" id="{0525B74C-7F5E-41A5-8019-77E38C3EE53B}"/>
+                  <a16:creationId xmlns="" xmlns:a16="http://schemas.microsoft.com/office/drawing/2014/main" id="{0525B74C-7F5E-41A5-8019-77E38C3EE53B}"/>
                 </a:ext>
               </a:extLst>
             </p:cNvPr>
@@ -9965,7 +10050,7 @@
             <p:cNvPr id="68" name="Harvey 22/100 [22]" hidden="1">
               <a:extLst>
                 <a:ext uri="{FF2B5EF4-FFF2-40B4-BE49-F238E27FC236}">
-                  <a16:creationId xmlns:a16="http://schemas.microsoft.com/office/drawing/2014/main" xmlns="" id="{0E583063-EF39-485E-88E6-11BC079BDB62}"/>
+                  <a16:creationId xmlns="" xmlns:a16="http://schemas.microsoft.com/office/drawing/2014/main" id="{0E583063-EF39-485E-88E6-11BC079BDB62}"/>
                 </a:ext>
               </a:extLst>
             </p:cNvPr>
@@ -10028,7 +10113,7 @@
             <p:cNvPr id="69" name="Harvey 23/100 [23]" hidden="1">
               <a:extLst>
                 <a:ext uri="{FF2B5EF4-FFF2-40B4-BE49-F238E27FC236}">
-                  <a16:creationId xmlns:a16="http://schemas.microsoft.com/office/drawing/2014/main" xmlns="" id="{2A232550-D22F-47E1-8415-B5D4714799F6}"/>
+                  <a16:creationId xmlns="" xmlns:a16="http://schemas.microsoft.com/office/drawing/2014/main" id="{2A232550-D22F-47E1-8415-B5D4714799F6}"/>
                 </a:ext>
               </a:extLst>
             </p:cNvPr>
@@ -10091,7 +10176,7 @@
             <p:cNvPr id="70" name="Harvey 24/100 [24]" hidden="1">
               <a:extLst>
                 <a:ext uri="{FF2B5EF4-FFF2-40B4-BE49-F238E27FC236}">
-                  <a16:creationId xmlns:a16="http://schemas.microsoft.com/office/drawing/2014/main" xmlns="" id="{9FD9F56A-D0A2-41E4-94E8-6F7BCC8C8D13}"/>
+                  <a16:creationId xmlns="" xmlns:a16="http://schemas.microsoft.com/office/drawing/2014/main" id="{9FD9F56A-D0A2-41E4-94E8-6F7BCC8C8D13}"/>
                 </a:ext>
               </a:extLst>
             </p:cNvPr>
@@ -10154,7 +10239,7 @@
             <p:cNvPr id="71" name="Harvey 25/100 [25]" hidden="1">
               <a:extLst>
                 <a:ext uri="{FF2B5EF4-FFF2-40B4-BE49-F238E27FC236}">
-                  <a16:creationId xmlns:a16="http://schemas.microsoft.com/office/drawing/2014/main" xmlns="" id="{7B7318B9-A301-4483-8BF3-EFDFD8A5CCE4}"/>
+                  <a16:creationId xmlns="" xmlns:a16="http://schemas.microsoft.com/office/drawing/2014/main" id="{7B7318B9-A301-4483-8BF3-EFDFD8A5CCE4}"/>
                 </a:ext>
               </a:extLst>
             </p:cNvPr>
@@ -10217,7 +10302,7 @@
             <p:cNvPr id="72" name="Harvey 26/100 [26]" hidden="1">
               <a:extLst>
                 <a:ext uri="{FF2B5EF4-FFF2-40B4-BE49-F238E27FC236}">
-                  <a16:creationId xmlns:a16="http://schemas.microsoft.com/office/drawing/2014/main" xmlns="" id="{3014F56C-E7E8-453B-A98E-0D132466A013}"/>
+                  <a16:creationId xmlns="" xmlns:a16="http://schemas.microsoft.com/office/drawing/2014/main" id="{3014F56C-E7E8-453B-A98E-0D132466A013}"/>
                 </a:ext>
               </a:extLst>
             </p:cNvPr>
@@ -10280,7 +10365,7 @@
             <p:cNvPr id="73" name="Harvey 27/100 [27]" hidden="1">
               <a:extLst>
                 <a:ext uri="{FF2B5EF4-FFF2-40B4-BE49-F238E27FC236}">
-                  <a16:creationId xmlns:a16="http://schemas.microsoft.com/office/drawing/2014/main" xmlns="" id="{0BF5B0CB-4D79-4B4C-BAEC-6C62BBD7E856}"/>
+                  <a16:creationId xmlns="" xmlns:a16="http://schemas.microsoft.com/office/drawing/2014/main" id="{0BF5B0CB-4D79-4B4C-BAEC-6C62BBD7E856}"/>
                 </a:ext>
               </a:extLst>
             </p:cNvPr>
@@ -10343,7 +10428,7 @@
             <p:cNvPr id="74" name="Harvey 28/100 [28]" hidden="1">
               <a:extLst>
                 <a:ext uri="{FF2B5EF4-FFF2-40B4-BE49-F238E27FC236}">
-                  <a16:creationId xmlns:a16="http://schemas.microsoft.com/office/drawing/2014/main" xmlns="" id="{49ABB409-6ECE-45FE-AC6A-8FDEA5AAF72F}"/>
+                  <a16:creationId xmlns="" xmlns:a16="http://schemas.microsoft.com/office/drawing/2014/main" id="{49ABB409-6ECE-45FE-AC6A-8FDEA5AAF72F}"/>
                 </a:ext>
               </a:extLst>
             </p:cNvPr>
@@ -10406,7 +10491,7 @@
             <p:cNvPr id="75" name="Harvey 29/100 [29]" hidden="1">
               <a:extLst>
                 <a:ext uri="{FF2B5EF4-FFF2-40B4-BE49-F238E27FC236}">
-                  <a16:creationId xmlns:a16="http://schemas.microsoft.com/office/drawing/2014/main" xmlns="" id="{FBA17C7E-2A69-4346-BEF7-A34412349269}"/>
+                  <a16:creationId xmlns="" xmlns:a16="http://schemas.microsoft.com/office/drawing/2014/main" id="{FBA17C7E-2A69-4346-BEF7-A34412349269}"/>
                 </a:ext>
               </a:extLst>
             </p:cNvPr>
@@ -10469,7 +10554,7 @@
             <p:cNvPr id="76" name="Harvey 30/100 [30]" hidden="1">
               <a:extLst>
                 <a:ext uri="{FF2B5EF4-FFF2-40B4-BE49-F238E27FC236}">
-                  <a16:creationId xmlns:a16="http://schemas.microsoft.com/office/drawing/2014/main" xmlns="" id="{165D0565-6CAF-4627-87E7-C3BBEE4F526D}"/>
+                  <a16:creationId xmlns="" xmlns:a16="http://schemas.microsoft.com/office/drawing/2014/main" id="{165D0565-6CAF-4627-87E7-C3BBEE4F526D}"/>
                 </a:ext>
               </a:extLst>
             </p:cNvPr>
@@ -10532,7 +10617,7 @@
             <p:cNvPr id="77" name="Harvey 31/100 [31]" hidden="1">
               <a:extLst>
                 <a:ext uri="{FF2B5EF4-FFF2-40B4-BE49-F238E27FC236}">
-                  <a16:creationId xmlns:a16="http://schemas.microsoft.com/office/drawing/2014/main" xmlns="" id="{B42DA70A-55BE-4CFF-8736-D1EDF4BE453C}"/>
+                  <a16:creationId xmlns="" xmlns:a16="http://schemas.microsoft.com/office/drawing/2014/main" id="{B42DA70A-55BE-4CFF-8736-D1EDF4BE453C}"/>
                 </a:ext>
               </a:extLst>
             </p:cNvPr>
@@ -10595,7 +10680,7 @@
             <p:cNvPr id="78" name="Harvey 32/100 [32]" hidden="1">
               <a:extLst>
                 <a:ext uri="{FF2B5EF4-FFF2-40B4-BE49-F238E27FC236}">
-                  <a16:creationId xmlns:a16="http://schemas.microsoft.com/office/drawing/2014/main" xmlns="" id="{FF7F0838-EE49-4A35-9395-0D43E8AF809D}"/>
+                  <a16:creationId xmlns="" xmlns:a16="http://schemas.microsoft.com/office/drawing/2014/main" id="{FF7F0838-EE49-4A35-9395-0D43E8AF809D}"/>
                 </a:ext>
               </a:extLst>
             </p:cNvPr>
@@ -10658,7 +10743,7 @@
             <p:cNvPr id="79" name="Harvey 33/100 [33]" hidden="1">
               <a:extLst>
                 <a:ext uri="{FF2B5EF4-FFF2-40B4-BE49-F238E27FC236}">
-                  <a16:creationId xmlns:a16="http://schemas.microsoft.com/office/drawing/2014/main" xmlns="" id="{87702330-AC5C-4532-88AD-BB2189C48CA5}"/>
+                  <a16:creationId xmlns="" xmlns:a16="http://schemas.microsoft.com/office/drawing/2014/main" id="{87702330-AC5C-4532-88AD-BB2189C48CA5}"/>
                 </a:ext>
               </a:extLst>
             </p:cNvPr>
@@ -10721,7 +10806,7 @@
             <p:cNvPr id="80" name="Harvey 34/100 [34]" hidden="1">
               <a:extLst>
                 <a:ext uri="{FF2B5EF4-FFF2-40B4-BE49-F238E27FC236}">
-                  <a16:creationId xmlns:a16="http://schemas.microsoft.com/office/drawing/2014/main" xmlns="" id="{5FD38D65-251C-45B0-871E-287881F7EFAA}"/>
+                  <a16:creationId xmlns="" xmlns:a16="http://schemas.microsoft.com/office/drawing/2014/main" id="{5FD38D65-251C-45B0-871E-287881F7EFAA}"/>
                 </a:ext>
               </a:extLst>
             </p:cNvPr>
@@ -10784,7 +10869,7 @@
             <p:cNvPr id="81" name="Harvey 35/100 [35]" hidden="1">
               <a:extLst>
                 <a:ext uri="{FF2B5EF4-FFF2-40B4-BE49-F238E27FC236}">
-                  <a16:creationId xmlns:a16="http://schemas.microsoft.com/office/drawing/2014/main" xmlns="" id="{503C9B02-550C-456A-BB0B-314EF64C1DF9}"/>
+                  <a16:creationId xmlns="" xmlns:a16="http://schemas.microsoft.com/office/drawing/2014/main" id="{503C9B02-550C-456A-BB0B-314EF64C1DF9}"/>
                 </a:ext>
               </a:extLst>
             </p:cNvPr>
@@ -10847,7 +10932,7 @@
             <p:cNvPr id="82" name="Harvey 36/100 [36]" hidden="1">
               <a:extLst>
                 <a:ext uri="{FF2B5EF4-FFF2-40B4-BE49-F238E27FC236}">
-                  <a16:creationId xmlns:a16="http://schemas.microsoft.com/office/drawing/2014/main" xmlns="" id="{953ED935-1EB5-4E2C-A911-29713CD3B048}"/>
+                  <a16:creationId xmlns="" xmlns:a16="http://schemas.microsoft.com/office/drawing/2014/main" id="{953ED935-1EB5-4E2C-A911-29713CD3B048}"/>
                 </a:ext>
               </a:extLst>
             </p:cNvPr>
@@ -10910,7 +10995,7 @@
             <p:cNvPr id="83" name="Harvey 37/100 [37]" hidden="1">
               <a:extLst>
                 <a:ext uri="{FF2B5EF4-FFF2-40B4-BE49-F238E27FC236}">
-                  <a16:creationId xmlns:a16="http://schemas.microsoft.com/office/drawing/2014/main" xmlns="" id="{5918D091-D8DC-494C-B0EE-71FA13BD81BF}"/>
+                  <a16:creationId xmlns="" xmlns:a16="http://schemas.microsoft.com/office/drawing/2014/main" id="{5918D091-D8DC-494C-B0EE-71FA13BD81BF}"/>
                 </a:ext>
               </a:extLst>
             </p:cNvPr>
@@ -10973,7 +11058,7 @@
             <p:cNvPr id="84" name="Harvey 38/100 [38]" hidden="1">
               <a:extLst>
                 <a:ext uri="{FF2B5EF4-FFF2-40B4-BE49-F238E27FC236}">
-                  <a16:creationId xmlns:a16="http://schemas.microsoft.com/office/drawing/2014/main" xmlns="" id="{C5646576-1CCD-4DC0-BC6F-BAB950E5FBDC}"/>
+                  <a16:creationId xmlns="" xmlns:a16="http://schemas.microsoft.com/office/drawing/2014/main" id="{C5646576-1CCD-4DC0-BC6F-BAB950E5FBDC}"/>
                 </a:ext>
               </a:extLst>
             </p:cNvPr>
@@ -11036,7 +11121,7 @@
             <p:cNvPr id="85" name="Harvey 39/100 [39]" hidden="1">
               <a:extLst>
                 <a:ext uri="{FF2B5EF4-FFF2-40B4-BE49-F238E27FC236}">
-                  <a16:creationId xmlns:a16="http://schemas.microsoft.com/office/drawing/2014/main" xmlns="" id="{43BBCDD1-AD79-4B08-B783-BF1617A00B97}"/>
+                  <a16:creationId xmlns="" xmlns:a16="http://schemas.microsoft.com/office/drawing/2014/main" id="{43BBCDD1-AD79-4B08-B783-BF1617A00B97}"/>
                 </a:ext>
               </a:extLst>
             </p:cNvPr>
@@ -11099,7 +11184,7 @@
             <p:cNvPr id="86" name="Harvey 40/100 [40]" hidden="1">
               <a:extLst>
                 <a:ext uri="{FF2B5EF4-FFF2-40B4-BE49-F238E27FC236}">
-                  <a16:creationId xmlns:a16="http://schemas.microsoft.com/office/drawing/2014/main" xmlns="" id="{FBD69947-0130-431E-8709-ACDACE7C76A1}"/>
+                  <a16:creationId xmlns="" xmlns:a16="http://schemas.microsoft.com/office/drawing/2014/main" id="{FBD69947-0130-431E-8709-ACDACE7C76A1}"/>
                 </a:ext>
               </a:extLst>
             </p:cNvPr>
@@ -11162,7 +11247,7 @@
             <p:cNvPr id="87" name="Harvey 41/100 [41]" hidden="1">
               <a:extLst>
                 <a:ext uri="{FF2B5EF4-FFF2-40B4-BE49-F238E27FC236}">
-                  <a16:creationId xmlns:a16="http://schemas.microsoft.com/office/drawing/2014/main" xmlns="" id="{19F896B1-2EFB-4D7D-9C60-E0010E0CE120}"/>
+                  <a16:creationId xmlns="" xmlns:a16="http://schemas.microsoft.com/office/drawing/2014/main" id="{19F896B1-2EFB-4D7D-9C60-E0010E0CE120}"/>
                 </a:ext>
               </a:extLst>
             </p:cNvPr>
@@ -11225,7 +11310,7 @@
             <p:cNvPr id="88" name="Harvey 42/100 [42]" hidden="1">
               <a:extLst>
                 <a:ext uri="{FF2B5EF4-FFF2-40B4-BE49-F238E27FC236}">
-                  <a16:creationId xmlns:a16="http://schemas.microsoft.com/office/drawing/2014/main" xmlns="" id="{ECD99131-7A62-470B-B8BD-44C8B327F3C8}"/>
+                  <a16:creationId xmlns="" xmlns:a16="http://schemas.microsoft.com/office/drawing/2014/main" id="{ECD99131-7A62-470B-B8BD-44C8B327F3C8}"/>
                 </a:ext>
               </a:extLst>
             </p:cNvPr>
@@ -11288,7 +11373,7 @@
             <p:cNvPr id="89" name="Harvey 43/100 [43]" hidden="1">
               <a:extLst>
                 <a:ext uri="{FF2B5EF4-FFF2-40B4-BE49-F238E27FC236}">
-                  <a16:creationId xmlns:a16="http://schemas.microsoft.com/office/drawing/2014/main" xmlns="" id="{21AA2965-A9A1-44F6-A49E-79E9DB6218A3}"/>
+                  <a16:creationId xmlns="" xmlns:a16="http://schemas.microsoft.com/office/drawing/2014/main" id="{21AA2965-A9A1-44F6-A49E-79E9DB6218A3}"/>
                 </a:ext>
               </a:extLst>
             </p:cNvPr>
@@ -11351,7 +11436,7 @@
             <p:cNvPr id="90" name="Harvey 44/100 [44]" hidden="1">
               <a:extLst>
                 <a:ext uri="{FF2B5EF4-FFF2-40B4-BE49-F238E27FC236}">
-                  <a16:creationId xmlns:a16="http://schemas.microsoft.com/office/drawing/2014/main" xmlns="" id="{61364AF6-A2B9-4E7C-AE49-BED73EE8811E}"/>
+                  <a16:creationId xmlns="" xmlns:a16="http://schemas.microsoft.com/office/drawing/2014/main" id="{61364AF6-A2B9-4E7C-AE49-BED73EE8811E}"/>
                 </a:ext>
               </a:extLst>
             </p:cNvPr>
@@ -11414,7 +11499,7 @@
             <p:cNvPr id="91" name="Harvey 45/100 [45]" hidden="1">
               <a:extLst>
                 <a:ext uri="{FF2B5EF4-FFF2-40B4-BE49-F238E27FC236}">
-                  <a16:creationId xmlns:a16="http://schemas.microsoft.com/office/drawing/2014/main" xmlns="" id="{F4DA7081-2CE2-4F5D-8ED2-265245095769}"/>
+                  <a16:creationId xmlns="" xmlns:a16="http://schemas.microsoft.com/office/drawing/2014/main" id="{F4DA7081-2CE2-4F5D-8ED2-265245095769}"/>
                 </a:ext>
               </a:extLst>
             </p:cNvPr>
@@ -11477,7 +11562,7 @@
             <p:cNvPr id="92" name="Harvey 46/100 [46]" hidden="1">
               <a:extLst>
                 <a:ext uri="{FF2B5EF4-FFF2-40B4-BE49-F238E27FC236}">
-                  <a16:creationId xmlns:a16="http://schemas.microsoft.com/office/drawing/2014/main" xmlns="" id="{1E3430D9-0557-4389-ADFE-3944D4EC7876}"/>
+                  <a16:creationId xmlns="" xmlns:a16="http://schemas.microsoft.com/office/drawing/2014/main" id="{1E3430D9-0557-4389-ADFE-3944D4EC7876}"/>
                 </a:ext>
               </a:extLst>
             </p:cNvPr>
@@ -11540,7 +11625,7 @@
             <p:cNvPr id="93" name="Harvey 47/100 [47]" hidden="1">
               <a:extLst>
                 <a:ext uri="{FF2B5EF4-FFF2-40B4-BE49-F238E27FC236}">
-                  <a16:creationId xmlns:a16="http://schemas.microsoft.com/office/drawing/2014/main" xmlns="" id="{C2AB3DBC-D2BF-4843-9796-7D0E60902CF7}"/>
+                  <a16:creationId xmlns="" xmlns:a16="http://schemas.microsoft.com/office/drawing/2014/main" id="{C2AB3DBC-D2BF-4843-9796-7D0E60902CF7}"/>
                 </a:ext>
               </a:extLst>
             </p:cNvPr>
@@ -11603,7 +11688,7 @@
             <p:cNvPr id="94" name="Harvey 48/100 [48]" hidden="1">
               <a:extLst>
                 <a:ext uri="{FF2B5EF4-FFF2-40B4-BE49-F238E27FC236}">
-                  <a16:creationId xmlns:a16="http://schemas.microsoft.com/office/drawing/2014/main" xmlns="" id="{2AC7D3A9-B130-4B73-9F84-FF65EFA90A0D}"/>
+                  <a16:creationId xmlns="" xmlns:a16="http://schemas.microsoft.com/office/drawing/2014/main" id="{2AC7D3A9-B130-4B73-9F84-FF65EFA90A0D}"/>
                 </a:ext>
               </a:extLst>
             </p:cNvPr>
@@ -11666,7 +11751,7 @@
             <p:cNvPr id="95" name="Harvey 49/100 [49]" hidden="1">
               <a:extLst>
                 <a:ext uri="{FF2B5EF4-FFF2-40B4-BE49-F238E27FC236}">
-                  <a16:creationId xmlns:a16="http://schemas.microsoft.com/office/drawing/2014/main" xmlns="" id="{76F82ED8-AE15-4CE2-AE95-FB2705CFE145}"/>
+                  <a16:creationId xmlns="" xmlns:a16="http://schemas.microsoft.com/office/drawing/2014/main" id="{76F82ED8-AE15-4CE2-AE95-FB2705CFE145}"/>
                 </a:ext>
               </a:extLst>
             </p:cNvPr>
@@ -11729,7 +11814,7 @@
             <p:cNvPr id="96" name="Harvey 50/100 [50]" hidden="1">
               <a:extLst>
                 <a:ext uri="{FF2B5EF4-FFF2-40B4-BE49-F238E27FC236}">
-                  <a16:creationId xmlns:a16="http://schemas.microsoft.com/office/drawing/2014/main" xmlns="" id="{0F5708D1-8782-4940-9E21-BC00FDE19AFB}"/>
+                  <a16:creationId xmlns="" xmlns:a16="http://schemas.microsoft.com/office/drawing/2014/main" id="{0F5708D1-8782-4940-9E21-BC00FDE19AFB}"/>
                 </a:ext>
               </a:extLst>
             </p:cNvPr>
@@ -11792,7 +11877,7 @@
             <p:cNvPr id="97" name="Harvey 51/100 [51]" hidden="1">
               <a:extLst>
                 <a:ext uri="{FF2B5EF4-FFF2-40B4-BE49-F238E27FC236}">
-                  <a16:creationId xmlns:a16="http://schemas.microsoft.com/office/drawing/2014/main" xmlns="" id="{0B776587-2FA8-4FFE-A7AE-ADF1F94E851E}"/>
+                  <a16:creationId xmlns="" xmlns:a16="http://schemas.microsoft.com/office/drawing/2014/main" id="{0B776587-2FA8-4FFE-A7AE-ADF1F94E851E}"/>
                 </a:ext>
               </a:extLst>
             </p:cNvPr>
@@ -11855,7 +11940,7 @@
             <p:cNvPr id="98" name="Harvey 52/100 [52]" hidden="1">
               <a:extLst>
                 <a:ext uri="{FF2B5EF4-FFF2-40B4-BE49-F238E27FC236}">
-                  <a16:creationId xmlns:a16="http://schemas.microsoft.com/office/drawing/2014/main" xmlns="" id="{4CB93FD3-AC02-49BD-AA12-9527870B4947}"/>
+                  <a16:creationId xmlns="" xmlns:a16="http://schemas.microsoft.com/office/drawing/2014/main" id="{4CB93FD3-AC02-49BD-AA12-9527870B4947}"/>
                 </a:ext>
               </a:extLst>
             </p:cNvPr>
@@ -11918,7 +12003,7 @@
             <p:cNvPr id="99" name="Harvey 53/100 [53]" hidden="1">
               <a:extLst>
                 <a:ext uri="{FF2B5EF4-FFF2-40B4-BE49-F238E27FC236}">
-                  <a16:creationId xmlns:a16="http://schemas.microsoft.com/office/drawing/2014/main" xmlns="" id="{C9329281-7BF4-45CD-B669-19DF36280803}"/>
+                  <a16:creationId xmlns="" xmlns:a16="http://schemas.microsoft.com/office/drawing/2014/main" id="{C9329281-7BF4-45CD-B669-19DF36280803}"/>
                 </a:ext>
               </a:extLst>
             </p:cNvPr>
@@ -11981,7 +12066,7 @@
             <p:cNvPr id="103" name="Harvey 54/100 [54]" hidden="1">
               <a:extLst>
                 <a:ext uri="{FF2B5EF4-FFF2-40B4-BE49-F238E27FC236}">
-                  <a16:creationId xmlns:a16="http://schemas.microsoft.com/office/drawing/2014/main" xmlns="" id="{C596C32B-3CC3-400F-8135-D4641E94B8C1}"/>
+                  <a16:creationId xmlns="" xmlns:a16="http://schemas.microsoft.com/office/drawing/2014/main" id="{C596C32B-3CC3-400F-8135-D4641E94B8C1}"/>
                 </a:ext>
               </a:extLst>
             </p:cNvPr>
@@ -12044,7 +12129,7 @@
             <p:cNvPr id="104" name="Harvey 55/100 [55]" hidden="1">
               <a:extLst>
                 <a:ext uri="{FF2B5EF4-FFF2-40B4-BE49-F238E27FC236}">
-                  <a16:creationId xmlns:a16="http://schemas.microsoft.com/office/drawing/2014/main" xmlns="" id="{85868E47-BD77-4D70-B1CE-F24D05947DD0}"/>
+                  <a16:creationId xmlns="" xmlns:a16="http://schemas.microsoft.com/office/drawing/2014/main" id="{85868E47-BD77-4D70-B1CE-F24D05947DD0}"/>
                 </a:ext>
               </a:extLst>
             </p:cNvPr>
@@ -12107,7 +12192,7 @@
             <p:cNvPr id="105" name="Harvey 56/100 [56]" hidden="1">
               <a:extLst>
                 <a:ext uri="{FF2B5EF4-FFF2-40B4-BE49-F238E27FC236}">
-                  <a16:creationId xmlns:a16="http://schemas.microsoft.com/office/drawing/2014/main" xmlns="" id="{ECDD5E69-A62E-4FF5-8C41-B4EBA953E81F}"/>
+                  <a16:creationId xmlns="" xmlns:a16="http://schemas.microsoft.com/office/drawing/2014/main" id="{ECDD5E69-A62E-4FF5-8C41-B4EBA953E81F}"/>
                 </a:ext>
               </a:extLst>
             </p:cNvPr>
@@ -12170,7 +12255,7 @@
             <p:cNvPr id="106" name="Harvey 57/100 [57]" hidden="1">
               <a:extLst>
                 <a:ext uri="{FF2B5EF4-FFF2-40B4-BE49-F238E27FC236}">
-                  <a16:creationId xmlns:a16="http://schemas.microsoft.com/office/drawing/2014/main" xmlns="" id="{9C3E5B74-E098-40C0-A583-9B7A12E57448}"/>
+                  <a16:creationId xmlns="" xmlns:a16="http://schemas.microsoft.com/office/drawing/2014/main" id="{9C3E5B74-E098-40C0-A583-9B7A12E57448}"/>
                 </a:ext>
               </a:extLst>
             </p:cNvPr>
@@ -12233,7 +12318,7 @@
             <p:cNvPr id="107" name="Harvey 58/100 [58]" hidden="1">
               <a:extLst>
                 <a:ext uri="{FF2B5EF4-FFF2-40B4-BE49-F238E27FC236}">
-                  <a16:creationId xmlns:a16="http://schemas.microsoft.com/office/drawing/2014/main" xmlns="" id="{F574152B-993B-425C-8B43-74A42FFBA2C7}"/>
+                  <a16:creationId xmlns="" xmlns:a16="http://schemas.microsoft.com/office/drawing/2014/main" id="{F574152B-993B-425C-8B43-74A42FFBA2C7}"/>
                 </a:ext>
               </a:extLst>
             </p:cNvPr>
@@ -12296,7 +12381,7 @@
             <p:cNvPr id="108" name="Harvey 59/100 [59]" hidden="1">
               <a:extLst>
                 <a:ext uri="{FF2B5EF4-FFF2-40B4-BE49-F238E27FC236}">
-                  <a16:creationId xmlns:a16="http://schemas.microsoft.com/office/drawing/2014/main" xmlns="" id="{8A01AD4D-B6E2-4781-A14D-EF8BA08E0318}"/>
+                  <a16:creationId xmlns="" xmlns:a16="http://schemas.microsoft.com/office/drawing/2014/main" id="{8A01AD4D-B6E2-4781-A14D-EF8BA08E0318}"/>
                 </a:ext>
               </a:extLst>
             </p:cNvPr>
@@ -12359,7 +12444,7 @@
             <p:cNvPr id="109" name="Harvey 60/100 [60]" hidden="1">
               <a:extLst>
                 <a:ext uri="{FF2B5EF4-FFF2-40B4-BE49-F238E27FC236}">
-                  <a16:creationId xmlns:a16="http://schemas.microsoft.com/office/drawing/2014/main" xmlns="" id="{BA864186-64B8-414E-81B7-6FD9F84A6DA0}"/>
+                  <a16:creationId xmlns="" xmlns:a16="http://schemas.microsoft.com/office/drawing/2014/main" id="{BA864186-64B8-414E-81B7-6FD9F84A6DA0}"/>
                 </a:ext>
               </a:extLst>
             </p:cNvPr>
@@ -12422,7 +12507,7 @@
             <p:cNvPr id="110" name="Harvey 61/100 [61]" hidden="1">
               <a:extLst>
                 <a:ext uri="{FF2B5EF4-FFF2-40B4-BE49-F238E27FC236}">
-                  <a16:creationId xmlns:a16="http://schemas.microsoft.com/office/drawing/2014/main" xmlns="" id="{2448225B-0253-4E57-A74A-4593FBE05787}"/>
+                  <a16:creationId xmlns="" xmlns:a16="http://schemas.microsoft.com/office/drawing/2014/main" id="{2448225B-0253-4E57-A74A-4593FBE05787}"/>
                 </a:ext>
               </a:extLst>
             </p:cNvPr>
@@ -12485,7 +12570,7 @@
             <p:cNvPr id="111" name="Harvey 62/100 [62]" hidden="1">
               <a:extLst>
                 <a:ext uri="{FF2B5EF4-FFF2-40B4-BE49-F238E27FC236}">
-                  <a16:creationId xmlns:a16="http://schemas.microsoft.com/office/drawing/2014/main" xmlns="" id="{7DE8FA27-EEAA-4897-BD9B-A489DE50FC37}"/>
+                  <a16:creationId xmlns="" xmlns:a16="http://schemas.microsoft.com/office/drawing/2014/main" id="{7DE8FA27-EEAA-4897-BD9B-A489DE50FC37}"/>
                 </a:ext>
               </a:extLst>
             </p:cNvPr>
@@ -12548,7 +12633,7 @@
             <p:cNvPr id="112" name="Harvey 63/100 [63]" hidden="1">
               <a:extLst>
                 <a:ext uri="{FF2B5EF4-FFF2-40B4-BE49-F238E27FC236}">
-                  <a16:creationId xmlns:a16="http://schemas.microsoft.com/office/drawing/2014/main" xmlns="" id="{3A55B80D-FCED-4C8D-A574-580654EA0C63}"/>
+                  <a16:creationId xmlns="" xmlns:a16="http://schemas.microsoft.com/office/drawing/2014/main" id="{3A55B80D-FCED-4C8D-A574-580654EA0C63}"/>
                 </a:ext>
               </a:extLst>
             </p:cNvPr>
@@ -12611,7 +12696,7 @@
             <p:cNvPr id="113" name="Harvey 64/100 [64]" hidden="1">
               <a:extLst>
                 <a:ext uri="{FF2B5EF4-FFF2-40B4-BE49-F238E27FC236}">
-                  <a16:creationId xmlns:a16="http://schemas.microsoft.com/office/drawing/2014/main" xmlns="" id="{DE2BA7FC-5E67-4778-B3EA-E57E40F232F9}"/>
+                  <a16:creationId xmlns="" xmlns:a16="http://schemas.microsoft.com/office/drawing/2014/main" id="{DE2BA7FC-5E67-4778-B3EA-E57E40F232F9}"/>
                 </a:ext>
               </a:extLst>
             </p:cNvPr>
@@ -12674,7 +12759,7 @@
             <p:cNvPr id="114" name="Harvey 65/100 [65]" hidden="1">
               <a:extLst>
                 <a:ext uri="{FF2B5EF4-FFF2-40B4-BE49-F238E27FC236}">
-                  <a16:creationId xmlns:a16="http://schemas.microsoft.com/office/drawing/2014/main" xmlns="" id="{1BC4FEEA-A049-42BA-8A85-3FA527CE44F3}"/>
+                  <a16:creationId xmlns="" xmlns:a16="http://schemas.microsoft.com/office/drawing/2014/main" id="{1BC4FEEA-A049-42BA-8A85-3FA527CE44F3}"/>
                 </a:ext>
               </a:extLst>
             </p:cNvPr>
@@ -12737,7 +12822,7 @@
             <p:cNvPr id="115" name="Harvey 66/100 [66]" hidden="1">
               <a:extLst>
                 <a:ext uri="{FF2B5EF4-FFF2-40B4-BE49-F238E27FC236}">
-                  <a16:creationId xmlns:a16="http://schemas.microsoft.com/office/drawing/2014/main" xmlns="" id="{8EEC36E9-4BB7-4E3A-AB04-C9B999F245D4}"/>
+                  <a16:creationId xmlns="" xmlns:a16="http://schemas.microsoft.com/office/drawing/2014/main" id="{8EEC36E9-4BB7-4E3A-AB04-C9B999F245D4}"/>
                 </a:ext>
               </a:extLst>
             </p:cNvPr>
@@ -12800,7 +12885,7 @@
             <p:cNvPr id="116" name="Harvey 67/100 [67]" hidden="1">
               <a:extLst>
                 <a:ext uri="{FF2B5EF4-FFF2-40B4-BE49-F238E27FC236}">
-                  <a16:creationId xmlns:a16="http://schemas.microsoft.com/office/drawing/2014/main" xmlns="" id="{1918EC99-6D63-4DC5-9581-9847CE300E96}"/>
+                  <a16:creationId xmlns="" xmlns:a16="http://schemas.microsoft.com/office/drawing/2014/main" id="{1918EC99-6D63-4DC5-9581-9847CE300E96}"/>
                 </a:ext>
               </a:extLst>
             </p:cNvPr>
@@ -12863,7 +12948,7 @@
             <p:cNvPr id="117" name="Harvey 68/100 [68]" hidden="1">
               <a:extLst>
                 <a:ext uri="{FF2B5EF4-FFF2-40B4-BE49-F238E27FC236}">
-                  <a16:creationId xmlns:a16="http://schemas.microsoft.com/office/drawing/2014/main" xmlns="" id="{98FD403B-93AA-46DE-B8B3-99F8593103FE}"/>
+                  <a16:creationId xmlns="" xmlns:a16="http://schemas.microsoft.com/office/drawing/2014/main" id="{98FD403B-93AA-46DE-B8B3-99F8593103FE}"/>
                 </a:ext>
               </a:extLst>
             </p:cNvPr>
@@ -12926,7 +13011,7 @@
             <p:cNvPr id="118" name="Harvey 69/100 [69]" hidden="1">
               <a:extLst>
                 <a:ext uri="{FF2B5EF4-FFF2-40B4-BE49-F238E27FC236}">
-                  <a16:creationId xmlns:a16="http://schemas.microsoft.com/office/drawing/2014/main" xmlns="" id="{6C8DECE9-B870-4CD9-8D6A-D208A64E9DE1}"/>
+                  <a16:creationId xmlns="" xmlns:a16="http://schemas.microsoft.com/office/drawing/2014/main" id="{6C8DECE9-B870-4CD9-8D6A-D208A64E9DE1}"/>
                 </a:ext>
               </a:extLst>
             </p:cNvPr>
@@ -12989,7 +13074,7 @@
             <p:cNvPr id="119" name="Harvey 70/100 [70]" hidden="1">
               <a:extLst>
                 <a:ext uri="{FF2B5EF4-FFF2-40B4-BE49-F238E27FC236}">
-                  <a16:creationId xmlns:a16="http://schemas.microsoft.com/office/drawing/2014/main" xmlns="" id="{3A174A8A-46C9-4698-908B-F2EE9A649FF0}"/>
+                  <a16:creationId xmlns="" xmlns:a16="http://schemas.microsoft.com/office/drawing/2014/main" id="{3A174A8A-46C9-4698-908B-F2EE9A649FF0}"/>
                 </a:ext>
               </a:extLst>
             </p:cNvPr>
@@ -13052,7 +13137,7 @@
             <p:cNvPr id="120" name="Harvey 71/100 [71]" hidden="1">
               <a:extLst>
                 <a:ext uri="{FF2B5EF4-FFF2-40B4-BE49-F238E27FC236}">
-                  <a16:creationId xmlns:a16="http://schemas.microsoft.com/office/drawing/2014/main" xmlns="" id="{3742BAD9-0BA8-495E-A141-9D283423D14D}"/>
+                  <a16:creationId xmlns="" xmlns:a16="http://schemas.microsoft.com/office/drawing/2014/main" id="{3742BAD9-0BA8-495E-A141-9D283423D14D}"/>
                 </a:ext>
               </a:extLst>
             </p:cNvPr>
@@ -13115,7 +13200,7 @@
             <p:cNvPr id="121" name="Harvey 72/100 [72]" hidden="1">
               <a:extLst>
                 <a:ext uri="{FF2B5EF4-FFF2-40B4-BE49-F238E27FC236}">
-                  <a16:creationId xmlns:a16="http://schemas.microsoft.com/office/drawing/2014/main" xmlns="" id="{9FCA97B7-6D15-469C-BDA6-65EE36FC2421}"/>
+                  <a16:creationId xmlns="" xmlns:a16="http://schemas.microsoft.com/office/drawing/2014/main" id="{9FCA97B7-6D15-469C-BDA6-65EE36FC2421}"/>
                 </a:ext>
               </a:extLst>
             </p:cNvPr>
@@ -13178,7 +13263,7 @@
             <p:cNvPr id="122" name="Harvey 73/100 [73]" hidden="1">
               <a:extLst>
                 <a:ext uri="{FF2B5EF4-FFF2-40B4-BE49-F238E27FC236}">
-                  <a16:creationId xmlns:a16="http://schemas.microsoft.com/office/drawing/2014/main" xmlns="" id="{807CF8C3-D094-4440-B8A8-7C4086600556}"/>
+                  <a16:creationId xmlns="" xmlns:a16="http://schemas.microsoft.com/office/drawing/2014/main" id="{807CF8C3-D094-4440-B8A8-7C4086600556}"/>
                 </a:ext>
               </a:extLst>
             </p:cNvPr>
@@ -13241,7 +13326,7 @@
             <p:cNvPr id="123" name="Harvey 74/100 [74]" hidden="1">
               <a:extLst>
                 <a:ext uri="{FF2B5EF4-FFF2-40B4-BE49-F238E27FC236}">
-                  <a16:creationId xmlns:a16="http://schemas.microsoft.com/office/drawing/2014/main" xmlns="" id="{3D312ACD-3D30-40C5-920A-303F5BE73E29}"/>
+                  <a16:creationId xmlns="" xmlns:a16="http://schemas.microsoft.com/office/drawing/2014/main" id="{3D312ACD-3D30-40C5-920A-303F5BE73E29}"/>
                 </a:ext>
               </a:extLst>
             </p:cNvPr>
@@ -13304,7 +13389,7 @@
             <p:cNvPr id="124" name="Harvey 75/100 [75]" hidden="1">
               <a:extLst>
                 <a:ext uri="{FF2B5EF4-FFF2-40B4-BE49-F238E27FC236}">
-                  <a16:creationId xmlns:a16="http://schemas.microsoft.com/office/drawing/2014/main" xmlns="" id="{6E333635-85D3-477C-BE5D-9721A9C87442}"/>
+                  <a16:creationId xmlns="" xmlns:a16="http://schemas.microsoft.com/office/drawing/2014/main" id="{6E333635-85D3-477C-BE5D-9721A9C87442}"/>
                 </a:ext>
               </a:extLst>
             </p:cNvPr>
@@ -13367,7 +13452,7 @@
             <p:cNvPr id="125" name="Harvey 76/100 [76]" hidden="1">
               <a:extLst>
                 <a:ext uri="{FF2B5EF4-FFF2-40B4-BE49-F238E27FC236}">
-                  <a16:creationId xmlns:a16="http://schemas.microsoft.com/office/drawing/2014/main" xmlns="" id="{2B84CFE0-880B-4270-AC2A-378E374A6F85}"/>
+                  <a16:creationId xmlns="" xmlns:a16="http://schemas.microsoft.com/office/drawing/2014/main" id="{2B84CFE0-880B-4270-AC2A-378E374A6F85}"/>
                 </a:ext>
               </a:extLst>
             </p:cNvPr>
@@ -13430,7 +13515,7 @@
             <p:cNvPr id="126" name="Harvey 77/100 [77]" hidden="1">
               <a:extLst>
                 <a:ext uri="{FF2B5EF4-FFF2-40B4-BE49-F238E27FC236}">
-                  <a16:creationId xmlns:a16="http://schemas.microsoft.com/office/drawing/2014/main" xmlns="" id="{5EC252E3-E98D-4296-8DC7-7BBC79E67399}"/>
+                  <a16:creationId xmlns="" xmlns:a16="http://schemas.microsoft.com/office/drawing/2014/main" id="{5EC252E3-E98D-4296-8DC7-7BBC79E67399}"/>
                 </a:ext>
               </a:extLst>
             </p:cNvPr>
@@ -13493,7 +13578,7 @@
             <p:cNvPr id="128" name="Harvey 78/100 [78]" hidden="1">
               <a:extLst>
                 <a:ext uri="{FF2B5EF4-FFF2-40B4-BE49-F238E27FC236}">
-                  <a16:creationId xmlns:a16="http://schemas.microsoft.com/office/drawing/2014/main" xmlns="" id="{34597CD2-AE17-4AC4-BDDA-42E5F11EA4BD}"/>
+                  <a16:creationId xmlns="" xmlns:a16="http://schemas.microsoft.com/office/drawing/2014/main" id="{34597CD2-AE17-4AC4-BDDA-42E5F11EA4BD}"/>
                 </a:ext>
               </a:extLst>
             </p:cNvPr>
@@ -13556,7 +13641,7 @@
             <p:cNvPr id="129" name="Harvey 79/100 [79]" hidden="1">
               <a:extLst>
                 <a:ext uri="{FF2B5EF4-FFF2-40B4-BE49-F238E27FC236}">
-                  <a16:creationId xmlns:a16="http://schemas.microsoft.com/office/drawing/2014/main" xmlns="" id="{43513FFB-4D4F-4C2C-9058-B6ADA9B77223}"/>
+                  <a16:creationId xmlns="" xmlns:a16="http://schemas.microsoft.com/office/drawing/2014/main" id="{43513FFB-4D4F-4C2C-9058-B6ADA9B77223}"/>
                 </a:ext>
               </a:extLst>
             </p:cNvPr>
@@ -13619,7 +13704,7 @@
             <p:cNvPr id="130" name="Harvey 80/100 [80]" hidden="1">
               <a:extLst>
                 <a:ext uri="{FF2B5EF4-FFF2-40B4-BE49-F238E27FC236}">
-                  <a16:creationId xmlns:a16="http://schemas.microsoft.com/office/drawing/2014/main" xmlns="" id="{3E74A731-2B8E-4D2E-96CD-33C320AE9F02}"/>
+                  <a16:creationId xmlns="" xmlns:a16="http://schemas.microsoft.com/office/drawing/2014/main" id="{3E74A731-2B8E-4D2E-96CD-33C320AE9F02}"/>
                 </a:ext>
               </a:extLst>
             </p:cNvPr>
@@ -13682,7 +13767,7 @@
             <p:cNvPr id="131" name="Harvey 81/100 [81]" hidden="1">
               <a:extLst>
                 <a:ext uri="{FF2B5EF4-FFF2-40B4-BE49-F238E27FC236}">
-                  <a16:creationId xmlns:a16="http://schemas.microsoft.com/office/drawing/2014/main" xmlns="" id="{395EB164-04F7-4605-8A9B-F5E95495C740}"/>
+                  <a16:creationId xmlns="" xmlns:a16="http://schemas.microsoft.com/office/drawing/2014/main" id="{395EB164-04F7-4605-8A9B-F5E95495C740}"/>
                 </a:ext>
               </a:extLst>
             </p:cNvPr>
@@ -13745,7 +13830,7 @@
             <p:cNvPr id="132" name="Harvey 82/100 [82]" hidden="1">
               <a:extLst>
                 <a:ext uri="{FF2B5EF4-FFF2-40B4-BE49-F238E27FC236}">
-                  <a16:creationId xmlns:a16="http://schemas.microsoft.com/office/drawing/2014/main" xmlns="" id="{8C403123-B106-4593-A5DB-715C0F7A040C}"/>
+                  <a16:creationId xmlns="" xmlns:a16="http://schemas.microsoft.com/office/drawing/2014/main" id="{8C403123-B106-4593-A5DB-715C0F7A040C}"/>
                 </a:ext>
               </a:extLst>
             </p:cNvPr>
@@ -13808,7 +13893,7 @@
             <p:cNvPr id="133" name="Harvey 83/100 [83]" hidden="1">
               <a:extLst>
                 <a:ext uri="{FF2B5EF4-FFF2-40B4-BE49-F238E27FC236}">
-                  <a16:creationId xmlns:a16="http://schemas.microsoft.com/office/drawing/2014/main" xmlns="" id="{4224C58E-8FED-4FD0-A482-89B385D7E115}"/>
+                  <a16:creationId xmlns="" xmlns:a16="http://schemas.microsoft.com/office/drawing/2014/main" id="{4224C58E-8FED-4FD0-A482-89B385D7E115}"/>
                 </a:ext>
               </a:extLst>
             </p:cNvPr>
@@ -13871,7 +13956,7 @@
             <p:cNvPr id="134" name="Harvey 84/100 [84]" hidden="1">
               <a:extLst>
                 <a:ext uri="{FF2B5EF4-FFF2-40B4-BE49-F238E27FC236}">
-                  <a16:creationId xmlns:a16="http://schemas.microsoft.com/office/drawing/2014/main" xmlns="" id="{D23B6783-C615-4CE8-A797-BD40BBC9A7DB}"/>
+                  <a16:creationId xmlns="" xmlns:a16="http://schemas.microsoft.com/office/drawing/2014/main" id="{D23B6783-C615-4CE8-A797-BD40BBC9A7DB}"/>
                 </a:ext>
               </a:extLst>
             </p:cNvPr>
@@ -13934,7 +14019,7 @@
             <p:cNvPr id="135" name="Harvey 85/100 [85]" hidden="1">
               <a:extLst>
                 <a:ext uri="{FF2B5EF4-FFF2-40B4-BE49-F238E27FC236}">
-                  <a16:creationId xmlns:a16="http://schemas.microsoft.com/office/drawing/2014/main" xmlns="" id="{81CE860D-5A97-49C1-B57D-755C5D3831A3}"/>
+                  <a16:creationId xmlns="" xmlns:a16="http://schemas.microsoft.com/office/drawing/2014/main" id="{81CE860D-5A97-49C1-B57D-755C5D3831A3}"/>
                 </a:ext>
               </a:extLst>
             </p:cNvPr>
@@ -13997,7 +14082,7 @@
             <p:cNvPr id="136" name="Harvey 86/100 [86]" hidden="1">
               <a:extLst>
                 <a:ext uri="{FF2B5EF4-FFF2-40B4-BE49-F238E27FC236}">
-                  <a16:creationId xmlns:a16="http://schemas.microsoft.com/office/drawing/2014/main" xmlns="" id="{2479714A-163E-46E4-98A7-E027DBFE57FD}"/>
+                  <a16:creationId xmlns="" xmlns:a16="http://schemas.microsoft.com/office/drawing/2014/main" id="{2479714A-163E-46E4-98A7-E027DBFE57FD}"/>
                 </a:ext>
               </a:extLst>
             </p:cNvPr>
@@ -14060,7 +14145,7 @@
             <p:cNvPr id="137" name="Harvey 87/100 [87]" hidden="1">
               <a:extLst>
                 <a:ext uri="{FF2B5EF4-FFF2-40B4-BE49-F238E27FC236}">
-                  <a16:creationId xmlns:a16="http://schemas.microsoft.com/office/drawing/2014/main" xmlns="" id="{63FA2A77-8C97-455F-A3B2-B7E0EC337A8B}"/>
+                  <a16:creationId xmlns="" xmlns:a16="http://schemas.microsoft.com/office/drawing/2014/main" id="{63FA2A77-8C97-455F-A3B2-B7E0EC337A8B}"/>
                 </a:ext>
               </a:extLst>
             </p:cNvPr>
@@ -14123,7 +14208,7 @@
             <p:cNvPr id="138" name="Harvey 88/100 [88]" hidden="1">
               <a:extLst>
                 <a:ext uri="{FF2B5EF4-FFF2-40B4-BE49-F238E27FC236}">
-                  <a16:creationId xmlns:a16="http://schemas.microsoft.com/office/drawing/2014/main" xmlns="" id="{76A90925-6AF6-4906-A319-B31822004755}"/>
+                  <a16:creationId xmlns="" xmlns:a16="http://schemas.microsoft.com/office/drawing/2014/main" id="{76A90925-6AF6-4906-A319-B31822004755}"/>
                 </a:ext>
               </a:extLst>
             </p:cNvPr>
@@ -14186,7 +14271,7 @@
             <p:cNvPr id="139" name="Harvey 89/100 [89]" hidden="1">
               <a:extLst>
                 <a:ext uri="{FF2B5EF4-FFF2-40B4-BE49-F238E27FC236}">
-                  <a16:creationId xmlns:a16="http://schemas.microsoft.com/office/drawing/2014/main" xmlns="" id="{0850D05B-A5F1-4DF2-BE72-115B6768BE60}"/>
+                  <a16:creationId xmlns="" xmlns:a16="http://schemas.microsoft.com/office/drawing/2014/main" id="{0850D05B-A5F1-4DF2-BE72-115B6768BE60}"/>
                 </a:ext>
               </a:extLst>
             </p:cNvPr>
@@ -14249,7 +14334,7 @@
             <p:cNvPr id="140" name="Harvey 90/100 [90]" hidden="1">
               <a:extLst>
                 <a:ext uri="{FF2B5EF4-FFF2-40B4-BE49-F238E27FC236}">
-                  <a16:creationId xmlns:a16="http://schemas.microsoft.com/office/drawing/2014/main" xmlns="" id="{D37E5497-C2F8-493B-BE7A-6237593E394E}"/>
+                  <a16:creationId xmlns="" xmlns:a16="http://schemas.microsoft.com/office/drawing/2014/main" id="{D37E5497-C2F8-493B-BE7A-6237593E394E}"/>
                 </a:ext>
               </a:extLst>
             </p:cNvPr>
@@ -14312,7 +14397,7 @@
             <p:cNvPr id="141" name="Harvey 91/100 [91]" hidden="1">
               <a:extLst>
                 <a:ext uri="{FF2B5EF4-FFF2-40B4-BE49-F238E27FC236}">
-                  <a16:creationId xmlns:a16="http://schemas.microsoft.com/office/drawing/2014/main" xmlns="" id="{7C256B67-028D-417A-BF9E-950DCD694CF2}"/>
+                  <a16:creationId xmlns="" xmlns:a16="http://schemas.microsoft.com/office/drawing/2014/main" id="{7C256B67-028D-417A-BF9E-950DCD694CF2}"/>
                 </a:ext>
               </a:extLst>
             </p:cNvPr>
@@ -14375,7 +14460,7 @@
             <p:cNvPr id="142" name="Harvey 92/100 [92]" hidden="1">
               <a:extLst>
                 <a:ext uri="{FF2B5EF4-FFF2-40B4-BE49-F238E27FC236}">
-                  <a16:creationId xmlns:a16="http://schemas.microsoft.com/office/drawing/2014/main" xmlns="" id="{90115D0F-8E12-492E-9494-96B5D3C111AB}"/>
+                  <a16:creationId xmlns="" xmlns:a16="http://schemas.microsoft.com/office/drawing/2014/main" id="{90115D0F-8E12-492E-9494-96B5D3C111AB}"/>
                 </a:ext>
               </a:extLst>
             </p:cNvPr>
@@ -14438,7 +14523,7 @@
             <p:cNvPr id="143" name="Harvey 93/100 [93]" hidden="1">
               <a:extLst>
                 <a:ext uri="{FF2B5EF4-FFF2-40B4-BE49-F238E27FC236}">
-                  <a16:creationId xmlns:a16="http://schemas.microsoft.com/office/drawing/2014/main" xmlns="" id="{475AE4EB-8026-4D3E-AE9A-005A809A00C6}"/>
+                  <a16:creationId xmlns="" xmlns:a16="http://schemas.microsoft.com/office/drawing/2014/main" id="{475AE4EB-8026-4D3E-AE9A-005A809A00C6}"/>
                 </a:ext>
               </a:extLst>
             </p:cNvPr>
@@ -14501,7 +14586,7 @@
             <p:cNvPr id="144" name="Harvey 94/100 [94]" hidden="1">
               <a:extLst>
                 <a:ext uri="{FF2B5EF4-FFF2-40B4-BE49-F238E27FC236}">
-                  <a16:creationId xmlns:a16="http://schemas.microsoft.com/office/drawing/2014/main" xmlns="" id="{E1AEC727-5D60-487A-811D-3044852AFEE8}"/>
+                  <a16:creationId xmlns="" xmlns:a16="http://schemas.microsoft.com/office/drawing/2014/main" id="{E1AEC727-5D60-487A-811D-3044852AFEE8}"/>
                 </a:ext>
               </a:extLst>
             </p:cNvPr>
@@ -14564,7 +14649,7 @@
             <p:cNvPr id="145" name="Harvey 95/100 [95]" hidden="1">
               <a:extLst>
                 <a:ext uri="{FF2B5EF4-FFF2-40B4-BE49-F238E27FC236}">
-                  <a16:creationId xmlns:a16="http://schemas.microsoft.com/office/drawing/2014/main" xmlns="" id="{4DC5CA71-AC5E-4CE3-8599-9659DCA9B338}"/>
+                  <a16:creationId xmlns="" xmlns:a16="http://schemas.microsoft.com/office/drawing/2014/main" id="{4DC5CA71-AC5E-4CE3-8599-9659DCA9B338}"/>
                 </a:ext>
               </a:extLst>
             </p:cNvPr>
@@ -14627,7 +14712,7 @@
             <p:cNvPr id="147" name="Harvey 96/100 [96]" hidden="1">
               <a:extLst>
                 <a:ext uri="{FF2B5EF4-FFF2-40B4-BE49-F238E27FC236}">
-                  <a16:creationId xmlns:a16="http://schemas.microsoft.com/office/drawing/2014/main" xmlns="" id="{02B169BD-62A9-4406-90CD-2F27A408849F}"/>
+                  <a16:creationId xmlns="" xmlns:a16="http://schemas.microsoft.com/office/drawing/2014/main" id="{02B169BD-62A9-4406-90CD-2F27A408849F}"/>
                 </a:ext>
               </a:extLst>
             </p:cNvPr>
@@ -14690,7 +14775,7 @@
             <p:cNvPr id="148" name="Harvey 97/100 [97]" hidden="1">
               <a:extLst>
                 <a:ext uri="{FF2B5EF4-FFF2-40B4-BE49-F238E27FC236}">
-                  <a16:creationId xmlns:a16="http://schemas.microsoft.com/office/drawing/2014/main" xmlns="" id="{66EC144D-A72B-437C-AABF-6B3AE6258344}"/>
+                  <a16:creationId xmlns="" xmlns:a16="http://schemas.microsoft.com/office/drawing/2014/main" id="{66EC144D-A72B-437C-AABF-6B3AE6258344}"/>
                 </a:ext>
               </a:extLst>
             </p:cNvPr>
@@ -14753,7 +14838,7 @@
             <p:cNvPr id="149" name="Harvey 98/100 [98]" hidden="1">
               <a:extLst>
                 <a:ext uri="{FF2B5EF4-FFF2-40B4-BE49-F238E27FC236}">
-                  <a16:creationId xmlns:a16="http://schemas.microsoft.com/office/drawing/2014/main" xmlns="" id="{3FD9AB3C-C73B-4ADF-AAFC-CF4E1238F6E0}"/>
+                  <a16:creationId xmlns="" xmlns:a16="http://schemas.microsoft.com/office/drawing/2014/main" id="{3FD9AB3C-C73B-4ADF-AAFC-CF4E1238F6E0}"/>
                 </a:ext>
               </a:extLst>
             </p:cNvPr>
@@ -14816,7 +14901,7 @@
             <p:cNvPr id="150" name="Harvey 99/100 [99]" hidden="1">
               <a:extLst>
                 <a:ext uri="{FF2B5EF4-FFF2-40B4-BE49-F238E27FC236}">
-                  <a16:creationId xmlns:a16="http://schemas.microsoft.com/office/drawing/2014/main" xmlns="" id="{EDA506CF-2E87-41DD-B763-D8008A9A3614}"/>
+                  <a16:creationId xmlns="" xmlns:a16="http://schemas.microsoft.com/office/drawing/2014/main" id="{EDA506CF-2E87-41DD-B763-D8008A9A3614}"/>
                 </a:ext>
               </a:extLst>
             </p:cNvPr>
@@ -14879,7 +14964,7 @@
             <p:cNvPr id="153" name="Harvey 100/100 [100]" hidden="1">
               <a:extLst>
                 <a:ext uri="{FF2B5EF4-FFF2-40B4-BE49-F238E27FC236}">
-                  <a16:creationId xmlns:a16="http://schemas.microsoft.com/office/drawing/2014/main" xmlns="" id="{83B4E271-BC38-47D9-AC5F-679941407376}"/>
+                  <a16:creationId xmlns="" xmlns:a16="http://schemas.microsoft.com/office/drawing/2014/main" id="{83B4E271-BC38-47D9-AC5F-679941407376}"/>
                 </a:ext>
               </a:extLst>
             </p:cNvPr>
@@ -14934,7 +15019,7 @@
           <p:cNvPr id="156" name="text" descr="{&quot;templafy&quot;:{&quot;id&quot;:&quot;a6cebcce-9b2a-4fba-95b4-bdef9fe69a4b&quot;}}" hidden="1" title="text">
             <a:extLst>
               <a:ext uri="{FF2B5EF4-FFF2-40B4-BE49-F238E27FC236}">
-                <a16:creationId xmlns:a16="http://schemas.microsoft.com/office/drawing/2014/main" xmlns="" id="{4A0ECF2A-95D0-4F12-9494-539BD853C463}"/>
+                <a16:creationId xmlns="" xmlns:a16="http://schemas.microsoft.com/office/drawing/2014/main" id="{4A0ECF2A-95D0-4F12-9494-539BD853C463}"/>
               </a:ext>
             </a:extLst>
           </p:cNvPr>
@@ -15003,7 +15088,7 @@
           <p:cNvPr id="154" name="TextBox" hidden="1">
             <a:extLst>
               <a:ext uri="{FF2B5EF4-FFF2-40B4-BE49-F238E27FC236}">
-                <a16:creationId xmlns:a16="http://schemas.microsoft.com/office/drawing/2014/main" xmlns="" id="{F0D3DFB6-6F70-49D4-A467-486FFBCB10A8}"/>
+                <a16:creationId xmlns="" xmlns:a16="http://schemas.microsoft.com/office/drawing/2014/main" id="{F0D3DFB6-6F70-49D4-A467-486FFBCB10A8}"/>
               </a:ext>
             </a:extLst>
           </p:cNvPr>
@@ -15306,7 +15391,7 @@
           <p:cNvPr id="161" name="Title Placeholder 1">
             <a:extLst>
               <a:ext uri="{FF2B5EF4-FFF2-40B4-BE49-F238E27FC236}">
-                <a16:creationId xmlns:a16="http://schemas.microsoft.com/office/drawing/2014/main" xmlns="" id="{03A1E60C-ED04-4688-9190-A34B19D4D09A}"/>
+                <a16:creationId xmlns="" xmlns:a16="http://schemas.microsoft.com/office/drawing/2014/main" id="{03A1E60C-ED04-4688-9190-A34B19D4D09A}"/>
               </a:ext>
             </a:extLst>
           </p:cNvPr>
@@ -15345,7 +15430,7 @@
           <p:cNvPr id="164" name="Graphic 163">
             <a:extLst>
               <a:ext uri="{FF2B5EF4-FFF2-40B4-BE49-F238E27FC236}">
-                <a16:creationId xmlns:a16="http://schemas.microsoft.com/office/drawing/2014/main" xmlns="" id="{25DD594A-F878-4D26-9CF2-405279373BC3}"/>
+                <a16:creationId xmlns="" xmlns:a16="http://schemas.microsoft.com/office/drawing/2014/main" id="{25DD594A-F878-4D26-9CF2-405279373BC3}"/>
               </a:ext>
             </a:extLst>
           </p:cNvPr>
@@ -15358,7 +15443,7 @@
           <a:blip r:embed="rId138">
             <a:extLst>
               <a:ext uri="{96DAC541-7B7A-43D3-8B79-37D633B846F1}">
-                <asvg:svgBlip xmlns:asvg="http://schemas.microsoft.com/office/drawing/2016/SVG/main" xmlns="" r:embed="rId139"/>
+                <asvg:svgBlip xmlns="" xmlns:asvg="http://schemas.microsoft.com/office/drawing/2016/SVG/main" r:embed="rId139"/>
               </a:ext>
             </a:extLst>
           </a:blip>
@@ -16010,7 +16095,7 @@
           <p:cNvPr id="3" name="Text Placeholder 2">
             <a:extLst>
               <a:ext uri="{FF2B5EF4-FFF2-40B4-BE49-F238E27FC236}">
-                <a16:creationId xmlns:a16="http://schemas.microsoft.com/office/drawing/2014/main" xmlns="" id="{037096D2-BF8E-40F7-B829-95F00ADC975D}"/>
+                <a16:creationId xmlns="" xmlns:a16="http://schemas.microsoft.com/office/drawing/2014/main" id="{037096D2-BF8E-40F7-B829-95F00ADC975D}"/>
               </a:ext>
             </a:extLst>
           </p:cNvPr>
@@ -16035,7 +16120,7 @@
           <p:cNvPr id="2" name="Text Placeholder 1">
             <a:extLst>
               <a:ext uri="{FF2B5EF4-FFF2-40B4-BE49-F238E27FC236}">
-                <a16:creationId xmlns:a16="http://schemas.microsoft.com/office/drawing/2014/main" xmlns="" id="{130C4348-70E7-4FD7-915E-738779A687DC}"/>
+                <a16:creationId xmlns="" xmlns:a16="http://schemas.microsoft.com/office/drawing/2014/main" id="{130C4348-70E7-4FD7-915E-738779A687DC}"/>
               </a:ext>
             </a:extLst>
           </p:cNvPr>
@@ -16098,7 +16183,7 @@
           <p:cNvPr id="6" name="Content Placeholder 5">
             <a:extLst>
               <a:ext uri="{FF2B5EF4-FFF2-40B4-BE49-F238E27FC236}">
-                <a16:creationId xmlns:a16="http://schemas.microsoft.com/office/drawing/2014/main" xmlns="" id="{FE55FF28-C028-47D8-9756-B328A54414D7}"/>
+                <a16:creationId xmlns="" xmlns:a16="http://schemas.microsoft.com/office/drawing/2014/main" id="{FE55FF28-C028-47D8-9756-B328A54414D7}"/>
               </a:ext>
             </a:extLst>
           </p:cNvPr>
@@ -16203,7 +16288,7 @@
           <p:cNvPr id="7" name="Text Placeholder 6">
             <a:extLst>
               <a:ext uri="{FF2B5EF4-FFF2-40B4-BE49-F238E27FC236}">
-                <a16:creationId xmlns:a16="http://schemas.microsoft.com/office/drawing/2014/main" xmlns="" id="{DF4F97D9-E7D7-4E85-BB50-C87C7BB6F961}"/>
+                <a16:creationId xmlns="" xmlns:a16="http://schemas.microsoft.com/office/drawing/2014/main" id="{DF4F97D9-E7D7-4E85-BB50-C87C7BB6F961}"/>
               </a:ext>
             </a:extLst>
           </p:cNvPr>
@@ -16228,7 +16313,7 @@
           <p:cNvPr id="4" name="Title 3">
             <a:extLst>
               <a:ext uri="{FF2B5EF4-FFF2-40B4-BE49-F238E27FC236}">
-                <a16:creationId xmlns:a16="http://schemas.microsoft.com/office/drawing/2014/main" xmlns="" id="{6B1011D3-A8C8-44CC-8836-11626D436C26}"/>
+                <a16:creationId xmlns="" xmlns:a16="http://schemas.microsoft.com/office/drawing/2014/main" id="{6B1011D3-A8C8-44CC-8836-11626D436C26}"/>
               </a:ext>
             </a:extLst>
           </p:cNvPr>
@@ -16262,7 +16347,7 @@
           <p:cNvPr id="9" name="Title 3">
             <a:extLst>
               <a:ext uri="{FF2B5EF4-FFF2-40B4-BE49-F238E27FC236}">
-                <a16:creationId xmlns:a16="http://schemas.microsoft.com/office/drawing/2014/main" xmlns="" id="{343D100C-CBCF-4740-8808-AA3731B46C28}"/>
+                <a16:creationId xmlns="" xmlns:a16="http://schemas.microsoft.com/office/drawing/2014/main" id="{343D100C-CBCF-4740-8808-AA3731B46C28}"/>
               </a:ext>
             </a:extLst>
           </p:cNvPr>
@@ -16337,7 +16422,7 @@
           <p:cNvPr id="10" name="Content Placeholder 5">
             <a:extLst>
               <a:ext uri="{FF2B5EF4-FFF2-40B4-BE49-F238E27FC236}">
-                <a16:creationId xmlns:a16="http://schemas.microsoft.com/office/drawing/2014/main" xmlns="" id="{E97A4741-1A72-C64F-ADE5-3CC93618A7AF}"/>
+                <a16:creationId xmlns="" xmlns:a16="http://schemas.microsoft.com/office/drawing/2014/main" id="{E97A4741-1A72-C64F-ADE5-3CC93618A7AF}"/>
               </a:ext>
             </a:extLst>
           </p:cNvPr>
@@ -16635,7 +16720,7 @@
           <p:cNvPr id="3" name="TextBox 2">
             <a:extLst>
               <a:ext uri="{FF2B5EF4-FFF2-40B4-BE49-F238E27FC236}">
-                <a16:creationId xmlns:a16="http://schemas.microsoft.com/office/drawing/2014/main" xmlns="" id="{9FF0EB6C-85EC-40B2-BF07-371E7E2D5C81}"/>
+                <a16:creationId xmlns="" xmlns:a16="http://schemas.microsoft.com/office/drawing/2014/main" id="{9FF0EB6C-85EC-40B2-BF07-371E7E2D5C81}"/>
               </a:ext>
             </a:extLst>
           </p:cNvPr>
@@ -16755,7 +16840,7 @@
           <p:cNvPr id="5" name="Content Placeholder 4">
             <a:extLst>
               <a:ext uri="{FF2B5EF4-FFF2-40B4-BE49-F238E27FC236}">
-                <a16:creationId xmlns:a16="http://schemas.microsoft.com/office/drawing/2014/main" xmlns="" id="{4EC3F976-E1E7-4CF2-BD94-927D8E55F7BE}"/>
+                <a16:creationId xmlns="" xmlns:a16="http://schemas.microsoft.com/office/drawing/2014/main" id="{4EC3F976-E1E7-4CF2-BD94-927D8E55F7BE}"/>
               </a:ext>
             </a:extLst>
           </p:cNvPr>
@@ -16792,7 +16877,6 @@
               <a:rPr lang="en-US" dirty="0" smtClean="0"/>
               <a:t>)</a:t>
             </a:r>
-            <a:endParaRPr lang="en-US" dirty="0" smtClean="0"/>
           </a:p>
           <a:p>
             <a:r>
@@ -16838,7 +16922,7 @@
           <p:cNvPr id="6" name="Text Placeholder 5">
             <a:extLst>
               <a:ext uri="{FF2B5EF4-FFF2-40B4-BE49-F238E27FC236}">
-                <a16:creationId xmlns:a16="http://schemas.microsoft.com/office/drawing/2014/main" xmlns="" id="{EC92A883-2BB8-4C3C-869D-59AFEE855F42}"/>
+                <a16:creationId xmlns="" xmlns:a16="http://schemas.microsoft.com/office/drawing/2014/main" id="{EC92A883-2BB8-4C3C-869D-59AFEE855F42}"/>
               </a:ext>
             </a:extLst>
           </p:cNvPr>
@@ -16863,7 +16947,7 @@
           <p:cNvPr id="4" name="Title 3">
             <a:extLst>
               <a:ext uri="{FF2B5EF4-FFF2-40B4-BE49-F238E27FC236}">
-                <a16:creationId xmlns:a16="http://schemas.microsoft.com/office/drawing/2014/main" xmlns="" id="{83193F15-4DFB-4610-9AB4-8B3683393801}"/>
+                <a16:creationId xmlns="" xmlns:a16="http://schemas.microsoft.com/office/drawing/2014/main" id="{83193F15-4DFB-4610-9AB4-8B3683393801}"/>
               </a:ext>
             </a:extLst>
           </p:cNvPr>
@@ -16922,7 +17006,7 @@
           <p:cNvPr id="5" name="Content Placeholder 4">
             <a:extLst>
               <a:ext uri="{FF2B5EF4-FFF2-40B4-BE49-F238E27FC236}">
-                <a16:creationId xmlns:a16="http://schemas.microsoft.com/office/drawing/2014/main" xmlns="" id="{4EC3F976-E1E7-4CF2-BD94-927D8E55F7BE}"/>
+                <a16:creationId xmlns="" xmlns:a16="http://schemas.microsoft.com/office/drawing/2014/main" id="{4EC3F976-E1E7-4CF2-BD94-927D8E55F7BE}"/>
               </a:ext>
             </a:extLst>
           </p:cNvPr>
@@ -16979,7 +17063,19 @@
             </a:r>
             <a:r>
               <a:rPr lang="en-US" dirty="0"/>
-              <a:t> is to guide new students into finance ,as finance are one of those topic which are not properly teach at school/collage and as we grow up a proper information about finance is very </a:t>
+              <a:t> is to guide new students into finance ,as finance are one of those topic which are not properly teach at school/collage </a:t>
+            </a:r>
+            <a:endParaRPr lang="en-US" dirty="0"/>
+          </a:p>
+          <a:p>
+            <a:pPr lvl="2"/>
+            <a:r>
+              <a:rPr lang="en-US" dirty="0" smtClean="0"/>
+              <a:t>as </a:t>
+            </a:r>
+            <a:r>
+              <a:rPr lang="en-US" dirty="0"/>
+              <a:t>we grow up a proper information about finance is very </a:t>
             </a:r>
             <a:r>
               <a:rPr lang="en-US" dirty="0" err="1"/>
@@ -16987,11 +17083,27 @@
             </a:r>
             <a:r>
               <a:rPr lang="en-US" dirty="0"/>
-              <a:t> .</a:t>
+              <a:t> </a:t>
+            </a:r>
+            <a:r>
+              <a:rPr lang="en-US" dirty="0" smtClean="0"/>
+              <a:t>.</a:t>
             </a:r>
           </a:p>
           <a:p>
             <a:pPr lvl="2"/>
+            <a:r>
+              <a:rPr lang="en-US" dirty="0" smtClean="0"/>
+              <a:t>Also to </a:t>
+            </a:r>
+            <a:r>
+              <a:rPr lang="en-US" dirty="0" err="1" smtClean="0"/>
+              <a:t>Pridict</a:t>
+            </a:r>
+            <a:r>
+              <a:rPr lang="en-US" dirty="0" smtClean="0"/>
+              <a:t> the stock market for batter understanding of market </a:t>
+            </a:r>
             <a:endParaRPr lang="en-US" dirty="0"/>
           </a:p>
         </p:txBody>
@@ -17001,7 +17113,7 @@
           <p:cNvPr id="6" name="Text Placeholder 5">
             <a:extLst>
               <a:ext uri="{FF2B5EF4-FFF2-40B4-BE49-F238E27FC236}">
-                <a16:creationId xmlns:a16="http://schemas.microsoft.com/office/drawing/2014/main" xmlns="" id="{EC92A883-2BB8-4C3C-869D-59AFEE855F42}"/>
+                <a16:creationId xmlns="" xmlns:a16="http://schemas.microsoft.com/office/drawing/2014/main" id="{EC92A883-2BB8-4C3C-869D-59AFEE855F42}"/>
               </a:ext>
             </a:extLst>
           </p:cNvPr>
@@ -17026,7 +17138,7 @@
           <p:cNvPr id="4" name="Title 3">
             <a:extLst>
               <a:ext uri="{FF2B5EF4-FFF2-40B4-BE49-F238E27FC236}">
-                <a16:creationId xmlns:a16="http://schemas.microsoft.com/office/drawing/2014/main" xmlns="" id="{83193F15-4DFB-4610-9AB4-8B3683393801}"/>
+                <a16:creationId xmlns="" xmlns:a16="http://schemas.microsoft.com/office/drawing/2014/main" id="{83193F15-4DFB-4610-9AB4-8B3683393801}"/>
               </a:ext>
             </a:extLst>
           </p:cNvPr>
@@ -17085,7 +17197,7 @@
           <p:cNvPr id="6" name="Content Placeholder 5">
             <a:extLst>
               <a:ext uri="{FF2B5EF4-FFF2-40B4-BE49-F238E27FC236}">
-                <a16:creationId xmlns:a16="http://schemas.microsoft.com/office/drawing/2014/main" xmlns="" id="{FE55FF28-C028-47D8-9756-B328A54414D7}"/>
+                <a16:creationId xmlns="" xmlns:a16="http://schemas.microsoft.com/office/drawing/2014/main" id="{FE55FF28-C028-47D8-9756-B328A54414D7}"/>
               </a:ext>
             </a:extLst>
           </p:cNvPr>
@@ -17096,7 +17208,12 @@
             <p:ph sz="quarter" idx="10"/>
           </p:nvPr>
         </p:nvSpPr>
-        <p:spPr/>
+        <p:spPr>
+          <a:xfrm>
+            <a:off x="431999" y="1218856"/>
+            <a:ext cx="12564000" cy="5442095"/>
+          </a:xfrm>
+        </p:spPr>
         <p:txBody>
           <a:bodyPr vert="horz" lIns="0" tIns="0" rIns="0" bIns="0" rtlCol="0" anchor="t">
             <a:noAutofit/>
@@ -17157,12 +17274,29 @@
                 <a:latin typeface="Source Sans Pro" panose="020B0503030403020204" pitchFamily="34" charset="0"/>
                 <a:ea typeface="Source Sans Pro" panose="020B0503030403020204" pitchFamily="34" charset="0"/>
               </a:rPr>
-              <a:t>How it helps to solve the problem?</a:t>
-            </a:r>
-          </a:p>
-          <a:p>
-            <a:r>
-              <a:rPr lang="en-US" dirty="0">
+              <a:t>How it helps to solve the </a:t>
+            </a:r>
+            <a:r>
+              <a:rPr lang="en-US" b="0" dirty="0" smtClean="0">
+                <a:solidFill>
+                  <a:schemeClr val="lt1"/>
+                </a:solidFill>
+                <a:latin typeface="Source Sans Pro" panose="020B0503030403020204" pitchFamily="34" charset="0"/>
+                <a:ea typeface="Source Sans Pro" panose="020B0503030403020204" pitchFamily="34" charset="0"/>
+              </a:rPr>
+              <a:t>problem?</a:t>
+            </a:r>
+            <a:endParaRPr lang="en-US" b="0" dirty="0">
+              <a:solidFill>
+                <a:schemeClr val="lt1"/>
+              </a:solidFill>
+              <a:latin typeface="Source Sans Pro" panose="020B0503030403020204" pitchFamily="34" charset="0"/>
+              <a:ea typeface="Source Sans Pro" panose="020B0503030403020204" pitchFamily="34" charset="0"/>
+            </a:endParaRPr>
+          </a:p>
+          <a:p>
+            <a:r>
+              <a:rPr lang="en-US" sz="2400" b="0" dirty="0">
                 <a:solidFill>
                   <a:schemeClr val="tx2"/>
                 </a:solidFill>
@@ -17170,7 +17304,7 @@
               <a:t>&gt; in this </a:t>
             </a:r>
             <a:r>
-              <a:rPr lang="en-US" dirty="0" err="1">
+              <a:rPr lang="en-US" sz="2400" b="0" dirty="0" err="1">
                 <a:solidFill>
                   <a:schemeClr val="tx2"/>
                 </a:solidFill>
@@ -17178,15 +17312,31 @@
               <a:t>webapp</a:t>
             </a:r>
             <a:r>
-              <a:rPr lang="en-US" dirty="0">
+              <a:rPr lang="en-US" sz="2400" b="0" dirty="0">
                 <a:solidFill>
                   <a:schemeClr val="tx2"/>
                 </a:solidFill>
               </a:rPr>
-              <a:t> there is a section call guide, in which you can information in detail about </a:t>
-            </a:r>
-            <a:r>
-              <a:rPr lang="en-US" dirty="0" err="1">
+              <a:t> there is a section call guide, in which you can </a:t>
+            </a:r>
+            <a:r>
+              <a:rPr lang="en-US" sz="2400" b="0" dirty="0" smtClean="0">
+                <a:solidFill>
+                  <a:schemeClr val="tx2"/>
+                </a:solidFill>
+              </a:rPr>
+              <a:t>get information </a:t>
+            </a:r>
+            <a:r>
+              <a:rPr lang="en-US" sz="2400" b="0" dirty="0">
+                <a:solidFill>
+                  <a:schemeClr val="tx2"/>
+                </a:solidFill>
+              </a:rPr>
+              <a:t>in detail about </a:t>
+            </a:r>
+            <a:r>
+              <a:rPr lang="en-US" sz="2400" b="0" dirty="0" err="1">
                 <a:solidFill>
                   <a:schemeClr val="tx2"/>
                 </a:solidFill>
@@ -17194,7 +17344,7 @@
               <a:t>finance,stock</a:t>
             </a:r>
             <a:r>
-              <a:rPr lang="en-US" dirty="0">
+              <a:rPr lang="en-US" sz="2400" b="0" dirty="0">
                 <a:solidFill>
                   <a:schemeClr val="tx2"/>
                 </a:solidFill>
@@ -17202,7 +17352,7 @@
               <a:t> </a:t>
             </a:r>
             <a:r>
-              <a:rPr lang="en-US" dirty="0" err="1">
+              <a:rPr lang="en-US" sz="2400" b="0" dirty="0" err="1">
                 <a:solidFill>
                   <a:schemeClr val="tx2"/>
                 </a:solidFill>
@@ -17210,7 +17360,7 @@
               <a:t>market,crypto</a:t>
             </a:r>
             <a:r>
-              <a:rPr lang="en-US" dirty="0">
+              <a:rPr lang="en-US" sz="2400" b="0" dirty="0">
                 <a:solidFill>
                   <a:schemeClr val="tx2"/>
                 </a:solidFill>
@@ -17218,7 +17368,7 @@
               <a:t> market , real estate and more . and see videos on </a:t>
             </a:r>
             <a:r>
-              <a:rPr lang="en-US" dirty="0" err="1">
+              <a:rPr lang="en-US" sz="2400" b="0" dirty="0" err="1">
                 <a:solidFill>
                   <a:schemeClr val="tx2"/>
                 </a:solidFill>
@@ -17226,7 +17376,7 @@
               <a:t>diffrent</a:t>
             </a:r>
             <a:r>
-              <a:rPr lang="en-US" dirty="0">
+              <a:rPr lang="en-US" sz="2400" b="0" dirty="0">
                 <a:solidFill>
                   <a:schemeClr val="tx2"/>
                 </a:solidFill>
@@ -17234,7 +17384,7 @@
               <a:t> topic to your </a:t>
             </a:r>
             <a:r>
-              <a:rPr lang="en-US" dirty="0" err="1">
+              <a:rPr lang="en-US" sz="2400" b="0" dirty="0" err="1">
                 <a:solidFill>
                   <a:schemeClr val="tx2"/>
                 </a:solidFill>
@@ -17242,7 +17392,7 @@
               <a:t>likeing</a:t>
             </a:r>
             <a:r>
-              <a:rPr lang="en-US" dirty="0">
+              <a:rPr lang="en-US" sz="2400" b="0" dirty="0">
                 <a:solidFill>
                   <a:schemeClr val="tx2"/>
                 </a:solidFill>
@@ -17252,7 +17402,7 @@
           </a:p>
           <a:p>
             <a:r>
-              <a:rPr lang="en-US" dirty="0">
+              <a:rPr lang="en-US" sz="2400" b="0" dirty="0">
                 <a:solidFill>
                   <a:schemeClr val="tx2"/>
                 </a:solidFill>
@@ -17260,7 +17410,7 @@
               <a:t>&gt; and you can another section called </a:t>
             </a:r>
             <a:r>
-              <a:rPr lang="en-US" dirty="0" err="1">
+              <a:rPr lang="en-US" sz="2400" b="0" dirty="0" err="1">
                 <a:solidFill>
                   <a:schemeClr val="tx2"/>
                 </a:solidFill>
@@ -17268,7 +17418,7 @@
               <a:t>predic</a:t>
             </a:r>
             <a:r>
-              <a:rPr lang="en-US" dirty="0">
+              <a:rPr lang="en-US" sz="2400" b="0" dirty="0">
                 <a:solidFill>
                   <a:schemeClr val="tx2"/>
                 </a:solidFill>
@@ -17276,7 +17426,7 @@
               <a:t> , in which you can see the prediction for future stock market, for example :- you predict a </a:t>
             </a:r>
             <a:r>
-              <a:rPr lang="en-US" dirty="0" err="1">
+              <a:rPr lang="en-US" sz="2400" b="0" dirty="0" err="1">
                 <a:solidFill>
                   <a:schemeClr val="tx2"/>
                 </a:solidFill>
@@ -17284,7 +17434,7 @@
               <a:t>singel</a:t>
             </a:r>
             <a:r>
-              <a:rPr lang="en-US" dirty="0">
+              <a:rPr lang="en-US" sz="2400" b="0" dirty="0">
                 <a:solidFill>
                   <a:schemeClr val="tx2"/>
                 </a:solidFill>
@@ -17294,7 +17444,7 @@
           </a:p>
           <a:p>
             <a:r>
-              <a:rPr lang="en-US" dirty="0">
+              <a:rPr lang="en-US" sz="2400" b="0" dirty="0">
                 <a:solidFill>
                   <a:schemeClr val="tx2"/>
                 </a:solidFill>
@@ -17304,7 +17454,7 @@
           </a:p>
           <a:p>
             <a:r>
-              <a:rPr lang="en-US" dirty="0">
+              <a:rPr lang="en-US" sz="2400" b="0" dirty="0">
                 <a:solidFill>
                   <a:schemeClr val="tx2"/>
                 </a:solidFill>
@@ -17312,7 +17462,7 @@
               <a:t>&gt; and last but not lest the section called News , in which you can get the latest news about finance in a single tip and get </a:t>
             </a:r>
             <a:r>
-              <a:rPr lang="en-US" dirty="0" err="1">
+              <a:rPr lang="en-US" sz="2400" b="0" dirty="0" err="1">
                 <a:solidFill>
                   <a:schemeClr val="tx2"/>
                 </a:solidFill>
@@ -17320,7 +17470,7 @@
               <a:t>acces</a:t>
             </a:r>
             <a:r>
-              <a:rPr lang="en-US" dirty="0">
+              <a:rPr lang="en-US" sz="2400" b="0" dirty="0">
                 <a:solidFill>
                   <a:schemeClr val="tx2"/>
                 </a:solidFill>
@@ -17328,7 +17478,7 @@
               <a:t> to </a:t>
             </a:r>
             <a:r>
-              <a:rPr lang="en-US" dirty="0" err="1">
+              <a:rPr lang="en-US" sz="2400" b="0" dirty="0" err="1">
                 <a:solidFill>
                   <a:schemeClr val="tx2"/>
                 </a:solidFill>
@@ -17336,18 +17486,13 @@
               <a:t>manay</a:t>
             </a:r>
             <a:r>
-              <a:rPr lang="en-US" dirty="0">
+              <a:rPr lang="en-US" sz="2400" b="0" dirty="0">
                 <a:solidFill>
                   <a:schemeClr val="tx2"/>
                 </a:solidFill>
               </a:rPr>
               <a:t> information about finance</a:t>
             </a:r>
-            <a:endParaRPr lang="en-US" dirty="0">
-              <a:solidFill>
-                <a:schemeClr val="tx2"/>
-              </a:solidFill>
-            </a:endParaRPr>
           </a:p>
         </p:txBody>
       </p:sp>
@@ -17356,7 +17501,7 @@
           <p:cNvPr id="7" name="Text Placeholder 6">
             <a:extLst>
               <a:ext uri="{FF2B5EF4-FFF2-40B4-BE49-F238E27FC236}">
-                <a16:creationId xmlns:a16="http://schemas.microsoft.com/office/drawing/2014/main" xmlns="" id="{DF4F97D9-E7D7-4E85-BB50-C87C7BB6F961}"/>
+                <a16:creationId xmlns="" xmlns:a16="http://schemas.microsoft.com/office/drawing/2014/main" id="{DF4F97D9-E7D7-4E85-BB50-C87C7BB6F961}"/>
               </a:ext>
             </a:extLst>
           </p:cNvPr>
@@ -17381,7 +17526,7 @@
           <p:cNvPr id="4" name="Title 3">
             <a:extLst>
               <a:ext uri="{FF2B5EF4-FFF2-40B4-BE49-F238E27FC236}">
-                <a16:creationId xmlns:a16="http://schemas.microsoft.com/office/drawing/2014/main" xmlns="" id="{6B1011D3-A8C8-44CC-8836-11626D436C26}"/>
+                <a16:creationId xmlns="" xmlns:a16="http://schemas.microsoft.com/office/drawing/2014/main" id="{6B1011D3-A8C8-44CC-8836-11626D436C26}"/>
               </a:ext>
             </a:extLst>
           </p:cNvPr>
@@ -18377,7 +18522,7 @@
           <p:cNvPr id="6" name="Content Placeholder 5">
             <a:extLst>
               <a:ext uri="{FF2B5EF4-FFF2-40B4-BE49-F238E27FC236}">
-                <a16:creationId xmlns:a16="http://schemas.microsoft.com/office/drawing/2014/main" xmlns="" id="{FE55FF28-C028-47D8-9756-B328A54414D7}"/>
+                <a16:creationId xmlns="" xmlns:a16="http://schemas.microsoft.com/office/drawing/2014/main" id="{FE55FF28-C028-47D8-9756-B328A54414D7}"/>
               </a:ext>
             </a:extLst>
           </p:cNvPr>
@@ -18653,7 +18798,7 @@
           <p:cNvPr id="7" name="Text Placeholder 6">
             <a:extLst>
               <a:ext uri="{FF2B5EF4-FFF2-40B4-BE49-F238E27FC236}">
-                <a16:creationId xmlns:a16="http://schemas.microsoft.com/office/drawing/2014/main" xmlns="" id="{DF4F97D9-E7D7-4E85-BB50-C87C7BB6F961}"/>
+                <a16:creationId xmlns="" xmlns:a16="http://schemas.microsoft.com/office/drawing/2014/main" id="{DF4F97D9-E7D7-4E85-BB50-C87C7BB6F961}"/>
               </a:ext>
             </a:extLst>
           </p:cNvPr>
@@ -18678,7 +18823,7 @@
           <p:cNvPr id="4" name="Title 3">
             <a:extLst>
               <a:ext uri="{FF2B5EF4-FFF2-40B4-BE49-F238E27FC236}">
-                <a16:creationId xmlns:a16="http://schemas.microsoft.com/office/drawing/2014/main" xmlns="" id="{6B1011D3-A8C8-44CC-8836-11626D436C26}"/>
+                <a16:creationId xmlns="" xmlns:a16="http://schemas.microsoft.com/office/drawing/2014/main" id="{6B1011D3-A8C8-44CC-8836-11626D436C26}"/>
               </a:ext>
             </a:extLst>
           </p:cNvPr>
@@ -20484,27 +20629,32 @@
 </file>
 
 <file path=customXml/item1.xml><?xml version="1.0" encoding="utf-8"?>
+<TemplafySlideTemplateConfiguration><![CDATA[{"slideVersion":0,"isValidatorEnabled":false,"isLocked":false,"elementsMetadata":[],"slideId":"637619437709978173","enableDocumentContentUpdater":true,"version":"1.11"}]]></TemplafySlideTemplateConfiguration>
+</file>
+
+<file path=customXml/item10.xml><?xml version="1.0" encoding="utf-8"?>
+<TemplafyTemplateConfiguration><![CDATA[{"elementsMetadata":[{"type":"shape","id":"d2174425-5607-4d6b-aa7e-b7431b9e1863","elementConfiguration":{"inheritDimensions":"inheritWidth","binding":"Form.BackgroundColorPowerPoint_Oct_vA.PowerPointInternal","disableUpdates":false,"type":"image"}},{"type":"shape","id":"ec1b0999-315e-408b-8fc7-4a17f5c3e338","elementConfiguration":{"binding":"Form.Confidentiality.Insert","visibility":{"action":"hide","binding":"Form.Confidentiality.Confidentiality","operator":"equals","compareValue":"Client Confidential","compareValues":[]},"disableUpdates":false,"type":"text"}},{"type":"shape","id":"63955c8f-2a6b-41a2-be87-db55928a4bc7","elementConfiguration":{"binding":"Form.Watermark.Insert","disableUpdates":false,"type":"text"}},{"type":"shape","id":"a6cebcce-9b2a-4fba-95b4-bdef9fe69a4b","elementConfiguration":{"templateBinding":"{{Form.Confidentiality.Insert}} {{Form.PowerPointClient}} {{Form.Confidentiality.InsertSuffix}}","visibility":{"action":"hide","binding":"Form.Confidentiality.Confidentiality","operator":"notEquals","compareValue":"Client Confidential","compareValues":[]},"disableUpdates":false,"type":"text"}},{"type":"shape","id":"947808c8-c2c6-4acb-975f-406c6eee4db0","elementConfiguration":{"inheritDimensions":"inheritWidth","binding":"Form.BackgroundColorPowerPoint_Oct_vA.PowerPointBackPage","disableUpdates":false,"type":"image"}},{"type":"shape","id":"27d45392-8484-4163-bb73-bc31367a1302","elementConfiguration":{"inheritDimensions":"inheritWidth","binding":"Form.BackgroundColorPowerPoint_Oct_vA.PowerPointDivider","disableUpdates":false,"type":"image"}},{"type":"shape","id":"448c6408-9dda-4eaa-9885-ac0ef1bb9b05","elementConfiguration":{"inheritDimensions":"inheritNone","width":"37.35 cm","height":"21.05 cm","binding":"Form.BackgroundColorPowerPoint_Oct_vA.PowerPointCover","disableUpdates":false,"type":"image"}},{"type":"shape","id":"cefa8c17-d990-4d73-9dd6-37d0bc623655","elementConfiguration":{"disableUpdates":false,"type":"text"}},{"type":"shape","id":"3fdb5e0c-4070-434d-99e6-bb344f155e44","elementConfiguration":{"disableUpdates":false,"type":"text"}},{"type":"shape","id":"0f4d98c9-ac35-4c7e-a25c-9297298baeef","elementConfiguration":{"inheritDimensions":"inheritNone","width":"2.5 cm","height":"2.5 cm","binding":"Form.ChooseProduct_Tertiary.ProductLogo","disableUpdates":false,"type":"image"}},{"type":"shape","id":"5cc30238-6e06-447f-bcad-587afb6b23c7","elementConfiguration":{"inheritDimensions":"inheritNone","width":"2.5 cm","height":"2.5 cm","binding":"Form.ChoosePoroduct_Secondary.ProductLogo","disableUpdates":false,"type":"image"}},{"type":"shape","id":"53c951d2-f0d5-4a01-bb44-0e64ea46cde6","elementConfiguration":{"inheritDimensions":"inheritNone","width":"2.5 cm","height":"2.5 cm","binding":"Form.ChooseProduct_Primary.ProductLogo","disableUpdates":false,"type":"image"}},{"type":"shape","id":"94371643-c78b-41c8-8009-cd5c66447b62","elementConfiguration":{"binding":"Form.PowerPointClient","disableUpdates":false,"type":"text"}},{"type":"shape","id":"b6d71ff5-73fe-4ec2-8e97-92f87f9ac0d0","elementConfiguration":{"format":"dd MMMM yyyy","binding":"Form.PowerPointDate","disableUpdates":false,"type":"date"}}],"transformationConfigurations":[{"colorTheme":"{{Form.BackgroundColorPowerPoint_Oct_vA.PowerPointColorTheme}}","originalColorThemeXml":"<a:clrScheme name=\"ION-Group-DarkBG\" xmlns:a=\"http://schemas.openxmlformats.org/drawingml/2006/main\"><a:dk1><a:srgbClr val=\"001437\" /></a:dk1><a:lt1><a:srgbClr val=\"FFFFFF\" /></a:lt1><a:dk2><a:srgbClr val=\"FFFFFF\" /></a:dk2><a:lt2><a:srgbClr val=\"001437\" /></a:lt2><a:accent1><a:srgbClr val=\"007AC5\" /></a:accent1><a:accent2><a:srgbClr val=\"00A5E6\" /></a:accent2><a:accent3><a:srgbClr val=\"D75641\" /></a:accent3><a:accent4><a:srgbClr val=\"AFAFB4\" /></a:accent4><a:accent5><a:srgbClr val=\"4D5B73\" /></a:accent5><a:accent6><a:srgbClr val=\"B2B8C3\" /></a:accent6><a:hlink><a:srgbClr val=\"00A5E6\" /></a:hlink><a:folHlink><a:srgbClr val=\"00A5E6\" /></a:folHlink></a:clrScheme>","disableUpdates":false,"type":"colorTheme"}],"templateName":"","templateDescription":"","enableDocumentContentUpdater":true,"version":"1.11"}]]></TemplafyTemplateConfiguration>
+</file>
+
+<file path=customXml/item11.xml><?xml version="1.0" encoding="utf-8"?>
+<?mso-contentType ?>
+<FormTemplates xmlns="http://schemas.microsoft.com/sharepoint/v3/contenttype/forms">
+  <Display>DocumentLibraryForm</Display>
+  <Edit>DocumentLibraryForm</Edit>
+  <New>DocumentLibraryForm</New>
+</FormTemplates>
+</file>
+
+<file path=customXml/item2.xml><?xml version="1.0" encoding="utf-8"?>
 <TemplafySlideTemplateConfiguration><![CDATA[{"slideVersion":0,"isValidatorEnabled":false,"isLocked":false,"elementsMetadata":[],"slideId":"637619437708884421","enableDocumentContentUpdater":true,"version":"1.11"}]]></TemplafySlideTemplateConfiguration>
 </file>
 
-<file path=customXml/item10.xml><?xml version="1.0" encoding="utf-8"?>
+<file path=customXml/item3.xml><?xml version="1.0" encoding="utf-8"?>
 <TemplafySlideFormConfiguration><![CDATA[{"formFields":[],"formDataEntries":[]}]]></TemplafySlideFormConfiguration>
 </file>
 
-<file path=customXml/item11.xml><?xml version="1.0" encoding="utf-8"?>
+<file path=customXml/item4.xml><?xml version="1.0" encoding="utf-8"?>
 <TemplafyFormConfiguration><![CDATA[{"formFields":[{"dataSource":"ION PowerPoint Branding","displayColumn":"powerPointBrand","hideIfNoUserInteractionRequired":false,"distinct":true,"required":true,"autoSelectFirstOption":false,"helpTexts":{"prefix":"","postfix":""},"spacing":{},"type":"dropDown","name":"BrandPowerPoint_Oct_vA","label":"Branding","fullyQualifiedName":"BrandPowerPoint_Oct_vA"},{"dataSource":"ION PowerPoint Branding","displayColumn":"powerPointBackgroundChoice","filter":{"column":"powerPointBrand","otherFieldName":"BrandPowerPoint_Oct_vA","fullyQualifiedOtherFieldName":"BrandPowerPoint_Oct_vA","otherFieldColumn":"powerPointBrand","formReference":"none","operator":"equals"},"hideIfNoUserInteractionRequired":false,"distinct":true,"required":true,"autoSelectFirstOption":false,"helpTexts":{"prefix":"","postfix":""},"spacing":{},"type":"dropDown","name":"BackgroundColorPowerPoint_Oct_vA","label":"Light or Dark Background","fullyQualifiedName":"BackgroundColorPowerPoint_Oct_vA"},{"required":false,"placeholder":"","lines":0,"helpTexts":{"prefix":"","postfix":""},"spacing":{},"type":"textBox","name":"PowerPointClient","label":"Client Name","fullyQualifiedName":"PowerPointClient"},{"dataSource":"IONConfidentiality","displayColumn":"confidentiality","hideIfNoUserInteractionRequired":false,"distinct":true,"required":true,"autoSelectFirstOption":false,"helpTexts":{"prefix":"","postfix":"For guidance on which notice to use, see http://ionlink.net/ic-pdf"},"spacing":{},"type":"dropDown","name":"Confidentiality","label":"Confidentiality Notice","fullyQualifiedName":"Confidentiality"},{"required":true,"helpTexts":{"prefix":"","postfix":""},"spacing":{},"type":"datePicker","name":"PowerPointDate","label":"Date","fullyQualifiedName":"PowerPointDate"},{"dataSource":"IONWatermarks","displayColumn":"showName","hideIfNoUserInteractionRequired":false,"distinct":true,"required":true,"autoSelectFirstOption":false,"helpTexts":{"prefix":"","postfix":""},"spacing":{},"type":"dropDown","name":"Watermark","label":"Watermark","fullyQualifiedName":"Watermark"},{"dataSource":"P-Product-Brand","displayColumn":"productName","filter":{"column":"powerPointBackgroundColor","otherFieldName":"BackgroundColorPowerPoint_Oct_vA","fullyQualifiedOtherFieldName":"BackgroundColorPowerPoint_Oct_vA","otherFieldColumn":"PowerPointBackgroundChoice","formReference":"none","operator":"equals"},"hideIfNoUserInteractionRequired":false,"distinct":true,"required":false,"autoSelectFirstOption":false,"helpTexts":{"prefix":"","postfix":""},"spacing":{},"type":"dropDown","name":"ChooseProduct_Primary","label":"Primary Product Brand","fullyQualifiedName":"ChooseProduct_Primary"},{"dataSource":"P-Product-Brand","displayColumn":"productName","filter":{"column":"powerPointBackgroundColor","otherFieldName":"BackgroundColorPowerPoint_Oct_vA","fullyQualifiedOtherFieldName":"BackgroundColorPowerPoint_Oct_vA","otherFieldColumn":"PowerPointBackgroundChoice","formReference":"none","operator":"equals"},"hideIfNoUserInteractionRequired":false,"distinct":true,"required":false,"autoSelectFirstOption":false,"helpTexts":{"prefix":"","postfix":""},"spacing":{},"type":"dropDown","name":"ChoosePoroduct_Secondary","label":"Secondary Product Brand","fullyQualifiedName":"ChoosePoroduct_Secondary"},{"dataSource":"P-Product-Brand","displayColumn":"productName","filter":{"column":"powerPointBackgroundColor","otherFieldName":"BackgroundColorPowerPoint_Oct_vA","fullyQualifiedOtherFieldName":"BackgroundColorPowerPoint_Oct_vA","otherFieldColumn":"PowerPointBackgroundChoice","formReference":"none","operator":"equals"},"hideIfNoUserInteractionRequired":false,"distinct":true,"required":false,"autoSelectFirstOption":false,"helpTexts":{"prefix":"","postfix":""},"spacing":{},"type":"dropDown","name":"ChooseProduct_Tertiary","label":"Tertiary Product Brand","fullyQualifiedName":"ChooseProduct_Tertiary"}],"formDataEntries":[{"name":"BrandPowerPoint_Oct_vA","value":"lkQvIQtZKCPbTDiBBU6g/Q=="},{"name":"BackgroundColorPowerPoint_Oct_vA","value":"VRq9ak7uZCA8XSw0jkTEeA=="},{"name":"Confidentiality","value":"E7VifGvQztrMpUuv3Bbm1A=="},{"name":"PowerPointDate","value":"Zxz52PF8H9HrSBl7MJUy/A=="},{"name":"Watermark","value":"WdEUi1zMcVM7Stn6Woarwg=="}]}]]></TemplafyFormConfiguration>
-</file>
-
-<file path=customXml/item2.xml><?xml version="1.0" encoding="utf-8"?>
-<TemplafySlideTemplateConfiguration><![CDATA[{"slideVersion":0,"isValidatorEnabled":false,"isLocked":false,"elementsMetadata":[],"slideId":"637619437709978173","enableDocumentContentUpdater":true,"version":"1.11"}]]></TemplafySlideTemplateConfiguration>
-</file>
-
-<file path=customXml/item3.xml><?xml version="1.0" encoding="utf-8"?>
-<TemplafyTemplateConfiguration><![CDATA[{"elementsMetadata":[{"type":"shape","id":"d2174425-5607-4d6b-aa7e-b7431b9e1863","elementConfiguration":{"inheritDimensions":"inheritWidth","binding":"Form.BackgroundColorPowerPoint_Oct_vA.PowerPointInternal","disableUpdates":false,"type":"image"}},{"type":"shape","id":"ec1b0999-315e-408b-8fc7-4a17f5c3e338","elementConfiguration":{"binding":"Form.Confidentiality.Insert","visibility":{"action":"hide","binding":"Form.Confidentiality.Confidentiality","operator":"equals","compareValue":"Client Confidential","compareValues":[]},"disableUpdates":false,"type":"text"}},{"type":"shape","id":"63955c8f-2a6b-41a2-be87-db55928a4bc7","elementConfiguration":{"binding":"Form.Watermark.Insert","disableUpdates":false,"type":"text"}},{"type":"shape","id":"a6cebcce-9b2a-4fba-95b4-bdef9fe69a4b","elementConfiguration":{"templateBinding":"{{Form.Confidentiality.Insert}} {{Form.PowerPointClient}} {{Form.Confidentiality.InsertSuffix}}","visibility":{"action":"hide","binding":"Form.Confidentiality.Confidentiality","operator":"notEquals","compareValue":"Client Confidential","compareValues":[]},"disableUpdates":false,"type":"text"}},{"type":"shape","id":"947808c8-c2c6-4acb-975f-406c6eee4db0","elementConfiguration":{"inheritDimensions":"inheritWidth","binding":"Form.BackgroundColorPowerPoint_Oct_vA.PowerPointBackPage","disableUpdates":false,"type":"image"}},{"type":"shape","id":"27d45392-8484-4163-bb73-bc31367a1302","elementConfiguration":{"inheritDimensions":"inheritWidth","binding":"Form.BackgroundColorPowerPoint_Oct_vA.PowerPointDivider","disableUpdates":false,"type":"image"}},{"type":"shape","id":"448c6408-9dda-4eaa-9885-ac0ef1bb9b05","elementConfiguration":{"inheritDimensions":"inheritNone","width":"37.35 cm","height":"21.05 cm","binding":"Form.BackgroundColorPowerPoint_Oct_vA.PowerPointCover","disableUpdates":false,"type":"image"}},{"type":"shape","id":"cefa8c17-d990-4d73-9dd6-37d0bc623655","elementConfiguration":{"disableUpdates":false,"type":"text"}},{"type":"shape","id":"3fdb5e0c-4070-434d-99e6-bb344f155e44","elementConfiguration":{"disableUpdates":false,"type":"text"}},{"type":"shape","id":"0f4d98c9-ac35-4c7e-a25c-9297298baeef","elementConfiguration":{"inheritDimensions":"inheritNone","width":"2.5 cm","height":"2.5 cm","binding":"Form.ChooseProduct_Tertiary.ProductLogo","disableUpdates":false,"type":"image"}},{"type":"shape","id":"5cc30238-6e06-447f-bcad-587afb6b23c7","elementConfiguration":{"inheritDimensions":"inheritNone","width":"2.5 cm","height":"2.5 cm","binding":"Form.ChoosePoroduct_Secondary.ProductLogo","disableUpdates":false,"type":"image"}},{"type":"shape","id":"53c951d2-f0d5-4a01-bb44-0e64ea46cde6","elementConfiguration":{"inheritDimensions":"inheritNone","width":"2.5 cm","height":"2.5 cm","binding":"Form.ChooseProduct_Primary.ProductLogo","disableUpdates":false,"type":"image"}},{"type":"shape","id":"94371643-c78b-41c8-8009-cd5c66447b62","elementConfiguration":{"binding":"Form.PowerPointClient","disableUpdates":false,"type":"text"}},{"type":"shape","id":"b6d71ff5-73fe-4ec2-8e97-92f87f9ac0d0","elementConfiguration":{"format":"dd MMMM yyyy","binding":"Form.PowerPointDate","disableUpdates":false,"type":"date"}}],"transformationConfigurations":[{"colorTheme":"{{Form.BackgroundColorPowerPoint_Oct_vA.PowerPointColorTheme}}","originalColorThemeXml":"<a:clrScheme name=\"ION-Group-DarkBG\" xmlns:a=\"http://schemas.openxmlformats.org/drawingml/2006/main\"><a:dk1><a:srgbClr val=\"001437\" /></a:dk1><a:lt1><a:srgbClr val=\"FFFFFF\" /></a:lt1><a:dk2><a:srgbClr val=\"FFFFFF\" /></a:dk2><a:lt2><a:srgbClr val=\"001437\" /></a:lt2><a:accent1><a:srgbClr val=\"007AC5\" /></a:accent1><a:accent2><a:srgbClr val=\"00A5E6\" /></a:accent2><a:accent3><a:srgbClr val=\"D75641\" /></a:accent3><a:accent4><a:srgbClr val=\"AFAFB4\" /></a:accent4><a:accent5><a:srgbClr val=\"4D5B73\" /></a:accent5><a:accent6><a:srgbClr val=\"B2B8C3\" /></a:accent6><a:hlink><a:srgbClr val=\"00A5E6\" /></a:hlink><a:folHlink><a:srgbClr val=\"00A5E6\" /></a:folHlink></a:clrScheme>","disableUpdates":false,"type":"colorTheme"}],"templateName":"","templateDescription":"","enableDocumentContentUpdater":true,"version":"1.11"}]]></TemplafyTemplateConfiguration>
-</file>
-
-<file path=customXml/item4.xml><?xml version="1.0" encoding="utf-8"?>
-<TemplafySlideTemplateConfiguration><![CDATA[{"slideVersion":0,"isValidatorEnabled":false,"isLocked":false,"elementsMetadata":[],"slideId":"637619437709978173","enableDocumentContentUpdater":true,"version":"1.11"}]]></TemplafySlideTemplateConfiguration>
 </file>
 
 <file path=customXml/item5.xml><?xml version="1.0" encoding="utf-8"?>
@@ -20516,30 +20666,10 @@
 </file>
 
 <file path=customXml/item7.xml><?xml version="1.0" encoding="utf-8"?>
-<?mso-contentType ?>
-<FormTemplates xmlns="http://schemas.microsoft.com/sharepoint/v3/contenttype/forms">
-  <Display>DocumentLibraryForm</Display>
-  <Edit>DocumentLibraryForm</Edit>
-  <New>DocumentLibraryForm</New>
-</FormTemplates>
+<TemplafySlideTemplateConfiguration><![CDATA[{"slideVersion":0,"isValidatorEnabled":false,"isLocked":false,"elementsMetadata":[],"slideId":"637619437709978173","enableDocumentContentUpdater":true,"version":"1.11"}]]></TemplafySlideTemplateConfiguration>
 </file>
 
 <file path=customXml/item8.xml><?xml version="1.0" encoding="utf-8"?>
-<p:properties xmlns:p="http://schemas.microsoft.com/office/2006/metadata/properties" xmlns:xsi="http://www.w3.org/2001/XMLSchema-instance" xmlns:pc="http://schemas.microsoft.com/office/infopath/2007/PartnerControls">
-  <documentManagement>
-    <SharedWithUsers xmlns="a5c6db09-7ebe-4e6b-a76e-5dc93d18b60b">
-      <UserInfo>
-        <DisplayName/>
-        <AccountId xsi:nil="true"/>
-        <AccountType/>
-      </UserInfo>
-    </SharedWithUsers>
-    <MediaLengthInSeconds xmlns="18812a47-41c3-4ae4-a99b-bb81eab4150b" xsi:nil="true"/>
-  </documentManagement>
-</p:properties>
-</file>
-
-<file path=customXml/item9.xml><?xml version="1.0" encoding="utf-8"?>
 <ct:contentTypeSchema xmlns:ct="http://schemas.microsoft.com/office/2006/metadata/contentType" xmlns:ma="http://schemas.microsoft.com/office/2006/metadata/properties/metaAttributes" ct:_="" ma:_="" ma:contentTypeName="Document" ma:contentTypeID="0x010100EF1F359E485E9A458F49A31A345DFFCA" ma:contentTypeVersion="12" ma:contentTypeDescription="Create a new document." ma:contentTypeScope="" ma:versionID="2cf3ef3ece5c2d82934cced60a749874">
   <xsd:schema xmlns:xsd="http://www.w3.org/2001/XMLSchema" xmlns:xs="http://www.w3.org/2001/XMLSchema" xmlns:p="http://schemas.microsoft.com/office/2006/metadata/properties" xmlns:ns2="18812a47-41c3-4ae4-a99b-bb81eab4150b" xmlns:ns3="a5c6db09-7ebe-4e6b-a76e-5dc93d18b60b" targetNamespace="http://schemas.microsoft.com/office/2006/metadata/properties" ma:root="true" ma:fieldsID="2207b59573b3d93e6cbc9310d0ef04d3" ns2:_="" ns3:_="">
     <xsd:import namespace="18812a47-41c3-4ae4-a99b-bb81eab4150b"/>
@@ -20756,38 +20886,55 @@
 </ct:contentTypeSchema>
 </file>
 
+<file path=customXml/item9.xml><?xml version="1.0" encoding="utf-8"?>
+<p:properties xmlns:p="http://schemas.microsoft.com/office/2006/metadata/properties" xmlns:xsi="http://www.w3.org/2001/XMLSchema-instance" xmlns:pc="http://schemas.microsoft.com/office/infopath/2007/PartnerControls">
+  <documentManagement>
+    <SharedWithUsers xmlns="a5c6db09-7ebe-4e6b-a76e-5dc93d18b60b">
+      <UserInfo>
+        <DisplayName/>
+        <AccountId xsi:nil="true"/>
+        <AccountType/>
+      </UserInfo>
+    </SharedWithUsers>
+    <MediaLengthInSeconds xmlns="18812a47-41c3-4ae4-a99b-bb81eab4150b" xsi:nil="true"/>
+  </documentManagement>
+</p:properties>
+</file>
+
 <file path=customXml/itemProps1.xml><?xml version="1.0" encoding="utf-8"?>
+<ds:datastoreItem xmlns:ds="http://schemas.openxmlformats.org/officeDocument/2006/customXml" ds:itemID="{BB70BA6C-4950-48C3-9E77-1559DFE0E9C1}">
+  <ds:schemaRefs/>
+</ds:datastoreItem>
+</file>
+
+<file path=customXml/itemProps10.xml><?xml version="1.0" encoding="utf-8"?>
+<ds:datastoreItem xmlns:ds="http://schemas.openxmlformats.org/officeDocument/2006/customXml" ds:itemID="{12EEFC2F-DADF-4A55-981A-784BF5BE9558}">
+  <ds:schemaRefs/>
+</ds:datastoreItem>
+</file>
+
+<file path=customXml/itemProps11.xml><?xml version="1.0" encoding="utf-8"?>
+<ds:datastoreItem xmlns:ds="http://schemas.openxmlformats.org/officeDocument/2006/customXml" ds:itemID="{9B05D3BF-F23D-4CF0-A547-A6A31A36D96D}">
+  <ds:schemaRefs>
+    <ds:schemaRef ds:uri="http://schemas.microsoft.com/sharepoint/v3/contenttype/forms"/>
+  </ds:schemaRefs>
+</ds:datastoreItem>
+</file>
+
+<file path=customXml/itemProps2.xml><?xml version="1.0" encoding="utf-8"?>
 <ds:datastoreItem xmlns:ds="http://schemas.openxmlformats.org/officeDocument/2006/customXml" ds:itemID="{E4BEACE3-5A64-4321-8881-298631914CE7}">
   <ds:schemaRefs/>
 </ds:datastoreItem>
 </file>
 
-<file path=customXml/itemProps10.xml><?xml version="1.0" encoding="utf-8"?>
-<ds:datastoreItem xmlns:ds="http://schemas.openxmlformats.org/officeDocument/2006/customXml" ds:itemID="{60D3FCEE-FBB6-44C9-808D-BEF4541DFDE0}">
-  <ds:schemaRefs/>
-</ds:datastoreItem>
-</file>
-
-<file path=customXml/itemProps11.xml><?xml version="1.0" encoding="utf-8"?>
-<ds:datastoreItem xmlns:ds="http://schemas.openxmlformats.org/officeDocument/2006/customXml" ds:itemID="{2D1D177E-5746-42E6-9607-46532FE7A753}">
-  <ds:schemaRefs/>
-</ds:datastoreItem>
-</file>
-
-<file path=customXml/itemProps2.xml><?xml version="1.0" encoding="utf-8"?>
-<ds:datastoreItem xmlns:ds="http://schemas.openxmlformats.org/officeDocument/2006/customXml" ds:itemID="{BB70BA6C-4950-48C3-9E77-1559DFE0E9C1}">
-  <ds:schemaRefs/>
-</ds:datastoreItem>
-</file>
-
 <file path=customXml/itemProps3.xml><?xml version="1.0" encoding="utf-8"?>
-<ds:datastoreItem xmlns:ds="http://schemas.openxmlformats.org/officeDocument/2006/customXml" ds:itemID="{12EEFC2F-DADF-4A55-981A-784BF5BE9558}">
+<ds:datastoreItem xmlns:ds="http://schemas.openxmlformats.org/officeDocument/2006/customXml" ds:itemID="{5CE68F08-F703-449B-BC5D-8A952A0A881D}">
   <ds:schemaRefs/>
 </ds:datastoreItem>
 </file>
 
 <file path=customXml/itemProps4.xml><?xml version="1.0" encoding="utf-8"?>
-<ds:datastoreItem xmlns:ds="http://schemas.openxmlformats.org/officeDocument/2006/customXml" ds:itemID="{AC52CB3E-BF9F-46DB-9057-868751284721}">
+<ds:datastoreItem xmlns:ds="http://schemas.openxmlformats.org/officeDocument/2006/customXml" ds:itemID="{2D1D177E-5746-42E6-9607-46532FE7A753}">
   <ds:schemaRefs/>
 </ds:datastoreItem>
 </file>
@@ -20799,37 +20946,18 @@
 </file>
 
 <file path=customXml/itemProps6.xml><?xml version="1.0" encoding="utf-8"?>
-<ds:datastoreItem xmlns:ds="http://schemas.openxmlformats.org/officeDocument/2006/customXml" ds:itemID="{5CE68F08-F703-449B-BC5D-8A952A0A881D}">
+<ds:datastoreItem xmlns:ds="http://schemas.openxmlformats.org/officeDocument/2006/customXml" ds:itemID="{60D3FCEE-FBB6-44C9-808D-BEF4541DFDE0}">
   <ds:schemaRefs/>
 </ds:datastoreItem>
 </file>
 
 <file path=customXml/itemProps7.xml><?xml version="1.0" encoding="utf-8"?>
-<ds:datastoreItem xmlns:ds="http://schemas.openxmlformats.org/officeDocument/2006/customXml" ds:itemID="{9B05D3BF-F23D-4CF0-A547-A6A31A36D96D}">
-  <ds:schemaRefs>
-    <ds:schemaRef ds:uri="http://schemas.microsoft.com/sharepoint/v3/contenttype/forms"/>
-  </ds:schemaRefs>
+<ds:datastoreItem xmlns:ds="http://schemas.openxmlformats.org/officeDocument/2006/customXml" ds:itemID="{AC52CB3E-BF9F-46DB-9057-868751284721}">
+  <ds:schemaRefs/>
 </ds:datastoreItem>
 </file>
 
 <file path=customXml/itemProps8.xml><?xml version="1.0" encoding="utf-8"?>
-<ds:datastoreItem xmlns:ds="http://schemas.openxmlformats.org/officeDocument/2006/customXml" ds:itemID="{BE1EF330-E3AF-495D-830D-05885DBF6EBC}">
-  <ds:schemaRefs>
-    <ds:schemaRef ds:uri="http://purl.org/dc/elements/1.1/"/>
-    <ds:schemaRef ds:uri="http://schemas.microsoft.com/office/2006/metadata/properties"/>
-    <ds:schemaRef ds:uri="http://schemas.microsoft.com/office/infopath/2007/PartnerControls"/>
-    <ds:schemaRef ds:uri="18812a47-41c3-4ae4-a99b-bb81eab4150b"/>
-    <ds:schemaRef ds:uri="http://schemas.openxmlformats.org/package/2006/metadata/core-properties"/>
-    <ds:schemaRef ds:uri="http://purl.org/dc/terms/"/>
-    <ds:schemaRef ds:uri="http://www.w3.org/XML/1998/namespace"/>
-    <ds:schemaRef ds:uri="http://schemas.microsoft.com/office/2006/documentManagement/types"/>
-    <ds:schemaRef ds:uri="a5c6db09-7ebe-4e6b-a76e-5dc93d18b60b"/>
-    <ds:schemaRef ds:uri="http://purl.org/dc/dcmitype/"/>
-  </ds:schemaRefs>
-</ds:datastoreItem>
-</file>
-
-<file path=customXml/itemProps9.xml><?xml version="1.0" encoding="utf-8"?>
 <ds:datastoreItem xmlns:ds="http://schemas.openxmlformats.org/officeDocument/2006/customXml" ds:itemID="{760B3F06-D1EA-4871-BBB6-F3C2D11D5F48}">
   <ds:schemaRefs>
     <ds:schemaRef ds:uri="http://schemas.microsoft.com/office/2006/metadata/contentType"/>
@@ -20846,4 +20974,21 @@
     <ds:schemaRef ds:uri="http://schemas.microsoft.com/internal/obd"/>
   </ds:schemaRefs>
 </ds:datastoreItem>
+</file>
+
+<file path=customXml/itemProps9.xml><?xml version="1.0" encoding="utf-8"?>
+<ds:datastoreItem xmlns:ds="http://schemas.openxmlformats.org/officeDocument/2006/customXml" ds:itemID="{BE1EF330-E3AF-495D-830D-05885DBF6EBC}">
+  <ds:schemaRefs>
+    <ds:schemaRef ds:uri="http://purl.org/dc/elements/1.1/"/>
+    <ds:schemaRef ds:uri="http://schemas.microsoft.com/office/2006/metadata/properties"/>
+    <ds:schemaRef ds:uri="http://schemas.microsoft.com/office/infopath/2007/PartnerControls"/>
+    <ds:schemaRef ds:uri="18812a47-41c3-4ae4-a99b-bb81eab4150b"/>
+    <ds:schemaRef ds:uri="http://schemas.openxmlformats.org/package/2006/metadata/core-properties"/>
+    <ds:schemaRef ds:uri="http://purl.org/dc/terms/"/>
+    <ds:schemaRef ds:uri="http://www.w3.org/XML/1998/namespace"/>
+    <ds:schemaRef ds:uri="http://schemas.microsoft.com/office/2006/documentManagement/types"/>
+    <ds:schemaRef ds:uri="a5c6db09-7ebe-4e6b-a76e-5dc93d18b60b"/>
+    <ds:schemaRef ds:uri="http://purl.org/dc/dcmitype/"/>
+  </ds:schemaRefs>
+</ds:datastoreItem>
 </file>
--- a/HackerEarth_Idea_Submission_Template24414bb.pptx
+++ b/HackerEarth_Idea_Submission_Template24414bb.pptx
@@ -17875,6 +17875,25 @@
               </a:rPr>
               <a:t>used</a:t>
             </a:r>
+          </a:p>
+          <a:p>
+            <a:pPr marL="457200" lvl="0" indent="-355600">
+              <a:lnSpc>
+                <a:spcPct val="115000"/>
+              </a:lnSpc>
+              <a:spcBef>
+                <a:spcPts val="0"/>
+              </a:spcBef>
+              <a:spcAft>
+                <a:spcPts val="0"/>
+              </a:spcAft>
+              <a:buClr>
+                <a:schemeClr val="lt1"/>
+              </a:buClr>
+              <a:buSzPts val="2000"/>
+              <a:buFont typeface="Source Sans Pro"/>
+              <a:buChar char="●"/>
+            </a:pPr>
             <a:endParaRPr lang="en-US" dirty="0" smtClean="0"/>
           </a:p>
           <a:p>

--- a/HackerEarth_Idea_Submission_Template24414bb.pptx
+++ b/HackerEarth_Idea_Submission_Template24414bb.pptx
@@ -5,10 +5,10 @@
     <p:sldMasterId id="2147483666" r:id="rId12"/>
   </p:sldMasterIdLst>
   <p:notesMasterIdLst>
-    <p:notesMasterId r:id="rId25"/>
+    <p:notesMasterId r:id="rId27"/>
   </p:notesMasterIdLst>
   <p:handoutMasterIdLst>
-    <p:handoutMasterId r:id="rId26"/>
+    <p:handoutMasterId r:id="rId28"/>
   </p:handoutMasterIdLst>
   <p:sldIdLst>
     <p:sldId id="256" r:id="rId13"/>
@@ -19,10 +19,12 @@
     <p:sldId id="271" r:id="rId18"/>
     <p:sldId id="272" r:id="rId19"/>
     <p:sldId id="273" r:id="rId20"/>
-    <p:sldId id="267" r:id="rId21"/>
-    <p:sldId id="268" r:id="rId22"/>
-    <p:sldId id="258" r:id="rId23"/>
-    <p:sldId id="269" r:id="rId24"/>
+    <p:sldId id="274" r:id="rId21"/>
+    <p:sldId id="275" r:id="rId22"/>
+    <p:sldId id="267" r:id="rId23"/>
+    <p:sldId id="268" r:id="rId24"/>
+    <p:sldId id="258" r:id="rId25"/>
+    <p:sldId id="269" r:id="rId26"/>
   </p:sldIdLst>
   <p:sldSz cx="13442950" cy="7561263"/>
   <p:notesSz cx="7099300" cy="10234613"/>
@@ -355,7 +357,7 @@
               <a:rPr lang="en-US">
                 <a:latin typeface="Source Sans Pro" panose="020B0503030403020204" pitchFamily="34" charset="0"/>
               </a:rPr>
-              <a:t>06-Feb-22</a:t>
+              <a:t>08-Feb-22</a:t>
             </a:fld>
             <a:endParaRPr lang="en-US" dirty="0">
               <a:latin typeface="Source Sans Pro" panose="020B0503030403020204" pitchFamily="34" charset="0"/>
@@ -533,7 +535,7 @@
             <a:fld id="{539D999F-F868-4432-A6C8-4E530226A2F6}" type="datetimeFigureOut">
               <a:rPr lang="en-US" smtClean="0"/>
               <a:pPr/>
-              <a:t>06-Feb-22</a:t>
+              <a:t>08-Feb-22</a:t>
             </a:fld>
             <a:endParaRPr lang="en-US" dirty="0"/>
           </a:p>
@@ -971,7 +973,7 @@
             <a:fld id="{60DB4552-3D69-4E2D-A256-245DD04F23B6}" type="slidenum">
               <a:rPr lang="en-US" smtClean="0"/>
               <a:pPr/>
-              <a:t>11</a:t>
+              <a:t>13</a:t>
             </a:fld>
             <a:endParaRPr lang="en-US" dirty="0"/>
           </a:p>
@@ -1061,7 +1063,7 @@
             <a:fld id="{60DB4552-3D69-4E2D-A256-245DD04F23B6}" type="slidenum">
               <a:rPr lang="en-US" smtClean="0"/>
               <a:pPr/>
-              <a:t>12</a:t>
+              <a:t>14</a:t>
             </a:fld>
             <a:endParaRPr lang="en-US" dirty="0"/>
           </a:p>
@@ -1102,7 +1104,7 @@
           <p:cNvPr id="3" name="Picture 2" descr="A picture containing text, clock&#10;&#10;Description automatically generated">
             <a:extLst>
               <a:ext uri="{FF2B5EF4-FFF2-40B4-BE49-F238E27FC236}">
-                <a16:creationId xmlns="" xmlns:a16="http://schemas.microsoft.com/office/drawing/2014/main" id="{7507DB0D-77E0-406F-9D7E-21DE6986571B}"/>
+                <a16:creationId xmlns:a16="http://schemas.microsoft.com/office/drawing/2014/main" xmlns="" id="{7507DB0D-77E0-406F-9D7E-21DE6986571B}"/>
               </a:ext>
             </a:extLst>
           </p:cNvPr>
@@ -1223,7 +1225,7 @@
           <p:cNvPr id="41" name="Watermark">
             <a:extLst>
               <a:ext uri="{FF2B5EF4-FFF2-40B4-BE49-F238E27FC236}">
-                <a16:creationId xmlns="" xmlns:a16="http://schemas.microsoft.com/office/drawing/2014/main" id="{F8E9B888-CB64-4292-BFE2-1134379589C2}"/>
+                <a16:creationId xmlns:a16="http://schemas.microsoft.com/office/drawing/2014/main" xmlns="" id="{F8E9B888-CB64-4292-BFE2-1134379589C2}"/>
               </a:ext>
             </a:extLst>
           </p:cNvPr>
@@ -1342,7 +1344,7 @@
           <p:cNvPr id="16" name="image" descr="{&quot;templafy&quot;:{&quot;id&quot;:&quot;0f4d98c9-ac35-4c7e-a25c-9297298baeef&quot;}}" title="Form.ChooseProduct_Tertiary.ProductLogo">
             <a:extLst>
               <a:ext uri="{FF2B5EF4-FFF2-40B4-BE49-F238E27FC236}">
-                <a16:creationId xmlns="" xmlns:a16="http://schemas.microsoft.com/office/drawing/2014/main" id="{12B1603D-9F98-471F-9439-F9DED843C28B}"/>
+                <a16:creationId xmlns:a16="http://schemas.microsoft.com/office/drawing/2014/main" xmlns="" id="{12B1603D-9F98-471F-9439-F9DED843C28B}"/>
               </a:ext>
             </a:extLst>
           </p:cNvPr>
@@ -1394,7 +1396,7 @@
           <p:cNvPr id="22" name="image" descr="{&quot;templafy&quot;:{&quot;id&quot;:&quot;5cc30238-6e06-447f-bcad-587afb6b23c7&quot;}}" title="Form.ChoosePoroduct_Secondary.ProductLogo">
             <a:extLst>
               <a:ext uri="{FF2B5EF4-FFF2-40B4-BE49-F238E27FC236}">
-                <a16:creationId xmlns="" xmlns:a16="http://schemas.microsoft.com/office/drawing/2014/main" id="{AE32609B-D20B-4181-AA7C-3BE2A6899EC3}"/>
+                <a16:creationId xmlns:a16="http://schemas.microsoft.com/office/drawing/2014/main" xmlns="" id="{AE32609B-D20B-4181-AA7C-3BE2A6899EC3}"/>
               </a:ext>
             </a:extLst>
           </p:cNvPr>
@@ -1446,7 +1448,7 @@
           <p:cNvPr id="23" name="image" descr="{&quot;templafy&quot;:{&quot;id&quot;:&quot;53c951d2-f0d5-4a01-bb44-0e64ea46cde6&quot;}}" title="Form.ChooseProduct_Primary.ProductLogo">
             <a:extLst>
               <a:ext uri="{FF2B5EF4-FFF2-40B4-BE49-F238E27FC236}">
-                <a16:creationId xmlns="" xmlns:a16="http://schemas.microsoft.com/office/drawing/2014/main" id="{DF2B5168-77CD-4CB4-B637-3C51D6C0379D}"/>
+                <a16:creationId xmlns:a16="http://schemas.microsoft.com/office/drawing/2014/main" xmlns="" id="{DF2B5168-77CD-4CB4-B637-3C51D6C0379D}"/>
               </a:ext>
             </a:extLst>
           </p:cNvPr>
@@ -1498,7 +1500,7 @@
           <p:cNvPr id="26" name="text" descr="{&quot;templafy&quot;:{&quot;id&quot;:&quot;94371643-c78b-41c8-8009-cd5c66447b62&quot;}}" title="Form.PowerPointClient">
             <a:extLst>
               <a:ext uri="{FF2B5EF4-FFF2-40B4-BE49-F238E27FC236}">
-                <a16:creationId xmlns="" xmlns:a16="http://schemas.microsoft.com/office/drawing/2014/main" id="{E82609A1-0FB6-403A-B4C7-8DA018653310}"/>
+                <a16:creationId xmlns:a16="http://schemas.microsoft.com/office/drawing/2014/main" xmlns="" id="{E82609A1-0FB6-403A-B4C7-8DA018653310}"/>
               </a:ext>
             </a:extLst>
           </p:cNvPr>
@@ -1608,7 +1610,7 @@
           <p:cNvPr id="30" name="Graphic 29">
             <a:extLst>
               <a:ext uri="{FF2B5EF4-FFF2-40B4-BE49-F238E27FC236}">
-                <a16:creationId xmlns="" xmlns:a16="http://schemas.microsoft.com/office/drawing/2014/main" id="{0892D56C-96CD-4165-AB95-2CADE13D46A3}"/>
+                <a16:creationId xmlns:a16="http://schemas.microsoft.com/office/drawing/2014/main" xmlns="" id="{0892D56C-96CD-4165-AB95-2CADE13D46A3}"/>
               </a:ext>
             </a:extLst>
           </p:cNvPr>
@@ -1621,7 +1623,7 @@
           <a:blip r:embed="rId3">
             <a:extLst>
               <a:ext uri="{96DAC541-7B7A-43D3-8B79-37D633B846F1}">
-                <asvg:svgBlip xmlns="" xmlns:asvg="http://schemas.microsoft.com/office/drawing/2016/SVG/main" r:embed="rId4"/>
+                <asvg:svgBlip xmlns:asvg="http://schemas.microsoft.com/office/drawing/2016/SVG/main" xmlns="" r:embed="rId4"/>
               </a:ext>
             </a:extLst>
           </a:blip>
@@ -1674,7 +1676,7 @@
           <p:cNvPr id="5" name="Picture 4" descr="Logo&#10;&#10;Description automatically generated">
             <a:extLst>
               <a:ext uri="{FF2B5EF4-FFF2-40B4-BE49-F238E27FC236}">
-                <a16:creationId xmlns="" xmlns:a16="http://schemas.microsoft.com/office/drawing/2014/main" id="{9A7EC422-57BB-41C7-93BA-F74794F20020}"/>
+                <a16:creationId xmlns:a16="http://schemas.microsoft.com/office/drawing/2014/main" xmlns="" id="{9A7EC422-57BB-41C7-93BA-F74794F20020}"/>
               </a:ext>
             </a:extLst>
           </p:cNvPr>
@@ -1874,7 +1876,7 @@
           <p:cNvPr id="11" name="Guidance">
             <a:extLst>
               <a:ext uri="{FF2B5EF4-FFF2-40B4-BE49-F238E27FC236}">
-                <a16:creationId xmlns="" xmlns:a16="http://schemas.microsoft.com/office/drawing/2014/main" id="{C0560B96-89DC-48EF-8186-C57132A06BB6}"/>
+                <a16:creationId xmlns:a16="http://schemas.microsoft.com/office/drawing/2014/main" xmlns="" id="{C0560B96-89DC-48EF-8186-C57132A06BB6}"/>
               </a:ext>
             </a:extLst>
           </p:cNvPr>
@@ -1894,7 +1896,7 @@
             <p:cNvPr id="12" name="Guidance Arrow 1">
               <a:extLst>
                 <a:ext uri="{FF2B5EF4-FFF2-40B4-BE49-F238E27FC236}">
-                  <a16:creationId xmlns="" xmlns:a16="http://schemas.microsoft.com/office/drawing/2014/main" id="{E900C0DC-D912-4F79-BAF6-9901FF11017C}"/>
+                  <a16:creationId xmlns:a16="http://schemas.microsoft.com/office/drawing/2014/main" xmlns="" id="{E900C0DC-D912-4F79-BAF6-9901FF11017C}"/>
                 </a:ext>
               </a:extLst>
             </p:cNvPr>
@@ -1936,7 +1938,7 @@
             <p:cNvPr id="13" name="Guidance Text 1">
               <a:extLst>
                 <a:ext uri="{FF2B5EF4-FFF2-40B4-BE49-F238E27FC236}">
-                  <a16:creationId xmlns="" xmlns:a16="http://schemas.microsoft.com/office/drawing/2014/main" id="{23CF8911-718C-4C58-913F-95035F69D7A5}"/>
+                  <a16:creationId xmlns:a16="http://schemas.microsoft.com/office/drawing/2014/main" xmlns="" id="{23CF8911-718C-4C58-913F-95035F69D7A5}"/>
                 </a:ext>
               </a:extLst>
             </p:cNvPr>
@@ -2002,7 +2004,7 @@
           <p:cNvPr id="15" name="Graphic 14">
             <a:extLst>
               <a:ext uri="{FF2B5EF4-FFF2-40B4-BE49-F238E27FC236}">
-                <a16:creationId xmlns="" xmlns:a16="http://schemas.microsoft.com/office/drawing/2014/main" id="{2895593F-750B-4731-88A6-52CB635F3674}"/>
+                <a16:creationId xmlns:a16="http://schemas.microsoft.com/office/drawing/2014/main" xmlns="" id="{2895593F-750B-4731-88A6-52CB635F3674}"/>
               </a:ext>
             </a:extLst>
           </p:cNvPr>
@@ -2015,7 +2017,7 @@
           <a:blip r:embed="rId3">
             <a:extLst>
               <a:ext uri="{96DAC541-7B7A-43D3-8B79-37D633B846F1}">
-                <asvg:svgBlip xmlns="" xmlns:asvg="http://schemas.microsoft.com/office/drawing/2016/SVG/main" r:embed="rId4"/>
+                <asvg:svgBlip xmlns:asvg="http://schemas.microsoft.com/office/drawing/2016/SVG/main" xmlns="" r:embed="rId4"/>
               </a:ext>
             </a:extLst>
           </a:blip>
@@ -2098,7 +2100,7 @@
           <p:cNvPr id="11" name="Picture 10" descr="A picture containing silhouette, night sky&#10;&#10;Description automatically generated">
             <a:extLst>
               <a:ext uri="{FF2B5EF4-FFF2-40B4-BE49-F238E27FC236}">
-                <a16:creationId xmlns="" xmlns:a16="http://schemas.microsoft.com/office/drawing/2014/main" id="{C283E3D3-3839-4131-88C1-A4C3E25BF1B8}"/>
+                <a16:creationId xmlns:a16="http://schemas.microsoft.com/office/drawing/2014/main" xmlns="" id="{C283E3D3-3839-4131-88C1-A4C3E25BF1B8}"/>
               </a:ext>
             </a:extLst>
           </p:cNvPr>
@@ -2225,7 +2227,7 @@
           <p:cNvPr id="4" name="Spacers">
             <a:extLst>
               <a:ext uri="{FF2B5EF4-FFF2-40B4-BE49-F238E27FC236}">
-                <a16:creationId xmlns="" xmlns:a16="http://schemas.microsoft.com/office/drawing/2014/main" id="{96BFEDA8-C529-4DC6-8C5D-C1D32F8D7174}"/>
+                <a16:creationId xmlns:a16="http://schemas.microsoft.com/office/drawing/2014/main" xmlns="" id="{96BFEDA8-C529-4DC6-8C5D-C1D32F8D7174}"/>
               </a:ext>
             </a:extLst>
           </p:cNvPr>
@@ -2245,7 +2247,7 @@
             <p:cNvPr id="5" name="Left">
               <a:extLst>
                 <a:ext uri="{FF2B5EF4-FFF2-40B4-BE49-F238E27FC236}">
-                  <a16:creationId xmlns="" xmlns:a16="http://schemas.microsoft.com/office/drawing/2014/main" id="{6473849B-1E97-46D4-8668-7175F2FE5CF0}"/>
+                  <a16:creationId xmlns:a16="http://schemas.microsoft.com/office/drawing/2014/main" xmlns="" id="{6473849B-1E97-46D4-8668-7175F2FE5CF0}"/>
                 </a:ext>
               </a:extLst>
             </p:cNvPr>
@@ -2286,7 +2288,7 @@
             <p:cNvPr id="6" name="Right">
               <a:extLst>
                 <a:ext uri="{FF2B5EF4-FFF2-40B4-BE49-F238E27FC236}">
-                  <a16:creationId xmlns="" xmlns:a16="http://schemas.microsoft.com/office/drawing/2014/main" id="{3BCB408C-D5DE-4646-88FF-F74183F140F3}"/>
+                  <a16:creationId xmlns:a16="http://schemas.microsoft.com/office/drawing/2014/main" xmlns="" id="{3BCB408C-D5DE-4646-88FF-F74183F140F3}"/>
                 </a:ext>
               </a:extLst>
             </p:cNvPr>
@@ -2328,7 +2330,7 @@
           <p:cNvPr id="13" name="Graphic 12">
             <a:extLst>
               <a:ext uri="{FF2B5EF4-FFF2-40B4-BE49-F238E27FC236}">
-                <a16:creationId xmlns="" xmlns:a16="http://schemas.microsoft.com/office/drawing/2014/main" id="{38C70AB9-AC3D-460C-8E6E-F9D342C003E9}"/>
+                <a16:creationId xmlns:a16="http://schemas.microsoft.com/office/drawing/2014/main" xmlns="" id="{38C70AB9-AC3D-460C-8E6E-F9D342C003E9}"/>
               </a:ext>
             </a:extLst>
           </p:cNvPr>
@@ -2341,7 +2343,7 @@
           <a:blip r:embed="rId3">
             <a:extLst>
               <a:ext uri="{96DAC541-7B7A-43D3-8B79-37D633B846F1}">
-                <asvg:svgBlip xmlns="" xmlns:asvg="http://schemas.microsoft.com/office/drawing/2016/SVG/main" r:embed="rId4"/>
+                <asvg:svgBlip xmlns:asvg="http://schemas.microsoft.com/office/drawing/2016/SVG/main" xmlns="" r:embed="rId4"/>
               </a:ext>
             </a:extLst>
           </a:blip>
@@ -2364,7 +2366,7 @@
           <p:cNvPr id="12" name="TextBox 11">
             <a:extLst>
               <a:ext uri="{FF2B5EF4-FFF2-40B4-BE49-F238E27FC236}">
-                <a16:creationId xmlns="" xmlns:a16="http://schemas.microsoft.com/office/drawing/2014/main" id="{88B07E22-3758-4238-9F64-474AA1AAE2DD}"/>
+                <a16:creationId xmlns:a16="http://schemas.microsoft.com/office/drawing/2014/main" xmlns="" id="{88B07E22-3758-4238-9F64-474AA1AAE2DD}"/>
               </a:ext>
             </a:extLst>
           </p:cNvPr>
@@ -2487,7 +2489,7 @@
           <p:cNvPr id="13" name="Picture 12" descr="A picture containing logo&#10;&#10;Description automatically generated">
             <a:extLst>
               <a:ext uri="{FF2B5EF4-FFF2-40B4-BE49-F238E27FC236}">
-                <a16:creationId xmlns="" xmlns:a16="http://schemas.microsoft.com/office/drawing/2014/main" id="{DDECDAF1-29AD-4827-9D7A-BC94158209A1}"/>
+                <a16:creationId xmlns:a16="http://schemas.microsoft.com/office/drawing/2014/main" xmlns="" id="{DDECDAF1-29AD-4827-9D7A-BC94158209A1}"/>
               </a:ext>
             </a:extLst>
           </p:cNvPr>
@@ -2614,7 +2616,7 @@
           <p:cNvPr id="4" name="Spacers">
             <a:extLst>
               <a:ext uri="{FF2B5EF4-FFF2-40B4-BE49-F238E27FC236}">
-                <a16:creationId xmlns="" xmlns:a16="http://schemas.microsoft.com/office/drawing/2014/main" id="{96BFEDA8-C529-4DC6-8C5D-C1D32F8D7174}"/>
+                <a16:creationId xmlns:a16="http://schemas.microsoft.com/office/drawing/2014/main" xmlns="" id="{96BFEDA8-C529-4DC6-8C5D-C1D32F8D7174}"/>
               </a:ext>
             </a:extLst>
           </p:cNvPr>
@@ -2634,7 +2636,7 @@
             <p:cNvPr id="5" name="Left">
               <a:extLst>
                 <a:ext uri="{FF2B5EF4-FFF2-40B4-BE49-F238E27FC236}">
-                  <a16:creationId xmlns="" xmlns:a16="http://schemas.microsoft.com/office/drawing/2014/main" id="{6473849B-1E97-46D4-8668-7175F2FE5CF0}"/>
+                  <a16:creationId xmlns:a16="http://schemas.microsoft.com/office/drawing/2014/main" xmlns="" id="{6473849B-1E97-46D4-8668-7175F2FE5CF0}"/>
                 </a:ext>
               </a:extLst>
             </p:cNvPr>
@@ -2675,7 +2677,7 @@
             <p:cNvPr id="6" name="Right">
               <a:extLst>
                 <a:ext uri="{FF2B5EF4-FFF2-40B4-BE49-F238E27FC236}">
-                  <a16:creationId xmlns="" xmlns:a16="http://schemas.microsoft.com/office/drawing/2014/main" id="{3BCB408C-D5DE-4646-88FF-F74183F140F3}"/>
+                  <a16:creationId xmlns:a16="http://schemas.microsoft.com/office/drawing/2014/main" xmlns="" id="{3BCB408C-D5DE-4646-88FF-F74183F140F3}"/>
                 </a:ext>
               </a:extLst>
             </p:cNvPr>
@@ -2717,7 +2719,7 @@
           <p:cNvPr id="15" name="Graphic 14">
             <a:extLst>
               <a:ext uri="{FF2B5EF4-FFF2-40B4-BE49-F238E27FC236}">
-                <a16:creationId xmlns="" xmlns:a16="http://schemas.microsoft.com/office/drawing/2014/main" id="{818F5097-2D84-4FA6-A064-0F1141B59D41}"/>
+                <a16:creationId xmlns:a16="http://schemas.microsoft.com/office/drawing/2014/main" xmlns="" id="{818F5097-2D84-4FA6-A064-0F1141B59D41}"/>
               </a:ext>
             </a:extLst>
           </p:cNvPr>
@@ -2730,7 +2732,7 @@
           <a:blip r:embed="rId3">
             <a:extLst>
               <a:ext uri="{96DAC541-7B7A-43D3-8B79-37D633B846F1}">
-                <asvg:svgBlip xmlns="" xmlns:asvg="http://schemas.microsoft.com/office/drawing/2016/SVG/main" r:embed="rId4"/>
+                <asvg:svgBlip xmlns:asvg="http://schemas.microsoft.com/office/drawing/2016/SVG/main" xmlns="" r:embed="rId4"/>
               </a:ext>
             </a:extLst>
           </a:blip>
@@ -2783,7 +2785,7 @@
           <p:cNvPr id="8" name="Title 2">
             <a:extLst>
               <a:ext uri="{FF2B5EF4-FFF2-40B4-BE49-F238E27FC236}">
-                <a16:creationId xmlns="" xmlns:a16="http://schemas.microsoft.com/office/drawing/2014/main" id="{DF0AA9B1-B4E0-428F-88EC-5EA31380067B}"/>
+                <a16:creationId xmlns:a16="http://schemas.microsoft.com/office/drawing/2014/main" xmlns="" id="{DF0AA9B1-B4E0-428F-88EC-5EA31380067B}"/>
               </a:ext>
             </a:extLst>
           </p:cNvPr>
@@ -2825,7 +2827,7 @@
           <p:cNvPr id="9" name="Guidance">
             <a:extLst>
               <a:ext uri="{FF2B5EF4-FFF2-40B4-BE49-F238E27FC236}">
-                <a16:creationId xmlns="" xmlns:a16="http://schemas.microsoft.com/office/drawing/2014/main" id="{A3E64B4F-41B5-4DBD-852D-3A5517B12B12}"/>
+                <a16:creationId xmlns:a16="http://schemas.microsoft.com/office/drawing/2014/main" xmlns="" id="{A3E64B4F-41B5-4DBD-852D-3A5517B12B12}"/>
               </a:ext>
             </a:extLst>
           </p:cNvPr>
@@ -2845,7 +2847,7 @@
             <p:cNvPr id="10" name="Guidance Arrow 1">
               <a:extLst>
                 <a:ext uri="{FF2B5EF4-FFF2-40B4-BE49-F238E27FC236}">
-                  <a16:creationId xmlns="" xmlns:a16="http://schemas.microsoft.com/office/drawing/2014/main" id="{AE753255-EA45-4734-AAB6-B86321799FA6}"/>
+                  <a16:creationId xmlns:a16="http://schemas.microsoft.com/office/drawing/2014/main" xmlns="" id="{AE753255-EA45-4734-AAB6-B86321799FA6}"/>
                 </a:ext>
               </a:extLst>
             </p:cNvPr>
@@ -2887,7 +2889,7 @@
             <p:cNvPr id="11" name="Guidance Text 1">
               <a:extLst>
                 <a:ext uri="{FF2B5EF4-FFF2-40B4-BE49-F238E27FC236}">
-                  <a16:creationId xmlns="" xmlns:a16="http://schemas.microsoft.com/office/drawing/2014/main" id="{B6E53A7B-BC5E-4920-814E-2A9382E1E887}"/>
+                  <a16:creationId xmlns:a16="http://schemas.microsoft.com/office/drawing/2014/main" xmlns="" id="{B6E53A7B-BC5E-4920-814E-2A9382E1E887}"/>
                 </a:ext>
               </a:extLst>
             </p:cNvPr>
@@ -2953,7 +2955,7 @@
           <p:cNvPr id="7" name="Section Placeholder">
             <a:extLst>
               <a:ext uri="{FF2B5EF4-FFF2-40B4-BE49-F238E27FC236}">
-                <a16:creationId xmlns="" xmlns:a16="http://schemas.microsoft.com/office/drawing/2014/main" id="{82526717-3310-43A8-B73F-A5628E6F5CE0}"/>
+                <a16:creationId xmlns:a16="http://schemas.microsoft.com/office/drawing/2014/main" xmlns="" id="{82526717-3310-43A8-B73F-A5628E6F5CE0}"/>
               </a:ext>
             </a:extLst>
           </p:cNvPr>
@@ -3272,7 +3274,7 @@
           <p:cNvPr id="3" name="Title 2">
             <a:extLst>
               <a:ext uri="{FF2B5EF4-FFF2-40B4-BE49-F238E27FC236}">
-                <a16:creationId xmlns="" xmlns:a16="http://schemas.microsoft.com/office/drawing/2014/main" id="{9D895CFA-7125-4DD6-94C8-25AF43CDBB7D}"/>
+                <a16:creationId xmlns:a16="http://schemas.microsoft.com/office/drawing/2014/main" xmlns="" id="{9D895CFA-7125-4DD6-94C8-25AF43CDBB7D}"/>
               </a:ext>
             </a:extLst>
           </p:cNvPr>
@@ -3332,7 +3334,7 @@
           <p:cNvPr id="10" name="Page number">
             <a:extLst>
               <a:ext uri="{FF2B5EF4-FFF2-40B4-BE49-F238E27FC236}">
-                <a16:creationId xmlns="" xmlns:a16="http://schemas.microsoft.com/office/drawing/2014/main" id="{D41ABB3A-85A1-4FC9-B7A4-00FEF73BB3DB}"/>
+                <a16:creationId xmlns:a16="http://schemas.microsoft.com/office/drawing/2014/main" xmlns="" id="{D41ABB3A-85A1-4FC9-B7A4-00FEF73BB3DB}"/>
               </a:ext>
             </a:extLst>
           </p:cNvPr>
@@ -3407,7 +3409,7 @@
           <p:cNvPr id="2" name="Rectangle 1">
             <a:extLst>
               <a:ext uri="{FF2B5EF4-FFF2-40B4-BE49-F238E27FC236}">
-                <a16:creationId xmlns="" xmlns:a16="http://schemas.microsoft.com/office/drawing/2014/main" id="{03A08C19-DE43-4D8D-B7F6-05135A7AD1EF}"/>
+                <a16:creationId xmlns:a16="http://schemas.microsoft.com/office/drawing/2014/main" xmlns="" id="{03A08C19-DE43-4D8D-B7F6-05135A7AD1EF}"/>
               </a:ext>
             </a:extLst>
           </p:cNvPr>
@@ -3708,7 +3710,7 @@
           <p:cNvPr id="3" name="Title 2">
             <a:extLst>
               <a:ext uri="{FF2B5EF4-FFF2-40B4-BE49-F238E27FC236}">
-                <a16:creationId xmlns="" xmlns:a16="http://schemas.microsoft.com/office/drawing/2014/main" id="{41B9D6C8-DF8A-4CAC-90FA-69A3E5DBC39A}"/>
+                <a16:creationId xmlns:a16="http://schemas.microsoft.com/office/drawing/2014/main" xmlns="" id="{41B9D6C8-DF8A-4CAC-90FA-69A3E5DBC39A}"/>
               </a:ext>
             </a:extLst>
           </p:cNvPr>
@@ -3765,7 +3767,7 @@
           <p:cNvPr id="16" name="Guidance">
             <a:extLst>
               <a:ext uri="{FF2B5EF4-FFF2-40B4-BE49-F238E27FC236}">
-                <a16:creationId xmlns="" xmlns:a16="http://schemas.microsoft.com/office/drawing/2014/main" id="{59BBDF4F-53E1-4CCF-B3CD-B5A65FD80CD0}"/>
+                <a16:creationId xmlns:a16="http://schemas.microsoft.com/office/drawing/2014/main" xmlns="" id="{59BBDF4F-53E1-4CCF-B3CD-B5A65FD80CD0}"/>
               </a:ext>
             </a:extLst>
           </p:cNvPr>
@@ -3785,7 +3787,7 @@
             <p:cNvPr id="17" name="Guidance Arrow 1">
               <a:extLst>
                 <a:ext uri="{FF2B5EF4-FFF2-40B4-BE49-F238E27FC236}">
-                  <a16:creationId xmlns="" xmlns:a16="http://schemas.microsoft.com/office/drawing/2014/main" id="{FFC4A399-6AE3-435D-8C9F-D5B4719C0AF4}"/>
+                  <a16:creationId xmlns:a16="http://schemas.microsoft.com/office/drawing/2014/main" xmlns="" id="{FFC4A399-6AE3-435D-8C9F-D5B4719C0AF4}"/>
                 </a:ext>
               </a:extLst>
             </p:cNvPr>
@@ -3827,7 +3829,7 @@
             <p:cNvPr id="18" name="Guidance Text 1">
               <a:extLst>
                 <a:ext uri="{FF2B5EF4-FFF2-40B4-BE49-F238E27FC236}">
-                  <a16:creationId xmlns="" xmlns:a16="http://schemas.microsoft.com/office/drawing/2014/main" id="{EC1E71E0-FD67-439C-9719-9382A1C025C0}"/>
+                  <a16:creationId xmlns:a16="http://schemas.microsoft.com/office/drawing/2014/main" xmlns="" id="{EC1E71E0-FD67-439C-9719-9382A1C025C0}"/>
                 </a:ext>
               </a:extLst>
             </p:cNvPr>
@@ -4050,7 +4052,7 @@
           <p:cNvPr id="9" name="Content Placeholder 2">
             <a:extLst>
               <a:ext uri="{FF2B5EF4-FFF2-40B4-BE49-F238E27FC236}">
-                <a16:creationId xmlns="" xmlns:a16="http://schemas.microsoft.com/office/drawing/2014/main" id="{A39F8322-E75D-4841-91BB-F03EBE9D32A1}"/>
+                <a16:creationId xmlns:a16="http://schemas.microsoft.com/office/drawing/2014/main" xmlns="" id="{A39F8322-E75D-4841-91BB-F03EBE9D32A1}"/>
               </a:ext>
             </a:extLst>
           </p:cNvPr>
@@ -4137,7 +4139,7 @@
           <p:cNvPr id="3" name="Title 2">
             <a:extLst>
               <a:ext uri="{FF2B5EF4-FFF2-40B4-BE49-F238E27FC236}">
-                <a16:creationId xmlns="" xmlns:a16="http://schemas.microsoft.com/office/drawing/2014/main" id="{504B8576-C97F-450B-AF7C-9C822B81252D}"/>
+                <a16:creationId xmlns:a16="http://schemas.microsoft.com/office/drawing/2014/main" xmlns="" id="{504B8576-C97F-450B-AF7C-9C822B81252D}"/>
               </a:ext>
             </a:extLst>
           </p:cNvPr>
@@ -4195,7 +4197,7 @@
           <p:cNvPr id="12" name="Guidance">
             <a:extLst>
               <a:ext uri="{FF2B5EF4-FFF2-40B4-BE49-F238E27FC236}">
-                <a16:creationId xmlns="" xmlns:a16="http://schemas.microsoft.com/office/drawing/2014/main" id="{8BBEF967-7A57-44E2-82CB-731E6A47DEED}"/>
+                <a16:creationId xmlns:a16="http://schemas.microsoft.com/office/drawing/2014/main" xmlns="" id="{8BBEF967-7A57-44E2-82CB-731E6A47DEED}"/>
               </a:ext>
             </a:extLst>
           </p:cNvPr>
@@ -4215,7 +4217,7 @@
             <p:cNvPr id="13" name="Guidance Arrow 1">
               <a:extLst>
                 <a:ext uri="{FF2B5EF4-FFF2-40B4-BE49-F238E27FC236}">
-                  <a16:creationId xmlns="" xmlns:a16="http://schemas.microsoft.com/office/drawing/2014/main" id="{E0BDBE6C-F311-4ED7-8111-E6085F05E467}"/>
+                  <a16:creationId xmlns:a16="http://schemas.microsoft.com/office/drawing/2014/main" xmlns="" id="{E0BDBE6C-F311-4ED7-8111-E6085F05E467}"/>
                 </a:ext>
               </a:extLst>
             </p:cNvPr>
@@ -4257,7 +4259,7 @@
             <p:cNvPr id="14" name="Guidance Text 1">
               <a:extLst>
                 <a:ext uri="{FF2B5EF4-FFF2-40B4-BE49-F238E27FC236}">
-                  <a16:creationId xmlns="" xmlns:a16="http://schemas.microsoft.com/office/drawing/2014/main" id="{601AE108-F079-49B9-932F-D8638E8A9B16}"/>
+                  <a16:creationId xmlns:a16="http://schemas.microsoft.com/office/drawing/2014/main" xmlns="" id="{601AE108-F079-49B9-932F-D8638E8A9B16}"/>
                 </a:ext>
               </a:extLst>
             </p:cNvPr>
@@ -4353,7 +4355,7 @@
           <p:cNvPr id="27" name="Content Placeholder 4">
             <a:extLst>
               <a:ext uri="{FF2B5EF4-FFF2-40B4-BE49-F238E27FC236}">
-                <a16:creationId xmlns="" xmlns:a16="http://schemas.microsoft.com/office/drawing/2014/main" id="{BF44F2C6-878C-49AD-86A3-E4F9C81B6A17}"/>
+                <a16:creationId xmlns:a16="http://schemas.microsoft.com/office/drawing/2014/main" xmlns="" id="{BF44F2C6-878C-49AD-86A3-E4F9C81B6A17}"/>
               </a:ext>
             </a:extLst>
           </p:cNvPr>
@@ -4440,7 +4442,7 @@
           <p:cNvPr id="28" name="Content Placeholder 3">
             <a:extLst>
               <a:ext uri="{FF2B5EF4-FFF2-40B4-BE49-F238E27FC236}">
-                <a16:creationId xmlns="" xmlns:a16="http://schemas.microsoft.com/office/drawing/2014/main" id="{A44EB6E1-603C-49EE-B1C0-8A0BB39A79DB}"/>
+                <a16:creationId xmlns:a16="http://schemas.microsoft.com/office/drawing/2014/main" xmlns="" id="{A44EB6E1-603C-49EE-B1C0-8A0BB39A79DB}"/>
               </a:ext>
             </a:extLst>
           </p:cNvPr>
@@ -4527,7 +4529,7 @@
           <p:cNvPr id="29" name="Content Placeholder 2">
             <a:extLst>
               <a:ext uri="{FF2B5EF4-FFF2-40B4-BE49-F238E27FC236}">
-                <a16:creationId xmlns="" xmlns:a16="http://schemas.microsoft.com/office/drawing/2014/main" id="{2457269A-0502-42B1-8EFE-2C220E0E957F}"/>
+                <a16:creationId xmlns:a16="http://schemas.microsoft.com/office/drawing/2014/main" xmlns="" id="{2457269A-0502-42B1-8EFE-2C220E0E957F}"/>
               </a:ext>
             </a:extLst>
           </p:cNvPr>
@@ -4614,7 +4616,7 @@
           <p:cNvPr id="30" name="Content Placeholder 1">
             <a:extLst>
               <a:ext uri="{FF2B5EF4-FFF2-40B4-BE49-F238E27FC236}">
-                <a16:creationId xmlns="" xmlns:a16="http://schemas.microsoft.com/office/drawing/2014/main" id="{6FEE4595-13BB-4EF8-8A7F-7F4BA9EE4DFD}"/>
+                <a16:creationId xmlns:a16="http://schemas.microsoft.com/office/drawing/2014/main" xmlns="" id="{6FEE4595-13BB-4EF8-8A7F-7F4BA9EE4DFD}"/>
               </a:ext>
             </a:extLst>
           </p:cNvPr>
@@ -4747,7 +4749,7 @@
           <p:cNvPr id="3" name="Title 2">
             <a:extLst>
               <a:ext uri="{FF2B5EF4-FFF2-40B4-BE49-F238E27FC236}">
-                <a16:creationId xmlns="" xmlns:a16="http://schemas.microsoft.com/office/drawing/2014/main" id="{FC5A05A5-E949-4255-8EA9-24090C2E7544}"/>
+                <a16:creationId xmlns:a16="http://schemas.microsoft.com/office/drawing/2014/main" xmlns="" id="{FC5A05A5-E949-4255-8EA9-24090C2E7544}"/>
               </a:ext>
             </a:extLst>
           </p:cNvPr>
@@ -4804,7 +4806,7 @@
           <p:cNvPr id="13" name="Guidance">
             <a:extLst>
               <a:ext uri="{FF2B5EF4-FFF2-40B4-BE49-F238E27FC236}">
-                <a16:creationId xmlns="" xmlns:a16="http://schemas.microsoft.com/office/drawing/2014/main" id="{D957027B-ECB0-453C-BFC6-A19B11EBCE38}"/>
+                <a16:creationId xmlns:a16="http://schemas.microsoft.com/office/drawing/2014/main" xmlns="" id="{D957027B-ECB0-453C-BFC6-A19B11EBCE38}"/>
               </a:ext>
             </a:extLst>
           </p:cNvPr>
@@ -4824,7 +4826,7 @@
             <p:cNvPr id="16" name="Guidance Arrow 1">
               <a:extLst>
                 <a:ext uri="{FF2B5EF4-FFF2-40B4-BE49-F238E27FC236}">
-                  <a16:creationId xmlns="" xmlns:a16="http://schemas.microsoft.com/office/drawing/2014/main" id="{AA5C761A-0D64-4D21-8B9E-6AC5F7C8B379}"/>
+                  <a16:creationId xmlns:a16="http://schemas.microsoft.com/office/drawing/2014/main" xmlns="" id="{AA5C761A-0D64-4D21-8B9E-6AC5F7C8B379}"/>
                 </a:ext>
               </a:extLst>
             </p:cNvPr>
@@ -4866,7 +4868,7 @@
             <p:cNvPr id="17" name="Guidance Text 1">
               <a:extLst>
                 <a:ext uri="{FF2B5EF4-FFF2-40B4-BE49-F238E27FC236}">
-                  <a16:creationId xmlns="" xmlns:a16="http://schemas.microsoft.com/office/drawing/2014/main" id="{7F835AD1-1221-48D2-8B7F-08295DDDA82C}"/>
+                  <a16:creationId xmlns:a16="http://schemas.microsoft.com/office/drawing/2014/main" xmlns="" id="{7F835AD1-1221-48D2-8B7F-08295DDDA82C}"/>
                 </a:ext>
               </a:extLst>
             </p:cNvPr>
@@ -5170,7 +5172,7 @@
           <p:cNvPr id="2" name="Title 1">
             <a:extLst>
               <a:ext uri="{FF2B5EF4-FFF2-40B4-BE49-F238E27FC236}">
-                <a16:creationId xmlns="" xmlns:a16="http://schemas.microsoft.com/office/drawing/2014/main" id="{6EACCE5A-C1DE-4A2A-8864-4E54FE2B74B8}"/>
+                <a16:creationId xmlns:a16="http://schemas.microsoft.com/office/drawing/2014/main" xmlns="" id="{6EACCE5A-C1DE-4A2A-8864-4E54FE2B74B8}"/>
               </a:ext>
             </a:extLst>
           </p:cNvPr>
@@ -5227,7 +5229,7 @@
           <p:cNvPr id="12" name="Guidance">
             <a:extLst>
               <a:ext uri="{FF2B5EF4-FFF2-40B4-BE49-F238E27FC236}">
-                <a16:creationId xmlns="" xmlns:a16="http://schemas.microsoft.com/office/drawing/2014/main" id="{55B24E05-AC6C-4B2D-A5F9-A0018C46254D}"/>
+                <a16:creationId xmlns:a16="http://schemas.microsoft.com/office/drawing/2014/main" xmlns="" id="{55B24E05-AC6C-4B2D-A5F9-A0018C46254D}"/>
               </a:ext>
             </a:extLst>
           </p:cNvPr>
@@ -5247,7 +5249,7 @@
             <p:cNvPr id="13" name="Guidance Arrow 1">
               <a:extLst>
                 <a:ext uri="{FF2B5EF4-FFF2-40B4-BE49-F238E27FC236}">
-                  <a16:creationId xmlns="" xmlns:a16="http://schemas.microsoft.com/office/drawing/2014/main" id="{D65313BF-6CCE-4CDF-A432-8AF6870F5ACB}"/>
+                  <a16:creationId xmlns:a16="http://schemas.microsoft.com/office/drawing/2014/main" xmlns="" id="{D65313BF-6CCE-4CDF-A432-8AF6870F5ACB}"/>
                 </a:ext>
               </a:extLst>
             </p:cNvPr>
@@ -5289,7 +5291,7 @@
             <p:cNvPr id="15" name="Guidance Text 1">
               <a:extLst>
                 <a:ext uri="{FF2B5EF4-FFF2-40B4-BE49-F238E27FC236}">
-                  <a16:creationId xmlns="" xmlns:a16="http://schemas.microsoft.com/office/drawing/2014/main" id="{536CE970-74C9-40C8-98BD-D84A2B3993D5}"/>
+                  <a16:creationId xmlns:a16="http://schemas.microsoft.com/office/drawing/2014/main" xmlns="" id="{536CE970-74C9-40C8-98BD-D84A2B3993D5}"/>
                 </a:ext>
               </a:extLst>
             </p:cNvPr>
@@ -5674,7 +5676,7 @@
           <p:cNvPr id="2" name="Title 1">
             <a:extLst>
               <a:ext uri="{FF2B5EF4-FFF2-40B4-BE49-F238E27FC236}">
-                <a16:creationId xmlns="" xmlns:a16="http://schemas.microsoft.com/office/drawing/2014/main" id="{B1C6A348-6205-498D-9CE0-D87F3AE9F722}"/>
+                <a16:creationId xmlns:a16="http://schemas.microsoft.com/office/drawing/2014/main" xmlns="" id="{B1C6A348-6205-498D-9CE0-D87F3AE9F722}"/>
               </a:ext>
             </a:extLst>
           </p:cNvPr>
@@ -5727,7 +5729,7 @@
           <p:cNvPr id="13" name="Guidance">
             <a:extLst>
               <a:ext uri="{FF2B5EF4-FFF2-40B4-BE49-F238E27FC236}">
-                <a16:creationId xmlns="" xmlns:a16="http://schemas.microsoft.com/office/drawing/2014/main" id="{ABCB4460-5216-41BB-971E-1D7EE2FF7E7C}"/>
+                <a16:creationId xmlns:a16="http://schemas.microsoft.com/office/drawing/2014/main" xmlns="" id="{ABCB4460-5216-41BB-971E-1D7EE2FF7E7C}"/>
               </a:ext>
             </a:extLst>
           </p:cNvPr>
@@ -5747,7 +5749,7 @@
             <p:cNvPr id="14" name="Guidance Arrow 1">
               <a:extLst>
                 <a:ext uri="{FF2B5EF4-FFF2-40B4-BE49-F238E27FC236}">
-                  <a16:creationId xmlns="" xmlns:a16="http://schemas.microsoft.com/office/drawing/2014/main" id="{11D8F244-B709-43AF-A43B-3E885A1A0184}"/>
+                  <a16:creationId xmlns:a16="http://schemas.microsoft.com/office/drawing/2014/main" xmlns="" id="{11D8F244-B709-43AF-A43B-3E885A1A0184}"/>
                 </a:ext>
               </a:extLst>
             </p:cNvPr>
@@ -5789,7 +5791,7 @@
             <p:cNvPr id="15" name="Guidance Text 1">
               <a:extLst>
                 <a:ext uri="{FF2B5EF4-FFF2-40B4-BE49-F238E27FC236}">
-                  <a16:creationId xmlns="" xmlns:a16="http://schemas.microsoft.com/office/drawing/2014/main" id="{28575260-B7E3-42F5-8388-B7E8F7E2BBAF}"/>
+                  <a16:creationId xmlns:a16="http://schemas.microsoft.com/office/drawing/2014/main" xmlns="" id="{28575260-B7E3-42F5-8388-B7E8F7E2BBAF}"/>
                 </a:ext>
               </a:extLst>
             </p:cNvPr>
@@ -5890,7 +5892,7 @@
           <p:cNvPr id="7" name="Picture 6" descr="Shape&#10;&#10;Description automatically generated with medium confidence">
             <a:extLst>
               <a:ext uri="{FF2B5EF4-FFF2-40B4-BE49-F238E27FC236}">
-                <a16:creationId xmlns="" xmlns:a16="http://schemas.microsoft.com/office/drawing/2014/main" id="{F4DEEAB6-329F-4CBA-A96D-9E4CA750191F}"/>
+                <a16:creationId xmlns:a16="http://schemas.microsoft.com/office/drawing/2014/main" xmlns="" id="{F4DEEAB6-329F-4CBA-A96D-9E4CA750191F}"/>
               </a:ext>
             </a:extLst>
           </p:cNvPr>
@@ -6169,7 +6171,7 @@
           <p:cNvPr id="31" name="text" descr="{&quot;templafy&quot;:{&quot;id&quot;:&quot;63955c8f-2a6b-41a2-be87-db55928a4bc7&quot;}}" title="Form.Watermark.Insert">
             <a:extLst>
               <a:ext uri="{FF2B5EF4-FFF2-40B4-BE49-F238E27FC236}">
-                <a16:creationId xmlns="" xmlns:a16="http://schemas.microsoft.com/office/drawing/2014/main" id="{AFA147AB-C0BC-4E0C-9510-CF4F3659FC9B}"/>
+                <a16:creationId xmlns:a16="http://schemas.microsoft.com/office/drawing/2014/main" xmlns="" id="{AFA147AB-C0BC-4E0C-9510-CF4F3659FC9B}"/>
               </a:ext>
             </a:extLst>
           </p:cNvPr>
@@ -6219,7 +6221,7 @@
           <p:cNvPr id="5" name="[WorkArea]" descr="&lt;?xml version=&quot;1.0&quot; encoding=&quot;utf-16&quot;?&gt;&#10;&lt;GridTheme xmlns:xsi=&quot;http://www.w3.org/2001/XMLSchema-instance&quot; xmlns:xsd=&quot;http://www.w3.org/2001/XMLSchema&quot;&gt;&#10;  &lt;GuideLines /&gt;&#10;  &lt;WorkArea&gt;&#10;    &lt;Top&gt;107.716537&lt;/Top&gt;&#10;    &lt;Left&gt;34.0157471&lt;/Left&gt;&#10;    &lt;Width&gt;773.8583&lt;/Width&gt;&#10;    &lt;Height&gt;453.5433&lt;/Height&gt;&#10;  &lt;/WorkArea&gt;&#10;  &lt;AspectW&gt;-1&lt;/AspectW&gt;&#10;  &lt;AspectH&gt;-1&lt;/AspectH&gt;&#10;  &lt;Width&gt;842&lt;/Width&gt;&#10;  &lt;Height&gt;595.375&lt;/Height&gt;&#10;  &lt;HGap&gt;5&lt;/HGap&gt;&#10;  &lt;VGap&gt;5&lt;/VGap&gt;&#10;  &lt;OfficeVersion&gt;-1&lt;/OfficeVersion&gt;&#10;&lt;/GridTheme&gt;" hidden="1">
             <a:extLst>
               <a:ext uri="{FF2B5EF4-FFF2-40B4-BE49-F238E27FC236}">
-                <a16:creationId xmlns="" xmlns:a16="http://schemas.microsoft.com/office/drawing/2014/main" id="{F2F87FDE-D3F2-4ED7-AA86-AC88F140331E}"/>
+                <a16:creationId xmlns:a16="http://schemas.microsoft.com/office/drawing/2014/main" xmlns="" id="{F2F87FDE-D3F2-4ED7-AA86-AC88F140331E}"/>
               </a:ext>
             </a:extLst>
           </p:cNvPr>
@@ -6282,7 +6284,7 @@
           <p:cNvPr id="12" name="Content [Comment]" hidden="1">
             <a:extLst>
               <a:ext uri="{FF2B5EF4-FFF2-40B4-BE49-F238E27FC236}">
-                <a16:creationId xmlns="" xmlns:a16="http://schemas.microsoft.com/office/drawing/2014/main" id="{0D084DA3-FD1E-4081-9795-7F138FAB2CBE}"/>
+                <a16:creationId xmlns:a16="http://schemas.microsoft.com/office/drawing/2014/main" xmlns="" id="{0D084DA3-FD1E-4081-9795-7F138FAB2CBE}"/>
               </a:ext>
             </a:extLst>
           </p:cNvPr>
@@ -6378,7 +6380,7 @@
           <p:cNvPr id="13" name="Formatting [Comment]" hidden="1">
             <a:extLst>
               <a:ext uri="{FF2B5EF4-FFF2-40B4-BE49-F238E27FC236}">
-                <a16:creationId xmlns="" xmlns:a16="http://schemas.microsoft.com/office/drawing/2014/main" id="{DF14772E-BE6F-4D13-89F5-8FAE6FAE3E90}"/>
+                <a16:creationId xmlns:a16="http://schemas.microsoft.com/office/drawing/2014/main" xmlns="" id="{DF14772E-BE6F-4D13-89F5-8FAE6FAE3E90}"/>
               </a:ext>
             </a:extLst>
           </p:cNvPr>
@@ -6474,7 +6476,7 @@
           <p:cNvPr id="14" name="Dummy [Sticker]" hidden="1">
             <a:extLst>
               <a:ext uri="{FF2B5EF4-FFF2-40B4-BE49-F238E27FC236}">
-                <a16:creationId xmlns="" xmlns:a16="http://schemas.microsoft.com/office/drawing/2014/main" id="{06F79DFD-217C-4CAF-A426-803F810C2D4B}"/>
+                <a16:creationId xmlns:a16="http://schemas.microsoft.com/office/drawing/2014/main" xmlns="" id="{06F79DFD-217C-4CAF-A426-803F810C2D4B}"/>
               </a:ext>
             </a:extLst>
           </p:cNvPr>
@@ -6546,7 +6548,7 @@
           <p:cNvPr id="15" name="Update [Sticker]" hidden="1">
             <a:extLst>
               <a:ext uri="{FF2B5EF4-FFF2-40B4-BE49-F238E27FC236}">
-                <a16:creationId xmlns="" xmlns:a16="http://schemas.microsoft.com/office/drawing/2014/main" id="{F98573FB-65AA-4D35-8227-C46EDCC78692}"/>
+                <a16:creationId xmlns:a16="http://schemas.microsoft.com/office/drawing/2014/main" xmlns="" id="{F98573FB-65AA-4D35-8227-C46EDCC78692}"/>
               </a:ext>
             </a:extLst>
           </p:cNvPr>
@@ -6618,7 +6620,7 @@
           <p:cNvPr id="16" name="Responsible [Sticker]" hidden="1">
             <a:extLst>
               <a:ext uri="{FF2B5EF4-FFF2-40B4-BE49-F238E27FC236}">
-                <a16:creationId xmlns="" xmlns:a16="http://schemas.microsoft.com/office/drawing/2014/main" id="{091E0E52-71ED-4093-B060-78DABB379E27}"/>
+                <a16:creationId xmlns:a16="http://schemas.microsoft.com/office/drawing/2014/main" xmlns="" id="{091E0E52-71ED-4093-B060-78DABB379E27}"/>
               </a:ext>
             </a:extLst>
           </p:cNvPr>
@@ -6707,7 +6709,7 @@
           <p:cNvPr id="17" name="Final [Sticker]" hidden="1">
             <a:extLst>
               <a:ext uri="{FF2B5EF4-FFF2-40B4-BE49-F238E27FC236}">
-                <a16:creationId xmlns="" xmlns:a16="http://schemas.microsoft.com/office/drawing/2014/main" id="{D60FDC6B-7BA4-4118-8174-A1111D1A86DF}"/>
+                <a16:creationId xmlns:a16="http://schemas.microsoft.com/office/drawing/2014/main" xmlns="" id="{D60FDC6B-7BA4-4118-8174-A1111D1A86DF}"/>
               </a:ext>
             </a:extLst>
           </p:cNvPr>
@@ -6779,7 +6781,7 @@
           <p:cNvPr id="18" name="Discussion [Sticker]" hidden="1">
             <a:extLst>
               <a:ext uri="{FF2B5EF4-FFF2-40B4-BE49-F238E27FC236}">
-                <a16:creationId xmlns="" xmlns:a16="http://schemas.microsoft.com/office/drawing/2014/main" id="{27B5DC3A-0C4D-48AC-A7C6-19C70347DA43}"/>
+                <a16:creationId xmlns:a16="http://schemas.microsoft.com/office/drawing/2014/main" xmlns="" id="{27B5DC3A-0C4D-48AC-A7C6-19C70347DA43}"/>
               </a:ext>
             </a:extLst>
           </p:cNvPr>
@@ -6851,7 +6853,7 @@
           <p:cNvPr id="20" name="Internal [Sticker]" hidden="1">
             <a:extLst>
               <a:ext uri="{FF2B5EF4-FFF2-40B4-BE49-F238E27FC236}">
-                <a16:creationId xmlns="" xmlns:a16="http://schemas.microsoft.com/office/drawing/2014/main" id="{C3F62AEF-6F0D-49CF-885E-572445241FC5}"/>
+                <a16:creationId xmlns:a16="http://schemas.microsoft.com/office/drawing/2014/main" xmlns="" id="{C3F62AEF-6F0D-49CF-885E-572445241FC5}"/>
               </a:ext>
             </a:extLst>
           </p:cNvPr>
@@ -6923,7 +6925,7 @@
           <p:cNvPr id="152" name="Draft [Sticker]" hidden="1">
             <a:extLst>
               <a:ext uri="{FF2B5EF4-FFF2-40B4-BE49-F238E27FC236}">
-                <a16:creationId xmlns="" xmlns:a16="http://schemas.microsoft.com/office/drawing/2014/main" id="{863F970D-334C-4BEF-BC19-2F8990952FEA}"/>
+                <a16:creationId xmlns:a16="http://schemas.microsoft.com/office/drawing/2014/main" xmlns="" id="{863F970D-334C-4BEF-BC19-2F8990952FEA}"/>
               </a:ext>
             </a:extLst>
           </p:cNvPr>
@@ -6995,7 +6997,7 @@
           <p:cNvPr id="21" name="Backup [Sticker]" hidden="1">
             <a:extLst>
               <a:ext uri="{FF2B5EF4-FFF2-40B4-BE49-F238E27FC236}">
-                <a16:creationId xmlns="" xmlns:a16="http://schemas.microsoft.com/office/drawing/2014/main" id="{6116239B-536D-4EF6-8148-96BA221809C4}"/>
+                <a16:creationId xmlns:a16="http://schemas.microsoft.com/office/drawing/2014/main" xmlns="" id="{6116239B-536D-4EF6-8148-96BA221809C4}"/>
               </a:ext>
             </a:extLst>
           </p:cNvPr>
@@ -7067,7 +7069,7 @@
           <p:cNvPr id="151" name="INSTRUCTIONS Customize ProductivityPlus objects" hidden="1">
             <a:extLst>
               <a:ext uri="{FF2B5EF4-FFF2-40B4-BE49-F238E27FC236}">
-                <a16:creationId xmlns="" xmlns:a16="http://schemas.microsoft.com/office/drawing/2014/main" id="{14D75303-5CB5-49A1-85EE-DB3BC2AA6D52}"/>
+                <a16:creationId xmlns:a16="http://schemas.microsoft.com/office/drawing/2014/main" xmlns="" id="{14D75303-5CB5-49A1-85EE-DB3BC2AA6D52}"/>
               </a:ext>
             </a:extLst>
           </p:cNvPr>
@@ -7102,7 +7104,7 @@
           <p:cNvPr id="23" name="Harvey 3" hidden="1">
             <a:extLst>
               <a:ext uri="{FF2B5EF4-FFF2-40B4-BE49-F238E27FC236}">
-                <a16:creationId xmlns="" xmlns:a16="http://schemas.microsoft.com/office/drawing/2014/main" id="{071D377C-83C8-49A0-894D-57E7D32AC506}"/>
+                <a16:creationId xmlns:a16="http://schemas.microsoft.com/office/drawing/2014/main" xmlns="" id="{071D377C-83C8-49A0-894D-57E7D32AC506}"/>
               </a:ext>
             </a:extLst>
           </p:cNvPr>
@@ -7131,7 +7133,7 @@
             <p:cNvPr id="24" name="Harvey 0/3 [0]" hidden="1">
               <a:extLst>
                 <a:ext uri="{FF2B5EF4-FFF2-40B4-BE49-F238E27FC236}">
-                  <a16:creationId xmlns="" xmlns:a16="http://schemas.microsoft.com/office/drawing/2014/main" id="{A1D7F45D-37C1-4251-8BD8-06981817CECC}"/>
+                  <a16:creationId xmlns:a16="http://schemas.microsoft.com/office/drawing/2014/main" xmlns="" id="{A1D7F45D-37C1-4251-8BD8-06981817CECC}"/>
                 </a:ext>
               </a:extLst>
             </p:cNvPr>
@@ -7205,7 +7207,7 @@
             <p:cNvPr id="25" name="Harvey 1/3 [1]">
               <a:extLst>
                 <a:ext uri="{FF2B5EF4-FFF2-40B4-BE49-F238E27FC236}">
-                  <a16:creationId xmlns="" xmlns:a16="http://schemas.microsoft.com/office/drawing/2014/main" id="{EF92E16D-608C-4CA9-943A-4A7B1085B6B5}"/>
+                  <a16:creationId xmlns:a16="http://schemas.microsoft.com/office/drawing/2014/main" xmlns="" id="{EF92E16D-608C-4CA9-943A-4A7B1085B6B5}"/>
                 </a:ext>
               </a:extLst>
             </p:cNvPr>
@@ -7289,7 +7291,7 @@
             <p:cNvPr id="26" name="Harvey 2/3 [2]" hidden="1">
               <a:extLst>
                 <a:ext uri="{FF2B5EF4-FFF2-40B4-BE49-F238E27FC236}">
-                  <a16:creationId xmlns="" xmlns:a16="http://schemas.microsoft.com/office/drawing/2014/main" id="{D87A715F-92F2-4DA2-9B5D-B8400676174C}"/>
+                  <a16:creationId xmlns:a16="http://schemas.microsoft.com/office/drawing/2014/main" xmlns="" id="{D87A715F-92F2-4DA2-9B5D-B8400676174C}"/>
                 </a:ext>
               </a:extLst>
             </p:cNvPr>
@@ -7373,7 +7375,7 @@
             <p:cNvPr id="27" name="Harvey 3/3 [3]" hidden="1">
               <a:extLst>
                 <a:ext uri="{FF2B5EF4-FFF2-40B4-BE49-F238E27FC236}">
-                  <a16:creationId xmlns="" xmlns:a16="http://schemas.microsoft.com/office/drawing/2014/main" id="{F4B16284-BB16-4832-827F-67A674CECE6A}"/>
+                  <a16:creationId xmlns:a16="http://schemas.microsoft.com/office/drawing/2014/main" xmlns="" id="{F4B16284-BB16-4832-827F-67A674CECE6A}"/>
                 </a:ext>
               </a:extLst>
             </p:cNvPr>
@@ -7449,7 +7451,7 @@
           <p:cNvPr id="28" name="Harvey 4" hidden="1">
             <a:extLst>
               <a:ext uri="{FF2B5EF4-FFF2-40B4-BE49-F238E27FC236}">
-                <a16:creationId xmlns="" xmlns:a16="http://schemas.microsoft.com/office/drawing/2014/main" id="{7E5E865F-9D2F-49A6-BF70-ED97919FB888}"/>
+                <a16:creationId xmlns:a16="http://schemas.microsoft.com/office/drawing/2014/main" xmlns="" id="{7E5E865F-9D2F-49A6-BF70-ED97919FB888}"/>
               </a:ext>
             </a:extLst>
           </p:cNvPr>
@@ -7478,7 +7480,7 @@
             <p:cNvPr id="29" name="Harvey 0/4 [0]" hidden="1">
               <a:extLst>
                 <a:ext uri="{FF2B5EF4-FFF2-40B4-BE49-F238E27FC236}">
-                  <a16:creationId xmlns="" xmlns:a16="http://schemas.microsoft.com/office/drawing/2014/main" id="{00C22439-064D-4106-94C4-5FF7292E4891}"/>
+                  <a16:creationId xmlns:a16="http://schemas.microsoft.com/office/drawing/2014/main" xmlns="" id="{00C22439-064D-4106-94C4-5FF7292E4891}"/>
                 </a:ext>
               </a:extLst>
             </p:cNvPr>
@@ -7552,7 +7554,7 @@
             <p:cNvPr id="30" name="Harvey 1/4 [1]">
               <a:extLst>
                 <a:ext uri="{FF2B5EF4-FFF2-40B4-BE49-F238E27FC236}">
-                  <a16:creationId xmlns="" xmlns:a16="http://schemas.microsoft.com/office/drawing/2014/main" id="{37D2BB80-E2BC-43E9-B328-0ED0F24152CF}"/>
+                  <a16:creationId xmlns:a16="http://schemas.microsoft.com/office/drawing/2014/main" xmlns="" id="{37D2BB80-E2BC-43E9-B328-0ED0F24152CF}"/>
                 </a:ext>
               </a:extLst>
             </p:cNvPr>
@@ -7636,7 +7638,7 @@
             <p:cNvPr id="32" name="Harvey 2/4 [2]" hidden="1">
               <a:extLst>
                 <a:ext uri="{FF2B5EF4-FFF2-40B4-BE49-F238E27FC236}">
-                  <a16:creationId xmlns="" xmlns:a16="http://schemas.microsoft.com/office/drawing/2014/main" id="{E6FE060D-0096-4997-9029-D5690E01997B}"/>
+                  <a16:creationId xmlns:a16="http://schemas.microsoft.com/office/drawing/2014/main" xmlns="" id="{E6FE060D-0096-4997-9029-D5690E01997B}"/>
                 </a:ext>
               </a:extLst>
             </p:cNvPr>
@@ -7720,7 +7722,7 @@
             <p:cNvPr id="33" name="Harvey 3/4 [3]" hidden="1">
               <a:extLst>
                 <a:ext uri="{FF2B5EF4-FFF2-40B4-BE49-F238E27FC236}">
-                  <a16:creationId xmlns="" xmlns:a16="http://schemas.microsoft.com/office/drawing/2014/main" id="{F805B285-20CD-4F80-A4E5-41F6380931C1}"/>
+                  <a16:creationId xmlns:a16="http://schemas.microsoft.com/office/drawing/2014/main" xmlns="" id="{F805B285-20CD-4F80-A4E5-41F6380931C1}"/>
                 </a:ext>
               </a:extLst>
             </p:cNvPr>
@@ -7804,7 +7806,7 @@
             <p:cNvPr id="34" name="Harvey 4/4 [4]" hidden="1">
               <a:extLst>
                 <a:ext uri="{FF2B5EF4-FFF2-40B4-BE49-F238E27FC236}">
-                  <a16:creationId xmlns="" xmlns:a16="http://schemas.microsoft.com/office/drawing/2014/main" id="{B8D94971-5F03-4F84-8257-DB02BF5AB535}"/>
+                  <a16:creationId xmlns:a16="http://schemas.microsoft.com/office/drawing/2014/main" xmlns="" id="{B8D94971-5F03-4F84-8257-DB02BF5AB535}"/>
                 </a:ext>
               </a:extLst>
             </p:cNvPr>
@@ -7880,7 +7882,7 @@
           <p:cNvPr id="35" name="Harvey 8" hidden="1">
             <a:extLst>
               <a:ext uri="{FF2B5EF4-FFF2-40B4-BE49-F238E27FC236}">
-                <a16:creationId xmlns="" xmlns:a16="http://schemas.microsoft.com/office/drawing/2014/main" id="{21CB7840-EEE9-4A57-8330-DC149C04F931}"/>
+                <a16:creationId xmlns:a16="http://schemas.microsoft.com/office/drawing/2014/main" xmlns="" id="{21CB7840-EEE9-4A57-8330-DC149C04F931}"/>
               </a:ext>
             </a:extLst>
           </p:cNvPr>
@@ -7909,7 +7911,7 @@
             <p:cNvPr id="36" name="Harvey 0/8 [0]" hidden="1">
               <a:extLst>
                 <a:ext uri="{FF2B5EF4-FFF2-40B4-BE49-F238E27FC236}">
-                  <a16:creationId xmlns="" xmlns:a16="http://schemas.microsoft.com/office/drawing/2014/main" id="{046080E4-7CB0-4409-96B9-D2740E06E93A}"/>
+                  <a16:creationId xmlns:a16="http://schemas.microsoft.com/office/drawing/2014/main" xmlns="" id="{046080E4-7CB0-4409-96B9-D2740E06E93A}"/>
                 </a:ext>
               </a:extLst>
             </p:cNvPr>
@@ -7983,7 +7985,7 @@
             <p:cNvPr id="37" name="Harvey 1/8 [1]">
               <a:extLst>
                 <a:ext uri="{FF2B5EF4-FFF2-40B4-BE49-F238E27FC236}">
-                  <a16:creationId xmlns="" xmlns:a16="http://schemas.microsoft.com/office/drawing/2014/main" id="{0E4F2552-3B84-4B1E-A3E9-BD49FA68C8A3}"/>
+                  <a16:creationId xmlns:a16="http://schemas.microsoft.com/office/drawing/2014/main" xmlns="" id="{0E4F2552-3B84-4B1E-A3E9-BD49FA68C8A3}"/>
                 </a:ext>
               </a:extLst>
             </p:cNvPr>
@@ -8067,7 +8069,7 @@
             <p:cNvPr id="38" name="Harvey 2/8 [2]" hidden="1">
               <a:extLst>
                 <a:ext uri="{FF2B5EF4-FFF2-40B4-BE49-F238E27FC236}">
-                  <a16:creationId xmlns="" xmlns:a16="http://schemas.microsoft.com/office/drawing/2014/main" id="{0137FAB4-C6FB-4122-9212-9F69A4F0104C}"/>
+                  <a16:creationId xmlns:a16="http://schemas.microsoft.com/office/drawing/2014/main" xmlns="" id="{0137FAB4-C6FB-4122-9212-9F69A4F0104C}"/>
                 </a:ext>
               </a:extLst>
             </p:cNvPr>
@@ -8151,7 +8153,7 @@
             <p:cNvPr id="39" name="Harvey 3/8 [3]" hidden="1">
               <a:extLst>
                 <a:ext uri="{FF2B5EF4-FFF2-40B4-BE49-F238E27FC236}">
-                  <a16:creationId xmlns="" xmlns:a16="http://schemas.microsoft.com/office/drawing/2014/main" id="{A49B98E4-CF05-4786-87D7-02B0A1ACDFBA}"/>
+                  <a16:creationId xmlns:a16="http://schemas.microsoft.com/office/drawing/2014/main" xmlns="" id="{A49B98E4-CF05-4786-87D7-02B0A1ACDFBA}"/>
                 </a:ext>
               </a:extLst>
             </p:cNvPr>
@@ -8235,7 +8237,7 @@
             <p:cNvPr id="40" name="Harvey 4/8 [4]" hidden="1">
               <a:extLst>
                 <a:ext uri="{FF2B5EF4-FFF2-40B4-BE49-F238E27FC236}">
-                  <a16:creationId xmlns="" xmlns:a16="http://schemas.microsoft.com/office/drawing/2014/main" id="{AD3E1235-4DF3-4373-8AC9-313DFF4391FE}"/>
+                  <a16:creationId xmlns:a16="http://schemas.microsoft.com/office/drawing/2014/main" xmlns="" id="{AD3E1235-4DF3-4373-8AC9-313DFF4391FE}"/>
                 </a:ext>
               </a:extLst>
             </p:cNvPr>
@@ -8319,7 +8321,7 @@
             <p:cNvPr id="41" name="Harvey 5/8 [5]" hidden="1">
               <a:extLst>
                 <a:ext uri="{FF2B5EF4-FFF2-40B4-BE49-F238E27FC236}">
-                  <a16:creationId xmlns="" xmlns:a16="http://schemas.microsoft.com/office/drawing/2014/main" id="{8BF8A6EA-3C0F-4BEC-9E2D-1F248EEEABD2}"/>
+                  <a16:creationId xmlns:a16="http://schemas.microsoft.com/office/drawing/2014/main" xmlns="" id="{8BF8A6EA-3C0F-4BEC-9E2D-1F248EEEABD2}"/>
                 </a:ext>
               </a:extLst>
             </p:cNvPr>
@@ -8403,7 +8405,7 @@
             <p:cNvPr id="42" name="Harvey 6/8 [6]" hidden="1">
               <a:extLst>
                 <a:ext uri="{FF2B5EF4-FFF2-40B4-BE49-F238E27FC236}">
-                  <a16:creationId xmlns="" xmlns:a16="http://schemas.microsoft.com/office/drawing/2014/main" id="{A7E1699D-C2C9-48F9-BEC0-3D8C5B055727}"/>
+                  <a16:creationId xmlns:a16="http://schemas.microsoft.com/office/drawing/2014/main" xmlns="" id="{A7E1699D-C2C9-48F9-BEC0-3D8C5B055727}"/>
                 </a:ext>
               </a:extLst>
             </p:cNvPr>
@@ -8487,7 +8489,7 @@
             <p:cNvPr id="43" name="Harvey 7/8 [7]" hidden="1">
               <a:extLst>
                 <a:ext uri="{FF2B5EF4-FFF2-40B4-BE49-F238E27FC236}">
-                  <a16:creationId xmlns="" xmlns:a16="http://schemas.microsoft.com/office/drawing/2014/main" id="{213D2D9C-F255-4E54-BD20-25BA6F87C00F}"/>
+                  <a16:creationId xmlns:a16="http://schemas.microsoft.com/office/drawing/2014/main" xmlns="" id="{213D2D9C-F255-4E54-BD20-25BA6F87C00F}"/>
                 </a:ext>
               </a:extLst>
             </p:cNvPr>
@@ -8571,7 +8573,7 @@
             <p:cNvPr id="44" name="Harvey 8/8 [8]" hidden="1">
               <a:extLst>
                 <a:ext uri="{FF2B5EF4-FFF2-40B4-BE49-F238E27FC236}">
-                  <a16:creationId xmlns="" xmlns:a16="http://schemas.microsoft.com/office/drawing/2014/main" id="{63FF89B9-501F-409A-AF89-BE3274947E6A}"/>
+                  <a16:creationId xmlns:a16="http://schemas.microsoft.com/office/drawing/2014/main" xmlns="" id="{63FF89B9-501F-409A-AF89-BE3274947E6A}"/>
                 </a:ext>
               </a:extLst>
             </p:cNvPr>
@@ -8647,7 +8649,7 @@
           <p:cNvPr id="45" name="Harvey 100" hidden="1">
             <a:extLst>
               <a:ext uri="{FF2B5EF4-FFF2-40B4-BE49-F238E27FC236}">
-                <a16:creationId xmlns="" xmlns:a16="http://schemas.microsoft.com/office/drawing/2014/main" id="{D94805F3-A7EE-4FFF-AAF2-C3DDAB5C2AD2}"/>
+                <a16:creationId xmlns:a16="http://schemas.microsoft.com/office/drawing/2014/main" xmlns="" id="{D94805F3-A7EE-4FFF-AAF2-C3DDAB5C2AD2}"/>
               </a:ext>
             </a:extLst>
           </p:cNvPr>
@@ -8674,7 +8676,7 @@
             <p:cNvPr id="46" name="Harvey 0/100 [0]" hidden="1">
               <a:extLst>
                 <a:ext uri="{FF2B5EF4-FFF2-40B4-BE49-F238E27FC236}">
-                  <a16:creationId xmlns="" xmlns:a16="http://schemas.microsoft.com/office/drawing/2014/main" id="{1D14D670-AEBA-4415-9D77-1EC6D7320163}"/>
+                  <a16:creationId xmlns:a16="http://schemas.microsoft.com/office/drawing/2014/main" xmlns="" id="{1D14D670-AEBA-4415-9D77-1EC6D7320163}"/>
                 </a:ext>
               </a:extLst>
             </p:cNvPr>
@@ -8727,7 +8729,7 @@
             <p:cNvPr id="47" name="Harvey 1/100 [1]">
               <a:extLst>
                 <a:ext uri="{FF2B5EF4-FFF2-40B4-BE49-F238E27FC236}">
-                  <a16:creationId xmlns="" xmlns:a16="http://schemas.microsoft.com/office/drawing/2014/main" id="{E764E7CD-9463-46C9-94A4-93F0B4CBE97E}"/>
+                  <a16:creationId xmlns:a16="http://schemas.microsoft.com/office/drawing/2014/main" xmlns="" id="{E764E7CD-9463-46C9-94A4-93F0B4CBE97E}"/>
                 </a:ext>
               </a:extLst>
             </p:cNvPr>
@@ -8790,7 +8792,7 @@
             <p:cNvPr id="48" name="Harvey 2/100 [2]" hidden="1">
               <a:extLst>
                 <a:ext uri="{FF2B5EF4-FFF2-40B4-BE49-F238E27FC236}">
-                  <a16:creationId xmlns="" xmlns:a16="http://schemas.microsoft.com/office/drawing/2014/main" id="{78BA7683-8535-47F1-A490-5FBF9132363B}"/>
+                  <a16:creationId xmlns:a16="http://schemas.microsoft.com/office/drawing/2014/main" xmlns="" id="{78BA7683-8535-47F1-A490-5FBF9132363B}"/>
                 </a:ext>
               </a:extLst>
             </p:cNvPr>
@@ -8853,7 +8855,7 @@
             <p:cNvPr id="49" name="Harvey 3/100 [3]" hidden="1">
               <a:extLst>
                 <a:ext uri="{FF2B5EF4-FFF2-40B4-BE49-F238E27FC236}">
-                  <a16:creationId xmlns="" xmlns:a16="http://schemas.microsoft.com/office/drawing/2014/main" id="{C8DD9F26-EE6C-4DC9-85E4-6B378D1F1325}"/>
+                  <a16:creationId xmlns:a16="http://schemas.microsoft.com/office/drawing/2014/main" xmlns="" id="{C8DD9F26-EE6C-4DC9-85E4-6B378D1F1325}"/>
                 </a:ext>
               </a:extLst>
             </p:cNvPr>
@@ -8916,7 +8918,7 @@
             <p:cNvPr id="50" name="Harvey 4/100 [4]" hidden="1">
               <a:extLst>
                 <a:ext uri="{FF2B5EF4-FFF2-40B4-BE49-F238E27FC236}">
-                  <a16:creationId xmlns="" xmlns:a16="http://schemas.microsoft.com/office/drawing/2014/main" id="{D26EDC53-45DE-47D6-A92E-68CE8427AB33}"/>
+                  <a16:creationId xmlns:a16="http://schemas.microsoft.com/office/drawing/2014/main" xmlns="" id="{D26EDC53-45DE-47D6-A92E-68CE8427AB33}"/>
                 </a:ext>
               </a:extLst>
             </p:cNvPr>
@@ -8979,7 +8981,7 @@
             <p:cNvPr id="51" name="Harvey 5/100 [5]" hidden="1">
               <a:extLst>
                 <a:ext uri="{FF2B5EF4-FFF2-40B4-BE49-F238E27FC236}">
-                  <a16:creationId xmlns="" xmlns:a16="http://schemas.microsoft.com/office/drawing/2014/main" id="{E6463E6D-F7BF-4903-97B8-BA091985DA0B}"/>
+                  <a16:creationId xmlns:a16="http://schemas.microsoft.com/office/drawing/2014/main" xmlns="" id="{E6463E6D-F7BF-4903-97B8-BA091985DA0B}"/>
                 </a:ext>
               </a:extLst>
             </p:cNvPr>
@@ -9042,7 +9044,7 @@
             <p:cNvPr id="52" name="Harvey 6/100 [6]" hidden="1">
               <a:extLst>
                 <a:ext uri="{FF2B5EF4-FFF2-40B4-BE49-F238E27FC236}">
-                  <a16:creationId xmlns="" xmlns:a16="http://schemas.microsoft.com/office/drawing/2014/main" id="{D5527B60-2B7B-4AE5-873C-CCDCECA52754}"/>
+                  <a16:creationId xmlns:a16="http://schemas.microsoft.com/office/drawing/2014/main" xmlns="" id="{D5527B60-2B7B-4AE5-873C-CCDCECA52754}"/>
                 </a:ext>
               </a:extLst>
             </p:cNvPr>
@@ -9105,7 +9107,7 @@
             <p:cNvPr id="53" name="Harvey 7/100 [7]" hidden="1">
               <a:extLst>
                 <a:ext uri="{FF2B5EF4-FFF2-40B4-BE49-F238E27FC236}">
-                  <a16:creationId xmlns="" xmlns:a16="http://schemas.microsoft.com/office/drawing/2014/main" id="{0D199EDA-3910-4EC5-B7C0-D338D3182922}"/>
+                  <a16:creationId xmlns:a16="http://schemas.microsoft.com/office/drawing/2014/main" xmlns="" id="{0D199EDA-3910-4EC5-B7C0-D338D3182922}"/>
                 </a:ext>
               </a:extLst>
             </p:cNvPr>
@@ -9168,7 +9170,7 @@
             <p:cNvPr id="54" name="Harvey 8/100 [8]" hidden="1">
               <a:extLst>
                 <a:ext uri="{FF2B5EF4-FFF2-40B4-BE49-F238E27FC236}">
-                  <a16:creationId xmlns="" xmlns:a16="http://schemas.microsoft.com/office/drawing/2014/main" id="{69279733-1DB5-41D6-908D-FE5D98D6FB14}"/>
+                  <a16:creationId xmlns:a16="http://schemas.microsoft.com/office/drawing/2014/main" xmlns="" id="{69279733-1DB5-41D6-908D-FE5D98D6FB14}"/>
                 </a:ext>
               </a:extLst>
             </p:cNvPr>
@@ -9231,7 +9233,7 @@
             <p:cNvPr id="55" name="Harvey 9/100 [9]" hidden="1">
               <a:extLst>
                 <a:ext uri="{FF2B5EF4-FFF2-40B4-BE49-F238E27FC236}">
-                  <a16:creationId xmlns="" xmlns:a16="http://schemas.microsoft.com/office/drawing/2014/main" id="{B3A912D3-5F7F-430D-9515-4D97AD1B5D37}"/>
+                  <a16:creationId xmlns:a16="http://schemas.microsoft.com/office/drawing/2014/main" xmlns="" id="{B3A912D3-5F7F-430D-9515-4D97AD1B5D37}"/>
                 </a:ext>
               </a:extLst>
             </p:cNvPr>
@@ -9294,7 +9296,7 @@
             <p:cNvPr id="56" name="Harvey 10/100 [10]" hidden="1">
               <a:extLst>
                 <a:ext uri="{FF2B5EF4-FFF2-40B4-BE49-F238E27FC236}">
-                  <a16:creationId xmlns="" xmlns:a16="http://schemas.microsoft.com/office/drawing/2014/main" id="{4FDA2658-A924-4232-9D3F-1C5F4579C135}"/>
+                  <a16:creationId xmlns:a16="http://schemas.microsoft.com/office/drawing/2014/main" xmlns="" id="{4FDA2658-A924-4232-9D3F-1C5F4579C135}"/>
                 </a:ext>
               </a:extLst>
             </p:cNvPr>
@@ -9357,7 +9359,7 @@
             <p:cNvPr id="57" name="Harvey 11/100 [11]" hidden="1">
               <a:extLst>
                 <a:ext uri="{FF2B5EF4-FFF2-40B4-BE49-F238E27FC236}">
-                  <a16:creationId xmlns="" xmlns:a16="http://schemas.microsoft.com/office/drawing/2014/main" id="{9B6E0B2C-D8F8-41F2-BF2C-2C69EC9B8970}"/>
+                  <a16:creationId xmlns:a16="http://schemas.microsoft.com/office/drawing/2014/main" xmlns="" id="{9B6E0B2C-D8F8-41F2-BF2C-2C69EC9B8970}"/>
                 </a:ext>
               </a:extLst>
             </p:cNvPr>
@@ -9420,7 +9422,7 @@
             <p:cNvPr id="58" name="Harvey 12/100 [12]" hidden="1">
               <a:extLst>
                 <a:ext uri="{FF2B5EF4-FFF2-40B4-BE49-F238E27FC236}">
-                  <a16:creationId xmlns="" xmlns:a16="http://schemas.microsoft.com/office/drawing/2014/main" id="{4CFB8744-0A9A-46BD-931F-A4B55DFBF3A9}"/>
+                  <a16:creationId xmlns:a16="http://schemas.microsoft.com/office/drawing/2014/main" xmlns="" id="{4CFB8744-0A9A-46BD-931F-A4B55DFBF3A9}"/>
                 </a:ext>
               </a:extLst>
             </p:cNvPr>
@@ -9483,7 +9485,7 @@
             <p:cNvPr id="59" name="Harvey 13/100 [13]" hidden="1">
               <a:extLst>
                 <a:ext uri="{FF2B5EF4-FFF2-40B4-BE49-F238E27FC236}">
-                  <a16:creationId xmlns="" xmlns:a16="http://schemas.microsoft.com/office/drawing/2014/main" id="{96963698-4830-42A5-AA50-FDF62F7E678B}"/>
+                  <a16:creationId xmlns:a16="http://schemas.microsoft.com/office/drawing/2014/main" xmlns="" id="{96963698-4830-42A5-AA50-FDF62F7E678B}"/>
                 </a:ext>
               </a:extLst>
             </p:cNvPr>
@@ -9546,7 +9548,7 @@
             <p:cNvPr id="60" name="Harvey 14/100 [14]" hidden="1">
               <a:extLst>
                 <a:ext uri="{FF2B5EF4-FFF2-40B4-BE49-F238E27FC236}">
-                  <a16:creationId xmlns="" xmlns:a16="http://schemas.microsoft.com/office/drawing/2014/main" id="{942412FE-943B-47EB-A373-EEF6E73FBF4C}"/>
+                  <a16:creationId xmlns:a16="http://schemas.microsoft.com/office/drawing/2014/main" xmlns="" id="{942412FE-943B-47EB-A373-EEF6E73FBF4C}"/>
                 </a:ext>
               </a:extLst>
             </p:cNvPr>
@@ -9609,7 +9611,7 @@
             <p:cNvPr id="61" name="Harvey 15/100 [15]" hidden="1">
               <a:extLst>
                 <a:ext uri="{FF2B5EF4-FFF2-40B4-BE49-F238E27FC236}">
-                  <a16:creationId xmlns="" xmlns:a16="http://schemas.microsoft.com/office/drawing/2014/main" id="{D7CC2F42-06DE-4D1A-BD19-2DCE2AB8552C}"/>
+                  <a16:creationId xmlns:a16="http://schemas.microsoft.com/office/drawing/2014/main" xmlns="" id="{D7CC2F42-06DE-4D1A-BD19-2DCE2AB8552C}"/>
                 </a:ext>
               </a:extLst>
             </p:cNvPr>
@@ -9672,7 +9674,7 @@
             <p:cNvPr id="62" name="Harvey 16/100 [16]" hidden="1">
               <a:extLst>
                 <a:ext uri="{FF2B5EF4-FFF2-40B4-BE49-F238E27FC236}">
-                  <a16:creationId xmlns="" xmlns:a16="http://schemas.microsoft.com/office/drawing/2014/main" id="{F098F622-B4C1-4DC7-98BD-E568AB4AA372}"/>
+                  <a16:creationId xmlns:a16="http://schemas.microsoft.com/office/drawing/2014/main" xmlns="" id="{F098F622-B4C1-4DC7-98BD-E568AB4AA372}"/>
                 </a:ext>
               </a:extLst>
             </p:cNvPr>
@@ -9735,7 +9737,7 @@
             <p:cNvPr id="63" name="Harvey 17/100 [17]" hidden="1">
               <a:extLst>
                 <a:ext uri="{FF2B5EF4-FFF2-40B4-BE49-F238E27FC236}">
-                  <a16:creationId xmlns="" xmlns:a16="http://schemas.microsoft.com/office/drawing/2014/main" id="{B5C35ACB-9CFD-416E-BA7D-E5D68A61CED5}"/>
+                  <a16:creationId xmlns:a16="http://schemas.microsoft.com/office/drawing/2014/main" xmlns="" id="{B5C35ACB-9CFD-416E-BA7D-E5D68A61CED5}"/>
                 </a:ext>
               </a:extLst>
             </p:cNvPr>
@@ -9798,7 +9800,7 @@
             <p:cNvPr id="64" name="Harvey 18/100 [18]" hidden="1">
               <a:extLst>
                 <a:ext uri="{FF2B5EF4-FFF2-40B4-BE49-F238E27FC236}">
-                  <a16:creationId xmlns="" xmlns:a16="http://schemas.microsoft.com/office/drawing/2014/main" id="{ED8DA3DA-24BC-4C1E-8A8F-239413B719CF}"/>
+                  <a16:creationId xmlns:a16="http://schemas.microsoft.com/office/drawing/2014/main" xmlns="" id="{ED8DA3DA-24BC-4C1E-8A8F-239413B719CF}"/>
                 </a:ext>
               </a:extLst>
             </p:cNvPr>
@@ -9861,7 +9863,7 @@
             <p:cNvPr id="65" name="Harvey 19/100 [19]" hidden="1">
               <a:extLst>
                 <a:ext uri="{FF2B5EF4-FFF2-40B4-BE49-F238E27FC236}">
-                  <a16:creationId xmlns="" xmlns:a16="http://schemas.microsoft.com/office/drawing/2014/main" id="{FBDAEB8B-C91E-4E8C-B7AE-CBE695B624B8}"/>
+                  <a16:creationId xmlns:a16="http://schemas.microsoft.com/office/drawing/2014/main" xmlns="" id="{FBDAEB8B-C91E-4E8C-B7AE-CBE695B624B8}"/>
                 </a:ext>
               </a:extLst>
             </p:cNvPr>
@@ -9924,7 +9926,7 @@
             <p:cNvPr id="66" name="Harvey 20/100 [20]" hidden="1">
               <a:extLst>
                 <a:ext uri="{FF2B5EF4-FFF2-40B4-BE49-F238E27FC236}">
-                  <a16:creationId xmlns="" xmlns:a16="http://schemas.microsoft.com/office/drawing/2014/main" id="{F4E8434F-7E6D-4C43-8BFE-BC8CD35C6F77}"/>
+                  <a16:creationId xmlns:a16="http://schemas.microsoft.com/office/drawing/2014/main" xmlns="" id="{F4E8434F-7E6D-4C43-8BFE-BC8CD35C6F77}"/>
                 </a:ext>
               </a:extLst>
             </p:cNvPr>
@@ -9987,7 +9989,7 @@
             <p:cNvPr id="67" name="Harvey 21/100 [21]" hidden="1">
               <a:extLst>
                 <a:ext uri="{FF2B5EF4-FFF2-40B4-BE49-F238E27FC236}">
-                  <a16:creationId xmlns="" xmlns:a16="http://schemas.microsoft.com/office/drawing/2014/main" id="{0525B74C-7F5E-41A5-8019-77E38C3EE53B}"/>
+                  <a16:creationId xmlns:a16="http://schemas.microsoft.com/office/drawing/2014/main" xmlns="" id="{0525B74C-7F5E-41A5-8019-77E38C3EE53B}"/>
                 </a:ext>
               </a:extLst>
             </p:cNvPr>
@@ -10050,7 +10052,7 @@
             <p:cNvPr id="68" name="Harvey 22/100 [22]" hidden="1">
               <a:extLst>
                 <a:ext uri="{FF2B5EF4-FFF2-40B4-BE49-F238E27FC236}">
-                  <a16:creationId xmlns="" xmlns:a16="http://schemas.microsoft.com/office/drawing/2014/main" id="{0E583063-EF39-485E-88E6-11BC079BDB62}"/>
+                  <a16:creationId xmlns:a16="http://schemas.microsoft.com/office/drawing/2014/main" xmlns="" id="{0E583063-EF39-485E-88E6-11BC079BDB62}"/>
                 </a:ext>
               </a:extLst>
             </p:cNvPr>
@@ -10113,7 +10115,7 @@
             <p:cNvPr id="69" name="Harvey 23/100 [23]" hidden="1">
               <a:extLst>
                 <a:ext uri="{FF2B5EF4-FFF2-40B4-BE49-F238E27FC236}">
-                  <a16:creationId xmlns="" xmlns:a16="http://schemas.microsoft.com/office/drawing/2014/main" id="{2A232550-D22F-47E1-8415-B5D4714799F6}"/>
+                  <a16:creationId xmlns:a16="http://schemas.microsoft.com/office/drawing/2014/main" xmlns="" id="{2A232550-D22F-47E1-8415-B5D4714799F6}"/>
                 </a:ext>
               </a:extLst>
             </p:cNvPr>
@@ -10176,7 +10178,7 @@
             <p:cNvPr id="70" name="Harvey 24/100 [24]" hidden="1">
               <a:extLst>
                 <a:ext uri="{FF2B5EF4-FFF2-40B4-BE49-F238E27FC236}">
-                  <a16:creationId xmlns="" xmlns:a16="http://schemas.microsoft.com/office/drawing/2014/main" id="{9FD9F56A-D0A2-41E4-94E8-6F7BCC8C8D13}"/>
+                  <a16:creationId xmlns:a16="http://schemas.microsoft.com/office/drawing/2014/main" xmlns="" id="{9FD9F56A-D0A2-41E4-94E8-6F7BCC8C8D13}"/>
                 </a:ext>
               </a:extLst>
             </p:cNvPr>
@@ -10239,7 +10241,7 @@
             <p:cNvPr id="71" name="Harvey 25/100 [25]" hidden="1">
               <a:extLst>
                 <a:ext uri="{FF2B5EF4-FFF2-40B4-BE49-F238E27FC236}">
-                  <a16:creationId xmlns="" xmlns:a16="http://schemas.microsoft.com/office/drawing/2014/main" id="{7B7318B9-A301-4483-8BF3-EFDFD8A5CCE4}"/>
+                  <a16:creationId xmlns:a16="http://schemas.microsoft.com/office/drawing/2014/main" xmlns="" id="{7B7318B9-A301-4483-8BF3-EFDFD8A5CCE4}"/>
                 </a:ext>
               </a:extLst>
             </p:cNvPr>
@@ -10302,7 +10304,7 @@
             <p:cNvPr id="72" name="Harvey 26/100 [26]" hidden="1">
               <a:extLst>
                 <a:ext uri="{FF2B5EF4-FFF2-40B4-BE49-F238E27FC236}">
-                  <a16:creationId xmlns="" xmlns:a16="http://schemas.microsoft.com/office/drawing/2014/main" id="{3014F56C-E7E8-453B-A98E-0D132466A013}"/>
+                  <a16:creationId xmlns:a16="http://schemas.microsoft.com/office/drawing/2014/main" xmlns="" id="{3014F56C-E7E8-453B-A98E-0D132466A013}"/>
                 </a:ext>
               </a:extLst>
             </p:cNvPr>
@@ -10365,7 +10367,7 @@
             <p:cNvPr id="73" name="Harvey 27/100 [27]" hidden="1">
               <a:extLst>
                 <a:ext uri="{FF2B5EF4-FFF2-40B4-BE49-F238E27FC236}">
-                  <a16:creationId xmlns="" xmlns:a16="http://schemas.microsoft.com/office/drawing/2014/main" id="{0BF5B0CB-4D79-4B4C-BAEC-6C62BBD7E856}"/>
+                  <a16:creationId xmlns:a16="http://schemas.microsoft.com/office/drawing/2014/main" xmlns="" id="{0BF5B0CB-4D79-4B4C-BAEC-6C62BBD7E856}"/>
                 </a:ext>
               </a:extLst>
             </p:cNvPr>
@@ -10428,7 +10430,7 @@
             <p:cNvPr id="74" name="Harvey 28/100 [28]" hidden="1">
               <a:extLst>
                 <a:ext uri="{FF2B5EF4-FFF2-40B4-BE49-F238E27FC236}">
-                  <a16:creationId xmlns="" xmlns:a16="http://schemas.microsoft.com/office/drawing/2014/main" id="{49ABB409-6ECE-45FE-AC6A-8FDEA5AAF72F}"/>
+                  <a16:creationId xmlns:a16="http://schemas.microsoft.com/office/drawing/2014/main" xmlns="" id="{49ABB409-6ECE-45FE-AC6A-8FDEA5AAF72F}"/>
                 </a:ext>
               </a:extLst>
             </p:cNvPr>
@@ -10491,7 +10493,7 @@
             <p:cNvPr id="75" name="Harvey 29/100 [29]" hidden="1">
               <a:extLst>
                 <a:ext uri="{FF2B5EF4-FFF2-40B4-BE49-F238E27FC236}">
-                  <a16:creationId xmlns="" xmlns:a16="http://schemas.microsoft.com/office/drawing/2014/main" id="{FBA17C7E-2A69-4346-BEF7-A34412349269}"/>
+                  <a16:creationId xmlns:a16="http://schemas.microsoft.com/office/drawing/2014/main" xmlns="" id="{FBA17C7E-2A69-4346-BEF7-A34412349269}"/>
                 </a:ext>
               </a:extLst>
             </p:cNvPr>
@@ -10554,7 +10556,7 @@
             <p:cNvPr id="76" name="Harvey 30/100 [30]" hidden="1">
               <a:extLst>
                 <a:ext uri="{FF2B5EF4-FFF2-40B4-BE49-F238E27FC236}">
-                  <a16:creationId xmlns="" xmlns:a16="http://schemas.microsoft.com/office/drawing/2014/main" id="{165D0565-6CAF-4627-87E7-C3BBEE4F526D}"/>
+                  <a16:creationId xmlns:a16="http://schemas.microsoft.com/office/drawing/2014/main" xmlns="" id="{165D0565-6CAF-4627-87E7-C3BBEE4F526D}"/>
                 </a:ext>
               </a:extLst>
             </p:cNvPr>
@@ -10617,7 +10619,7 @@
             <p:cNvPr id="77" name="Harvey 31/100 [31]" hidden="1">
               <a:extLst>
                 <a:ext uri="{FF2B5EF4-FFF2-40B4-BE49-F238E27FC236}">
-                  <a16:creationId xmlns="" xmlns:a16="http://schemas.microsoft.com/office/drawing/2014/main" id="{B42DA70A-55BE-4CFF-8736-D1EDF4BE453C}"/>
+                  <a16:creationId xmlns:a16="http://schemas.microsoft.com/office/drawing/2014/main" xmlns="" id="{B42DA70A-55BE-4CFF-8736-D1EDF4BE453C}"/>
                 </a:ext>
               </a:extLst>
             </p:cNvPr>
@@ -10680,7 +10682,7 @@
             <p:cNvPr id="78" name="Harvey 32/100 [32]" hidden="1">
               <a:extLst>
                 <a:ext uri="{FF2B5EF4-FFF2-40B4-BE49-F238E27FC236}">
-                  <a16:creationId xmlns="" xmlns:a16="http://schemas.microsoft.com/office/drawing/2014/main" id="{FF7F0838-EE49-4A35-9395-0D43E8AF809D}"/>
+                  <a16:creationId xmlns:a16="http://schemas.microsoft.com/office/drawing/2014/main" xmlns="" id="{FF7F0838-EE49-4A35-9395-0D43E8AF809D}"/>
                 </a:ext>
               </a:extLst>
             </p:cNvPr>
@@ -10743,7 +10745,7 @@
             <p:cNvPr id="79" name="Harvey 33/100 [33]" hidden="1">
               <a:extLst>
                 <a:ext uri="{FF2B5EF4-FFF2-40B4-BE49-F238E27FC236}">
-                  <a16:creationId xmlns="" xmlns:a16="http://schemas.microsoft.com/office/drawing/2014/main" id="{87702330-AC5C-4532-88AD-BB2189C48CA5}"/>
+                  <a16:creationId xmlns:a16="http://schemas.microsoft.com/office/drawing/2014/main" xmlns="" id="{87702330-AC5C-4532-88AD-BB2189C48CA5}"/>
                 </a:ext>
               </a:extLst>
             </p:cNvPr>
@@ -10806,7 +10808,7 @@
             <p:cNvPr id="80" name="Harvey 34/100 [34]" hidden="1">
               <a:extLst>
                 <a:ext uri="{FF2B5EF4-FFF2-40B4-BE49-F238E27FC236}">
-                  <a16:creationId xmlns="" xmlns:a16="http://schemas.microsoft.com/office/drawing/2014/main" id="{5FD38D65-251C-45B0-871E-287881F7EFAA}"/>
+                  <a16:creationId xmlns:a16="http://schemas.microsoft.com/office/drawing/2014/main" xmlns="" id="{5FD38D65-251C-45B0-871E-287881F7EFAA}"/>
                 </a:ext>
               </a:extLst>
             </p:cNvPr>
@@ -10869,7 +10871,7 @@
             <p:cNvPr id="81" name="Harvey 35/100 [35]" hidden="1">
               <a:extLst>
                 <a:ext uri="{FF2B5EF4-FFF2-40B4-BE49-F238E27FC236}">
-                  <a16:creationId xmlns="" xmlns:a16="http://schemas.microsoft.com/office/drawing/2014/main" id="{503C9B02-550C-456A-BB0B-314EF64C1DF9}"/>
+                  <a16:creationId xmlns:a16="http://schemas.microsoft.com/office/drawing/2014/main" xmlns="" id="{503C9B02-550C-456A-BB0B-314EF64C1DF9}"/>
                 </a:ext>
               </a:extLst>
             </p:cNvPr>
@@ -10932,7 +10934,7 @@
             <p:cNvPr id="82" name="Harvey 36/100 [36]" hidden="1">
               <a:extLst>
                 <a:ext uri="{FF2B5EF4-FFF2-40B4-BE49-F238E27FC236}">
-                  <a16:creationId xmlns="" xmlns:a16="http://schemas.microsoft.com/office/drawing/2014/main" id="{953ED935-1EB5-4E2C-A911-29713CD3B048}"/>
+                  <a16:creationId xmlns:a16="http://schemas.microsoft.com/office/drawing/2014/main" xmlns="" id="{953ED935-1EB5-4E2C-A911-29713CD3B048}"/>
                 </a:ext>
               </a:extLst>
             </p:cNvPr>
@@ -10995,7 +10997,7 @@
             <p:cNvPr id="83" name="Harvey 37/100 [37]" hidden="1">
               <a:extLst>
                 <a:ext uri="{FF2B5EF4-FFF2-40B4-BE49-F238E27FC236}">
-                  <a16:creationId xmlns="" xmlns:a16="http://schemas.microsoft.com/office/drawing/2014/main" id="{5918D091-D8DC-494C-B0EE-71FA13BD81BF}"/>
+                  <a16:creationId xmlns:a16="http://schemas.microsoft.com/office/drawing/2014/main" xmlns="" id="{5918D091-D8DC-494C-B0EE-71FA13BD81BF}"/>
                 </a:ext>
               </a:extLst>
             </p:cNvPr>
@@ -11058,7 +11060,7 @@
             <p:cNvPr id="84" name="Harvey 38/100 [38]" hidden="1">
               <a:extLst>
                 <a:ext uri="{FF2B5EF4-FFF2-40B4-BE49-F238E27FC236}">
-                  <a16:creationId xmlns="" xmlns:a16="http://schemas.microsoft.com/office/drawing/2014/main" id="{C5646576-1CCD-4DC0-BC6F-BAB950E5FBDC}"/>
+                  <a16:creationId xmlns:a16="http://schemas.microsoft.com/office/drawing/2014/main" xmlns="" id="{C5646576-1CCD-4DC0-BC6F-BAB950E5FBDC}"/>
                 </a:ext>
               </a:extLst>
             </p:cNvPr>
@@ -11121,7 +11123,7 @@
             <p:cNvPr id="85" name="Harvey 39/100 [39]" hidden="1">
               <a:extLst>
                 <a:ext uri="{FF2B5EF4-FFF2-40B4-BE49-F238E27FC236}">
-                  <a16:creationId xmlns="" xmlns:a16="http://schemas.microsoft.com/office/drawing/2014/main" id="{43BBCDD1-AD79-4B08-B783-BF1617A00B97}"/>
+                  <a16:creationId xmlns:a16="http://schemas.microsoft.com/office/drawing/2014/main" xmlns="" id="{43BBCDD1-AD79-4B08-B783-BF1617A00B97}"/>
                 </a:ext>
               </a:extLst>
             </p:cNvPr>
@@ -11184,7 +11186,7 @@
             <p:cNvPr id="86" name="Harvey 40/100 [40]" hidden="1">
               <a:extLst>
                 <a:ext uri="{FF2B5EF4-FFF2-40B4-BE49-F238E27FC236}">
-                  <a16:creationId xmlns="" xmlns:a16="http://schemas.microsoft.com/office/drawing/2014/main" id="{FBD69947-0130-431E-8709-ACDACE7C76A1}"/>
+                  <a16:creationId xmlns:a16="http://schemas.microsoft.com/office/drawing/2014/main" xmlns="" id="{FBD69947-0130-431E-8709-ACDACE7C76A1}"/>
                 </a:ext>
               </a:extLst>
             </p:cNvPr>
@@ -11247,7 +11249,7 @@
             <p:cNvPr id="87" name="Harvey 41/100 [41]" hidden="1">
               <a:extLst>
                 <a:ext uri="{FF2B5EF4-FFF2-40B4-BE49-F238E27FC236}">
-                  <a16:creationId xmlns="" xmlns:a16="http://schemas.microsoft.com/office/drawing/2014/main" id="{19F896B1-2EFB-4D7D-9C60-E0010E0CE120}"/>
+                  <a16:creationId xmlns:a16="http://schemas.microsoft.com/office/drawing/2014/main" xmlns="" id="{19F896B1-2EFB-4D7D-9C60-E0010E0CE120}"/>
                 </a:ext>
               </a:extLst>
             </p:cNvPr>
@@ -11310,7 +11312,7 @@
             <p:cNvPr id="88" name="Harvey 42/100 [42]" hidden="1">
               <a:extLst>
                 <a:ext uri="{FF2B5EF4-FFF2-40B4-BE49-F238E27FC236}">
-                  <a16:creationId xmlns="" xmlns:a16="http://schemas.microsoft.com/office/drawing/2014/main" id="{ECD99131-7A62-470B-B8BD-44C8B327F3C8}"/>
+                  <a16:creationId xmlns:a16="http://schemas.microsoft.com/office/drawing/2014/main" xmlns="" id="{ECD99131-7A62-470B-B8BD-44C8B327F3C8}"/>
                 </a:ext>
               </a:extLst>
             </p:cNvPr>
@@ -11373,7 +11375,7 @@
             <p:cNvPr id="89" name="Harvey 43/100 [43]" hidden="1">
               <a:extLst>
                 <a:ext uri="{FF2B5EF4-FFF2-40B4-BE49-F238E27FC236}">
-                  <a16:creationId xmlns="" xmlns:a16="http://schemas.microsoft.com/office/drawing/2014/main" id="{21AA2965-A9A1-44F6-A49E-79E9DB6218A3}"/>
+                  <a16:creationId xmlns:a16="http://schemas.microsoft.com/office/drawing/2014/main" xmlns="" id="{21AA2965-A9A1-44F6-A49E-79E9DB6218A3}"/>
                 </a:ext>
               </a:extLst>
             </p:cNvPr>
@@ -11436,7 +11438,7 @@
             <p:cNvPr id="90" name="Harvey 44/100 [44]" hidden="1">
               <a:extLst>
                 <a:ext uri="{FF2B5EF4-FFF2-40B4-BE49-F238E27FC236}">
-                  <a16:creationId xmlns="" xmlns:a16="http://schemas.microsoft.com/office/drawing/2014/main" id="{61364AF6-A2B9-4E7C-AE49-BED73EE8811E}"/>
+                  <a16:creationId xmlns:a16="http://schemas.microsoft.com/office/drawing/2014/main" xmlns="" id="{61364AF6-A2B9-4E7C-AE49-BED73EE8811E}"/>
                 </a:ext>
               </a:extLst>
             </p:cNvPr>
@@ -11499,7 +11501,7 @@
             <p:cNvPr id="91" name="Harvey 45/100 [45]" hidden="1">
               <a:extLst>
                 <a:ext uri="{FF2B5EF4-FFF2-40B4-BE49-F238E27FC236}">
-                  <a16:creationId xmlns="" xmlns:a16="http://schemas.microsoft.com/office/drawing/2014/main" id="{F4DA7081-2CE2-4F5D-8ED2-265245095769}"/>
+                  <a16:creationId xmlns:a16="http://schemas.microsoft.com/office/drawing/2014/main" xmlns="" id="{F4DA7081-2CE2-4F5D-8ED2-265245095769}"/>
                 </a:ext>
               </a:extLst>
             </p:cNvPr>
@@ -11562,7 +11564,7 @@
             <p:cNvPr id="92" name="Harvey 46/100 [46]" hidden="1">
               <a:extLst>
                 <a:ext uri="{FF2B5EF4-FFF2-40B4-BE49-F238E27FC236}">
-                  <a16:creationId xmlns="" xmlns:a16="http://schemas.microsoft.com/office/drawing/2014/main" id="{1E3430D9-0557-4389-ADFE-3944D4EC7876}"/>
+                  <a16:creationId xmlns:a16="http://schemas.microsoft.com/office/drawing/2014/main" xmlns="" id="{1E3430D9-0557-4389-ADFE-3944D4EC7876}"/>
                 </a:ext>
               </a:extLst>
             </p:cNvPr>
@@ -11625,7 +11627,7 @@
             <p:cNvPr id="93" name="Harvey 47/100 [47]" hidden="1">
               <a:extLst>
                 <a:ext uri="{FF2B5EF4-FFF2-40B4-BE49-F238E27FC236}">
-                  <a16:creationId xmlns="" xmlns:a16="http://schemas.microsoft.com/office/drawing/2014/main" id="{C2AB3DBC-D2BF-4843-9796-7D0E60902CF7}"/>
+                  <a16:creationId xmlns:a16="http://schemas.microsoft.com/office/drawing/2014/main" xmlns="" id="{C2AB3DBC-D2BF-4843-9796-7D0E60902CF7}"/>
                 </a:ext>
               </a:extLst>
             </p:cNvPr>
@@ -11688,7 +11690,7 @@
             <p:cNvPr id="94" name="Harvey 48/100 [48]" hidden="1">
               <a:extLst>
                 <a:ext uri="{FF2B5EF4-FFF2-40B4-BE49-F238E27FC236}">
-                  <a16:creationId xmlns="" xmlns:a16="http://schemas.microsoft.com/office/drawing/2014/main" id="{2AC7D3A9-B130-4B73-9F84-FF65EFA90A0D}"/>
+                  <a16:creationId xmlns:a16="http://schemas.microsoft.com/office/drawing/2014/main" xmlns="" id="{2AC7D3A9-B130-4B73-9F84-FF65EFA90A0D}"/>
                 </a:ext>
               </a:extLst>
             </p:cNvPr>
@@ -11751,7 +11753,7 @@
             <p:cNvPr id="95" name="Harvey 49/100 [49]" hidden="1">
               <a:extLst>
                 <a:ext uri="{FF2B5EF4-FFF2-40B4-BE49-F238E27FC236}">
-                  <a16:creationId xmlns="" xmlns:a16="http://schemas.microsoft.com/office/drawing/2014/main" id="{76F82ED8-AE15-4CE2-AE95-FB2705CFE145}"/>
+                  <a16:creationId xmlns:a16="http://schemas.microsoft.com/office/drawing/2014/main" xmlns="" id="{76F82ED8-AE15-4CE2-AE95-FB2705CFE145}"/>
                 </a:ext>
               </a:extLst>
             </p:cNvPr>
@@ -11814,7 +11816,7 @@
             <p:cNvPr id="96" name="Harvey 50/100 [50]" hidden="1">
               <a:extLst>
                 <a:ext uri="{FF2B5EF4-FFF2-40B4-BE49-F238E27FC236}">
-                  <a16:creationId xmlns="" xmlns:a16="http://schemas.microsoft.com/office/drawing/2014/main" id="{0F5708D1-8782-4940-9E21-BC00FDE19AFB}"/>
+                  <a16:creationId xmlns:a16="http://schemas.microsoft.com/office/drawing/2014/main" xmlns="" id="{0F5708D1-8782-4940-9E21-BC00FDE19AFB}"/>
                 </a:ext>
               </a:extLst>
             </p:cNvPr>
@@ -11877,7 +11879,7 @@
             <p:cNvPr id="97" name="Harvey 51/100 [51]" hidden="1">
               <a:extLst>
                 <a:ext uri="{FF2B5EF4-FFF2-40B4-BE49-F238E27FC236}">
-                  <a16:creationId xmlns="" xmlns:a16="http://schemas.microsoft.com/office/drawing/2014/main" id="{0B776587-2FA8-4FFE-A7AE-ADF1F94E851E}"/>
+                  <a16:creationId xmlns:a16="http://schemas.microsoft.com/office/drawing/2014/main" xmlns="" id="{0B776587-2FA8-4FFE-A7AE-ADF1F94E851E}"/>
                 </a:ext>
               </a:extLst>
             </p:cNvPr>
@@ -11940,7 +11942,7 @@
             <p:cNvPr id="98" name="Harvey 52/100 [52]" hidden="1">
               <a:extLst>
                 <a:ext uri="{FF2B5EF4-FFF2-40B4-BE49-F238E27FC236}">
-                  <a16:creationId xmlns="" xmlns:a16="http://schemas.microsoft.com/office/drawing/2014/main" id="{4CB93FD3-AC02-49BD-AA12-9527870B4947}"/>
+                  <a16:creationId xmlns:a16="http://schemas.microsoft.com/office/drawing/2014/main" xmlns="" id="{4CB93FD3-AC02-49BD-AA12-9527870B4947}"/>
                 </a:ext>
               </a:extLst>
             </p:cNvPr>
@@ -12003,7 +12005,7 @@
             <p:cNvPr id="99" name="Harvey 53/100 [53]" hidden="1">
               <a:extLst>
                 <a:ext uri="{FF2B5EF4-FFF2-40B4-BE49-F238E27FC236}">
-                  <a16:creationId xmlns="" xmlns:a16="http://schemas.microsoft.com/office/drawing/2014/main" id="{C9329281-7BF4-45CD-B669-19DF36280803}"/>
+                  <a16:creationId xmlns:a16="http://schemas.microsoft.com/office/drawing/2014/main" xmlns="" id="{C9329281-7BF4-45CD-B669-19DF36280803}"/>
                 </a:ext>
               </a:extLst>
             </p:cNvPr>
@@ -12066,7 +12068,7 @@
             <p:cNvPr id="103" name="Harvey 54/100 [54]" hidden="1">
               <a:extLst>
                 <a:ext uri="{FF2B5EF4-FFF2-40B4-BE49-F238E27FC236}">
-                  <a16:creationId xmlns="" xmlns:a16="http://schemas.microsoft.com/office/drawing/2014/main" id="{C596C32B-3CC3-400F-8135-D4641E94B8C1}"/>
+                  <a16:creationId xmlns:a16="http://schemas.microsoft.com/office/drawing/2014/main" xmlns="" id="{C596C32B-3CC3-400F-8135-D4641E94B8C1}"/>
                 </a:ext>
               </a:extLst>
             </p:cNvPr>
@@ -12129,7 +12131,7 @@
             <p:cNvPr id="104" name="Harvey 55/100 [55]" hidden="1">
               <a:extLst>
                 <a:ext uri="{FF2B5EF4-FFF2-40B4-BE49-F238E27FC236}">
-                  <a16:creationId xmlns="" xmlns:a16="http://schemas.microsoft.com/office/drawing/2014/main" id="{85868E47-BD77-4D70-B1CE-F24D05947DD0}"/>
+                  <a16:creationId xmlns:a16="http://schemas.microsoft.com/office/drawing/2014/main" xmlns="" id="{85868E47-BD77-4D70-B1CE-F24D05947DD0}"/>
                 </a:ext>
               </a:extLst>
             </p:cNvPr>
@@ -12192,7 +12194,7 @@
             <p:cNvPr id="105" name="Harvey 56/100 [56]" hidden="1">
               <a:extLst>
                 <a:ext uri="{FF2B5EF4-FFF2-40B4-BE49-F238E27FC236}">
-                  <a16:creationId xmlns="" xmlns:a16="http://schemas.microsoft.com/office/drawing/2014/main" id="{ECDD5E69-A62E-4FF5-8C41-B4EBA953E81F}"/>
+                  <a16:creationId xmlns:a16="http://schemas.microsoft.com/office/drawing/2014/main" xmlns="" id="{ECDD5E69-A62E-4FF5-8C41-B4EBA953E81F}"/>
                 </a:ext>
               </a:extLst>
             </p:cNvPr>
@@ -12255,7 +12257,7 @@
             <p:cNvPr id="106" name="Harvey 57/100 [57]" hidden="1">
               <a:extLst>
                 <a:ext uri="{FF2B5EF4-FFF2-40B4-BE49-F238E27FC236}">
-                  <a16:creationId xmlns="" xmlns:a16="http://schemas.microsoft.com/office/drawing/2014/main" id="{9C3E5B74-E098-40C0-A583-9B7A12E57448}"/>
+                  <a16:creationId xmlns:a16="http://schemas.microsoft.com/office/drawing/2014/main" xmlns="" id="{9C3E5B74-E098-40C0-A583-9B7A12E57448}"/>
                 </a:ext>
               </a:extLst>
             </p:cNvPr>
@@ -12318,7 +12320,7 @@
             <p:cNvPr id="107" name="Harvey 58/100 [58]" hidden="1">
               <a:extLst>
                 <a:ext uri="{FF2B5EF4-FFF2-40B4-BE49-F238E27FC236}">
-                  <a16:creationId xmlns="" xmlns:a16="http://schemas.microsoft.com/office/drawing/2014/main" id="{F574152B-993B-425C-8B43-74A42FFBA2C7}"/>
+                  <a16:creationId xmlns:a16="http://schemas.microsoft.com/office/drawing/2014/main" xmlns="" id="{F574152B-993B-425C-8B43-74A42FFBA2C7}"/>
                 </a:ext>
               </a:extLst>
             </p:cNvPr>
@@ -12381,7 +12383,7 @@
             <p:cNvPr id="108" name="Harvey 59/100 [59]" hidden="1">
               <a:extLst>
                 <a:ext uri="{FF2B5EF4-FFF2-40B4-BE49-F238E27FC236}">
-                  <a16:creationId xmlns="" xmlns:a16="http://schemas.microsoft.com/office/drawing/2014/main" id="{8A01AD4D-B6E2-4781-A14D-EF8BA08E0318}"/>
+                  <a16:creationId xmlns:a16="http://schemas.microsoft.com/office/drawing/2014/main" xmlns="" id="{8A01AD4D-B6E2-4781-A14D-EF8BA08E0318}"/>
                 </a:ext>
               </a:extLst>
             </p:cNvPr>
@@ -12444,7 +12446,7 @@
             <p:cNvPr id="109" name="Harvey 60/100 [60]" hidden="1">
               <a:extLst>
                 <a:ext uri="{FF2B5EF4-FFF2-40B4-BE49-F238E27FC236}">
-                  <a16:creationId xmlns="" xmlns:a16="http://schemas.microsoft.com/office/drawing/2014/main" id="{BA864186-64B8-414E-81B7-6FD9F84A6DA0}"/>
+                  <a16:creationId xmlns:a16="http://schemas.microsoft.com/office/drawing/2014/main" xmlns="" id="{BA864186-64B8-414E-81B7-6FD9F84A6DA0}"/>
                 </a:ext>
               </a:extLst>
             </p:cNvPr>
@@ -12507,7 +12509,7 @@
             <p:cNvPr id="110" name="Harvey 61/100 [61]" hidden="1">
               <a:extLst>
                 <a:ext uri="{FF2B5EF4-FFF2-40B4-BE49-F238E27FC236}">
-                  <a16:creationId xmlns="" xmlns:a16="http://schemas.microsoft.com/office/drawing/2014/main" id="{2448225B-0253-4E57-A74A-4593FBE05787}"/>
+                  <a16:creationId xmlns:a16="http://schemas.microsoft.com/office/drawing/2014/main" xmlns="" id="{2448225B-0253-4E57-A74A-4593FBE05787}"/>
                 </a:ext>
               </a:extLst>
             </p:cNvPr>
@@ -12570,7 +12572,7 @@
             <p:cNvPr id="111" name="Harvey 62/100 [62]" hidden="1">
               <a:extLst>
                 <a:ext uri="{FF2B5EF4-FFF2-40B4-BE49-F238E27FC236}">
-                  <a16:creationId xmlns="" xmlns:a16="http://schemas.microsoft.com/office/drawing/2014/main" id="{7DE8FA27-EEAA-4897-BD9B-A489DE50FC37}"/>
+                  <a16:creationId xmlns:a16="http://schemas.microsoft.com/office/drawing/2014/main" xmlns="" id="{7DE8FA27-EEAA-4897-BD9B-A489DE50FC37}"/>
                 </a:ext>
               </a:extLst>
             </p:cNvPr>
@@ -12633,7 +12635,7 @@
             <p:cNvPr id="112" name="Harvey 63/100 [63]" hidden="1">
               <a:extLst>
                 <a:ext uri="{FF2B5EF4-FFF2-40B4-BE49-F238E27FC236}">
-                  <a16:creationId xmlns="" xmlns:a16="http://schemas.microsoft.com/office/drawing/2014/main" id="{3A55B80D-FCED-4C8D-A574-580654EA0C63}"/>
+                  <a16:creationId xmlns:a16="http://schemas.microsoft.com/office/drawing/2014/main" xmlns="" id="{3A55B80D-FCED-4C8D-A574-580654EA0C63}"/>
                 </a:ext>
               </a:extLst>
             </p:cNvPr>
@@ -12696,7 +12698,7 @@
             <p:cNvPr id="113" name="Harvey 64/100 [64]" hidden="1">
               <a:extLst>
                 <a:ext uri="{FF2B5EF4-FFF2-40B4-BE49-F238E27FC236}">
-                  <a16:creationId xmlns="" xmlns:a16="http://schemas.microsoft.com/office/drawing/2014/main" id="{DE2BA7FC-5E67-4778-B3EA-E57E40F232F9}"/>
+                  <a16:creationId xmlns:a16="http://schemas.microsoft.com/office/drawing/2014/main" xmlns="" id="{DE2BA7FC-5E67-4778-B3EA-E57E40F232F9}"/>
                 </a:ext>
               </a:extLst>
             </p:cNvPr>
@@ -12759,7 +12761,7 @@
             <p:cNvPr id="114" name="Harvey 65/100 [65]" hidden="1">
               <a:extLst>
                 <a:ext uri="{FF2B5EF4-FFF2-40B4-BE49-F238E27FC236}">
-                  <a16:creationId xmlns="" xmlns:a16="http://schemas.microsoft.com/office/drawing/2014/main" id="{1BC4FEEA-A049-42BA-8A85-3FA527CE44F3}"/>
+                  <a16:creationId xmlns:a16="http://schemas.microsoft.com/office/drawing/2014/main" xmlns="" id="{1BC4FEEA-A049-42BA-8A85-3FA527CE44F3}"/>
                 </a:ext>
               </a:extLst>
             </p:cNvPr>
@@ -12822,7 +12824,7 @@
             <p:cNvPr id="115" name="Harvey 66/100 [66]" hidden="1">
               <a:extLst>
                 <a:ext uri="{FF2B5EF4-FFF2-40B4-BE49-F238E27FC236}">
-                  <a16:creationId xmlns="" xmlns:a16="http://schemas.microsoft.com/office/drawing/2014/main" id="{8EEC36E9-4BB7-4E3A-AB04-C9B999F245D4}"/>
+                  <a16:creationId xmlns:a16="http://schemas.microsoft.com/office/drawing/2014/main" xmlns="" id="{8EEC36E9-4BB7-4E3A-AB04-C9B999F245D4}"/>
                 </a:ext>
               </a:extLst>
             </p:cNvPr>
@@ -12885,7 +12887,7 @@
             <p:cNvPr id="116" name="Harvey 67/100 [67]" hidden="1">
               <a:extLst>
                 <a:ext uri="{FF2B5EF4-FFF2-40B4-BE49-F238E27FC236}">
-                  <a16:creationId xmlns="" xmlns:a16="http://schemas.microsoft.com/office/drawing/2014/main" id="{1918EC99-6D63-4DC5-9581-9847CE300E96}"/>
+                  <a16:creationId xmlns:a16="http://schemas.microsoft.com/office/drawing/2014/main" xmlns="" id="{1918EC99-6D63-4DC5-9581-9847CE300E96}"/>
                 </a:ext>
               </a:extLst>
             </p:cNvPr>
@@ -12948,7 +12950,7 @@
             <p:cNvPr id="117" name="Harvey 68/100 [68]" hidden="1">
               <a:extLst>
                 <a:ext uri="{FF2B5EF4-FFF2-40B4-BE49-F238E27FC236}">
-                  <a16:creationId xmlns="" xmlns:a16="http://schemas.microsoft.com/office/drawing/2014/main" id="{98FD403B-93AA-46DE-B8B3-99F8593103FE}"/>
+                  <a16:creationId xmlns:a16="http://schemas.microsoft.com/office/drawing/2014/main" xmlns="" id="{98FD403B-93AA-46DE-B8B3-99F8593103FE}"/>
                 </a:ext>
               </a:extLst>
             </p:cNvPr>
@@ -13011,7 +13013,7 @@
             <p:cNvPr id="118" name="Harvey 69/100 [69]" hidden="1">
               <a:extLst>
                 <a:ext uri="{FF2B5EF4-FFF2-40B4-BE49-F238E27FC236}">
-                  <a16:creationId xmlns="" xmlns:a16="http://schemas.microsoft.com/office/drawing/2014/main" id="{6C8DECE9-B870-4CD9-8D6A-D208A64E9DE1}"/>
+                  <a16:creationId xmlns:a16="http://schemas.microsoft.com/office/drawing/2014/main" xmlns="" id="{6C8DECE9-B870-4CD9-8D6A-D208A64E9DE1}"/>
                 </a:ext>
               </a:extLst>
             </p:cNvPr>
@@ -13074,7 +13076,7 @@
             <p:cNvPr id="119" name="Harvey 70/100 [70]" hidden="1">
               <a:extLst>
                 <a:ext uri="{FF2B5EF4-FFF2-40B4-BE49-F238E27FC236}">
-                  <a16:creationId xmlns="" xmlns:a16="http://schemas.microsoft.com/office/drawing/2014/main" id="{3A174A8A-46C9-4698-908B-F2EE9A649FF0}"/>
+                  <a16:creationId xmlns:a16="http://schemas.microsoft.com/office/drawing/2014/main" xmlns="" id="{3A174A8A-46C9-4698-908B-F2EE9A649FF0}"/>
                 </a:ext>
               </a:extLst>
             </p:cNvPr>
@@ -13137,7 +13139,7 @@
             <p:cNvPr id="120" name="Harvey 71/100 [71]" hidden="1">
               <a:extLst>
                 <a:ext uri="{FF2B5EF4-FFF2-40B4-BE49-F238E27FC236}">
-                  <a16:creationId xmlns="" xmlns:a16="http://schemas.microsoft.com/office/drawing/2014/main" id="{3742BAD9-0BA8-495E-A141-9D283423D14D}"/>
+                  <a16:creationId xmlns:a16="http://schemas.microsoft.com/office/drawing/2014/main" xmlns="" id="{3742BAD9-0BA8-495E-A141-9D283423D14D}"/>
                 </a:ext>
               </a:extLst>
             </p:cNvPr>
@@ -13200,7 +13202,7 @@
             <p:cNvPr id="121" name="Harvey 72/100 [72]" hidden="1">
               <a:extLst>
                 <a:ext uri="{FF2B5EF4-FFF2-40B4-BE49-F238E27FC236}">
-                  <a16:creationId xmlns="" xmlns:a16="http://schemas.microsoft.com/office/drawing/2014/main" id="{9FCA97B7-6D15-469C-BDA6-65EE36FC2421}"/>
+                  <a16:creationId xmlns:a16="http://schemas.microsoft.com/office/drawing/2014/main" xmlns="" id="{9FCA97B7-6D15-469C-BDA6-65EE36FC2421}"/>
                 </a:ext>
               </a:extLst>
             </p:cNvPr>
@@ -13263,7 +13265,7 @@
             <p:cNvPr id="122" name="Harvey 73/100 [73]" hidden="1">
               <a:extLst>
                 <a:ext uri="{FF2B5EF4-FFF2-40B4-BE49-F238E27FC236}">
-                  <a16:creationId xmlns="" xmlns:a16="http://schemas.microsoft.com/office/drawing/2014/main" id="{807CF8C3-D094-4440-B8A8-7C4086600556}"/>
+                  <a16:creationId xmlns:a16="http://schemas.microsoft.com/office/drawing/2014/main" xmlns="" id="{807CF8C3-D094-4440-B8A8-7C4086600556}"/>
                 </a:ext>
               </a:extLst>
             </p:cNvPr>
@@ -13326,7 +13328,7 @@
             <p:cNvPr id="123" name="Harvey 74/100 [74]" hidden="1">
               <a:extLst>
                 <a:ext uri="{FF2B5EF4-FFF2-40B4-BE49-F238E27FC236}">
-                  <a16:creationId xmlns="" xmlns:a16="http://schemas.microsoft.com/office/drawing/2014/main" id="{3D312ACD-3D30-40C5-920A-303F5BE73E29}"/>
+                  <a16:creationId xmlns:a16="http://schemas.microsoft.com/office/drawing/2014/main" xmlns="" id="{3D312ACD-3D30-40C5-920A-303F5BE73E29}"/>
                 </a:ext>
               </a:extLst>
             </p:cNvPr>
@@ -13389,7 +13391,7 @@
             <p:cNvPr id="124" name="Harvey 75/100 [75]" hidden="1">
               <a:extLst>
                 <a:ext uri="{FF2B5EF4-FFF2-40B4-BE49-F238E27FC236}">
-                  <a16:creationId xmlns="" xmlns:a16="http://schemas.microsoft.com/office/drawing/2014/main" id="{6E333635-85D3-477C-BE5D-9721A9C87442}"/>
+                  <a16:creationId xmlns:a16="http://schemas.microsoft.com/office/drawing/2014/main" xmlns="" id="{6E333635-85D3-477C-BE5D-9721A9C87442}"/>
                 </a:ext>
               </a:extLst>
             </p:cNvPr>
@@ -13452,7 +13454,7 @@
             <p:cNvPr id="125" name="Harvey 76/100 [76]" hidden="1">
               <a:extLst>
                 <a:ext uri="{FF2B5EF4-FFF2-40B4-BE49-F238E27FC236}">
-                  <a16:creationId xmlns="" xmlns:a16="http://schemas.microsoft.com/office/drawing/2014/main" id="{2B84CFE0-880B-4270-AC2A-378E374A6F85}"/>
+                  <a16:creationId xmlns:a16="http://schemas.microsoft.com/office/drawing/2014/main" xmlns="" id="{2B84CFE0-880B-4270-AC2A-378E374A6F85}"/>
                 </a:ext>
               </a:extLst>
             </p:cNvPr>
@@ -13515,7 +13517,7 @@
             <p:cNvPr id="126" name="Harvey 77/100 [77]" hidden="1">
               <a:extLst>
                 <a:ext uri="{FF2B5EF4-FFF2-40B4-BE49-F238E27FC236}">
-                  <a16:creationId xmlns="" xmlns:a16="http://schemas.microsoft.com/office/drawing/2014/main" id="{5EC252E3-E98D-4296-8DC7-7BBC79E67399}"/>
+                  <a16:creationId xmlns:a16="http://schemas.microsoft.com/office/drawing/2014/main" xmlns="" id="{5EC252E3-E98D-4296-8DC7-7BBC79E67399}"/>
                 </a:ext>
               </a:extLst>
             </p:cNvPr>
@@ -13578,7 +13580,7 @@
             <p:cNvPr id="128" name="Harvey 78/100 [78]" hidden="1">
               <a:extLst>
                 <a:ext uri="{FF2B5EF4-FFF2-40B4-BE49-F238E27FC236}">
-                  <a16:creationId xmlns="" xmlns:a16="http://schemas.microsoft.com/office/drawing/2014/main" id="{34597CD2-AE17-4AC4-BDDA-42E5F11EA4BD}"/>
+                  <a16:creationId xmlns:a16="http://schemas.microsoft.com/office/drawing/2014/main" xmlns="" id="{34597CD2-AE17-4AC4-BDDA-42E5F11EA4BD}"/>
                 </a:ext>
               </a:extLst>
             </p:cNvPr>
@@ -13641,7 +13643,7 @@
             <p:cNvPr id="129" name="Harvey 79/100 [79]" hidden="1">
               <a:extLst>
                 <a:ext uri="{FF2B5EF4-FFF2-40B4-BE49-F238E27FC236}">
-                  <a16:creationId xmlns="" xmlns:a16="http://schemas.microsoft.com/office/drawing/2014/main" id="{43513FFB-4D4F-4C2C-9058-B6ADA9B77223}"/>
+                  <a16:creationId xmlns:a16="http://schemas.microsoft.com/office/drawing/2014/main" xmlns="" id="{43513FFB-4D4F-4C2C-9058-B6ADA9B77223}"/>
                 </a:ext>
               </a:extLst>
             </p:cNvPr>
@@ -13704,7 +13706,7 @@
             <p:cNvPr id="130" name="Harvey 80/100 [80]" hidden="1">
               <a:extLst>
                 <a:ext uri="{FF2B5EF4-FFF2-40B4-BE49-F238E27FC236}">
-                  <a16:creationId xmlns="" xmlns:a16="http://schemas.microsoft.com/office/drawing/2014/main" id="{3E74A731-2B8E-4D2E-96CD-33C320AE9F02}"/>
+                  <a16:creationId xmlns:a16="http://schemas.microsoft.com/office/drawing/2014/main" xmlns="" id="{3E74A731-2B8E-4D2E-96CD-33C320AE9F02}"/>
                 </a:ext>
               </a:extLst>
             </p:cNvPr>
@@ -13767,7 +13769,7 @@
             <p:cNvPr id="131" name="Harvey 81/100 [81]" hidden="1">
               <a:extLst>
                 <a:ext uri="{FF2B5EF4-FFF2-40B4-BE49-F238E27FC236}">
-                  <a16:creationId xmlns="" xmlns:a16="http://schemas.microsoft.com/office/drawing/2014/main" id="{395EB164-04F7-4605-8A9B-F5E95495C740}"/>
+                  <a16:creationId xmlns:a16="http://schemas.microsoft.com/office/drawing/2014/main" xmlns="" id="{395EB164-04F7-4605-8A9B-F5E95495C740}"/>
                 </a:ext>
               </a:extLst>
             </p:cNvPr>
@@ -13830,7 +13832,7 @@
             <p:cNvPr id="132" name="Harvey 82/100 [82]" hidden="1">
               <a:extLst>
                 <a:ext uri="{FF2B5EF4-FFF2-40B4-BE49-F238E27FC236}">
-                  <a16:creationId xmlns="" xmlns:a16="http://schemas.microsoft.com/office/drawing/2014/main" id="{8C403123-B106-4593-A5DB-715C0F7A040C}"/>
+                  <a16:creationId xmlns:a16="http://schemas.microsoft.com/office/drawing/2014/main" xmlns="" id="{8C403123-B106-4593-A5DB-715C0F7A040C}"/>
                 </a:ext>
               </a:extLst>
             </p:cNvPr>
@@ -13893,7 +13895,7 @@
             <p:cNvPr id="133" name="Harvey 83/100 [83]" hidden="1">
               <a:extLst>
                 <a:ext uri="{FF2B5EF4-FFF2-40B4-BE49-F238E27FC236}">
-                  <a16:creationId xmlns="" xmlns:a16="http://schemas.microsoft.com/office/drawing/2014/main" id="{4224C58E-8FED-4FD0-A482-89B385D7E115}"/>
+                  <a16:creationId xmlns:a16="http://schemas.microsoft.com/office/drawing/2014/main" xmlns="" id="{4224C58E-8FED-4FD0-A482-89B385D7E115}"/>
                 </a:ext>
               </a:extLst>
             </p:cNvPr>
@@ -13956,7 +13958,7 @@
             <p:cNvPr id="134" name="Harvey 84/100 [84]" hidden="1">
               <a:extLst>
                 <a:ext uri="{FF2B5EF4-FFF2-40B4-BE49-F238E27FC236}">
-                  <a16:creationId xmlns="" xmlns:a16="http://schemas.microsoft.com/office/drawing/2014/main" id="{D23B6783-C615-4CE8-A797-BD40BBC9A7DB}"/>
+                  <a16:creationId xmlns:a16="http://schemas.microsoft.com/office/drawing/2014/main" xmlns="" id="{D23B6783-C615-4CE8-A797-BD40BBC9A7DB}"/>
                 </a:ext>
               </a:extLst>
             </p:cNvPr>
@@ -14019,7 +14021,7 @@
             <p:cNvPr id="135" name="Harvey 85/100 [85]" hidden="1">
               <a:extLst>
                 <a:ext uri="{FF2B5EF4-FFF2-40B4-BE49-F238E27FC236}">
-                  <a16:creationId xmlns="" xmlns:a16="http://schemas.microsoft.com/office/drawing/2014/main" id="{81CE860D-5A97-49C1-B57D-755C5D3831A3}"/>
+                  <a16:creationId xmlns:a16="http://schemas.microsoft.com/office/drawing/2014/main" xmlns="" id="{81CE860D-5A97-49C1-B57D-755C5D3831A3}"/>
                 </a:ext>
               </a:extLst>
             </p:cNvPr>
@@ -14082,7 +14084,7 @@
             <p:cNvPr id="136" name="Harvey 86/100 [86]" hidden="1">
               <a:extLst>
                 <a:ext uri="{FF2B5EF4-FFF2-40B4-BE49-F238E27FC236}">
-                  <a16:creationId xmlns="" xmlns:a16="http://schemas.microsoft.com/office/drawing/2014/main" id="{2479714A-163E-46E4-98A7-E027DBFE57FD}"/>
+                  <a16:creationId xmlns:a16="http://schemas.microsoft.com/office/drawing/2014/main" xmlns="" id="{2479714A-163E-46E4-98A7-E027DBFE57FD}"/>
                 </a:ext>
               </a:extLst>
             </p:cNvPr>
@@ -14145,7 +14147,7 @@
             <p:cNvPr id="137" name="Harvey 87/100 [87]" hidden="1">
               <a:extLst>
                 <a:ext uri="{FF2B5EF4-FFF2-40B4-BE49-F238E27FC236}">
-                  <a16:creationId xmlns="" xmlns:a16="http://schemas.microsoft.com/office/drawing/2014/main" id="{63FA2A77-8C97-455F-A3B2-B7E0EC337A8B}"/>
+                  <a16:creationId xmlns:a16="http://schemas.microsoft.com/office/drawing/2014/main" xmlns="" id="{63FA2A77-8C97-455F-A3B2-B7E0EC337A8B}"/>
                 </a:ext>
               </a:extLst>
             </p:cNvPr>
@@ -14208,7 +14210,7 @@
             <p:cNvPr id="138" name="Harvey 88/100 [88]" hidden="1">
               <a:extLst>
                 <a:ext uri="{FF2B5EF4-FFF2-40B4-BE49-F238E27FC236}">
-                  <a16:creationId xmlns="" xmlns:a16="http://schemas.microsoft.com/office/drawing/2014/main" id="{76A90925-6AF6-4906-A319-B31822004755}"/>
+                  <a16:creationId xmlns:a16="http://schemas.microsoft.com/office/drawing/2014/main" xmlns="" id="{76A90925-6AF6-4906-A319-B31822004755}"/>
                 </a:ext>
               </a:extLst>
             </p:cNvPr>
@@ -14271,7 +14273,7 @@
             <p:cNvPr id="139" name="Harvey 89/100 [89]" hidden="1">
               <a:extLst>
                 <a:ext uri="{FF2B5EF4-FFF2-40B4-BE49-F238E27FC236}">
-                  <a16:creationId xmlns="" xmlns:a16="http://schemas.microsoft.com/office/drawing/2014/main" id="{0850D05B-A5F1-4DF2-BE72-115B6768BE60}"/>
+                  <a16:creationId xmlns:a16="http://schemas.microsoft.com/office/drawing/2014/main" xmlns="" id="{0850D05B-A5F1-4DF2-BE72-115B6768BE60}"/>
                 </a:ext>
               </a:extLst>
             </p:cNvPr>
@@ -14334,7 +14336,7 @@
             <p:cNvPr id="140" name="Harvey 90/100 [90]" hidden="1">
               <a:extLst>
                 <a:ext uri="{FF2B5EF4-FFF2-40B4-BE49-F238E27FC236}">
-                  <a16:creationId xmlns="" xmlns:a16="http://schemas.microsoft.com/office/drawing/2014/main" id="{D37E5497-C2F8-493B-BE7A-6237593E394E}"/>
+                  <a16:creationId xmlns:a16="http://schemas.microsoft.com/office/drawing/2014/main" xmlns="" id="{D37E5497-C2F8-493B-BE7A-6237593E394E}"/>
                 </a:ext>
               </a:extLst>
             </p:cNvPr>
@@ -14397,7 +14399,7 @@
             <p:cNvPr id="141" name="Harvey 91/100 [91]" hidden="1">
               <a:extLst>
                 <a:ext uri="{FF2B5EF4-FFF2-40B4-BE49-F238E27FC236}">
-                  <a16:creationId xmlns="" xmlns:a16="http://schemas.microsoft.com/office/drawing/2014/main" id="{7C256B67-028D-417A-BF9E-950DCD694CF2}"/>
+                  <a16:creationId xmlns:a16="http://schemas.microsoft.com/office/drawing/2014/main" xmlns="" id="{7C256B67-028D-417A-BF9E-950DCD694CF2}"/>
                 </a:ext>
               </a:extLst>
             </p:cNvPr>
@@ -14460,7 +14462,7 @@
             <p:cNvPr id="142" name="Harvey 92/100 [92]" hidden="1">
               <a:extLst>
                 <a:ext uri="{FF2B5EF4-FFF2-40B4-BE49-F238E27FC236}">
-                  <a16:creationId xmlns="" xmlns:a16="http://schemas.microsoft.com/office/drawing/2014/main" id="{90115D0F-8E12-492E-9494-96B5D3C111AB}"/>
+                  <a16:creationId xmlns:a16="http://schemas.microsoft.com/office/drawing/2014/main" xmlns="" id="{90115D0F-8E12-492E-9494-96B5D3C111AB}"/>
                 </a:ext>
               </a:extLst>
             </p:cNvPr>
@@ -14523,7 +14525,7 @@
             <p:cNvPr id="143" name="Harvey 93/100 [93]" hidden="1">
               <a:extLst>
                 <a:ext uri="{FF2B5EF4-FFF2-40B4-BE49-F238E27FC236}">
-                  <a16:creationId xmlns="" xmlns:a16="http://schemas.microsoft.com/office/drawing/2014/main" id="{475AE4EB-8026-4D3E-AE9A-005A809A00C6}"/>
+                  <a16:creationId xmlns:a16="http://schemas.microsoft.com/office/drawing/2014/main" xmlns="" id="{475AE4EB-8026-4D3E-AE9A-005A809A00C6}"/>
                 </a:ext>
               </a:extLst>
             </p:cNvPr>
@@ -14586,7 +14588,7 @@
             <p:cNvPr id="144" name="Harvey 94/100 [94]" hidden="1">
               <a:extLst>
                 <a:ext uri="{FF2B5EF4-FFF2-40B4-BE49-F238E27FC236}">
-                  <a16:creationId xmlns="" xmlns:a16="http://schemas.microsoft.com/office/drawing/2014/main" id="{E1AEC727-5D60-487A-811D-3044852AFEE8}"/>
+                  <a16:creationId xmlns:a16="http://schemas.microsoft.com/office/drawing/2014/main" xmlns="" id="{E1AEC727-5D60-487A-811D-3044852AFEE8}"/>
                 </a:ext>
               </a:extLst>
             </p:cNvPr>
@@ -14649,7 +14651,7 @@
             <p:cNvPr id="145" name="Harvey 95/100 [95]" hidden="1">
               <a:extLst>
                 <a:ext uri="{FF2B5EF4-FFF2-40B4-BE49-F238E27FC236}">
-                  <a16:creationId xmlns="" xmlns:a16="http://schemas.microsoft.com/office/drawing/2014/main" id="{4DC5CA71-AC5E-4CE3-8599-9659DCA9B338}"/>
+                  <a16:creationId xmlns:a16="http://schemas.microsoft.com/office/drawing/2014/main" xmlns="" id="{4DC5CA71-AC5E-4CE3-8599-9659DCA9B338}"/>
                 </a:ext>
               </a:extLst>
             </p:cNvPr>
@@ -14712,7 +14714,7 @@
             <p:cNvPr id="147" name="Harvey 96/100 [96]" hidden="1">
               <a:extLst>
                 <a:ext uri="{FF2B5EF4-FFF2-40B4-BE49-F238E27FC236}">
-                  <a16:creationId xmlns="" xmlns:a16="http://schemas.microsoft.com/office/drawing/2014/main" id="{02B169BD-62A9-4406-90CD-2F27A408849F}"/>
+                  <a16:creationId xmlns:a16="http://schemas.microsoft.com/office/drawing/2014/main" xmlns="" id="{02B169BD-62A9-4406-90CD-2F27A408849F}"/>
                 </a:ext>
               </a:extLst>
             </p:cNvPr>
@@ -14775,7 +14777,7 @@
             <p:cNvPr id="148" name="Harvey 97/100 [97]" hidden="1">
               <a:extLst>
                 <a:ext uri="{FF2B5EF4-FFF2-40B4-BE49-F238E27FC236}">
-                  <a16:creationId xmlns="" xmlns:a16="http://schemas.microsoft.com/office/drawing/2014/main" id="{66EC144D-A72B-437C-AABF-6B3AE6258344}"/>
+                  <a16:creationId xmlns:a16="http://schemas.microsoft.com/office/drawing/2014/main" xmlns="" id="{66EC144D-A72B-437C-AABF-6B3AE6258344}"/>
                 </a:ext>
               </a:extLst>
             </p:cNvPr>
@@ -14838,7 +14840,7 @@
             <p:cNvPr id="149" name="Harvey 98/100 [98]" hidden="1">
               <a:extLst>
                 <a:ext uri="{FF2B5EF4-FFF2-40B4-BE49-F238E27FC236}">
-                  <a16:creationId xmlns="" xmlns:a16="http://schemas.microsoft.com/office/drawing/2014/main" id="{3FD9AB3C-C73B-4ADF-AAFC-CF4E1238F6E0}"/>
+                  <a16:creationId xmlns:a16="http://schemas.microsoft.com/office/drawing/2014/main" xmlns="" id="{3FD9AB3C-C73B-4ADF-AAFC-CF4E1238F6E0}"/>
                 </a:ext>
               </a:extLst>
             </p:cNvPr>
@@ -14901,7 +14903,7 @@
             <p:cNvPr id="150" name="Harvey 99/100 [99]" hidden="1">
               <a:extLst>
                 <a:ext uri="{FF2B5EF4-FFF2-40B4-BE49-F238E27FC236}">
-                  <a16:creationId xmlns="" xmlns:a16="http://schemas.microsoft.com/office/drawing/2014/main" id="{EDA506CF-2E87-41DD-B763-D8008A9A3614}"/>
+                  <a16:creationId xmlns:a16="http://schemas.microsoft.com/office/drawing/2014/main" xmlns="" id="{EDA506CF-2E87-41DD-B763-D8008A9A3614}"/>
                 </a:ext>
               </a:extLst>
             </p:cNvPr>
@@ -14964,7 +14966,7 @@
             <p:cNvPr id="153" name="Harvey 100/100 [100]" hidden="1">
               <a:extLst>
                 <a:ext uri="{FF2B5EF4-FFF2-40B4-BE49-F238E27FC236}">
-                  <a16:creationId xmlns="" xmlns:a16="http://schemas.microsoft.com/office/drawing/2014/main" id="{83B4E271-BC38-47D9-AC5F-679941407376}"/>
+                  <a16:creationId xmlns:a16="http://schemas.microsoft.com/office/drawing/2014/main" xmlns="" id="{83B4E271-BC38-47D9-AC5F-679941407376}"/>
                 </a:ext>
               </a:extLst>
             </p:cNvPr>
@@ -15019,7 +15021,7 @@
           <p:cNvPr id="156" name="text" descr="{&quot;templafy&quot;:{&quot;id&quot;:&quot;a6cebcce-9b2a-4fba-95b4-bdef9fe69a4b&quot;}}" hidden="1" title="text">
             <a:extLst>
               <a:ext uri="{FF2B5EF4-FFF2-40B4-BE49-F238E27FC236}">
-                <a16:creationId xmlns="" xmlns:a16="http://schemas.microsoft.com/office/drawing/2014/main" id="{4A0ECF2A-95D0-4F12-9494-539BD853C463}"/>
+                <a16:creationId xmlns:a16="http://schemas.microsoft.com/office/drawing/2014/main" xmlns="" id="{4A0ECF2A-95D0-4F12-9494-539BD853C463}"/>
               </a:ext>
             </a:extLst>
           </p:cNvPr>
@@ -15088,7 +15090,7 @@
           <p:cNvPr id="154" name="TextBox" hidden="1">
             <a:extLst>
               <a:ext uri="{FF2B5EF4-FFF2-40B4-BE49-F238E27FC236}">
-                <a16:creationId xmlns="" xmlns:a16="http://schemas.microsoft.com/office/drawing/2014/main" id="{F0D3DFB6-6F70-49D4-A467-486FFBCB10A8}"/>
+                <a16:creationId xmlns:a16="http://schemas.microsoft.com/office/drawing/2014/main" xmlns="" id="{F0D3DFB6-6F70-49D4-A467-486FFBCB10A8}"/>
               </a:ext>
             </a:extLst>
           </p:cNvPr>
@@ -15391,7 +15393,7 @@
           <p:cNvPr id="161" name="Title Placeholder 1">
             <a:extLst>
               <a:ext uri="{FF2B5EF4-FFF2-40B4-BE49-F238E27FC236}">
-                <a16:creationId xmlns="" xmlns:a16="http://schemas.microsoft.com/office/drawing/2014/main" id="{03A1E60C-ED04-4688-9190-A34B19D4D09A}"/>
+                <a16:creationId xmlns:a16="http://schemas.microsoft.com/office/drawing/2014/main" xmlns="" id="{03A1E60C-ED04-4688-9190-A34B19D4D09A}"/>
               </a:ext>
             </a:extLst>
           </p:cNvPr>
@@ -15430,7 +15432,7 @@
           <p:cNvPr id="164" name="Graphic 163">
             <a:extLst>
               <a:ext uri="{FF2B5EF4-FFF2-40B4-BE49-F238E27FC236}">
-                <a16:creationId xmlns="" xmlns:a16="http://schemas.microsoft.com/office/drawing/2014/main" id="{25DD594A-F878-4D26-9CF2-405279373BC3}"/>
+                <a16:creationId xmlns:a16="http://schemas.microsoft.com/office/drawing/2014/main" xmlns="" id="{25DD594A-F878-4D26-9CF2-405279373BC3}"/>
               </a:ext>
             </a:extLst>
           </p:cNvPr>
@@ -15443,7 +15445,7 @@
           <a:blip r:embed="rId138">
             <a:extLst>
               <a:ext uri="{96DAC541-7B7A-43D3-8B79-37D633B846F1}">
-                <asvg:svgBlip xmlns="" xmlns:asvg="http://schemas.microsoft.com/office/drawing/2016/SVG/main" r:embed="rId139"/>
+                <asvg:svgBlip xmlns:asvg="http://schemas.microsoft.com/office/drawing/2016/SVG/main" xmlns="" r:embed="rId139"/>
               </a:ext>
             </a:extLst>
           </a:blip>
@@ -16095,7 +16097,7 @@
           <p:cNvPr id="3" name="Text Placeholder 2">
             <a:extLst>
               <a:ext uri="{FF2B5EF4-FFF2-40B4-BE49-F238E27FC236}">
-                <a16:creationId xmlns="" xmlns:a16="http://schemas.microsoft.com/office/drawing/2014/main" id="{037096D2-BF8E-40F7-B829-95F00ADC975D}"/>
+                <a16:creationId xmlns:a16="http://schemas.microsoft.com/office/drawing/2014/main" xmlns="" id="{037096D2-BF8E-40F7-B829-95F00ADC975D}"/>
               </a:ext>
             </a:extLst>
           </p:cNvPr>
@@ -16120,7 +16122,7 @@
           <p:cNvPr id="2" name="Text Placeholder 1">
             <a:extLst>
               <a:ext uri="{FF2B5EF4-FFF2-40B4-BE49-F238E27FC236}">
-                <a16:creationId xmlns="" xmlns:a16="http://schemas.microsoft.com/office/drawing/2014/main" id="{130C4348-70E7-4FD7-915E-738779A687DC}"/>
+                <a16:creationId xmlns:a16="http://schemas.microsoft.com/office/drawing/2014/main" xmlns="" id="{130C4348-70E7-4FD7-915E-738779A687DC}"/>
               </a:ext>
             </a:extLst>
           </p:cNvPr>
@@ -16180,10 +16182,484 @@
       </p:grpSpPr>
       <p:sp>
         <p:nvSpPr>
+          <p:cNvPr id="2" name="Content Placeholder 1"/>
+          <p:cNvSpPr>
+            <a:spLocks noGrp="1"/>
+          </p:cNvSpPr>
+          <p:nvPr>
+            <p:ph sz="quarter" idx="10"/>
+          </p:nvPr>
+        </p:nvSpPr>
+        <p:spPr/>
+        <p:txBody>
+          <a:bodyPr/>
+          <a:lstStyle/>
+          <a:p>
+            <a:r>
+              <a:rPr lang="en-US" dirty="0"/>
+              <a:t>The web can expand even more with more features </a:t>
+            </a:r>
+          </a:p>
+          <a:p>
+            <a:r>
+              <a:rPr lang="en-US" dirty="0"/>
+              <a:t>As there are even more topic , task, management , future guid and more in finance which can be implemented in this webapp very easy</a:t>
+            </a:r>
+          </a:p>
+        </p:txBody>
+      </p:sp>
+      <p:sp>
+        <p:nvSpPr>
+          <p:cNvPr id="3" name="Text Placeholder 2"/>
+          <p:cNvSpPr>
+            <a:spLocks noGrp="1"/>
+          </p:cNvSpPr>
+          <p:nvPr>
+            <p:ph type="body" sz="quarter" idx="11"/>
+          </p:nvPr>
+        </p:nvSpPr>
+        <p:spPr/>
+        <p:txBody>
+          <a:bodyPr/>
+          <a:lstStyle/>
+          <a:p>
+            <a:endParaRPr lang="en-US"/>
+          </a:p>
+        </p:txBody>
+      </p:sp>
+      <p:sp>
+        <p:nvSpPr>
+          <p:cNvPr id="4" name="Title 3"/>
+          <p:cNvSpPr>
+            <a:spLocks noGrp="1"/>
+          </p:cNvSpPr>
+          <p:nvPr>
+            <p:ph type="title"/>
+          </p:nvPr>
+        </p:nvSpPr>
+        <p:spPr/>
+        <p:txBody>
+          <a:bodyPr/>
+          <a:lstStyle/>
+          <a:p>
+            <a:r>
+              <a:rPr lang="en-US" b="0" dirty="0">
+                <a:solidFill>
+                  <a:schemeClr val="lt1"/>
+                </a:solidFill>
+                <a:latin typeface="Source Sans Pro" panose="020B0503030403020204" pitchFamily="34" charset="0"/>
+                <a:ea typeface="Source Sans Pro" panose="020B0503030403020204" pitchFamily="34" charset="0"/>
+              </a:rPr>
+              <a:t>Extent of Scalability/Usability</a:t>
+            </a:r>
+            <a:endParaRPr lang="en-US" dirty="0"/>
+          </a:p>
+        </p:txBody>
+      </p:sp>
+    </p:spTree>
+    <p:extLst>
+      <p:ext uri="{BB962C8B-B14F-4D97-AF65-F5344CB8AC3E}">
+        <p14:creationId xmlns:p14="http://schemas.microsoft.com/office/powerpoint/2010/main" val="54681591"/>
+      </p:ext>
+    </p:extLst>
+  </p:cSld>
+  <p:clrMapOvr>
+    <a:masterClrMapping/>
+  </p:clrMapOvr>
+</p:sld>
+</file>
+
+<file path=ppt/slides/slide11.xml><?xml version="1.0" encoding="utf-8"?>
+<p:sld xmlns:a="http://schemas.openxmlformats.org/drawingml/2006/main" xmlns:r="http://schemas.openxmlformats.org/officeDocument/2006/relationships" xmlns:p="http://schemas.openxmlformats.org/presentationml/2006/main">
+  <p:cSld>
+    <p:spTree>
+      <p:nvGrpSpPr>
+        <p:cNvPr id="1" name=""/>
+        <p:cNvGrpSpPr/>
+        <p:nvPr/>
+      </p:nvGrpSpPr>
+      <p:grpSpPr>
+        <a:xfrm>
+          <a:off x="0" y="0"/>
+          <a:ext cx="0" cy="0"/>
+          <a:chOff x="0" y="0"/>
+          <a:chExt cx="0" cy="0"/>
+        </a:xfrm>
+      </p:grpSpPr>
+      <p:sp>
+        <p:nvSpPr>
           <p:cNvPr id="6" name="Content Placeholder 5">
             <a:extLst>
               <a:ext uri="{FF2B5EF4-FFF2-40B4-BE49-F238E27FC236}">
-                <a16:creationId xmlns="" xmlns:a16="http://schemas.microsoft.com/office/drawing/2014/main" id="{FE55FF28-C028-47D8-9756-B328A54414D7}"/>
+                <a16:creationId xmlns:a16="http://schemas.microsoft.com/office/drawing/2014/main" xmlns="" id="{FE55FF28-C028-47D8-9756-B328A54414D7}"/>
+              </a:ext>
+            </a:extLst>
+          </p:cNvPr>
+          <p:cNvSpPr>
+            <a:spLocks noGrp="1"/>
+          </p:cNvSpPr>
+          <p:nvPr>
+            <p:ph sz="quarter" idx="10"/>
+          </p:nvPr>
+        </p:nvSpPr>
+        <p:spPr/>
+        <p:txBody>
+          <a:bodyPr vert="horz" lIns="0" tIns="0" rIns="0" bIns="0" rtlCol="0" anchor="t">
+            <a:noAutofit/>
+          </a:bodyPr>
+          <a:lstStyle/>
+          <a:p>
+            <a:r>
+              <a:rPr lang="en-US" b="0" dirty="0"/>
+              <a:t>What is an architecture diagram?</a:t>
+            </a:r>
+          </a:p>
+          <a:p>
+            <a:pPr lvl="1"/>
+            <a:r>
+              <a:rPr lang="en-US" dirty="0"/>
+              <a:t>An architecture diagram is a graphical representation of a set of concepts, that are part of an architecture, including their principles, elements and components. It includes:</a:t>
+            </a:r>
+          </a:p>
+          <a:p>
+            <a:pPr marL="457200" lvl="0" indent="-355600">
+              <a:lnSpc>
+                <a:spcPct val="115000"/>
+              </a:lnSpc>
+              <a:spcBef>
+                <a:spcPts val="600"/>
+              </a:spcBef>
+              <a:spcAft>
+                <a:spcPts val="0"/>
+              </a:spcAft>
+              <a:buClr>
+                <a:schemeClr val="lt1"/>
+              </a:buClr>
+              <a:buSzPts val="2000"/>
+              <a:buFont typeface="Source Sans Pro"/>
+              <a:buChar char="●"/>
+            </a:pPr>
+            <a:r>
+              <a:rPr lang="en-US" b="0" dirty="0">
+                <a:solidFill>
+                  <a:schemeClr val="lt1"/>
+                </a:solidFill>
+              </a:rPr>
+              <a:t>Flow Chart</a:t>
+            </a:r>
+          </a:p>
+          <a:p>
+            <a:pPr marL="457200" lvl="0" indent="-355600">
+              <a:lnSpc>
+                <a:spcPct val="115000"/>
+              </a:lnSpc>
+              <a:spcBef>
+                <a:spcPts val="0"/>
+              </a:spcBef>
+              <a:spcAft>
+                <a:spcPts val="0"/>
+              </a:spcAft>
+              <a:buClr>
+                <a:schemeClr val="lt1"/>
+              </a:buClr>
+              <a:buSzPts val="2000"/>
+              <a:buFont typeface="Source Sans Pro"/>
+              <a:buChar char="●"/>
+            </a:pPr>
+            <a:r>
+              <a:rPr lang="en-US" b="0" dirty="0">
+                <a:solidFill>
+                  <a:schemeClr val="lt1"/>
+                </a:solidFill>
+              </a:rPr>
+              <a:t>Wireframes</a:t>
+            </a:r>
+          </a:p>
+          <a:p>
+            <a:pPr marL="457200" lvl="0" indent="-355600">
+              <a:lnSpc>
+                <a:spcPct val="115000"/>
+              </a:lnSpc>
+              <a:spcBef>
+                <a:spcPts val="0"/>
+              </a:spcBef>
+              <a:spcAft>
+                <a:spcPts val="0"/>
+              </a:spcAft>
+              <a:buClr>
+                <a:schemeClr val="lt1"/>
+              </a:buClr>
+              <a:buSzPts val="2000"/>
+              <a:buFont typeface="Source Sans Pro"/>
+              <a:buChar char="●"/>
+            </a:pPr>
+            <a:r>
+              <a:rPr lang="en-US" b="0" dirty="0">
+                <a:solidFill>
+                  <a:schemeClr val="lt1"/>
+                </a:solidFill>
+              </a:rPr>
+              <a:t>Graphical representation</a:t>
+            </a:r>
+            <a:r>
+              <a:rPr lang="en-US" dirty="0">
+                <a:solidFill>
+                  <a:schemeClr val="lt1"/>
+                </a:solidFill>
+              </a:rPr>
+              <a:t> </a:t>
+            </a:r>
+            <a:r>
+              <a:rPr lang="en-US" b="0" dirty="0">
+                <a:solidFill>
+                  <a:schemeClr val="lt1"/>
+                </a:solidFill>
+              </a:rPr>
+              <a:t>(Bar graph, Histogram, Pie charts, Heat maps)</a:t>
+            </a:r>
+          </a:p>
+          <a:p>
+            <a:pPr marL="457200" lvl="0" indent="-355600">
+              <a:lnSpc>
+                <a:spcPct val="115000"/>
+              </a:lnSpc>
+              <a:spcBef>
+                <a:spcPts val="0"/>
+              </a:spcBef>
+              <a:spcAft>
+                <a:spcPts val="0"/>
+              </a:spcAft>
+              <a:buClr>
+                <a:schemeClr val="lt1"/>
+              </a:buClr>
+              <a:buSzPts val="2000"/>
+              <a:buFont typeface="Source Sans Pro"/>
+              <a:buChar char="●"/>
+            </a:pPr>
+            <a:r>
+              <a:rPr lang="en-US" b="0" dirty="0">
+                <a:solidFill>
+                  <a:schemeClr val="lt1"/>
+                </a:solidFill>
+              </a:rPr>
+              <a:t>Prototype (Screenshot, Screencast, Image, Video, etc.) –</a:t>
+            </a:r>
+            <a:r>
+              <a:rPr lang="en-US" b="0" i="1" dirty="0">
+                <a:solidFill>
+                  <a:schemeClr val="lt1"/>
+                </a:solidFill>
+              </a:rPr>
+              <a:t>optional</a:t>
+            </a:r>
+            <a:r>
+              <a:rPr lang="en-US" i="1" dirty="0">
+                <a:solidFill>
+                  <a:schemeClr val="lt1"/>
+                </a:solidFill>
+              </a:rPr>
+              <a:t/>
+            </a:r>
+            <a:br>
+              <a:rPr lang="en-US" i="1" dirty="0">
+                <a:solidFill>
+                  <a:schemeClr val="lt1"/>
+                </a:solidFill>
+              </a:rPr>
+            </a:br>
+            <a:r>
+              <a:rPr lang="en-US" b="0" i="1" dirty="0">
+                <a:solidFill>
+                  <a:schemeClr val="accent3"/>
+                </a:solidFill>
+              </a:rPr>
+              <a:t>[Include concept, principles, elements and components]</a:t>
+            </a:r>
+          </a:p>
+          <a:p>
+            <a:pPr lvl="0">
+              <a:lnSpc>
+                <a:spcPct val="115000"/>
+              </a:lnSpc>
+              <a:spcBef>
+                <a:spcPts val="0"/>
+              </a:spcBef>
+              <a:spcAft>
+                <a:spcPts val="0"/>
+              </a:spcAft>
+            </a:pPr>
+            <a:endParaRPr lang="en-US" b="0" i="1" dirty="0">
+              <a:solidFill>
+                <a:schemeClr val="lt1"/>
+              </a:solidFill>
+            </a:endParaRPr>
+          </a:p>
+          <a:p>
+            <a:pPr lvl="0">
+              <a:lnSpc>
+                <a:spcPct val="115000"/>
+              </a:lnSpc>
+              <a:spcBef>
+                <a:spcPts val="0"/>
+              </a:spcBef>
+              <a:spcAft>
+                <a:spcPts val="0"/>
+              </a:spcAft>
+              <a:buClr>
+                <a:srgbClr val="000000"/>
+              </a:buClr>
+              <a:buSzPts val="1800"/>
+            </a:pPr>
+            <a:r>
+              <a:rPr lang="en-US" b="0" dirty="0">
+                <a:solidFill>
+                  <a:schemeClr val="lt1"/>
+                </a:solidFill>
+              </a:rPr>
+              <a:t>Please note: Upload the documents (</a:t>
+            </a:r>
+            <a:r>
+              <a:rPr lang="en-US" b="0" dirty="0" err="1">
+                <a:solidFill>
+                  <a:schemeClr val="lt1"/>
+                </a:solidFill>
+              </a:rPr>
+              <a:t>eg</a:t>
+            </a:r>
+            <a:r>
+              <a:rPr lang="en-US" b="0" dirty="0">
+                <a:solidFill>
+                  <a:schemeClr val="lt1"/>
+                </a:solidFill>
+              </a:rPr>
+              <a:t>: .pdf, .docx, .</a:t>
+            </a:r>
+            <a:r>
+              <a:rPr lang="en-US" b="0" dirty="0" err="1">
+                <a:solidFill>
+                  <a:schemeClr val="lt1"/>
+                </a:solidFill>
+              </a:rPr>
+              <a:t>vsd</a:t>
+            </a:r>
+            <a:r>
+              <a:rPr lang="en-US" b="0" dirty="0">
+                <a:solidFill>
+                  <a:schemeClr val="lt1"/>
+                </a:solidFill>
+              </a:rPr>
+              <a:t>, etc.) directly on the platform. However, the links can be inserted/attached in this PowerPoint template. </a:t>
+            </a:r>
+            <a:endParaRPr lang="en-US" b="0" i="1" dirty="0">
+              <a:solidFill>
+                <a:schemeClr val="lt1"/>
+              </a:solidFill>
+            </a:endParaRPr>
+          </a:p>
+          <a:p>
+            <a:pPr lvl="1"/>
+            <a:endParaRPr lang="en-US" dirty="0"/>
+          </a:p>
+        </p:txBody>
+      </p:sp>
+      <p:sp>
+        <p:nvSpPr>
+          <p:cNvPr id="7" name="Text Placeholder 6">
+            <a:extLst>
+              <a:ext uri="{FF2B5EF4-FFF2-40B4-BE49-F238E27FC236}">
+                <a16:creationId xmlns:a16="http://schemas.microsoft.com/office/drawing/2014/main" xmlns="" id="{DF4F97D9-E7D7-4E85-BB50-C87C7BB6F961}"/>
+              </a:ext>
+            </a:extLst>
+          </p:cNvPr>
+          <p:cNvSpPr>
+            <a:spLocks noGrp="1"/>
+          </p:cNvSpPr>
+          <p:nvPr>
+            <p:ph type="body" sz="quarter" idx="11"/>
+          </p:nvPr>
+        </p:nvSpPr>
+        <p:spPr/>
+        <p:txBody>
+          <a:bodyPr/>
+          <a:lstStyle/>
+          <a:p>
+            <a:endParaRPr lang="en-IN"/>
+          </a:p>
+        </p:txBody>
+      </p:sp>
+      <p:sp>
+        <p:nvSpPr>
+          <p:cNvPr id="4" name="Title 3">
+            <a:extLst>
+              <a:ext uri="{FF2B5EF4-FFF2-40B4-BE49-F238E27FC236}">
+                <a16:creationId xmlns:a16="http://schemas.microsoft.com/office/drawing/2014/main" xmlns="" id="{6B1011D3-A8C8-44CC-8836-11626D436C26}"/>
+              </a:ext>
+            </a:extLst>
+          </p:cNvPr>
+          <p:cNvSpPr>
+            <a:spLocks noGrp="1"/>
+          </p:cNvSpPr>
+          <p:nvPr>
+            <p:ph type="title"/>
+          </p:nvPr>
+        </p:nvSpPr>
+        <p:spPr>
+          <a:xfrm>
+            <a:off x="432000" y="759866"/>
+            <a:ext cx="12578399" cy="379263"/>
+          </a:xfrm>
+        </p:spPr>
+        <p:txBody>
+          <a:bodyPr/>
+          <a:lstStyle/>
+          <a:p>
+            <a:r>
+              <a:rPr lang="en-US" dirty="0"/>
+              <a:t>Methodology / </a:t>
+            </a:r>
+            <a:r>
+              <a:rPr lang="en-IN" dirty="0"/>
+              <a:t>Architecture diagram </a:t>
+            </a:r>
+          </a:p>
+        </p:txBody>
+      </p:sp>
+    </p:spTree>
+    <p:extLst>
+      <p:ext uri="{BB962C8B-B14F-4D97-AF65-F5344CB8AC3E}">
+        <p14:creationId xmlns:p14="http://schemas.microsoft.com/office/powerpoint/2010/main" val="2437973063"/>
+      </p:ext>
+    </p:extLst>
+  </p:cSld>
+  <p:clrMapOvr>
+    <a:masterClrMapping/>
+  </p:clrMapOvr>
+</p:sld>
+</file>
+
+<file path=ppt/slides/slide12.xml><?xml version="1.0" encoding="utf-8"?>
+<p:sld xmlns:a="http://schemas.openxmlformats.org/drawingml/2006/main" xmlns:r="http://schemas.openxmlformats.org/officeDocument/2006/relationships" xmlns:p="http://schemas.openxmlformats.org/presentationml/2006/main">
+  <p:cSld>
+    <p:spTree>
+      <p:nvGrpSpPr>
+        <p:cNvPr id="1" name=""/>
+        <p:cNvGrpSpPr/>
+        <p:nvPr/>
+      </p:nvGrpSpPr>
+      <p:grpSpPr>
+        <a:xfrm>
+          <a:off x="0" y="0"/>
+          <a:ext cx="0" cy="0"/>
+          <a:chOff x="0" y="0"/>
+          <a:chExt cx="0" cy="0"/>
+        </a:xfrm>
+      </p:grpSpPr>
+      <p:sp>
+        <p:nvSpPr>
+          <p:cNvPr id="6" name="Content Placeholder 5">
+            <a:extLst>
+              <a:ext uri="{FF2B5EF4-FFF2-40B4-BE49-F238E27FC236}">
+                <a16:creationId xmlns:a16="http://schemas.microsoft.com/office/drawing/2014/main" xmlns="" id="{FE55FF28-C028-47D8-9756-B328A54414D7}"/>
               </a:ext>
             </a:extLst>
           </p:cNvPr>
@@ -16288,7 +16764,7 @@
           <p:cNvPr id="7" name="Text Placeholder 6">
             <a:extLst>
               <a:ext uri="{FF2B5EF4-FFF2-40B4-BE49-F238E27FC236}">
-                <a16:creationId xmlns="" xmlns:a16="http://schemas.microsoft.com/office/drawing/2014/main" id="{DF4F97D9-E7D7-4E85-BB50-C87C7BB6F961}"/>
+                <a16:creationId xmlns:a16="http://schemas.microsoft.com/office/drawing/2014/main" xmlns="" id="{DF4F97D9-E7D7-4E85-BB50-C87C7BB6F961}"/>
               </a:ext>
             </a:extLst>
           </p:cNvPr>
@@ -16313,7 +16789,7 @@
           <p:cNvPr id="4" name="Title 3">
             <a:extLst>
               <a:ext uri="{FF2B5EF4-FFF2-40B4-BE49-F238E27FC236}">
-                <a16:creationId xmlns="" xmlns:a16="http://schemas.microsoft.com/office/drawing/2014/main" id="{6B1011D3-A8C8-44CC-8836-11626D436C26}"/>
+                <a16:creationId xmlns:a16="http://schemas.microsoft.com/office/drawing/2014/main" xmlns="" id="{6B1011D3-A8C8-44CC-8836-11626D436C26}"/>
               </a:ext>
             </a:extLst>
           </p:cNvPr>
@@ -16347,7 +16823,7 @@
           <p:cNvPr id="9" name="Title 3">
             <a:extLst>
               <a:ext uri="{FF2B5EF4-FFF2-40B4-BE49-F238E27FC236}">
-                <a16:creationId xmlns="" xmlns:a16="http://schemas.microsoft.com/office/drawing/2014/main" id="{343D100C-CBCF-4740-8808-AA3731B46C28}"/>
+                <a16:creationId xmlns:a16="http://schemas.microsoft.com/office/drawing/2014/main" xmlns="" id="{343D100C-CBCF-4740-8808-AA3731B46C28}"/>
               </a:ext>
             </a:extLst>
           </p:cNvPr>
@@ -16422,7 +16898,7 @@
           <p:cNvPr id="10" name="Content Placeholder 5">
             <a:extLst>
               <a:ext uri="{FF2B5EF4-FFF2-40B4-BE49-F238E27FC236}">
-                <a16:creationId xmlns="" xmlns:a16="http://schemas.microsoft.com/office/drawing/2014/main" id="{E97A4741-1A72-C64F-ADE5-3CC93618A7AF}"/>
+                <a16:creationId xmlns:a16="http://schemas.microsoft.com/office/drawing/2014/main" xmlns="" id="{E97A4741-1A72-C64F-ADE5-3CC93618A7AF}"/>
               </a:ext>
             </a:extLst>
           </p:cNvPr>
@@ -16698,7 +17174,7 @@
 </p:sld>
 </file>
 
-<file path=ppt/slides/slide11.xml><?xml version="1.0" encoding="utf-8"?>
+<file path=ppt/slides/slide13.xml><?xml version="1.0" encoding="utf-8"?>
 <p:sld xmlns:a="http://schemas.openxmlformats.org/drawingml/2006/main" xmlns:r="http://schemas.openxmlformats.org/officeDocument/2006/relationships" xmlns:p="http://schemas.openxmlformats.org/presentationml/2006/main">
   <p:cSld>
     <p:spTree>
@@ -16720,7 +17196,7 @@
           <p:cNvPr id="3" name="TextBox 2">
             <a:extLst>
               <a:ext uri="{FF2B5EF4-FFF2-40B4-BE49-F238E27FC236}">
-                <a16:creationId xmlns="" xmlns:a16="http://schemas.microsoft.com/office/drawing/2014/main" id="{9FF0EB6C-85EC-40B2-BF07-371E7E2D5C81}"/>
+                <a16:creationId xmlns:a16="http://schemas.microsoft.com/office/drawing/2014/main" xmlns="" id="{9FF0EB6C-85EC-40B2-BF07-371E7E2D5C81}"/>
               </a:ext>
             </a:extLst>
           </p:cNvPr>
@@ -16783,7 +17259,7 @@
 </p:sld>
 </file>
 
-<file path=ppt/slides/slide12.xml><?xml version="1.0" encoding="utf-8"?>
+<file path=ppt/slides/slide14.xml><?xml version="1.0" encoding="utf-8"?>
 <p:sld xmlns:a="http://schemas.openxmlformats.org/drawingml/2006/main" xmlns:r="http://schemas.openxmlformats.org/officeDocument/2006/relationships" xmlns:p="http://schemas.openxmlformats.org/presentationml/2006/main">
   <p:cSld>
     <p:spTree>
@@ -16840,7 +17316,7 @@
           <p:cNvPr id="5" name="Content Placeholder 4">
             <a:extLst>
               <a:ext uri="{FF2B5EF4-FFF2-40B4-BE49-F238E27FC236}">
-                <a16:creationId xmlns="" xmlns:a16="http://schemas.microsoft.com/office/drawing/2014/main" id="{4EC3F976-E1E7-4CF2-BD94-927D8E55F7BE}"/>
+                <a16:creationId xmlns:a16="http://schemas.microsoft.com/office/drawing/2014/main" xmlns="" id="{4EC3F976-E1E7-4CF2-BD94-927D8E55F7BE}"/>
               </a:ext>
             </a:extLst>
           </p:cNvPr>
@@ -16922,7 +17398,7 @@
           <p:cNvPr id="6" name="Text Placeholder 5">
             <a:extLst>
               <a:ext uri="{FF2B5EF4-FFF2-40B4-BE49-F238E27FC236}">
-                <a16:creationId xmlns="" xmlns:a16="http://schemas.microsoft.com/office/drawing/2014/main" id="{EC92A883-2BB8-4C3C-869D-59AFEE855F42}"/>
+                <a16:creationId xmlns:a16="http://schemas.microsoft.com/office/drawing/2014/main" xmlns="" id="{EC92A883-2BB8-4C3C-869D-59AFEE855F42}"/>
               </a:ext>
             </a:extLst>
           </p:cNvPr>
@@ -16947,7 +17423,7 @@
           <p:cNvPr id="4" name="Title 3">
             <a:extLst>
               <a:ext uri="{FF2B5EF4-FFF2-40B4-BE49-F238E27FC236}">
-                <a16:creationId xmlns="" xmlns:a16="http://schemas.microsoft.com/office/drawing/2014/main" id="{83193F15-4DFB-4610-9AB4-8B3683393801}"/>
+                <a16:creationId xmlns:a16="http://schemas.microsoft.com/office/drawing/2014/main" xmlns="" id="{83193F15-4DFB-4610-9AB4-8B3683393801}"/>
               </a:ext>
             </a:extLst>
           </p:cNvPr>
@@ -17006,7 +17482,7 @@
           <p:cNvPr id="5" name="Content Placeholder 4">
             <a:extLst>
               <a:ext uri="{FF2B5EF4-FFF2-40B4-BE49-F238E27FC236}">
-                <a16:creationId xmlns="" xmlns:a16="http://schemas.microsoft.com/office/drawing/2014/main" id="{4EC3F976-E1E7-4CF2-BD94-927D8E55F7BE}"/>
+                <a16:creationId xmlns:a16="http://schemas.microsoft.com/office/drawing/2014/main" xmlns="" id="{4EC3F976-E1E7-4CF2-BD94-927D8E55F7BE}"/>
               </a:ext>
             </a:extLst>
           </p:cNvPr>
@@ -17065,7 +17541,6 @@
               <a:rPr lang="en-US" dirty="0"/>
               <a:t> is to guide new students into finance ,as finance are one of those topic which are not properly teach at school/collage </a:t>
             </a:r>
-            <a:endParaRPr lang="en-US" dirty="0"/>
           </a:p>
           <a:p>
             <a:pPr lvl="2"/>
@@ -17113,7 +17588,7 @@
           <p:cNvPr id="6" name="Text Placeholder 5">
             <a:extLst>
               <a:ext uri="{FF2B5EF4-FFF2-40B4-BE49-F238E27FC236}">
-                <a16:creationId xmlns="" xmlns:a16="http://schemas.microsoft.com/office/drawing/2014/main" id="{EC92A883-2BB8-4C3C-869D-59AFEE855F42}"/>
+                <a16:creationId xmlns:a16="http://schemas.microsoft.com/office/drawing/2014/main" xmlns="" id="{EC92A883-2BB8-4C3C-869D-59AFEE855F42}"/>
               </a:ext>
             </a:extLst>
           </p:cNvPr>
@@ -17138,7 +17613,7 @@
           <p:cNvPr id="4" name="Title 3">
             <a:extLst>
               <a:ext uri="{FF2B5EF4-FFF2-40B4-BE49-F238E27FC236}">
-                <a16:creationId xmlns="" xmlns:a16="http://schemas.microsoft.com/office/drawing/2014/main" id="{83193F15-4DFB-4610-9AB4-8B3683393801}"/>
+                <a16:creationId xmlns:a16="http://schemas.microsoft.com/office/drawing/2014/main" xmlns="" id="{83193F15-4DFB-4610-9AB4-8B3683393801}"/>
               </a:ext>
             </a:extLst>
           </p:cNvPr>
@@ -17197,7 +17672,7 @@
           <p:cNvPr id="6" name="Content Placeholder 5">
             <a:extLst>
               <a:ext uri="{FF2B5EF4-FFF2-40B4-BE49-F238E27FC236}">
-                <a16:creationId xmlns="" xmlns:a16="http://schemas.microsoft.com/office/drawing/2014/main" id="{FE55FF28-C028-47D8-9756-B328A54414D7}"/>
+                <a16:creationId xmlns:a16="http://schemas.microsoft.com/office/drawing/2014/main" xmlns="" id="{FE55FF28-C028-47D8-9756-B328A54414D7}"/>
               </a:ext>
             </a:extLst>
           </p:cNvPr>
@@ -17501,7 +17976,7 @@
           <p:cNvPr id="7" name="Text Placeholder 6">
             <a:extLst>
               <a:ext uri="{FF2B5EF4-FFF2-40B4-BE49-F238E27FC236}">
-                <a16:creationId xmlns="" xmlns:a16="http://schemas.microsoft.com/office/drawing/2014/main" id="{DF4F97D9-E7D7-4E85-BB50-C87C7BB6F961}"/>
+                <a16:creationId xmlns:a16="http://schemas.microsoft.com/office/drawing/2014/main" xmlns="" id="{DF4F97D9-E7D7-4E85-BB50-C87C7BB6F961}"/>
               </a:ext>
             </a:extLst>
           </p:cNvPr>
@@ -17526,7 +18001,7 @@
           <p:cNvPr id="4" name="Title 3">
             <a:extLst>
               <a:ext uri="{FF2B5EF4-FFF2-40B4-BE49-F238E27FC236}">
-                <a16:creationId xmlns="" xmlns:a16="http://schemas.microsoft.com/office/drawing/2014/main" id="{6B1011D3-A8C8-44CC-8836-11626D436C26}"/>
+                <a16:creationId xmlns:a16="http://schemas.microsoft.com/office/drawing/2014/main" xmlns="" id="{6B1011D3-A8C8-44CC-8836-11626D436C26}"/>
               </a:ext>
             </a:extLst>
           </p:cNvPr>
@@ -17838,252 +18313,18 @@
           <a:bodyPr/>
           <a:lstStyle/>
           <a:p>
-            <a:pPr marL="457200" lvl="0" indent="-355600">
-              <a:lnSpc>
-                <a:spcPct val="115000"/>
-              </a:lnSpc>
-              <a:spcBef>
-                <a:spcPts val="0"/>
-              </a:spcBef>
-              <a:spcAft>
-                <a:spcPts val="0"/>
-              </a:spcAft>
-              <a:buClr>
-                <a:schemeClr val="lt1"/>
-              </a:buClr>
-              <a:buSzPts val="2000"/>
-              <a:buFont typeface="Source Sans Pro"/>
-              <a:buChar char="●"/>
-            </a:pPr>
-            <a:r>
-              <a:rPr lang="en-US" b="0" dirty="0">
-                <a:solidFill>
-                  <a:schemeClr val="lt1"/>
-                </a:solidFill>
-                <a:latin typeface="Source Sans Pro" panose="020B0503030403020204" pitchFamily="34" charset="0"/>
-                <a:ea typeface="Source Sans Pro" panose="020B0503030403020204" pitchFamily="34" charset="0"/>
-              </a:rPr>
-              <a:t>Frameworks/Technologies stacks to be </a:t>
-            </a:r>
-            <a:r>
-              <a:rPr lang="en-US" b="0" dirty="0" smtClean="0">
-                <a:solidFill>
-                  <a:schemeClr val="lt1"/>
-                </a:solidFill>
-                <a:latin typeface="Source Sans Pro" panose="020B0503030403020204" pitchFamily="34" charset="0"/>
-                <a:ea typeface="Source Sans Pro" panose="020B0503030403020204" pitchFamily="34" charset="0"/>
-              </a:rPr>
-              <a:t>used</a:t>
-            </a:r>
-          </a:p>
-          <a:p>
-            <a:pPr marL="457200" lvl="0" indent="-355600">
-              <a:lnSpc>
-                <a:spcPct val="115000"/>
-              </a:lnSpc>
-              <a:spcBef>
-                <a:spcPts val="0"/>
-              </a:spcBef>
-              <a:spcAft>
-                <a:spcPts val="0"/>
-              </a:spcAft>
-              <a:buClr>
-                <a:schemeClr val="lt1"/>
-              </a:buClr>
-              <a:buSzPts val="2000"/>
-              <a:buFont typeface="Source Sans Pro"/>
-              <a:buChar char="●"/>
-            </a:pPr>
-            <a:endParaRPr lang="en-US" dirty="0" smtClean="0"/>
-          </a:p>
-          <a:p>
-            <a:pPr marL="457200" lvl="0" indent="-355600">
-              <a:lnSpc>
-                <a:spcPct val="115000"/>
-              </a:lnSpc>
-              <a:spcBef>
-                <a:spcPts val="0"/>
-              </a:spcBef>
-              <a:spcAft>
-                <a:spcPts val="0"/>
-              </a:spcAft>
-              <a:buClr>
-                <a:schemeClr val="lt1"/>
-              </a:buClr>
-              <a:buSzPts val="2000"/>
-              <a:buFont typeface="Source Sans Pro"/>
-              <a:buChar char="●"/>
-            </a:pPr>
-            <a:r>
-              <a:rPr lang="en-US" b="0" dirty="0" smtClean="0">
-                <a:solidFill>
-                  <a:schemeClr val="lt1"/>
-                </a:solidFill>
-                <a:latin typeface="Source Sans Pro" panose="020B0503030403020204" pitchFamily="34" charset="0"/>
-                <a:ea typeface="Source Sans Pro" panose="020B0503030403020204" pitchFamily="34" charset="0"/>
-              </a:rPr>
-              <a:t>There is use of Python </a:t>
-            </a:r>
-          </a:p>
-          <a:p>
-            <a:pPr marL="457200" lvl="0" indent="-355600">
-              <a:lnSpc>
-                <a:spcPct val="115000"/>
-              </a:lnSpc>
-              <a:spcBef>
-                <a:spcPts val="0"/>
-              </a:spcBef>
-              <a:spcAft>
-                <a:spcPts val="0"/>
-              </a:spcAft>
-              <a:buClr>
-                <a:schemeClr val="lt1"/>
-              </a:buClr>
-              <a:buSzPts val="2000"/>
-              <a:buFont typeface="Source Sans Pro"/>
-              <a:buChar char="●"/>
-            </a:pPr>
-            <a:r>
-              <a:rPr lang="en-US" b="0" dirty="0" smtClean="0">
-                <a:solidFill>
-                  <a:schemeClr val="lt1"/>
-                </a:solidFill>
-                <a:latin typeface="Source Sans Pro" panose="020B0503030403020204" pitchFamily="34" charset="0"/>
-                <a:ea typeface="Source Sans Pro" panose="020B0503030403020204" pitchFamily="34" charset="0"/>
-              </a:rPr>
-              <a:t> </a:t>
-            </a:r>
-            <a:r>
-              <a:rPr lang="en-US" b="0" dirty="0" err="1" smtClean="0">
-                <a:solidFill>
-                  <a:schemeClr val="lt1"/>
-                </a:solidFill>
-                <a:latin typeface="Source Sans Pro" panose="020B0503030403020204" pitchFamily="34" charset="0"/>
-                <a:ea typeface="Source Sans Pro" panose="020B0503030403020204" pitchFamily="34" charset="0"/>
-              </a:rPr>
-              <a:t>Django</a:t>
-            </a:r>
-            <a:r>
-              <a:rPr lang="en-US" b="0" dirty="0" smtClean="0">
-                <a:solidFill>
-                  <a:schemeClr val="lt1"/>
-                </a:solidFill>
-                <a:latin typeface="Source Sans Pro" panose="020B0503030403020204" pitchFamily="34" charset="0"/>
-                <a:ea typeface="Source Sans Pro" panose="020B0503030403020204" pitchFamily="34" charset="0"/>
-              </a:rPr>
-              <a:t>(framework) </a:t>
-            </a:r>
-          </a:p>
-          <a:p>
-            <a:pPr marL="457200" lvl="0" indent="-355600">
-              <a:lnSpc>
-                <a:spcPct val="115000"/>
-              </a:lnSpc>
-              <a:spcBef>
-                <a:spcPts val="0"/>
-              </a:spcBef>
-              <a:spcAft>
-                <a:spcPts val="0"/>
-              </a:spcAft>
-              <a:buClr>
-                <a:schemeClr val="lt1"/>
-              </a:buClr>
-              <a:buSzPts val="2000"/>
-              <a:buFont typeface="Source Sans Pro"/>
-              <a:buChar char="●"/>
-            </a:pPr>
-            <a:r>
-              <a:rPr lang="en-US" b="0" dirty="0" smtClean="0">
-                <a:solidFill>
-                  <a:schemeClr val="lt1"/>
-                </a:solidFill>
-                <a:latin typeface="Source Sans Pro" panose="020B0503030403020204" pitchFamily="34" charset="0"/>
-                <a:ea typeface="Source Sans Pro" panose="020B0503030403020204" pitchFamily="34" charset="0"/>
-              </a:rPr>
-              <a:t>Random Forest Model(Machine Learning)</a:t>
-            </a:r>
-          </a:p>
-          <a:p>
-            <a:pPr marL="457200" lvl="0" indent="-355600">
-              <a:lnSpc>
-                <a:spcPct val="115000"/>
-              </a:lnSpc>
-              <a:spcBef>
-                <a:spcPts val="0"/>
-              </a:spcBef>
-              <a:spcAft>
-                <a:spcPts val="0"/>
-              </a:spcAft>
-              <a:buClr>
-                <a:schemeClr val="lt1"/>
-              </a:buClr>
-              <a:buSzPts val="2000"/>
-              <a:buFont typeface="Source Sans Pro"/>
-              <a:buChar char="●"/>
-            </a:pPr>
-            <a:r>
-              <a:rPr lang="en-US" b="0" dirty="0" err="1" smtClean="0">
-                <a:solidFill>
-                  <a:schemeClr val="lt1"/>
-                </a:solidFill>
-                <a:latin typeface="Source Sans Pro" panose="020B0503030403020204" pitchFamily="34" charset="0"/>
-                <a:ea typeface="Source Sans Pro" panose="020B0503030403020204" pitchFamily="34" charset="0"/>
-              </a:rPr>
-              <a:t>Yfinance</a:t>
-            </a:r>
-            <a:endParaRPr lang="en-US" b="0" dirty="0" smtClean="0">
-              <a:solidFill>
-                <a:schemeClr val="lt1"/>
-              </a:solidFill>
-              <a:latin typeface="Source Sans Pro" panose="020B0503030403020204" pitchFamily="34" charset="0"/>
-              <a:ea typeface="Source Sans Pro" panose="020B0503030403020204" pitchFamily="34" charset="0"/>
-            </a:endParaRPr>
-          </a:p>
-          <a:p>
-            <a:pPr marL="457200" lvl="0" indent="-355600">
-              <a:lnSpc>
-                <a:spcPct val="115000"/>
-              </a:lnSpc>
-              <a:spcBef>
-                <a:spcPts val="0"/>
-              </a:spcBef>
-              <a:spcAft>
-                <a:spcPts val="0"/>
-              </a:spcAft>
-              <a:buClr>
-                <a:schemeClr val="lt1"/>
-              </a:buClr>
-              <a:buSzPts val="2000"/>
-              <a:buFont typeface="Source Sans Pro"/>
-              <a:buChar char="●"/>
-            </a:pPr>
-            <a:r>
-              <a:rPr lang="en-US" b="0" dirty="0" err="1" smtClean="0">
-                <a:solidFill>
-                  <a:schemeClr val="lt1"/>
-                </a:solidFill>
-                <a:latin typeface="Source Sans Pro" panose="020B0503030403020204" pitchFamily="34" charset="0"/>
-                <a:ea typeface="Source Sans Pro" panose="020B0503030403020204" pitchFamily="34" charset="0"/>
-              </a:rPr>
-              <a:t>Jupyter</a:t>
-            </a:r>
-            <a:r>
-              <a:rPr lang="en-US" b="0" dirty="0" smtClean="0">
-                <a:solidFill>
-                  <a:schemeClr val="lt1"/>
-                </a:solidFill>
-                <a:latin typeface="Source Sans Pro" panose="020B0503030403020204" pitchFamily="34" charset="0"/>
-                <a:ea typeface="Source Sans Pro" panose="020B0503030403020204" pitchFamily="34" charset="0"/>
-              </a:rPr>
-              <a:t> Notebook</a:t>
-            </a:r>
-            <a:endParaRPr lang="en-US" b="0" dirty="0">
-              <a:solidFill>
-                <a:schemeClr val="lt1"/>
-              </a:solidFill>
-              <a:latin typeface="Source Sans Pro" panose="020B0503030403020204" pitchFamily="34" charset="0"/>
-              <a:ea typeface="Source Sans Pro" panose="020B0503030403020204" pitchFamily="34" charset="0"/>
-            </a:endParaRPr>
+            <a:r>
+              <a:rPr lang="en-US" dirty="0"/>
+              <a:t>As the this </a:t>
+            </a:r>
+            <a:r>
+              <a:rPr lang="en-US" dirty="0" err="1"/>
+              <a:t>webapp</a:t>
+            </a:r>
+            <a:r>
+              <a:rPr lang="en-US" dirty="0"/>
+              <a:t> gets more user the users login count can be used as a metrics that one can use to analyze the effect of the solution</a:t>
+            </a:r>
           </a:p>
         </p:txBody>
       </p:sp>
@@ -18121,14 +18362,34 @@
           <a:bodyPr/>
           <a:lstStyle/>
           <a:p>
-            <a:endParaRPr lang="en-US"/>
+            <a:pPr lvl="0"/>
+            <a:r>
+              <a:rPr lang="en-US" b="0" dirty="0">
+                <a:solidFill>
+                  <a:schemeClr val="lt1"/>
+                </a:solidFill>
+                <a:latin typeface="Source Sans Pro" panose="020B0503030403020204" pitchFamily="34" charset="0"/>
+                <a:ea typeface="Source Sans Pro" panose="020B0503030403020204" pitchFamily="34" charset="0"/>
+              </a:rPr>
+              <a:t>What are the impact metrics that one can use to analyze the effect of the solution?</a:t>
+            </a:r>
+            <a:br>
+              <a:rPr lang="en-US" b="0" dirty="0">
+                <a:solidFill>
+                  <a:schemeClr val="lt1"/>
+                </a:solidFill>
+                <a:latin typeface="Source Sans Pro" panose="020B0503030403020204" pitchFamily="34" charset="0"/>
+                <a:ea typeface="Source Sans Pro" panose="020B0503030403020204" pitchFamily="34" charset="0"/>
+              </a:rPr>
+            </a:br>
+            <a:endParaRPr lang="en-US" dirty="0"/>
           </a:p>
         </p:txBody>
       </p:sp>
     </p:spTree>
     <p:extLst>
       <p:ext uri="{BB962C8B-B14F-4D97-AF65-F5344CB8AC3E}">
-        <p14:creationId xmlns:p14="http://schemas.microsoft.com/office/powerpoint/2010/main" val="1266028320"/>
+        <p14:creationId xmlns:p14="http://schemas.microsoft.com/office/powerpoint/2010/main" val="1868328932"/>
       </p:ext>
     </p:extLst>
   </p:cSld>
@@ -18170,90 +18431,42 @@
           <a:bodyPr/>
           <a:lstStyle/>
           <a:p>
-            <a:pPr marL="457200" lvl="0" indent="-355600">
-              <a:lnSpc>
-                <a:spcPct val="115000"/>
-              </a:lnSpc>
-              <a:spcBef>
-                <a:spcPts val="0"/>
-              </a:spcBef>
-              <a:spcAft>
-                <a:spcPts val="0"/>
-              </a:spcAft>
-              <a:buClr>
-                <a:schemeClr val="lt1"/>
-              </a:buClr>
-              <a:buSzPts val="2000"/>
-              <a:buFont typeface="Source Sans Pro"/>
-              <a:buChar char="●"/>
-            </a:pPr>
-            <a:r>
-              <a:rPr lang="en-US" b="0" dirty="0" smtClean="0">
-                <a:solidFill>
-                  <a:schemeClr val="lt1"/>
-                </a:solidFill>
-                <a:latin typeface="Source Sans Pro" panose="020B0503030403020204" pitchFamily="34" charset="0"/>
-                <a:ea typeface="Source Sans Pro" panose="020B0503030403020204" pitchFamily="34" charset="0"/>
-              </a:rPr>
-              <a:t>Assumptions</a:t>
-            </a:r>
-            <a:r>
-              <a:rPr lang="en-US" b="0" dirty="0">
-                <a:solidFill>
-                  <a:schemeClr val="lt1"/>
-                </a:solidFill>
-                <a:latin typeface="Source Sans Pro" panose="020B0503030403020204" pitchFamily="34" charset="0"/>
-                <a:ea typeface="Source Sans Pro" panose="020B0503030403020204" pitchFamily="34" charset="0"/>
-              </a:rPr>
-              <a:t>, constraints, and solution decision points (Reason behind choosing a technology</a:t>
-            </a:r>
-            <a:r>
-              <a:rPr lang="en-US" b="0" dirty="0" smtClean="0">
-                <a:solidFill>
-                  <a:schemeClr val="lt1"/>
-                </a:solidFill>
-                <a:latin typeface="Source Sans Pro" panose="020B0503030403020204" pitchFamily="34" charset="0"/>
-                <a:ea typeface="Source Sans Pro" panose="020B0503030403020204" pitchFamily="34" charset="0"/>
-              </a:rPr>
-              <a:t>)</a:t>
-            </a:r>
-            <a:endParaRPr lang="en-US" dirty="0" smtClean="0"/>
-          </a:p>
-          <a:p>
-            <a:pPr marL="457200" lvl="0" indent="-355600">
-              <a:lnSpc>
-                <a:spcPct val="115000"/>
-              </a:lnSpc>
-              <a:spcBef>
-                <a:spcPts val="0"/>
-              </a:spcBef>
-              <a:spcAft>
-                <a:spcPts val="0"/>
-              </a:spcAft>
-              <a:buClr>
-                <a:schemeClr val="lt1"/>
-              </a:buClr>
-              <a:buSzPts val="2000"/>
-              <a:buFont typeface="Source Sans Pro"/>
-              <a:buChar char="●"/>
-            </a:pPr>
-            <a:r>
-              <a:rPr lang="en-US" b="0" dirty="0" smtClean="0">
-                <a:solidFill>
-                  <a:schemeClr val="lt1"/>
-                </a:solidFill>
-                <a:latin typeface="Source Sans Pro" panose="020B0503030403020204" pitchFamily="34" charset="0"/>
-                <a:ea typeface="Source Sans Pro" panose="020B0503030403020204" pitchFamily="34" charset="0"/>
-              </a:rPr>
-              <a:t>Python is one of the flexibility </a:t>
-            </a:r>
-            <a:endParaRPr lang="en-US" b="0" dirty="0">
-              <a:solidFill>
-                <a:schemeClr val="lt1"/>
-              </a:solidFill>
-              <a:latin typeface="Source Sans Pro" panose="020B0503030403020204" pitchFamily="34" charset="0"/>
-              <a:ea typeface="Source Sans Pro" panose="020B0503030403020204" pitchFamily="34" charset="0"/>
-            </a:endParaRPr>
+            <a:pPr lvl="0"/>
+            <a:r>
+              <a:rPr lang="en-US" dirty="0"/>
+              <a:t>There is use of Python </a:t>
+            </a:r>
+          </a:p>
+          <a:p>
+            <a:pPr lvl="0"/>
+            <a:r>
+              <a:rPr lang="en-US" dirty="0"/>
+              <a:t> Django(framework) </a:t>
+            </a:r>
+          </a:p>
+          <a:p>
+            <a:pPr lvl="0"/>
+            <a:r>
+              <a:rPr lang="en-US" dirty="0"/>
+              <a:t>Random Forest Model(Machine Learning)</a:t>
+            </a:r>
+          </a:p>
+          <a:p>
+            <a:pPr lvl="0"/>
+            <a:r>
+              <a:rPr lang="en-US" dirty="0"/>
+              <a:t>Yfinance</a:t>
+            </a:r>
+          </a:p>
+          <a:p>
+            <a:pPr lvl="0"/>
+            <a:r>
+              <a:rPr lang="en-US" dirty="0"/>
+              <a:t>Jupyter Notebook</a:t>
+            </a:r>
+          </a:p>
+          <a:p>
+            <a:endParaRPr lang="en-US" dirty="0"/>
           </a:p>
         </p:txBody>
       </p:sp>
@@ -18291,14 +18504,35 @@
           <a:bodyPr/>
           <a:lstStyle/>
           <a:p>
-            <a:endParaRPr lang="en-US"/>
+            <a:pPr lvl="0"/>
+            <a:r>
+              <a:rPr lang="en-US" b="0" dirty="0">
+                <a:solidFill>
+                  <a:schemeClr val="lt1"/>
+                </a:solidFill>
+                <a:latin typeface="Source Sans Pro" panose="020B0503030403020204" pitchFamily="34" charset="0"/>
+                <a:ea typeface="Source Sans Pro" panose="020B0503030403020204" pitchFamily="34" charset="0"/>
+              </a:rPr>
+              <a:t>Frameworks/Technologies stacks to be </a:t>
+            </a:r>
+            <a:r>
+              <a:rPr lang="en-US" b="0" dirty="0" smtClean="0">
+                <a:solidFill>
+                  <a:schemeClr val="lt1"/>
+                </a:solidFill>
+                <a:latin typeface="Source Sans Pro" panose="020B0503030403020204" pitchFamily="34" charset="0"/>
+                <a:ea typeface="Source Sans Pro" panose="020B0503030403020204" pitchFamily="34" charset="0"/>
+              </a:rPr>
+              <a:t>used</a:t>
+            </a:r>
+            <a:endParaRPr lang="en-US" dirty="0"/>
           </a:p>
         </p:txBody>
       </p:sp>
     </p:spTree>
     <p:extLst>
       <p:ext uri="{BB962C8B-B14F-4D97-AF65-F5344CB8AC3E}">
-        <p14:creationId xmlns:p14="http://schemas.microsoft.com/office/powerpoint/2010/main" val="635351388"/>
+        <p14:creationId xmlns:p14="http://schemas.microsoft.com/office/powerpoint/2010/main" val="2770565544"/>
       </p:ext>
     </p:extLst>
   </p:cSld>
@@ -18340,128 +18574,10 @@
           <a:bodyPr/>
           <a:lstStyle/>
           <a:p>
-            <a:pPr marL="457200" lvl="0" indent="-355600">
-              <a:lnSpc>
-                <a:spcPct val="115000"/>
-              </a:lnSpc>
-              <a:spcBef>
-                <a:spcPts val="0"/>
-              </a:spcBef>
-              <a:spcAft>
-                <a:spcPts val="0"/>
-              </a:spcAft>
-              <a:buClr>
-                <a:schemeClr val="lt1"/>
-              </a:buClr>
-              <a:buSzPts val="2000"/>
-              <a:buFont typeface="Source Sans Pro"/>
-              <a:buChar char="●"/>
-            </a:pPr>
-            <a:r>
-              <a:rPr lang="en-US" b="0" dirty="0">
-                <a:solidFill>
-                  <a:schemeClr val="lt1"/>
-                </a:solidFill>
-                <a:latin typeface="Source Sans Pro" panose="020B0503030403020204" pitchFamily="34" charset="0"/>
-                <a:ea typeface="Source Sans Pro" panose="020B0503030403020204" pitchFamily="34" charset="0"/>
-              </a:rPr>
-              <a:t>h</a:t>
-            </a:r>
-            <a:r>
-              <a:rPr lang="en-US" b="0" dirty="0" smtClean="0">
-                <a:solidFill>
-                  <a:schemeClr val="lt1"/>
-                </a:solidFill>
-                <a:latin typeface="Source Sans Pro" panose="020B0503030403020204" pitchFamily="34" charset="0"/>
-                <a:ea typeface="Source Sans Pro" panose="020B0503030403020204" pitchFamily="34" charset="0"/>
-              </a:rPr>
-              <a:t>ow </a:t>
-            </a:r>
-            <a:r>
-              <a:rPr lang="en-US" b="0" dirty="0">
-                <a:solidFill>
-                  <a:schemeClr val="lt1"/>
-                </a:solidFill>
-                <a:latin typeface="Source Sans Pro" panose="020B0503030403020204" pitchFamily="34" charset="0"/>
-                <a:ea typeface="Source Sans Pro" panose="020B0503030403020204" pitchFamily="34" charset="0"/>
-              </a:rPr>
-              <a:t>easily can your solution be implemented and how effective will it be?</a:t>
-            </a:r>
-          </a:p>
-          <a:p>
-            <a:pPr marL="457200" lvl="0" indent="-355600">
-              <a:lnSpc>
-                <a:spcPct val="115000"/>
-              </a:lnSpc>
-              <a:spcBef>
-                <a:spcPts val="0"/>
-              </a:spcBef>
-              <a:spcAft>
-                <a:spcPts val="0"/>
-              </a:spcAft>
-              <a:buClr>
-                <a:schemeClr val="lt1"/>
-              </a:buClr>
-              <a:buSzPts val="2000"/>
-              <a:buFont typeface="Source Sans Pro"/>
-              <a:buChar char="●"/>
-            </a:pPr>
-            <a:r>
-              <a:rPr lang="en-US" b="0" dirty="0">
-                <a:solidFill>
-                  <a:schemeClr val="lt1"/>
-                </a:solidFill>
-                <a:latin typeface="Source Sans Pro" panose="020B0503030403020204" pitchFamily="34" charset="0"/>
-                <a:ea typeface="Source Sans Pro" panose="020B0503030403020204" pitchFamily="34" charset="0"/>
-              </a:rPr>
-              <a:t>Extent of </a:t>
-            </a:r>
-            <a:r>
-              <a:rPr lang="en-US" b="0" dirty="0" smtClean="0">
-                <a:solidFill>
-                  <a:schemeClr val="lt1"/>
-                </a:solidFill>
-                <a:latin typeface="Source Sans Pro" panose="020B0503030403020204" pitchFamily="34" charset="0"/>
-                <a:ea typeface="Source Sans Pro" panose="020B0503030403020204" pitchFamily="34" charset="0"/>
-              </a:rPr>
-              <a:t>Scalability/Usability</a:t>
-            </a:r>
-          </a:p>
-          <a:p>
-            <a:pPr marL="457200" lvl="0" indent="-355600">
-              <a:lnSpc>
-                <a:spcPct val="115000"/>
-              </a:lnSpc>
-              <a:spcBef>
-                <a:spcPts val="0"/>
-              </a:spcBef>
-              <a:spcAft>
-                <a:spcPts val="0"/>
-              </a:spcAft>
-              <a:buClr>
-                <a:schemeClr val="lt1"/>
-              </a:buClr>
-              <a:buSzPts val="2000"/>
-              <a:buFont typeface="Source Sans Pro"/>
-              <a:buChar char="●"/>
-            </a:pPr>
-            <a:r>
-              <a:rPr lang="en-US" b="0" dirty="0" smtClean="0">
-                <a:solidFill>
-                  <a:schemeClr val="lt1"/>
-                </a:solidFill>
-                <a:latin typeface="Source Sans Pro" panose="020B0503030403020204" pitchFamily="34" charset="0"/>
-                <a:ea typeface="Source Sans Pro" panose="020B0503030403020204" pitchFamily="34" charset="0"/>
-              </a:rPr>
-              <a:t> </a:t>
-            </a:r>
-            <a:endParaRPr lang="en-US" dirty="0">
-              <a:solidFill>
-                <a:schemeClr val="lt1"/>
-              </a:solidFill>
-              <a:latin typeface="Source Sans Pro" panose="020B0503030403020204" pitchFamily="34" charset="0"/>
-              <a:ea typeface="Source Sans Pro" panose="020B0503030403020204" pitchFamily="34" charset="0"/>
-            </a:endParaRPr>
+            <a:r>
+              <a:rPr lang="en-US" dirty="0"/>
+              <a:t>The constraints in this webapp is to understand the flow to finamce in 2021 and how to present it to the users </a:t>
+            </a:r>
           </a:p>
           <a:p>
             <a:endParaRPr lang="en-US" dirty="0"/>
@@ -18502,14 +18618,35 @@
           <a:bodyPr/>
           <a:lstStyle/>
           <a:p>
-            <a:endParaRPr lang="en-US"/>
+            <a:pPr lvl="0"/>
+            <a:r>
+              <a:rPr lang="en-US" b="0" dirty="0">
+                <a:solidFill>
+                  <a:schemeClr val="lt1"/>
+                </a:solidFill>
+                <a:latin typeface="Source Sans Pro" panose="020B0503030403020204" pitchFamily="34" charset="0"/>
+                <a:ea typeface="Source Sans Pro" panose="020B0503030403020204" pitchFamily="34" charset="0"/>
+              </a:rPr>
+              <a:t>Assumptions, constraints, and solution decision points (Reason behind choosing a technology</a:t>
+            </a:r>
+            <a:r>
+              <a:rPr lang="en-US" b="0" dirty="0" smtClean="0">
+                <a:solidFill>
+                  <a:schemeClr val="lt1"/>
+                </a:solidFill>
+                <a:latin typeface="Source Sans Pro" panose="020B0503030403020204" pitchFamily="34" charset="0"/>
+                <a:ea typeface="Source Sans Pro" panose="020B0503030403020204" pitchFamily="34" charset="0"/>
+              </a:rPr>
+              <a:t>)</a:t>
+            </a:r>
+            <a:endParaRPr lang="en-US" dirty="0"/>
           </a:p>
         </p:txBody>
       </p:sp>
     </p:spTree>
     <p:extLst>
       <p:ext uri="{BB962C8B-B14F-4D97-AF65-F5344CB8AC3E}">
-        <p14:creationId xmlns:p14="http://schemas.microsoft.com/office/powerpoint/2010/main" val="3546824000"/>
+        <p14:creationId xmlns:p14="http://schemas.microsoft.com/office/powerpoint/2010/main" val="3202583991"/>
       </p:ext>
     </p:extLst>
   </p:cSld>
@@ -18538,13 +18675,7 @@
       </p:grpSpPr>
       <p:sp>
         <p:nvSpPr>
-          <p:cNvPr id="6" name="Content Placeholder 5">
-            <a:extLst>
-              <a:ext uri="{FF2B5EF4-FFF2-40B4-BE49-F238E27FC236}">
-                <a16:creationId xmlns="" xmlns:a16="http://schemas.microsoft.com/office/drawing/2014/main" id="{FE55FF28-C028-47D8-9756-B328A54414D7}"/>
-              </a:ext>
-            </a:extLst>
-          </p:cNvPr>
+          <p:cNvPr id="2" name="Content Placeholder 1"/>
           <p:cNvSpPr>
             <a:spLocks noGrp="1"/>
           </p:cNvSpPr>
@@ -18554,273 +18685,44 @@
         </p:nvSpPr>
         <p:spPr/>
         <p:txBody>
-          <a:bodyPr vert="horz" lIns="0" tIns="0" rIns="0" bIns="0" rtlCol="0" anchor="t">
-            <a:noAutofit/>
-          </a:bodyPr>
+          <a:bodyPr/>
           <a:lstStyle/>
           <a:p>
-            <a:r>
-              <a:rPr lang="en-US" b="0" dirty="0"/>
-              <a:t>What is an architecture diagram?</a:t>
-            </a:r>
-          </a:p>
-          <a:p>
-            <a:pPr lvl="1"/>
+            <a:pPr lvl="0"/>
             <a:r>
               <a:rPr lang="en-US" dirty="0"/>
-              <a:t>An architecture diagram is a graphical representation of a set of concepts, that are part of an architecture, including their principles, elements and components. It includes:</a:t>
-            </a:r>
-          </a:p>
-          <a:p>
-            <a:pPr marL="457200" lvl="0" indent="-355600">
-              <a:lnSpc>
-                <a:spcPct val="115000"/>
-              </a:lnSpc>
-              <a:spcBef>
-                <a:spcPts val="600"/>
-              </a:spcBef>
-              <a:spcAft>
-                <a:spcPts val="0"/>
-              </a:spcAft>
-              <a:buClr>
-                <a:schemeClr val="lt1"/>
-              </a:buClr>
-              <a:buSzPts val="2000"/>
-              <a:buFont typeface="Source Sans Pro"/>
-              <a:buChar char="●"/>
-            </a:pPr>
-            <a:r>
-              <a:rPr lang="en-US" b="0" dirty="0">
-                <a:solidFill>
-                  <a:schemeClr val="lt1"/>
-                </a:solidFill>
-              </a:rPr>
-              <a:t>Flow Chart</a:t>
-            </a:r>
-          </a:p>
-          <a:p>
-            <a:pPr marL="457200" lvl="0" indent="-355600">
-              <a:lnSpc>
-                <a:spcPct val="115000"/>
-              </a:lnSpc>
-              <a:spcBef>
-                <a:spcPts val="0"/>
-              </a:spcBef>
-              <a:spcAft>
-                <a:spcPts val="0"/>
-              </a:spcAft>
-              <a:buClr>
-                <a:schemeClr val="lt1"/>
-              </a:buClr>
-              <a:buSzPts val="2000"/>
-              <a:buFont typeface="Source Sans Pro"/>
-              <a:buChar char="●"/>
-            </a:pPr>
-            <a:r>
-              <a:rPr lang="en-US" b="0" dirty="0">
-                <a:solidFill>
-                  <a:schemeClr val="lt1"/>
-                </a:solidFill>
-              </a:rPr>
-              <a:t>Wireframes</a:t>
-            </a:r>
-          </a:p>
-          <a:p>
-            <a:pPr marL="457200" lvl="0" indent="-355600">
-              <a:lnSpc>
-                <a:spcPct val="115000"/>
-              </a:lnSpc>
-              <a:spcBef>
-                <a:spcPts val="0"/>
-              </a:spcBef>
-              <a:spcAft>
-                <a:spcPts val="0"/>
-              </a:spcAft>
-              <a:buClr>
-                <a:schemeClr val="lt1"/>
-              </a:buClr>
-              <a:buSzPts val="2000"/>
-              <a:buFont typeface="Source Sans Pro"/>
-              <a:buChar char="●"/>
-            </a:pPr>
-            <a:r>
-              <a:rPr lang="en-US" b="0" dirty="0">
-                <a:solidFill>
-                  <a:schemeClr val="lt1"/>
-                </a:solidFill>
-              </a:rPr>
-              <a:t>Graphical representation</a:t>
-            </a:r>
-            <a:r>
-              <a:rPr lang="en-US" dirty="0">
-                <a:solidFill>
-                  <a:schemeClr val="lt1"/>
-                </a:solidFill>
-              </a:rPr>
-              <a:t> </a:t>
-            </a:r>
-            <a:r>
-              <a:rPr lang="en-US" b="0" dirty="0">
-                <a:solidFill>
-                  <a:schemeClr val="lt1"/>
-                </a:solidFill>
-              </a:rPr>
-              <a:t>(Bar graph, Histogram, Pie charts, Heat maps)</a:t>
-            </a:r>
-          </a:p>
-          <a:p>
-            <a:pPr marL="457200" lvl="0" indent="-355600">
-              <a:lnSpc>
-                <a:spcPct val="115000"/>
-              </a:lnSpc>
-              <a:spcBef>
-                <a:spcPts val="0"/>
-              </a:spcBef>
-              <a:spcAft>
-                <a:spcPts val="0"/>
-              </a:spcAft>
-              <a:buClr>
-                <a:schemeClr val="lt1"/>
-              </a:buClr>
-              <a:buSzPts val="2000"/>
-              <a:buFont typeface="Source Sans Pro"/>
-              <a:buChar char="●"/>
-            </a:pPr>
-            <a:r>
-              <a:rPr lang="en-US" b="0" dirty="0">
-                <a:solidFill>
-                  <a:schemeClr val="lt1"/>
-                </a:solidFill>
-              </a:rPr>
-              <a:t>Prototype (Screenshot, Screencast, Image, Video, etc.) –</a:t>
-            </a:r>
-            <a:r>
-              <a:rPr lang="en-US" b="0" i="1" dirty="0">
-                <a:solidFill>
-                  <a:schemeClr val="lt1"/>
-                </a:solidFill>
-              </a:rPr>
-              <a:t>optional</a:t>
-            </a:r>
-            <a:r>
-              <a:rPr lang="en-US" i="1" dirty="0">
-                <a:solidFill>
-                  <a:schemeClr val="lt1"/>
-                </a:solidFill>
-              </a:rPr>
-              <a:t/>
-            </a:r>
-            <a:br>
-              <a:rPr lang="en-US" i="1" dirty="0">
-                <a:solidFill>
-                  <a:schemeClr val="lt1"/>
-                </a:solidFill>
-              </a:rPr>
-            </a:br>
-            <a:r>
-              <a:rPr lang="en-US" b="0" i="1" dirty="0">
-                <a:solidFill>
-                  <a:schemeClr val="accent3"/>
-                </a:solidFill>
-              </a:rPr>
-              <a:t>[Include concept, principles, elements and components]</a:t>
-            </a:r>
-          </a:p>
-          <a:p>
-            <a:pPr lvl="0">
-              <a:lnSpc>
-                <a:spcPct val="115000"/>
-              </a:lnSpc>
-              <a:spcBef>
-                <a:spcPts val="0"/>
-              </a:spcBef>
-              <a:spcAft>
-                <a:spcPts val="0"/>
-              </a:spcAft>
-            </a:pPr>
-            <a:endParaRPr lang="en-US" b="0" i="1" dirty="0">
-              <a:solidFill>
-                <a:schemeClr val="lt1"/>
-              </a:solidFill>
-            </a:endParaRPr>
-          </a:p>
-          <a:p>
-            <a:pPr lvl="0">
-              <a:lnSpc>
-                <a:spcPct val="115000"/>
-              </a:lnSpc>
-              <a:spcBef>
-                <a:spcPts val="0"/>
-              </a:spcBef>
-              <a:spcAft>
-                <a:spcPts val="0"/>
-              </a:spcAft>
-              <a:buClr>
-                <a:srgbClr val="000000"/>
-              </a:buClr>
-              <a:buSzPts val="1800"/>
-            </a:pPr>
-            <a:r>
-              <a:rPr lang="en-US" b="0" dirty="0">
-                <a:solidFill>
-                  <a:schemeClr val="lt1"/>
-                </a:solidFill>
-              </a:rPr>
-              <a:t>Please note: Upload the documents (</a:t>
-            </a:r>
-            <a:r>
-              <a:rPr lang="en-US" b="0" dirty="0" err="1">
-                <a:solidFill>
-                  <a:schemeClr val="lt1"/>
-                </a:solidFill>
-              </a:rPr>
-              <a:t>eg</a:t>
-            </a:r>
-            <a:r>
-              <a:rPr lang="en-US" b="0" dirty="0">
-                <a:solidFill>
-                  <a:schemeClr val="lt1"/>
-                </a:solidFill>
-              </a:rPr>
-              <a:t>: .pdf, .docx, .</a:t>
-            </a:r>
-            <a:r>
-              <a:rPr lang="en-US" b="0" dirty="0" err="1">
-                <a:solidFill>
-                  <a:schemeClr val="lt1"/>
-                </a:solidFill>
-              </a:rPr>
-              <a:t>vsd</a:t>
-            </a:r>
-            <a:r>
-              <a:rPr lang="en-US" b="0" dirty="0">
-                <a:solidFill>
-                  <a:schemeClr val="lt1"/>
-                </a:solidFill>
-              </a:rPr>
-              <a:t>, etc.) directly on the platform. However, the links can be inserted/attached in this PowerPoint template. </a:t>
-            </a:r>
-            <a:endParaRPr lang="en-US" b="0" i="1" dirty="0">
-              <a:solidFill>
-                <a:schemeClr val="lt1"/>
-              </a:solidFill>
-            </a:endParaRPr>
-          </a:p>
-          <a:p>
-            <a:pPr lvl="1"/>
+              <a:t>Now the internet is access to every one and it is easy to use the webapp </a:t>
+            </a:r>
+          </a:p>
+          <a:p>
+            <a:pPr lvl="0"/>
+            <a:r>
+              <a:rPr lang="en-US" dirty="0"/>
+              <a:t>And in guid section all of the topic are explained in text and as well as in videos .</a:t>
+            </a:r>
+          </a:p>
+          <a:p>
+            <a:pPr lvl="0"/>
+            <a:r>
+              <a:rPr lang="en-US" dirty="0"/>
+              <a:t>Most of the videos on this web is on youtube as it gives creators opportunity to share there knowleage to guid in finance</a:t>
+            </a:r>
+          </a:p>
+          <a:p>
+            <a:pPr lvl="0"/>
+            <a:r>
+              <a:rPr lang="en-US" dirty="0"/>
+              <a:t>Just in one click you can access the webapp and get information about finance </a:t>
+            </a:r>
+          </a:p>
+          <a:p>
             <a:endParaRPr lang="en-US" dirty="0"/>
           </a:p>
         </p:txBody>
       </p:sp>
       <p:sp>
         <p:nvSpPr>
-          <p:cNvPr id="7" name="Text Placeholder 6">
-            <a:extLst>
-              <a:ext uri="{FF2B5EF4-FFF2-40B4-BE49-F238E27FC236}">
-                <a16:creationId xmlns="" xmlns:a16="http://schemas.microsoft.com/office/drawing/2014/main" id="{DF4F97D9-E7D7-4E85-BB50-C87C7BB6F961}"/>
-              </a:ext>
-            </a:extLst>
-          </p:cNvPr>
+          <p:cNvPr id="3" name="Text Placeholder 2"/>
           <p:cNvSpPr>
             <a:spLocks noGrp="1"/>
           </p:cNvSpPr>
@@ -18833,19 +18735,13 @@
           <a:bodyPr/>
           <a:lstStyle/>
           <a:p>
-            <a:endParaRPr lang="en-IN"/>
+            <a:endParaRPr lang="en-US"/>
           </a:p>
         </p:txBody>
       </p:sp>
       <p:sp>
         <p:nvSpPr>
-          <p:cNvPr id="4" name="Title 3">
-            <a:extLst>
-              <a:ext uri="{FF2B5EF4-FFF2-40B4-BE49-F238E27FC236}">
-                <a16:creationId xmlns="" xmlns:a16="http://schemas.microsoft.com/office/drawing/2014/main" id="{6B1011D3-A8C8-44CC-8836-11626D436C26}"/>
-              </a:ext>
-            </a:extLst>
-          </p:cNvPr>
+          <p:cNvPr id="4" name="Title 3"/>
           <p:cNvSpPr>
             <a:spLocks noGrp="1"/>
           </p:cNvSpPr>
@@ -18853,31 +18749,47 @@
             <p:ph type="title"/>
           </p:nvPr>
         </p:nvSpPr>
-        <p:spPr>
-          <a:xfrm>
-            <a:off x="432000" y="759866"/>
-            <a:ext cx="12578399" cy="379263"/>
-          </a:xfrm>
-        </p:spPr>
+        <p:spPr/>
         <p:txBody>
           <a:bodyPr/>
           <a:lstStyle/>
           <a:p>
-            <a:r>
-              <a:rPr lang="en-US" dirty="0"/>
-              <a:t>Methodology / </a:t>
-            </a:r>
-            <a:r>
-              <a:rPr lang="en-IN" dirty="0"/>
-              <a:t>Architecture diagram </a:t>
-            </a:r>
+            <a:pPr marL="457200" lvl="0" indent="-355600">
+              <a:lnSpc>
+                <a:spcPct val="115000"/>
+              </a:lnSpc>
+              <a:spcBef>
+                <a:spcPts val="0"/>
+              </a:spcBef>
+            </a:pPr>
+            <a:r>
+              <a:rPr lang="en-US" b="0" dirty="0">
+                <a:solidFill>
+                  <a:schemeClr val="lt1"/>
+                </a:solidFill>
+                <a:latin typeface="Source Sans Pro" panose="020B0503030403020204" pitchFamily="34" charset="0"/>
+                <a:ea typeface="Source Sans Pro" panose="020B0503030403020204" pitchFamily="34" charset="0"/>
+              </a:rPr>
+              <a:t>How easily can your solution be implemented and how effective will it </a:t>
+            </a:r>
+            <a:r>
+              <a:rPr lang="en-US" b="0" dirty="0" smtClean="0">
+                <a:solidFill>
+                  <a:schemeClr val="lt1"/>
+                </a:solidFill>
+                <a:latin typeface="Source Sans Pro" panose="020B0503030403020204" pitchFamily="34" charset="0"/>
+                <a:ea typeface="Source Sans Pro" panose="020B0503030403020204" pitchFamily="34" charset="0"/>
+              </a:rPr>
+              <a:t>be?</a:t>
+            </a:r>
+            <a:endParaRPr lang="en-US" dirty="0"/>
           </a:p>
         </p:txBody>
       </p:sp>
     </p:spTree>
     <p:extLst>
       <p:ext uri="{BB962C8B-B14F-4D97-AF65-F5344CB8AC3E}">
-        <p14:creationId xmlns:p14="http://schemas.microsoft.com/office/powerpoint/2010/main" val="2437973063"/>
+        <p14:creationId xmlns:p14="http://schemas.microsoft.com/office/powerpoint/2010/main" val="51497625"/>
       </p:ext>
     </p:extLst>
   </p:cSld>
@@ -20648,14 +20560,26 @@
 </file>
 
 <file path=customXml/item1.xml><?xml version="1.0" encoding="utf-8"?>
+<TemplafySlideTemplateConfiguration><![CDATA[{"slideVersion":0,"isValidatorEnabled":false,"isLocked":false,"elementsMetadata":[],"slideId":"637619437708884421","enableDocumentContentUpdater":true,"version":"1.11"}]]></TemplafySlideTemplateConfiguration>
+</file>
+
+<file path=customXml/item10.xml><?xml version="1.0" encoding="utf-8"?>
+<TemplafySlideFormConfiguration><![CDATA[{"formFields":[],"formDataEntries":[]}]]></TemplafySlideFormConfiguration>
+</file>
+
+<file path=customXml/item11.xml><?xml version="1.0" encoding="utf-8"?>
 <TemplafySlideTemplateConfiguration><![CDATA[{"slideVersion":0,"isValidatorEnabled":false,"isLocked":false,"elementsMetadata":[],"slideId":"637619437709978173","enableDocumentContentUpdater":true,"version":"1.11"}]]></TemplafySlideTemplateConfiguration>
 </file>
 
-<file path=customXml/item10.xml><?xml version="1.0" encoding="utf-8"?>
-<TemplafyTemplateConfiguration><![CDATA[{"elementsMetadata":[{"type":"shape","id":"d2174425-5607-4d6b-aa7e-b7431b9e1863","elementConfiguration":{"inheritDimensions":"inheritWidth","binding":"Form.BackgroundColorPowerPoint_Oct_vA.PowerPointInternal","disableUpdates":false,"type":"image"}},{"type":"shape","id":"ec1b0999-315e-408b-8fc7-4a17f5c3e338","elementConfiguration":{"binding":"Form.Confidentiality.Insert","visibility":{"action":"hide","binding":"Form.Confidentiality.Confidentiality","operator":"equals","compareValue":"Client Confidential","compareValues":[]},"disableUpdates":false,"type":"text"}},{"type":"shape","id":"63955c8f-2a6b-41a2-be87-db55928a4bc7","elementConfiguration":{"binding":"Form.Watermark.Insert","disableUpdates":false,"type":"text"}},{"type":"shape","id":"a6cebcce-9b2a-4fba-95b4-bdef9fe69a4b","elementConfiguration":{"templateBinding":"{{Form.Confidentiality.Insert}} {{Form.PowerPointClient}} {{Form.Confidentiality.InsertSuffix}}","visibility":{"action":"hide","binding":"Form.Confidentiality.Confidentiality","operator":"notEquals","compareValue":"Client Confidential","compareValues":[]},"disableUpdates":false,"type":"text"}},{"type":"shape","id":"947808c8-c2c6-4acb-975f-406c6eee4db0","elementConfiguration":{"inheritDimensions":"inheritWidth","binding":"Form.BackgroundColorPowerPoint_Oct_vA.PowerPointBackPage","disableUpdates":false,"type":"image"}},{"type":"shape","id":"27d45392-8484-4163-bb73-bc31367a1302","elementConfiguration":{"inheritDimensions":"inheritWidth","binding":"Form.BackgroundColorPowerPoint_Oct_vA.PowerPointDivider","disableUpdates":false,"type":"image"}},{"type":"shape","id":"448c6408-9dda-4eaa-9885-ac0ef1bb9b05","elementConfiguration":{"inheritDimensions":"inheritNone","width":"37.35 cm","height":"21.05 cm","binding":"Form.BackgroundColorPowerPoint_Oct_vA.PowerPointCover","disableUpdates":false,"type":"image"}},{"type":"shape","id":"cefa8c17-d990-4d73-9dd6-37d0bc623655","elementConfiguration":{"disableUpdates":false,"type":"text"}},{"type":"shape","id":"3fdb5e0c-4070-434d-99e6-bb344f155e44","elementConfiguration":{"disableUpdates":false,"type":"text"}},{"type":"shape","id":"0f4d98c9-ac35-4c7e-a25c-9297298baeef","elementConfiguration":{"inheritDimensions":"inheritNone","width":"2.5 cm","height":"2.5 cm","binding":"Form.ChooseProduct_Tertiary.ProductLogo","disableUpdates":false,"type":"image"}},{"type":"shape","id":"5cc30238-6e06-447f-bcad-587afb6b23c7","elementConfiguration":{"inheritDimensions":"inheritNone","width":"2.5 cm","height":"2.5 cm","binding":"Form.ChoosePoroduct_Secondary.ProductLogo","disableUpdates":false,"type":"image"}},{"type":"shape","id":"53c951d2-f0d5-4a01-bb44-0e64ea46cde6","elementConfiguration":{"inheritDimensions":"inheritNone","width":"2.5 cm","height":"2.5 cm","binding":"Form.ChooseProduct_Primary.ProductLogo","disableUpdates":false,"type":"image"}},{"type":"shape","id":"94371643-c78b-41c8-8009-cd5c66447b62","elementConfiguration":{"binding":"Form.PowerPointClient","disableUpdates":false,"type":"text"}},{"type":"shape","id":"b6d71ff5-73fe-4ec2-8e97-92f87f9ac0d0","elementConfiguration":{"format":"dd MMMM yyyy","binding":"Form.PowerPointDate","disableUpdates":false,"type":"date"}}],"transformationConfigurations":[{"colorTheme":"{{Form.BackgroundColorPowerPoint_Oct_vA.PowerPointColorTheme}}","originalColorThemeXml":"<a:clrScheme name=\"ION-Group-DarkBG\" xmlns:a=\"http://schemas.openxmlformats.org/drawingml/2006/main\"><a:dk1><a:srgbClr val=\"001437\" /></a:dk1><a:lt1><a:srgbClr val=\"FFFFFF\" /></a:lt1><a:dk2><a:srgbClr val=\"FFFFFF\" /></a:dk2><a:lt2><a:srgbClr val=\"001437\" /></a:lt2><a:accent1><a:srgbClr val=\"007AC5\" /></a:accent1><a:accent2><a:srgbClr val=\"00A5E6\" /></a:accent2><a:accent3><a:srgbClr val=\"D75641\" /></a:accent3><a:accent4><a:srgbClr val=\"AFAFB4\" /></a:accent4><a:accent5><a:srgbClr val=\"4D5B73\" /></a:accent5><a:accent6><a:srgbClr val=\"B2B8C3\" /></a:accent6><a:hlink><a:srgbClr val=\"00A5E6\" /></a:hlink><a:folHlink><a:srgbClr val=\"00A5E6\" /></a:folHlink></a:clrScheme>","disableUpdates":false,"type":"colorTheme"}],"templateName":"","templateDescription":"","enableDocumentContentUpdater":true,"version":"1.11"}]]></TemplafyTemplateConfiguration>
+<file path=customXml/item2.xml><?xml version="1.0" encoding="utf-8"?>
+<TemplafySlideTemplateConfiguration><![CDATA[{"slideVersion":0,"isValidatorEnabled":false,"isLocked":false,"elementsMetadata":[],"slideId":"637619437709978173","enableDocumentContentUpdater":true,"version":"1.11"}]]></TemplafySlideTemplateConfiguration>
 </file>
 
-<file path=customXml/item11.xml><?xml version="1.0" encoding="utf-8"?>
+<file path=customXml/item3.xml><?xml version="1.0" encoding="utf-8"?>
+<TemplafySlideFormConfiguration><![CDATA[{"formFields":[],"formDataEntries":[]}]]></TemplafySlideFormConfiguration>
+</file>
+
+<file path=customXml/item4.xml><?xml version="1.0" encoding="utf-8"?>
 <?mso-contentType ?>
 <FormTemplates xmlns="http://schemas.microsoft.com/sharepoint/v3/contenttype/forms">
   <Display>DocumentLibraryForm</Display>
@@ -20664,31 +20588,34 @@
 </FormTemplates>
 </file>
 
-<file path=customXml/item2.xml><?xml version="1.0" encoding="utf-8"?>
-<TemplafySlideTemplateConfiguration><![CDATA[{"slideVersion":0,"isValidatorEnabled":false,"isLocked":false,"elementsMetadata":[],"slideId":"637619437708884421","enableDocumentContentUpdater":true,"version":"1.11"}]]></TemplafySlideTemplateConfiguration>
-</file>
-
-<file path=customXml/item3.xml><?xml version="1.0" encoding="utf-8"?>
-<TemplafySlideFormConfiguration><![CDATA[{"formFields":[],"formDataEntries":[]}]]></TemplafySlideFormConfiguration>
-</file>
-
-<file path=customXml/item4.xml><?xml version="1.0" encoding="utf-8"?>
-<TemplafyFormConfiguration><![CDATA[{"formFields":[{"dataSource":"ION PowerPoint Branding","displayColumn":"powerPointBrand","hideIfNoUserInteractionRequired":false,"distinct":true,"required":true,"autoSelectFirstOption":false,"helpTexts":{"prefix":"","postfix":""},"spacing":{},"type":"dropDown","name":"BrandPowerPoint_Oct_vA","label":"Branding","fullyQualifiedName":"BrandPowerPoint_Oct_vA"},{"dataSource":"ION PowerPoint Branding","displayColumn":"powerPointBackgroundChoice","filter":{"column":"powerPointBrand","otherFieldName":"BrandPowerPoint_Oct_vA","fullyQualifiedOtherFieldName":"BrandPowerPoint_Oct_vA","otherFieldColumn":"powerPointBrand","formReference":"none","operator":"equals"},"hideIfNoUserInteractionRequired":false,"distinct":true,"required":true,"autoSelectFirstOption":false,"helpTexts":{"prefix":"","postfix":""},"spacing":{},"type":"dropDown","name":"BackgroundColorPowerPoint_Oct_vA","label":"Light or Dark Background","fullyQualifiedName":"BackgroundColorPowerPoint_Oct_vA"},{"required":false,"placeholder":"","lines":0,"helpTexts":{"prefix":"","postfix":""},"spacing":{},"type":"textBox","name":"PowerPointClient","label":"Client Name","fullyQualifiedName":"PowerPointClient"},{"dataSource":"IONConfidentiality","displayColumn":"confidentiality","hideIfNoUserInteractionRequired":false,"distinct":true,"required":true,"autoSelectFirstOption":false,"helpTexts":{"prefix":"","postfix":"For guidance on which notice to use, see http://ionlink.net/ic-pdf"},"spacing":{},"type":"dropDown","name":"Confidentiality","label":"Confidentiality Notice","fullyQualifiedName":"Confidentiality"},{"required":true,"helpTexts":{"prefix":"","postfix":""},"spacing":{},"type":"datePicker","name":"PowerPointDate","label":"Date","fullyQualifiedName":"PowerPointDate"},{"dataSource":"IONWatermarks","displayColumn":"showName","hideIfNoUserInteractionRequired":false,"distinct":true,"required":true,"autoSelectFirstOption":false,"helpTexts":{"prefix":"","postfix":""},"spacing":{},"type":"dropDown","name":"Watermark","label":"Watermark","fullyQualifiedName":"Watermark"},{"dataSource":"P-Product-Brand","displayColumn":"productName","filter":{"column":"powerPointBackgroundColor","otherFieldName":"BackgroundColorPowerPoint_Oct_vA","fullyQualifiedOtherFieldName":"BackgroundColorPowerPoint_Oct_vA","otherFieldColumn":"PowerPointBackgroundChoice","formReference":"none","operator":"equals"},"hideIfNoUserInteractionRequired":false,"distinct":true,"required":false,"autoSelectFirstOption":false,"helpTexts":{"prefix":"","postfix":""},"spacing":{},"type":"dropDown","name":"ChooseProduct_Primary","label":"Primary Product Brand","fullyQualifiedName":"ChooseProduct_Primary"},{"dataSource":"P-Product-Brand","displayColumn":"productName","filter":{"column":"powerPointBackgroundColor","otherFieldName":"BackgroundColorPowerPoint_Oct_vA","fullyQualifiedOtherFieldName":"BackgroundColorPowerPoint_Oct_vA","otherFieldColumn":"PowerPointBackgroundChoice","formReference":"none","operator":"equals"},"hideIfNoUserInteractionRequired":false,"distinct":true,"required":false,"autoSelectFirstOption":false,"helpTexts":{"prefix":"","postfix":""},"spacing":{},"type":"dropDown","name":"ChoosePoroduct_Secondary","label":"Secondary Product Brand","fullyQualifiedName":"ChoosePoroduct_Secondary"},{"dataSource":"P-Product-Brand","displayColumn":"productName","filter":{"column":"powerPointBackgroundColor","otherFieldName":"BackgroundColorPowerPoint_Oct_vA","fullyQualifiedOtherFieldName":"BackgroundColorPowerPoint_Oct_vA","otherFieldColumn":"PowerPointBackgroundChoice","formReference":"none","operator":"equals"},"hideIfNoUserInteractionRequired":false,"distinct":true,"required":false,"autoSelectFirstOption":false,"helpTexts":{"prefix":"","postfix":""},"spacing":{},"type":"dropDown","name":"ChooseProduct_Tertiary","label":"Tertiary Product Brand","fullyQualifiedName":"ChooseProduct_Tertiary"}],"formDataEntries":[{"name":"BrandPowerPoint_Oct_vA","value":"lkQvIQtZKCPbTDiBBU6g/Q=="},{"name":"BackgroundColorPowerPoint_Oct_vA","value":"VRq9ak7uZCA8XSw0jkTEeA=="},{"name":"Confidentiality","value":"E7VifGvQztrMpUuv3Bbm1A=="},{"name":"PowerPointDate","value":"Zxz52PF8H9HrSBl7MJUy/A=="},{"name":"Watermark","value":"WdEUi1zMcVM7Stn6Woarwg=="}]}]]></TemplafyFormConfiguration>
-</file>
-
 <file path=customXml/item5.xml><?xml version="1.0" encoding="utf-8"?>
 <TemplafySlideFormConfiguration><![CDATA[{"formFields":[],"formDataEntries":[]}]]></TemplafySlideFormConfiguration>
 </file>
 
 <file path=customXml/item6.xml><?xml version="1.0" encoding="utf-8"?>
-<TemplafySlideFormConfiguration><![CDATA[{"formFields":[],"formDataEntries":[]}]]></TemplafySlideFormConfiguration>
+<TemplafyTemplateConfiguration><![CDATA[{"elementsMetadata":[{"type":"shape","id":"d2174425-5607-4d6b-aa7e-b7431b9e1863","elementConfiguration":{"inheritDimensions":"inheritWidth","binding":"Form.BackgroundColorPowerPoint_Oct_vA.PowerPointInternal","disableUpdates":false,"type":"image"}},{"type":"shape","id":"ec1b0999-315e-408b-8fc7-4a17f5c3e338","elementConfiguration":{"binding":"Form.Confidentiality.Insert","visibility":{"action":"hide","binding":"Form.Confidentiality.Confidentiality","operator":"equals","compareValue":"Client Confidential","compareValues":[]},"disableUpdates":false,"type":"text"}},{"type":"shape","id":"63955c8f-2a6b-41a2-be87-db55928a4bc7","elementConfiguration":{"binding":"Form.Watermark.Insert","disableUpdates":false,"type":"text"}},{"type":"shape","id":"a6cebcce-9b2a-4fba-95b4-bdef9fe69a4b","elementConfiguration":{"templateBinding":"{{Form.Confidentiality.Insert}} {{Form.PowerPointClient}} {{Form.Confidentiality.InsertSuffix}}","visibility":{"action":"hide","binding":"Form.Confidentiality.Confidentiality","operator":"notEquals","compareValue":"Client Confidential","compareValues":[]},"disableUpdates":false,"type":"text"}},{"type":"shape","id":"947808c8-c2c6-4acb-975f-406c6eee4db0","elementConfiguration":{"inheritDimensions":"inheritWidth","binding":"Form.BackgroundColorPowerPoint_Oct_vA.PowerPointBackPage","disableUpdates":false,"type":"image"}},{"type":"shape","id":"27d45392-8484-4163-bb73-bc31367a1302","elementConfiguration":{"inheritDimensions":"inheritWidth","binding":"Form.BackgroundColorPowerPoint_Oct_vA.PowerPointDivider","disableUpdates":false,"type":"image"}},{"type":"shape","id":"448c6408-9dda-4eaa-9885-ac0ef1bb9b05","elementConfiguration":{"inheritDimensions":"inheritNone","width":"37.35 cm","height":"21.05 cm","binding":"Form.BackgroundColorPowerPoint_Oct_vA.PowerPointCover","disableUpdates":false,"type":"image"}},{"type":"shape","id":"cefa8c17-d990-4d73-9dd6-37d0bc623655","elementConfiguration":{"disableUpdates":false,"type":"text"}},{"type":"shape","id":"3fdb5e0c-4070-434d-99e6-bb344f155e44","elementConfiguration":{"disableUpdates":false,"type":"text"}},{"type":"shape","id":"0f4d98c9-ac35-4c7e-a25c-9297298baeef","elementConfiguration":{"inheritDimensions":"inheritNone","width":"2.5 cm","height":"2.5 cm","binding":"Form.ChooseProduct_Tertiary.ProductLogo","disableUpdates":false,"type":"image"}},{"type":"shape","id":"5cc30238-6e06-447f-bcad-587afb6b23c7","elementConfiguration":{"inheritDimensions":"inheritNone","width":"2.5 cm","height":"2.5 cm","binding":"Form.ChoosePoroduct_Secondary.ProductLogo","disableUpdates":false,"type":"image"}},{"type":"shape","id":"53c951d2-f0d5-4a01-bb44-0e64ea46cde6","elementConfiguration":{"inheritDimensions":"inheritNone","width":"2.5 cm","height":"2.5 cm","binding":"Form.ChooseProduct_Primary.ProductLogo","disableUpdates":false,"type":"image"}},{"type":"shape","id":"94371643-c78b-41c8-8009-cd5c66447b62","elementConfiguration":{"binding":"Form.PowerPointClient","disableUpdates":false,"type":"text"}},{"type":"shape","id":"b6d71ff5-73fe-4ec2-8e97-92f87f9ac0d0","elementConfiguration":{"format":"dd MMMM yyyy","binding":"Form.PowerPointDate","disableUpdates":false,"type":"date"}}],"transformationConfigurations":[{"colorTheme":"{{Form.BackgroundColorPowerPoint_Oct_vA.PowerPointColorTheme}}","originalColorThemeXml":"<a:clrScheme name=\"ION-Group-DarkBG\" xmlns:a=\"http://schemas.openxmlformats.org/drawingml/2006/main\"><a:dk1><a:srgbClr val=\"001437\" /></a:dk1><a:lt1><a:srgbClr val=\"FFFFFF\" /></a:lt1><a:dk2><a:srgbClr val=\"FFFFFF\" /></a:dk2><a:lt2><a:srgbClr val=\"001437\" /></a:lt2><a:accent1><a:srgbClr val=\"007AC5\" /></a:accent1><a:accent2><a:srgbClr val=\"00A5E6\" /></a:accent2><a:accent3><a:srgbClr val=\"D75641\" /></a:accent3><a:accent4><a:srgbClr val=\"AFAFB4\" /></a:accent4><a:accent5><a:srgbClr val=\"4D5B73\" /></a:accent5><a:accent6><a:srgbClr val=\"B2B8C3\" /></a:accent6><a:hlink><a:srgbClr val=\"00A5E6\" /></a:hlink><a:folHlink><a:srgbClr val=\"00A5E6\" /></a:folHlink></a:clrScheme>","disableUpdates":false,"type":"colorTheme"}],"templateName":"","templateDescription":"","enableDocumentContentUpdater":true,"version":"1.11"}]]></TemplafyTemplateConfiguration>
 </file>
 
 <file path=customXml/item7.xml><?xml version="1.0" encoding="utf-8"?>
-<TemplafySlideTemplateConfiguration><![CDATA[{"slideVersion":0,"isValidatorEnabled":false,"isLocked":false,"elementsMetadata":[],"slideId":"637619437709978173","enableDocumentContentUpdater":true,"version":"1.11"}]]></TemplafySlideTemplateConfiguration>
+<TemplafyFormConfiguration><![CDATA[{"formFields":[{"dataSource":"ION PowerPoint Branding","displayColumn":"powerPointBrand","hideIfNoUserInteractionRequired":false,"distinct":true,"required":true,"autoSelectFirstOption":false,"helpTexts":{"prefix":"","postfix":""},"spacing":{},"type":"dropDown","name":"BrandPowerPoint_Oct_vA","label":"Branding","fullyQualifiedName":"BrandPowerPoint_Oct_vA"},{"dataSource":"ION PowerPoint Branding","displayColumn":"powerPointBackgroundChoice","filter":{"column":"powerPointBrand","otherFieldName":"BrandPowerPoint_Oct_vA","fullyQualifiedOtherFieldName":"BrandPowerPoint_Oct_vA","otherFieldColumn":"powerPointBrand","formReference":"none","operator":"equals"},"hideIfNoUserInteractionRequired":false,"distinct":true,"required":true,"autoSelectFirstOption":false,"helpTexts":{"prefix":"","postfix":""},"spacing":{},"type":"dropDown","name":"BackgroundColorPowerPoint_Oct_vA","label":"Light or Dark Background","fullyQualifiedName":"BackgroundColorPowerPoint_Oct_vA"},{"required":false,"placeholder":"","lines":0,"helpTexts":{"prefix":"","postfix":""},"spacing":{},"type":"textBox","name":"PowerPointClient","label":"Client Name","fullyQualifiedName":"PowerPointClient"},{"dataSource":"IONConfidentiality","displayColumn":"confidentiality","hideIfNoUserInteractionRequired":false,"distinct":true,"required":true,"autoSelectFirstOption":false,"helpTexts":{"prefix":"","postfix":"For guidance on which notice to use, see http://ionlink.net/ic-pdf"},"spacing":{},"type":"dropDown","name":"Confidentiality","label":"Confidentiality Notice","fullyQualifiedName":"Confidentiality"},{"required":true,"helpTexts":{"prefix":"","postfix":""},"spacing":{},"type":"datePicker","name":"PowerPointDate","label":"Date","fullyQualifiedName":"PowerPointDate"},{"dataSource":"IONWatermarks","displayColumn":"showName","hideIfNoUserInteractionRequired":false,"distinct":true,"required":true,"autoSelectFirstOption":false,"helpTexts":{"prefix":"","postfix":""},"spacing":{},"type":"dropDown","name":"Watermark","label":"Watermark","fullyQualifiedName":"Watermark"},{"dataSource":"P-Product-Brand","displayColumn":"productName","filter":{"column":"powerPointBackgroundColor","otherFieldName":"BackgroundColorPowerPoint_Oct_vA","fullyQualifiedOtherFieldName":"BackgroundColorPowerPoint_Oct_vA","otherFieldColumn":"PowerPointBackgroundChoice","formReference":"none","operator":"equals"},"hideIfNoUserInteractionRequired":false,"distinct":true,"required":false,"autoSelectFirstOption":false,"helpTexts":{"prefix":"","postfix":""},"spacing":{},"type":"dropDown","name":"ChooseProduct_Primary","label":"Primary Product Brand","fullyQualifiedName":"ChooseProduct_Primary"},{"dataSource":"P-Product-Brand","displayColumn":"productName","filter":{"column":"powerPointBackgroundColor","otherFieldName":"BackgroundColorPowerPoint_Oct_vA","fullyQualifiedOtherFieldName":"BackgroundColorPowerPoint_Oct_vA","otherFieldColumn":"PowerPointBackgroundChoice","formReference":"none","operator":"equals"},"hideIfNoUserInteractionRequired":false,"distinct":true,"required":false,"autoSelectFirstOption":false,"helpTexts":{"prefix":"","postfix":""},"spacing":{},"type":"dropDown","name":"ChoosePoroduct_Secondary","label":"Secondary Product Brand","fullyQualifiedName":"ChoosePoroduct_Secondary"},{"dataSource":"P-Product-Brand","displayColumn":"productName","filter":{"column":"powerPointBackgroundColor","otherFieldName":"BackgroundColorPowerPoint_Oct_vA","fullyQualifiedOtherFieldName":"BackgroundColorPowerPoint_Oct_vA","otherFieldColumn":"PowerPointBackgroundChoice","formReference":"none","operator":"equals"},"hideIfNoUserInteractionRequired":false,"distinct":true,"required":false,"autoSelectFirstOption":false,"helpTexts":{"prefix":"","postfix":""},"spacing":{},"type":"dropDown","name":"ChooseProduct_Tertiary","label":"Tertiary Product Brand","fullyQualifiedName":"ChooseProduct_Tertiary"}],"formDataEntries":[{"name":"BrandPowerPoint_Oct_vA","value":"lkQvIQtZKCPbTDiBBU6g/Q=="},{"name":"BackgroundColorPowerPoint_Oct_vA","value":"VRq9ak7uZCA8XSw0jkTEeA=="},{"name":"Confidentiality","value":"E7VifGvQztrMpUuv3Bbm1A=="},{"name":"PowerPointDate","value":"Zxz52PF8H9HrSBl7MJUy/A=="},{"name":"Watermark","value":"WdEUi1zMcVM7Stn6Woarwg=="}]}]]></TemplafyFormConfiguration>
 </file>
 
 <file path=customXml/item8.xml><?xml version="1.0" encoding="utf-8"?>
+<p:properties xmlns:p="http://schemas.microsoft.com/office/2006/metadata/properties" xmlns:xsi="http://www.w3.org/2001/XMLSchema-instance" xmlns:pc="http://schemas.microsoft.com/office/infopath/2007/PartnerControls">
+  <documentManagement>
+    <SharedWithUsers xmlns="a5c6db09-7ebe-4e6b-a76e-5dc93d18b60b">
+      <UserInfo>
+        <DisplayName/>
+        <AccountId xsi:nil="true"/>
+        <AccountType/>
+      </UserInfo>
+    </SharedWithUsers>
+    <MediaLengthInSeconds xmlns="18812a47-41c3-4ae4-a99b-bb81eab4150b" xsi:nil="true"/>
+  </documentManagement>
+</p:properties>
+</file>
+
+<file path=customXml/item9.xml><?xml version="1.0" encoding="utf-8"?>
 <ct:contentTypeSchema xmlns:ct="http://schemas.microsoft.com/office/2006/metadata/contentType" xmlns:ma="http://schemas.microsoft.com/office/2006/metadata/properties/metaAttributes" ct:_="" ma:_="" ma:contentTypeName="Document" ma:contentTypeID="0x010100EF1F359E485E9A458F49A31A345DFFCA" ma:contentTypeVersion="12" ma:contentTypeDescription="Create a new document." ma:contentTypeScope="" ma:versionID="2cf3ef3ece5c2d82934cced60a749874">
   <xsd:schema xmlns:xsd="http://www.w3.org/2001/XMLSchema" xmlns:xs="http://www.w3.org/2001/XMLSchema" xmlns:p="http://schemas.microsoft.com/office/2006/metadata/properties" xmlns:ns2="18812a47-41c3-4ae4-a99b-bb81eab4150b" xmlns:ns3="a5c6db09-7ebe-4e6b-a76e-5dc93d18b60b" targetNamespace="http://schemas.microsoft.com/office/2006/metadata/properties" ma:root="true" ma:fieldsID="2207b59573b3d93e6cbc9310d0ef04d3" ns2:_="" ns3:_="">
     <xsd:import namespace="18812a47-41c3-4ae4-a99b-bb81eab4150b"/>
@@ -20905,56 +20832,41 @@
 </ct:contentTypeSchema>
 </file>
 
-<file path=customXml/item9.xml><?xml version="1.0" encoding="utf-8"?>
-<p:properties xmlns:p="http://schemas.microsoft.com/office/2006/metadata/properties" xmlns:xsi="http://www.w3.org/2001/XMLSchema-instance" xmlns:pc="http://schemas.microsoft.com/office/infopath/2007/PartnerControls">
-  <documentManagement>
-    <SharedWithUsers xmlns="a5c6db09-7ebe-4e6b-a76e-5dc93d18b60b">
-      <UserInfo>
-        <DisplayName/>
-        <AccountId xsi:nil="true"/>
-        <AccountType/>
-      </UserInfo>
-    </SharedWithUsers>
-    <MediaLengthInSeconds xmlns="18812a47-41c3-4ae4-a99b-bb81eab4150b" xsi:nil="true"/>
-  </documentManagement>
-</p:properties>
+<file path=customXml/itemProps1.xml><?xml version="1.0" encoding="utf-8"?>
+<ds:datastoreItem xmlns:ds="http://schemas.openxmlformats.org/officeDocument/2006/customXml" ds:itemID="{E4BEACE3-5A64-4321-8881-298631914CE7}">
+  <ds:schemaRefs/>
+</ds:datastoreItem>
 </file>
 
-<file path=customXml/itemProps1.xml><?xml version="1.0" encoding="utf-8"?>
+<file path=customXml/itemProps10.xml><?xml version="1.0" encoding="utf-8"?>
+<ds:datastoreItem xmlns:ds="http://schemas.openxmlformats.org/officeDocument/2006/customXml" ds:itemID="{5CE68F08-F703-449B-BC5D-8A952A0A881D}">
+  <ds:schemaRefs/>
+</ds:datastoreItem>
+</file>
+
+<file path=customXml/itemProps11.xml><?xml version="1.0" encoding="utf-8"?>
+<ds:datastoreItem xmlns:ds="http://schemas.openxmlformats.org/officeDocument/2006/customXml" ds:itemID="{AC52CB3E-BF9F-46DB-9057-868751284721}">
+  <ds:schemaRefs/>
+</ds:datastoreItem>
+</file>
+
+<file path=customXml/itemProps2.xml><?xml version="1.0" encoding="utf-8"?>
 <ds:datastoreItem xmlns:ds="http://schemas.openxmlformats.org/officeDocument/2006/customXml" ds:itemID="{BB70BA6C-4950-48C3-9E77-1559DFE0E9C1}">
   <ds:schemaRefs/>
 </ds:datastoreItem>
 </file>
 
-<file path=customXml/itemProps10.xml><?xml version="1.0" encoding="utf-8"?>
-<ds:datastoreItem xmlns:ds="http://schemas.openxmlformats.org/officeDocument/2006/customXml" ds:itemID="{12EEFC2F-DADF-4A55-981A-784BF5BE9558}">
-  <ds:schemaRefs/>
-</ds:datastoreItem>
-</file>
-
-<file path=customXml/itemProps11.xml><?xml version="1.0" encoding="utf-8"?>
-<ds:datastoreItem xmlns:ds="http://schemas.openxmlformats.org/officeDocument/2006/customXml" ds:itemID="{9B05D3BF-F23D-4CF0-A547-A6A31A36D96D}">
-  <ds:schemaRefs>
-    <ds:schemaRef ds:uri="http://schemas.microsoft.com/sharepoint/v3/contenttype/forms"/>
-  </ds:schemaRefs>
-</ds:datastoreItem>
-</file>
-
-<file path=customXml/itemProps2.xml><?xml version="1.0" encoding="utf-8"?>
-<ds:datastoreItem xmlns:ds="http://schemas.openxmlformats.org/officeDocument/2006/customXml" ds:itemID="{E4BEACE3-5A64-4321-8881-298631914CE7}">
-  <ds:schemaRefs/>
-</ds:datastoreItem>
-</file>
-
 <file path=customXml/itemProps3.xml><?xml version="1.0" encoding="utf-8"?>
-<ds:datastoreItem xmlns:ds="http://schemas.openxmlformats.org/officeDocument/2006/customXml" ds:itemID="{5CE68F08-F703-449B-BC5D-8A952A0A881D}">
+<ds:datastoreItem xmlns:ds="http://schemas.openxmlformats.org/officeDocument/2006/customXml" ds:itemID="{60D3FCEE-FBB6-44C9-808D-BEF4541DFDE0}">
   <ds:schemaRefs/>
 </ds:datastoreItem>
 </file>
 
 <file path=customXml/itemProps4.xml><?xml version="1.0" encoding="utf-8"?>
-<ds:datastoreItem xmlns:ds="http://schemas.openxmlformats.org/officeDocument/2006/customXml" ds:itemID="{2D1D177E-5746-42E6-9607-46532FE7A753}">
-  <ds:schemaRefs/>
+<ds:datastoreItem xmlns:ds="http://schemas.openxmlformats.org/officeDocument/2006/customXml" ds:itemID="{9B05D3BF-F23D-4CF0-A547-A6A31A36D96D}">
+  <ds:schemaRefs>
+    <ds:schemaRef ds:uri="http://schemas.microsoft.com/sharepoint/v3/contenttype/forms"/>
+  </ds:schemaRefs>
 </ds:datastoreItem>
 </file>
 
@@ -20965,18 +20877,35 @@
 </file>
 
 <file path=customXml/itemProps6.xml><?xml version="1.0" encoding="utf-8"?>
-<ds:datastoreItem xmlns:ds="http://schemas.openxmlformats.org/officeDocument/2006/customXml" ds:itemID="{60D3FCEE-FBB6-44C9-808D-BEF4541DFDE0}">
+<ds:datastoreItem xmlns:ds="http://schemas.openxmlformats.org/officeDocument/2006/customXml" ds:itemID="{12EEFC2F-DADF-4A55-981A-784BF5BE9558}">
   <ds:schemaRefs/>
 </ds:datastoreItem>
 </file>
 
 <file path=customXml/itemProps7.xml><?xml version="1.0" encoding="utf-8"?>
-<ds:datastoreItem xmlns:ds="http://schemas.openxmlformats.org/officeDocument/2006/customXml" ds:itemID="{AC52CB3E-BF9F-46DB-9057-868751284721}">
+<ds:datastoreItem xmlns:ds="http://schemas.openxmlformats.org/officeDocument/2006/customXml" ds:itemID="{2D1D177E-5746-42E6-9607-46532FE7A753}">
   <ds:schemaRefs/>
 </ds:datastoreItem>
 </file>
 
 <file path=customXml/itemProps8.xml><?xml version="1.0" encoding="utf-8"?>
+<ds:datastoreItem xmlns:ds="http://schemas.openxmlformats.org/officeDocument/2006/customXml" ds:itemID="{BE1EF330-E3AF-495D-830D-05885DBF6EBC}">
+  <ds:schemaRefs>
+    <ds:schemaRef ds:uri="http://schemas.microsoft.com/office/infopath/2007/PartnerControls"/>
+    <ds:schemaRef ds:uri="http://purl.org/dc/terms/"/>
+    <ds:schemaRef ds:uri="http://purl.org/dc/dcmitype/"/>
+    <ds:schemaRef ds:uri="http://schemas.microsoft.com/office/2006/documentManagement/types"/>
+    <ds:schemaRef ds:uri="http://schemas.openxmlformats.org/package/2006/metadata/core-properties"/>
+    <ds:schemaRef ds:uri="http://purl.org/dc/elements/1.1/"/>
+    <ds:schemaRef ds:uri="http://schemas.microsoft.com/office/2006/metadata/properties"/>
+    <ds:schemaRef ds:uri="a5c6db09-7ebe-4e6b-a76e-5dc93d18b60b"/>
+    <ds:schemaRef ds:uri="18812a47-41c3-4ae4-a99b-bb81eab4150b"/>
+    <ds:schemaRef ds:uri="http://www.w3.org/XML/1998/namespace"/>
+  </ds:schemaRefs>
+</ds:datastoreItem>
+</file>
+
+<file path=customXml/itemProps9.xml><?xml version="1.0" encoding="utf-8"?>
 <ds:datastoreItem xmlns:ds="http://schemas.openxmlformats.org/officeDocument/2006/customXml" ds:itemID="{760B3F06-D1EA-4871-BBB6-F3C2D11D5F48}">
   <ds:schemaRefs>
     <ds:schemaRef ds:uri="http://schemas.microsoft.com/office/2006/metadata/contentType"/>
@@ -20993,21 +20922,4 @@
     <ds:schemaRef ds:uri="http://schemas.microsoft.com/internal/obd"/>
   </ds:schemaRefs>
 </ds:datastoreItem>
-</file>
-
-<file path=customXml/itemProps9.xml><?xml version="1.0" encoding="utf-8"?>
-<ds:datastoreItem xmlns:ds="http://schemas.openxmlformats.org/officeDocument/2006/customXml" ds:itemID="{BE1EF330-E3AF-495D-830D-05885DBF6EBC}">
-  <ds:schemaRefs>
-    <ds:schemaRef ds:uri="http://purl.org/dc/elements/1.1/"/>
-    <ds:schemaRef ds:uri="http://schemas.microsoft.com/office/2006/metadata/properties"/>
-    <ds:schemaRef ds:uri="http://schemas.microsoft.com/office/infopath/2007/PartnerControls"/>
-    <ds:schemaRef ds:uri="18812a47-41c3-4ae4-a99b-bb81eab4150b"/>
-    <ds:schemaRef ds:uri="http://schemas.openxmlformats.org/package/2006/metadata/core-properties"/>
-    <ds:schemaRef ds:uri="http://purl.org/dc/terms/"/>
-    <ds:schemaRef ds:uri="http://www.w3.org/XML/1998/namespace"/>
-    <ds:schemaRef ds:uri="http://schemas.microsoft.com/office/2006/documentManagement/types"/>
-    <ds:schemaRef ds:uri="a5c6db09-7ebe-4e6b-a76e-5dc93d18b60b"/>
-    <ds:schemaRef ds:uri="http://purl.org/dc/dcmitype/"/>
-  </ds:schemaRefs>
-</ds:datastoreItem>
 </file>
--- a/HackerEarth_Idea_Submission_Template24414bb.pptx
+++ b/HackerEarth_Idea_Submission_Template24414bb.pptx
@@ -16113,6 +16113,10 @@
           <a:bodyPr/>
           <a:lstStyle/>
           <a:p>
+            <a:r>
+              <a:rPr lang="en-IN" dirty="0" smtClean="0"/>
+              <a:t>Finance Guide Web-App</a:t>
+            </a:r>
             <a:endParaRPr lang="en-IN" dirty="0"/>
           </a:p>
         </p:txBody>

--- a/HackerEarth_Idea_Submission_Template24414bb.pptx
+++ b/HackerEarth_Idea_Submission_Template24414bb.pptx
@@ -5,10 +5,10 @@
     <p:sldMasterId id="2147483666" r:id="rId12"/>
   </p:sldMasterIdLst>
   <p:notesMasterIdLst>
-    <p:notesMasterId r:id="rId27"/>
+    <p:notesMasterId r:id="rId28"/>
   </p:notesMasterIdLst>
   <p:handoutMasterIdLst>
-    <p:handoutMasterId r:id="rId28"/>
+    <p:handoutMasterId r:id="rId29"/>
   </p:handoutMasterIdLst>
   <p:sldIdLst>
     <p:sldId id="256" r:id="rId13"/>
@@ -22,9 +22,10 @@
     <p:sldId id="274" r:id="rId21"/>
     <p:sldId id="275" r:id="rId22"/>
     <p:sldId id="267" r:id="rId23"/>
-    <p:sldId id="268" r:id="rId24"/>
-    <p:sldId id="258" r:id="rId25"/>
-    <p:sldId id="269" r:id="rId26"/>
+    <p:sldId id="276" r:id="rId24"/>
+    <p:sldId id="268" r:id="rId25"/>
+    <p:sldId id="258" r:id="rId26"/>
+    <p:sldId id="269" r:id="rId27"/>
   </p:sldIdLst>
   <p:sldSz cx="13442950" cy="7561263"/>
   <p:notesSz cx="7099300" cy="10234613"/>
@@ -357,7 +358,7 @@
               <a:rPr lang="en-US">
                 <a:latin typeface="Source Sans Pro" panose="020B0503030403020204" pitchFamily="34" charset="0"/>
               </a:rPr>
-              <a:t>08-Feb-22</a:t>
+              <a:t>15-Feb-22</a:t>
             </a:fld>
             <a:endParaRPr lang="en-US" dirty="0">
               <a:latin typeface="Source Sans Pro" panose="020B0503030403020204" pitchFamily="34" charset="0"/>
@@ -535,7 +536,7 @@
             <a:fld id="{539D999F-F868-4432-A6C8-4E530226A2F6}" type="datetimeFigureOut">
               <a:rPr lang="en-US" smtClean="0"/>
               <a:pPr/>
-              <a:t>08-Feb-22</a:t>
+              <a:t>15-Feb-22</a:t>
             </a:fld>
             <a:endParaRPr lang="en-US" dirty="0"/>
           </a:p>
@@ -973,7 +974,7 @@
             <a:fld id="{60DB4552-3D69-4E2D-A256-245DD04F23B6}" type="slidenum">
               <a:rPr lang="en-US" smtClean="0"/>
               <a:pPr/>
-              <a:t>13</a:t>
+              <a:t>14</a:t>
             </a:fld>
             <a:endParaRPr lang="en-US" dirty="0"/>
           </a:p>
@@ -1063,7 +1064,7 @@
             <a:fld id="{60DB4552-3D69-4E2D-A256-245DD04F23B6}" type="slidenum">
               <a:rPr lang="en-US" smtClean="0"/>
               <a:pPr/>
-              <a:t>14</a:t>
+              <a:t>15</a:t>
             </a:fld>
             <a:endParaRPr lang="en-US" dirty="0"/>
           </a:p>
@@ -1104,7 +1105,7 @@
           <p:cNvPr id="3" name="Picture 2" descr="A picture containing text, clock&#10;&#10;Description automatically generated">
             <a:extLst>
               <a:ext uri="{FF2B5EF4-FFF2-40B4-BE49-F238E27FC236}">
-                <a16:creationId xmlns:a16="http://schemas.microsoft.com/office/drawing/2014/main" xmlns="" id="{7507DB0D-77E0-406F-9D7E-21DE6986571B}"/>
+                <a16:creationId xmlns="" xmlns:a16="http://schemas.microsoft.com/office/drawing/2014/main" id="{7507DB0D-77E0-406F-9D7E-21DE6986571B}"/>
               </a:ext>
             </a:extLst>
           </p:cNvPr>
@@ -1225,7 +1226,7 @@
           <p:cNvPr id="41" name="Watermark">
             <a:extLst>
               <a:ext uri="{FF2B5EF4-FFF2-40B4-BE49-F238E27FC236}">
-                <a16:creationId xmlns:a16="http://schemas.microsoft.com/office/drawing/2014/main" xmlns="" id="{F8E9B888-CB64-4292-BFE2-1134379589C2}"/>
+                <a16:creationId xmlns="" xmlns:a16="http://schemas.microsoft.com/office/drawing/2014/main" id="{F8E9B888-CB64-4292-BFE2-1134379589C2}"/>
               </a:ext>
             </a:extLst>
           </p:cNvPr>
@@ -1344,7 +1345,7 @@
           <p:cNvPr id="16" name="image" descr="{&quot;templafy&quot;:{&quot;id&quot;:&quot;0f4d98c9-ac35-4c7e-a25c-9297298baeef&quot;}}" title="Form.ChooseProduct_Tertiary.ProductLogo">
             <a:extLst>
               <a:ext uri="{FF2B5EF4-FFF2-40B4-BE49-F238E27FC236}">
-                <a16:creationId xmlns:a16="http://schemas.microsoft.com/office/drawing/2014/main" xmlns="" id="{12B1603D-9F98-471F-9439-F9DED843C28B}"/>
+                <a16:creationId xmlns="" xmlns:a16="http://schemas.microsoft.com/office/drawing/2014/main" id="{12B1603D-9F98-471F-9439-F9DED843C28B}"/>
               </a:ext>
             </a:extLst>
           </p:cNvPr>
@@ -1396,7 +1397,7 @@
           <p:cNvPr id="22" name="image" descr="{&quot;templafy&quot;:{&quot;id&quot;:&quot;5cc30238-6e06-447f-bcad-587afb6b23c7&quot;}}" title="Form.ChoosePoroduct_Secondary.ProductLogo">
             <a:extLst>
               <a:ext uri="{FF2B5EF4-FFF2-40B4-BE49-F238E27FC236}">
-                <a16:creationId xmlns:a16="http://schemas.microsoft.com/office/drawing/2014/main" xmlns="" id="{AE32609B-D20B-4181-AA7C-3BE2A6899EC3}"/>
+                <a16:creationId xmlns="" xmlns:a16="http://schemas.microsoft.com/office/drawing/2014/main" id="{AE32609B-D20B-4181-AA7C-3BE2A6899EC3}"/>
               </a:ext>
             </a:extLst>
           </p:cNvPr>
@@ -1448,7 +1449,7 @@
           <p:cNvPr id="23" name="image" descr="{&quot;templafy&quot;:{&quot;id&quot;:&quot;53c951d2-f0d5-4a01-bb44-0e64ea46cde6&quot;}}" title="Form.ChooseProduct_Primary.ProductLogo">
             <a:extLst>
               <a:ext uri="{FF2B5EF4-FFF2-40B4-BE49-F238E27FC236}">
-                <a16:creationId xmlns:a16="http://schemas.microsoft.com/office/drawing/2014/main" xmlns="" id="{DF2B5168-77CD-4CB4-B637-3C51D6C0379D}"/>
+                <a16:creationId xmlns="" xmlns:a16="http://schemas.microsoft.com/office/drawing/2014/main" id="{DF2B5168-77CD-4CB4-B637-3C51D6C0379D}"/>
               </a:ext>
             </a:extLst>
           </p:cNvPr>
@@ -1500,7 +1501,7 @@
           <p:cNvPr id="26" name="text" descr="{&quot;templafy&quot;:{&quot;id&quot;:&quot;94371643-c78b-41c8-8009-cd5c66447b62&quot;}}" title="Form.PowerPointClient">
             <a:extLst>
               <a:ext uri="{FF2B5EF4-FFF2-40B4-BE49-F238E27FC236}">
-                <a16:creationId xmlns:a16="http://schemas.microsoft.com/office/drawing/2014/main" xmlns="" id="{E82609A1-0FB6-403A-B4C7-8DA018653310}"/>
+                <a16:creationId xmlns="" xmlns:a16="http://schemas.microsoft.com/office/drawing/2014/main" id="{E82609A1-0FB6-403A-B4C7-8DA018653310}"/>
               </a:ext>
             </a:extLst>
           </p:cNvPr>
@@ -1610,7 +1611,7 @@
           <p:cNvPr id="30" name="Graphic 29">
             <a:extLst>
               <a:ext uri="{FF2B5EF4-FFF2-40B4-BE49-F238E27FC236}">
-                <a16:creationId xmlns:a16="http://schemas.microsoft.com/office/drawing/2014/main" xmlns="" id="{0892D56C-96CD-4165-AB95-2CADE13D46A3}"/>
+                <a16:creationId xmlns="" xmlns:a16="http://schemas.microsoft.com/office/drawing/2014/main" id="{0892D56C-96CD-4165-AB95-2CADE13D46A3}"/>
               </a:ext>
             </a:extLst>
           </p:cNvPr>
@@ -1623,7 +1624,7 @@
           <a:blip r:embed="rId3">
             <a:extLst>
               <a:ext uri="{96DAC541-7B7A-43D3-8B79-37D633B846F1}">
-                <asvg:svgBlip xmlns:asvg="http://schemas.microsoft.com/office/drawing/2016/SVG/main" xmlns="" r:embed="rId4"/>
+                <asvg:svgBlip xmlns="" xmlns:asvg="http://schemas.microsoft.com/office/drawing/2016/SVG/main" r:embed="rId4"/>
               </a:ext>
             </a:extLst>
           </a:blip>
@@ -1676,7 +1677,7 @@
           <p:cNvPr id="5" name="Picture 4" descr="Logo&#10;&#10;Description automatically generated">
             <a:extLst>
               <a:ext uri="{FF2B5EF4-FFF2-40B4-BE49-F238E27FC236}">
-                <a16:creationId xmlns:a16="http://schemas.microsoft.com/office/drawing/2014/main" xmlns="" id="{9A7EC422-57BB-41C7-93BA-F74794F20020}"/>
+                <a16:creationId xmlns="" xmlns:a16="http://schemas.microsoft.com/office/drawing/2014/main" id="{9A7EC422-57BB-41C7-93BA-F74794F20020}"/>
               </a:ext>
             </a:extLst>
           </p:cNvPr>
@@ -1876,7 +1877,7 @@
           <p:cNvPr id="11" name="Guidance">
             <a:extLst>
               <a:ext uri="{FF2B5EF4-FFF2-40B4-BE49-F238E27FC236}">
-                <a16:creationId xmlns:a16="http://schemas.microsoft.com/office/drawing/2014/main" xmlns="" id="{C0560B96-89DC-48EF-8186-C57132A06BB6}"/>
+                <a16:creationId xmlns="" xmlns:a16="http://schemas.microsoft.com/office/drawing/2014/main" id="{C0560B96-89DC-48EF-8186-C57132A06BB6}"/>
               </a:ext>
             </a:extLst>
           </p:cNvPr>
@@ -1896,7 +1897,7 @@
             <p:cNvPr id="12" name="Guidance Arrow 1">
               <a:extLst>
                 <a:ext uri="{FF2B5EF4-FFF2-40B4-BE49-F238E27FC236}">
-                  <a16:creationId xmlns:a16="http://schemas.microsoft.com/office/drawing/2014/main" xmlns="" id="{E900C0DC-D912-4F79-BAF6-9901FF11017C}"/>
+                  <a16:creationId xmlns="" xmlns:a16="http://schemas.microsoft.com/office/drawing/2014/main" id="{E900C0DC-D912-4F79-BAF6-9901FF11017C}"/>
                 </a:ext>
               </a:extLst>
             </p:cNvPr>
@@ -1938,7 +1939,7 @@
             <p:cNvPr id="13" name="Guidance Text 1">
               <a:extLst>
                 <a:ext uri="{FF2B5EF4-FFF2-40B4-BE49-F238E27FC236}">
-                  <a16:creationId xmlns:a16="http://schemas.microsoft.com/office/drawing/2014/main" xmlns="" id="{23CF8911-718C-4C58-913F-95035F69D7A5}"/>
+                  <a16:creationId xmlns="" xmlns:a16="http://schemas.microsoft.com/office/drawing/2014/main" id="{23CF8911-718C-4C58-913F-95035F69D7A5}"/>
                 </a:ext>
               </a:extLst>
             </p:cNvPr>
@@ -2004,7 +2005,7 @@
           <p:cNvPr id="15" name="Graphic 14">
             <a:extLst>
               <a:ext uri="{FF2B5EF4-FFF2-40B4-BE49-F238E27FC236}">
-                <a16:creationId xmlns:a16="http://schemas.microsoft.com/office/drawing/2014/main" xmlns="" id="{2895593F-750B-4731-88A6-52CB635F3674}"/>
+                <a16:creationId xmlns="" xmlns:a16="http://schemas.microsoft.com/office/drawing/2014/main" id="{2895593F-750B-4731-88A6-52CB635F3674}"/>
               </a:ext>
             </a:extLst>
           </p:cNvPr>
@@ -2017,7 +2018,7 @@
           <a:blip r:embed="rId3">
             <a:extLst>
               <a:ext uri="{96DAC541-7B7A-43D3-8B79-37D633B846F1}">
-                <asvg:svgBlip xmlns:asvg="http://schemas.microsoft.com/office/drawing/2016/SVG/main" xmlns="" r:embed="rId4"/>
+                <asvg:svgBlip xmlns="" xmlns:asvg="http://schemas.microsoft.com/office/drawing/2016/SVG/main" r:embed="rId4"/>
               </a:ext>
             </a:extLst>
           </a:blip>
@@ -2100,7 +2101,7 @@
           <p:cNvPr id="11" name="Picture 10" descr="A picture containing silhouette, night sky&#10;&#10;Description automatically generated">
             <a:extLst>
               <a:ext uri="{FF2B5EF4-FFF2-40B4-BE49-F238E27FC236}">
-                <a16:creationId xmlns:a16="http://schemas.microsoft.com/office/drawing/2014/main" xmlns="" id="{C283E3D3-3839-4131-88C1-A4C3E25BF1B8}"/>
+                <a16:creationId xmlns="" xmlns:a16="http://schemas.microsoft.com/office/drawing/2014/main" id="{C283E3D3-3839-4131-88C1-A4C3E25BF1B8}"/>
               </a:ext>
             </a:extLst>
           </p:cNvPr>
@@ -2227,7 +2228,7 @@
           <p:cNvPr id="4" name="Spacers">
             <a:extLst>
               <a:ext uri="{FF2B5EF4-FFF2-40B4-BE49-F238E27FC236}">
-                <a16:creationId xmlns:a16="http://schemas.microsoft.com/office/drawing/2014/main" xmlns="" id="{96BFEDA8-C529-4DC6-8C5D-C1D32F8D7174}"/>
+                <a16:creationId xmlns="" xmlns:a16="http://schemas.microsoft.com/office/drawing/2014/main" id="{96BFEDA8-C529-4DC6-8C5D-C1D32F8D7174}"/>
               </a:ext>
             </a:extLst>
           </p:cNvPr>
@@ -2247,7 +2248,7 @@
             <p:cNvPr id="5" name="Left">
               <a:extLst>
                 <a:ext uri="{FF2B5EF4-FFF2-40B4-BE49-F238E27FC236}">
-                  <a16:creationId xmlns:a16="http://schemas.microsoft.com/office/drawing/2014/main" xmlns="" id="{6473849B-1E97-46D4-8668-7175F2FE5CF0}"/>
+                  <a16:creationId xmlns="" xmlns:a16="http://schemas.microsoft.com/office/drawing/2014/main" id="{6473849B-1E97-46D4-8668-7175F2FE5CF0}"/>
                 </a:ext>
               </a:extLst>
             </p:cNvPr>
@@ -2288,7 +2289,7 @@
             <p:cNvPr id="6" name="Right">
               <a:extLst>
                 <a:ext uri="{FF2B5EF4-FFF2-40B4-BE49-F238E27FC236}">
-                  <a16:creationId xmlns:a16="http://schemas.microsoft.com/office/drawing/2014/main" xmlns="" id="{3BCB408C-D5DE-4646-88FF-F74183F140F3}"/>
+                  <a16:creationId xmlns="" xmlns:a16="http://schemas.microsoft.com/office/drawing/2014/main" id="{3BCB408C-D5DE-4646-88FF-F74183F140F3}"/>
                 </a:ext>
               </a:extLst>
             </p:cNvPr>
@@ -2330,7 +2331,7 @@
           <p:cNvPr id="13" name="Graphic 12">
             <a:extLst>
               <a:ext uri="{FF2B5EF4-FFF2-40B4-BE49-F238E27FC236}">
-                <a16:creationId xmlns:a16="http://schemas.microsoft.com/office/drawing/2014/main" xmlns="" id="{38C70AB9-AC3D-460C-8E6E-F9D342C003E9}"/>
+                <a16:creationId xmlns="" xmlns:a16="http://schemas.microsoft.com/office/drawing/2014/main" id="{38C70AB9-AC3D-460C-8E6E-F9D342C003E9}"/>
               </a:ext>
             </a:extLst>
           </p:cNvPr>
@@ -2343,7 +2344,7 @@
           <a:blip r:embed="rId3">
             <a:extLst>
               <a:ext uri="{96DAC541-7B7A-43D3-8B79-37D633B846F1}">
-                <asvg:svgBlip xmlns:asvg="http://schemas.microsoft.com/office/drawing/2016/SVG/main" xmlns="" r:embed="rId4"/>
+                <asvg:svgBlip xmlns="" xmlns:asvg="http://schemas.microsoft.com/office/drawing/2016/SVG/main" r:embed="rId4"/>
               </a:ext>
             </a:extLst>
           </a:blip>
@@ -2366,7 +2367,7 @@
           <p:cNvPr id="12" name="TextBox 11">
             <a:extLst>
               <a:ext uri="{FF2B5EF4-FFF2-40B4-BE49-F238E27FC236}">
-                <a16:creationId xmlns:a16="http://schemas.microsoft.com/office/drawing/2014/main" xmlns="" id="{88B07E22-3758-4238-9F64-474AA1AAE2DD}"/>
+                <a16:creationId xmlns="" xmlns:a16="http://schemas.microsoft.com/office/drawing/2014/main" id="{88B07E22-3758-4238-9F64-474AA1AAE2DD}"/>
               </a:ext>
             </a:extLst>
           </p:cNvPr>
@@ -2489,7 +2490,7 @@
           <p:cNvPr id="13" name="Picture 12" descr="A picture containing logo&#10;&#10;Description automatically generated">
             <a:extLst>
               <a:ext uri="{FF2B5EF4-FFF2-40B4-BE49-F238E27FC236}">
-                <a16:creationId xmlns:a16="http://schemas.microsoft.com/office/drawing/2014/main" xmlns="" id="{DDECDAF1-29AD-4827-9D7A-BC94158209A1}"/>
+                <a16:creationId xmlns="" xmlns:a16="http://schemas.microsoft.com/office/drawing/2014/main" id="{DDECDAF1-29AD-4827-9D7A-BC94158209A1}"/>
               </a:ext>
             </a:extLst>
           </p:cNvPr>
@@ -2616,7 +2617,7 @@
           <p:cNvPr id="4" name="Spacers">
             <a:extLst>
               <a:ext uri="{FF2B5EF4-FFF2-40B4-BE49-F238E27FC236}">
-                <a16:creationId xmlns:a16="http://schemas.microsoft.com/office/drawing/2014/main" xmlns="" id="{96BFEDA8-C529-4DC6-8C5D-C1D32F8D7174}"/>
+                <a16:creationId xmlns="" xmlns:a16="http://schemas.microsoft.com/office/drawing/2014/main" id="{96BFEDA8-C529-4DC6-8C5D-C1D32F8D7174}"/>
               </a:ext>
             </a:extLst>
           </p:cNvPr>
@@ -2636,7 +2637,7 @@
             <p:cNvPr id="5" name="Left">
               <a:extLst>
                 <a:ext uri="{FF2B5EF4-FFF2-40B4-BE49-F238E27FC236}">
-                  <a16:creationId xmlns:a16="http://schemas.microsoft.com/office/drawing/2014/main" xmlns="" id="{6473849B-1E97-46D4-8668-7175F2FE5CF0}"/>
+                  <a16:creationId xmlns="" xmlns:a16="http://schemas.microsoft.com/office/drawing/2014/main" id="{6473849B-1E97-46D4-8668-7175F2FE5CF0}"/>
                 </a:ext>
               </a:extLst>
             </p:cNvPr>
@@ -2677,7 +2678,7 @@
             <p:cNvPr id="6" name="Right">
               <a:extLst>
                 <a:ext uri="{FF2B5EF4-FFF2-40B4-BE49-F238E27FC236}">
-                  <a16:creationId xmlns:a16="http://schemas.microsoft.com/office/drawing/2014/main" xmlns="" id="{3BCB408C-D5DE-4646-88FF-F74183F140F3}"/>
+                  <a16:creationId xmlns="" xmlns:a16="http://schemas.microsoft.com/office/drawing/2014/main" id="{3BCB408C-D5DE-4646-88FF-F74183F140F3}"/>
                 </a:ext>
               </a:extLst>
             </p:cNvPr>
@@ -2719,7 +2720,7 @@
           <p:cNvPr id="15" name="Graphic 14">
             <a:extLst>
               <a:ext uri="{FF2B5EF4-FFF2-40B4-BE49-F238E27FC236}">
-                <a16:creationId xmlns:a16="http://schemas.microsoft.com/office/drawing/2014/main" xmlns="" id="{818F5097-2D84-4FA6-A064-0F1141B59D41}"/>
+                <a16:creationId xmlns="" xmlns:a16="http://schemas.microsoft.com/office/drawing/2014/main" id="{818F5097-2D84-4FA6-A064-0F1141B59D41}"/>
               </a:ext>
             </a:extLst>
           </p:cNvPr>
@@ -2732,7 +2733,7 @@
           <a:blip r:embed="rId3">
             <a:extLst>
               <a:ext uri="{96DAC541-7B7A-43D3-8B79-37D633B846F1}">
-                <asvg:svgBlip xmlns:asvg="http://schemas.microsoft.com/office/drawing/2016/SVG/main" xmlns="" r:embed="rId4"/>
+                <asvg:svgBlip xmlns="" xmlns:asvg="http://schemas.microsoft.com/office/drawing/2016/SVG/main" r:embed="rId4"/>
               </a:ext>
             </a:extLst>
           </a:blip>
@@ -2785,7 +2786,7 @@
           <p:cNvPr id="8" name="Title 2">
             <a:extLst>
               <a:ext uri="{FF2B5EF4-FFF2-40B4-BE49-F238E27FC236}">
-                <a16:creationId xmlns:a16="http://schemas.microsoft.com/office/drawing/2014/main" xmlns="" id="{DF0AA9B1-B4E0-428F-88EC-5EA31380067B}"/>
+                <a16:creationId xmlns="" xmlns:a16="http://schemas.microsoft.com/office/drawing/2014/main" id="{DF0AA9B1-B4E0-428F-88EC-5EA31380067B}"/>
               </a:ext>
             </a:extLst>
           </p:cNvPr>
@@ -2827,7 +2828,7 @@
           <p:cNvPr id="9" name="Guidance">
             <a:extLst>
               <a:ext uri="{FF2B5EF4-FFF2-40B4-BE49-F238E27FC236}">
-                <a16:creationId xmlns:a16="http://schemas.microsoft.com/office/drawing/2014/main" xmlns="" id="{A3E64B4F-41B5-4DBD-852D-3A5517B12B12}"/>
+                <a16:creationId xmlns="" xmlns:a16="http://schemas.microsoft.com/office/drawing/2014/main" id="{A3E64B4F-41B5-4DBD-852D-3A5517B12B12}"/>
               </a:ext>
             </a:extLst>
           </p:cNvPr>
@@ -2847,7 +2848,7 @@
             <p:cNvPr id="10" name="Guidance Arrow 1">
               <a:extLst>
                 <a:ext uri="{FF2B5EF4-FFF2-40B4-BE49-F238E27FC236}">
-                  <a16:creationId xmlns:a16="http://schemas.microsoft.com/office/drawing/2014/main" xmlns="" id="{AE753255-EA45-4734-AAB6-B86321799FA6}"/>
+                  <a16:creationId xmlns="" xmlns:a16="http://schemas.microsoft.com/office/drawing/2014/main" id="{AE753255-EA45-4734-AAB6-B86321799FA6}"/>
                 </a:ext>
               </a:extLst>
             </p:cNvPr>
@@ -2889,7 +2890,7 @@
             <p:cNvPr id="11" name="Guidance Text 1">
               <a:extLst>
                 <a:ext uri="{FF2B5EF4-FFF2-40B4-BE49-F238E27FC236}">
-                  <a16:creationId xmlns:a16="http://schemas.microsoft.com/office/drawing/2014/main" xmlns="" id="{B6E53A7B-BC5E-4920-814E-2A9382E1E887}"/>
+                  <a16:creationId xmlns="" xmlns:a16="http://schemas.microsoft.com/office/drawing/2014/main" id="{B6E53A7B-BC5E-4920-814E-2A9382E1E887}"/>
                 </a:ext>
               </a:extLst>
             </p:cNvPr>
@@ -2955,7 +2956,7 @@
           <p:cNvPr id="7" name="Section Placeholder">
             <a:extLst>
               <a:ext uri="{FF2B5EF4-FFF2-40B4-BE49-F238E27FC236}">
-                <a16:creationId xmlns:a16="http://schemas.microsoft.com/office/drawing/2014/main" xmlns="" id="{82526717-3310-43A8-B73F-A5628E6F5CE0}"/>
+                <a16:creationId xmlns="" xmlns:a16="http://schemas.microsoft.com/office/drawing/2014/main" id="{82526717-3310-43A8-B73F-A5628E6F5CE0}"/>
               </a:ext>
             </a:extLst>
           </p:cNvPr>
@@ -3274,7 +3275,7 @@
           <p:cNvPr id="3" name="Title 2">
             <a:extLst>
               <a:ext uri="{FF2B5EF4-FFF2-40B4-BE49-F238E27FC236}">
-                <a16:creationId xmlns:a16="http://schemas.microsoft.com/office/drawing/2014/main" xmlns="" id="{9D895CFA-7125-4DD6-94C8-25AF43CDBB7D}"/>
+                <a16:creationId xmlns="" xmlns:a16="http://schemas.microsoft.com/office/drawing/2014/main" id="{9D895CFA-7125-4DD6-94C8-25AF43CDBB7D}"/>
               </a:ext>
             </a:extLst>
           </p:cNvPr>
@@ -3334,7 +3335,7 @@
           <p:cNvPr id="10" name="Page number">
             <a:extLst>
               <a:ext uri="{FF2B5EF4-FFF2-40B4-BE49-F238E27FC236}">
-                <a16:creationId xmlns:a16="http://schemas.microsoft.com/office/drawing/2014/main" xmlns="" id="{D41ABB3A-85A1-4FC9-B7A4-00FEF73BB3DB}"/>
+                <a16:creationId xmlns="" xmlns:a16="http://schemas.microsoft.com/office/drawing/2014/main" id="{D41ABB3A-85A1-4FC9-B7A4-00FEF73BB3DB}"/>
               </a:ext>
             </a:extLst>
           </p:cNvPr>
@@ -3409,7 +3410,7 @@
           <p:cNvPr id="2" name="Rectangle 1">
             <a:extLst>
               <a:ext uri="{FF2B5EF4-FFF2-40B4-BE49-F238E27FC236}">
-                <a16:creationId xmlns:a16="http://schemas.microsoft.com/office/drawing/2014/main" xmlns="" id="{03A08C19-DE43-4D8D-B7F6-05135A7AD1EF}"/>
+                <a16:creationId xmlns="" xmlns:a16="http://schemas.microsoft.com/office/drawing/2014/main" id="{03A08C19-DE43-4D8D-B7F6-05135A7AD1EF}"/>
               </a:ext>
             </a:extLst>
           </p:cNvPr>
@@ -3710,7 +3711,7 @@
           <p:cNvPr id="3" name="Title 2">
             <a:extLst>
               <a:ext uri="{FF2B5EF4-FFF2-40B4-BE49-F238E27FC236}">
-                <a16:creationId xmlns:a16="http://schemas.microsoft.com/office/drawing/2014/main" xmlns="" id="{41B9D6C8-DF8A-4CAC-90FA-69A3E5DBC39A}"/>
+                <a16:creationId xmlns="" xmlns:a16="http://schemas.microsoft.com/office/drawing/2014/main" id="{41B9D6C8-DF8A-4CAC-90FA-69A3E5DBC39A}"/>
               </a:ext>
             </a:extLst>
           </p:cNvPr>
@@ -3767,7 +3768,7 @@
           <p:cNvPr id="16" name="Guidance">
             <a:extLst>
               <a:ext uri="{FF2B5EF4-FFF2-40B4-BE49-F238E27FC236}">
-                <a16:creationId xmlns:a16="http://schemas.microsoft.com/office/drawing/2014/main" xmlns="" id="{59BBDF4F-53E1-4CCF-B3CD-B5A65FD80CD0}"/>
+                <a16:creationId xmlns="" xmlns:a16="http://schemas.microsoft.com/office/drawing/2014/main" id="{59BBDF4F-53E1-4CCF-B3CD-B5A65FD80CD0}"/>
               </a:ext>
             </a:extLst>
           </p:cNvPr>
@@ -3787,7 +3788,7 @@
             <p:cNvPr id="17" name="Guidance Arrow 1">
               <a:extLst>
                 <a:ext uri="{FF2B5EF4-FFF2-40B4-BE49-F238E27FC236}">
-                  <a16:creationId xmlns:a16="http://schemas.microsoft.com/office/drawing/2014/main" xmlns="" id="{FFC4A399-6AE3-435D-8C9F-D5B4719C0AF4}"/>
+                  <a16:creationId xmlns="" xmlns:a16="http://schemas.microsoft.com/office/drawing/2014/main" id="{FFC4A399-6AE3-435D-8C9F-D5B4719C0AF4}"/>
                 </a:ext>
               </a:extLst>
             </p:cNvPr>
@@ -3829,7 +3830,7 @@
             <p:cNvPr id="18" name="Guidance Text 1">
               <a:extLst>
                 <a:ext uri="{FF2B5EF4-FFF2-40B4-BE49-F238E27FC236}">
-                  <a16:creationId xmlns:a16="http://schemas.microsoft.com/office/drawing/2014/main" xmlns="" id="{EC1E71E0-FD67-439C-9719-9382A1C025C0}"/>
+                  <a16:creationId xmlns="" xmlns:a16="http://schemas.microsoft.com/office/drawing/2014/main" id="{EC1E71E0-FD67-439C-9719-9382A1C025C0}"/>
                 </a:ext>
               </a:extLst>
             </p:cNvPr>
@@ -4052,7 +4053,7 @@
           <p:cNvPr id="9" name="Content Placeholder 2">
             <a:extLst>
               <a:ext uri="{FF2B5EF4-FFF2-40B4-BE49-F238E27FC236}">
-                <a16:creationId xmlns:a16="http://schemas.microsoft.com/office/drawing/2014/main" xmlns="" id="{A39F8322-E75D-4841-91BB-F03EBE9D32A1}"/>
+                <a16:creationId xmlns="" xmlns:a16="http://schemas.microsoft.com/office/drawing/2014/main" id="{A39F8322-E75D-4841-91BB-F03EBE9D32A1}"/>
               </a:ext>
             </a:extLst>
           </p:cNvPr>
@@ -4139,7 +4140,7 @@
           <p:cNvPr id="3" name="Title 2">
             <a:extLst>
               <a:ext uri="{FF2B5EF4-FFF2-40B4-BE49-F238E27FC236}">
-                <a16:creationId xmlns:a16="http://schemas.microsoft.com/office/drawing/2014/main" xmlns="" id="{504B8576-C97F-450B-AF7C-9C822B81252D}"/>
+                <a16:creationId xmlns="" xmlns:a16="http://schemas.microsoft.com/office/drawing/2014/main" id="{504B8576-C97F-450B-AF7C-9C822B81252D}"/>
               </a:ext>
             </a:extLst>
           </p:cNvPr>
@@ -4197,7 +4198,7 @@
           <p:cNvPr id="12" name="Guidance">
             <a:extLst>
               <a:ext uri="{FF2B5EF4-FFF2-40B4-BE49-F238E27FC236}">
-                <a16:creationId xmlns:a16="http://schemas.microsoft.com/office/drawing/2014/main" xmlns="" id="{8BBEF967-7A57-44E2-82CB-731E6A47DEED}"/>
+                <a16:creationId xmlns="" xmlns:a16="http://schemas.microsoft.com/office/drawing/2014/main" id="{8BBEF967-7A57-44E2-82CB-731E6A47DEED}"/>
               </a:ext>
             </a:extLst>
           </p:cNvPr>
@@ -4217,7 +4218,7 @@
             <p:cNvPr id="13" name="Guidance Arrow 1">
               <a:extLst>
                 <a:ext uri="{FF2B5EF4-FFF2-40B4-BE49-F238E27FC236}">
-                  <a16:creationId xmlns:a16="http://schemas.microsoft.com/office/drawing/2014/main" xmlns="" id="{E0BDBE6C-F311-4ED7-8111-E6085F05E467}"/>
+                  <a16:creationId xmlns="" xmlns:a16="http://schemas.microsoft.com/office/drawing/2014/main" id="{E0BDBE6C-F311-4ED7-8111-E6085F05E467}"/>
                 </a:ext>
               </a:extLst>
             </p:cNvPr>
@@ -4259,7 +4260,7 @@
             <p:cNvPr id="14" name="Guidance Text 1">
               <a:extLst>
                 <a:ext uri="{FF2B5EF4-FFF2-40B4-BE49-F238E27FC236}">
-                  <a16:creationId xmlns:a16="http://schemas.microsoft.com/office/drawing/2014/main" xmlns="" id="{601AE108-F079-49B9-932F-D8638E8A9B16}"/>
+                  <a16:creationId xmlns="" xmlns:a16="http://schemas.microsoft.com/office/drawing/2014/main" id="{601AE108-F079-49B9-932F-D8638E8A9B16}"/>
                 </a:ext>
               </a:extLst>
             </p:cNvPr>
@@ -4355,7 +4356,7 @@
           <p:cNvPr id="27" name="Content Placeholder 4">
             <a:extLst>
               <a:ext uri="{FF2B5EF4-FFF2-40B4-BE49-F238E27FC236}">
-                <a16:creationId xmlns:a16="http://schemas.microsoft.com/office/drawing/2014/main" xmlns="" id="{BF44F2C6-878C-49AD-86A3-E4F9C81B6A17}"/>
+                <a16:creationId xmlns="" xmlns:a16="http://schemas.microsoft.com/office/drawing/2014/main" id="{BF44F2C6-878C-49AD-86A3-E4F9C81B6A17}"/>
               </a:ext>
             </a:extLst>
           </p:cNvPr>
@@ -4442,7 +4443,7 @@
           <p:cNvPr id="28" name="Content Placeholder 3">
             <a:extLst>
               <a:ext uri="{FF2B5EF4-FFF2-40B4-BE49-F238E27FC236}">
-                <a16:creationId xmlns:a16="http://schemas.microsoft.com/office/drawing/2014/main" xmlns="" id="{A44EB6E1-603C-49EE-B1C0-8A0BB39A79DB}"/>
+                <a16:creationId xmlns="" xmlns:a16="http://schemas.microsoft.com/office/drawing/2014/main" id="{A44EB6E1-603C-49EE-B1C0-8A0BB39A79DB}"/>
               </a:ext>
             </a:extLst>
           </p:cNvPr>
@@ -4529,7 +4530,7 @@
           <p:cNvPr id="29" name="Content Placeholder 2">
             <a:extLst>
               <a:ext uri="{FF2B5EF4-FFF2-40B4-BE49-F238E27FC236}">
-                <a16:creationId xmlns:a16="http://schemas.microsoft.com/office/drawing/2014/main" xmlns="" id="{2457269A-0502-42B1-8EFE-2C220E0E957F}"/>
+                <a16:creationId xmlns="" xmlns:a16="http://schemas.microsoft.com/office/drawing/2014/main" id="{2457269A-0502-42B1-8EFE-2C220E0E957F}"/>
               </a:ext>
             </a:extLst>
           </p:cNvPr>
@@ -4616,7 +4617,7 @@
           <p:cNvPr id="30" name="Content Placeholder 1">
             <a:extLst>
               <a:ext uri="{FF2B5EF4-FFF2-40B4-BE49-F238E27FC236}">
-                <a16:creationId xmlns:a16="http://schemas.microsoft.com/office/drawing/2014/main" xmlns="" id="{6FEE4595-13BB-4EF8-8A7F-7F4BA9EE4DFD}"/>
+                <a16:creationId xmlns="" xmlns:a16="http://schemas.microsoft.com/office/drawing/2014/main" id="{6FEE4595-13BB-4EF8-8A7F-7F4BA9EE4DFD}"/>
               </a:ext>
             </a:extLst>
           </p:cNvPr>
@@ -4749,7 +4750,7 @@
           <p:cNvPr id="3" name="Title 2">
             <a:extLst>
               <a:ext uri="{FF2B5EF4-FFF2-40B4-BE49-F238E27FC236}">
-                <a16:creationId xmlns:a16="http://schemas.microsoft.com/office/drawing/2014/main" xmlns="" id="{FC5A05A5-E949-4255-8EA9-24090C2E7544}"/>
+                <a16:creationId xmlns="" xmlns:a16="http://schemas.microsoft.com/office/drawing/2014/main" id="{FC5A05A5-E949-4255-8EA9-24090C2E7544}"/>
               </a:ext>
             </a:extLst>
           </p:cNvPr>
@@ -4806,7 +4807,7 @@
           <p:cNvPr id="13" name="Guidance">
             <a:extLst>
               <a:ext uri="{FF2B5EF4-FFF2-40B4-BE49-F238E27FC236}">
-                <a16:creationId xmlns:a16="http://schemas.microsoft.com/office/drawing/2014/main" xmlns="" id="{D957027B-ECB0-453C-BFC6-A19B11EBCE38}"/>
+                <a16:creationId xmlns="" xmlns:a16="http://schemas.microsoft.com/office/drawing/2014/main" id="{D957027B-ECB0-453C-BFC6-A19B11EBCE38}"/>
               </a:ext>
             </a:extLst>
           </p:cNvPr>
@@ -4826,7 +4827,7 @@
             <p:cNvPr id="16" name="Guidance Arrow 1">
               <a:extLst>
                 <a:ext uri="{FF2B5EF4-FFF2-40B4-BE49-F238E27FC236}">
-                  <a16:creationId xmlns:a16="http://schemas.microsoft.com/office/drawing/2014/main" xmlns="" id="{AA5C761A-0D64-4D21-8B9E-6AC5F7C8B379}"/>
+                  <a16:creationId xmlns="" xmlns:a16="http://schemas.microsoft.com/office/drawing/2014/main" id="{AA5C761A-0D64-4D21-8B9E-6AC5F7C8B379}"/>
                 </a:ext>
               </a:extLst>
             </p:cNvPr>
@@ -4868,7 +4869,7 @@
             <p:cNvPr id="17" name="Guidance Text 1">
               <a:extLst>
                 <a:ext uri="{FF2B5EF4-FFF2-40B4-BE49-F238E27FC236}">
-                  <a16:creationId xmlns:a16="http://schemas.microsoft.com/office/drawing/2014/main" xmlns="" id="{7F835AD1-1221-48D2-8B7F-08295DDDA82C}"/>
+                  <a16:creationId xmlns="" xmlns:a16="http://schemas.microsoft.com/office/drawing/2014/main" id="{7F835AD1-1221-48D2-8B7F-08295DDDA82C}"/>
                 </a:ext>
               </a:extLst>
             </p:cNvPr>
@@ -5172,7 +5173,7 @@
           <p:cNvPr id="2" name="Title 1">
             <a:extLst>
               <a:ext uri="{FF2B5EF4-FFF2-40B4-BE49-F238E27FC236}">
-                <a16:creationId xmlns:a16="http://schemas.microsoft.com/office/drawing/2014/main" xmlns="" id="{6EACCE5A-C1DE-4A2A-8864-4E54FE2B74B8}"/>
+                <a16:creationId xmlns="" xmlns:a16="http://schemas.microsoft.com/office/drawing/2014/main" id="{6EACCE5A-C1DE-4A2A-8864-4E54FE2B74B8}"/>
               </a:ext>
             </a:extLst>
           </p:cNvPr>
@@ -5229,7 +5230,7 @@
           <p:cNvPr id="12" name="Guidance">
             <a:extLst>
               <a:ext uri="{FF2B5EF4-FFF2-40B4-BE49-F238E27FC236}">
-                <a16:creationId xmlns:a16="http://schemas.microsoft.com/office/drawing/2014/main" xmlns="" id="{55B24E05-AC6C-4B2D-A5F9-A0018C46254D}"/>
+                <a16:creationId xmlns="" xmlns:a16="http://schemas.microsoft.com/office/drawing/2014/main" id="{55B24E05-AC6C-4B2D-A5F9-A0018C46254D}"/>
               </a:ext>
             </a:extLst>
           </p:cNvPr>
@@ -5249,7 +5250,7 @@
             <p:cNvPr id="13" name="Guidance Arrow 1">
               <a:extLst>
                 <a:ext uri="{FF2B5EF4-FFF2-40B4-BE49-F238E27FC236}">
-                  <a16:creationId xmlns:a16="http://schemas.microsoft.com/office/drawing/2014/main" xmlns="" id="{D65313BF-6CCE-4CDF-A432-8AF6870F5ACB}"/>
+                  <a16:creationId xmlns="" xmlns:a16="http://schemas.microsoft.com/office/drawing/2014/main" id="{D65313BF-6CCE-4CDF-A432-8AF6870F5ACB}"/>
                 </a:ext>
               </a:extLst>
             </p:cNvPr>
@@ -5291,7 +5292,7 @@
             <p:cNvPr id="15" name="Guidance Text 1">
               <a:extLst>
                 <a:ext uri="{FF2B5EF4-FFF2-40B4-BE49-F238E27FC236}">
-                  <a16:creationId xmlns:a16="http://schemas.microsoft.com/office/drawing/2014/main" xmlns="" id="{536CE970-74C9-40C8-98BD-D84A2B3993D5}"/>
+                  <a16:creationId xmlns="" xmlns:a16="http://schemas.microsoft.com/office/drawing/2014/main" id="{536CE970-74C9-40C8-98BD-D84A2B3993D5}"/>
                 </a:ext>
               </a:extLst>
             </p:cNvPr>
@@ -5676,7 +5677,7 @@
           <p:cNvPr id="2" name="Title 1">
             <a:extLst>
               <a:ext uri="{FF2B5EF4-FFF2-40B4-BE49-F238E27FC236}">
-                <a16:creationId xmlns:a16="http://schemas.microsoft.com/office/drawing/2014/main" xmlns="" id="{B1C6A348-6205-498D-9CE0-D87F3AE9F722}"/>
+                <a16:creationId xmlns="" xmlns:a16="http://schemas.microsoft.com/office/drawing/2014/main" id="{B1C6A348-6205-498D-9CE0-D87F3AE9F722}"/>
               </a:ext>
             </a:extLst>
           </p:cNvPr>
@@ -5729,7 +5730,7 @@
           <p:cNvPr id="13" name="Guidance">
             <a:extLst>
               <a:ext uri="{FF2B5EF4-FFF2-40B4-BE49-F238E27FC236}">
-                <a16:creationId xmlns:a16="http://schemas.microsoft.com/office/drawing/2014/main" xmlns="" id="{ABCB4460-5216-41BB-971E-1D7EE2FF7E7C}"/>
+                <a16:creationId xmlns="" xmlns:a16="http://schemas.microsoft.com/office/drawing/2014/main" id="{ABCB4460-5216-41BB-971E-1D7EE2FF7E7C}"/>
               </a:ext>
             </a:extLst>
           </p:cNvPr>
@@ -5749,7 +5750,7 @@
             <p:cNvPr id="14" name="Guidance Arrow 1">
               <a:extLst>
                 <a:ext uri="{FF2B5EF4-FFF2-40B4-BE49-F238E27FC236}">
-                  <a16:creationId xmlns:a16="http://schemas.microsoft.com/office/drawing/2014/main" xmlns="" id="{11D8F244-B709-43AF-A43B-3E885A1A0184}"/>
+                  <a16:creationId xmlns="" xmlns:a16="http://schemas.microsoft.com/office/drawing/2014/main" id="{11D8F244-B709-43AF-A43B-3E885A1A0184}"/>
                 </a:ext>
               </a:extLst>
             </p:cNvPr>
@@ -5791,7 +5792,7 @@
             <p:cNvPr id="15" name="Guidance Text 1">
               <a:extLst>
                 <a:ext uri="{FF2B5EF4-FFF2-40B4-BE49-F238E27FC236}">
-                  <a16:creationId xmlns:a16="http://schemas.microsoft.com/office/drawing/2014/main" xmlns="" id="{28575260-B7E3-42F5-8388-B7E8F7E2BBAF}"/>
+                  <a16:creationId xmlns="" xmlns:a16="http://schemas.microsoft.com/office/drawing/2014/main" id="{28575260-B7E3-42F5-8388-B7E8F7E2BBAF}"/>
                 </a:ext>
               </a:extLst>
             </p:cNvPr>
@@ -5892,7 +5893,7 @@
           <p:cNvPr id="7" name="Picture 6" descr="Shape&#10;&#10;Description automatically generated with medium confidence">
             <a:extLst>
               <a:ext uri="{FF2B5EF4-FFF2-40B4-BE49-F238E27FC236}">
-                <a16:creationId xmlns:a16="http://schemas.microsoft.com/office/drawing/2014/main" xmlns="" id="{F4DEEAB6-329F-4CBA-A96D-9E4CA750191F}"/>
+                <a16:creationId xmlns="" xmlns:a16="http://schemas.microsoft.com/office/drawing/2014/main" id="{F4DEEAB6-329F-4CBA-A96D-9E4CA750191F}"/>
               </a:ext>
             </a:extLst>
           </p:cNvPr>
@@ -6171,7 +6172,7 @@
           <p:cNvPr id="31" name="text" descr="{&quot;templafy&quot;:{&quot;id&quot;:&quot;63955c8f-2a6b-41a2-be87-db55928a4bc7&quot;}}" title="Form.Watermark.Insert">
             <a:extLst>
               <a:ext uri="{FF2B5EF4-FFF2-40B4-BE49-F238E27FC236}">
-                <a16:creationId xmlns:a16="http://schemas.microsoft.com/office/drawing/2014/main" xmlns="" id="{AFA147AB-C0BC-4E0C-9510-CF4F3659FC9B}"/>
+                <a16:creationId xmlns="" xmlns:a16="http://schemas.microsoft.com/office/drawing/2014/main" id="{AFA147AB-C0BC-4E0C-9510-CF4F3659FC9B}"/>
               </a:ext>
             </a:extLst>
           </p:cNvPr>
@@ -6221,7 +6222,7 @@
           <p:cNvPr id="5" name="[WorkArea]" descr="&lt;?xml version=&quot;1.0&quot; encoding=&quot;utf-16&quot;?&gt;&#10;&lt;GridTheme xmlns:xsi=&quot;http://www.w3.org/2001/XMLSchema-instance&quot; xmlns:xsd=&quot;http://www.w3.org/2001/XMLSchema&quot;&gt;&#10;  &lt;GuideLines /&gt;&#10;  &lt;WorkArea&gt;&#10;    &lt;Top&gt;107.716537&lt;/Top&gt;&#10;    &lt;Left&gt;34.0157471&lt;/Left&gt;&#10;    &lt;Width&gt;773.8583&lt;/Width&gt;&#10;    &lt;Height&gt;453.5433&lt;/Height&gt;&#10;  &lt;/WorkArea&gt;&#10;  &lt;AspectW&gt;-1&lt;/AspectW&gt;&#10;  &lt;AspectH&gt;-1&lt;/AspectH&gt;&#10;  &lt;Width&gt;842&lt;/Width&gt;&#10;  &lt;Height&gt;595.375&lt;/Height&gt;&#10;  &lt;HGap&gt;5&lt;/HGap&gt;&#10;  &lt;VGap&gt;5&lt;/VGap&gt;&#10;  &lt;OfficeVersion&gt;-1&lt;/OfficeVersion&gt;&#10;&lt;/GridTheme&gt;" hidden="1">
             <a:extLst>
               <a:ext uri="{FF2B5EF4-FFF2-40B4-BE49-F238E27FC236}">
-                <a16:creationId xmlns:a16="http://schemas.microsoft.com/office/drawing/2014/main" xmlns="" id="{F2F87FDE-D3F2-4ED7-AA86-AC88F140331E}"/>
+                <a16:creationId xmlns="" xmlns:a16="http://schemas.microsoft.com/office/drawing/2014/main" id="{F2F87FDE-D3F2-4ED7-AA86-AC88F140331E}"/>
               </a:ext>
             </a:extLst>
           </p:cNvPr>
@@ -6284,7 +6285,7 @@
           <p:cNvPr id="12" name="Content [Comment]" hidden="1">
             <a:extLst>
               <a:ext uri="{FF2B5EF4-FFF2-40B4-BE49-F238E27FC236}">
-                <a16:creationId xmlns:a16="http://schemas.microsoft.com/office/drawing/2014/main" xmlns="" id="{0D084DA3-FD1E-4081-9795-7F138FAB2CBE}"/>
+                <a16:creationId xmlns="" xmlns:a16="http://schemas.microsoft.com/office/drawing/2014/main" id="{0D084DA3-FD1E-4081-9795-7F138FAB2CBE}"/>
               </a:ext>
             </a:extLst>
           </p:cNvPr>
@@ -6380,7 +6381,7 @@
           <p:cNvPr id="13" name="Formatting [Comment]" hidden="1">
             <a:extLst>
               <a:ext uri="{FF2B5EF4-FFF2-40B4-BE49-F238E27FC236}">
-                <a16:creationId xmlns:a16="http://schemas.microsoft.com/office/drawing/2014/main" xmlns="" id="{DF14772E-BE6F-4D13-89F5-8FAE6FAE3E90}"/>
+                <a16:creationId xmlns="" xmlns:a16="http://schemas.microsoft.com/office/drawing/2014/main" id="{DF14772E-BE6F-4D13-89F5-8FAE6FAE3E90}"/>
               </a:ext>
             </a:extLst>
           </p:cNvPr>
@@ -6476,7 +6477,7 @@
           <p:cNvPr id="14" name="Dummy [Sticker]" hidden="1">
             <a:extLst>
               <a:ext uri="{FF2B5EF4-FFF2-40B4-BE49-F238E27FC236}">
-                <a16:creationId xmlns:a16="http://schemas.microsoft.com/office/drawing/2014/main" xmlns="" id="{06F79DFD-217C-4CAF-A426-803F810C2D4B}"/>
+                <a16:creationId xmlns="" xmlns:a16="http://schemas.microsoft.com/office/drawing/2014/main" id="{06F79DFD-217C-4CAF-A426-803F810C2D4B}"/>
               </a:ext>
             </a:extLst>
           </p:cNvPr>
@@ -6548,7 +6549,7 @@
           <p:cNvPr id="15" name="Update [Sticker]" hidden="1">
             <a:extLst>
               <a:ext uri="{FF2B5EF4-FFF2-40B4-BE49-F238E27FC236}">
-                <a16:creationId xmlns:a16="http://schemas.microsoft.com/office/drawing/2014/main" xmlns="" id="{F98573FB-65AA-4D35-8227-C46EDCC78692}"/>
+                <a16:creationId xmlns="" xmlns:a16="http://schemas.microsoft.com/office/drawing/2014/main" id="{F98573FB-65AA-4D35-8227-C46EDCC78692}"/>
               </a:ext>
             </a:extLst>
           </p:cNvPr>
@@ -6620,7 +6621,7 @@
           <p:cNvPr id="16" name="Responsible [Sticker]" hidden="1">
             <a:extLst>
               <a:ext uri="{FF2B5EF4-FFF2-40B4-BE49-F238E27FC236}">
-                <a16:creationId xmlns:a16="http://schemas.microsoft.com/office/drawing/2014/main" xmlns="" id="{091E0E52-71ED-4093-B060-78DABB379E27}"/>
+                <a16:creationId xmlns="" xmlns:a16="http://schemas.microsoft.com/office/drawing/2014/main" id="{091E0E52-71ED-4093-B060-78DABB379E27}"/>
               </a:ext>
             </a:extLst>
           </p:cNvPr>
@@ -6709,7 +6710,7 @@
           <p:cNvPr id="17" name="Final [Sticker]" hidden="1">
             <a:extLst>
               <a:ext uri="{FF2B5EF4-FFF2-40B4-BE49-F238E27FC236}">
-                <a16:creationId xmlns:a16="http://schemas.microsoft.com/office/drawing/2014/main" xmlns="" id="{D60FDC6B-7BA4-4118-8174-A1111D1A86DF}"/>
+                <a16:creationId xmlns="" xmlns:a16="http://schemas.microsoft.com/office/drawing/2014/main" id="{D60FDC6B-7BA4-4118-8174-A1111D1A86DF}"/>
               </a:ext>
             </a:extLst>
           </p:cNvPr>
@@ -6781,7 +6782,7 @@
           <p:cNvPr id="18" name="Discussion [Sticker]" hidden="1">
             <a:extLst>
               <a:ext uri="{FF2B5EF4-FFF2-40B4-BE49-F238E27FC236}">
-                <a16:creationId xmlns:a16="http://schemas.microsoft.com/office/drawing/2014/main" xmlns="" id="{27B5DC3A-0C4D-48AC-A7C6-19C70347DA43}"/>
+                <a16:creationId xmlns="" xmlns:a16="http://schemas.microsoft.com/office/drawing/2014/main" id="{27B5DC3A-0C4D-48AC-A7C6-19C70347DA43}"/>
               </a:ext>
             </a:extLst>
           </p:cNvPr>
@@ -6853,7 +6854,7 @@
           <p:cNvPr id="20" name="Internal [Sticker]" hidden="1">
             <a:extLst>
               <a:ext uri="{FF2B5EF4-FFF2-40B4-BE49-F238E27FC236}">
-                <a16:creationId xmlns:a16="http://schemas.microsoft.com/office/drawing/2014/main" xmlns="" id="{C3F62AEF-6F0D-49CF-885E-572445241FC5}"/>
+                <a16:creationId xmlns="" xmlns:a16="http://schemas.microsoft.com/office/drawing/2014/main" id="{C3F62AEF-6F0D-49CF-885E-572445241FC5}"/>
               </a:ext>
             </a:extLst>
           </p:cNvPr>
@@ -6925,7 +6926,7 @@
           <p:cNvPr id="152" name="Draft [Sticker]" hidden="1">
             <a:extLst>
               <a:ext uri="{FF2B5EF4-FFF2-40B4-BE49-F238E27FC236}">
-                <a16:creationId xmlns:a16="http://schemas.microsoft.com/office/drawing/2014/main" xmlns="" id="{863F970D-334C-4BEF-BC19-2F8990952FEA}"/>
+                <a16:creationId xmlns="" xmlns:a16="http://schemas.microsoft.com/office/drawing/2014/main" id="{863F970D-334C-4BEF-BC19-2F8990952FEA}"/>
               </a:ext>
             </a:extLst>
           </p:cNvPr>
@@ -6997,7 +6998,7 @@
           <p:cNvPr id="21" name="Backup [Sticker]" hidden="1">
             <a:extLst>
               <a:ext uri="{FF2B5EF4-FFF2-40B4-BE49-F238E27FC236}">
-                <a16:creationId xmlns:a16="http://schemas.microsoft.com/office/drawing/2014/main" xmlns="" id="{6116239B-536D-4EF6-8148-96BA221809C4}"/>
+                <a16:creationId xmlns="" xmlns:a16="http://schemas.microsoft.com/office/drawing/2014/main" id="{6116239B-536D-4EF6-8148-96BA221809C4}"/>
               </a:ext>
             </a:extLst>
           </p:cNvPr>
@@ -7069,7 +7070,7 @@
           <p:cNvPr id="151" name="INSTRUCTIONS Customize ProductivityPlus objects" hidden="1">
             <a:extLst>
               <a:ext uri="{FF2B5EF4-FFF2-40B4-BE49-F238E27FC236}">
-                <a16:creationId xmlns:a16="http://schemas.microsoft.com/office/drawing/2014/main" xmlns="" id="{14D75303-5CB5-49A1-85EE-DB3BC2AA6D52}"/>
+                <a16:creationId xmlns="" xmlns:a16="http://schemas.microsoft.com/office/drawing/2014/main" id="{14D75303-5CB5-49A1-85EE-DB3BC2AA6D52}"/>
               </a:ext>
             </a:extLst>
           </p:cNvPr>
@@ -7104,7 +7105,7 @@
           <p:cNvPr id="23" name="Harvey 3" hidden="1">
             <a:extLst>
               <a:ext uri="{FF2B5EF4-FFF2-40B4-BE49-F238E27FC236}">
-                <a16:creationId xmlns:a16="http://schemas.microsoft.com/office/drawing/2014/main" xmlns="" id="{071D377C-83C8-49A0-894D-57E7D32AC506}"/>
+                <a16:creationId xmlns="" xmlns:a16="http://schemas.microsoft.com/office/drawing/2014/main" id="{071D377C-83C8-49A0-894D-57E7D32AC506}"/>
               </a:ext>
             </a:extLst>
           </p:cNvPr>
@@ -7133,7 +7134,7 @@
             <p:cNvPr id="24" name="Harvey 0/3 [0]" hidden="1">
               <a:extLst>
                 <a:ext uri="{FF2B5EF4-FFF2-40B4-BE49-F238E27FC236}">
-                  <a16:creationId xmlns:a16="http://schemas.microsoft.com/office/drawing/2014/main" xmlns="" id="{A1D7F45D-37C1-4251-8BD8-06981817CECC}"/>
+                  <a16:creationId xmlns="" xmlns:a16="http://schemas.microsoft.com/office/drawing/2014/main" id="{A1D7F45D-37C1-4251-8BD8-06981817CECC}"/>
                 </a:ext>
               </a:extLst>
             </p:cNvPr>
@@ -7207,7 +7208,7 @@
             <p:cNvPr id="25" name="Harvey 1/3 [1]">
               <a:extLst>
                 <a:ext uri="{FF2B5EF4-FFF2-40B4-BE49-F238E27FC236}">
-                  <a16:creationId xmlns:a16="http://schemas.microsoft.com/office/drawing/2014/main" xmlns="" id="{EF92E16D-608C-4CA9-943A-4A7B1085B6B5}"/>
+                  <a16:creationId xmlns="" xmlns:a16="http://schemas.microsoft.com/office/drawing/2014/main" id="{EF92E16D-608C-4CA9-943A-4A7B1085B6B5}"/>
                 </a:ext>
               </a:extLst>
             </p:cNvPr>
@@ -7291,7 +7292,7 @@
             <p:cNvPr id="26" name="Harvey 2/3 [2]" hidden="1">
               <a:extLst>
                 <a:ext uri="{FF2B5EF4-FFF2-40B4-BE49-F238E27FC236}">
-                  <a16:creationId xmlns:a16="http://schemas.microsoft.com/office/drawing/2014/main" xmlns="" id="{D87A715F-92F2-4DA2-9B5D-B8400676174C}"/>
+                  <a16:creationId xmlns="" xmlns:a16="http://schemas.microsoft.com/office/drawing/2014/main" id="{D87A715F-92F2-4DA2-9B5D-B8400676174C}"/>
                 </a:ext>
               </a:extLst>
             </p:cNvPr>
@@ -7375,7 +7376,7 @@
             <p:cNvPr id="27" name="Harvey 3/3 [3]" hidden="1">
               <a:extLst>
                 <a:ext uri="{FF2B5EF4-FFF2-40B4-BE49-F238E27FC236}">
-                  <a16:creationId xmlns:a16="http://schemas.microsoft.com/office/drawing/2014/main" xmlns="" id="{F4B16284-BB16-4832-827F-67A674CECE6A}"/>
+                  <a16:creationId xmlns="" xmlns:a16="http://schemas.microsoft.com/office/drawing/2014/main" id="{F4B16284-BB16-4832-827F-67A674CECE6A}"/>
                 </a:ext>
               </a:extLst>
             </p:cNvPr>
@@ -7451,7 +7452,7 @@
           <p:cNvPr id="28" name="Harvey 4" hidden="1">
             <a:extLst>
               <a:ext uri="{FF2B5EF4-FFF2-40B4-BE49-F238E27FC236}">
-                <a16:creationId xmlns:a16="http://schemas.microsoft.com/office/drawing/2014/main" xmlns="" id="{7E5E865F-9D2F-49A6-BF70-ED97919FB888}"/>
+                <a16:creationId xmlns="" xmlns:a16="http://schemas.microsoft.com/office/drawing/2014/main" id="{7E5E865F-9D2F-49A6-BF70-ED97919FB888}"/>
               </a:ext>
             </a:extLst>
           </p:cNvPr>
@@ -7480,7 +7481,7 @@
             <p:cNvPr id="29" name="Harvey 0/4 [0]" hidden="1">
               <a:extLst>
                 <a:ext uri="{FF2B5EF4-FFF2-40B4-BE49-F238E27FC236}">
-                  <a16:creationId xmlns:a16="http://schemas.microsoft.com/office/drawing/2014/main" xmlns="" id="{00C22439-064D-4106-94C4-5FF7292E4891}"/>
+                  <a16:creationId xmlns="" xmlns:a16="http://schemas.microsoft.com/office/drawing/2014/main" id="{00C22439-064D-4106-94C4-5FF7292E4891}"/>
                 </a:ext>
               </a:extLst>
             </p:cNvPr>
@@ -7554,7 +7555,7 @@
             <p:cNvPr id="30" name="Harvey 1/4 [1]">
               <a:extLst>
                 <a:ext uri="{FF2B5EF4-FFF2-40B4-BE49-F238E27FC236}">
-                  <a16:creationId xmlns:a16="http://schemas.microsoft.com/office/drawing/2014/main" xmlns="" id="{37D2BB80-E2BC-43E9-B328-0ED0F24152CF}"/>
+                  <a16:creationId xmlns="" xmlns:a16="http://schemas.microsoft.com/office/drawing/2014/main" id="{37D2BB80-E2BC-43E9-B328-0ED0F24152CF}"/>
                 </a:ext>
               </a:extLst>
             </p:cNvPr>
@@ -7638,7 +7639,7 @@
             <p:cNvPr id="32" name="Harvey 2/4 [2]" hidden="1">
               <a:extLst>
                 <a:ext uri="{FF2B5EF4-FFF2-40B4-BE49-F238E27FC236}">
-                  <a16:creationId xmlns:a16="http://schemas.microsoft.com/office/drawing/2014/main" xmlns="" id="{E6FE060D-0096-4997-9029-D5690E01997B}"/>
+                  <a16:creationId xmlns="" xmlns:a16="http://schemas.microsoft.com/office/drawing/2014/main" id="{E6FE060D-0096-4997-9029-D5690E01997B}"/>
                 </a:ext>
               </a:extLst>
             </p:cNvPr>
@@ -7722,7 +7723,7 @@
             <p:cNvPr id="33" name="Harvey 3/4 [3]" hidden="1">
               <a:extLst>
                 <a:ext uri="{FF2B5EF4-FFF2-40B4-BE49-F238E27FC236}">
-                  <a16:creationId xmlns:a16="http://schemas.microsoft.com/office/drawing/2014/main" xmlns="" id="{F805B285-20CD-4F80-A4E5-41F6380931C1}"/>
+                  <a16:creationId xmlns="" xmlns:a16="http://schemas.microsoft.com/office/drawing/2014/main" id="{F805B285-20CD-4F80-A4E5-41F6380931C1}"/>
                 </a:ext>
               </a:extLst>
             </p:cNvPr>
@@ -7806,7 +7807,7 @@
             <p:cNvPr id="34" name="Harvey 4/4 [4]" hidden="1">
               <a:extLst>
                 <a:ext uri="{FF2B5EF4-FFF2-40B4-BE49-F238E27FC236}">
-                  <a16:creationId xmlns:a16="http://schemas.microsoft.com/office/drawing/2014/main" xmlns="" id="{B8D94971-5F03-4F84-8257-DB02BF5AB535}"/>
+                  <a16:creationId xmlns="" xmlns:a16="http://schemas.microsoft.com/office/drawing/2014/main" id="{B8D94971-5F03-4F84-8257-DB02BF5AB535}"/>
                 </a:ext>
               </a:extLst>
             </p:cNvPr>
@@ -7882,7 +7883,7 @@
           <p:cNvPr id="35" name="Harvey 8" hidden="1">
             <a:extLst>
               <a:ext uri="{FF2B5EF4-FFF2-40B4-BE49-F238E27FC236}">
-                <a16:creationId xmlns:a16="http://schemas.microsoft.com/office/drawing/2014/main" xmlns="" id="{21CB7840-EEE9-4A57-8330-DC149C04F931}"/>
+                <a16:creationId xmlns="" xmlns:a16="http://schemas.microsoft.com/office/drawing/2014/main" id="{21CB7840-EEE9-4A57-8330-DC149C04F931}"/>
               </a:ext>
             </a:extLst>
           </p:cNvPr>
@@ -7911,7 +7912,7 @@
             <p:cNvPr id="36" name="Harvey 0/8 [0]" hidden="1">
               <a:extLst>
                 <a:ext uri="{FF2B5EF4-FFF2-40B4-BE49-F238E27FC236}">
-                  <a16:creationId xmlns:a16="http://schemas.microsoft.com/office/drawing/2014/main" xmlns="" id="{046080E4-7CB0-4409-96B9-D2740E06E93A}"/>
+                  <a16:creationId xmlns="" xmlns:a16="http://schemas.microsoft.com/office/drawing/2014/main" id="{046080E4-7CB0-4409-96B9-D2740E06E93A}"/>
                 </a:ext>
               </a:extLst>
             </p:cNvPr>
@@ -7985,7 +7986,7 @@
             <p:cNvPr id="37" name="Harvey 1/8 [1]">
               <a:extLst>
                 <a:ext uri="{FF2B5EF4-FFF2-40B4-BE49-F238E27FC236}">
-                  <a16:creationId xmlns:a16="http://schemas.microsoft.com/office/drawing/2014/main" xmlns="" id="{0E4F2552-3B84-4B1E-A3E9-BD49FA68C8A3}"/>
+                  <a16:creationId xmlns="" xmlns:a16="http://schemas.microsoft.com/office/drawing/2014/main" id="{0E4F2552-3B84-4B1E-A3E9-BD49FA68C8A3}"/>
                 </a:ext>
               </a:extLst>
             </p:cNvPr>
@@ -8069,7 +8070,7 @@
             <p:cNvPr id="38" name="Harvey 2/8 [2]" hidden="1">
               <a:extLst>
                 <a:ext uri="{FF2B5EF4-FFF2-40B4-BE49-F238E27FC236}">
-                  <a16:creationId xmlns:a16="http://schemas.microsoft.com/office/drawing/2014/main" xmlns="" id="{0137FAB4-C6FB-4122-9212-9F69A4F0104C}"/>
+                  <a16:creationId xmlns="" xmlns:a16="http://schemas.microsoft.com/office/drawing/2014/main" id="{0137FAB4-C6FB-4122-9212-9F69A4F0104C}"/>
                 </a:ext>
               </a:extLst>
             </p:cNvPr>
@@ -8153,7 +8154,7 @@
             <p:cNvPr id="39" name="Harvey 3/8 [3]" hidden="1">
               <a:extLst>
                 <a:ext uri="{FF2B5EF4-FFF2-40B4-BE49-F238E27FC236}">
-                  <a16:creationId xmlns:a16="http://schemas.microsoft.com/office/drawing/2014/main" xmlns="" id="{A49B98E4-CF05-4786-87D7-02B0A1ACDFBA}"/>
+                  <a16:creationId xmlns="" xmlns:a16="http://schemas.microsoft.com/office/drawing/2014/main" id="{A49B98E4-CF05-4786-87D7-02B0A1ACDFBA}"/>
                 </a:ext>
               </a:extLst>
             </p:cNvPr>
@@ -8237,7 +8238,7 @@
             <p:cNvPr id="40" name="Harvey 4/8 [4]" hidden="1">
               <a:extLst>
                 <a:ext uri="{FF2B5EF4-FFF2-40B4-BE49-F238E27FC236}">
-                  <a16:creationId xmlns:a16="http://schemas.microsoft.com/office/drawing/2014/main" xmlns="" id="{AD3E1235-4DF3-4373-8AC9-313DFF4391FE}"/>
+                  <a16:creationId xmlns="" xmlns:a16="http://schemas.microsoft.com/office/drawing/2014/main" id="{AD3E1235-4DF3-4373-8AC9-313DFF4391FE}"/>
                 </a:ext>
               </a:extLst>
             </p:cNvPr>
@@ -8321,7 +8322,7 @@
             <p:cNvPr id="41" name="Harvey 5/8 [5]" hidden="1">
               <a:extLst>
                 <a:ext uri="{FF2B5EF4-FFF2-40B4-BE49-F238E27FC236}">
-                  <a16:creationId xmlns:a16="http://schemas.microsoft.com/office/drawing/2014/main" xmlns="" id="{8BF8A6EA-3C0F-4BEC-9E2D-1F248EEEABD2}"/>
+                  <a16:creationId xmlns="" xmlns:a16="http://schemas.microsoft.com/office/drawing/2014/main" id="{8BF8A6EA-3C0F-4BEC-9E2D-1F248EEEABD2}"/>
                 </a:ext>
               </a:extLst>
             </p:cNvPr>
@@ -8405,7 +8406,7 @@
             <p:cNvPr id="42" name="Harvey 6/8 [6]" hidden="1">
               <a:extLst>
                 <a:ext uri="{FF2B5EF4-FFF2-40B4-BE49-F238E27FC236}">
-                  <a16:creationId xmlns:a16="http://schemas.microsoft.com/office/drawing/2014/main" xmlns="" id="{A7E1699D-C2C9-48F9-BEC0-3D8C5B055727}"/>
+                  <a16:creationId xmlns="" xmlns:a16="http://schemas.microsoft.com/office/drawing/2014/main" id="{A7E1699D-C2C9-48F9-BEC0-3D8C5B055727}"/>
                 </a:ext>
               </a:extLst>
             </p:cNvPr>
@@ -8489,7 +8490,7 @@
             <p:cNvPr id="43" name="Harvey 7/8 [7]" hidden="1">
               <a:extLst>
                 <a:ext uri="{FF2B5EF4-FFF2-40B4-BE49-F238E27FC236}">
-                  <a16:creationId xmlns:a16="http://schemas.microsoft.com/office/drawing/2014/main" xmlns="" id="{213D2D9C-F255-4E54-BD20-25BA6F87C00F}"/>
+                  <a16:creationId xmlns="" xmlns:a16="http://schemas.microsoft.com/office/drawing/2014/main" id="{213D2D9C-F255-4E54-BD20-25BA6F87C00F}"/>
                 </a:ext>
               </a:extLst>
             </p:cNvPr>
@@ -8573,7 +8574,7 @@
             <p:cNvPr id="44" name="Harvey 8/8 [8]" hidden="1">
               <a:extLst>
                 <a:ext uri="{FF2B5EF4-FFF2-40B4-BE49-F238E27FC236}">
-                  <a16:creationId xmlns:a16="http://schemas.microsoft.com/office/drawing/2014/main" xmlns="" id="{63FF89B9-501F-409A-AF89-BE3274947E6A}"/>
+                  <a16:creationId xmlns="" xmlns:a16="http://schemas.microsoft.com/office/drawing/2014/main" id="{63FF89B9-501F-409A-AF89-BE3274947E6A}"/>
                 </a:ext>
               </a:extLst>
             </p:cNvPr>
@@ -8649,7 +8650,7 @@
           <p:cNvPr id="45" name="Harvey 100" hidden="1">
             <a:extLst>
               <a:ext uri="{FF2B5EF4-FFF2-40B4-BE49-F238E27FC236}">
-                <a16:creationId xmlns:a16="http://schemas.microsoft.com/office/drawing/2014/main" xmlns="" id="{D94805F3-A7EE-4FFF-AAF2-C3DDAB5C2AD2}"/>
+                <a16:creationId xmlns="" xmlns:a16="http://schemas.microsoft.com/office/drawing/2014/main" id="{D94805F3-A7EE-4FFF-AAF2-C3DDAB5C2AD2}"/>
               </a:ext>
             </a:extLst>
           </p:cNvPr>
@@ -8676,7 +8677,7 @@
             <p:cNvPr id="46" name="Harvey 0/100 [0]" hidden="1">
               <a:extLst>
                 <a:ext uri="{FF2B5EF4-FFF2-40B4-BE49-F238E27FC236}">
-                  <a16:creationId xmlns:a16="http://schemas.microsoft.com/office/drawing/2014/main" xmlns="" id="{1D14D670-AEBA-4415-9D77-1EC6D7320163}"/>
+                  <a16:creationId xmlns="" xmlns:a16="http://schemas.microsoft.com/office/drawing/2014/main" id="{1D14D670-AEBA-4415-9D77-1EC6D7320163}"/>
                 </a:ext>
               </a:extLst>
             </p:cNvPr>
@@ -8729,7 +8730,7 @@
             <p:cNvPr id="47" name="Harvey 1/100 [1]">
               <a:extLst>
                 <a:ext uri="{FF2B5EF4-FFF2-40B4-BE49-F238E27FC236}">
-                  <a16:creationId xmlns:a16="http://schemas.microsoft.com/office/drawing/2014/main" xmlns="" id="{E764E7CD-9463-46C9-94A4-93F0B4CBE97E}"/>
+                  <a16:creationId xmlns="" xmlns:a16="http://schemas.microsoft.com/office/drawing/2014/main" id="{E764E7CD-9463-46C9-94A4-93F0B4CBE97E}"/>
                 </a:ext>
               </a:extLst>
             </p:cNvPr>
@@ -8792,7 +8793,7 @@
             <p:cNvPr id="48" name="Harvey 2/100 [2]" hidden="1">
               <a:extLst>
                 <a:ext uri="{FF2B5EF4-FFF2-40B4-BE49-F238E27FC236}">
-                  <a16:creationId xmlns:a16="http://schemas.microsoft.com/office/drawing/2014/main" xmlns="" id="{78BA7683-8535-47F1-A490-5FBF9132363B}"/>
+                  <a16:creationId xmlns="" xmlns:a16="http://schemas.microsoft.com/office/drawing/2014/main" id="{78BA7683-8535-47F1-A490-5FBF9132363B}"/>
                 </a:ext>
               </a:extLst>
             </p:cNvPr>
@@ -8855,7 +8856,7 @@
             <p:cNvPr id="49" name="Harvey 3/100 [3]" hidden="1">
               <a:extLst>
                 <a:ext uri="{FF2B5EF4-FFF2-40B4-BE49-F238E27FC236}">
-                  <a16:creationId xmlns:a16="http://schemas.microsoft.com/office/drawing/2014/main" xmlns="" id="{C8DD9F26-EE6C-4DC9-85E4-6B378D1F1325}"/>
+                  <a16:creationId xmlns="" xmlns:a16="http://schemas.microsoft.com/office/drawing/2014/main" id="{C8DD9F26-EE6C-4DC9-85E4-6B378D1F1325}"/>
                 </a:ext>
               </a:extLst>
             </p:cNvPr>
@@ -8918,7 +8919,7 @@
             <p:cNvPr id="50" name="Harvey 4/100 [4]" hidden="1">
               <a:extLst>
                 <a:ext uri="{FF2B5EF4-FFF2-40B4-BE49-F238E27FC236}">
-                  <a16:creationId xmlns:a16="http://schemas.microsoft.com/office/drawing/2014/main" xmlns="" id="{D26EDC53-45DE-47D6-A92E-68CE8427AB33}"/>
+                  <a16:creationId xmlns="" xmlns:a16="http://schemas.microsoft.com/office/drawing/2014/main" id="{D26EDC53-45DE-47D6-A92E-68CE8427AB33}"/>
                 </a:ext>
               </a:extLst>
             </p:cNvPr>
@@ -8981,7 +8982,7 @@
             <p:cNvPr id="51" name="Harvey 5/100 [5]" hidden="1">
               <a:extLst>
                 <a:ext uri="{FF2B5EF4-FFF2-40B4-BE49-F238E27FC236}">
-                  <a16:creationId xmlns:a16="http://schemas.microsoft.com/office/drawing/2014/main" xmlns="" id="{E6463E6D-F7BF-4903-97B8-BA091985DA0B}"/>
+                  <a16:creationId xmlns="" xmlns:a16="http://schemas.microsoft.com/office/drawing/2014/main" id="{E6463E6D-F7BF-4903-97B8-BA091985DA0B}"/>
                 </a:ext>
               </a:extLst>
             </p:cNvPr>
@@ -9044,7 +9045,7 @@
             <p:cNvPr id="52" name="Harvey 6/100 [6]" hidden="1">
               <a:extLst>
                 <a:ext uri="{FF2B5EF4-FFF2-40B4-BE49-F238E27FC236}">
-                  <a16:creationId xmlns:a16="http://schemas.microsoft.com/office/drawing/2014/main" xmlns="" id="{D5527B60-2B7B-4AE5-873C-CCDCECA52754}"/>
+                  <a16:creationId xmlns="" xmlns:a16="http://schemas.microsoft.com/office/drawing/2014/main" id="{D5527B60-2B7B-4AE5-873C-CCDCECA52754}"/>
                 </a:ext>
               </a:extLst>
             </p:cNvPr>
@@ -9107,7 +9108,7 @@
             <p:cNvPr id="53" name="Harvey 7/100 [7]" hidden="1">
               <a:extLst>
                 <a:ext uri="{FF2B5EF4-FFF2-40B4-BE49-F238E27FC236}">
-                  <a16:creationId xmlns:a16="http://schemas.microsoft.com/office/drawing/2014/main" xmlns="" id="{0D199EDA-3910-4EC5-B7C0-D338D3182922}"/>
+                  <a16:creationId xmlns="" xmlns:a16="http://schemas.microsoft.com/office/drawing/2014/main" id="{0D199EDA-3910-4EC5-B7C0-D338D3182922}"/>
                 </a:ext>
               </a:extLst>
             </p:cNvPr>
@@ -9170,7 +9171,7 @@
             <p:cNvPr id="54" name="Harvey 8/100 [8]" hidden="1">
               <a:extLst>
                 <a:ext uri="{FF2B5EF4-FFF2-40B4-BE49-F238E27FC236}">
-                  <a16:creationId xmlns:a16="http://schemas.microsoft.com/office/drawing/2014/main" xmlns="" id="{69279733-1DB5-41D6-908D-FE5D98D6FB14}"/>
+                  <a16:creationId xmlns="" xmlns:a16="http://schemas.microsoft.com/office/drawing/2014/main" id="{69279733-1DB5-41D6-908D-FE5D98D6FB14}"/>
                 </a:ext>
               </a:extLst>
             </p:cNvPr>
@@ -9233,7 +9234,7 @@
             <p:cNvPr id="55" name="Harvey 9/100 [9]" hidden="1">
               <a:extLst>
                 <a:ext uri="{FF2B5EF4-FFF2-40B4-BE49-F238E27FC236}">
-                  <a16:creationId xmlns:a16="http://schemas.microsoft.com/office/drawing/2014/main" xmlns="" id="{B3A912D3-5F7F-430D-9515-4D97AD1B5D37}"/>
+                  <a16:creationId xmlns="" xmlns:a16="http://schemas.microsoft.com/office/drawing/2014/main" id="{B3A912D3-5F7F-430D-9515-4D97AD1B5D37}"/>
                 </a:ext>
               </a:extLst>
             </p:cNvPr>
@@ -9296,7 +9297,7 @@
             <p:cNvPr id="56" name="Harvey 10/100 [10]" hidden="1">
               <a:extLst>
                 <a:ext uri="{FF2B5EF4-FFF2-40B4-BE49-F238E27FC236}">
-                  <a16:creationId xmlns:a16="http://schemas.microsoft.com/office/drawing/2014/main" xmlns="" id="{4FDA2658-A924-4232-9D3F-1C5F4579C135}"/>
+                  <a16:creationId xmlns="" xmlns:a16="http://schemas.microsoft.com/office/drawing/2014/main" id="{4FDA2658-A924-4232-9D3F-1C5F4579C135}"/>
                 </a:ext>
               </a:extLst>
             </p:cNvPr>
@@ -9359,7 +9360,7 @@
             <p:cNvPr id="57" name="Harvey 11/100 [11]" hidden="1">
               <a:extLst>
                 <a:ext uri="{FF2B5EF4-FFF2-40B4-BE49-F238E27FC236}">
-                  <a16:creationId xmlns:a16="http://schemas.microsoft.com/office/drawing/2014/main" xmlns="" id="{9B6E0B2C-D8F8-41F2-BF2C-2C69EC9B8970}"/>
+                  <a16:creationId xmlns="" xmlns:a16="http://schemas.microsoft.com/office/drawing/2014/main" id="{9B6E0B2C-D8F8-41F2-BF2C-2C69EC9B8970}"/>
                 </a:ext>
               </a:extLst>
             </p:cNvPr>
@@ -9422,7 +9423,7 @@
             <p:cNvPr id="58" name="Harvey 12/100 [12]" hidden="1">
               <a:extLst>
                 <a:ext uri="{FF2B5EF4-FFF2-40B4-BE49-F238E27FC236}">
-                  <a16:creationId xmlns:a16="http://schemas.microsoft.com/office/drawing/2014/main" xmlns="" id="{4CFB8744-0A9A-46BD-931F-A4B55DFBF3A9}"/>
+                  <a16:creationId xmlns="" xmlns:a16="http://schemas.microsoft.com/office/drawing/2014/main" id="{4CFB8744-0A9A-46BD-931F-A4B55DFBF3A9}"/>
                 </a:ext>
               </a:extLst>
             </p:cNvPr>
@@ -9485,7 +9486,7 @@
             <p:cNvPr id="59" name="Harvey 13/100 [13]" hidden="1">
               <a:extLst>
                 <a:ext uri="{FF2B5EF4-FFF2-40B4-BE49-F238E27FC236}">
-                  <a16:creationId xmlns:a16="http://schemas.microsoft.com/office/drawing/2014/main" xmlns="" id="{96963698-4830-42A5-AA50-FDF62F7E678B}"/>
+                  <a16:creationId xmlns="" xmlns:a16="http://schemas.microsoft.com/office/drawing/2014/main" id="{96963698-4830-42A5-AA50-FDF62F7E678B}"/>
                 </a:ext>
               </a:extLst>
             </p:cNvPr>
@@ -9548,7 +9549,7 @@
             <p:cNvPr id="60" name="Harvey 14/100 [14]" hidden="1">
               <a:extLst>
                 <a:ext uri="{FF2B5EF4-FFF2-40B4-BE49-F238E27FC236}">
-                  <a16:creationId xmlns:a16="http://schemas.microsoft.com/office/drawing/2014/main" xmlns="" id="{942412FE-943B-47EB-A373-EEF6E73FBF4C}"/>
+                  <a16:creationId xmlns="" xmlns:a16="http://schemas.microsoft.com/office/drawing/2014/main" id="{942412FE-943B-47EB-A373-EEF6E73FBF4C}"/>
                 </a:ext>
               </a:extLst>
             </p:cNvPr>
@@ -9611,7 +9612,7 @@
             <p:cNvPr id="61" name="Harvey 15/100 [15]" hidden="1">
               <a:extLst>
                 <a:ext uri="{FF2B5EF4-FFF2-40B4-BE49-F238E27FC236}">
-                  <a16:creationId xmlns:a16="http://schemas.microsoft.com/office/drawing/2014/main" xmlns="" id="{D7CC2F42-06DE-4D1A-BD19-2DCE2AB8552C}"/>
+                  <a16:creationId xmlns="" xmlns:a16="http://schemas.microsoft.com/office/drawing/2014/main" id="{D7CC2F42-06DE-4D1A-BD19-2DCE2AB8552C}"/>
                 </a:ext>
               </a:extLst>
             </p:cNvPr>
@@ -9674,7 +9675,7 @@
             <p:cNvPr id="62" name="Harvey 16/100 [16]" hidden="1">
               <a:extLst>
                 <a:ext uri="{FF2B5EF4-FFF2-40B4-BE49-F238E27FC236}">
-                  <a16:creationId xmlns:a16="http://schemas.microsoft.com/office/drawing/2014/main" xmlns="" id="{F098F622-B4C1-4DC7-98BD-E568AB4AA372}"/>
+                  <a16:creationId xmlns="" xmlns:a16="http://schemas.microsoft.com/office/drawing/2014/main" id="{F098F622-B4C1-4DC7-98BD-E568AB4AA372}"/>
                 </a:ext>
               </a:extLst>
             </p:cNvPr>
@@ -9737,7 +9738,7 @@
             <p:cNvPr id="63" name="Harvey 17/100 [17]" hidden="1">
               <a:extLst>
                 <a:ext uri="{FF2B5EF4-FFF2-40B4-BE49-F238E27FC236}">
-                  <a16:creationId xmlns:a16="http://schemas.microsoft.com/office/drawing/2014/main" xmlns="" id="{B5C35ACB-9CFD-416E-BA7D-E5D68A61CED5}"/>
+                  <a16:creationId xmlns="" xmlns:a16="http://schemas.microsoft.com/office/drawing/2014/main" id="{B5C35ACB-9CFD-416E-BA7D-E5D68A61CED5}"/>
                 </a:ext>
               </a:extLst>
             </p:cNvPr>
@@ -9800,7 +9801,7 @@
             <p:cNvPr id="64" name="Harvey 18/100 [18]" hidden="1">
               <a:extLst>
                 <a:ext uri="{FF2B5EF4-FFF2-40B4-BE49-F238E27FC236}">
-                  <a16:creationId xmlns:a16="http://schemas.microsoft.com/office/drawing/2014/main" xmlns="" id="{ED8DA3DA-24BC-4C1E-8A8F-239413B719CF}"/>
+                  <a16:creationId xmlns="" xmlns:a16="http://schemas.microsoft.com/office/drawing/2014/main" id="{ED8DA3DA-24BC-4C1E-8A8F-239413B719CF}"/>
                 </a:ext>
               </a:extLst>
             </p:cNvPr>
@@ -9863,7 +9864,7 @@
             <p:cNvPr id="65" name="Harvey 19/100 [19]" hidden="1">
               <a:extLst>
                 <a:ext uri="{FF2B5EF4-FFF2-40B4-BE49-F238E27FC236}">
-                  <a16:creationId xmlns:a16="http://schemas.microsoft.com/office/drawing/2014/main" xmlns="" id="{FBDAEB8B-C91E-4E8C-B7AE-CBE695B624B8}"/>
+                  <a16:creationId xmlns="" xmlns:a16="http://schemas.microsoft.com/office/drawing/2014/main" id="{FBDAEB8B-C91E-4E8C-B7AE-CBE695B624B8}"/>
                 </a:ext>
               </a:extLst>
             </p:cNvPr>
@@ -9926,7 +9927,7 @@
             <p:cNvPr id="66" name="Harvey 20/100 [20]" hidden="1">
               <a:extLst>
                 <a:ext uri="{FF2B5EF4-FFF2-40B4-BE49-F238E27FC236}">
-                  <a16:creationId xmlns:a16="http://schemas.microsoft.com/office/drawing/2014/main" xmlns="" id="{F4E8434F-7E6D-4C43-8BFE-BC8CD35C6F77}"/>
+                  <a16:creationId xmlns="" xmlns:a16="http://schemas.microsoft.com/office/drawing/2014/main" id="{F4E8434F-7E6D-4C43-8BFE-BC8CD35C6F77}"/>
                 </a:ext>
               </a:extLst>
             </p:cNvPr>
@@ -9989,7 +9990,7 @@
             <p:cNvPr id="67" name="Harvey 21/100 [21]" hidden="1">
               <a:extLst>
                 <a:ext uri="{FF2B5EF4-FFF2-40B4-BE49-F238E27FC236}">
-                  <a16:creationId xmlns:a16="http://schemas.microsoft.com/office/drawing/2014/main" xmlns="" id="{0525B74C-7F5E-41A5-8019-77E38C3EE53B}"/>
+                  <a16:creationId xmlns="" xmlns:a16="http://schemas.microsoft.com/office/drawing/2014/main" id="{0525B74C-7F5E-41A5-8019-77E38C3EE53B}"/>
                 </a:ext>
               </a:extLst>
             </p:cNvPr>
@@ -10052,7 +10053,7 @@
             <p:cNvPr id="68" name="Harvey 22/100 [22]" hidden="1">
               <a:extLst>
                 <a:ext uri="{FF2B5EF4-FFF2-40B4-BE49-F238E27FC236}">
-                  <a16:creationId xmlns:a16="http://schemas.microsoft.com/office/drawing/2014/main" xmlns="" id="{0E583063-EF39-485E-88E6-11BC079BDB62}"/>
+                  <a16:creationId xmlns="" xmlns:a16="http://schemas.microsoft.com/office/drawing/2014/main" id="{0E583063-EF39-485E-88E6-11BC079BDB62}"/>
                 </a:ext>
               </a:extLst>
             </p:cNvPr>
@@ -10115,7 +10116,7 @@
             <p:cNvPr id="69" name="Harvey 23/100 [23]" hidden="1">
               <a:extLst>
                 <a:ext uri="{FF2B5EF4-FFF2-40B4-BE49-F238E27FC236}">
-                  <a16:creationId xmlns:a16="http://schemas.microsoft.com/office/drawing/2014/main" xmlns="" id="{2A232550-D22F-47E1-8415-B5D4714799F6}"/>
+                  <a16:creationId xmlns="" xmlns:a16="http://schemas.microsoft.com/office/drawing/2014/main" id="{2A232550-D22F-47E1-8415-B5D4714799F6}"/>
                 </a:ext>
               </a:extLst>
             </p:cNvPr>
@@ -10178,7 +10179,7 @@
             <p:cNvPr id="70" name="Harvey 24/100 [24]" hidden="1">
               <a:extLst>
                 <a:ext uri="{FF2B5EF4-FFF2-40B4-BE49-F238E27FC236}">
-                  <a16:creationId xmlns:a16="http://schemas.microsoft.com/office/drawing/2014/main" xmlns="" id="{9FD9F56A-D0A2-41E4-94E8-6F7BCC8C8D13}"/>
+                  <a16:creationId xmlns="" xmlns:a16="http://schemas.microsoft.com/office/drawing/2014/main" id="{9FD9F56A-D0A2-41E4-94E8-6F7BCC8C8D13}"/>
                 </a:ext>
               </a:extLst>
             </p:cNvPr>
@@ -10241,7 +10242,7 @@
             <p:cNvPr id="71" name="Harvey 25/100 [25]" hidden="1">
               <a:extLst>
                 <a:ext uri="{FF2B5EF4-FFF2-40B4-BE49-F238E27FC236}">
-                  <a16:creationId xmlns:a16="http://schemas.microsoft.com/office/drawing/2014/main" xmlns="" id="{7B7318B9-A301-4483-8BF3-EFDFD8A5CCE4}"/>
+                  <a16:creationId xmlns="" xmlns:a16="http://schemas.microsoft.com/office/drawing/2014/main" id="{7B7318B9-A301-4483-8BF3-EFDFD8A5CCE4}"/>
                 </a:ext>
               </a:extLst>
             </p:cNvPr>
@@ -10304,7 +10305,7 @@
             <p:cNvPr id="72" name="Harvey 26/100 [26]" hidden="1">
               <a:extLst>
                 <a:ext uri="{FF2B5EF4-FFF2-40B4-BE49-F238E27FC236}">
-                  <a16:creationId xmlns:a16="http://schemas.microsoft.com/office/drawing/2014/main" xmlns="" id="{3014F56C-E7E8-453B-A98E-0D132466A013}"/>
+                  <a16:creationId xmlns="" xmlns:a16="http://schemas.microsoft.com/office/drawing/2014/main" id="{3014F56C-E7E8-453B-A98E-0D132466A013}"/>
                 </a:ext>
               </a:extLst>
             </p:cNvPr>
@@ -10367,7 +10368,7 @@
             <p:cNvPr id="73" name="Harvey 27/100 [27]" hidden="1">
               <a:extLst>
                 <a:ext uri="{FF2B5EF4-FFF2-40B4-BE49-F238E27FC236}">
-                  <a16:creationId xmlns:a16="http://schemas.microsoft.com/office/drawing/2014/main" xmlns="" id="{0BF5B0CB-4D79-4B4C-BAEC-6C62BBD7E856}"/>
+                  <a16:creationId xmlns="" xmlns:a16="http://schemas.microsoft.com/office/drawing/2014/main" id="{0BF5B0CB-4D79-4B4C-BAEC-6C62BBD7E856}"/>
                 </a:ext>
               </a:extLst>
             </p:cNvPr>
@@ -10430,7 +10431,7 @@
             <p:cNvPr id="74" name="Harvey 28/100 [28]" hidden="1">
               <a:extLst>
                 <a:ext uri="{FF2B5EF4-FFF2-40B4-BE49-F238E27FC236}">
-                  <a16:creationId xmlns:a16="http://schemas.microsoft.com/office/drawing/2014/main" xmlns="" id="{49ABB409-6ECE-45FE-AC6A-8FDEA5AAF72F}"/>
+                  <a16:creationId xmlns="" xmlns:a16="http://schemas.microsoft.com/office/drawing/2014/main" id="{49ABB409-6ECE-45FE-AC6A-8FDEA5AAF72F}"/>
                 </a:ext>
               </a:extLst>
             </p:cNvPr>
@@ -10493,7 +10494,7 @@
             <p:cNvPr id="75" name="Harvey 29/100 [29]" hidden="1">
               <a:extLst>
                 <a:ext uri="{FF2B5EF4-FFF2-40B4-BE49-F238E27FC236}">
-                  <a16:creationId xmlns:a16="http://schemas.microsoft.com/office/drawing/2014/main" xmlns="" id="{FBA17C7E-2A69-4346-BEF7-A34412349269}"/>
+                  <a16:creationId xmlns="" xmlns:a16="http://schemas.microsoft.com/office/drawing/2014/main" id="{FBA17C7E-2A69-4346-BEF7-A34412349269}"/>
                 </a:ext>
               </a:extLst>
             </p:cNvPr>
@@ -10556,7 +10557,7 @@
             <p:cNvPr id="76" name="Harvey 30/100 [30]" hidden="1">
               <a:extLst>
                 <a:ext uri="{FF2B5EF4-FFF2-40B4-BE49-F238E27FC236}">
-                  <a16:creationId xmlns:a16="http://schemas.microsoft.com/office/drawing/2014/main" xmlns="" id="{165D0565-6CAF-4627-87E7-C3BBEE4F526D}"/>
+                  <a16:creationId xmlns="" xmlns:a16="http://schemas.microsoft.com/office/drawing/2014/main" id="{165D0565-6CAF-4627-87E7-C3BBEE4F526D}"/>
                 </a:ext>
               </a:extLst>
             </p:cNvPr>
@@ -10619,7 +10620,7 @@
             <p:cNvPr id="77" name="Harvey 31/100 [31]" hidden="1">
               <a:extLst>
                 <a:ext uri="{FF2B5EF4-FFF2-40B4-BE49-F238E27FC236}">
-                  <a16:creationId xmlns:a16="http://schemas.microsoft.com/office/drawing/2014/main" xmlns="" id="{B42DA70A-55BE-4CFF-8736-D1EDF4BE453C}"/>
+                  <a16:creationId xmlns="" xmlns:a16="http://schemas.microsoft.com/office/drawing/2014/main" id="{B42DA70A-55BE-4CFF-8736-D1EDF4BE453C}"/>
                 </a:ext>
               </a:extLst>
             </p:cNvPr>
@@ -10682,7 +10683,7 @@
             <p:cNvPr id="78" name="Harvey 32/100 [32]" hidden="1">
               <a:extLst>
                 <a:ext uri="{FF2B5EF4-FFF2-40B4-BE49-F238E27FC236}">
-                  <a16:creationId xmlns:a16="http://schemas.microsoft.com/office/drawing/2014/main" xmlns="" id="{FF7F0838-EE49-4A35-9395-0D43E8AF809D}"/>
+                  <a16:creationId xmlns="" xmlns:a16="http://schemas.microsoft.com/office/drawing/2014/main" id="{FF7F0838-EE49-4A35-9395-0D43E8AF809D}"/>
                 </a:ext>
               </a:extLst>
             </p:cNvPr>
@@ -10745,7 +10746,7 @@
             <p:cNvPr id="79" name="Harvey 33/100 [33]" hidden="1">
               <a:extLst>
                 <a:ext uri="{FF2B5EF4-FFF2-40B4-BE49-F238E27FC236}">
-                  <a16:creationId xmlns:a16="http://schemas.microsoft.com/office/drawing/2014/main" xmlns="" id="{87702330-AC5C-4532-88AD-BB2189C48CA5}"/>
+                  <a16:creationId xmlns="" xmlns:a16="http://schemas.microsoft.com/office/drawing/2014/main" id="{87702330-AC5C-4532-88AD-BB2189C48CA5}"/>
                 </a:ext>
               </a:extLst>
             </p:cNvPr>
@@ -10808,7 +10809,7 @@
             <p:cNvPr id="80" name="Harvey 34/100 [34]" hidden="1">
               <a:extLst>
                 <a:ext uri="{FF2B5EF4-FFF2-40B4-BE49-F238E27FC236}">
-                  <a16:creationId xmlns:a16="http://schemas.microsoft.com/office/drawing/2014/main" xmlns="" id="{5FD38D65-251C-45B0-871E-287881F7EFAA}"/>
+                  <a16:creationId xmlns="" xmlns:a16="http://schemas.microsoft.com/office/drawing/2014/main" id="{5FD38D65-251C-45B0-871E-287881F7EFAA}"/>
                 </a:ext>
               </a:extLst>
             </p:cNvPr>
@@ -10871,7 +10872,7 @@
             <p:cNvPr id="81" name="Harvey 35/100 [35]" hidden="1">
               <a:extLst>
                 <a:ext uri="{FF2B5EF4-FFF2-40B4-BE49-F238E27FC236}">
-                  <a16:creationId xmlns:a16="http://schemas.microsoft.com/office/drawing/2014/main" xmlns="" id="{503C9B02-550C-456A-BB0B-314EF64C1DF9}"/>
+                  <a16:creationId xmlns="" xmlns:a16="http://schemas.microsoft.com/office/drawing/2014/main" id="{503C9B02-550C-456A-BB0B-314EF64C1DF9}"/>
                 </a:ext>
               </a:extLst>
             </p:cNvPr>
@@ -10934,7 +10935,7 @@
             <p:cNvPr id="82" name="Harvey 36/100 [36]" hidden="1">
               <a:extLst>
                 <a:ext uri="{FF2B5EF4-FFF2-40B4-BE49-F238E27FC236}">
-                  <a16:creationId xmlns:a16="http://schemas.microsoft.com/office/drawing/2014/main" xmlns="" id="{953ED935-1EB5-4E2C-A911-29713CD3B048}"/>
+                  <a16:creationId xmlns="" xmlns:a16="http://schemas.microsoft.com/office/drawing/2014/main" id="{953ED935-1EB5-4E2C-A911-29713CD3B048}"/>
                 </a:ext>
               </a:extLst>
             </p:cNvPr>
@@ -10997,7 +10998,7 @@
             <p:cNvPr id="83" name="Harvey 37/100 [37]" hidden="1">
               <a:extLst>
                 <a:ext uri="{FF2B5EF4-FFF2-40B4-BE49-F238E27FC236}">
-                  <a16:creationId xmlns:a16="http://schemas.microsoft.com/office/drawing/2014/main" xmlns="" id="{5918D091-D8DC-494C-B0EE-71FA13BD81BF}"/>
+                  <a16:creationId xmlns="" xmlns:a16="http://schemas.microsoft.com/office/drawing/2014/main" id="{5918D091-D8DC-494C-B0EE-71FA13BD81BF}"/>
                 </a:ext>
               </a:extLst>
             </p:cNvPr>
@@ -11060,7 +11061,7 @@
             <p:cNvPr id="84" name="Harvey 38/100 [38]" hidden="1">
               <a:extLst>
                 <a:ext uri="{FF2B5EF4-FFF2-40B4-BE49-F238E27FC236}">
-                  <a16:creationId xmlns:a16="http://schemas.microsoft.com/office/drawing/2014/main" xmlns="" id="{C5646576-1CCD-4DC0-BC6F-BAB950E5FBDC}"/>
+                  <a16:creationId xmlns="" xmlns:a16="http://schemas.microsoft.com/office/drawing/2014/main" id="{C5646576-1CCD-4DC0-BC6F-BAB950E5FBDC}"/>
                 </a:ext>
               </a:extLst>
             </p:cNvPr>
@@ -11123,7 +11124,7 @@
             <p:cNvPr id="85" name="Harvey 39/100 [39]" hidden="1">
               <a:extLst>
                 <a:ext uri="{FF2B5EF4-FFF2-40B4-BE49-F238E27FC236}">
-                  <a16:creationId xmlns:a16="http://schemas.microsoft.com/office/drawing/2014/main" xmlns="" id="{43BBCDD1-AD79-4B08-B783-BF1617A00B97}"/>
+                  <a16:creationId xmlns="" xmlns:a16="http://schemas.microsoft.com/office/drawing/2014/main" id="{43BBCDD1-AD79-4B08-B783-BF1617A00B97}"/>
                 </a:ext>
               </a:extLst>
             </p:cNvPr>
@@ -11186,7 +11187,7 @@
             <p:cNvPr id="86" name="Harvey 40/100 [40]" hidden="1">
               <a:extLst>
                 <a:ext uri="{FF2B5EF4-FFF2-40B4-BE49-F238E27FC236}">
-                  <a16:creationId xmlns:a16="http://schemas.microsoft.com/office/drawing/2014/main" xmlns="" id="{FBD69947-0130-431E-8709-ACDACE7C76A1}"/>
+                  <a16:creationId xmlns="" xmlns:a16="http://schemas.microsoft.com/office/drawing/2014/main" id="{FBD69947-0130-431E-8709-ACDACE7C76A1}"/>
                 </a:ext>
               </a:extLst>
             </p:cNvPr>
@@ -11249,7 +11250,7 @@
             <p:cNvPr id="87" name="Harvey 41/100 [41]" hidden="1">
               <a:extLst>
                 <a:ext uri="{FF2B5EF4-FFF2-40B4-BE49-F238E27FC236}">
-                  <a16:creationId xmlns:a16="http://schemas.microsoft.com/office/drawing/2014/main" xmlns="" id="{19F896B1-2EFB-4D7D-9C60-E0010E0CE120}"/>
+                  <a16:creationId xmlns="" xmlns:a16="http://schemas.microsoft.com/office/drawing/2014/main" id="{19F896B1-2EFB-4D7D-9C60-E0010E0CE120}"/>
                 </a:ext>
               </a:extLst>
             </p:cNvPr>
@@ -11312,7 +11313,7 @@
             <p:cNvPr id="88" name="Harvey 42/100 [42]" hidden="1">
               <a:extLst>
                 <a:ext uri="{FF2B5EF4-FFF2-40B4-BE49-F238E27FC236}">
-                  <a16:creationId xmlns:a16="http://schemas.microsoft.com/office/drawing/2014/main" xmlns="" id="{ECD99131-7A62-470B-B8BD-44C8B327F3C8}"/>
+                  <a16:creationId xmlns="" xmlns:a16="http://schemas.microsoft.com/office/drawing/2014/main" id="{ECD99131-7A62-470B-B8BD-44C8B327F3C8}"/>
                 </a:ext>
               </a:extLst>
             </p:cNvPr>
@@ -11375,7 +11376,7 @@
             <p:cNvPr id="89" name="Harvey 43/100 [43]" hidden="1">
               <a:extLst>
                 <a:ext uri="{FF2B5EF4-FFF2-40B4-BE49-F238E27FC236}">
-                  <a16:creationId xmlns:a16="http://schemas.microsoft.com/office/drawing/2014/main" xmlns="" id="{21AA2965-A9A1-44F6-A49E-79E9DB6218A3}"/>
+                  <a16:creationId xmlns="" xmlns:a16="http://schemas.microsoft.com/office/drawing/2014/main" id="{21AA2965-A9A1-44F6-A49E-79E9DB6218A3}"/>
                 </a:ext>
               </a:extLst>
             </p:cNvPr>
@@ -11438,7 +11439,7 @@
             <p:cNvPr id="90" name="Harvey 44/100 [44]" hidden="1">
               <a:extLst>
                 <a:ext uri="{FF2B5EF4-FFF2-40B4-BE49-F238E27FC236}">
-                  <a16:creationId xmlns:a16="http://schemas.microsoft.com/office/drawing/2014/main" xmlns="" id="{61364AF6-A2B9-4E7C-AE49-BED73EE8811E}"/>
+                  <a16:creationId xmlns="" xmlns:a16="http://schemas.microsoft.com/office/drawing/2014/main" id="{61364AF6-A2B9-4E7C-AE49-BED73EE8811E}"/>
                 </a:ext>
               </a:extLst>
             </p:cNvPr>
@@ -11501,7 +11502,7 @@
             <p:cNvPr id="91" name="Harvey 45/100 [45]" hidden="1">
               <a:extLst>
                 <a:ext uri="{FF2B5EF4-FFF2-40B4-BE49-F238E27FC236}">
-                  <a16:creationId xmlns:a16="http://schemas.microsoft.com/office/drawing/2014/main" xmlns="" id="{F4DA7081-2CE2-4F5D-8ED2-265245095769}"/>
+                  <a16:creationId xmlns="" xmlns:a16="http://schemas.microsoft.com/office/drawing/2014/main" id="{F4DA7081-2CE2-4F5D-8ED2-265245095769}"/>
                 </a:ext>
               </a:extLst>
             </p:cNvPr>
@@ -11564,7 +11565,7 @@
             <p:cNvPr id="92" name="Harvey 46/100 [46]" hidden="1">
               <a:extLst>
                 <a:ext uri="{FF2B5EF4-FFF2-40B4-BE49-F238E27FC236}">
-                  <a16:creationId xmlns:a16="http://schemas.microsoft.com/office/drawing/2014/main" xmlns="" id="{1E3430D9-0557-4389-ADFE-3944D4EC7876}"/>
+                  <a16:creationId xmlns="" xmlns:a16="http://schemas.microsoft.com/office/drawing/2014/main" id="{1E3430D9-0557-4389-ADFE-3944D4EC7876}"/>
                 </a:ext>
               </a:extLst>
             </p:cNvPr>
@@ -11627,7 +11628,7 @@
             <p:cNvPr id="93" name="Harvey 47/100 [47]" hidden="1">
               <a:extLst>
                 <a:ext uri="{FF2B5EF4-FFF2-40B4-BE49-F238E27FC236}">
-                  <a16:creationId xmlns:a16="http://schemas.microsoft.com/office/drawing/2014/main" xmlns="" id="{C2AB3DBC-D2BF-4843-9796-7D0E60902CF7}"/>
+                  <a16:creationId xmlns="" xmlns:a16="http://schemas.microsoft.com/office/drawing/2014/main" id="{C2AB3DBC-D2BF-4843-9796-7D0E60902CF7}"/>
                 </a:ext>
               </a:extLst>
             </p:cNvPr>
@@ -11690,7 +11691,7 @@
             <p:cNvPr id="94" name="Harvey 48/100 [48]" hidden="1">
               <a:extLst>
                 <a:ext uri="{FF2B5EF4-FFF2-40B4-BE49-F238E27FC236}">
-                  <a16:creationId xmlns:a16="http://schemas.microsoft.com/office/drawing/2014/main" xmlns="" id="{2AC7D3A9-B130-4B73-9F84-FF65EFA90A0D}"/>
+                  <a16:creationId xmlns="" xmlns:a16="http://schemas.microsoft.com/office/drawing/2014/main" id="{2AC7D3A9-B130-4B73-9F84-FF65EFA90A0D}"/>
                 </a:ext>
               </a:extLst>
             </p:cNvPr>
@@ -11753,7 +11754,7 @@
             <p:cNvPr id="95" name="Harvey 49/100 [49]" hidden="1">
               <a:extLst>
                 <a:ext uri="{FF2B5EF4-FFF2-40B4-BE49-F238E27FC236}">
-                  <a16:creationId xmlns:a16="http://schemas.microsoft.com/office/drawing/2014/main" xmlns="" id="{76F82ED8-AE15-4CE2-AE95-FB2705CFE145}"/>
+                  <a16:creationId xmlns="" xmlns:a16="http://schemas.microsoft.com/office/drawing/2014/main" id="{76F82ED8-AE15-4CE2-AE95-FB2705CFE145}"/>
                 </a:ext>
               </a:extLst>
             </p:cNvPr>
@@ -11816,7 +11817,7 @@
             <p:cNvPr id="96" name="Harvey 50/100 [50]" hidden="1">
               <a:extLst>
                 <a:ext uri="{FF2B5EF4-FFF2-40B4-BE49-F238E27FC236}">
-                  <a16:creationId xmlns:a16="http://schemas.microsoft.com/office/drawing/2014/main" xmlns="" id="{0F5708D1-8782-4940-9E21-BC00FDE19AFB}"/>
+                  <a16:creationId xmlns="" xmlns:a16="http://schemas.microsoft.com/office/drawing/2014/main" id="{0F5708D1-8782-4940-9E21-BC00FDE19AFB}"/>
                 </a:ext>
               </a:extLst>
             </p:cNvPr>
@@ -11879,7 +11880,7 @@
             <p:cNvPr id="97" name="Harvey 51/100 [51]" hidden="1">
               <a:extLst>
                 <a:ext uri="{FF2B5EF4-FFF2-40B4-BE49-F238E27FC236}">
-                  <a16:creationId xmlns:a16="http://schemas.microsoft.com/office/drawing/2014/main" xmlns="" id="{0B776587-2FA8-4FFE-A7AE-ADF1F94E851E}"/>
+                  <a16:creationId xmlns="" xmlns:a16="http://schemas.microsoft.com/office/drawing/2014/main" id="{0B776587-2FA8-4FFE-A7AE-ADF1F94E851E}"/>
                 </a:ext>
               </a:extLst>
             </p:cNvPr>
@@ -11942,7 +11943,7 @@
             <p:cNvPr id="98" name="Harvey 52/100 [52]" hidden="1">
               <a:extLst>
                 <a:ext uri="{FF2B5EF4-FFF2-40B4-BE49-F238E27FC236}">
-                  <a16:creationId xmlns:a16="http://schemas.microsoft.com/office/drawing/2014/main" xmlns="" id="{4CB93FD3-AC02-49BD-AA12-9527870B4947}"/>
+                  <a16:creationId xmlns="" xmlns:a16="http://schemas.microsoft.com/office/drawing/2014/main" id="{4CB93FD3-AC02-49BD-AA12-9527870B4947}"/>
                 </a:ext>
               </a:extLst>
             </p:cNvPr>
@@ -12005,7 +12006,7 @@
             <p:cNvPr id="99" name="Harvey 53/100 [53]" hidden="1">
               <a:extLst>
                 <a:ext uri="{FF2B5EF4-FFF2-40B4-BE49-F238E27FC236}">
-                  <a16:creationId xmlns:a16="http://schemas.microsoft.com/office/drawing/2014/main" xmlns="" id="{C9329281-7BF4-45CD-B669-19DF36280803}"/>
+                  <a16:creationId xmlns="" xmlns:a16="http://schemas.microsoft.com/office/drawing/2014/main" id="{C9329281-7BF4-45CD-B669-19DF36280803}"/>
                 </a:ext>
               </a:extLst>
             </p:cNvPr>
@@ -12068,7 +12069,7 @@
             <p:cNvPr id="103" name="Harvey 54/100 [54]" hidden="1">
               <a:extLst>
                 <a:ext uri="{FF2B5EF4-FFF2-40B4-BE49-F238E27FC236}">
-                  <a16:creationId xmlns:a16="http://schemas.microsoft.com/office/drawing/2014/main" xmlns="" id="{C596C32B-3CC3-400F-8135-D4641E94B8C1}"/>
+                  <a16:creationId xmlns="" xmlns:a16="http://schemas.microsoft.com/office/drawing/2014/main" id="{C596C32B-3CC3-400F-8135-D4641E94B8C1}"/>
                 </a:ext>
               </a:extLst>
             </p:cNvPr>
@@ -12131,7 +12132,7 @@
             <p:cNvPr id="104" name="Harvey 55/100 [55]" hidden="1">
               <a:extLst>
                 <a:ext uri="{FF2B5EF4-FFF2-40B4-BE49-F238E27FC236}">
-                  <a16:creationId xmlns:a16="http://schemas.microsoft.com/office/drawing/2014/main" xmlns="" id="{85868E47-BD77-4D70-B1CE-F24D05947DD0}"/>
+                  <a16:creationId xmlns="" xmlns:a16="http://schemas.microsoft.com/office/drawing/2014/main" id="{85868E47-BD77-4D70-B1CE-F24D05947DD0}"/>
                 </a:ext>
               </a:extLst>
             </p:cNvPr>
@@ -12194,7 +12195,7 @@
             <p:cNvPr id="105" name="Harvey 56/100 [56]" hidden="1">
               <a:extLst>
                 <a:ext uri="{FF2B5EF4-FFF2-40B4-BE49-F238E27FC236}">
-                  <a16:creationId xmlns:a16="http://schemas.microsoft.com/office/drawing/2014/main" xmlns="" id="{ECDD5E69-A62E-4FF5-8C41-B4EBA953E81F}"/>
+                  <a16:creationId xmlns="" xmlns:a16="http://schemas.microsoft.com/office/drawing/2014/main" id="{ECDD5E69-A62E-4FF5-8C41-B4EBA953E81F}"/>
                 </a:ext>
               </a:extLst>
             </p:cNvPr>
@@ -12257,7 +12258,7 @@
             <p:cNvPr id="106" name="Harvey 57/100 [57]" hidden="1">
               <a:extLst>
                 <a:ext uri="{FF2B5EF4-FFF2-40B4-BE49-F238E27FC236}">
-                  <a16:creationId xmlns:a16="http://schemas.microsoft.com/office/drawing/2014/main" xmlns="" id="{9C3E5B74-E098-40C0-A583-9B7A12E57448}"/>
+                  <a16:creationId xmlns="" xmlns:a16="http://schemas.microsoft.com/office/drawing/2014/main" id="{9C3E5B74-E098-40C0-A583-9B7A12E57448}"/>
                 </a:ext>
               </a:extLst>
             </p:cNvPr>
@@ -12320,7 +12321,7 @@
             <p:cNvPr id="107" name="Harvey 58/100 [58]" hidden="1">
               <a:extLst>
                 <a:ext uri="{FF2B5EF4-FFF2-40B4-BE49-F238E27FC236}">
-                  <a16:creationId xmlns:a16="http://schemas.microsoft.com/office/drawing/2014/main" xmlns="" id="{F574152B-993B-425C-8B43-74A42FFBA2C7}"/>
+                  <a16:creationId xmlns="" xmlns:a16="http://schemas.microsoft.com/office/drawing/2014/main" id="{F574152B-993B-425C-8B43-74A42FFBA2C7}"/>
                 </a:ext>
               </a:extLst>
             </p:cNvPr>
@@ -12383,7 +12384,7 @@
             <p:cNvPr id="108" name="Harvey 59/100 [59]" hidden="1">
               <a:extLst>
                 <a:ext uri="{FF2B5EF4-FFF2-40B4-BE49-F238E27FC236}">
-                  <a16:creationId xmlns:a16="http://schemas.microsoft.com/office/drawing/2014/main" xmlns="" id="{8A01AD4D-B6E2-4781-A14D-EF8BA08E0318}"/>
+                  <a16:creationId xmlns="" xmlns:a16="http://schemas.microsoft.com/office/drawing/2014/main" id="{8A01AD4D-B6E2-4781-A14D-EF8BA08E0318}"/>
                 </a:ext>
               </a:extLst>
             </p:cNvPr>
@@ -12446,7 +12447,7 @@
             <p:cNvPr id="109" name="Harvey 60/100 [60]" hidden="1">
               <a:extLst>
                 <a:ext uri="{FF2B5EF4-FFF2-40B4-BE49-F238E27FC236}">
-                  <a16:creationId xmlns:a16="http://schemas.microsoft.com/office/drawing/2014/main" xmlns="" id="{BA864186-64B8-414E-81B7-6FD9F84A6DA0}"/>
+                  <a16:creationId xmlns="" xmlns:a16="http://schemas.microsoft.com/office/drawing/2014/main" id="{BA864186-64B8-414E-81B7-6FD9F84A6DA0}"/>
                 </a:ext>
               </a:extLst>
             </p:cNvPr>
@@ -12509,7 +12510,7 @@
             <p:cNvPr id="110" name="Harvey 61/100 [61]" hidden="1">
               <a:extLst>
                 <a:ext uri="{FF2B5EF4-FFF2-40B4-BE49-F238E27FC236}">
-                  <a16:creationId xmlns:a16="http://schemas.microsoft.com/office/drawing/2014/main" xmlns="" id="{2448225B-0253-4E57-A74A-4593FBE05787}"/>
+                  <a16:creationId xmlns="" xmlns:a16="http://schemas.microsoft.com/office/drawing/2014/main" id="{2448225B-0253-4E57-A74A-4593FBE05787}"/>
                 </a:ext>
               </a:extLst>
             </p:cNvPr>
@@ -12572,7 +12573,7 @@
             <p:cNvPr id="111" name="Harvey 62/100 [62]" hidden="1">
               <a:extLst>
                 <a:ext uri="{FF2B5EF4-FFF2-40B4-BE49-F238E27FC236}">
-                  <a16:creationId xmlns:a16="http://schemas.microsoft.com/office/drawing/2014/main" xmlns="" id="{7DE8FA27-EEAA-4897-BD9B-A489DE50FC37}"/>
+                  <a16:creationId xmlns="" xmlns:a16="http://schemas.microsoft.com/office/drawing/2014/main" id="{7DE8FA27-EEAA-4897-BD9B-A489DE50FC37}"/>
                 </a:ext>
               </a:extLst>
             </p:cNvPr>
@@ -12635,7 +12636,7 @@
             <p:cNvPr id="112" name="Harvey 63/100 [63]" hidden="1">
               <a:extLst>
                 <a:ext uri="{FF2B5EF4-FFF2-40B4-BE49-F238E27FC236}">
-                  <a16:creationId xmlns:a16="http://schemas.microsoft.com/office/drawing/2014/main" xmlns="" id="{3A55B80D-FCED-4C8D-A574-580654EA0C63}"/>
+                  <a16:creationId xmlns="" xmlns:a16="http://schemas.microsoft.com/office/drawing/2014/main" id="{3A55B80D-FCED-4C8D-A574-580654EA0C63}"/>
                 </a:ext>
               </a:extLst>
             </p:cNvPr>
@@ -12698,7 +12699,7 @@
             <p:cNvPr id="113" name="Harvey 64/100 [64]" hidden="1">
               <a:extLst>
                 <a:ext uri="{FF2B5EF4-FFF2-40B4-BE49-F238E27FC236}">
-                  <a16:creationId xmlns:a16="http://schemas.microsoft.com/office/drawing/2014/main" xmlns="" id="{DE2BA7FC-5E67-4778-B3EA-E57E40F232F9}"/>
+                  <a16:creationId xmlns="" xmlns:a16="http://schemas.microsoft.com/office/drawing/2014/main" id="{DE2BA7FC-5E67-4778-B3EA-E57E40F232F9}"/>
                 </a:ext>
               </a:extLst>
             </p:cNvPr>
@@ -12761,7 +12762,7 @@
             <p:cNvPr id="114" name="Harvey 65/100 [65]" hidden="1">
               <a:extLst>
                 <a:ext uri="{FF2B5EF4-FFF2-40B4-BE49-F238E27FC236}">
-                  <a16:creationId xmlns:a16="http://schemas.microsoft.com/office/drawing/2014/main" xmlns="" id="{1BC4FEEA-A049-42BA-8A85-3FA527CE44F3}"/>
+                  <a16:creationId xmlns="" xmlns:a16="http://schemas.microsoft.com/office/drawing/2014/main" id="{1BC4FEEA-A049-42BA-8A85-3FA527CE44F3}"/>
                 </a:ext>
               </a:extLst>
             </p:cNvPr>
@@ -12824,7 +12825,7 @@
             <p:cNvPr id="115" name="Harvey 66/100 [66]" hidden="1">
               <a:extLst>
                 <a:ext uri="{FF2B5EF4-FFF2-40B4-BE49-F238E27FC236}">
-                  <a16:creationId xmlns:a16="http://schemas.microsoft.com/office/drawing/2014/main" xmlns="" id="{8EEC36E9-4BB7-4E3A-AB04-C9B999F245D4}"/>
+                  <a16:creationId xmlns="" xmlns:a16="http://schemas.microsoft.com/office/drawing/2014/main" id="{8EEC36E9-4BB7-4E3A-AB04-C9B999F245D4}"/>
                 </a:ext>
               </a:extLst>
             </p:cNvPr>
@@ -12887,7 +12888,7 @@
             <p:cNvPr id="116" name="Harvey 67/100 [67]" hidden="1">
               <a:extLst>
                 <a:ext uri="{FF2B5EF4-FFF2-40B4-BE49-F238E27FC236}">
-                  <a16:creationId xmlns:a16="http://schemas.microsoft.com/office/drawing/2014/main" xmlns="" id="{1918EC99-6D63-4DC5-9581-9847CE300E96}"/>
+                  <a16:creationId xmlns="" xmlns:a16="http://schemas.microsoft.com/office/drawing/2014/main" id="{1918EC99-6D63-4DC5-9581-9847CE300E96}"/>
                 </a:ext>
               </a:extLst>
             </p:cNvPr>
@@ -12950,7 +12951,7 @@
             <p:cNvPr id="117" name="Harvey 68/100 [68]" hidden="1">
               <a:extLst>
                 <a:ext uri="{FF2B5EF4-FFF2-40B4-BE49-F238E27FC236}">
-                  <a16:creationId xmlns:a16="http://schemas.microsoft.com/office/drawing/2014/main" xmlns="" id="{98FD403B-93AA-46DE-B8B3-99F8593103FE}"/>
+                  <a16:creationId xmlns="" xmlns:a16="http://schemas.microsoft.com/office/drawing/2014/main" id="{98FD403B-93AA-46DE-B8B3-99F8593103FE}"/>
                 </a:ext>
               </a:extLst>
             </p:cNvPr>
@@ -13013,7 +13014,7 @@
             <p:cNvPr id="118" name="Harvey 69/100 [69]" hidden="1">
               <a:extLst>
                 <a:ext uri="{FF2B5EF4-FFF2-40B4-BE49-F238E27FC236}">
-                  <a16:creationId xmlns:a16="http://schemas.microsoft.com/office/drawing/2014/main" xmlns="" id="{6C8DECE9-B870-4CD9-8D6A-D208A64E9DE1}"/>
+                  <a16:creationId xmlns="" xmlns:a16="http://schemas.microsoft.com/office/drawing/2014/main" id="{6C8DECE9-B870-4CD9-8D6A-D208A64E9DE1}"/>
                 </a:ext>
               </a:extLst>
             </p:cNvPr>
@@ -13076,7 +13077,7 @@
             <p:cNvPr id="119" name="Harvey 70/100 [70]" hidden="1">
               <a:extLst>
                 <a:ext uri="{FF2B5EF4-FFF2-40B4-BE49-F238E27FC236}">
-                  <a16:creationId xmlns:a16="http://schemas.microsoft.com/office/drawing/2014/main" xmlns="" id="{3A174A8A-46C9-4698-908B-F2EE9A649FF0}"/>
+                  <a16:creationId xmlns="" xmlns:a16="http://schemas.microsoft.com/office/drawing/2014/main" id="{3A174A8A-46C9-4698-908B-F2EE9A649FF0}"/>
                 </a:ext>
               </a:extLst>
             </p:cNvPr>
@@ -13139,7 +13140,7 @@
             <p:cNvPr id="120" name="Harvey 71/100 [71]" hidden="1">
               <a:extLst>
                 <a:ext uri="{FF2B5EF4-FFF2-40B4-BE49-F238E27FC236}">
-                  <a16:creationId xmlns:a16="http://schemas.microsoft.com/office/drawing/2014/main" xmlns="" id="{3742BAD9-0BA8-495E-A141-9D283423D14D}"/>
+                  <a16:creationId xmlns="" xmlns:a16="http://schemas.microsoft.com/office/drawing/2014/main" id="{3742BAD9-0BA8-495E-A141-9D283423D14D}"/>
                 </a:ext>
               </a:extLst>
             </p:cNvPr>
@@ -13202,7 +13203,7 @@
             <p:cNvPr id="121" name="Harvey 72/100 [72]" hidden="1">
               <a:extLst>
                 <a:ext uri="{FF2B5EF4-FFF2-40B4-BE49-F238E27FC236}">
-                  <a16:creationId xmlns:a16="http://schemas.microsoft.com/office/drawing/2014/main" xmlns="" id="{9FCA97B7-6D15-469C-BDA6-65EE36FC2421}"/>
+                  <a16:creationId xmlns="" xmlns:a16="http://schemas.microsoft.com/office/drawing/2014/main" id="{9FCA97B7-6D15-469C-BDA6-65EE36FC2421}"/>
                 </a:ext>
               </a:extLst>
             </p:cNvPr>
@@ -13265,7 +13266,7 @@
             <p:cNvPr id="122" name="Harvey 73/100 [73]" hidden="1">
               <a:extLst>
                 <a:ext uri="{FF2B5EF4-FFF2-40B4-BE49-F238E27FC236}">
-                  <a16:creationId xmlns:a16="http://schemas.microsoft.com/office/drawing/2014/main" xmlns="" id="{807CF8C3-D094-4440-B8A8-7C4086600556}"/>
+                  <a16:creationId xmlns="" xmlns:a16="http://schemas.microsoft.com/office/drawing/2014/main" id="{807CF8C3-D094-4440-B8A8-7C4086600556}"/>
                 </a:ext>
               </a:extLst>
             </p:cNvPr>
@@ -13328,7 +13329,7 @@
             <p:cNvPr id="123" name="Harvey 74/100 [74]" hidden="1">
               <a:extLst>
                 <a:ext uri="{FF2B5EF4-FFF2-40B4-BE49-F238E27FC236}">
-                  <a16:creationId xmlns:a16="http://schemas.microsoft.com/office/drawing/2014/main" xmlns="" id="{3D312ACD-3D30-40C5-920A-303F5BE73E29}"/>
+                  <a16:creationId xmlns="" xmlns:a16="http://schemas.microsoft.com/office/drawing/2014/main" id="{3D312ACD-3D30-40C5-920A-303F5BE73E29}"/>
                 </a:ext>
               </a:extLst>
             </p:cNvPr>
@@ -13391,7 +13392,7 @@
             <p:cNvPr id="124" name="Harvey 75/100 [75]" hidden="1">
               <a:extLst>
                 <a:ext uri="{FF2B5EF4-FFF2-40B4-BE49-F238E27FC236}">
-                  <a16:creationId xmlns:a16="http://schemas.microsoft.com/office/drawing/2014/main" xmlns="" id="{6E333635-85D3-477C-BE5D-9721A9C87442}"/>
+                  <a16:creationId xmlns="" xmlns:a16="http://schemas.microsoft.com/office/drawing/2014/main" id="{6E333635-85D3-477C-BE5D-9721A9C87442}"/>
                 </a:ext>
               </a:extLst>
             </p:cNvPr>
@@ -13454,7 +13455,7 @@
             <p:cNvPr id="125" name="Harvey 76/100 [76]" hidden="1">
               <a:extLst>
                 <a:ext uri="{FF2B5EF4-FFF2-40B4-BE49-F238E27FC236}">
-                  <a16:creationId xmlns:a16="http://schemas.microsoft.com/office/drawing/2014/main" xmlns="" id="{2B84CFE0-880B-4270-AC2A-378E374A6F85}"/>
+                  <a16:creationId xmlns="" xmlns:a16="http://schemas.microsoft.com/office/drawing/2014/main" id="{2B84CFE0-880B-4270-AC2A-378E374A6F85}"/>
                 </a:ext>
               </a:extLst>
             </p:cNvPr>
@@ -13517,7 +13518,7 @@
             <p:cNvPr id="126" name="Harvey 77/100 [77]" hidden="1">
               <a:extLst>
                 <a:ext uri="{FF2B5EF4-FFF2-40B4-BE49-F238E27FC236}">
-                  <a16:creationId xmlns:a16="http://schemas.microsoft.com/office/drawing/2014/main" xmlns="" id="{5EC252E3-E98D-4296-8DC7-7BBC79E67399}"/>
+                  <a16:creationId xmlns="" xmlns:a16="http://schemas.microsoft.com/office/drawing/2014/main" id="{5EC252E3-E98D-4296-8DC7-7BBC79E67399}"/>
                 </a:ext>
               </a:extLst>
             </p:cNvPr>
@@ -13580,7 +13581,7 @@
             <p:cNvPr id="128" name="Harvey 78/100 [78]" hidden="1">
               <a:extLst>
                 <a:ext uri="{FF2B5EF4-FFF2-40B4-BE49-F238E27FC236}">
-                  <a16:creationId xmlns:a16="http://schemas.microsoft.com/office/drawing/2014/main" xmlns="" id="{34597CD2-AE17-4AC4-BDDA-42E5F11EA4BD}"/>
+                  <a16:creationId xmlns="" xmlns:a16="http://schemas.microsoft.com/office/drawing/2014/main" id="{34597CD2-AE17-4AC4-BDDA-42E5F11EA4BD}"/>
                 </a:ext>
               </a:extLst>
             </p:cNvPr>
@@ -13643,7 +13644,7 @@
             <p:cNvPr id="129" name="Harvey 79/100 [79]" hidden="1">
               <a:extLst>
                 <a:ext uri="{FF2B5EF4-FFF2-40B4-BE49-F238E27FC236}">
-                  <a16:creationId xmlns:a16="http://schemas.microsoft.com/office/drawing/2014/main" xmlns="" id="{43513FFB-4D4F-4C2C-9058-B6ADA9B77223}"/>
+                  <a16:creationId xmlns="" xmlns:a16="http://schemas.microsoft.com/office/drawing/2014/main" id="{43513FFB-4D4F-4C2C-9058-B6ADA9B77223}"/>
                 </a:ext>
               </a:extLst>
             </p:cNvPr>
@@ -13706,7 +13707,7 @@
             <p:cNvPr id="130" name="Harvey 80/100 [80]" hidden="1">
               <a:extLst>
                 <a:ext uri="{FF2B5EF4-FFF2-40B4-BE49-F238E27FC236}">
-                  <a16:creationId xmlns:a16="http://schemas.microsoft.com/office/drawing/2014/main" xmlns="" id="{3E74A731-2B8E-4D2E-96CD-33C320AE9F02}"/>
+                  <a16:creationId xmlns="" xmlns:a16="http://schemas.microsoft.com/office/drawing/2014/main" id="{3E74A731-2B8E-4D2E-96CD-33C320AE9F02}"/>
                 </a:ext>
               </a:extLst>
             </p:cNvPr>
@@ -13769,7 +13770,7 @@
             <p:cNvPr id="131" name="Harvey 81/100 [81]" hidden="1">
               <a:extLst>
                 <a:ext uri="{FF2B5EF4-FFF2-40B4-BE49-F238E27FC236}">
-                  <a16:creationId xmlns:a16="http://schemas.microsoft.com/office/drawing/2014/main" xmlns="" id="{395EB164-04F7-4605-8A9B-F5E95495C740}"/>
+                  <a16:creationId xmlns="" xmlns:a16="http://schemas.microsoft.com/office/drawing/2014/main" id="{395EB164-04F7-4605-8A9B-F5E95495C740}"/>
                 </a:ext>
               </a:extLst>
             </p:cNvPr>
@@ -13832,7 +13833,7 @@
             <p:cNvPr id="132" name="Harvey 82/100 [82]" hidden="1">
               <a:extLst>
                 <a:ext uri="{FF2B5EF4-FFF2-40B4-BE49-F238E27FC236}">
-                  <a16:creationId xmlns:a16="http://schemas.microsoft.com/office/drawing/2014/main" xmlns="" id="{8C403123-B106-4593-A5DB-715C0F7A040C}"/>
+                  <a16:creationId xmlns="" xmlns:a16="http://schemas.microsoft.com/office/drawing/2014/main" id="{8C403123-B106-4593-A5DB-715C0F7A040C}"/>
                 </a:ext>
               </a:extLst>
             </p:cNvPr>
@@ -13895,7 +13896,7 @@
             <p:cNvPr id="133" name="Harvey 83/100 [83]" hidden="1">
               <a:extLst>
                 <a:ext uri="{FF2B5EF4-FFF2-40B4-BE49-F238E27FC236}">
-                  <a16:creationId xmlns:a16="http://schemas.microsoft.com/office/drawing/2014/main" xmlns="" id="{4224C58E-8FED-4FD0-A482-89B385D7E115}"/>
+                  <a16:creationId xmlns="" xmlns:a16="http://schemas.microsoft.com/office/drawing/2014/main" id="{4224C58E-8FED-4FD0-A482-89B385D7E115}"/>
                 </a:ext>
               </a:extLst>
             </p:cNvPr>
@@ -13958,7 +13959,7 @@
             <p:cNvPr id="134" name="Harvey 84/100 [84]" hidden="1">
               <a:extLst>
                 <a:ext uri="{FF2B5EF4-FFF2-40B4-BE49-F238E27FC236}">
-                  <a16:creationId xmlns:a16="http://schemas.microsoft.com/office/drawing/2014/main" xmlns="" id="{D23B6783-C615-4CE8-A797-BD40BBC9A7DB}"/>
+                  <a16:creationId xmlns="" xmlns:a16="http://schemas.microsoft.com/office/drawing/2014/main" id="{D23B6783-C615-4CE8-A797-BD40BBC9A7DB}"/>
                 </a:ext>
               </a:extLst>
             </p:cNvPr>
@@ -14021,7 +14022,7 @@
             <p:cNvPr id="135" name="Harvey 85/100 [85]" hidden="1">
               <a:extLst>
                 <a:ext uri="{FF2B5EF4-FFF2-40B4-BE49-F238E27FC236}">
-                  <a16:creationId xmlns:a16="http://schemas.microsoft.com/office/drawing/2014/main" xmlns="" id="{81CE860D-5A97-49C1-B57D-755C5D3831A3}"/>
+                  <a16:creationId xmlns="" xmlns:a16="http://schemas.microsoft.com/office/drawing/2014/main" id="{81CE860D-5A97-49C1-B57D-755C5D3831A3}"/>
                 </a:ext>
               </a:extLst>
             </p:cNvPr>
@@ -14084,7 +14085,7 @@
             <p:cNvPr id="136" name="Harvey 86/100 [86]" hidden="1">
               <a:extLst>
                 <a:ext uri="{FF2B5EF4-FFF2-40B4-BE49-F238E27FC236}">
-                  <a16:creationId xmlns:a16="http://schemas.microsoft.com/office/drawing/2014/main" xmlns="" id="{2479714A-163E-46E4-98A7-E027DBFE57FD}"/>
+                  <a16:creationId xmlns="" xmlns:a16="http://schemas.microsoft.com/office/drawing/2014/main" id="{2479714A-163E-46E4-98A7-E027DBFE57FD}"/>
                 </a:ext>
               </a:extLst>
             </p:cNvPr>
@@ -14147,7 +14148,7 @@
             <p:cNvPr id="137" name="Harvey 87/100 [87]" hidden="1">
               <a:extLst>
                 <a:ext uri="{FF2B5EF4-FFF2-40B4-BE49-F238E27FC236}">
-                  <a16:creationId xmlns:a16="http://schemas.microsoft.com/office/drawing/2014/main" xmlns="" id="{63FA2A77-8C97-455F-A3B2-B7E0EC337A8B}"/>
+                  <a16:creationId xmlns="" xmlns:a16="http://schemas.microsoft.com/office/drawing/2014/main" id="{63FA2A77-8C97-455F-A3B2-B7E0EC337A8B}"/>
                 </a:ext>
               </a:extLst>
             </p:cNvPr>
@@ -14210,7 +14211,7 @@
             <p:cNvPr id="138" name="Harvey 88/100 [88]" hidden="1">
               <a:extLst>
                 <a:ext uri="{FF2B5EF4-FFF2-40B4-BE49-F238E27FC236}">
-                  <a16:creationId xmlns:a16="http://schemas.microsoft.com/office/drawing/2014/main" xmlns="" id="{76A90925-6AF6-4906-A319-B31822004755}"/>
+                  <a16:creationId xmlns="" xmlns:a16="http://schemas.microsoft.com/office/drawing/2014/main" id="{76A90925-6AF6-4906-A319-B31822004755}"/>
                 </a:ext>
               </a:extLst>
             </p:cNvPr>
@@ -14273,7 +14274,7 @@
             <p:cNvPr id="139" name="Harvey 89/100 [89]" hidden="1">
               <a:extLst>
                 <a:ext uri="{FF2B5EF4-FFF2-40B4-BE49-F238E27FC236}">
-                  <a16:creationId xmlns:a16="http://schemas.microsoft.com/office/drawing/2014/main" xmlns="" id="{0850D05B-A5F1-4DF2-BE72-115B6768BE60}"/>
+                  <a16:creationId xmlns="" xmlns:a16="http://schemas.microsoft.com/office/drawing/2014/main" id="{0850D05B-A5F1-4DF2-BE72-115B6768BE60}"/>
                 </a:ext>
               </a:extLst>
             </p:cNvPr>
@@ -14336,7 +14337,7 @@
             <p:cNvPr id="140" name="Harvey 90/100 [90]" hidden="1">
               <a:extLst>
                 <a:ext uri="{FF2B5EF4-FFF2-40B4-BE49-F238E27FC236}">
-                  <a16:creationId xmlns:a16="http://schemas.microsoft.com/office/drawing/2014/main" xmlns="" id="{D37E5497-C2F8-493B-BE7A-6237593E394E}"/>
+                  <a16:creationId xmlns="" xmlns:a16="http://schemas.microsoft.com/office/drawing/2014/main" id="{D37E5497-C2F8-493B-BE7A-6237593E394E}"/>
                 </a:ext>
               </a:extLst>
             </p:cNvPr>
@@ -14399,7 +14400,7 @@
             <p:cNvPr id="141" name="Harvey 91/100 [91]" hidden="1">
               <a:extLst>
                 <a:ext uri="{FF2B5EF4-FFF2-40B4-BE49-F238E27FC236}">
-                  <a16:creationId xmlns:a16="http://schemas.microsoft.com/office/drawing/2014/main" xmlns="" id="{7C256B67-028D-417A-BF9E-950DCD694CF2}"/>
+                  <a16:creationId xmlns="" xmlns:a16="http://schemas.microsoft.com/office/drawing/2014/main" id="{7C256B67-028D-417A-BF9E-950DCD694CF2}"/>
                 </a:ext>
               </a:extLst>
             </p:cNvPr>
@@ -14462,7 +14463,7 @@
             <p:cNvPr id="142" name="Harvey 92/100 [92]" hidden="1">
               <a:extLst>
                 <a:ext uri="{FF2B5EF4-FFF2-40B4-BE49-F238E27FC236}">
-                  <a16:creationId xmlns:a16="http://schemas.microsoft.com/office/drawing/2014/main" xmlns="" id="{90115D0F-8E12-492E-9494-96B5D3C111AB}"/>
+                  <a16:creationId xmlns="" xmlns:a16="http://schemas.microsoft.com/office/drawing/2014/main" id="{90115D0F-8E12-492E-9494-96B5D3C111AB}"/>
                 </a:ext>
               </a:extLst>
             </p:cNvPr>
@@ -14525,7 +14526,7 @@
             <p:cNvPr id="143" name="Harvey 93/100 [93]" hidden="1">
               <a:extLst>
                 <a:ext uri="{FF2B5EF4-FFF2-40B4-BE49-F238E27FC236}">
-                  <a16:creationId xmlns:a16="http://schemas.microsoft.com/office/drawing/2014/main" xmlns="" id="{475AE4EB-8026-4D3E-AE9A-005A809A00C6}"/>
+                  <a16:creationId xmlns="" xmlns:a16="http://schemas.microsoft.com/office/drawing/2014/main" id="{475AE4EB-8026-4D3E-AE9A-005A809A00C6}"/>
                 </a:ext>
               </a:extLst>
             </p:cNvPr>
@@ -14588,7 +14589,7 @@
             <p:cNvPr id="144" name="Harvey 94/100 [94]" hidden="1">
               <a:extLst>
                 <a:ext uri="{FF2B5EF4-FFF2-40B4-BE49-F238E27FC236}">
-                  <a16:creationId xmlns:a16="http://schemas.microsoft.com/office/drawing/2014/main" xmlns="" id="{E1AEC727-5D60-487A-811D-3044852AFEE8}"/>
+                  <a16:creationId xmlns="" xmlns:a16="http://schemas.microsoft.com/office/drawing/2014/main" id="{E1AEC727-5D60-487A-811D-3044852AFEE8}"/>
                 </a:ext>
               </a:extLst>
             </p:cNvPr>
@@ -14651,7 +14652,7 @@
             <p:cNvPr id="145" name="Harvey 95/100 [95]" hidden="1">
               <a:extLst>
                 <a:ext uri="{FF2B5EF4-FFF2-40B4-BE49-F238E27FC236}">
-                  <a16:creationId xmlns:a16="http://schemas.microsoft.com/office/drawing/2014/main" xmlns="" id="{4DC5CA71-AC5E-4CE3-8599-9659DCA9B338}"/>
+                  <a16:creationId xmlns="" xmlns:a16="http://schemas.microsoft.com/office/drawing/2014/main" id="{4DC5CA71-AC5E-4CE3-8599-9659DCA9B338}"/>
                 </a:ext>
               </a:extLst>
             </p:cNvPr>
@@ -14714,7 +14715,7 @@
             <p:cNvPr id="147" name="Harvey 96/100 [96]" hidden="1">
               <a:extLst>
                 <a:ext uri="{FF2B5EF4-FFF2-40B4-BE49-F238E27FC236}">
-                  <a16:creationId xmlns:a16="http://schemas.microsoft.com/office/drawing/2014/main" xmlns="" id="{02B169BD-62A9-4406-90CD-2F27A408849F}"/>
+                  <a16:creationId xmlns="" xmlns:a16="http://schemas.microsoft.com/office/drawing/2014/main" id="{02B169BD-62A9-4406-90CD-2F27A408849F}"/>
                 </a:ext>
               </a:extLst>
             </p:cNvPr>
@@ -14777,7 +14778,7 @@
             <p:cNvPr id="148" name="Harvey 97/100 [97]" hidden="1">
               <a:extLst>
                 <a:ext uri="{FF2B5EF4-FFF2-40B4-BE49-F238E27FC236}">
-                  <a16:creationId xmlns:a16="http://schemas.microsoft.com/office/drawing/2014/main" xmlns="" id="{66EC144D-A72B-437C-AABF-6B3AE6258344}"/>
+                  <a16:creationId xmlns="" xmlns:a16="http://schemas.microsoft.com/office/drawing/2014/main" id="{66EC144D-A72B-437C-AABF-6B3AE6258344}"/>
                 </a:ext>
               </a:extLst>
             </p:cNvPr>
@@ -14840,7 +14841,7 @@
             <p:cNvPr id="149" name="Harvey 98/100 [98]" hidden="1">
               <a:extLst>
                 <a:ext uri="{FF2B5EF4-FFF2-40B4-BE49-F238E27FC236}">
-                  <a16:creationId xmlns:a16="http://schemas.microsoft.com/office/drawing/2014/main" xmlns="" id="{3FD9AB3C-C73B-4ADF-AAFC-CF4E1238F6E0}"/>
+                  <a16:creationId xmlns="" xmlns:a16="http://schemas.microsoft.com/office/drawing/2014/main" id="{3FD9AB3C-C73B-4ADF-AAFC-CF4E1238F6E0}"/>
                 </a:ext>
               </a:extLst>
             </p:cNvPr>
@@ -14903,7 +14904,7 @@
             <p:cNvPr id="150" name="Harvey 99/100 [99]" hidden="1">
               <a:extLst>
                 <a:ext uri="{FF2B5EF4-FFF2-40B4-BE49-F238E27FC236}">
-                  <a16:creationId xmlns:a16="http://schemas.microsoft.com/office/drawing/2014/main" xmlns="" id="{EDA506CF-2E87-41DD-B763-D8008A9A3614}"/>
+                  <a16:creationId xmlns="" xmlns:a16="http://schemas.microsoft.com/office/drawing/2014/main" id="{EDA506CF-2E87-41DD-B763-D8008A9A3614}"/>
                 </a:ext>
               </a:extLst>
             </p:cNvPr>
@@ -14966,7 +14967,7 @@
             <p:cNvPr id="153" name="Harvey 100/100 [100]" hidden="1">
               <a:extLst>
                 <a:ext uri="{FF2B5EF4-FFF2-40B4-BE49-F238E27FC236}">
-                  <a16:creationId xmlns:a16="http://schemas.microsoft.com/office/drawing/2014/main" xmlns="" id="{83B4E271-BC38-47D9-AC5F-679941407376}"/>
+                  <a16:creationId xmlns="" xmlns:a16="http://schemas.microsoft.com/office/drawing/2014/main" id="{83B4E271-BC38-47D9-AC5F-679941407376}"/>
                 </a:ext>
               </a:extLst>
             </p:cNvPr>
@@ -15021,7 +15022,7 @@
           <p:cNvPr id="156" name="text" descr="{&quot;templafy&quot;:{&quot;id&quot;:&quot;a6cebcce-9b2a-4fba-95b4-bdef9fe69a4b&quot;}}" hidden="1" title="text">
             <a:extLst>
               <a:ext uri="{FF2B5EF4-FFF2-40B4-BE49-F238E27FC236}">
-                <a16:creationId xmlns:a16="http://schemas.microsoft.com/office/drawing/2014/main" xmlns="" id="{4A0ECF2A-95D0-4F12-9494-539BD853C463}"/>
+                <a16:creationId xmlns="" xmlns:a16="http://schemas.microsoft.com/office/drawing/2014/main" id="{4A0ECF2A-95D0-4F12-9494-539BD853C463}"/>
               </a:ext>
             </a:extLst>
           </p:cNvPr>
@@ -15090,7 +15091,7 @@
           <p:cNvPr id="154" name="TextBox" hidden="1">
             <a:extLst>
               <a:ext uri="{FF2B5EF4-FFF2-40B4-BE49-F238E27FC236}">
-                <a16:creationId xmlns:a16="http://schemas.microsoft.com/office/drawing/2014/main" xmlns="" id="{F0D3DFB6-6F70-49D4-A467-486FFBCB10A8}"/>
+                <a16:creationId xmlns="" xmlns:a16="http://schemas.microsoft.com/office/drawing/2014/main" id="{F0D3DFB6-6F70-49D4-A467-486FFBCB10A8}"/>
               </a:ext>
             </a:extLst>
           </p:cNvPr>
@@ -15393,7 +15394,7 @@
           <p:cNvPr id="161" name="Title Placeholder 1">
             <a:extLst>
               <a:ext uri="{FF2B5EF4-FFF2-40B4-BE49-F238E27FC236}">
-                <a16:creationId xmlns:a16="http://schemas.microsoft.com/office/drawing/2014/main" xmlns="" id="{03A1E60C-ED04-4688-9190-A34B19D4D09A}"/>
+                <a16:creationId xmlns="" xmlns:a16="http://schemas.microsoft.com/office/drawing/2014/main" id="{03A1E60C-ED04-4688-9190-A34B19D4D09A}"/>
               </a:ext>
             </a:extLst>
           </p:cNvPr>
@@ -15432,7 +15433,7 @@
           <p:cNvPr id="164" name="Graphic 163">
             <a:extLst>
               <a:ext uri="{FF2B5EF4-FFF2-40B4-BE49-F238E27FC236}">
-                <a16:creationId xmlns:a16="http://schemas.microsoft.com/office/drawing/2014/main" xmlns="" id="{25DD594A-F878-4D26-9CF2-405279373BC3}"/>
+                <a16:creationId xmlns="" xmlns:a16="http://schemas.microsoft.com/office/drawing/2014/main" id="{25DD594A-F878-4D26-9CF2-405279373BC3}"/>
               </a:ext>
             </a:extLst>
           </p:cNvPr>
@@ -15445,7 +15446,7 @@
           <a:blip r:embed="rId138">
             <a:extLst>
               <a:ext uri="{96DAC541-7B7A-43D3-8B79-37D633B846F1}">
-                <asvg:svgBlip xmlns:asvg="http://schemas.microsoft.com/office/drawing/2016/SVG/main" xmlns="" r:embed="rId139"/>
+                <asvg:svgBlip xmlns="" xmlns:asvg="http://schemas.microsoft.com/office/drawing/2016/SVG/main" r:embed="rId139"/>
               </a:ext>
             </a:extLst>
           </a:blip>
@@ -16097,7 +16098,7 @@
           <p:cNvPr id="3" name="Text Placeholder 2">
             <a:extLst>
               <a:ext uri="{FF2B5EF4-FFF2-40B4-BE49-F238E27FC236}">
-                <a16:creationId xmlns:a16="http://schemas.microsoft.com/office/drawing/2014/main" xmlns="" id="{037096D2-BF8E-40F7-B829-95F00ADC975D}"/>
+                <a16:creationId xmlns="" xmlns:a16="http://schemas.microsoft.com/office/drawing/2014/main" id="{037096D2-BF8E-40F7-B829-95F00ADC975D}"/>
               </a:ext>
             </a:extLst>
           </p:cNvPr>
@@ -16126,7 +16127,7 @@
           <p:cNvPr id="2" name="Text Placeholder 1">
             <a:extLst>
               <a:ext uri="{FF2B5EF4-FFF2-40B4-BE49-F238E27FC236}">
-                <a16:creationId xmlns:a16="http://schemas.microsoft.com/office/drawing/2014/main" xmlns="" id="{130C4348-70E7-4FD7-915E-738779A687DC}"/>
+                <a16:creationId xmlns="" xmlns:a16="http://schemas.microsoft.com/office/drawing/2014/main" id="{130C4348-70E7-4FD7-915E-738779A687DC}"/>
               </a:ext>
             </a:extLst>
           </p:cNvPr>
@@ -16295,7 +16296,7 @@
           <p:cNvPr id="6" name="Content Placeholder 5">
             <a:extLst>
               <a:ext uri="{FF2B5EF4-FFF2-40B4-BE49-F238E27FC236}">
-                <a16:creationId xmlns:a16="http://schemas.microsoft.com/office/drawing/2014/main" xmlns="" id="{FE55FF28-C028-47D8-9756-B328A54414D7}"/>
+                <a16:creationId xmlns="" xmlns:a16="http://schemas.microsoft.com/office/drawing/2014/main" id="{FE55FF28-C028-47D8-9756-B328A54414D7}"/>
               </a:ext>
             </a:extLst>
           </p:cNvPr>
@@ -16571,7 +16572,7 @@
           <p:cNvPr id="7" name="Text Placeholder 6">
             <a:extLst>
               <a:ext uri="{FF2B5EF4-FFF2-40B4-BE49-F238E27FC236}">
-                <a16:creationId xmlns:a16="http://schemas.microsoft.com/office/drawing/2014/main" xmlns="" id="{DF4F97D9-E7D7-4E85-BB50-C87C7BB6F961}"/>
+                <a16:creationId xmlns="" xmlns:a16="http://schemas.microsoft.com/office/drawing/2014/main" id="{DF4F97D9-E7D7-4E85-BB50-C87C7BB6F961}"/>
               </a:ext>
             </a:extLst>
           </p:cNvPr>
@@ -16596,7 +16597,7 @@
           <p:cNvPr id="4" name="Title 3">
             <a:extLst>
               <a:ext uri="{FF2B5EF4-FFF2-40B4-BE49-F238E27FC236}">
-                <a16:creationId xmlns:a16="http://schemas.microsoft.com/office/drawing/2014/main" xmlns="" id="{6B1011D3-A8C8-44CC-8836-11626D436C26}"/>
+                <a16:creationId xmlns="" xmlns:a16="http://schemas.microsoft.com/office/drawing/2014/main" id="{6B1011D3-A8C8-44CC-8836-11626D436C26}"/>
               </a:ext>
             </a:extLst>
           </p:cNvPr>
@@ -16658,12 +16659,122 @@
           <a:chExt cx="0" cy="0"/>
         </a:xfrm>
       </p:grpSpPr>
+      <p:pic>
+        <p:nvPicPr>
+          <p:cNvPr id="5" name="Content Placeholder 4"/>
+          <p:cNvPicPr>
+            <a:picLocks noGrp="1" noChangeAspect="1"/>
+          </p:cNvPicPr>
+          <p:nvPr>
+            <p:ph sz="quarter" idx="10"/>
+          </p:nvPr>
+        </p:nvPicPr>
+        <p:blipFill>
+          <a:blip r:embed="rId2">
+            <a:extLst>
+              <a:ext uri="{28A0092B-C50C-407E-A947-70E740481C1C}">
+                <a14:useLocalDpi xmlns:a14="http://schemas.microsoft.com/office/drawing/2010/main" val="0"/>
+              </a:ext>
+            </a:extLst>
+          </a:blip>
+          <a:stretch>
+            <a:fillRect/>
+          </a:stretch>
+        </p:blipFill>
+        <p:spPr>
+          <a:xfrm>
+            <a:off x="240755" y="1548383"/>
+            <a:ext cx="12457384" cy="5847517"/>
+          </a:xfrm>
+        </p:spPr>
+      </p:pic>
+      <p:sp>
+        <p:nvSpPr>
+          <p:cNvPr id="3" name="Text Placeholder 2"/>
+          <p:cNvSpPr>
+            <a:spLocks noGrp="1"/>
+          </p:cNvSpPr>
+          <p:nvPr>
+            <p:ph type="body" sz="quarter" idx="11"/>
+          </p:nvPr>
+        </p:nvSpPr>
+        <p:spPr/>
+        <p:txBody>
+          <a:bodyPr/>
+          <a:lstStyle/>
+          <a:p>
+            <a:endParaRPr lang="en-US"/>
+          </a:p>
+        </p:txBody>
+      </p:sp>
+      <p:sp>
+        <p:nvSpPr>
+          <p:cNvPr id="4" name="Title 3"/>
+          <p:cNvSpPr>
+            <a:spLocks noGrp="1"/>
+          </p:cNvSpPr>
+          <p:nvPr>
+            <p:ph type="title"/>
+          </p:nvPr>
+        </p:nvSpPr>
+        <p:spPr>
+          <a:xfrm>
+            <a:off x="456779" y="759866"/>
+            <a:ext cx="10609957" cy="379263"/>
+          </a:xfrm>
+        </p:spPr>
+        <p:txBody>
+          <a:bodyPr/>
+          <a:lstStyle/>
+          <a:p>
+            <a:r>
+              <a:rPr lang="en-IN" dirty="0" smtClean="0"/>
+              <a:t>Architecture </a:t>
+            </a:r>
+            <a:r>
+              <a:rPr lang="en-IN" dirty="0"/>
+              <a:t>diagram </a:t>
+            </a:r>
+            <a:endParaRPr lang="en-US" dirty="0"/>
+          </a:p>
+        </p:txBody>
+      </p:sp>
+    </p:spTree>
+    <p:extLst>
+      <p:ext uri="{BB962C8B-B14F-4D97-AF65-F5344CB8AC3E}">
+        <p14:creationId xmlns:p14="http://schemas.microsoft.com/office/powerpoint/2010/main" val="1628542311"/>
+      </p:ext>
+    </p:extLst>
+  </p:cSld>
+  <p:clrMapOvr>
+    <a:masterClrMapping/>
+  </p:clrMapOvr>
+</p:sld>
+</file>
+
+<file path=ppt/slides/slide13.xml><?xml version="1.0" encoding="utf-8"?>
+<p:sld xmlns:a="http://schemas.openxmlformats.org/drawingml/2006/main" xmlns:r="http://schemas.openxmlformats.org/officeDocument/2006/relationships" xmlns:p="http://schemas.openxmlformats.org/presentationml/2006/main">
+  <p:cSld>
+    <p:spTree>
+      <p:nvGrpSpPr>
+        <p:cNvPr id="1" name=""/>
+        <p:cNvGrpSpPr/>
+        <p:nvPr/>
+      </p:nvGrpSpPr>
+      <p:grpSpPr>
+        <a:xfrm>
+          <a:off x="0" y="0"/>
+          <a:ext cx="0" cy="0"/>
+          <a:chOff x="0" y="0"/>
+          <a:chExt cx="0" cy="0"/>
+        </a:xfrm>
+      </p:grpSpPr>
       <p:sp>
         <p:nvSpPr>
           <p:cNvPr id="6" name="Content Placeholder 5">
             <a:extLst>
               <a:ext uri="{FF2B5EF4-FFF2-40B4-BE49-F238E27FC236}">
-                <a16:creationId xmlns:a16="http://schemas.microsoft.com/office/drawing/2014/main" xmlns="" id="{FE55FF28-C028-47D8-9756-B328A54414D7}"/>
+                <a16:creationId xmlns="" xmlns:a16="http://schemas.microsoft.com/office/drawing/2014/main" id="{FE55FF28-C028-47D8-9756-B328A54414D7}"/>
               </a:ext>
             </a:extLst>
           </p:cNvPr>
@@ -16768,7 +16879,7 @@
           <p:cNvPr id="7" name="Text Placeholder 6">
             <a:extLst>
               <a:ext uri="{FF2B5EF4-FFF2-40B4-BE49-F238E27FC236}">
-                <a16:creationId xmlns:a16="http://schemas.microsoft.com/office/drawing/2014/main" xmlns="" id="{DF4F97D9-E7D7-4E85-BB50-C87C7BB6F961}"/>
+                <a16:creationId xmlns="" xmlns:a16="http://schemas.microsoft.com/office/drawing/2014/main" id="{DF4F97D9-E7D7-4E85-BB50-C87C7BB6F961}"/>
               </a:ext>
             </a:extLst>
           </p:cNvPr>
@@ -16793,7 +16904,7 @@
           <p:cNvPr id="4" name="Title 3">
             <a:extLst>
               <a:ext uri="{FF2B5EF4-FFF2-40B4-BE49-F238E27FC236}">
-                <a16:creationId xmlns:a16="http://schemas.microsoft.com/office/drawing/2014/main" xmlns="" id="{6B1011D3-A8C8-44CC-8836-11626D436C26}"/>
+                <a16:creationId xmlns="" xmlns:a16="http://schemas.microsoft.com/office/drawing/2014/main" id="{6B1011D3-A8C8-44CC-8836-11626D436C26}"/>
               </a:ext>
             </a:extLst>
           </p:cNvPr>
@@ -16827,7 +16938,7 @@
           <p:cNvPr id="9" name="Title 3">
             <a:extLst>
               <a:ext uri="{FF2B5EF4-FFF2-40B4-BE49-F238E27FC236}">
-                <a16:creationId xmlns:a16="http://schemas.microsoft.com/office/drawing/2014/main" xmlns="" id="{343D100C-CBCF-4740-8808-AA3731B46C28}"/>
+                <a16:creationId xmlns="" xmlns:a16="http://schemas.microsoft.com/office/drawing/2014/main" id="{343D100C-CBCF-4740-8808-AA3731B46C28}"/>
               </a:ext>
             </a:extLst>
           </p:cNvPr>
@@ -16902,7 +17013,7 @@
           <p:cNvPr id="10" name="Content Placeholder 5">
             <a:extLst>
               <a:ext uri="{FF2B5EF4-FFF2-40B4-BE49-F238E27FC236}">
-                <a16:creationId xmlns:a16="http://schemas.microsoft.com/office/drawing/2014/main" xmlns="" id="{E97A4741-1A72-C64F-ADE5-3CC93618A7AF}"/>
+                <a16:creationId xmlns="" xmlns:a16="http://schemas.microsoft.com/office/drawing/2014/main" id="{E97A4741-1A72-C64F-ADE5-3CC93618A7AF}"/>
               </a:ext>
             </a:extLst>
           </p:cNvPr>
@@ -17178,7 +17289,7 @@
 </p:sld>
 </file>
 
-<file path=ppt/slides/slide13.xml><?xml version="1.0" encoding="utf-8"?>
+<file path=ppt/slides/slide14.xml><?xml version="1.0" encoding="utf-8"?>
 <p:sld xmlns:a="http://schemas.openxmlformats.org/drawingml/2006/main" xmlns:r="http://schemas.openxmlformats.org/officeDocument/2006/relationships" xmlns:p="http://schemas.openxmlformats.org/presentationml/2006/main">
   <p:cSld>
     <p:spTree>
@@ -17200,7 +17311,7 @@
           <p:cNvPr id="3" name="TextBox 2">
             <a:extLst>
               <a:ext uri="{FF2B5EF4-FFF2-40B4-BE49-F238E27FC236}">
-                <a16:creationId xmlns:a16="http://schemas.microsoft.com/office/drawing/2014/main" xmlns="" id="{9FF0EB6C-85EC-40B2-BF07-371E7E2D5C81}"/>
+                <a16:creationId xmlns="" xmlns:a16="http://schemas.microsoft.com/office/drawing/2014/main" id="{9FF0EB6C-85EC-40B2-BF07-371E7E2D5C81}"/>
               </a:ext>
             </a:extLst>
           </p:cNvPr>
@@ -17263,7 +17374,7 @@
 </p:sld>
 </file>
 
-<file path=ppt/slides/slide14.xml><?xml version="1.0" encoding="utf-8"?>
+<file path=ppt/slides/slide15.xml><?xml version="1.0" encoding="utf-8"?>
 <p:sld xmlns:a="http://schemas.openxmlformats.org/drawingml/2006/main" xmlns:r="http://schemas.openxmlformats.org/officeDocument/2006/relationships" xmlns:p="http://schemas.openxmlformats.org/presentationml/2006/main">
   <p:cSld>
     <p:spTree>
@@ -17320,7 +17431,7 @@
           <p:cNvPr id="5" name="Content Placeholder 4">
             <a:extLst>
               <a:ext uri="{FF2B5EF4-FFF2-40B4-BE49-F238E27FC236}">
-                <a16:creationId xmlns:a16="http://schemas.microsoft.com/office/drawing/2014/main" xmlns="" id="{4EC3F976-E1E7-4CF2-BD94-927D8E55F7BE}"/>
+                <a16:creationId xmlns="" xmlns:a16="http://schemas.microsoft.com/office/drawing/2014/main" id="{4EC3F976-E1E7-4CF2-BD94-927D8E55F7BE}"/>
               </a:ext>
             </a:extLst>
           </p:cNvPr>
@@ -17402,7 +17513,7 @@
           <p:cNvPr id="6" name="Text Placeholder 5">
             <a:extLst>
               <a:ext uri="{FF2B5EF4-FFF2-40B4-BE49-F238E27FC236}">
-                <a16:creationId xmlns:a16="http://schemas.microsoft.com/office/drawing/2014/main" xmlns="" id="{EC92A883-2BB8-4C3C-869D-59AFEE855F42}"/>
+                <a16:creationId xmlns="" xmlns:a16="http://schemas.microsoft.com/office/drawing/2014/main" id="{EC92A883-2BB8-4C3C-869D-59AFEE855F42}"/>
               </a:ext>
             </a:extLst>
           </p:cNvPr>
@@ -17427,7 +17538,7 @@
           <p:cNvPr id="4" name="Title 3">
             <a:extLst>
               <a:ext uri="{FF2B5EF4-FFF2-40B4-BE49-F238E27FC236}">
-                <a16:creationId xmlns:a16="http://schemas.microsoft.com/office/drawing/2014/main" xmlns="" id="{83193F15-4DFB-4610-9AB4-8B3683393801}"/>
+                <a16:creationId xmlns="" xmlns:a16="http://schemas.microsoft.com/office/drawing/2014/main" id="{83193F15-4DFB-4610-9AB4-8B3683393801}"/>
               </a:ext>
             </a:extLst>
           </p:cNvPr>
@@ -17486,7 +17597,7 @@
           <p:cNvPr id="5" name="Content Placeholder 4">
             <a:extLst>
               <a:ext uri="{FF2B5EF4-FFF2-40B4-BE49-F238E27FC236}">
-                <a16:creationId xmlns:a16="http://schemas.microsoft.com/office/drawing/2014/main" xmlns="" id="{4EC3F976-E1E7-4CF2-BD94-927D8E55F7BE}"/>
+                <a16:creationId xmlns="" xmlns:a16="http://schemas.microsoft.com/office/drawing/2014/main" id="{4EC3F976-E1E7-4CF2-BD94-927D8E55F7BE}"/>
               </a:ext>
             </a:extLst>
           </p:cNvPr>
@@ -17592,7 +17703,7 @@
           <p:cNvPr id="6" name="Text Placeholder 5">
             <a:extLst>
               <a:ext uri="{FF2B5EF4-FFF2-40B4-BE49-F238E27FC236}">
-                <a16:creationId xmlns:a16="http://schemas.microsoft.com/office/drawing/2014/main" xmlns="" id="{EC92A883-2BB8-4C3C-869D-59AFEE855F42}"/>
+                <a16:creationId xmlns="" xmlns:a16="http://schemas.microsoft.com/office/drawing/2014/main" id="{EC92A883-2BB8-4C3C-869D-59AFEE855F42}"/>
               </a:ext>
             </a:extLst>
           </p:cNvPr>
@@ -17617,7 +17728,7 @@
           <p:cNvPr id="4" name="Title 3">
             <a:extLst>
               <a:ext uri="{FF2B5EF4-FFF2-40B4-BE49-F238E27FC236}">
-                <a16:creationId xmlns:a16="http://schemas.microsoft.com/office/drawing/2014/main" xmlns="" id="{83193F15-4DFB-4610-9AB4-8B3683393801}"/>
+                <a16:creationId xmlns="" xmlns:a16="http://schemas.microsoft.com/office/drawing/2014/main" id="{83193F15-4DFB-4610-9AB4-8B3683393801}"/>
               </a:ext>
             </a:extLst>
           </p:cNvPr>
@@ -17676,7 +17787,7 @@
           <p:cNvPr id="6" name="Content Placeholder 5">
             <a:extLst>
               <a:ext uri="{FF2B5EF4-FFF2-40B4-BE49-F238E27FC236}">
-                <a16:creationId xmlns:a16="http://schemas.microsoft.com/office/drawing/2014/main" xmlns="" id="{FE55FF28-C028-47D8-9756-B328A54414D7}"/>
+                <a16:creationId xmlns="" xmlns:a16="http://schemas.microsoft.com/office/drawing/2014/main" id="{FE55FF28-C028-47D8-9756-B328A54414D7}"/>
               </a:ext>
             </a:extLst>
           </p:cNvPr>
@@ -17980,7 +18091,7 @@
           <p:cNvPr id="7" name="Text Placeholder 6">
             <a:extLst>
               <a:ext uri="{FF2B5EF4-FFF2-40B4-BE49-F238E27FC236}">
-                <a16:creationId xmlns:a16="http://schemas.microsoft.com/office/drawing/2014/main" xmlns="" id="{DF4F97D9-E7D7-4E85-BB50-C87C7BB6F961}"/>
+                <a16:creationId xmlns="" xmlns:a16="http://schemas.microsoft.com/office/drawing/2014/main" id="{DF4F97D9-E7D7-4E85-BB50-C87C7BB6F961}"/>
               </a:ext>
             </a:extLst>
           </p:cNvPr>
@@ -18005,7 +18116,7 @@
           <p:cNvPr id="4" name="Title 3">
             <a:extLst>
               <a:ext uri="{FF2B5EF4-FFF2-40B4-BE49-F238E27FC236}">
-                <a16:creationId xmlns:a16="http://schemas.microsoft.com/office/drawing/2014/main" xmlns="" id="{6B1011D3-A8C8-44CC-8836-11626D436C26}"/>
+                <a16:creationId xmlns="" xmlns:a16="http://schemas.microsoft.com/office/drawing/2014/main" id="{6B1011D3-A8C8-44CC-8836-11626D436C26}"/>
               </a:ext>
             </a:extLst>
           </p:cNvPr>
@@ -20564,62 +20675,10 @@
 </file>
 
 <file path=customXml/item1.xml><?xml version="1.0" encoding="utf-8"?>
-<TemplafySlideTemplateConfiguration><![CDATA[{"slideVersion":0,"isValidatorEnabled":false,"isLocked":false,"elementsMetadata":[],"slideId":"637619437708884421","enableDocumentContentUpdater":true,"version":"1.11"}]]></TemplafySlideTemplateConfiguration>
+<TemplafySlideFormConfiguration><![CDATA[{"formFields":[],"formDataEntries":[]}]]></TemplafySlideFormConfiguration>
 </file>
 
 <file path=customXml/item10.xml><?xml version="1.0" encoding="utf-8"?>
-<TemplafySlideFormConfiguration><![CDATA[{"formFields":[],"formDataEntries":[]}]]></TemplafySlideFormConfiguration>
-</file>
-
-<file path=customXml/item11.xml><?xml version="1.0" encoding="utf-8"?>
-<TemplafySlideTemplateConfiguration><![CDATA[{"slideVersion":0,"isValidatorEnabled":false,"isLocked":false,"elementsMetadata":[],"slideId":"637619437709978173","enableDocumentContentUpdater":true,"version":"1.11"}]]></TemplafySlideTemplateConfiguration>
-</file>
-
-<file path=customXml/item2.xml><?xml version="1.0" encoding="utf-8"?>
-<TemplafySlideTemplateConfiguration><![CDATA[{"slideVersion":0,"isValidatorEnabled":false,"isLocked":false,"elementsMetadata":[],"slideId":"637619437709978173","enableDocumentContentUpdater":true,"version":"1.11"}]]></TemplafySlideTemplateConfiguration>
-</file>
-
-<file path=customXml/item3.xml><?xml version="1.0" encoding="utf-8"?>
-<TemplafySlideFormConfiguration><![CDATA[{"formFields":[],"formDataEntries":[]}]]></TemplafySlideFormConfiguration>
-</file>
-
-<file path=customXml/item4.xml><?xml version="1.0" encoding="utf-8"?>
-<?mso-contentType ?>
-<FormTemplates xmlns="http://schemas.microsoft.com/sharepoint/v3/contenttype/forms">
-  <Display>DocumentLibraryForm</Display>
-  <Edit>DocumentLibraryForm</Edit>
-  <New>DocumentLibraryForm</New>
-</FormTemplates>
-</file>
-
-<file path=customXml/item5.xml><?xml version="1.0" encoding="utf-8"?>
-<TemplafySlideFormConfiguration><![CDATA[{"formFields":[],"formDataEntries":[]}]]></TemplafySlideFormConfiguration>
-</file>
-
-<file path=customXml/item6.xml><?xml version="1.0" encoding="utf-8"?>
-<TemplafyTemplateConfiguration><![CDATA[{"elementsMetadata":[{"type":"shape","id":"d2174425-5607-4d6b-aa7e-b7431b9e1863","elementConfiguration":{"inheritDimensions":"inheritWidth","binding":"Form.BackgroundColorPowerPoint_Oct_vA.PowerPointInternal","disableUpdates":false,"type":"image"}},{"type":"shape","id":"ec1b0999-315e-408b-8fc7-4a17f5c3e338","elementConfiguration":{"binding":"Form.Confidentiality.Insert","visibility":{"action":"hide","binding":"Form.Confidentiality.Confidentiality","operator":"equals","compareValue":"Client Confidential","compareValues":[]},"disableUpdates":false,"type":"text"}},{"type":"shape","id":"63955c8f-2a6b-41a2-be87-db55928a4bc7","elementConfiguration":{"binding":"Form.Watermark.Insert","disableUpdates":false,"type":"text"}},{"type":"shape","id":"a6cebcce-9b2a-4fba-95b4-bdef9fe69a4b","elementConfiguration":{"templateBinding":"{{Form.Confidentiality.Insert}} {{Form.PowerPointClient}} {{Form.Confidentiality.InsertSuffix}}","visibility":{"action":"hide","binding":"Form.Confidentiality.Confidentiality","operator":"notEquals","compareValue":"Client Confidential","compareValues":[]},"disableUpdates":false,"type":"text"}},{"type":"shape","id":"947808c8-c2c6-4acb-975f-406c6eee4db0","elementConfiguration":{"inheritDimensions":"inheritWidth","binding":"Form.BackgroundColorPowerPoint_Oct_vA.PowerPointBackPage","disableUpdates":false,"type":"image"}},{"type":"shape","id":"27d45392-8484-4163-bb73-bc31367a1302","elementConfiguration":{"inheritDimensions":"inheritWidth","binding":"Form.BackgroundColorPowerPoint_Oct_vA.PowerPointDivider","disableUpdates":false,"type":"image"}},{"type":"shape","id":"448c6408-9dda-4eaa-9885-ac0ef1bb9b05","elementConfiguration":{"inheritDimensions":"inheritNone","width":"37.35 cm","height":"21.05 cm","binding":"Form.BackgroundColorPowerPoint_Oct_vA.PowerPointCover","disableUpdates":false,"type":"image"}},{"type":"shape","id":"cefa8c17-d990-4d73-9dd6-37d0bc623655","elementConfiguration":{"disableUpdates":false,"type":"text"}},{"type":"shape","id":"3fdb5e0c-4070-434d-99e6-bb344f155e44","elementConfiguration":{"disableUpdates":false,"type":"text"}},{"type":"shape","id":"0f4d98c9-ac35-4c7e-a25c-9297298baeef","elementConfiguration":{"inheritDimensions":"inheritNone","width":"2.5 cm","height":"2.5 cm","binding":"Form.ChooseProduct_Tertiary.ProductLogo","disableUpdates":false,"type":"image"}},{"type":"shape","id":"5cc30238-6e06-447f-bcad-587afb6b23c7","elementConfiguration":{"inheritDimensions":"inheritNone","width":"2.5 cm","height":"2.5 cm","binding":"Form.ChoosePoroduct_Secondary.ProductLogo","disableUpdates":false,"type":"image"}},{"type":"shape","id":"53c951d2-f0d5-4a01-bb44-0e64ea46cde6","elementConfiguration":{"inheritDimensions":"inheritNone","width":"2.5 cm","height":"2.5 cm","binding":"Form.ChooseProduct_Primary.ProductLogo","disableUpdates":false,"type":"image"}},{"type":"shape","id":"94371643-c78b-41c8-8009-cd5c66447b62","elementConfiguration":{"binding":"Form.PowerPointClient","disableUpdates":false,"type":"text"}},{"type":"shape","id":"b6d71ff5-73fe-4ec2-8e97-92f87f9ac0d0","elementConfiguration":{"format":"dd MMMM yyyy","binding":"Form.PowerPointDate","disableUpdates":false,"type":"date"}}],"transformationConfigurations":[{"colorTheme":"{{Form.BackgroundColorPowerPoint_Oct_vA.PowerPointColorTheme}}","originalColorThemeXml":"<a:clrScheme name=\"ION-Group-DarkBG\" xmlns:a=\"http://schemas.openxmlformats.org/drawingml/2006/main\"><a:dk1><a:srgbClr val=\"001437\" /></a:dk1><a:lt1><a:srgbClr val=\"FFFFFF\" /></a:lt1><a:dk2><a:srgbClr val=\"FFFFFF\" /></a:dk2><a:lt2><a:srgbClr val=\"001437\" /></a:lt2><a:accent1><a:srgbClr val=\"007AC5\" /></a:accent1><a:accent2><a:srgbClr val=\"00A5E6\" /></a:accent2><a:accent3><a:srgbClr val=\"D75641\" /></a:accent3><a:accent4><a:srgbClr val=\"AFAFB4\" /></a:accent4><a:accent5><a:srgbClr val=\"4D5B73\" /></a:accent5><a:accent6><a:srgbClr val=\"B2B8C3\" /></a:accent6><a:hlink><a:srgbClr val=\"00A5E6\" /></a:hlink><a:folHlink><a:srgbClr val=\"00A5E6\" /></a:folHlink></a:clrScheme>","disableUpdates":false,"type":"colorTheme"}],"templateName":"","templateDescription":"","enableDocumentContentUpdater":true,"version":"1.11"}]]></TemplafyTemplateConfiguration>
-</file>
-
-<file path=customXml/item7.xml><?xml version="1.0" encoding="utf-8"?>
-<TemplafyFormConfiguration><![CDATA[{"formFields":[{"dataSource":"ION PowerPoint Branding","displayColumn":"powerPointBrand","hideIfNoUserInteractionRequired":false,"distinct":true,"required":true,"autoSelectFirstOption":false,"helpTexts":{"prefix":"","postfix":""},"spacing":{},"type":"dropDown","name":"BrandPowerPoint_Oct_vA","label":"Branding","fullyQualifiedName":"BrandPowerPoint_Oct_vA"},{"dataSource":"ION PowerPoint Branding","displayColumn":"powerPointBackgroundChoice","filter":{"column":"powerPointBrand","otherFieldName":"BrandPowerPoint_Oct_vA","fullyQualifiedOtherFieldName":"BrandPowerPoint_Oct_vA","otherFieldColumn":"powerPointBrand","formReference":"none","operator":"equals"},"hideIfNoUserInteractionRequired":false,"distinct":true,"required":true,"autoSelectFirstOption":false,"helpTexts":{"prefix":"","postfix":""},"spacing":{},"type":"dropDown","name":"BackgroundColorPowerPoint_Oct_vA","label":"Light or Dark Background","fullyQualifiedName":"BackgroundColorPowerPoint_Oct_vA"},{"required":false,"placeholder":"","lines":0,"helpTexts":{"prefix":"","postfix":""},"spacing":{},"type":"textBox","name":"PowerPointClient","label":"Client Name","fullyQualifiedName":"PowerPointClient"},{"dataSource":"IONConfidentiality","displayColumn":"confidentiality","hideIfNoUserInteractionRequired":false,"distinct":true,"required":true,"autoSelectFirstOption":false,"helpTexts":{"prefix":"","postfix":"For guidance on which notice to use, see http://ionlink.net/ic-pdf"},"spacing":{},"type":"dropDown","name":"Confidentiality","label":"Confidentiality Notice","fullyQualifiedName":"Confidentiality"},{"required":true,"helpTexts":{"prefix":"","postfix":""},"spacing":{},"type":"datePicker","name":"PowerPointDate","label":"Date","fullyQualifiedName":"PowerPointDate"},{"dataSource":"IONWatermarks","displayColumn":"showName","hideIfNoUserInteractionRequired":false,"distinct":true,"required":true,"autoSelectFirstOption":false,"helpTexts":{"prefix":"","postfix":""},"spacing":{},"type":"dropDown","name":"Watermark","label":"Watermark","fullyQualifiedName":"Watermark"},{"dataSource":"P-Product-Brand","displayColumn":"productName","filter":{"column":"powerPointBackgroundColor","otherFieldName":"BackgroundColorPowerPoint_Oct_vA","fullyQualifiedOtherFieldName":"BackgroundColorPowerPoint_Oct_vA","otherFieldColumn":"PowerPointBackgroundChoice","formReference":"none","operator":"equals"},"hideIfNoUserInteractionRequired":false,"distinct":true,"required":false,"autoSelectFirstOption":false,"helpTexts":{"prefix":"","postfix":""},"spacing":{},"type":"dropDown","name":"ChooseProduct_Primary","label":"Primary Product Brand","fullyQualifiedName":"ChooseProduct_Primary"},{"dataSource":"P-Product-Brand","displayColumn":"productName","filter":{"column":"powerPointBackgroundColor","otherFieldName":"BackgroundColorPowerPoint_Oct_vA","fullyQualifiedOtherFieldName":"BackgroundColorPowerPoint_Oct_vA","otherFieldColumn":"PowerPointBackgroundChoice","formReference":"none","operator":"equals"},"hideIfNoUserInteractionRequired":false,"distinct":true,"required":false,"autoSelectFirstOption":false,"helpTexts":{"prefix":"","postfix":""},"spacing":{},"type":"dropDown","name":"ChoosePoroduct_Secondary","label":"Secondary Product Brand","fullyQualifiedName":"ChoosePoroduct_Secondary"},{"dataSource":"P-Product-Brand","displayColumn":"productName","filter":{"column":"powerPointBackgroundColor","otherFieldName":"BackgroundColorPowerPoint_Oct_vA","fullyQualifiedOtherFieldName":"BackgroundColorPowerPoint_Oct_vA","otherFieldColumn":"PowerPointBackgroundChoice","formReference":"none","operator":"equals"},"hideIfNoUserInteractionRequired":false,"distinct":true,"required":false,"autoSelectFirstOption":false,"helpTexts":{"prefix":"","postfix":""},"spacing":{},"type":"dropDown","name":"ChooseProduct_Tertiary","label":"Tertiary Product Brand","fullyQualifiedName":"ChooseProduct_Tertiary"}],"formDataEntries":[{"name":"BrandPowerPoint_Oct_vA","value":"lkQvIQtZKCPbTDiBBU6g/Q=="},{"name":"BackgroundColorPowerPoint_Oct_vA","value":"VRq9ak7uZCA8XSw0jkTEeA=="},{"name":"Confidentiality","value":"E7VifGvQztrMpUuv3Bbm1A=="},{"name":"PowerPointDate","value":"Zxz52PF8H9HrSBl7MJUy/A=="},{"name":"Watermark","value":"WdEUi1zMcVM7Stn6Woarwg=="}]}]]></TemplafyFormConfiguration>
-</file>
-
-<file path=customXml/item8.xml><?xml version="1.0" encoding="utf-8"?>
-<p:properties xmlns:p="http://schemas.microsoft.com/office/2006/metadata/properties" xmlns:xsi="http://www.w3.org/2001/XMLSchema-instance" xmlns:pc="http://schemas.microsoft.com/office/infopath/2007/PartnerControls">
-  <documentManagement>
-    <SharedWithUsers xmlns="a5c6db09-7ebe-4e6b-a76e-5dc93d18b60b">
-      <UserInfo>
-        <DisplayName/>
-        <AccountId xsi:nil="true"/>
-        <AccountType/>
-      </UserInfo>
-    </SharedWithUsers>
-    <MediaLengthInSeconds xmlns="18812a47-41c3-4ae4-a99b-bb81eab4150b" xsi:nil="true"/>
-  </documentManagement>
-</p:properties>
-</file>
-
-<file path=customXml/item9.xml><?xml version="1.0" encoding="utf-8"?>
 <ct:contentTypeSchema xmlns:ct="http://schemas.microsoft.com/office/2006/metadata/contentType" xmlns:ma="http://schemas.microsoft.com/office/2006/metadata/properties/metaAttributes" ct:_="" ma:_="" ma:contentTypeName="Document" ma:contentTypeID="0x010100EF1F359E485E9A458F49A31A345DFFCA" ma:contentTypeVersion="12" ma:contentTypeDescription="Create a new document." ma:contentTypeScope="" ma:versionID="2cf3ef3ece5c2d82934cced60a749874">
   <xsd:schema xmlns:xsd="http://www.w3.org/2001/XMLSchema" xmlns:xs="http://www.w3.org/2001/XMLSchema" xmlns:p="http://schemas.microsoft.com/office/2006/metadata/properties" xmlns:ns2="18812a47-41c3-4ae4-a99b-bb81eab4150b" xmlns:ns3="a5c6db09-7ebe-4e6b-a76e-5dc93d18b60b" targetNamespace="http://schemas.microsoft.com/office/2006/metadata/properties" ma:root="true" ma:fieldsID="2207b59573b3d93e6cbc9310d0ef04d3" ns2:_="" ns3:_="">
     <xsd:import namespace="18812a47-41c3-4ae4-a99b-bb81eab4150b"/>
@@ -20836,63 +20895,84 @@
 </ct:contentTypeSchema>
 </file>
 
+<file path=customXml/item11.xml><?xml version="1.0" encoding="utf-8"?>
+<p:properties xmlns:p="http://schemas.microsoft.com/office/2006/metadata/properties" xmlns:xsi="http://www.w3.org/2001/XMLSchema-instance" xmlns:pc="http://schemas.microsoft.com/office/infopath/2007/PartnerControls">
+  <documentManagement>
+    <SharedWithUsers xmlns="a5c6db09-7ebe-4e6b-a76e-5dc93d18b60b">
+      <UserInfo>
+        <DisplayName/>
+        <AccountId xsi:nil="true"/>
+        <AccountType/>
+      </UserInfo>
+    </SharedWithUsers>
+    <MediaLengthInSeconds xmlns="18812a47-41c3-4ae4-a99b-bb81eab4150b" xsi:nil="true"/>
+  </documentManagement>
+</p:properties>
+</file>
+
+<file path=customXml/item2.xml><?xml version="1.0" encoding="utf-8"?>
+<TemplafyFormConfiguration><![CDATA[{"formFields":[{"dataSource":"ION PowerPoint Branding","displayColumn":"powerPointBrand","hideIfNoUserInteractionRequired":false,"distinct":true,"required":true,"autoSelectFirstOption":false,"helpTexts":{"prefix":"","postfix":""},"spacing":{},"type":"dropDown","name":"BrandPowerPoint_Oct_vA","label":"Branding","fullyQualifiedName":"BrandPowerPoint_Oct_vA"},{"dataSource":"ION PowerPoint Branding","displayColumn":"powerPointBackgroundChoice","filter":{"column":"powerPointBrand","otherFieldName":"BrandPowerPoint_Oct_vA","fullyQualifiedOtherFieldName":"BrandPowerPoint_Oct_vA","otherFieldColumn":"powerPointBrand","formReference":"none","operator":"equals"},"hideIfNoUserInteractionRequired":false,"distinct":true,"required":true,"autoSelectFirstOption":false,"helpTexts":{"prefix":"","postfix":""},"spacing":{},"type":"dropDown","name":"BackgroundColorPowerPoint_Oct_vA","label":"Light or Dark Background","fullyQualifiedName":"BackgroundColorPowerPoint_Oct_vA"},{"required":false,"placeholder":"","lines":0,"helpTexts":{"prefix":"","postfix":""},"spacing":{},"type":"textBox","name":"PowerPointClient","label":"Client Name","fullyQualifiedName":"PowerPointClient"},{"dataSource":"IONConfidentiality","displayColumn":"confidentiality","hideIfNoUserInteractionRequired":false,"distinct":true,"required":true,"autoSelectFirstOption":false,"helpTexts":{"prefix":"","postfix":"For guidance on which notice to use, see http://ionlink.net/ic-pdf"},"spacing":{},"type":"dropDown","name":"Confidentiality","label":"Confidentiality Notice","fullyQualifiedName":"Confidentiality"},{"required":true,"helpTexts":{"prefix":"","postfix":""},"spacing":{},"type":"datePicker","name":"PowerPointDate","label":"Date","fullyQualifiedName":"PowerPointDate"},{"dataSource":"IONWatermarks","displayColumn":"showName","hideIfNoUserInteractionRequired":false,"distinct":true,"required":true,"autoSelectFirstOption":false,"helpTexts":{"prefix":"","postfix":""},"spacing":{},"type":"dropDown","name":"Watermark","label":"Watermark","fullyQualifiedName":"Watermark"},{"dataSource":"P-Product-Brand","displayColumn":"productName","filter":{"column":"powerPointBackgroundColor","otherFieldName":"BackgroundColorPowerPoint_Oct_vA","fullyQualifiedOtherFieldName":"BackgroundColorPowerPoint_Oct_vA","otherFieldColumn":"PowerPointBackgroundChoice","formReference":"none","operator":"equals"},"hideIfNoUserInteractionRequired":false,"distinct":true,"required":false,"autoSelectFirstOption":false,"helpTexts":{"prefix":"","postfix":""},"spacing":{},"type":"dropDown","name":"ChooseProduct_Primary","label":"Primary Product Brand","fullyQualifiedName":"ChooseProduct_Primary"},{"dataSource":"P-Product-Brand","displayColumn":"productName","filter":{"column":"powerPointBackgroundColor","otherFieldName":"BackgroundColorPowerPoint_Oct_vA","fullyQualifiedOtherFieldName":"BackgroundColorPowerPoint_Oct_vA","otherFieldColumn":"PowerPointBackgroundChoice","formReference":"none","operator":"equals"},"hideIfNoUserInteractionRequired":false,"distinct":true,"required":false,"autoSelectFirstOption":false,"helpTexts":{"prefix":"","postfix":""},"spacing":{},"type":"dropDown","name":"ChoosePoroduct_Secondary","label":"Secondary Product Brand","fullyQualifiedName":"ChoosePoroduct_Secondary"},{"dataSource":"P-Product-Brand","displayColumn":"productName","filter":{"column":"powerPointBackgroundColor","otherFieldName":"BackgroundColorPowerPoint_Oct_vA","fullyQualifiedOtherFieldName":"BackgroundColorPowerPoint_Oct_vA","otherFieldColumn":"PowerPointBackgroundChoice","formReference":"none","operator":"equals"},"hideIfNoUserInteractionRequired":false,"distinct":true,"required":false,"autoSelectFirstOption":false,"helpTexts":{"prefix":"","postfix":""},"spacing":{},"type":"dropDown","name":"ChooseProduct_Tertiary","label":"Tertiary Product Brand","fullyQualifiedName":"ChooseProduct_Tertiary"}],"formDataEntries":[{"name":"BrandPowerPoint_Oct_vA","value":"lkQvIQtZKCPbTDiBBU6g/Q=="},{"name":"BackgroundColorPowerPoint_Oct_vA","value":"VRq9ak7uZCA8XSw0jkTEeA=="},{"name":"Confidentiality","value":"E7VifGvQztrMpUuv3Bbm1A=="},{"name":"PowerPointDate","value":"Zxz52PF8H9HrSBl7MJUy/A=="},{"name":"Watermark","value":"WdEUi1zMcVM7Stn6Woarwg=="}]}]]></TemplafyFormConfiguration>
+</file>
+
+<file path=customXml/item3.xml><?xml version="1.0" encoding="utf-8"?>
+<TemplafySlideTemplateConfiguration><![CDATA[{"slideVersion":0,"isValidatorEnabled":false,"isLocked":false,"elementsMetadata":[],"slideId":"637619437709978173","enableDocumentContentUpdater":true,"version":"1.11"}]]></TemplafySlideTemplateConfiguration>
+</file>
+
+<file path=customXml/item4.xml><?xml version="1.0" encoding="utf-8"?>
+<TemplafySlideTemplateConfiguration><![CDATA[{"slideVersion":0,"isValidatorEnabled":false,"isLocked":false,"elementsMetadata":[],"slideId":"637619437708884421","enableDocumentContentUpdater":true,"version":"1.11"}]]></TemplafySlideTemplateConfiguration>
+</file>
+
+<file path=customXml/item5.xml><?xml version="1.0" encoding="utf-8"?>
+<TemplafyTemplateConfiguration><![CDATA[{"elementsMetadata":[{"type":"shape","id":"d2174425-5607-4d6b-aa7e-b7431b9e1863","elementConfiguration":{"inheritDimensions":"inheritWidth","binding":"Form.BackgroundColorPowerPoint_Oct_vA.PowerPointInternal","disableUpdates":false,"type":"image"}},{"type":"shape","id":"ec1b0999-315e-408b-8fc7-4a17f5c3e338","elementConfiguration":{"binding":"Form.Confidentiality.Insert","visibility":{"action":"hide","binding":"Form.Confidentiality.Confidentiality","operator":"equals","compareValue":"Client Confidential","compareValues":[]},"disableUpdates":false,"type":"text"}},{"type":"shape","id":"63955c8f-2a6b-41a2-be87-db55928a4bc7","elementConfiguration":{"binding":"Form.Watermark.Insert","disableUpdates":false,"type":"text"}},{"type":"shape","id":"a6cebcce-9b2a-4fba-95b4-bdef9fe69a4b","elementConfiguration":{"templateBinding":"{{Form.Confidentiality.Insert}} {{Form.PowerPointClient}} {{Form.Confidentiality.InsertSuffix}}","visibility":{"action":"hide","binding":"Form.Confidentiality.Confidentiality","operator":"notEquals","compareValue":"Client Confidential","compareValues":[]},"disableUpdates":false,"type":"text"}},{"type":"shape","id":"947808c8-c2c6-4acb-975f-406c6eee4db0","elementConfiguration":{"inheritDimensions":"inheritWidth","binding":"Form.BackgroundColorPowerPoint_Oct_vA.PowerPointBackPage","disableUpdates":false,"type":"image"}},{"type":"shape","id":"27d45392-8484-4163-bb73-bc31367a1302","elementConfiguration":{"inheritDimensions":"inheritWidth","binding":"Form.BackgroundColorPowerPoint_Oct_vA.PowerPointDivider","disableUpdates":false,"type":"image"}},{"type":"shape","id":"448c6408-9dda-4eaa-9885-ac0ef1bb9b05","elementConfiguration":{"inheritDimensions":"inheritNone","width":"37.35 cm","height":"21.05 cm","binding":"Form.BackgroundColorPowerPoint_Oct_vA.PowerPointCover","disableUpdates":false,"type":"image"}},{"type":"shape","id":"cefa8c17-d990-4d73-9dd6-37d0bc623655","elementConfiguration":{"disableUpdates":false,"type":"text"}},{"type":"shape","id":"3fdb5e0c-4070-434d-99e6-bb344f155e44","elementConfiguration":{"disableUpdates":false,"type":"text"}},{"type":"shape","id":"0f4d98c9-ac35-4c7e-a25c-9297298baeef","elementConfiguration":{"inheritDimensions":"inheritNone","width":"2.5 cm","height":"2.5 cm","binding":"Form.ChooseProduct_Tertiary.ProductLogo","disableUpdates":false,"type":"image"}},{"type":"shape","id":"5cc30238-6e06-447f-bcad-587afb6b23c7","elementConfiguration":{"inheritDimensions":"inheritNone","width":"2.5 cm","height":"2.5 cm","binding":"Form.ChoosePoroduct_Secondary.ProductLogo","disableUpdates":false,"type":"image"}},{"type":"shape","id":"53c951d2-f0d5-4a01-bb44-0e64ea46cde6","elementConfiguration":{"inheritDimensions":"inheritNone","width":"2.5 cm","height":"2.5 cm","binding":"Form.ChooseProduct_Primary.ProductLogo","disableUpdates":false,"type":"image"}},{"type":"shape","id":"94371643-c78b-41c8-8009-cd5c66447b62","elementConfiguration":{"binding":"Form.PowerPointClient","disableUpdates":false,"type":"text"}},{"type":"shape","id":"b6d71ff5-73fe-4ec2-8e97-92f87f9ac0d0","elementConfiguration":{"format":"dd MMMM yyyy","binding":"Form.PowerPointDate","disableUpdates":false,"type":"date"}}],"transformationConfigurations":[{"colorTheme":"{{Form.BackgroundColorPowerPoint_Oct_vA.PowerPointColorTheme}}","originalColorThemeXml":"<a:clrScheme name=\"ION-Group-DarkBG\" xmlns:a=\"http://schemas.openxmlformats.org/drawingml/2006/main\"><a:dk1><a:srgbClr val=\"001437\" /></a:dk1><a:lt1><a:srgbClr val=\"FFFFFF\" /></a:lt1><a:dk2><a:srgbClr val=\"FFFFFF\" /></a:dk2><a:lt2><a:srgbClr val=\"001437\" /></a:lt2><a:accent1><a:srgbClr val=\"007AC5\" /></a:accent1><a:accent2><a:srgbClr val=\"00A5E6\" /></a:accent2><a:accent3><a:srgbClr val=\"D75641\" /></a:accent3><a:accent4><a:srgbClr val=\"AFAFB4\" /></a:accent4><a:accent5><a:srgbClr val=\"4D5B73\" /></a:accent5><a:accent6><a:srgbClr val=\"B2B8C3\" /></a:accent6><a:hlink><a:srgbClr val=\"00A5E6\" /></a:hlink><a:folHlink><a:srgbClr val=\"00A5E6\" /></a:folHlink></a:clrScheme>","disableUpdates":false,"type":"colorTheme"}],"templateName":"","templateDescription":"","enableDocumentContentUpdater":true,"version":"1.11"}]]></TemplafyTemplateConfiguration>
+</file>
+
+<file path=customXml/item6.xml><?xml version="1.0" encoding="utf-8"?>
+<TemplafySlideTemplateConfiguration><![CDATA[{"slideVersion":0,"isValidatorEnabled":false,"isLocked":false,"elementsMetadata":[],"slideId":"637619437709978173","enableDocumentContentUpdater":true,"version":"1.11"}]]></TemplafySlideTemplateConfiguration>
+</file>
+
+<file path=customXml/item7.xml><?xml version="1.0" encoding="utf-8"?>
+<TemplafySlideFormConfiguration><![CDATA[{"formFields":[],"formDataEntries":[]}]]></TemplafySlideFormConfiguration>
+</file>
+
+<file path=customXml/item8.xml><?xml version="1.0" encoding="utf-8"?>
+<TemplafySlideFormConfiguration><![CDATA[{"formFields":[],"formDataEntries":[]}]]></TemplafySlideFormConfiguration>
+</file>
+
+<file path=customXml/item9.xml><?xml version="1.0" encoding="utf-8"?>
+<?mso-contentType ?>
+<FormTemplates xmlns="http://schemas.microsoft.com/sharepoint/v3/contenttype/forms">
+  <Display>DocumentLibraryForm</Display>
+  <Edit>DocumentLibraryForm</Edit>
+  <New>DocumentLibraryForm</New>
+</FormTemplates>
+</file>
+
 <file path=customXml/itemProps1.xml><?xml version="1.0" encoding="utf-8"?>
-<ds:datastoreItem xmlns:ds="http://schemas.openxmlformats.org/officeDocument/2006/customXml" ds:itemID="{E4BEACE3-5A64-4321-8881-298631914CE7}">
+<ds:datastoreItem xmlns:ds="http://schemas.openxmlformats.org/officeDocument/2006/customXml" ds:itemID="{60D3FCEE-FBB6-44C9-808D-BEF4541DFDE0}">
   <ds:schemaRefs/>
 </ds:datastoreItem>
 </file>
 
 <file path=customXml/itemProps10.xml><?xml version="1.0" encoding="utf-8"?>
-<ds:datastoreItem xmlns:ds="http://schemas.openxmlformats.org/officeDocument/2006/customXml" ds:itemID="{5CE68F08-F703-449B-BC5D-8A952A0A881D}">
-  <ds:schemaRefs/>
+<ds:datastoreItem xmlns:ds="http://schemas.openxmlformats.org/officeDocument/2006/customXml" ds:itemID="{760B3F06-D1EA-4871-BBB6-F3C2D11D5F48}">
+  <ds:schemaRefs>
+    <ds:schemaRef ds:uri="http://schemas.microsoft.com/office/2006/metadata/contentType"/>
+    <ds:schemaRef ds:uri="http://schemas.microsoft.com/office/2006/metadata/properties/metaAttributes"/>
+    <ds:schemaRef ds:uri="http://www.w3.org/2001/XMLSchema"/>
+    <ds:schemaRef ds:uri="http://schemas.microsoft.com/office/2006/metadata/properties"/>
+    <ds:schemaRef ds:uri="18812a47-41c3-4ae4-a99b-bb81eab4150b"/>
+    <ds:schemaRef ds:uri="a5c6db09-7ebe-4e6b-a76e-5dc93d18b60b"/>
+    <ds:schemaRef ds:uri="http://schemas.microsoft.com/office/2006/documentManagement/types"/>
+    <ds:schemaRef ds:uri="http://schemas.microsoft.com/office/infopath/2007/PartnerControls"/>
+    <ds:schemaRef ds:uri="http://schemas.openxmlformats.org/package/2006/metadata/core-properties"/>
+    <ds:schemaRef ds:uri="http://purl.org/dc/elements/1.1/"/>
+    <ds:schemaRef ds:uri="http://purl.org/dc/terms/"/>
+    <ds:schemaRef ds:uri="http://schemas.microsoft.com/internal/obd"/>
+  </ds:schemaRefs>
 </ds:datastoreItem>
 </file>
 
 <file path=customXml/itemProps11.xml><?xml version="1.0" encoding="utf-8"?>
-<ds:datastoreItem xmlns:ds="http://schemas.openxmlformats.org/officeDocument/2006/customXml" ds:itemID="{AC52CB3E-BF9F-46DB-9057-868751284721}">
-  <ds:schemaRefs/>
-</ds:datastoreItem>
-</file>
-
-<file path=customXml/itemProps2.xml><?xml version="1.0" encoding="utf-8"?>
-<ds:datastoreItem xmlns:ds="http://schemas.openxmlformats.org/officeDocument/2006/customXml" ds:itemID="{BB70BA6C-4950-48C3-9E77-1559DFE0E9C1}">
-  <ds:schemaRefs/>
-</ds:datastoreItem>
-</file>
-
-<file path=customXml/itemProps3.xml><?xml version="1.0" encoding="utf-8"?>
-<ds:datastoreItem xmlns:ds="http://schemas.openxmlformats.org/officeDocument/2006/customXml" ds:itemID="{60D3FCEE-FBB6-44C9-808D-BEF4541DFDE0}">
-  <ds:schemaRefs/>
-</ds:datastoreItem>
-</file>
-
-<file path=customXml/itemProps4.xml><?xml version="1.0" encoding="utf-8"?>
-<ds:datastoreItem xmlns:ds="http://schemas.openxmlformats.org/officeDocument/2006/customXml" ds:itemID="{9B05D3BF-F23D-4CF0-A547-A6A31A36D96D}">
-  <ds:schemaRefs>
-    <ds:schemaRef ds:uri="http://schemas.microsoft.com/sharepoint/v3/contenttype/forms"/>
-  </ds:schemaRefs>
-</ds:datastoreItem>
-</file>
-
-<file path=customXml/itemProps5.xml><?xml version="1.0" encoding="utf-8"?>
-<ds:datastoreItem xmlns:ds="http://schemas.openxmlformats.org/officeDocument/2006/customXml" ds:itemID="{7431E575-127C-4C75-91E1-B15F33F6A67D}">
-  <ds:schemaRefs/>
-</ds:datastoreItem>
-</file>
-
-<file path=customXml/itemProps6.xml><?xml version="1.0" encoding="utf-8"?>
-<ds:datastoreItem xmlns:ds="http://schemas.openxmlformats.org/officeDocument/2006/customXml" ds:itemID="{12EEFC2F-DADF-4A55-981A-784BF5BE9558}">
-  <ds:schemaRefs/>
-</ds:datastoreItem>
-</file>
-
-<file path=customXml/itemProps7.xml><?xml version="1.0" encoding="utf-8"?>
-<ds:datastoreItem xmlns:ds="http://schemas.openxmlformats.org/officeDocument/2006/customXml" ds:itemID="{2D1D177E-5746-42E6-9607-46532FE7A753}">
-  <ds:schemaRefs/>
-</ds:datastoreItem>
-</file>
-
-<file path=customXml/itemProps8.xml><?xml version="1.0" encoding="utf-8"?>
 <ds:datastoreItem xmlns:ds="http://schemas.openxmlformats.org/officeDocument/2006/customXml" ds:itemID="{BE1EF330-E3AF-495D-830D-05885DBF6EBC}">
   <ds:schemaRefs>
     <ds:schemaRef ds:uri="http://schemas.microsoft.com/office/infopath/2007/PartnerControls"/>
@@ -20909,21 +20989,52 @@
 </ds:datastoreItem>
 </file>
 
+<file path=customXml/itemProps2.xml><?xml version="1.0" encoding="utf-8"?>
+<ds:datastoreItem xmlns:ds="http://schemas.openxmlformats.org/officeDocument/2006/customXml" ds:itemID="{2D1D177E-5746-42E6-9607-46532FE7A753}">
+  <ds:schemaRefs/>
+</ds:datastoreItem>
+</file>
+
+<file path=customXml/itemProps3.xml><?xml version="1.0" encoding="utf-8"?>
+<ds:datastoreItem xmlns:ds="http://schemas.openxmlformats.org/officeDocument/2006/customXml" ds:itemID="{BB70BA6C-4950-48C3-9E77-1559DFE0E9C1}">
+  <ds:schemaRefs/>
+</ds:datastoreItem>
+</file>
+
+<file path=customXml/itemProps4.xml><?xml version="1.0" encoding="utf-8"?>
+<ds:datastoreItem xmlns:ds="http://schemas.openxmlformats.org/officeDocument/2006/customXml" ds:itemID="{E4BEACE3-5A64-4321-8881-298631914CE7}">
+  <ds:schemaRefs/>
+</ds:datastoreItem>
+</file>
+
+<file path=customXml/itemProps5.xml><?xml version="1.0" encoding="utf-8"?>
+<ds:datastoreItem xmlns:ds="http://schemas.openxmlformats.org/officeDocument/2006/customXml" ds:itemID="{12EEFC2F-DADF-4A55-981A-784BF5BE9558}">
+  <ds:schemaRefs/>
+</ds:datastoreItem>
+</file>
+
+<file path=customXml/itemProps6.xml><?xml version="1.0" encoding="utf-8"?>
+<ds:datastoreItem xmlns:ds="http://schemas.openxmlformats.org/officeDocument/2006/customXml" ds:itemID="{AC52CB3E-BF9F-46DB-9057-868751284721}">
+  <ds:schemaRefs/>
+</ds:datastoreItem>
+</file>
+
+<file path=customXml/itemProps7.xml><?xml version="1.0" encoding="utf-8"?>
+<ds:datastoreItem xmlns:ds="http://schemas.openxmlformats.org/officeDocument/2006/customXml" ds:itemID="{7431E575-127C-4C75-91E1-B15F33F6A67D}">
+  <ds:schemaRefs/>
+</ds:datastoreItem>
+</file>
+
+<file path=customXml/itemProps8.xml><?xml version="1.0" encoding="utf-8"?>
+<ds:datastoreItem xmlns:ds="http://schemas.openxmlformats.org/officeDocument/2006/customXml" ds:itemID="{5CE68F08-F703-449B-BC5D-8A952A0A881D}">
+  <ds:schemaRefs/>
+</ds:datastoreItem>
+</file>
+
 <file path=customXml/itemProps9.xml><?xml version="1.0" encoding="utf-8"?>
-<ds:datastoreItem xmlns:ds="http://schemas.openxmlformats.org/officeDocument/2006/customXml" ds:itemID="{760B3F06-D1EA-4871-BBB6-F3C2D11D5F48}">
+<ds:datastoreItem xmlns:ds="http://schemas.openxmlformats.org/officeDocument/2006/customXml" ds:itemID="{9B05D3BF-F23D-4CF0-A547-A6A31A36D96D}">
   <ds:schemaRefs>
-    <ds:schemaRef ds:uri="http://schemas.microsoft.com/office/2006/metadata/contentType"/>
-    <ds:schemaRef ds:uri="http://schemas.microsoft.com/office/2006/metadata/properties/metaAttributes"/>
-    <ds:schemaRef ds:uri="http://www.w3.org/2001/XMLSchema"/>
-    <ds:schemaRef ds:uri="http://schemas.microsoft.com/office/2006/metadata/properties"/>
-    <ds:schemaRef ds:uri="18812a47-41c3-4ae4-a99b-bb81eab4150b"/>
-    <ds:schemaRef ds:uri="a5c6db09-7ebe-4e6b-a76e-5dc93d18b60b"/>
-    <ds:schemaRef ds:uri="http://schemas.microsoft.com/office/2006/documentManagement/types"/>
-    <ds:schemaRef ds:uri="http://schemas.microsoft.com/office/infopath/2007/PartnerControls"/>
-    <ds:schemaRef ds:uri="http://schemas.openxmlformats.org/package/2006/metadata/core-properties"/>
-    <ds:schemaRef ds:uri="http://purl.org/dc/elements/1.1/"/>
-    <ds:schemaRef ds:uri="http://purl.org/dc/terms/"/>
-    <ds:schemaRef ds:uri="http://schemas.microsoft.com/internal/obd"/>
+    <ds:schemaRef ds:uri="http://schemas.microsoft.com/sharepoint/v3/contenttype/forms"/>
   </ds:schemaRefs>
 </ds:datastoreItem>
 </file>
--- a/HackerEarth_Idea_Submission_Template24414bb.pptx
+++ b/HackerEarth_Idea_Submission_Template24414bb.pptx
@@ -16201,13 +16201,21 @@
           <a:lstStyle/>
           <a:p>
             <a:r>
-              <a:rPr lang="en-US" dirty="0"/>
+              <a:rPr lang="en-US" dirty="0">
+                <a:solidFill>
+                  <a:schemeClr val="bg1"/>
+                </a:solidFill>
+              </a:rPr>
               <a:t>The web can expand even more with more features </a:t>
             </a:r>
           </a:p>
           <a:p>
             <a:r>
-              <a:rPr lang="en-US" dirty="0"/>
+              <a:rPr lang="en-US" dirty="0">
+                <a:solidFill>
+                  <a:schemeClr val="bg1"/>
+                </a:solidFill>
+              </a:rPr>
               <a:t>As there are even more topic , task, management , future guid and more in finance which can be implemented in this webapp very easy</a:t>
             </a:r>
           </a:p>
@@ -18379,7 +18387,7 @@
           <a:bodyPr/>
           <a:lstStyle/>
           <a:p>
-            <a:endParaRPr lang="en-US"/>
+            <a:endParaRPr lang="en-US" dirty="0"/>
           </a:p>
         </p:txBody>
       </p:sp>
@@ -18429,15 +18437,27 @@
           <a:lstStyle/>
           <a:p>
             <a:r>
-              <a:rPr lang="en-US" dirty="0"/>
+              <a:rPr lang="en-US" dirty="0">
+                <a:solidFill>
+                  <a:schemeClr val="bg1"/>
+                </a:solidFill>
+              </a:rPr>
               <a:t>As the this </a:t>
             </a:r>
             <a:r>
-              <a:rPr lang="en-US" dirty="0" err="1"/>
+              <a:rPr lang="en-US" dirty="0" err="1">
+                <a:solidFill>
+                  <a:schemeClr val="bg1"/>
+                </a:solidFill>
+              </a:rPr>
               <a:t>webapp</a:t>
             </a:r>
             <a:r>
-              <a:rPr lang="en-US" dirty="0"/>
+              <a:rPr lang="en-US" dirty="0">
+                <a:solidFill>
+                  <a:schemeClr val="bg1"/>
+                </a:solidFill>
+              </a:rPr>
               <a:t> gets more user the users login count can be used as a metrics that one can use to analyze the effect of the solution</a:t>
             </a:r>
           </a:p>
@@ -18479,6 +18499,16 @@
           <a:p>
             <a:pPr lvl="0"/>
             <a:r>
+              <a:rPr lang="en-US" dirty="0">
+                <a:solidFill>
+                  <a:schemeClr val="lt1"/>
+                </a:solidFill>
+                <a:latin typeface="Source Sans Pro" panose="020B0503030403020204" pitchFamily="34" charset="0"/>
+                <a:ea typeface="Source Sans Pro" panose="020B0503030403020204" pitchFamily="34" charset="0"/>
+              </a:rPr>
+              <a:t>What are the impact metrics that one can use to analyze the effect of the solution?</a:t>
+            </a:r>
+            <a:r>
               <a:rPr lang="en-US" b="0" dirty="0">
                 <a:solidFill>
                   <a:schemeClr val="lt1"/>
@@ -18486,7 +18516,7 @@
                 <a:latin typeface="Source Sans Pro" panose="020B0503030403020204" pitchFamily="34" charset="0"/>
                 <a:ea typeface="Source Sans Pro" panose="020B0503030403020204" pitchFamily="34" charset="0"/>
               </a:rPr>
-              <a:t>What are the impact metrics that one can use to analyze the effect of the solution?</a:t>
+              <a:t/>
             </a:r>
             <a:br>
               <a:rPr lang="en-US" b="0" dirty="0">
@@ -18548,35 +18578,55 @@
           <a:p>
             <a:pPr lvl="0"/>
             <a:r>
-              <a:rPr lang="en-US" dirty="0"/>
+              <a:rPr lang="en-US" b="0" dirty="0">
+                <a:solidFill>
+                  <a:schemeClr val="bg1"/>
+                </a:solidFill>
+              </a:rPr>
               <a:t>There is use of Python </a:t>
             </a:r>
           </a:p>
           <a:p>
             <a:pPr lvl="0"/>
             <a:r>
-              <a:rPr lang="en-US" dirty="0"/>
+              <a:rPr lang="en-US" b="0" dirty="0">
+                <a:solidFill>
+                  <a:schemeClr val="bg1"/>
+                </a:solidFill>
+              </a:rPr>
               <a:t> Django(framework) </a:t>
             </a:r>
           </a:p>
           <a:p>
             <a:pPr lvl="0"/>
             <a:r>
-              <a:rPr lang="en-US" dirty="0"/>
+              <a:rPr lang="en-US" b="0" dirty="0">
+                <a:solidFill>
+                  <a:schemeClr val="bg1"/>
+                </a:solidFill>
+              </a:rPr>
               <a:t>Random Forest Model(Machine Learning)</a:t>
             </a:r>
           </a:p>
           <a:p>
             <a:pPr lvl="0"/>
             <a:r>
-              <a:rPr lang="en-US" dirty="0"/>
+              <a:rPr lang="en-US" b="0" dirty="0">
+                <a:solidFill>
+                  <a:schemeClr val="bg1"/>
+                </a:solidFill>
+              </a:rPr>
               <a:t>Yfinance</a:t>
             </a:r>
           </a:p>
           <a:p>
             <a:pPr lvl="0"/>
             <a:r>
-              <a:rPr lang="en-US" dirty="0"/>
+              <a:rPr lang="en-US" b="0" dirty="0">
+                <a:solidFill>
+                  <a:schemeClr val="bg1"/>
+                </a:solidFill>
+              </a:rPr>
               <a:t>Jupyter Notebook</a:t>
             </a:r>
           </a:p>
@@ -18600,7 +18650,7 @@
           <a:bodyPr/>
           <a:lstStyle/>
           <a:p>
-            <a:endParaRPr lang="en-US"/>
+            <a:endParaRPr lang="en-US" dirty="0"/>
           </a:p>
         </p:txBody>
       </p:sp>
@@ -18621,7 +18671,7 @@
           <a:p>
             <a:pPr lvl="0"/>
             <a:r>
-              <a:rPr lang="en-US" b="0" dirty="0">
+              <a:rPr lang="en-US" dirty="0">
                 <a:solidFill>
                   <a:schemeClr val="lt1"/>
                 </a:solidFill>
@@ -18631,7 +18681,7 @@
               <a:t>Frameworks/Technologies stacks to be </a:t>
             </a:r>
             <a:r>
-              <a:rPr lang="en-US" b="0" dirty="0" smtClean="0">
+              <a:rPr lang="en-US" dirty="0" smtClean="0">
                 <a:solidFill>
                   <a:schemeClr val="lt1"/>
                 </a:solidFill>
@@ -18690,7 +18740,11 @@
           <a:lstStyle/>
           <a:p>
             <a:r>
-              <a:rPr lang="en-US" dirty="0"/>
+              <a:rPr lang="en-US" b="0" dirty="0">
+                <a:solidFill>
+                  <a:schemeClr val="bg1"/>
+                </a:solidFill>
+              </a:rPr>
               <a:t>The constraints in this webapp is to understand the flow to finamce in 2021 and how to present it to the users </a:t>
             </a:r>
           </a:p>
@@ -18735,7 +18789,7 @@
           <a:p>
             <a:pPr lvl="0"/>
             <a:r>
-              <a:rPr lang="en-US" b="0" dirty="0">
+              <a:rPr lang="en-US" dirty="0">
                 <a:solidFill>
                   <a:schemeClr val="lt1"/>
                 </a:solidFill>
@@ -18745,7 +18799,7 @@
               <a:t>Assumptions, constraints, and solution decision points (Reason behind choosing a technology</a:t>
             </a:r>
             <a:r>
-              <a:rPr lang="en-US" b="0" dirty="0" smtClean="0">
+              <a:rPr lang="en-US" dirty="0" smtClean="0">
                 <a:solidFill>
                   <a:schemeClr val="lt1"/>
                 </a:solidFill>
@@ -18805,28 +18859,44 @@
           <a:p>
             <a:pPr lvl="0"/>
             <a:r>
-              <a:rPr lang="en-US" dirty="0"/>
+              <a:rPr lang="en-US" b="0" dirty="0">
+                <a:solidFill>
+                  <a:schemeClr val="bg1"/>
+                </a:solidFill>
+              </a:rPr>
               <a:t>Now the internet is access to every one and it is easy to use the webapp </a:t>
             </a:r>
           </a:p>
           <a:p>
             <a:pPr lvl="0"/>
             <a:r>
-              <a:rPr lang="en-US" dirty="0"/>
+              <a:rPr lang="en-US" b="0" dirty="0">
+                <a:solidFill>
+                  <a:schemeClr val="bg1"/>
+                </a:solidFill>
+              </a:rPr>
               <a:t>And in guid section all of the topic are explained in text and as well as in videos .</a:t>
             </a:r>
           </a:p>
           <a:p>
             <a:pPr lvl="0"/>
             <a:r>
-              <a:rPr lang="en-US" dirty="0"/>
+              <a:rPr lang="en-US" b="0" dirty="0">
+                <a:solidFill>
+                  <a:schemeClr val="bg1"/>
+                </a:solidFill>
+              </a:rPr>
               <a:t>Most of the videos on this web is on youtube as it gives creators opportunity to share there knowleage to guid in finance</a:t>
             </a:r>
           </a:p>
           <a:p>
             <a:pPr lvl="0"/>
             <a:r>
-              <a:rPr lang="en-US" dirty="0"/>
+              <a:rPr lang="en-US" b="0" dirty="0">
+                <a:solidFill>
+                  <a:schemeClr val="bg1"/>
+                </a:solidFill>
+              </a:rPr>
               <a:t>Just in one click you can access the webapp and get information about finance </a:t>
             </a:r>
           </a:p>
@@ -18878,7 +18948,7 @@
               </a:spcBef>
             </a:pPr>
             <a:r>
-              <a:rPr lang="en-US" b="0" dirty="0">
+              <a:rPr lang="en-US" dirty="0">
                 <a:solidFill>
                   <a:schemeClr val="lt1"/>
                 </a:solidFill>
@@ -18888,7 +18958,7 @@
               <a:t>How easily can your solution be implemented and how effective will it </a:t>
             </a:r>
             <a:r>
-              <a:rPr lang="en-US" b="0" dirty="0" smtClean="0">
+              <a:rPr lang="en-US" dirty="0" smtClean="0">
                 <a:solidFill>
                   <a:schemeClr val="lt1"/>
                 </a:solidFill>
